--- a/helm/documents/Helm_Knowledge_Sharing.pptx
+++ b/helm/documents/Helm_Knowledge_Sharing.pptx
@@ -7,22 +7,33 @@
     <p:sldMasterId id="2147483674" r:id="rId4"/>
     <p:sldMasterId id="2147483687" r:id="rId5"/>
     <p:sldMasterId id="2147483700" r:id="rId6"/>
-    <p:sldMasterId id="2147483713" r:id="rId7"/>
   </p:sldMasterIdLst>
   <p:sldIdLst>
-    <p:sldId id="256" r:id="rId8"/>
-    <p:sldId id="257" r:id="rId9"/>
-    <p:sldId id="258" r:id="rId10"/>
-    <p:sldId id="259" r:id="rId11"/>
-    <p:sldId id="260" r:id="rId12"/>
-    <p:sldId id="261" r:id="rId13"/>
-    <p:sldId id="262" r:id="rId14"/>
-    <p:sldId id="263" r:id="rId15"/>
-    <p:sldId id="264" r:id="rId16"/>
-    <p:sldId id="265" r:id="rId17"/>
-    <p:sldId id="266" r:id="rId18"/>
-    <p:sldId id="267" r:id="rId19"/>
-    <p:sldId id="268" r:id="rId20"/>
+    <p:sldId id="256" r:id="rId7"/>
+    <p:sldId id="257" r:id="rId8"/>
+    <p:sldId id="258" r:id="rId9"/>
+    <p:sldId id="259" r:id="rId10"/>
+    <p:sldId id="260" r:id="rId11"/>
+    <p:sldId id="261" r:id="rId12"/>
+    <p:sldId id="262" r:id="rId13"/>
+    <p:sldId id="263" r:id="rId14"/>
+    <p:sldId id="264" r:id="rId15"/>
+    <p:sldId id="265" r:id="rId16"/>
+    <p:sldId id="266" r:id="rId17"/>
+    <p:sldId id="267" r:id="rId18"/>
+    <p:sldId id="268" r:id="rId19"/>
+    <p:sldId id="269" r:id="rId20"/>
+    <p:sldId id="270" r:id="rId21"/>
+    <p:sldId id="271" r:id="rId22"/>
+    <p:sldId id="272" r:id="rId23"/>
+    <p:sldId id="273" r:id="rId24"/>
+    <p:sldId id="274" r:id="rId25"/>
+    <p:sldId id="275" r:id="rId26"/>
+    <p:sldId id="276" r:id="rId27"/>
+    <p:sldId id="277" r:id="rId28"/>
+    <p:sldId id="278" r:id="rId29"/>
+    <p:sldId id="279" r:id="rId30"/>
+    <p:sldId id="280" r:id="rId31"/>
   </p:sldIdLst>
   <p:sldSz cx="12192000" cy="6858000"/>
   <p:notesSz cx="7559675" cy="10691812"/>
@@ -3490,7 +3501,7 @@
       </p:grpSpPr>
       <p:sp>
         <p:nvSpPr>
-          <p:cNvPr id="128" name="PlaceHolder 1"/>
+          <p:cNvPr id="127" name="PlaceHolder 1"/>
           <p:cNvSpPr>
             <a:spLocks noGrp="1"/>
           </p:cNvSpPr>
@@ -3521,7 +3532,7 @@
       </p:sp>
       <p:sp>
         <p:nvSpPr>
-          <p:cNvPr id="129" name="PlaceHolder 2"/>
+          <p:cNvPr id="128" name="PlaceHolder 2"/>
           <p:cNvSpPr>
             <a:spLocks noGrp="1"/>
           </p:cNvSpPr>
@@ -3574,7 +3585,7 @@
       </p:grpSpPr>
       <p:sp>
         <p:nvSpPr>
-          <p:cNvPr id="130" name="PlaceHolder 1"/>
+          <p:cNvPr id="129" name="PlaceHolder 1"/>
           <p:cNvSpPr>
             <a:spLocks noGrp="1"/>
           </p:cNvSpPr>
@@ -3605,7 +3616,7 @@
       </p:sp>
       <p:sp>
         <p:nvSpPr>
-          <p:cNvPr id="131" name="PlaceHolder 2"/>
+          <p:cNvPr id="130" name="PlaceHolder 2"/>
           <p:cNvSpPr>
             <a:spLocks noGrp="1"/>
           </p:cNvSpPr>
@@ -3770,7 +3781,7 @@
       </p:grpSpPr>
       <p:sp>
         <p:nvSpPr>
-          <p:cNvPr id="132" name="PlaceHolder 1"/>
+          <p:cNvPr id="131" name="PlaceHolder 1"/>
           <p:cNvSpPr>
             <a:spLocks noGrp="1"/>
           </p:cNvSpPr>
@@ -3801,7 +3812,7 @@
       </p:sp>
       <p:sp>
         <p:nvSpPr>
-          <p:cNvPr id="133" name="PlaceHolder 2"/>
+          <p:cNvPr id="132" name="PlaceHolder 2"/>
           <p:cNvSpPr>
             <a:spLocks noGrp="1"/>
           </p:cNvSpPr>
@@ -3831,7 +3842,7 @@
       </p:sp>
       <p:sp>
         <p:nvSpPr>
-          <p:cNvPr id="134" name="PlaceHolder 3"/>
+          <p:cNvPr id="133" name="PlaceHolder 3"/>
           <p:cNvSpPr>
             <a:spLocks noGrp="1"/>
           </p:cNvSpPr>
@@ -3883,7 +3894,7 @@
       </p:grpSpPr>
       <p:sp>
         <p:nvSpPr>
-          <p:cNvPr id="135" name="PlaceHolder 1"/>
+          <p:cNvPr id="134" name="PlaceHolder 1"/>
           <p:cNvSpPr>
             <a:spLocks noGrp="1"/>
           </p:cNvSpPr>
@@ -3936,7 +3947,7 @@
       </p:grpSpPr>
       <p:sp>
         <p:nvSpPr>
-          <p:cNvPr id="136" name="PlaceHolder 1"/>
+          <p:cNvPr id="135" name="PlaceHolder 1"/>
           <p:cNvSpPr>
             <a:spLocks noGrp="1"/>
           </p:cNvSpPr>
@@ -3989,7 +4000,7 @@
       </p:grpSpPr>
       <p:sp>
         <p:nvSpPr>
-          <p:cNvPr id="137" name="PlaceHolder 1"/>
+          <p:cNvPr id="136" name="PlaceHolder 1"/>
           <p:cNvSpPr>
             <a:spLocks noGrp="1"/>
           </p:cNvSpPr>
@@ -4020,7 +4031,7 @@
       </p:sp>
       <p:sp>
         <p:nvSpPr>
-          <p:cNvPr id="138" name="PlaceHolder 2"/>
+          <p:cNvPr id="137" name="PlaceHolder 2"/>
           <p:cNvSpPr>
             <a:spLocks noGrp="1"/>
           </p:cNvSpPr>
@@ -4050,7 +4061,7 @@
       </p:sp>
       <p:sp>
         <p:nvSpPr>
-          <p:cNvPr id="139" name="PlaceHolder 3"/>
+          <p:cNvPr id="138" name="PlaceHolder 3"/>
           <p:cNvSpPr>
             <a:spLocks noGrp="1"/>
           </p:cNvSpPr>
@@ -4080,7 +4091,7 @@
       </p:sp>
       <p:sp>
         <p:nvSpPr>
-          <p:cNvPr id="140" name="PlaceHolder 4"/>
+          <p:cNvPr id="139" name="PlaceHolder 4"/>
           <p:cNvSpPr>
             <a:spLocks noGrp="1"/>
           </p:cNvSpPr>
@@ -4132,7 +4143,7 @@
       </p:grpSpPr>
       <p:sp>
         <p:nvSpPr>
-          <p:cNvPr id="141" name="PlaceHolder 1"/>
+          <p:cNvPr id="140" name="PlaceHolder 1"/>
           <p:cNvSpPr>
             <a:spLocks noGrp="1"/>
           </p:cNvSpPr>
@@ -4163,7 +4174,7 @@
       </p:sp>
       <p:sp>
         <p:nvSpPr>
-          <p:cNvPr id="142" name="PlaceHolder 2"/>
+          <p:cNvPr id="141" name="PlaceHolder 2"/>
           <p:cNvSpPr>
             <a:spLocks noGrp="1"/>
           </p:cNvSpPr>
@@ -4193,7 +4204,7 @@
       </p:sp>
       <p:sp>
         <p:nvSpPr>
-          <p:cNvPr id="143" name="PlaceHolder 3"/>
+          <p:cNvPr id="142" name="PlaceHolder 3"/>
           <p:cNvSpPr>
             <a:spLocks noGrp="1"/>
           </p:cNvSpPr>
@@ -4223,7 +4234,7 @@
       </p:sp>
       <p:sp>
         <p:nvSpPr>
-          <p:cNvPr id="144" name="PlaceHolder 4"/>
+          <p:cNvPr id="143" name="PlaceHolder 4"/>
           <p:cNvSpPr>
             <a:spLocks noGrp="1"/>
           </p:cNvSpPr>
@@ -4275,7 +4286,7 @@
       </p:grpSpPr>
       <p:sp>
         <p:nvSpPr>
-          <p:cNvPr id="145" name="PlaceHolder 1"/>
+          <p:cNvPr id="144" name="PlaceHolder 1"/>
           <p:cNvSpPr>
             <a:spLocks noGrp="1"/>
           </p:cNvSpPr>
@@ -4306,7 +4317,7 @@
       </p:sp>
       <p:sp>
         <p:nvSpPr>
-          <p:cNvPr id="146" name="PlaceHolder 2"/>
+          <p:cNvPr id="145" name="PlaceHolder 2"/>
           <p:cNvSpPr>
             <a:spLocks noGrp="1"/>
           </p:cNvSpPr>
@@ -4336,7 +4347,7 @@
       </p:sp>
       <p:sp>
         <p:nvSpPr>
-          <p:cNvPr id="147" name="PlaceHolder 3"/>
+          <p:cNvPr id="146" name="PlaceHolder 3"/>
           <p:cNvSpPr>
             <a:spLocks noGrp="1"/>
           </p:cNvSpPr>
@@ -4366,7 +4377,7 @@
       </p:sp>
       <p:sp>
         <p:nvSpPr>
-          <p:cNvPr id="148" name="PlaceHolder 4"/>
+          <p:cNvPr id="147" name="PlaceHolder 4"/>
           <p:cNvSpPr>
             <a:spLocks noGrp="1"/>
           </p:cNvSpPr>
@@ -4418,7 +4429,7 @@
       </p:grpSpPr>
       <p:sp>
         <p:nvSpPr>
-          <p:cNvPr id="149" name="PlaceHolder 1"/>
+          <p:cNvPr id="148" name="PlaceHolder 1"/>
           <p:cNvSpPr>
             <a:spLocks noGrp="1"/>
           </p:cNvSpPr>
@@ -4449,7 +4460,7 @@
       </p:sp>
       <p:sp>
         <p:nvSpPr>
-          <p:cNvPr id="150" name="PlaceHolder 2"/>
+          <p:cNvPr id="149" name="PlaceHolder 2"/>
           <p:cNvSpPr>
             <a:spLocks noGrp="1"/>
           </p:cNvSpPr>
@@ -4479,7 +4490,7 @@
       </p:sp>
       <p:sp>
         <p:nvSpPr>
-          <p:cNvPr id="151" name="PlaceHolder 3"/>
+          <p:cNvPr id="150" name="PlaceHolder 3"/>
           <p:cNvSpPr>
             <a:spLocks noGrp="1"/>
           </p:cNvSpPr>
@@ -4531,7 +4542,7 @@
       </p:grpSpPr>
       <p:sp>
         <p:nvSpPr>
-          <p:cNvPr id="152" name="PlaceHolder 1"/>
+          <p:cNvPr id="151" name="PlaceHolder 1"/>
           <p:cNvSpPr>
             <a:spLocks noGrp="1"/>
           </p:cNvSpPr>
@@ -4562,7 +4573,7 @@
       </p:sp>
       <p:sp>
         <p:nvSpPr>
-          <p:cNvPr id="153" name="PlaceHolder 2"/>
+          <p:cNvPr id="152" name="PlaceHolder 2"/>
           <p:cNvSpPr>
             <a:spLocks noGrp="1"/>
           </p:cNvSpPr>
@@ -4592,7 +4603,7 @@
       </p:sp>
       <p:sp>
         <p:nvSpPr>
-          <p:cNvPr id="154" name="PlaceHolder 3"/>
+          <p:cNvPr id="153" name="PlaceHolder 3"/>
           <p:cNvSpPr>
             <a:spLocks noGrp="1"/>
           </p:cNvSpPr>
@@ -4622,7 +4633,7 @@
       </p:sp>
       <p:sp>
         <p:nvSpPr>
-          <p:cNvPr id="155" name="PlaceHolder 4"/>
+          <p:cNvPr id="154" name="PlaceHolder 4"/>
           <p:cNvSpPr>
             <a:spLocks noGrp="1"/>
           </p:cNvSpPr>
@@ -4652,7 +4663,7 @@
       </p:sp>
       <p:sp>
         <p:nvSpPr>
-          <p:cNvPr id="156" name="PlaceHolder 5"/>
+          <p:cNvPr id="155" name="PlaceHolder 5"/>
           <p:cNvSpPr>
             <a:spLocks noGrp="1"/>
           </p:cNvSpPr>
@@ -4704,7 +4715,7 @@
       </p:grpSpPr>
       <p:sp>
         <p:nvSpPr>
-          <p:cNvPr id="157" name="PlaceHolder 1"/>
+          <p:cNvPr id="156" name="PlaceHolder 1"/>
           <p:cNvSpPr>
             <a:spLocks noGrp="1"/>
           </p:cNvSpPr>
@@ -4735,7 +4746,7 @@
       </p:sp>
       <p:sp>
         <p:nvSpPr>
-          <p:cNvPr id="158" name="PlaceHolder 2"/>
+          <p:cNvPr id="157" name="PlaceHolder 2"/>
           <p:cNvSpPr>
             <a:spLocks noGrp="1"/>
           </p:cNvSpPr>
@@ -4765,7 +4776,7 @@
       </p:sp>
       <p:sp>
         <p:nvSpPr>
-          <p:cNvPr id="159" name="PlaceHolder 3"/>
+          <p:cNvPr id="158" name="PlaceHolder 3"/>
           <p:cNvSpPr>
             <a:spLocks noGrp="1"/>
           </p:cNvSpPr>
@@ -4795,7 +4806,7 @@
       </p:sp>
       <p:sp>
         <p:nvSpPr>
-          <p:cNvPr id="160" name="PlaceHolder 4"/>
+          <p:cNvPr id="159" name="PlaceHolder 4"/>
           <p:cNvSpPr>
             <a:spLocks noGrp="1"/>
           </p:cNvSpPr>
@@ -4825,7 +4836,7 @@
       </p:sp>
       <p:sp>
         <p:nvSpPr>
-          <p:cNvPr id="161" name="PlaceHolder 5"/>
+          <p:cNvPr id="160" name="PlaceHolder 5"/>
           <p:cNvSpPr>
             <a:spLocks noGrp="1"/>
           </p:cNvSpPr>
@@ -4855,7 +4866,7 @@
       </p:sp>
       <p:sp>
         <p:nvSpPr>
-          <p:cNvPr id="162" name="PlaceHolder 6"/>
+          <p:cNvPr id="161" name="PlaceHolder 6"/>
           <p:cNvSpPr>
             <a:spLocks noGrp="1"/>
           </p:cNvSpPr>
@@ -4885,7 +4896,7 @@
       </p:sp>
       <p:sp>
         <p:nvSpPr>
-          <p:cNvPr id="163" name="PlaceHolder 7"/>
+          <p:cNvPr id="162" name="PlaceHolder 7"/>
           <p:cNvSpPr>
             <a:spLocks noGrp="1"/>
           </p:cNvSpPr>
@@ -5012,7 +5023,7 @@
       </p:grpSpPr>
       <p:sp>
         <p:nvSpPr>
-          <p:cNvPr id="167" name="PlaceHolder 1"/>
+          <p:cNvPr id="169" name="PlaceHolder 1"/>
           <p:cNvSpPr>
             <a:spLocks noGrp="1"/>
           </p:cNvSpPr>
@@ -5043,7 +5054,7 @@
       </p:sp>
       <p:sp>
         <p:nvSpPr>
-          <p:cNvPr id="168" name="PlaceHolder 2"/>
+          <p:cNvPr id="170" name="PlaceHolder 2"/>
           <p:cNvSpPr>
             <a:spLocks noGrp="1"/>
           </p:cNvSpPr>
@@ -5096,7 +5107,7 @@
       </p:grpSpPr>
       <p:sp>
         <p:nvSpPr>
-          <p:cNvPr id="169" name="PlaceHolder 1"/>
+          <p:cNvPr id="171" name="PlaceHolder 1"/>
           <p:cNvSpPr>
             <a:spLocks noGrp="1"/>
           </p:cNvSpPr>
@@ -5127,7 +5138,7 @@
       </p:sp>
       <p:sp>
         <p:nvSpPr>
-          <p:cNvPr id="170" name="PlaceHolder 2"/>
+          <p:cNvPr id="172" name="PlaceHolder 2"/>
           <p:cNvSpPr>
             <a:spLocks noGrp="1"/>
           </p:cNvSpPr>
@@ -5179,7 +5190,7 @@
       </p:grpSpPr>
       <p:sp>
         <p:nvSpPr>
-          <p:cNvPr id="171" name="PlaceHolder 1"/>
+          <p:cNvPr id="173" name="PlaceHolder 1"/>
           <p:cNvSpPr>
             <a:spLocks noGrp="1"/>
           </p:cNvSpPr>
@@ -5210,7 +5221,7 @@
       </p:sp>
       <p:sp>
         <p:nvSpPr>
-          <p:cNvPr id="172" name="PlaceHolder 2"/>
+          <p:cNvPr id="174" name="PlaceHolder 2"/>
           <p:cNvSpPr>
             <a:spLocks noGrp="1"/>
           </p:cNvSpPr>
@@ -5240,7 +5251,7 @@
       </p:sp>
       <p:sp>
         <p:nvSpPr>
-          <p:cNvPr id="173" name="PlaceHolder 3"/>
+          <p:cNvPr id="175" name="PlaceHolder 3"/>
           <p:cNvSpPr>
             <a:spLocks noGrp="1"/>
           </p:cNvSpPr>
@@ -5292,7 +5303,7 @@
       </p:grpSpPr>
       <p:sp>
         <p:nvSpPr>
-          <p:cNvPr id="174" name="PlaceHolder 1"/>
+          <p:cNvPr id="176" name="PlaceHolder 1"/>
           <p:cNvSpPr>
             <a:spLocks noGrp="1"/>
           </p:cNvSpPr>
@@ -5345,7 +5356,7 @@
       </p:grpSpPr>
       <p:sp>
         <p:nvSpPr>
-          <p:cNvPr id="175" name="PlaceHolder 1"/>
+          <p:cNvPr id="177" name="PlaceHolder 1"/>
           <p:cNvSpPr>
             <a:spLocks noGrp="1"/>
           </p:cNvSpPr>
@@ -5398,7 +5409,7 @@
       </p:grpSpPr>
       <p:sp>
         <p:nvSpPr>
-          <p:cNvPr id="176" name="PlaceHolder 1"/>
+          <p:cNvPr id="178" name="PlaceHolder 1"/>
           <p:cNvSpPr>
             <a:spLocks noGrp="1"/>
           </p:cNvSpPr>
@@ -5429,7 +5440,7 @@
       </p:sp>
       <p:sp>
         <p:nvSpPr>
-          <p:cNvPr id="177" name="PlaceHolder 2"/>
+          <p:cNvPr id="179" name="PlaceHolder 2"/>
           <p:cNvSpPr>
             <a:spLocks noGrp="1"/>
           </p:cNvSpPr>
@@ -5459,7 +5470,7 @@
       </p:sp>
       <p:sp>
         <p:nvSpPr>
-          <p:cNvPr id="178" name="PlaceHolder 3"/>
+          <p:cNvPr id="180" name="PlaceHolder 3"/>
           <p:cNvSpPr>
             <a:spLocks noGrp="1"/>
           </p:cNvSpPr>
@@ -5489,7 +5500,7 @@
       </p:sp>
       <p:sp>
         <p:nvSpPr>
-          <p:cNvPr id="179" name="PlaceHolder 4"/>
+          <p:cNvPr id="181" name="PlaceHolder 4"/>
           <p:cNvSpPr>
             <a:spLocks noGrp="1"/>
           </p:cNvSpPr>
@@ -5541,7 +5552,7 @@
       </p:grpSpPr>
       <p:sp>
         <p:nvSpPr>
-          <p:cNvPr id="180" name="PlaceHolder 1"/>
+          <p:cNvPr id="182" name="PlaceHolder 1"/>
           <p:cNvSpPr>
             <a:spLocks noGrp="1"/>
           </p:cNvSpPr>
@@ -5572,7 +5583,7 @@
       </p:sp>
       <p:sp>
         <p:nvSpPr>
-          <p:cNvPr id="181" name="PlaceHolder 2"/>
+          <p:cNvPr id="183" name="PlaceHolder 2"/>
           <p:cNvSpPr>
             <a:spLocks noGrp="1"/>
           </p:cNvSpPr>
@@ -5602,7 +5613,7 @@
       </p:sp>
       <p:sp>
         <p:nvSpPr>
-          <p:cNvPr id="182" name="PlaceHolder 3"/>
+          <p:cNvPr id="184" name="PlaceHolder 3"/>
           <p:cNvSpPr>
             <a:spLocks noGrp="1"/>
           </p:cNvSpPr>
@@ -5632,7 +5643,7 @@
       </p:sp>
       <p:sp>
         <p:nvSpPr>
-          <p:cNvPr id="183" name="PlaceHolder 4"/>
+          <p:cNvPr id="185" name="PlaceHolder 4"/>
           <p:cNvSpPr>
             <a:spLocks noGrp="1"/>
           </p:cNvSpPr>
@@ -5684,7 +5695,7 @@
       </p:grpSpPr>
       <p:sp>
         <p:nvSpPr>
-          <p:cNvPr id="184" name="PlaceHolder 1"/>
+          <p:cNvPr id="186" name="PlaceHolder 1"/>
           <p:cNvSpPr>
             <a:spLocks noGrp="1"/>
           </p:cNvSpPr>
@@ -5715,7 +5726,7 @@
       </p:sp>
       <p:sp>
         <p:nvSpPr>
-          <p:cNvPr id="185" name="PlaceHolder 2"/>
+          <p:cNvPr id="187" name="PlaceHolder 2"/>
           <p:cNvSpPr>
             <a:spLocks noGrp="1"/>
           </p:cNvSpPr>
@@ -5745,7 +5756,7 @@
       </p:sp>
       <p:sp>
         <p:nvSpPr>
-          <p:cNvPr id="186" name="PlaceHolder 3"/>
+          <p:cNvPr id="188" name="PlaceHolder 3"/>
           <p:cNvSpPr>
             <a:spLocks noGrp="1"/>
           </p:cNvSpPr>
@@ -5775,7 +5786,7 @@
       </p:sp>
       <p:sp>
         <p:nvSpPr>
-          <p:cNvPr id="187" name="PlaceHolder 4"/>
+          <p:cNvPr id="189" name="PlaceHolder 4"/>
           <p:cNvSpPr>
             <a:spLocks noGrp="1"/>
           </p:cNvSpPr>
@@ -5827,7 +5838,7 @@
       </p:grpSpPr>
       <p:sp>
         <p:nvSpPr>
-          <p:cNvPr id="188" name="PlaceHolder 1"/>
+          <p:cNvPr id="190" name="PlaceHolder 1"/>
           <p:cNvSpPr>
             <a:spLocks noGrp="1"/>
           </p:cNvSpPr>
@@ -5858,7 +5869,7 @@
       </p:sp>
       <p:sp>
         <p:nvSpPr>
-          <p:cNvPr id="189" name="PlaceHolder 2"/>
+          <p:cNvPr id="191" name="PlaceHolder 2"/>
           <p:cNvSpPr>
             <a:spLocks noGrp="1"/>
           </p:cNvSpPr>
@@ -5888,7 +5899,7 @@
       </p:sp>
       <p:sp>
         <p:nvSpPr>
-          <p:cNvPr id="190" name="PlaceHolder 3"/>
+          <p:cNvPr id="192" name="PlaceHolder 3"/>
           <p:cNvSpPr>
             <a:spLocks noGrp="1"/>
           </p:cNvSpPr>
@@ -5940,7 +5951,7 @@
       </p:grpSpPr>
       <p:sp>
         <p:nvSpPr>
-          <p:cNvPr id="191" name="PlaceHolder 1"/>
+          <p:cNvPr id="193" name="PlaceHolder 1"/>
           <p:cNvSpPr>
             <a:spLocks noGrp="1"/>
           </p:cNvSpPr>
@@ -5971,7 +5982,7 @@
       </p:sp>
       <p:sp>
         <p:nvSpPr>
-          <p:cNvPr id="192" name="PlaceHolder 2"/>
+          <p:cNvPr id="194" name="PlaceHolder 2"/>
           <p:cNvSpPr>
             <a:spLocks noGrp="1"/>
           </p:cNvSpPr>
@@ -6001,7 +6012,7 @@
       </p:sp>
       <p:sp>
         <p:nvSpPr>
-          <p:cNvPr id="193" name="PlaceHolder 3"/>
+          <p:cNvPr id="195" name="PlaceHolder 3"/>
           <p:cNvSpPr>
             <a:spLocks noGrp="1"/>
           </p:cNvSpPr>
@@ -6031,7 +6042,7 @@
       </p:sp>
       <p:sp>
         <p:nvSpPr>
-          <p:cNvPr id="194" name="PlaceHolder 4"/>
+          <p:cNvPr id="196" name="PlaceHolder 4"/>
           <p:cNvSpPr>
             <a:spLocks noGrp="1"/>
           </p:cNvSpPr>
@@ -6061,7 +6072,7 @@
       </p:sp>
       <p:sp>
         <p:nvSpPr>
-          <p:cNvPr id="195" name="PlaceHolder 5"/>
+          <p:cNvPr id="197" name="PlaceHolder 5"/>
           <p:cNvSpPr>
             <a:spLocks noGrp="1"/>
           </p:cNvSpPr>
@@ -6166,7 +6177,7 @@
       </p:grpSpPr>
       <p:sp>
         <p:nvSpPr>
-          <p:cNvPr id="196" name="PlaceHolder 1"/>
+          <p:cNvPr id="198" name="PlaceHolder 1"/>
           <p:cNvSpPr>
             <a:spLocks noGrp="1"/>
           </p:cNvSpPr>
@@ -6197,7 +6208,7 @@
       </p:sp>
       <p:sp>
         <p:nvSpPr>
-          <p:cNvPr id="197" name="PlaceHolder 2"/>
+          <p:cNvPr id="199" name="PlaceHolder 2"/>
           <p:cNvSpPr>
             <a:spLocks noGrp="1"/>
           </p:cNvSpPr>
@@ -6227,7 +6238,7 @@
       </p:sp>
       <p:sp>
         <p:nvSpPr>
-          <p:cNvPr id="198" name="PlaceHolder 3"/>
+          <p:cNvPr id="200" name="PlaceHolder 3"/>
           <p:cNvSpPr>
             <a:spLocks noGrp="1"/>
           </p:cNvSpPr>
@@ -6257,7 +6268,7 @@
       </p:sp>
       <p:sp>
         <p:nvSpPr>
-          <p:cNvPr id="199" name="PlaceHolder 4"/>
+          <p:cNvPr id="201" name="PlaceHolder 4"/>
           <p:cNvSpPr>
             <a:spLocks noGrp="1"/>
           </p:cNvSpPr>
@@ -6287,7 +6298,7 @@
       </p:sp>
       <p:sp>
         <p:nvSpPr>
-          <p:cNvPr id="200" name="PlaceHolder 5"/>
+          <p:cNvPr id="202" name="PlaceHolder 5"/>
           <p:cNvSpPr>
             <a:spLocks noGrp="1"/>
           </p:cNvSpPr>
@@ -6317,7 +6328,7 @@
       </p:sp>
       <p:sp>
         <p:nvSpPr>
-          <p:cNvPr id="201" name="PlaceHolder 6"/>
+          <p:cNvPr id="203" name="PlaceHolder 6"/>
           <p:cNvSpPr>
             <a:spLocks noGrp="1"/>
           </p:cNvSpPr>
@@ -6347,7 +6358,7 @@
       </p:sp>
       <p:sp>
         <p:nvSpPr>
-          <p:cNvPr id="202" name="PlaceHolder 7"/>
+          <p:cNvPr id="204" name="PlaceHolder 7"/>
           <p:cNvSpPr>
             <a:spLocks noGrp="1"/>
           </p:cNvSpPr>
@@ -6359,843 +6370,6 @@
           <a:xfrm>
             <a:off x="8029800" y="3682080"/>
             <a:ext cx="3533040" cy="1896840"/>
-          </a:xfrm>
-          <a:prstGeom prst="rect">
-            <a:avLst/>
-          </a:prstGeom>
-        </p:spPr>
-        <p:txBody>
-          <a:bodyPr lIns="0" rIns="0" tIns="0" bIns="0">
-            <a:normAutofit/>
-          </a:bodyPr>
-          <a:p>
-            <a:endParaRPr b="0" lang="en-US" sz="3200" spc="-1" strike="noStrike">
-              <a:latin typeface="Arial"/>
-            </a:endParaRPr>
-          </a:p>
-        </p:txBody>
-      </p:sp>
-    </p:spTree>
-  </p:cSld>
-</p:sldLayout>
-</file>
-
-<file path=ppt/slideLayouts/slideLayout61.xml><?xml version="1.0" encoding="utf-8"?>
-<p:sldLayout xmlns:a="http://schemas.openxmlformats.org/drawingml/2006/main" xmlns:p="http://schemas.openxmlformats.org/presentationml/2006/main" xmlns:r="http://schemas.openxmlformats.org/officeDocument/2006/relationships" xmlns:p14="http://schemas.microsoft.com/office/powerpoint/2010/main" xmlns:p15="http://schemas.microsoft.com/office/powerpoint/2012/main" xmlns:mc="http://schemas.openxmlformats.org/markup-compatibility/2006" type="blank" preserve="1">
-  <p:cSld name="Blank Slide">
-    <p:spTree>
-      <p:nvGrpSpPr>
-        <p:cNvPr id="1" name=""/>
-        <p:cNvGrpSpPr/>
-        <p:nvPr/>
-      </p:nvGrpSpPr>
-      <p:grpSpPr>
-        <a:xfrm>
-          <a:off x="0" y="0"/>
-          <a:ext cx="0" cy="0"/>
-          <a:chOff x="0" y="0"/>
-          <a:chExt cx="0" cy="0"/>
-        </a:xfrm>
-      </p:grpSpPr>
-    </p:spTree>
-  </p:cSld>
-</p:sldLayout>
-</file>
-
-<file path=ppt/slideLayouts/slideLayout62.xml><?xml version="1.0" encoding="utf-8"?>
-<p:sldLayout xmlns:a="http://schemas.openxmlformats.org/drawingml/2006/main" xmlns:p="http://schemas.openxmlformats.org/presentationml/2006/main" xmlns:r="http://schemas.openxmlformats.org/officeDocument/2006/relationships" xmlns:p14="http://schemas.microsoft.com/office/powerpoint/2010/main" xmlns:p15="http://schemas.microsoft.com/office/powerpoint/2012/main" xmlns:mc="http://schemas.openxmlformats.org/markup-compatibility/2006" type="tx" preserve="1">
-  <p:cSld name="Title Slide">
-    <p:spTree>
-      <p:nvGrpSpPr>
-        <p:cNvPr id="1" name=""/>
-        <p:cNvGrpSpPr/>
-        <p:nvPr/>
-      </p:nvGrpSpPr>
-      <p:grpSpPr>
-        <a:xfrm>
-          <a:off x="0" y="0"/>
-          <a:ext cx="0" cy="0"/>
-          <a:chOff x="0" y="0"/>
-          <a:chExt cx="0" cy="0"/>
-        </a:xfrm>
-      </p:grpSpPr>
-      <p:sp>
-        <p:nvSpPr>
-          <p:cNvPr id="209" name="PlaceHolder 1"/>
-          <p:cNvSpPr>
-            <a:spLocks noGrp="1"/>
-          </p:cNvSpPr>
-          <p:nvPr>
-            <p:ph type="title"/>
-          </p:nvPr>
-        </p:nvSpPr>
-        <p:spPr>
-          <a:xfrm>
-            <a:off x="609480" y="273600"/>
-            <a:ext cx="10972440" cy="1144800"/>
-          </a:xfrm>
-          <a:prstGeom prst="rect">
-            <a:avLst/>
-          </a:prstGeom>
-        </p:spPr>
-        <p:txBody>
-          <a:bodyPr lIns="0" rIns="0" tIns="0" bIns="0" anchor="ctr">
-            <a:noAutofit/>
-          </a:bodyPr>
-          <a:p>
-            <a:pPr algn="ctr"/>
-            <a:endParaRPr b="0" lang="en-US" sz="4400" spc="-1" strike="noStrike">
-              <a:latin typeface="Arial"/>
-            </a:endParaRPr>
-          </a:p>
-        </p:txBody>
-      </p:sp>
-      <p:sp>
-        <p:nvSpPr>
-          <p:cNvPr id="210" name="PlaceHolder 2"/>
-          <p:cNvSpPr>
-            <a:spLocks noGrp="1"/>
-          </p:cNvSpPr>
-          <p:nvPr>
-            <p:ph type="subTitle"/>
-          </p:nvPr>
-        </p:nvSpPr>
-        <p:spPr>
-          <a:xfrm>
-            <a:off x="609480" y="1604520"/>
-            <a:ext cx="10972440" cy="3977280"/>
-          </a:xfrm>
-          <a:prstGeom prst="rect">
-            <a:avLst/>
-          </a:prstGeom>
-        </p:spPr>
-        <p:txBody>
-          <a:bodyPr lIns="0" rIns="0" tIns="0" bIns="0" anchor="ctr">
-            <a:noAutofit/>
-          </a:bodyPr>
-          <a:p>
-            <a:pPr algn="ctr"/>
-            <a:endParaRPr b="0" lang="en-US" sz="3200" spc="-1" strike="noStrike">
-              <a:latin typeface="Arial"/>
-            </a:endParaRPr>
-          </a:p>
-        </p:txBody>
-      </p:sp>
-    </p:spTree>
-  </p:cSld>
-</p:sldLayout>
-</file>
-
-<file path=ppt/slideLayouts/slideLayout63.xml><?xml version="1.0" encoding="utf-8"?>
-<p:sldLayout xmlns:a="http://schemas.openxmlformats.org/drawingml/2006/main" xmlns:p="http://schemas.openxmlformats.org/presentationml/2006/main" xmlns:r="http://schemas.openxmlformats.org/officeDocument/2006/relationships" xmlns:p14="http://schemas.microsoft.com/office/powerpoint/2010/main" xmlns:p15="http://schemas.microsoft.com/office/powerpoint/2012/main" xmlns:mc="http://schemas.openxmlformats.org/markup-compatibility/2006" type="obj" preserve="1">
-  <p:cSld name="Title, Content">
-    <p:spTree>
-      <p:nvGrpSpPr>
-        <p:cNvPr id="1" name=""/>
-        <p:cNvGrpSpPr/>
-        <p:nvPr/>
-      </p:nvGrpSpPr>
-      <p:grpSpPr>
-        <a:xfrm>
-          <a:off x="0" y="0"/>
-          <a:ext cx="0" cy="0"/>
-          <a:chOff x="0" y="0"/>
-          <a:chExt cx="0" cy="0"/>
-        </a:xfrm>
-      </p:grpSpPr>
-      <p:sp>
-        <p:nvSpPr>
-          <p:cNvPr id="211" name="PlaceHolder 1"/>
-          <p:cNvSpPr>
-            <a:spLocks noGrp="1"/>
-          </p:cNvSpPr>
-          <p:nvPr>
-            <p:ph type="title"/>
-          </p:nvPr>
-        </p:nvSpPr>
-        <p:spPr>
-          <a:xfrm>
-            <a:off x="609480" y="273600"/>
-            <a:ext cx="10972440" cy="1144800"/>
-          </a:xfrm>
-          <a:prstGeom prst="rect">
-            <a:avLst/>
-          </a:prstGeom>
-        </p:spPr>
-        <p:txBody>
-          <a:bodyPr lIns="0" rIns="0" tIns="0" bIns="0" anchor="ctr">
-            <a:noAutofit/>
-          </a:bodyPr>
-          <a:p>
-            <a:pPr algn="ctr"/>
-            <a:endParaRPr b="0" lang="en-US" sz="4400" spc="-1" strike="noStrike">
-              <a:latin typeface="Arial"/>
-            </a:endParaRPr>
-          </a:p>
-        </p:txBody>
-      </p:sp>
-      <p:sp>
-        <p:nvSpPr>
-          <p:cNvPr id="212" name="PlaceHolder 2"/>
-          <p:cNvSpPr>
-            <a:spLocks noGrp="1"/>
-          </p:cNvSpPr>
-          <p:nvPr>
-            <p:ph type="body"/>
-          </p:nvPr>
-        </p:nvSpPr>
-        <p:spPr>
-          <a:xfrm>
-            <a:off x="609480" y="1604520"/>
-            <a:ext cx="10972440" cy="3977280"/>
-          </a:xfrm>
-          <a:prstGeom prst="rect">
-            <a:avLst/>
-          </a:prstGeom>
-        </p:spPr>
-        <p:txBody>
-          <a:bodyPr lIns="0" rIns="0" tIns="0" bIns="0">
-            <a:normAutofit/>
-          </a:bodyPr>
-          <a:p>
-            <a:endParaRPr b="0" lang="en-US" sz="3200" spc="-1" strike="noStrike">
-              <a:latin typeface="Arial"/>
-            </a:endParaRPr>
-          </a:p>
-        </p:txBody>
-      </p:sp>
-    </p:spTree>
-  </p:cSld>
-</p:sldLayout>
-</file>
-
-<file path=ppt/slideLayouts/slideLayout64.xml><?xml version="1.0" encoding="utf-8"?>
-<p:sldLayout xmlns:a="http://schemas.openxmlformats.org/drawingml/2006/main" xmlns:p="http://schemas.openxmlformats.org/presentationml/2006/main" xmlns:r="http://schemas.openxmlformats.org/officeDocument/2006/relationships" xmlns:p14="http://schemas.microsoft.com/office/powerpoint/2010/main" xmlns:p15="http://schemas.microsoft.com/office/powerpoint/2012/main" xmlns:mc="http://schemas.openxmlformats.org/markup-compatibility/2006" type="twoObj" preserve="1">
-  <p:cSld name="Title, 2 Content">
-    <p:spTree>
-      <p:nvGrpSpPr>
-        <p:cNvPr id="1" name=""/>
-        <p:cNvGrpSpPr/>
-        <p:nvPr/>
-      </p:nvGrpSpPr>
-      <p:grpSpPr>
-        <a:xfrm>
-          <a:off x="0" y="0"/>
-          <a:ext cx="0" cy="0"/>
-          <a:chOff x="0" y="0"/>
-          <a:chExt cx="0" cy="0"/>
-        </a:xfrm>
-      </p:grpSpPr>
-      <p:sp>
-        <p:nvSpPr>
-          <p:cNvPr id="213" name="PlaceHolder 1"/>
-          <p:cNvSpPr>
-            <a:spLocks noGrp="1"/>
-          </p:cNvSpPr>
-          <p:nvPr>
-            <p:ph type="title"/>
-          </p:nvPr>
-        </p:nvSpPr>
-        <p:spPr>
-          <a:xfrm>
-            <a:off x="609480" y="273600"/>
-            <a:ext cx="10972440" cy="1144800"/>
-          </a:xfrm>
-          <a:prstGeom prst="rect">
-            <a:avLst/>
-          </a:prstGeom>
-        </p:spPr>
-        <p:txBody>
-          <a:bodyPr lIns="0" rIns="0" tIns="0" bIns="0" anchor="ctr">
-            <a:noAutofit/>
-          </a:bodyPr>
-          <a:p>
-            <a:pPr algn="ctr"/>
-            <a:endParaRPr b="0" lang="en-US" sz="4400" spc="-1" strike="noStrike">
-              <a:latin typeface="Arial"/>
-            </a:endParaRPr>
-          </a:p>
-        </p:txBody>
-      </p:sp>
-      <p:sp>
-        <p:nvSpPr>
-          <p:cNvPr id="214" name="PlaceHolder 2"/>
-          <p:cNvSpPr>
-            <a:spLocks noGrp="1"/>
-          </p:cNvSpPr>
-          <p:nvPr>
-            <p:ph type="body"/>
-          </p:nvPr>
-        </p:nvSpPr>
-        <p:spPr>
-          <a:xfrm>
-            <a:off x="609480" y="1604520"/>
-            <a:ext cx="5354280" cy="3977280"/>
-          </a:xfrm>
-          <a:prstGeom prst="rect">
-            <a:avLst/>
-          </a:prstGeom>
-        </p:spPr>
-        <p:txBody>
-          <a:bodyPr lIns="0" rIns="0" tIns="0" bIns="0">
-            <a:normAutofit/>
-          </a:bodyPr>
-          <a:p>
-            <a:endParaRPr b="0" lang="en-US" sz="3200" spc="-1" strike="noStrike">
-              <a:latin typeface="Arial"/>
-            </a:endParaRPr>
-          </a:p>
-        </p:txBody>
-      </p:sp>
-      <p:sp>
-        <p:nvSpPr>
-          <p:cNvPr id="215" name="PlaceHolder 3"/>
-          <p:cNvSpPr>
-            <a:spLocks noGrp="1"/>
-          </p:cNvSpPr>
-          <p:nvPr>
-            <p:ph type="body"/>
-          </p:nvPr>
-        </p:nvSpPr>
-        <p:spPr>
-          <a:xfrm>
-            <a:off x="6231960" y="1604520"/>
-            <a:ext cx="5354280" cy="3977280"/>
-          </a:xfrm>
-          <a:prstGeom prst="rect">
-            <a:avLst/>
-          </a:prstGeom>
-        </p:spPr>
-        <p:txBody>
-          <a:bodyPr lIns="0" rIns="0" tIns="0" bIns="0">
-            <a:normAutofit/>
-          </a:bodyPr>
-          <a:p>
-            <a:endParaRPr b="0" lang="en-US" sz="3200" spc="-1" strike="noStrike">
-              <a:latin typeface="Arial"/>
-            </a:endParaRPr>
-          </a:p>
-        </p:txBody>
-      </p:sp>
-    </p:spTree>
-  </p:cSld>
-</p:sldLayout>
-</file>
-
-<file path=ppt/slideLayouts/slideLayout65.xml><?xml version="1.0" encoding="utf-8"?>
-<p:sldLayout xmlns:a="http://schemas.openxmlformats.org/drawingml/2006/main" xmlns:p="http://schemas.openxmlformats.org/presentationml/2006/main" xmlns:r="http://schemas.openxmlformats.org/officeDocument/2006/relationships" xmlns:p14="http://schemas.microsoft.com/office/powerpoint/2010/main" xmlns:p15="http://schemas.microsoft.com/office/powerpoint/2012/main" xmlns:mc="http://schemas.openxmlformats.org/markup-compatibility/2006" type="titleOnly" preserve="1">
-  <p:cSld name="Title Only">
-    <p:spTree>
-      <p:nvGrpSpPr>
-        <p:cNvPr id="1" name=""/>
-        <p:cNvGrpSpPr/>
-        <p:nvPr/>
-      </p:nvGrpSpPr>
-      <p:grpSpPr>
-        <a:xfrm>
-          <a:off x="0" y="0"/>
-          <a:ext cx="0" cy="0"/>
-          <a:chOff x="0" y="0"/>
-          <a:chExt cx="0" cy="0"/>
-        </a:xfrm>
-      </p:grpSpPr>
-      <p:sp>
-        <p:nvSpPr>
-          <p:cNvPr id="216" name="PlaceHolder 1"/>
-          <p:cNvSpPr>
-            <a:spLocks noGrp="1"/>
-          </p:cNvSpPr>
-          <p:nvPr>
-            <p:ph type="title"/>
-          </p:nvPr>
-        </p:nvSpPr>
-        <p:spPr>
-          <a:xfrm>
-            <a:off x="609480" y="273600"/>
-            <a:ext cx="10972440" cy="1144800"/>
-          </a:xfrm>
-          <a:prstGeom prst="rect">
-            <a:avLst/>
-          </a:prstGeom>
-        </p:spPr>
-        <p:txBody>
-          <a:bodyPr lIns="0" rIns="0" tIns="0" bIns="0" anchor="ctr">
-            <a:noAutofit/>
-          </a:bodyPr>
-          <a:p>
-            <a:pPr algn="ctr"/>
-            <a:endParaRPr b="0" lang="en-US" sz="4400" spc="-1" strike="noStrike">
-              <a:latin typeface="Arial"/>
-            </a:endParaRPr>
-          </a:p>
-        </p:txBody>
-      </p:sp>
-    </p:spTree>
-  </p:cSld>
-</p:sldLayout>
-</file>
-
-<file path=ppt/slideLayouts/slideLayout66.xml><?xml version="1.0" encoding="utf-8"?>
-<p:sldLayout xmlns:a="http://schemas.openxmlformats.org/drawingml/2006/main" xmlns:p="http://schemas.openxmlformats.org/presentationml/2006/main" xmlns:r="http://schemas.openxmlformats.org/officeDocument/2006/relationships" xmlns:p14="http://schemas.microsoft.com/office/powerpoint/2010/main" xmlns:p15="http://schemas.microsoft.com/office/powerpoint/2012/main" xmlns:mc="http://schemas.openxmlformats.org/markup-compatibility/2006" type="objOnly" preserve="1">
-  <p:cSld name="Centered Text">
-    <p:spTree>
-      <p:nvGrpSpPr>
-        <p:cNvPr id="1" name=""/>
-        <p:cNvGrpSpPr/>
-        <p:nvPr/>
-      </p:nvGrpSpPr>
-      <p:grpSpPr>
-        <a:xfrm>
-          <a:off x="0" y="0"/>
-          <a:ext cx="0" cy="0"/>
-          <a:chOff x="0" y="0"/>
-          <a:chExt cx="0" cy="0"/>
-        </a:xfrm>
-      </p:grpSpPr>
-      <p:sp>
-        <p:nvSpPr>
-          <p:cNvPr id="217" name="PlaceHolder 1"/>
-          <p:cNvSpPr>
-            <a:spLocks noGrp="1"/>
-          </p:cNvSpPr>
-          <p:nvPr>
-            <p:ph type="subTitle"/>
-          </p:nvPr>
-        </p:nvSpPr>
-        <p:spPr>
-          <a:xfrm>
-            <a:off x="609480" y="273600"/>
-            <a:ext cx="10972440" cy="5307840"/>
-          </a:xfrm>
-          <a:prstGeom prst="rect">
-            <a:avLst/>
-          </a:prstGeom>
-        </p:spPr>
-        <p:txBody>
-          <a:bodyPr lIns="0" rIns="0" tIns="0" bIns="0" anchor="ctr">
-            <a:noAutofit/>
-          </a:bodyPr>
-          <a:p>
-            <a:pPr algn="ctr"/>
-            <a:endParaRPr b="0" lang="en-US" sz="3200" spc="-1" strike="noStrike">
-              <a:latin typeface="Arial"/>
-            </a:endParaRPr>
-          </a:p>
-        </p:txBody>
-      </p:sp>
-    </p:spTree>
-  </p:cSld>
-</p:sldLayout>
-</file>
-
-<file path=ppt/slideLayouts/slideLayout67.xml><?xml version="1.0" encoding="utf-8"?>
-<p:sldLayout xmlns:a="http://schemas.openxmlformats.org/drawingml/2006/main" xmlns:p="http://schemas.openxmlformats.org/presentationml/2006/main" xmlns:r="http://schemas.openxmlformats.org/officeDocument/2006/relationships" xmlns:p14="http://schemas.microsoft.com/office/powerpoint/2010/main" xmlns:p15="http://schemas.microsoft.com/office/powerpoint/2012/main" xmlns:mc="http://schemas.openxmlformats.org/markup-compatibility/2006" type="twoObjAndObj" preserve="1">
-  <p:cSld name="Title, 2 Content and Content">
-    <p:spTree>
-      <p:nvGrpSpPr>
-        <p:cNvPr id="1" name=""/>
-        <p:cNvGrpSpPr/>
-        <p:nvPr/>
-      </p:nvGrpSpPr>
-      <p:grpSpPr>
-        <a:xfrm>
-          <a:off x="0" y="0"/>
-          <a:ext cx="0" cy="0"/>
-          <a:chOff x="0" y="0"/>
-          <a:chExt cx="0" cy="0"/>
-        </a:xfrm>
-      </p:grpSpPr>
-      <p:sp>
-        <p:nvSpPr>
-          <p:cNvPr id="218" name="PlaceHolder 1"/>
-          <p:cNvSpPr>
-            <a:spLocks noGrp="1"/>
-          </p:cNvSpPr>
-          <p:nvPr>
-            <p:ph type="title"/>
-          </p:nvPr>
-        </p:nvSpPr>
-        <p:spPr>
-          <a:xfrm>
-            <a:off x="609480" y="273600"/>
-            <a:ext cx="10972440" cy="1144800"/>
-          </a:xfrm>
-          <a:prstGeom prst="rect">
-            <a:avLst/>
-          </a:prstGeom>
-        </p:spPr>
-        <p:txBody>
-          <a:bodyPr lIns="0" rIns="0" tIns="0" bIns="0" anchor="ctr">
-            <a:noAutofit/>
-          </a:bodyPr>
-          <a:p>
-            <a:pPr algn="ctr"/>
-            <a:endParaRPr b="0" lang="en-US" sz="4400" spc="-1" strike="noStrike">
-              <a:latin typeface="Arial"/>
-            </a:endParaRPr>
-          </a:p>
-        </p:txBody>
-      </p:sp>
-      <p:sp>
-        <p:nvSpPr>
-          <p:cNvPr id="219" name="PlaceHolder 2"/>
-          <p:cNvSpPr>
-            <a:spLocks noGrp="1"/>
-          </p:cNvSpPr>
-          <p:nvPr>
-            <p:ph type="body"/>
-          </p:nvPr>
-        </p:nvSpPr>
-        <p:spPr>
-          <a:xfrm>
-            <a:off x="609480" y="1604520"/>
-            <a:ext cx="5354280" cy="1896840"/>
-          </a:xfrm>
-          <a:prstGeom prst="rect">
-            <a:avLst/>
-          </a:prstGeom>
-        </p:spPr>
-        <p:txBody>
-          <a:bodyPr lIns="0" rIns="0" tIns="0" bIns="0">
-            <a:normAutofit/>
-          </a:bodyPr>
-          <a:p>
-            <a:endParaRPr b="0" lang="en-US" sz="3200" spc="-1" strike="noStrike">
-              <a:latin typeface="Arial"/>
-            </a:endParaRPr>
-          </a:p>
-        </p:txBody>
-      </p:sp>
-      <p:sp>
-        <p:nvSpPr>
-          <p:cNvPr id="220" name="PlaceHolder 3"/>
-          <p:cNvSpPr>
-            <a:spLocks noGrp="1"/>
-          </p:cNvSpPr>
-          <p:nvPr>
-            <p:ph type="body"/>
-          </p:nvPr>
-        </p:nvSpPr>
-        <p:spPr>
-          <a:xfrm>
-            <a:off x="6231960" y="1604520"/>
-            <a:ext cx="5354280" cy="3977280"/>
-          </a:xfrm>
-          <a:prstGeom prst="rect">
-            <a:avLst/>
-          </a:prstGeom>
-        </p:spPr>
-        <p:txBody>
-          <a:bodyPr lIns="0" rIns="0" tIns="0" bIns="0">
-            <a:normAutofit/>
-          </a:bodyPr>
-          <a:p>
-            <a:endParaRPr b="0" lang="en-US" sz="3200" spc="-1" strike="noStrike">
-              <a:latin typeface="Arial"/>
-            </a:endParaRPr>
-          </a:p>
-        </p:txBody>
-      </p:sp>
-      <p:sp>
-        <p:nvSpPr>
-          <p:cNvPr id="221" name="PlaceHolder 4"/>
-          <p:cNvSpPr>
-            <a:spLocks noGrp="1"/>
-          </p:cNvSpPr>
-          <p:nvPr>
-            <p:ph type="body"/>
-          </p:nvPr>
-        </p:nvSpPr>
-        <p:spPr>
-          <a:xfrm>
-            <a:off x="609480" y="3682080"/>
-            <a:ext cx="5354280" cy="1896840"/>
-          </a:xfrm>
-          <a:prstGeom prst="rect">
-            <a:avLst/>
-          </a:prstGeom>
-        </p:spPr>
-        <p:txBody>
-          <a:bodyPr lIns="0" rIns="0" tIns="0" bIns="0">
-            <a:normAutofit/>
-          </a:bodyPr>
-          <a:p>
-            <a:endParaRPr b="0" lang="en-US" sz="3200" spc="-1" strike="noStrike">
-              <a:latin typeface="Arial"/>
-            </a:endParaRPr>
-          </a:p>
-        </p:txBody>
-      </p:sp>
-    </p:spTree>
-  </p:cSld>
-</p:sldLayout>
-</file>
-
-<file path=ppt/slideLayouts/slideLayout68.xml><?xml version="1.0" encoding="utf-8"?>
-<p:sldLayout xmlns:a="http://schemas.openxmlformats.org/drawingml/2006/main" xmlns:p="http://schemas.openxmlformats.org/presentationml/2006/main" xmlns:r="http://schemas.openxmlformats.org/officeDocument/2006/relationships" xmlns:p14="http://schemas.microsoft.com/office/powerpoint/2010/main" xmlns:p15="http://schemas.microsoft.com/office/powerpoint/2012/main" xmlns:mc="http://schemas.openxmlformats.org/markup-compatibility/2006" type="objAndTwoObj" preserve="1">
-  <p:cSld name="Title Content and 2 Content">
-    <p:spTree>
-      <p:nvGrpSpPr>
-        <p:cNvPr id="1" name=""/>
-        <p:cNvGrpSpPr/>
-        <p:nvPr/>
-      </p:nvGrpSpPr>
-      <p:grpSpPr>
-        <a:xfrm>
-          <a:off x="0" y="0"/>
-          <a:ext cx="0" cy="0"/>
-          <a:chOff x="0" y="0"/>
-          <a:chExt cx="0" cy="0"/>
-        </a:xfrm>
-      </p:grpSpPr>
-      <p:sp>
-        <p:nvSpPr>
-          <p:cNvPr id="222" name="PlaceHolder 1"/>
-          <p:cNvSpPr>
-            <a:spLocks noGrp="1"/>
-          </p:cNvSpPr>
-          <p:nvPr>
-            <p:ph type="title"/>
-          </p:nvPr>
-        </p:nvSpPr>
-        <p:spPr>
-          <a:xfrm>
-            <a:off x="609480" y="273600"/>
-            <a:ext cx="10972440" cy="1144800"/>
-          </a:xfrm>
-          <a:prstGeom prst="rect">
-            <a:avLst/>
-          </a:prstGeom>
-        </p:spPr>
-        <p:txBody>
-          <a:bodyPr lIns="0" rIns="0" tIns="0" bIns="0" anchor="ctr">
-            <a:noAutofit/>
-          </a:bodyPr>
-          <a:p>
-            <a:pPr algn="ctr"/>
-            <a:endParaRPr b="0" lang="en-US" sz="4400" spc="-1" strike="noStrike">
-              <a:latin typeface="Arial"/>
-            </a:endParaRPr>
-          </a:p>
-        </p:txBody>
-      </p:sp>
-      <p:sp>
-        <p:nvSpPr>
-          <p:cNvPr id="223" name="PlaceHolder 2"/>
-          <p:cNvSpPr>
-            <a:spLocks noGrp="1"/>
-          </p:cNvSpPr>
-          <p:nvPr>
-            <p:ph type="body"/>
-          </p:nvPr>
-        </p:nvSpPr>
-        <p:spPr>
-          <a:xfrm>
-            <a:off x="609480" y="1604520"/>
-            <a:ext cx="5354280" cy="3977280"/>
-          </a:xfrm>
-          <a:prstGeom prst="rect">
-            <a:avLst/>
-          </a:prstGeom>
-        </p:spPr>
-        <p:txBody>
-          <a:bodyPr lIns="0" rIns="0" tIns="0" bIns="0">
-            <a:normAutofit/>
-          </a:bodyPr>
-          <a:p>
-            <a:endParaRPr b="0" lang="en-US" sz="3200" spc="-1" strike="noStrike">
-              <a:latin typeface="Arial"/>
-            </a:endParaRPr>
-          </a:p>
-        </p:txBody>
-      </p:sp>
-      <p:sp>
-        <p:nvSpPr>
-          <p:cNvPr id="224" name="PlaceHolder 3"/>
-          <p:cNvSpPr>
-            <a:spLocks noGrp="1"/>
-          </p:cNvSpPr>
-          <p:nvPr>
-            <p:ph type="body"/>
-          </p:nvPr>
-        </p:nvSpPr>
-        <p:spPr>
-          <a:xfrm>
-            <a:off x="6231960" y="1604520"/>
-            <a:ext cx="5354280" cy="1896840"/>
-          </a:xfrm>
-          <a:prstGeom prst="rect">
-            <a:avLst/>
-          </a:prstGeom>
-        </p:spPr>
-        <p:txBody>
-          <a:bodyPr lIns="0" rIns="0" tIns="0" bIns="0">
-            <a:normAutofit/>
-          </a:bodyPr>
-          <a:p>
-            <a:endParaRPr b="0" lang="en-US" sz="3200" spc="-1" strike="noStrike">
-              <a:latin typeface="Arial"/>
-            </a:endParaRPr>
-          </a:p>
-        </p:txBody>
-      </p:sp>
-      <p:sp>
-        <p:nvSpPr>
-          <p:cNvPr id="225" name="PlaceHolder 4"/>
-          <p:cNvSpPr>
-            <a:spLocks noGrp="1"/>
-          </p:cNvSpPr>
-          <p:nvPr>
-            <p:ph type="body"/>
-          </p:nvPr>
-        </p:nvSpPr>
-        <p:spPr>
-          <a:xfrm>
-            <a:off x="6231960" y="3682080"/>
-            <a:ext cx="5354280" cy="1896840"/>
-          </a:xfrm>
-          <a:prstGeom prst="rect">
-            <a:avLst/>
-          </a:prstGeom>
-        </p:spPr>
-        <p:txBody>
-          <a:bodyPr lIns="0" rIns="0" tIns="0" bIns="0">
-            <a:normAutofit/>
-          </a:bodyPr>
-          <a:p>
-            <a:endParaRPr b="0" lang="en-US" sz="3200" spc="-1" strike="noStrike">
-              <a:latin typeface="Arial"/>
-            </a:endParaRPr>
-          </a:p>
-        </p:txBody>
-      </p:sp>
-    </p:spTree>
-  </p:cSld>
-</p:sldLayout>
-</file>
-
-<file path=ppt/slideLayouts/slideLayout69.xml><?xml version="1.0" encoding="utf-8"?>
-<p:sldLayout xmlns:a="http://schemas.openxmlformats.org/drawingml/2006/main" xmlns:p="http://schemas.openxmlformats.org/presentationml/2006/main" xmlns:r="http://schemas.openxmlformats.org/officeDocument/2006/relationships" xmlns:p14="http://schemas.microsoft.com/office/powerpoint/2010/main" xmlns:p15="http://schemas.microsoft.com/office/powerpoint/2012/main" xmlns:mc="http://schemas.openxmlformats.org/markup-compatibility/2006" type="twoObjOverTx" preserve="1">
-  <p:cSld name="Title, 2 Content over Content">
-    <p:spTree>
-      <p:nvGrpSpPr>
-        <p:cNvPr id="1" name=""/>
-        <p:cNvGrpSpPr/>
-        <p:nvPr/>
-      </p:nvGrpSpPr>
-      <p:grpSpPr>
-        <a:xfrm>
-          <a:off x="0" y="0"/>
-          <a:ext cx="0" cy="0"/>
-          <a:chOff x="0" y="0"/>
-          <a:chExt cx="0" cy="0"/>
-        </a:xfrm>
-      </p:grpSpPr>
-      <p:sp>
-        <p:nvSpPr>
-          <p:cNvPr id="226" name="PlaceHolder 1"/>
-          <p:cNvSpPr>
-            <a:spLocks noGrp="1"/>
-          </p:cNvSpPr>
-          <p:nvPr>
-            <p:ph type="title"/>
-          </p:nvPr>
-        </p:nvSpPr>
-        <p:spPr>
-          <a:xfrm>
-            <a:off x="609480" y="273600"/>
-            <a:ext cx="10972440" cy="1144800"/>
-          </a:xfrm>
-          <a:prstGeom prst="rect">
-            <a:avLst/>
-          </a:prstGeom>
-        </p:spPr>
-        <p:txBody>
-          <a:bodyPr lIns="0" rIns="0" tIns="0" bIns="0" anchor="ctr">
-            <a:noAutofit/>
-          </a:bodyPr>
-          <a:p>
-            <a:pPr algn="ctr"/>
-            <a:endParaRPr b="0" lang="en-US" sz="4400" spc="-1" strike="noStrike">
-              <a:latin typeface="Arial"/>
-            </a:endParaRPr>
-          </a:p>
-        </p:txBody>
-      </p:sp>
-      <p:sp>
-        <p:nvSpPr>
-          <p:cNvPr id="227" name="PlaceHolder 2"/>
-          <p:cNvSpPr>
-            <a:spLocks noGrp="1"/>
-          </p:cNvSpPr>
-          <p:nvPr>
-            <p:ph type="body"/>
-          </p:nvPr>
-        </p:nvSpPr>
-        <p:spPr>
-          <a:xfrm>
-            <a:off x="609480" y="1604520"/>
-            <a:ext cx="5354280" cy="1896840"/>
-          </a:xfrm>
-          <a:prstGeom prst="rect">
-            <a:avLst/>
-          </a:prstGeom>
-        </p:spPr>
-        <p:txBody>
-          <a:bodyPr lIns="0" rIns="0" tIns="0" bIns="0">
-            <a:normAutofit/>
-          </a:bodyPr>
-          <a:p>
-            <a:endParaRPr b="0" lang="en-US" sz="3200" spc="-1" strike="noStrike">
-              <a:latin typeface="Arial"/>
-            </a:endParaRPr>
-          </a:p>
-        </p:txBody>
-      </p:sp>
-      <p:sp>
-        <p:nvSpPr>
-          <p:cNvPr id="228" name="PlaceHolder 3"/>
-          <p:cNvSpPr>
-            <a:spLocks noGrp="1"/>
-          </p:cNvSpPr>
-          <p:nvPr>
-            <p:ph type="body"/>
-          </p:nvPr>
-        </p:nvSpPr>
-        <p:spPr>
-          <a:xfrm>
-            <a:off x="6231960" y="1604520"/>
-            <a:ext cx="5354280" cy="1896840"/>
-          </a:xfrm>
-          <a:prstGeom prst="rect">
-            <a:avLst/>
-          </a:prstGeom>
-        </p:spPr>
-        <p:txBody>
-          <a:bodyPr lIns="0" rIns="0" tIns="0" bIns="0">
-            <a:normAutofit/>
-          </a:bodyPr>
-          <a:p>
-            <a:endParaRPr b="0" lang="en-US" sz="3200" spc="-1" strike="noStrike">
-              <a:latin typeface="Arial"/>
-            </a:endParaRPr>
-          </a:p>
-        </p:txBody>
-      </p:sp>
-      <p:sp>
-        <p:nvSpPr>
-          <p:cNvPr id="229" name="PlaceHolder 4"/>
-          <p:cNvSpPr>
-            <a:spLocks noGrp="1"/>
-          </p:cNvSpPr>
-          <p:nvPr>
-            <p:ph type="body"/>
-          </p:nvPr>
-        </p:nvSpPr>
-        <p:spPr>
-          <a:xfrm>
-            <a:off x="609480" y="3682080"/>
-            <a:ext cx="10972440" cy="1896840"/>
           </a:xfrm>
           <a:prstGeom prst="rect">
             <a:avLst/>
@@ -7339,525 +6513,6 @@
           <a:xfrm>
             <a:off x="609480" y="3682080"/>
             <a:ext cx="5354280" cy="1896840"/>
-          </a:xfrm>
-          <a:prstGeom prst="rect">
-            <a:avLst/>
-          </a:prstGeom>
-        </p:spPr>
-        <p:txBody>
-          <a:bodyPr lIns="0" rIns="0" tIns="0" bIns="0">
-            <a:normAutofit/>
-          </a:bodyPr>
-          <a:p>
-            <a:endParaRPr b="0" lang="en-US" sz="3200" spc="-1" strike="noStrike">
-              <a:latin typeface="Arial"/>
-            </a:endParaRPr>
-          </a:p>
-        </p:txBody>
-      </p:sp>
-    </p:spTree>
-  </p:cSld>
-</p:sldLayout>
-</file>
-
-<file path=ppt/slideLayouts/slideLayout70.xml><?xml version="1.0" encoding="utf-8"?>
-<p:sldLayout xmlns:a="http://schemas.openxmlformats.org/drawingml/2006/main" xmlns:p="http://schemas.openxmlformats.org/presentationml/2006/main" xmlns:r="http://schemas.openxmlformats.org/officeDocument/2006/relationships" xmlns:p14="http://schemas.microsoft.com/office/powerpoint/2010/main" xmlns:p15="http://schemas.microsoft.com/office/powerpoint/2012/main" xmlns:mc="http://schemas.openxmlformats.org/markup-compatibility/2006" type="objOverTx" preserve="1">
-  <p:cSld name="Title, Content over Content">
-    <p:spTree>
-      <p:nvGrpSpPr>
-        <p:cNvPr id="1" name=""/>
-        <p:cNvGrpSpPr/>
-        <p:nvPr/>
-      </p:nvGrpSpPr>
-      <p:grpSpPr>
-        <a:xfrm>
-          <a:off x="0" y="0"/>
-          <a:ext cx="0" cy="0"/>
-          <a:chOff x="0" y="0"/>
-          <a:chExt cx="0" cy="0"/>
-        </a:xfrm>
-      </p:grpSpPr>
-      <p:sp>
-        <p:nvSpPr>
-          <p:cNvPr id="230" name="PlaceHolder 1"/>
-          <p:cNvSpPr>
-            <a:spLocks noGrp="1"/>
-          </p:cNvSpPr>
-          <p:nvPr>
-            <p:ph type="title"/>
-          </p:nvPr>
-        </p:nvSpPr>
-        <p:spPr>
-          <a:xfrm>
-            <a:off x="609480" y="273600"/>
-            <a:ext cx="10972440" cy="1144800"/>
-          </a:xfrm>
-          <a:prstGeom prst="rect">
-            <a:avLst/>
-          </a:prstGeom>
-        </p:spPr>
-        <p:txBody>
-          <a:bodyPr lIns="0" rIns="0" tIns="0" bIns="0" anchor="ctr">
-            <a:noAutofit/>
-          </a:bodyPr>
-          <a:p>
-            <a:pPr algn="ctr"/>
-            <a:endParaRPr b="0" lang="en-US" sz="4400" spc="-1" strike="noStrike">
-              <a:latin typeface="Arial"/>
-            </a:endParaRPr>
-          </a:p>
-        </p:txBody>
-      </p:sp>
-      <p:sp>
-        <p:nvSpPr>
-          <p:cNvPr id="231" name="PlaceHolder 2"/>
-          <p:cNvSpPr>
-            <a:spLocks noGrp="1"/>
-          </p:cNvSpPr>
-          <p:nvPr>
-            <p:ph type="body"/>
-          </p:nvPr>
-        </p:nvSpPr>
-        <p:spPr>
-          <a:xfrm>
-            <a:off x="609480" y="1604520"/>
-            <a:ext cx="10972440" cy="1896840"/>
-          </a:xfrm>
-          <a:prstGeom prst="rect">
-            <a:avLst/>
-          </a:prstGeom>
-        </p:spPr>
-        <p:txBody>
-          <a:bodyPr lIns="0" rIns="0" tIns="0" bIns="0">
-            <a:normAutofit/>
-          </a:bodyPr>
-          <a:p>
-            <a:endParaRPr b="0" lang="en-US" sz="3200" spc="-1" strike="noStrike">
-              <a:latin typeface="Arial"/>
-            </a:endParaRPr>
-          </a:p>
-        </p:txBody>
-      </p:sp>
-      <p:sp>
-        <p:nvSpPr>
-          <p:cNvPr id="232" name="PlaceHolder 3"/>
-          <p:cNvSpPr>
-            <a:spLocks noGrp="1"/>
-          </p:cNvSpPr>
-          <p:nvPr>
-            <p:ph type="body"/>
-          </p:nvPr>
-        </p:nvSpPr>
-        <p:spPr>
-          <a:xfrm>
-            <a:off x="609480" y="3682080"/>
-            <a:ext cx="10972440" cy="1896840"/>
-          </a:xfrm>
-          <a:prstGeom prst="rect">
-            <a:avLst/>
-          </a:prstGeom>
-        </p:spPr>
-        <p:txBody>
-          <a:bodyPr lIns="0" rIns="0" tIns="0" bIns="0">
-            <a:normAutofit/>
-          </a:bodyPr>
-          <a:p>
-            <a:endParaRPr b="0" lang="en-US" sz="3200" spc="-1" strike="noStrike">
-              <a:latin typeface="Arial"/>
-            </a:endParaRPr>
-          </a:p>
-        </p:txBody>
-      </p:sp>
-    </p:spTree>
-  </p:cSld>
-</p:sldLayout>
-</file>
-
-<file path=ppt/slideLayouts/slideLayout71.xml><?xml version="1.0" encoding="utf-8"?>
-<p:sldLayout xmlns:a="http://schemas.openxmlformats.org/drawingml/2006/main" xmlns:p="http://schemas.openxmlformats.org/presentationml/2006/main" xmlns:r="http://schemas.openxmlformats.org/officeDocument/2006/relationships" xmlns:p14="http://schemas.microsoft.com/office/powerpoint/2010/main" xmlns:p15="http://schemas.microsoft.com/office/powerpoint/2012/main" xmlns:mc="http://schemas.openxmlformats.org/markup-compatibility/2006" type="fourObj" preserve="1">
-  <p:cSld name="Title, 4 Content">
-    <p:spTree>
-      <p:nvGrpSpPr>
-        <p:cNvPr id="1" name=""/>
-        <p:cNvGrpSpPr/>
-        <p:nvPr/>
-      </p:nvGrpSpPr>
-      <p:grpSpPr>
-        <a:xfrm>
-          <a:off x="0" y="0"/>
-          <a:ext cx="0" cy="0"/>
-          <a:chOff x="0" y="0"/>
-          <a:chExt cx="0" cy="0"/>
-        </a:xfrm>
-      </p:grpSpPr>
-      <p:sp>
-        <p:nvSpPr>
-          <p:cNvPr id="233" name="PlaceHolder 1"/>
-          <p:cNvSpPr>
-            <a:spLocks noGrp="1"/>
-          </p:cNvSpPr>
-          <p:nvPr>
-            <p:ph type="title"/>
-          </p:nvPr>
-        </p:nvSpPr>
-        <p:spPr>
-          <a:xfrm>
-            <a:off x="609480" y="273600"/>
-            <a:ext cx="10972440" cy="1144800"/>
-          </a:xfrm>
-          <a:prstGeom prst="rect">
-            <a:avLst/>
-          </a:prstGeom>
-        </p:spPr>
-        <p:txBody>
-          <a:bodyPr lIns="0" rIns="0" tIns="0" bIns="0" anchor="ctr">
-            <a:noAutofit/>
-          </a:bodyPr>
-          <a:p>
-            <a:pPr algn="ctr"/>
-            <a:endParaRPr b="0" lang="en-US" sz="4400" spc="-1" strike="noStrike">
-              <a:latin typeface="Arial"/>
-            </a:endParaRPr>
-          </a:p>
-        </p:txBody>
-      </p:sp>
-      <p:sp>
-        <p:nvSpPr>
-          <p:cNvPr id="234" name="PlaceHolder 2"/>
-          <p:cNvSpPr>
-            <a:spLocks noGrp="1"/>
-          </p:cNvSpPr>
-          <p:nvPr>
-            <p:ph type="body"/>
-          </p:nvPr>
-        </p:nvSpPr>
-        <p:spPr>
-          <a:xfrm>
-            <a:off x="609480" y="1604520"/>
-            <a:ext cx="5354280" cy="1896840"/>
-          </a:xfrm>
-          <a:prstGeom prst="rect">
-            <a:avLst/>
-          </a:prstGeom>
-        </p:spPr>
-        <p:txBody>
-          <a:bodyPr lIns="0" rIns="0" tIns="0" bIns="0">
-            <a:normAutofit/>
-          </a:bodyPr>
-          <a:p>
-            <a:endParaRPr b="0" lang="en-US" sz="3200" spc="-1" strike="noStrike">
-              <a:latin typeface="Arial"/>
-            </a:endParaRPr>
-          </a:p>
-        </p:txBody>
-      </p:sp>
-      <p:sp>
-        <p:nvSpPr>
-          <p:cNvPr id="235" name="PlaceHolder 3"/>
-          <p:cNvSpPr>
-            <a:spLocks noGrp="1"/>
-          </p:cNvSpPr>
-          <p:nvPr>
-            <p:ph type="body"/>
-          </p:nvPr>
-        </p:nvSpPr>
-        <p:spPr>
-          <a:xfrm>
-            <a:off x="6231960" y="1604520"/>
-            <a:ext cx="5354280" cy="1896840"/>
-          </a:xfrm>
-          <a:prstGeom prst="rect">
-            <a:avLst/>
-          </a:prstGeom>
-        </p:spPr>
-        <p:txBody>
-          <a:bodyPr lIns="0" rIns="0" tIns="0" bIns="0">
-            <a:normAutofit/>
-          </a:bodyPr>
-          <a:p>
-            <a:endParaRPr b="0" lang="en-US" sz="3200" spc="-1" strike="noStrike">
-              <a:latin typeface="Arial"/>
-            </a:endParaRPr>
-          </a:p>
-        </p:txBody>
-      </p:sp>
-      <p:sp>
-        <p:nvSpPr>
-          <p:cNvPr id="236" name="PlaceHolder 4"/>
-          <p:cNvSpPr>
-            <a:spLocks noGrp="1"/>
-          </p:cNvSpPr>
-          <p:nvPr>
-            <p:ph type="body"/>
-          </p:nvPr>
-        </p:nvSpPr>
-        <p:spPr>
-          <a:xfrm>
-            <a:off x="609480" y="3682080"/>
-            <a:ext cx="5354280" cy="1896840"/>
-          </a:xfrm>
-          <a:prstGeom prst="rect">
-            <a:avLst/>
-          </a:prstGeom>
-        </p:spPr>
-        <p:txBody>
-          <a:bodyPr lIns="0" rIns="0" tIns="0" bIns="0">
-            <a:normAutofit/>
-          </a:bodyPr>
-          <a:p>
-            <a:endParaRPr b="0" lang="en-US" sz="3200" spc="-1" strike="noStrike">
-              <a:latin typeface="Arial"/>
-            </a:endParaRPr>
-          </a:p>
-        </p:txBody>
-      </p:sp>
-      <p:sp>
-        <p:nvSpPr>
-          <p:cNvPr id="237" name="PlaceHolder 5"/>
-          <p:cNvSpPr>
-            <a:spLocks noGrp="1"/>
-          </p:cNvSpPr>
-          <p:nvPr>
-            <p:ph type="body"/>
-          </p:nvPr>
-        </p:nvSpPr>
-        <p:spPr>
-          <a:xfrm>
-            <a:off x="6231960" y="3682080"/>
-            <a:ext cx="5354280" cy="1896840"/>
-          </a:xfrm>
-          <a:prstGeom prst="rect">
-            <a:avLst/>
-          </a:prstGeom>
-        </p:spPr>
-        <p:txBody>
-          <a:bodyPr lIns="0" rIns="0" tIns="0" bIns="0">
-            <a:normAutofit/>
-          </a:bodyPr>
-          <a:p>
-            <a:endParaRPr b="0" lang="en-US" sz="3200" spc="-1" strike="noStrike">
-              <a:latin typeface="Arial"/>
-            </a:endParaRPr>
-          </a:p>
-        </p:txBody>
-      </p:sp>
-    </p:spTree>
-  </p:cSld>
-</p:sldLayout>
-</file>
-
-<file path=ppt/slideLayouts/slideLayout72.xml><?xml version="1.0" encoding="utf-8"?>
-<p:sldLayout xmlns:a="http://schemas.openxmlformats.org/drawingml/2006/main" xmlns:p="http://schemas.openxmlformats.org/presentationml/2006/main" xmlns:r="http://schemas.openxmlformats.org/officeDocument/2006/relationships" xmlns:p14="http://schemas.microsoft.com/office/powerpoint/2010/main" xmlns:p15="http://schemas.microsoft.com/office/powerpoint/2012/main" xmlns:mc="http://schemas.openxmlformats.org/markup-compatibility/2006" type="blank" preserve="1">
-  <p:cSld name="Title, 6 Content">
-    <p:spTree>
-      <p:nvGrpSpPr>
-        <p:cNvPr id="1" name=""/>
-        <p:cNvGrpSpPr/>
-        <p:nvPr/>
-      </p:nvGrpSpPr>
-      <p:grpSpPr>
-        <a:xfrm>
-          <a:off x="0" y="0"/>
-          <a:ext cx="0" cy="0"/>
-          <a:chOff x="0" y="0"/>
-          <a:chExt cx="0" cy="0"/>
-        </a:xfrm>
-      </p:grpSpPr>
-      <p:sp>
-        <p:nvSpPr>
-          <p:cNvPr id="238" name="PlaceHolder 1"/>
-          <p:cNvSpPr>
-            <a:spLocks noGrp="1"/>
-          </p:cNvSpPr>
-          <p:nvPr>
-            <p:ph type="title"/>
-          </p:nvPr>
-        </p:nvSpPr>
-        <p:spPr>
-          <a:xfrm>
-            <a:off x="609480" y="273600"/>
-            <a:ext cx="10972440" cy="1144800"/>
-          </a:xfrm>
-          <a:prstGeom prst="rect">
-            <a:avLst/>
-          </a:prstGeom>
-        </p:spPr>
-        <p:txBody>
-          <a:bodyPr lIns="0" rIns="0" tIns="0" bIns="0" anchor="ctr">
-            <a:noAutofit/>
-          </a:bodyPr>
-          <a:p>
-            <a:pPr algn="ctr"/>
-            <a:endParaRPr b="0" lang="en-US" sz="4400" spc="-1" strike="noStrike">
-              <a:latin typeface="Arial"/>
-            </a:endParaRPr>
-          </a:p>
-        </p:txBody>
-      </p:sp>
-      <p:sp>
-        <p:nvSpPr>
-          <p:cNvPr id="239" name="PlaceHolder 2"/>
-          <p:cNvSpPr>
-            <a:spLocks noGrp="1"/>
-          </p:cNvSpPr>
-          <p:nvPr>
-            <p:ph type="body"/>
-          </p:nvPr>
-        </p:nvSpPr>
-        <p:spPr>
-          <a:xfrm>
-            <a:off x="609480" y="1604520"/>
-            <a:ext cx="3533040" cy="1896840"/>
-          </a:xfrm>
-          <a:prstGeom prst="rect">
-            <a:avLst/>
-          </a:prstGeom>
-        </p:spPr>
-        <p:txBody>
-          <a:bodyPr lIns="0" rIns="0" tIns="0" bIns="0">
-            <a:normAutofit/>
-          </a:bodyPr>
-          <a:p>
-            <a:endParaRPr b="0" lang="en-US" sz="3200" spc="-1" strike="noStrike">
-              <a:latin typeface="Arial"/>
-            </a:endParaRPr>
-          </a:p>
-        </p:txBody>
-      </p:sp>
-      <p:sp>
-        <p:nvSpPr>
-          <p:cNvPr id="240" name="PlaceHolder 3"/>
-          <p:cNvSpPr>
-            <a:spLocks noGrp="1"/>
-          </p:cNvSpPr>
-          <p:nvPr>
-            <p:ph type="body"/>
-          </p:nvPr>
-        </p:nvSpPr>
-        <p:spPr>
-          <a:xfrm>
-            <a:off x="4319640" y="1604520"/>
-            <a:ext cx="3533040" cy="1896840"/>
-          </a:xfrm>
-          <a:prstGeom prst="rect">
-            <a:avLst/>
-          </a:prstGeom>
-        </p:spPr>
-        <p:txBody>
-          <a:bodyPr lIns="0" rIns="0" tIns="0" bIns="0">
-            <a:normAutofit/>
-          </a:bodyPr>
-          <a:p>
-            <a:endParaRPr b="0" lang="en-US" sz="3200" spc="-1" strike="noStrike">
-              <a:latin typeface="Arial"/>
-            </a:endParaRPr>
-          </a:p>
-        </p:txBody>
-      </p:sp>
-      <p:sp>
-        <p:nvSpPr>
-          <p:cNvPr id="241" name="PlaceHolder 4"/>
-          <p:cNvSpPr>
-            <a:spLocks noGrp="1"/>
-          </p:cNvSpPr>
-          <p:nvPr>
-            <p:ph type="body"/>
-          </p:nvPr>
-        </p:nvSpPr>
-        <p:spPr>
-          <a:xfrm>
-            <a:off x="8029800" y="1604520"/>
-            <a:ext cx="3533040" cy="1896840"/>
-          </a:xfrm>
-          <a:prstGeom prst="rect">
-            <a:avLst/>
-          </a:prstGeom>
-        </p:spPr>
-        <p:txBody>
-          <a:bodyPr lIns="0" rIns="0" tIns="0" bIns="0">
-            <a:normAutofit/>
-          </a:bodyPr>
-          <a:p>
-            <a:endParaRPr b="0" lang="en-US" sz="3200" spc="-1" strike="noStrike">
-              <a:latin typeface="Arial"/>
-            </a:endParaRPr>
-          </a:p>
-        </p:txBody>
-      </p:sp>
-      <p:sp>
-        <p:nvSpPr>
-          <p:cNvPr id="242" name="PlaceHolder 5"/>
-          <p:cNvSpPr>
-            <a:spLocks noGrp="1"/>
-          </p:cNvSpPr>
-          <p:nvPr>
-            <p:ph type="body"/>
-          </p:nvPr>
-        </p:nvSpPr>
-        <p:spPr>
-          <a:xfrm>
-            <a:off x="609480" y="3682080"/>
-            <a:ext cx="3533040" cy="1896840"/>
-          </a:xfrm>
-          <a:prstGeom prst="rect">
-            <a:avLst/>
-          </a:prstGeom>
-        </p:spPr>
-        <p:txBody>
-          <a:bodyPr lIns="0" rIns="0" tIns="0" bIns="0">
-            <a:normAutofit/>
-          </a:bodyPr>
-          <a:p>
-            <a:endParaRPr b="0" lang="en-US" sz="3200" spc="-1" strike="noStrike">
-              <a:latin typeface="Arial"/>
-            </a:endParaRPr>
-          </a:p>
-        </p:txBody>
-      </p:sp>
-      <p:sp>
-        <p:nvSpPr>
-          <p:cNvPr id="243" name="PlaceHolder 6"/>
-          <p:cNvSpPr>
-            <a:spLocks noGrp="1"/>
-          </p:cNvSpPr>
-          <p:nvPr>
-            <p:ph type="body"/>
-          </p:nvPr>
-        </p:nvSpPr>
-        <p:spPr>
-          <a:xfrm>
-            <a:off x="4319640" y="3682080"/>
-            <a:ext cx="3533040" cy="1896840"/>
-          </a:xfrm>
-          <a:prstGeom prst="rect">
-            <a:avLst/>
-          </a:prstGeom>
-        </p:spPr>
-        <p:txBody>
-          <a:bodyPr lIns="0" rIns="0" tIns="0" bIns="0">
-            <a:normAutofit/>
-          </a:bodyPr>
-          <a:p>
-            <a:endParaRPr b="0" lang="en-US" sz="3200" spc="-1" strike="noStrike">
-              <a:latin typeface="Arial"/>
-            </a:endParaRPr>
-          </a:p>
-        </p:txBody>
-      </p:sp>
-      <p:sp>
-        <p:nvSpPr>
-          <p:cNvPr id="244" name="PlaceHolder 7"/>
-          <p:cNvSpPr>
-            <a:spLocks noGrp="1"/>
-          </p:cNvSpPr>
-          <p:nvPr>
-            <p:ph type="body"/>
-          </p:nvPr>
-        </p:nvSpPr>
-        <p:spPr>
-          <a:xfrm>
-            <a:off x="8029800" y="3682080"/>
-            <a:ext cx="3533040" cy="1896840"/>
           </a:xfrm>
           <a:prstGeom prst="rect">
             <a:avLst/>
@@ -8198,7 +6853,7 @@
         <p:spPr>
           <a:xfrm>
             <a:off x="0" y="0"/>
-            <a:ext cx="12191040" cy="5151240"/>
+            <a:ext cx="12190320" cy="5150520"/>
           </a:xfrm>
           <a:prstGeom prst="rect">
             <a:avLst/>
@@ -8230,7 +6885,7 @@
         <p:spPr>
           <a:xfrm>
             <a:off x="10582200" y="5243760"/>
-            <a:ext cx="1356840" cy="1356840"/>
+            <a:ext cx="1356120" cy="1356120"/>
           </a:xfrm>
           <a:prstGeom prst="rect">
             <a:avLst/>
@@ -8249,7 +6904,7 @@
         <p:spPr>
           <a:xfrm>
             <a:off x="1637280" y="753120"/>
-            <a:ext cx="7857360" cy="3938400"/>
+            <a:ext cx="7856640" cy="3937680"/>
           </a:xfrm>
           <a:prstGeom prst="rect">
             <a:avLst/>
@@ -8282,7 +6937,7 @@
         <p:spPr>
           <a:xfrm>
             <a:off x="7681680" y="1234080"/>
-            <a:ext cx="3846960" cy="3687480"/>
+            <a:ext cx="3846240" cy="3686760"/>
           </a:xfrm>
           <a:prstGeom prst="rect">
             <a:avLst/>
@@ -8305,7 +6960,7 @@
         <p:spPr>
           <a:xfrm>
             <a:off x="609480" y="273600"/>
-            <a:ext cx="10972440" cy="1144800"/>
+            <a:ext cx="10972080" cy="1144440"/>
           </a:xfrm>
           <a:prstGeom prst="rect">
             <a:avLst/>
@@ -8316,14 +6971,13 @@
             <a:noAutofit/>
           </a:bodyPr>
           <a:p>
-            <a:pPr algn="ctr"/>
-            <a:r>
-              <a:rPr b="0" lang="en-US" sz="4400" spc="-1" strike="noStrike">
+            <a:r>
+              <a:rPr b="0" lang="en-US" sz="1800" spc="-1" strike="noStrike">
                 <a:latin typeface="Arial"/>
               </a:rPr>
               <a:t>Click to edit the title text format</a:t>
             </a:r>
-            <a:endParaRPr b="0" lang="en-US" sz="4400" spc="-1" strike="noStrike">
+            <a:endParaRPr b="0" lang="en-US" sz="1800" spc="-1" strike="noStrike">
               <a:latin typeface="Arial"/>
             </a:endParaRPr>
           </a:p>
@@ -8342,7 +6996,7 @@
         <p:spPr>
           <a:xfrm>
             <a:off x="609480" y="1604520"/>
-            <a:ext cx="10972440" cy="3977280"/>
+            <a:ext cx="10972080" cy="3976920"/>
           </a:xfrm>
           <a:prstGeom prst="rect">
             <a:avLst/>
@@ -8365,12 +7019,12 @@
               <a:buChar char=""/>
             </a:pPr>
             <a:r>
-              <a:rPr b="0" lang="en-US" sz="3200" spc="-1" strike="noStrike">
+              <a:rPr b="0" lang="en-US" sz="1800" spc="-1" strike="noStrike">
                 <a:latin typeface="Arial"/>
               </a:rPr>
               <a:t>Click to edit the outline text format</a:t>
             </a:r>
-            <a:endParaRPr b="0" lang="en-US" sz="3200" spc="-1" strike="noStrike">
+            <a:endParaRPr b="0" lang="en-US" sz="1800" spc="-1" strike="noStrike">
               <a:latin typeface="Arial"/>
             </a:endParaRPr>
           </a:p>
@@ -8387,12 +7041,12 @@
               <a:buChar char=""/>
             </a:pPr>
             <a:r>
-              <a:rPr b="0" lang="en-US" sz="2800" spc="-1" strike="noStrike">
+              <a:rPr b="0" lang="en-US" sz="1800" spc="-1" strike="noStrike">
                 <a:latin typeface="Arial"/>
               </a:rPr>
               <a:t>Second Outline Level</a:t>
             </a:r>
-            <a:endParaRPr b="0" lang="en-US" sz="2800" spc="-1" strike="noStrike">
+            <a:endParaRPr b="0" lang="en-US" sz="1800" spc="-1" strike="noStrike">
               <a:latin typeface="Arial"/>
             </a:endParaRPr>
           </a:p>
@@ -8409,12 +7063,12 @@
               <a:buChar char=""/>
             </a:pPr>
             <a:r>
-              <a:rPr b="0" lang="en-US" sz="2400" spc="-1" strike="noStrike">
+              <a:rPr b="0" lang="en-US" sz="1800" spc="-1" strike="noStrike">
                 <a:latin typeface="Arial"/>
               </a:rPr>
               <a:t>Third Outline Level</a:t>
             </a:r>
-            <a:endParaRPr b="0" lang="en-US" sz="2400" spc="-1" strike="noStrike">
+            <a:endParaRPr b="0" lang="en-US" sz="1800" spc="-1" strike="noStrike">
               <a:latin typeface="Arial"/>
             </a:endParaRPr>
           </a:p>
@@ -8431,12 +7085,12 @@
               <a:buChar char=""/>
             </a:pPr>
             <a:r>
-              <a:rPr b="0" lang="en-US" sz="2000" spc="-1" strike="noStrike">
+              <a:rPr b="0" lang="en-US" sz="1800" spc="-1" strike="noStrike">
                 <a:latin typeface="Arial"/>
               </a:rPr>
               <a:t>Fourth Outline Level</a:t>
             </a:r>
-            <a:endParaRPr b="0" lang="en-US" sz="2000" spc="-1" strike="noStrike">
+            <a:endParaRPr b="0" lang="en-US" sz="1800" spc="-1" strike="noStrike">
               <a:latin typeface="Arial"/>
             </a:endParaRPr>
           </a:p>
@@ -8453,12 +7107,12 @@
               <a:buChar char=""/>
             </a:pPr>
             <a:r>
-              <a:rPr b="0" lang="en-US" sz="2000" spc="-1" strike="noStrike">
+              <a:rPr b="0" lang="en-US" sz="1800" spc="-1" strike="noStrike">
                 <a:latin typeface="Arial"/>
               </a:rPr>
               <a:t>Fifth Outline Level</a:t>
             </a:r>
-            <a:endParaRPr b="0" lang="en-US" sz="2000" spc="-1" strike="noStrike">
+            <a:endParaRPr b="0" lang="en-US" sz="1800" spc="-1" strike="noStrike">
               <a:latin typeface="Arial"/>
             </a:endParaRPr>
           </a:p>
@@ -8475,12 +7129,12 @@
               <a:buChar char=""/>
             </a:pPr>
             <a:r>
-              <a:rPr b="0" lang="en-US" sz="2000" spc="-1" strike="noStrike">
+              <a:rPr b="0" lang="en-US" sz="1800" spc="-1" strike="noStrike">
                 <a:latin typeface="Arial"/>
               </a:rPr>
               <a:t>Sixth Outline Level</a:t>
             </a:r>
-            <a:endParaRPr b="0" lang="en-US" sz="2000" spc="-1" strike="noStrike">
+            <a:endParaRPr b="0" lang="en-US" sz="1800" spc="-1" strike="noStrike">
               <a:latin typeface="Arial"/>
             </a:endParaRPr>
           </a:p>
@@ -8497,12 +7151,12 @@
               <a:buChar char=""/>
             </a:pPr>
             <a:r>
-              <a:rPr b="0" lang="en-US" sz="2000" spc="-1" strike="noStrike">
+              <a:rPr b="0" lang="en-US" sz="1800" spc="-1" strike="noStrike">
                 <a:latin typeface="Arial"/>
               </a:rPr>
               <a:t>Seventh Outline Level</a:t>
             </a:r>
-            <a:endParaRPr b="0" lang="en-US" sz="2000" spc="-1" strike="noStrike">
+            <a:endParaRPr b="0" lang="en-US" sz="1800" spc="-1" strike="noStrike">
               <a:latin typeface="Arial"/>
             </a:endParaRPr>
           </a:p>
@@ -8561,7 +7215,7 @@
         <p:spPr>
           <a:xfrm>
             <a:off x="360" y="0"/>
-            <a:ext cx="4776120" cy="6856920"/>
+            <a:ext cx="4775400" cy="6856200"/>
           </a:xfrm>
           <a:prstGeom prst="rect">
             <a:avLst/>
@@ -8589,7 +7243,7 @@
         <p:spPr>
           <a:xfrm>
             <a:off x="1166400" y="2958480"/>
-            <a:ext cx="2394720" cy="759960"/>
+            <a:ext cx="2394000" cy="759960"/>
           </a:xfrm>
           <a:prstGeom prst="rect">
             <a:avLst/>
@@ -8640,7 +7294,7 @@
         <p:spPr>
           <a:xfrm>
             <a:off x="828000" y="1931400"/>
-            <a:ext cx="3071160" cy="2994120"/>
+            <a:ext cx="3070440" cy="2993400"/>
           </a:xfrm>
           <a:prstGeom prst="rect">
             <a:avLst/>
@@ -8669,7 +7323,7 @@
         <p:spPr>
           <a:xfrm>
             <a:off x="0" y="6719040"/>
-            <a:ext cx="12191040" cy="151920"/>
+            <a:ext cx="12190320" cy="151200"/>
           </a:xfrm>
           <a:prstGeom prst="rect">
             <a:avLst/>
@@ -8965,7 +7619,7 @@
         <p:spPr>
           <a:xfrm>
             <a:off x="360" y="6719040"/>
-            <a:ext cx="12179160" cy="140040"/>
+            <a:ext cx="12178440" cy="139320"/>
           </a:xfrm>
           <a:prstGeom prst="rect">
             <a:avLst/>
@@ -9016,14 +7670,13 @@
             <a:noAutofit/>
           </a:bodyPr>
           <a:p>
-            <a:pPr algn="ctr"/>
-            <a:r>
-              <a:rPr b="0" lang="en-US" sz="4400" spc="-1" strike="noStrike">
+            <a:r>
+              <a:rPr b="0" lang="en-US" sz="1800" spc="-1" strike="noStrike">
                 <a:latin typeface="Arial"/>
               </a:rPr>
               <a:t>Click to edit the title text format</a:t>
             </a:r>
-            <a:endParaRPr b="0" lang="en-US" sz="4400" spc="-1" strike="noStrike">
+            <a:endParaRPr b="0" lang="en-US" sz="1800" spc="-1" strike="noStrike">
               <a:latin typeface="Arial"/>
             </a:endParaRPr>
           </a:p>
@@ -9065,12 +7718,12 @@
               <a:buChar char=""/>
             </a:pPr>
             <a:r>
-              <a:rPr b="0" lang="en-US" sz="3200" spc="-1" strike="noStrike">
+              <a:rPr b="0" lang="en-US" sz="1800" spc="-1" strike="noStrike">
                 <a:latin typeface="Arial"/>
               </a:rPr>
               <a:t>Click to edit the outline text format</a:t>
             </a:r>
-            <a:endParaRPr b="0" lang="en-US" sz="3200" spc="-1" strike="noStrike">
+            <a:endParaRPr b="0" lang="en-US" sz="1800" spc="-1" strike="noStrike">
               <a:latin typeface="Arial"/>
             </a:endParaRPr>
           </a:p>
@@ -9087,12 +7740,12 @@
               <a:buChar char=""/>
             </a:pPr>
             <a:r>
-              <a:rPr b="0" lang="en-US" sz="2800" spc="-1" strike="noStrike">
+              <a:rPr b="0" lang="en-US" sz="1800" spc="-1" strike="noStrike">
                 <a:latin typeface="Arial"/>
               </a:rPr>
               <a:t>Second Outline Level</a:t>
             </a:r>
-            <a:endParaRPr b="0" lang="en-US" sz="2800" spc="-1" strike="noStrike">
+            <a:endParaRPr b="0" lang="en-US" sz="1800" spc="-1" strike="noStrike">
               <a:latin typeface="Arial"/>
             </a:endParaRPr>
           </a:p>
@@ -9109,12 +7762,12 @@
               <a:buChar char=""/>
             </a:pPr>
             <a:r>
-              <a:rPr b="0" lang="en-US" sz="2400" spc="-1" strike="noStrike">
+              <a:rPr b="0" lang="en-US" sz="1800" spc="-1" strike="noStrike">
                 <a:latin typeface="Arial"/>
               </a:rPr>
               <a:t>Third Outline Level</a:t>
             </a:r>
-            <a:endParaRPr b="0" lang="en-US" sz="2400" spc="-1" strike="noStrike">
+            <a:endParaRPr b="0" lang="en-US" sz="1800" spc="-1" strike="noStrike">
               <a:latin typeface="Arial"/>
             </a:endParaRPr>
           </a:p>
@@ -9131,12 +7784,12 @@
               <a:buChar char=""/>
             </a:pPr>
             <a:r>
-              <a:rPr b="0" lang="en-US" sz="2000" spc="-1" strike="noStrike">
+              <a:rPr b="0" lang="en-US" sz="1800" spc="-1" strike="noStrike">
                 <a:latin typeface="Arial"/>
               </a:rPr>
               <a:t>Fourth Outline Level</a:t>
             </a:r>
-            <a:endParaRPr b="0" lang="en-US" sz="2000" spc="-1" strike="noStrike">
+            <a:endParaRPr b="0" lang="en-US" sz="1800" spc="-1" strike="noStrike">
               <a:latin typeface="Arial"/>
             </a:endParaRPr>
           </a:p>
@@ -9153,12 +7806,12 @@
               <a:buChar char=""/>
             </a:pPr>
             <a:r>
-              <a:rPr b="0" lang="en-US" sz="2000" spc="-1" strike="noStrike">
+              <a:rPr b="0" lang="en-US" sz="1800" spc="-1" strike="noStrike">
                 <a:latin typeface="Arial"/>
               </a:rPr>
               <a:t>Fifth Outline Level</a:t>
             </a:r>
-            <a:endParaRPr b="0" lang="en-US" sz="2000" spc="-1" strike="noStrike">
+            <a:endParaRPr b="0" lang="en-US" sz="1800" spc="-1" strike="noStrike">
               <a:latin typeface="Arial"/>
             </a:endParaRPr>
           </a:p>
@@ -9175,12 +7828,12 @@
               <a:buChar char=""/>
             </a:pPr>
             <a:r>
-              <a:rPr b="0" lang="en-US" sz="2000" spc="-1" strike="noStrike">
+              <a:rPr b="0" lang="en-US" sz="1800" spc="-1" strike="noStrike">
                 <a:latin typeface="Arial"/>
               </a:rPr>
               <a:t>Sixth Outline Level</a:t>
             </a:r>
-            <a:endParaRPr b="0" lang="en-US" sz="2000" spc="-1" strike="noStrike">
+            <a:endParaRPr b="0" lang="en-US" sz="1800" spc="-1" strike="noStrike">
               <a:latin typeface="Arial"/>
             </a:endParaRPr>
           </a:p>
@@ -9197,12 +7850,12 @@
               <a:buChar char=""/>
             </a:pPr>
             <a:r>
-              <a:rPr b="0" lang="en-US" sz="2000" spc="-1" strike="noStrike">
+              <a:rPr b="0" lang="en-US" sz="1800" spc="-1" strike="noStrike">
                 <a:latin typeface="Arial"/>
               </a:rPr>
               <a:t>Seventh Outline Level</a:t>
             </a:r>
-            <a:endParaRPr b="0" lang="en-US" sz="2000" spc="-1" strike="noStrike">
+            <a:endParaRPr b="0" lang="en-US" sz="1800" spc="-1" strike="noStrike">
               <a:latin typeface="Arial"/>
             </a:endParaRPr>
           </a:p>
@@ -9244,12 +7897,12 @@
               <a:buChar char=""/>
             </a:pPr>
             <a:r>
-              <a:rPr b="0" lang="en-US" sz="3200" spc="-1" strike="noStrike">
+              <a:rPr b="0" lang="en-US" sz="1800" spc="-1" strike="noStrike">
                 <a:latin typeface="Arial"/>
               </a:rPr>
               <a:t>Click to edit the outline text format</a:t>
             </a:r>
-            <a:endParaRPr b="0" lang="en-US" sz="3200" spc="-1" strike="noStrike">
+            <a:endParaRPr b="0" lang="en-US" sz="1800" spc="-1" strike="noStrike">
               <a:latin typeface="Arial"/>
             </a:endParaRPr>
           </a:p>
@@ -9266,12 +7919,12 @@
               <a:buChar char=""/>
             </a:pPr>
             <a:r>
-              <a:rPr b="0" lang="en-US" sz="2800" spc="-1" strike="noStrike">
+              <a:rPr b="0" lang="en-US" sz="1800" spc="-1" strike="noStrike">
                 <a:latin typeface="Arial"/>
               </a:rPr>
               <a:t>Second Outline Level</a:t>
             </a:r>
-            <a:endParaRPr b="0" lang="en-US" sz="2800" spc="-1" strike="noStrike">
+            <a:endParaRPr b="0" lang="en-US" sz="1800" spc="-1" strike="noStrike">
               <a:latin typeface="Arial"/>
             </a:endParaRPr>
           </a:p>
@@ -9288,12 +7941,12 @@
               <a:buChar char=""/>
             </a:pPr>
             <a:r>
-              <a:rPr b="0" lang="en-US" sz="2400" spc="-1" strike="noStrike">
+              <a:rPr b="0" lang="en-US" sz="1800" spc="-1" strike="noStrike">
                 <a:latin typeface="Arial"/>
               </a:rPr>
               <a:t>Third Outline Level</a:t>
             </a:r>
-            <a:endParaRPr b="0" lang="en-US" sz="2400" spc="-1" strike="noStrike">
+            <a:endParaRPr b="0" lang="en-US" sz="1800" spc="-1" strike="noStrike">
               <a:latin typeface="Arial"/>
             </a:endParaRPr>
           </a:p>
@@ -9310,12 +7963,12 @@
               <a:buChar char=""/>
             </a:pPr>
             <a:r>
-              <a:rPr b="0" lang="en-US" sz="2000" spc="-1" strike="noStrike">
+              <a:rPr b="0" lang="en-US" sz="1800" spc="-1" strike="noStrike">
                 <a:latin typeface="Arial"/>
               </a:rPr>
               <a:t>Fourth Outline Level</a:t>
             </a:r>
-            <a:endParaRPr b="0" lang="en-US" sz="2000" spc="-1" strike="noStrike">
+            <a:endParaRPr b="0" lang="en-US" sz="1800" spc="-1" strike="noStrike">
               <a:latin typeface="Arial"/>
             </a:endParaRPr>
           </a:p>
@@ -9332,12 +7985,12 @@
               <a:buChar char=""/>
             </a:pPr>
             <a:r>
-              <a:rPr b="0" lang="en-US" sz="2000" spc="-1" strike="noStrike">
+              <a:rPr b="0" lang="en-US" sz="1800" spc="-1" strike="noStrike">
                 <a:latin typeface="Arial"/>
               </a:rPr>
               <a:t>Fifth Outline Level</a:t>
             </a:r>
-            <a:endParaRPr b="0" lang="en-US" sz="2000" spc="-1" strike="noStrike">
+            <a:endParaRPr b="0" lang="en-US" sz="1800" spc="-1" strike="noStrike">
               <a:latin typeface="Arial"/>
             </a:endParaRPr>
           </a:p>
@@ -9354,12 +8007,12 @@
               <a:buChar char=""/>
             </a:pPr>
             <a:r>
-              <a:rPr b="0" lang="en-US" sz="2000" spc="-1" strike="noStrike">
+              <a:rPr b="0" lang="en-US" sz="1800" spc="-1" strike="noStrike">
                 <a:latin typeface="Arial"/>
               </a:rPr>
               <a:t>Sixth Outline Level</a:t>
             </a:r>
-            <a:endParaRPr b="0" lang="en-US" sz="2000" spc="-1" strike="noStrike">
+            <a:endParaRPr b="0" lang="en-US" sz="1800" spc="-1" strike="noStrike">
               <a:latin typeface="Arial"/>
             </a:endParaRPr>
           </a:p>
@@ -9376,12 +8029,12 @@
               <a:buChar char=""/>
             </a:pPr>
             <a:r>
-              <a:rPr b="0" lang="en-US" sz="2000" spc="-1" strike="noStrike">
+              <a:rPr b="0" lang="en-US" sz="1800" spc="-1" strike="noStrike">
                 <a:latin typeface="Arial"/>
               </a:rPr>
               <a:t>Seventh Outline Level</a:t>
             </a:r>
-            <a:endParaRPr b="0" lang="en-US" sz="2000" spc="-1" strike="noStrike">
+            <a:endParaRPr b="0" lang="en-US" sz="1800" spc="-1" strike="noStrike">
               <a:latin typeface="Arial"/>
             </a:endParaRPr>
           </a:p>
@@ -9440,7 +8093,7 @@
         <p:spPr>
           <a:xfrm>
             <a:off x="360" y="6719040"/>
-            <a:ext cx="12179160" cy="140040"/>
+            <a:ext cx="12178440" cy="139320"/>
           </a:xfrm>
           <a:prstGeom prst="rect">
             <a:avLst/>
@@ -9480,7 +8133,7 @@
         <p:spPr>
           <a:xfrm>
             <a:off x="609480" y="273600"/>
-            <a:ext cx="10972080" cy="1144440"/>
+            <a:ext cx="10972440" cy="1144800"/>
           </a:xfrm>
           <a:prstGeom prst="rect">
             <a:avLst/>
@@ -9517,186 +8170,7 @@
         <p:spPr>
           <a:xfrm>
             <a:off x="609480" y="1604520"/>
-            <a:ext cx="5353920" cy="3976920"/>
-          </a:xfrm>
-          <a:prstGeom prst="rect">
-            <a:avLst/>
-          </a:prstGeom>
-        </p:spPr>
-        <p:txBody>
-          <a:bodyPr lIns="0" rIns="0" tIns="0" bIns="0">
-            <a:normAutofit/>
-          </a:bodyPr>
-          <a:p>
-            <a:pPr marL="432000" indent="-324000">
-              <a:spcBef>
-                <a:spcPts val="1417"/>
-              </a:spcBef>
-              <a:buClr>
-                <a:srgbClr val="000000"/>
-              </a:buClr>
-              <a:buSzPct val="45000"/>
-              <a:buFont typeface="Wingdings" charset="2"/>
-              <a:buChar char=""/>
-            </a:pPr>
-            <a:r>
-              <a:rPr b="0" lang="en-US" sz="3200" spc="-1" strike="noStrike">
-                <a:latin typeface="Arial"/>
-              </a:rPr>
-              <a:t>Click to edit the outline text format</a:t>
-            </a:r>
-            <a:endParaRPr b="0" lang="en-US" sz="3200" spc="-1" strike="noStrike">
-              <a:latin typeface="Arial"/>
-            </a:endParaRPr>
-          </a:p>
-          <a:p>
-            <a:pPr lvl="1" marL="864000" indent="-324000">
-              <a:spcBef>
-                <a:spcPts val="1134"/>
-              </a:spcBef>
-              <a:buClr>
-                <a:srgbClr val="000000"/>
-              </a:buClr>
-              <a:buSzPct val="75000"/>
-              <a:buFont typeface="Symbol" charset="2"/>
-              <a:buChar char=""/>
-            </a:pPr>
-            <a:r>
-              <a:rPr b="0" lang="en-US" sz="2800" spc="-1" strike="noStrike">
-                <a:latin typeface="Arial"/>
-              </a:rPr>
-              <a:t>Second Outline Level</a:t>
-            </a:r>
-            <a:endParaRPr b="0" lang="en-US" sz="2800" spc="-1" strike="noStrike">
-              <a:latin typeface="Arial"/>
-            </a:endParaRPr>
-          </a:p>
-          <a:p>
-            <a:pPr lvl="2" marL="1296000" indent="-288000">
-              <a:spcBef>
-                <a:spcPts val="850"/>
-              </a:spcBef>
-              <a:buClr>
-                <a:srgbClr val="000000"/>
-              </a:buClr>
-              <a:buSzPct val="45000"/>
-              <a:buFont typeface="Wingdings" charset="2"/>
-              <a:buChar char=""/>
-            </a:pPr>
-            <a:r>
-              <a:rPr b="0" lang="en-US" sz="2400" spc="-1" strike="noStrike">
-                <a:latin typeface="Arial"/>
-              </a:rPr>
-              <a:t>Third Outline Level</a:t>
-            </a:r>
-            <a:endParaRPr b="0" lang="en-US" sz="2400" spc="-1" strike="noStrike">
-              <a:latin typeface="Arial"/>
-            </a:endParaRPr>
-          </a:p>
-          <a:p>
-            <a:pPr lvl="3" marL="1728000" indent="-216000">
-              <a:spcBef>
-                <a:spcPts val="567"/>
-              </a:spcBef>
-              <a:buClr>
-                <a:srgbClr val="000000"/>
-              </a:buClr>
-              <a:buSzPct val="75000"/>
-              <a:buFont typeface="Symbol" charset="2"/>
-              <a:buChar char=""/>
-            </a:pPr>
-            <a:r>
-              <a:rPr b="0" lang="en-US" sz="2000" spc="-1" strike="noStrike">
-                <a:latin typeface="Arial"/>
-              </a:rPr>
-              <a:t>Fourth Outline Level</a:t>
-            </a:r>
-            <a:endParaRPr b="0" lang="en-US" sz="2000" spc="-1" strike="noStrike">
-              <a:latin typeface="Arial"/>
-            </a:endParaRPr>
-          </a:p>
-          <a:p>
-            <a:pPr lvl="4" marL="2160000" indent="-216000">
-              <a:spcBef>
-                <a:spcPts val="283"/>
-              </a:spcBef>
-              <a:buClr>
-                <a:srgbClr val="000000"/>
-              </a:buClr>
-              <a:buSzPct val="45000"/>
-              <a:buFont typeface="Wingdings" charset="2"/>
-              <a:buChar char=""/>
-            </a:pPr>
-            <a:r>
-              <a:rPr b="0" lang="en-US" sz="2000" spc="-1" strike="noStrike">
-                <a:latin typeface="Arial"/>
-              </a:rPr>
-              <a:t>Fifth Outline Level</a:t>
-            </a:r>
-            <a:endParaRPr b="0" lang="en-US" sz="2000" spc="-1" strike="noStrike">
-              <a:latin typeface="Arial"/>
-            </a:endParaRPr>
-          </a:p>
-          <a:p>
-            <a:pPr lvl="5" marL="2592000" indent="-216000">
-              <a:spcBef>
-                <a:spcPts val="283"/>
-              </a:spcBef>
-              <a:buClr>
-                <a:srgbClr val="000000"/>
-              </a:buClr>
-              <a:buSzPct val="45000"/>
-              <a:buFont typeface="Wingdings" charset="2"/>
-              <a:buChar char=""/>
-            </a:pPr>
-            <a:r>
-              <a:rPr b="0" lang="en-US" sz="2000" spc="-1" strike="noStrike">
-                <a:latin typeface="Arial"/>
-              </a:rPr>
-              <a:t>Sixth Outline Level</a:t>
-            </a:r>
-            <a:endParaRPr b="0" lang="en-US" sz="2000" spc="-1" strike="noStrike">
-              <a:latin typeface="Arial"/>
-            </a:endParaRPr>
-          </a:p>
-          <a:p>
-            <a:pPr lvl="6" marL="3024000" indent="-216000">
-              <a:spcBef>
-                <a:spcPts val="283"/>
-              </a:spcBef>
-              <a:buClr>
-                <a:srgbClr val="000000"/>
-              </a:buClr>
-              <a:buSzPct val="45000"/>
-              <a:buFont typeface="Wingdings" charset="2"/>
-              <a:buChar char=""/>
-            </a:pPr>
-            <a:r>
-              <a:rPr b="0" lang="en-US" sz="2000" spc="-1" strike="noStrike">
-                <a:latin typeface="Arial"/>
-              </a:rPr>
-              <a:t>Seventh Outline Level</a:t>
-            </a:r>
-            <a:endParaRPr b="0" lang="en-US" sz="2000" spc="-1" strike="noStrike">
-              <a:latin typeface="Arial"/>
-            </a:endParaRPr>
-          </a:p>
-        </p:txBody>
-      </p:sp>
-      <p:sp>
-        <p:nvSpPr>
-          <p:cNvPr id="127" name="PlaceHolder 4"/>
-          <p:cNvSpPr>
-            <a:spLocks noGrp="1"/>
-          </p:cNvSpPr>
-          <p:nvPr>
-            <p:ph type="body"/>
-          </p:nvPr>
-        </p:nvSpPr>
-        <p:spPr>
-          <a:xfrm>
-            <a:off x="6231960" y="1604520"/>
-            <a:ext cx="5353920" cy="3976920"/>
+            <a:ext cx="10972440" cy="3977280"/>
           </a:xfrm>
           <a:prstGeom prst="rect">
             <a:avLst/>
@@ -9908,29 +8382,21 @@
       </p:grpSpPr>
       <p:sp>
         <p:nvSpPr>
-          <p:cNvPr id="164" name="CustomShape 1"/>
+          <p:cNvPr id="163" name="CustomShape 1"/>
           <p:cNvSpPr/>
           <p:nvPr/>
         </p:nvSpPr>
         <p:spPr>
           <a:xfrm>
-            <a:off x="360" y="6719040"/>
-            <a:ext cx="12179160" cy="140040"/>
-          </a:xfrm>
-          <a:prstGeom prst="rect">
-            <a:avLst/>
-          </a:prstGeom>
-          <a:gradFill rotWithShape="0">
-            <a:gsLst>
-              <a:gs pos="30000">
-                <a:srgbClr val="d6001c"/>
-              </a:gs>
-              <a:gs pos="100000">
-                <a:srgbClr val="6a1f7a"/>
-              </a:gs>
-            </a:gsLst>
-            <a:lin ang="10800000"/>
-          </a:gradFill>
+            <a:off x="0" y="0"/>
+            <a:ext cx="12190320" cy="5150520"/>
+          </a:xfrm>
+          <a:prstGeom prst="rect">
+            <a:avLst/>
+          </a:prstGeom>
+          <a:solidFill>
+            <a:srgbClr val="000000"/>
+          </a:solidFill>
           <a:ln w="25560">
             <a:noFill/>
           </a:ln>
@@ -9944,7 +8410,130 @@
       </p:sp>
       <p:sp>
         <p:nvSpPr>
-          <p:cNvPr id="165" name="PlaceHolder 2"/>
+          <p:cNvPr id="164" name="CustomShape 2"/>
+          <p:cNvSpPr/>
+          <p:nvPr/>
+        </p:nvSpPr>
+        <p:spPr>
+          <a:xfrm>
+            <a:off x="2915640" y="1431720"/>
+            <a:ext cx="6359040" cy="2729520"/>
+          </a:xfrm>
+          <a:prstGeom prst="rect">
+            <a:avLst/>
+          </a:prstGeom>
+          <a:noFill/>
+          <a:ln w="63360">
+            <a:solidFill>
+              <a:srgbClr val="6a1f7a"/>
+            </a:solidFill>
+            <a:miter/>
+          </a:ln>
+        </p:spPr>
+        <p:style>
+          <a:lnRef idx="0"/>
+          <a:fillRef idx="0"/>
+          <a:effectRef idx="0"/>
+          <a:fontRef idx="minor"/>
+        </p:style>
+      </p:sp>
+      <p:pic>
+        <p:nvPicPr>
+          <p:cNvPr id="165" name="Picture 7" descr="A picture containing text, red, sign, orange&#10;&#10;Description automatically generated"/>
+          <p:cNvPicPr/>
+          <p:nvPr/>
+        </p:nvPicPr>
+        <p:blipFill>
+          <a:blip r:embed="rId2"/>
+          <a:stretch/>
+        </p:blipFill>
+        <p:spPr>
+          <a:xfrm>
+            <a:off x="10991880" y="5744160"/>
+            <a:ext cx="956520" cy="956520"/>
+          </a:xfrm>
+          <a:prstGeom prst="rect">
+            <a:avLst/>
+          </a:prstGeom>
+          <a:ln>
+            <a:noFill/>
+          </a:ln>
+        </p:spPr>
+      </p:pic>
+      <p:sp>
+        <p:nvSpPr>
+          <p:cNvPr id="166" name="CustomShape 3"/>
+          <p:cNvSpPr/>
+          <p:nvPr/>
+        </p:nvSpPr>
+        <p:spPr>
+          <a:xfrm>
+            <a:off x="3764880" y="2243520"/>
+            <a:ext cx="4644360" cy="1095120"/>
+          </a:xfrm>
+          <a:prstGeom prst="rect">
+            <a:avLst/>
+          </a:prstGeom>
+          <a:noFill/>
+          <a:ln>
+            <a:noFill/>
+          </a:ln>
+        </p:spPr>
+        <p:style>
+          <a:lnRef idx="0"/>
+          <a:fillRef idx="0"/>
+          <a:effectRef idx="0"/>
+          <a:fontRef idx="minor"/>
+        </p:style>
+        <p:txBody>
+          <a:bodyPr lIns="90000" rIns="90000" tIns="45000" bIns="45000">
+            <a:spAutoFit/>
+          </a:bodyPr>
+          <a:p>
+            <a:pPr>
+              <a:lnSpc>
+                <a:spcPct val="100000"/>
+              </a:lnSpc>
+            </a:pPr>
+            <a:r>
+              <a:rPr b="1" lang="en-VN" sz="6600" spc="-1" strike="noStrike">
+                <a:solidFill>
+                  <a:srgbClr val="6a1f7a"/>
+                </a:solidFill>
+                <a:latin typeface="Arial"/>
+                <a:ea typeface="DejaVu Sans"/>
+              </a:rPr>
+              <a:t>Thank </a:t>
+            </a:r>
+            <a:r>
+              <a:rPr b="0" lang="en-VN" sz="1800" spc="-1" strike="noStrike">
+                <a:solidFill>
+                  <a:srgbClr val="ffffff"/>
+                </a:solidFill>
+                <a:latin typeface="Arial"/>
+                <a:ea typeface="DejaVu Sans"/>
+              </a:rPr>
+              <a:t> </a:t>
+            </a:r>
+            <a:r>
+              <a:rPr b="1" lang="en-VN" sz="6600" spc="-1" strike="noStrike">
+                <a:solidFill>
+                  <a:srgbClr val="6a1f7a"/>
+                </a:solidFill>
+                <a:latin typeface="Arial"/>
+                <a:ea typeface="DejaVu Sans"/>
+              </a:rPr>
+              <a:t>you</a:t>
+            </a:r>
+            <a:endParaRPr b="0" lang="en-US" sz="6600" spc="-1" strike="noStrike">
+              <a:latin typeface="Arial"/>
+            </a:endParaRPr>
+          </a:p>
+        </p:txBody>
+      </p:sp>
+      <p:sp>
+        <p:nvSpPr>
+          <p:cNvPr id="167" name="PlaceHolder 4"/>
           <p:cNvSpPr>
             <a:spLocks noGrp="1"/>
           </p:cNvSpPr>
@@ -9981,7 +8570,7 @@
       </p:sp>
       <p:sp>
         <p:nvSpPr>
-          <p:cNvPr id="166" name="PlaceHolder 3"/>
+          <p:cNvPr id="168" name="PlaceHolder 5"/>
           <p:cNvSpPr>
             <a:spLocks noGrp="1"/>
           </p:cNvSpPr>
@@ -10162,499 +8751,18 @@
   </p:cSld>
   <p:clrMap bg1="lt1" bg2="lt2" tx1="dk1" tx2="dk2" accent1="accent1" accent2="accent2" accent3="accent3" accent4="accent4" accent5="accent5" accent6="accent6" hlink="hlink" folHlink="folHlink"/>
   <p:sldLayoutIdLst>
-    <p:sldLayoutId id="2147483701" r:id="rId2"/>
-    <p:sldLayoutId id="2147483702" r:id="rId3"/>
-    <p:sldLayoutId id="2147483703" r:id="rId4"/>
-    <p:sldLayoutId id="2147483704" r:id="rId5"/>
-    <p:sldLayoutId id="2147483705" r:id="rId6"/>
-    <p:sldLayoutId id="2147483706" r:id="rId7"/>
-    <p:sldLayoutId id="2147483707" r:id="rId8"/>
-    <p:sldLayoutId id="2147483708" r:id="rId9"/>
-    <p:sldLayoutId id="2147483709" r:id="rId10"/>
-    <p:sldLayoutId id="2147483710" r:id="rId11"/>
-    <p:sldLayoutId id="2147483711" r:id="rId12"/>
-    <p:sldLayoutId id="2147483712" r:id="rId13"/>
-  </p:sldLayoutIdLst>
-</p:sldMaster>
-</file>
-
-<file path=ppt/slideMasters/slideMaster6.xml><?xml version="1.0" encoding="utf-8"?>
-<p:sldMaster xmlns:a="http://schemas.openxmlformats.org/drawingml/2006/main" xmlns:p="http://schemas.openxmlformats.org/presentationml/2006/main" xmlns:r="http://schemas.openxmlformats.org/officeDocument/2006/relationships" xmlns:p14="http://schemas.microsoft.com/office/powerpoint/2010/main" xmlns:p15="http://schemas.microsoft.com/office/powerpoint/2012/main" xmlns:mc="http://schemas.openxmlformats.org/markup-compatibility/2006">
-  <p:cSld>
-    <p:bg>
-      <p:bgPr>
-        <a:solidFill>
-          <a:srgbClr val="ffffff"/>
-        </a:solidFill>
-      </p:bgPr>
-    </p:bg>
-    <p:spTree>
-      <p:nvGrpSpPr>
-        <p:cNvPr id="1" name=""/>
-        <p:cNvGrpSpPr/>
-        <p:nvPr/>
-      </p:nvGrpSpPr>
-      <p:grpSpPr>
-        <a:xfrm>
-          <a:off x="0" y="0"/>
-          <a:ext cx="0" cy="0"/>
-          <a:chOff x="0" y="0"/>
-          <a:chExt cx="0" cy="0"/>
-        </a:xfrm>
-      </p:grpSpPr>
-      <p:sp>
-        <p:nvSpPr>
-          <p:cNvPr id="203" name="CustomShape 1"/>
-          <p:cNvSpPr/>
-          <p:nvPr/>
-        </p:nvSpPr>
-        <p:spPr>
-          <a:xfrm>
-            <a:off x="0" y="0"/>
-            <a:ext cx="12191040" cy="5151240"/>
-          </a:xfrm>
-          <a:prstGeom prst="rect">
-            <a:avLst/>
-          </a:prstGeom>
-          <a:solidFill>
-            <a:srgbClr val="000000"/>
-          </a:solidFill>
-          <a:ln w="25560">
-            <a:noFill/>
-          </a:ln>
-        </p:spPr>
-        <p:style>
-          <a:lnRef idx="0"/>
-          <a:fillRef idx="0"/>
-          <a:effectRef idx="0"/>
-          <a:fontRef idx="minor"/>
-        </p:style>
-      </p:sp>
-      <p:sp>
-        <p:nvSpPr>
-          <p:cNvPr id="204" name="CustomShape 2"/>
-          <p:cNvSpPr/>
-          <p:nvPr/>
-        </p:nvSpPr>
-        <p:spPr>
-          <a:xfrm>
-            <a:off x="2915640" y="1431720"/>
-            <a:ext cx="6359760" cy="2730240"/>
-          </a:xfrm>
-          <a:prstGeom prst="rect">
-            <a:avLst/>
-          </a:prstGeom>
-          <a:noFill/>
-          <a:ln w="63360">
-            <a:solidFill>
-              <a:srgbClr val="6a1f7a"/>
-            </a:solidFill>
-            <a:miter/>
-          </a:ln>
-        </p:spPr>
-        <p:style>
-          <a:lnRef idx="0"/>
-          <a:fillRef idx="0"/>
-          <a:effectRef idx="0"/>
-          <a:fontRef idx="minor"/>
-        </p:style>
-      </p:sp>
-      <p:pic>
-        <p:nvPicPr>
-          <p:cNvPr id="205" name="Picture 7" descr="A picture containing text, red, sign, orange&#10;&#10;Description automatically generated"/>
-          <p:cNvPicPr/>
-          <p:nvPr/>
-        </p:nvPicPr>
-        <p:blipFill>
-          <a:blip r:embed="rId2"/>
-          <a:stretch/>
-        </p:blipFill>
-        <p:spPr>
-          <a:xfrm>
-            <a:off x="10991880" y="5744160"/>
-            <a:ext cx="957240" cy="957240"/>
-          </a:xfrm>
-          <a:prstGeom prst="rect">
-            <a:avLst/>
-          </a:prstGeom>
-          <a:ln>
-            <a:noFill/>
-          </a:ln>
-        </p:spPr>
-      </p:pic>
-      <p:sp>
-        <p:nvSpPr>
-          <p:cNvPr id="206" name="CustomShape 3"/>
-          <p:cNvSpPr/>
-          <p:nvPr/>
-        </p:nvSpPr>
-        <p:spPr>
-          <a:xfrm>
-            <a:off x="3764880" y="2243520"/>
-            <a:ext cx="4645080" cy="1095120"/>
-          </a:xfrm>
-          <a:prstGeom prst="rect">
-            <a:avLst/>
-          </a:prstGeom>
-          <a:noFill/>
-          <a:ln>
-            <a:noFill/>
-          </a:ln>
-        </p:spPr>
-        <p:style>
-          <a:lnRef idx="0"/>
-          <a:fillRef idx="0"/>
-          <a:effectRef idx="0"/>
-          <a:fontRef idx="minor"/>
-        </p:style>
-        <p:txBody>
-          <a:bodyPr lIns="90000" rIns="90000" tIns="45000" bIns="45000">
-            <a:spAutoFit/>
-          </a:bodyPr>
-          <a:p>
-            <a:pPr>
-              <a:lnSpc>
-                <a:spcPct val="100000"/>
-              </a:lnSpc>
-            </a:pPr>
-            <a:r>
-              <a:rPr b="1" lang="en-VN" sz="6600" spc="-1" strike="noStrike">
-                <a:solidFill>
-                  <a:srgbClr val="6a1f7a"/>
-                </a:solidFill>
-                <a:latin typeface="Arial"/>
-                <a:ea typeface="DejaVu Sans"/>
-              </a:rPr>
-              <a:t>T</a:t>
-            </a:r>
-            <a:r>
-              <a:rPr b="1" lang="en-VN" sz="6600" spc="-1" strike="noStrike">
-                <a:solidFill>
-                  <a:srgbClr val="6a1f7a"/>
-                </a:solidFill>
-                <a:latin typeface="Arial"/>
-                <a:ea typeface="DejaVu Sans"/>
-              </a:rPr>
-              <a:t>h</a:t>
-            </a:r>
-            <a:r>
-              <a:rPr b="1" lang="en-VN" sz="6600" spc="-1" strike="noStrike">
-                <a:solidFill>
-                  <a:srgbClr val="6a1f7a"/>
-                </a:solidFill>
-                <a:latin typeface="Arial"/>
-                <a:ea typeface="DejaVu Sans"/>
-              </a:rPr>
-              <a:t>a</a:t>
-            </a:r>
-            <a:r>
-              <a:rPr b="1" lang="en-VN" sz="6600" spc="-1" strike="noStrike">
-                <a:solidFill>
-                  <a:srgbClr val="6a1f7a"/>
-                </a:solidFill>
-                <a:latin typeface="Arial"/>
-                <a:ea typeface="DejaVu Sans"/>
-              </a:rPr>
-              <a:t>n</a:t>
-            </a:r>
-            <a:r>
-              <a:rPr b="1" lang="en-VN" sz="6600" spc="-1" strike="noStrike">
-                <a:solidFill>
-                  <a:srgbClr val="6a1f7a"/>
-                </a:solidFill>
-                <a:latin typeface="Arial"/>
-                <a:ea typeface="DejaVu Sans"/>
-              </a:rPr>
-              <a:t>k</a:t>
-            </a:r>
-            <a:r>
-              <a:rPr b="1" lang="en-VN" sz="6600" spc="-1" strike="noStrike">
-                <a:solidFill>
-                  <a:srgbClr val="6a1f7a"/>
-                </a:solidFill>
-                <a:latin typeface="Arial"/>
-                <a:ea typeface="DejaVu Sans"/>
-              </a:rPr>
-              <a:t> </a:t>
-            </a:r>
-            <a:r>
-              <a:rPr b="0" lang="en-VN" sz="1800" spc="-1" strike="noStrike">
-                <a:solidFill>
-                  <a:srgbClr val="ffffff"/>
-                </a:solidFill>
-                <a:latin typeface="Arial"/>
-                <a:ea typeface="DejaVu Sans"/>
-              </a:rPr>
-              <a:t> </a:t>
-            </a:r>
-            <a:r>
-              <a:rPr b="1" lang="en-VN" sz="6600" spc="-1" strike="noStrike">
-                <a:solidFill>
-                  <a:srgbClr val="6a1f7a"/>
-                </a:solidFill>
-                <a:latin typeface="Arial"/>
-                <a:ea typeface="DejaVu Sans"/>
-              </a:rPr>
-              <a:t>y</a:t>
-            </a:r>
-            <a:r>
-              <a:rPr b="1" lang="en-VN" sz="6600" spc="-1" strike="noStrike">
-                <a:solidFill>
-                  <a:srgbClr val="6a1f7a"/>
-                </a:solidFill>
-                <a:latin typeface="Arial"/>
-                <a:ea typeface="DejaVu Sans"/>
-              </a:rPr>
-              <a:t>o</a:t>
-            </a:r>
-            <a:r>
-              <a:rPr b="1" lang="en-VN" sz="6600" spc="-1" strike="noStrike">
-                <a:solidFill>
-                  <a:srgbClr val="6a1f7a"/>
-                </a:solidFill>
-                <a:latin typeface="Arial"/>
-                <a:ea typeface="DejaVu Sans"/>
-              </a:rPr>
-              <a:t>u</a:t>
-            </a:r>
-            <a:endParaRPr b="0" lang="en-US" sz="6600" spc="-1" strike="noStrike">
-              <a:latin typeface="Arial"/>
-            </a:endParaRPr>
-          </a:p>
-        </p:txBody>
-      </p:sp>
-      <p:sp>
-        <p:nvSpPr>
-          <p:cNvPr id="207" name="PlaceHolder 4"/>
-          <p:cNvSpPr>
-            <a:spLocks noGrp="1"/>
-          </p:cNvSpPr>
-          <p:nvPr>
-            <p:ph type="title"/>
-          </p:nvPr>
-        </p:nvSpPr>
-        <p:spPr>
-          <a:xfrm>
-            <a:off x="609480" y="273600"/>
-            <a:ext cx="10972440" cy="1144800"/>
-          </a:xfrm>
-          <a:prstGeom prst="rect">
-            <a:avLst/>
-          </a:prstGeom>
-        </p:spPr>
-        <p:txBody>
-          <a:bodyPr lIns="0" rIns="0" tIns="0" bIns="0" anchor="ctr">
-            <a:noAutofit/>
-          </a:bodyPr>
-          <a:p>
-            <a:pPr algn="ctr"/>
-            <a:r>
-              <a:rPr b="0" lang="en-US" sz="4400" spc="-1" strike="noStrike">
-                <a:latin typeface="Arial"/>
-              </a:rPr>
-              <a:t>Click to edit the title text format</a:t>
-            </a:r>
-            <a:endParaRPr b="0" lang="en-US" sz="4400" spc="-1" strike="noStrike">
-              <a:latin typeface="Arial"/>
-            </a:endParaRPr>
-          </a:p>
-        </p:txBody>
-      </p:sp>
-      <p:sp>
-        <p:nvSpPr>
-          <p:cNvPr id="208" name="PlaceHolder 5"/>
-          <p:cNvSpPr>
-            <a:spLocks noGrp="1"/>
-          </p:cNvSpPr>
-          <p:nvPr>
-            <p:ph type="body"/>
-          </p:nvPr>
-        </p:nvSpPr>
-        <p:spPr>
-          <a:xfrm>
-            <a:off x="609480" y="1604520"/>
-            <a:ext cx="10972440" cy="3977280"/>
-          </a:xfrm>
-          <a:prstGeom prst="rect">
-            <a:avLst/>
-          </a:prstGeom>
-        </p:spPr>
-        <p:txBody>
-          <a:bodyPr lIns="0" rIns="0" tIns="0" bIns="0">
-            <a:normAutofit/>
-          </a:bodyPr>
-          <a:p>
-            <a:pPr marL="432000" indent="-324000">
-              <a:spcBef>
-                <a:spcPts val="1417"/>
-              </a:spcBef>
-              <a:buClr>
-                <a:srgbClr val="000000"/>
-              </a:buClr>
-              <a:buSzPct val="45000"/>
-              <a:buFont typeface="Wingdings" charset="2"/>
-              <a:buChar char=""/>
-            </a:pPr>
-            <a:r>
-              <a:rPr b="0" lang="en-US" sz="3200" spc="-1" strike="noStrike">
-                <a:latin typeface="Arial"/>
-              </a:rPr>
-              <a:t>Click to edit the outline text format</a:t>
-            </a:r>
-            <a:endParaRPr b="0" lang="en-US" sz="3200" spc="-1" strike="noStrike">
-              <a:latin typeface="Arial"/>
-            </a:endParaRPr>
-          </a:p>
-          <a:p>
-            <a:pPr lvl="1" marL="864000" indent="-324000">
-              <a:spcBef>
-                <a:spcPts val="1134"/>
-              </a:spcBef>
-              <a:buClr>
-                <a:srgbClr val="000000"/>
-              </a:buClr>
-              <a:buSzPct val="75000"/>
-              <a:buFont typeface="Symbol" charset="2"/>
-              <a:buChar char=""/>
-            </a:pPr>
-            <a:r>
-              <a:rPr b="0" lang="en-US" sz="2800" spc="-1" strike="noStrike">
-                <a:latin typeface="Arial"/>
-              </a:rPr>
-              <a:t>Second Outline Level</a:t>
-            </a:r>
-            <a:endParaRPr b="0" lang="en-US" sz="2800" spc="-1" strike="noStrike">
-              <a:latin typeface="Arial"/>
-            </a:endParaRPr>
-          </a:p>
-          <a:p>
-            <a:pPr lvl="2" marL="1296000" indent="-288000">
-              <a:spcBef>
-                <a:spcPts val="850"/>
-              </a:spcBef>
-              <a:buClr>
-                <a:srgbClr val="000000"/>
-              </a:buClr>
-              <a:buSzPct val="45000"/>
-              <a:buFont typeface="Wingdings" charset="2"/>
-              <a:buChar char=""/>
-            </a:pPr>
-            <a:r>
-              <a:rPr b="0" lang="en-US" sz="2400" spc="-1" strike="noStrike">
-                <a:latin typeface="Arial"/>
-              </a:rPr>
-              <a:t>Third Outline Level</a:t>
-            </a:r>
-            <a:endParaRPr b="0" lang="en-US" sz="2400" spc="-1" strike="noStrike">
-              <a:latin typeface="Arial"/>
-            </a:endParaRPr>
-          </a:p>
-          <a:p>
-            <a:pPr lvl="3" marL="1728000" indent="-216000">
-              <a:spcBef>
-                <a:spcPts val="567"/>
-              </a:spcBef>
-              <a:buClr>
-                <a:srgbClr val="000000"/>
-              </a:buClr>
-              <a:buSzPct val="75000"/>
-              <a:buFont typeface="Symbol" charset="2"/>
-              <a:buChar char=""/>
-            </a:pPr>
-            <a:r>
-              <a:rPr b="0" lang="en-US" sz="2000" spc="-1" strike="noStrike">
-                <a:latin typeface="Arial"/>
-              </a:rPr>
-              <a:t>Fourth Outline Level</a:t>
-            </a:r>
-            <a:endParaRPr b="0" lang="en-US" sz="2000" spc="-1" strike="noStrike">
-              <a:latin typeface="Arial"/>
-            </a:endParaRPr>
-          </a:p>
-          <a:p>
-            <a:pPr lvl="4" marL="2160000" indent="-216000">
-              <a:spcBef>
-                <a:spcPts val="283"/>
-              </a:spcBef>
-              <a:buClr>
-                <a:srgbClr val="000000"/>
-              </a:buClr>
-              <a:buSzPct val="45000"/>
-              <a:buFont typeface="Wingdings" charset="2"/>
-              <a:buChar char=""/>
-            </a:pPr>
-            <a:r>
-              <a:rPr b="0" lang="en-US" sz="2000" spc="-1" strike="noStrike">
-                <a:latin typeface="Arial"/>
-              </a:rPr>
-              <a:t>Fifth Outline Level</a:t>
-            </a:r>
-            <a:endParaRPr b="0" lang="en-US" sz="2000" spc="-1" strike="noStrike">
-              <a:latin typeface="Arial"/>
-            </a:endParaRPr>
-          </a:p>
-          <a:p>
-            <a:pPr lvl="5" marL="2592000" indent="-216000">
-              <a:spcBef>
-                <a:spcPts val="283"/>
-              </a:spcBef>
-              <a:buClr>
-                <a:srgbClr val="000000"/>
-              </a:buClr>
-              <a:buSzPct val="45000"/>
-              <a:buFont typeface="Wingdings" charset="2"/>
-              <a:buChar char=""/>
-            </a:pPr>
-            <a:r>
-              <a:rPr b="0" lang="en-US" sz="2000" spc="-1" strike="noStrike">
-                <a:latin typeface="Arial"/>
-              </a:rPr>
-              <a:t>Sixth Outline Level</a:t>
-            </a:r>
-            <a:endParaRPr b="0" lang="en-US" sz="2000" spc="-1" strike="noStrike">
-              <a:latin typeface="Arial"/>
-            </a:endParaRPr>
-          </a:p>
-          <a:p>
-            <a:pPr lvl="6" marL="3024000" indent="-216000">
-              <a:spcBef>
-                <a:spcPts val="283"/>
-              </a:spcBef>
-              <a:buClr>
-                <a:srgbClr val="000000"/>
-              </a:buClr>
-              <a:buSzPct val="45000"/>
-              <a:buFont typeface="Wingdings" charset="2"/>
-              <a:buChar char=""/>
-            </a:pPr>
-            <a:r>
-              <a:rPr b="0" lang="en-US" sz="2000" spc="-1" strike="noStrike">
-                <a:latin typeface="Arial"/>
-              </a:rPr>
-              <a:t>Seventh Outline Level</a:t>
-            </a:r>
-            <a:endParaRPr b="0" lang="en-US" sz="2000" spc="-1" strike="noStrike">
-              <a:latin typeface="Arial"/>
-            </a:endParaRPr>
-          </a:p>
-        </p:txBody>
-      </p:sp>
-    </p:spTree>
-  </p:cSld>
-  <p:clrMap bg1="lt1" bg2="lt2" tx1="dk1" tx2="dk2" accent1="accent1" accent2="accent2" accent3="accent3" accent4="accent4" accent5="accent5" accent6="accent6" hlink="hlink" folHlink="folHlink"/>
-  <p:sldLayoutIdLst>
-    <p:sldLayoutId id="2147483714" r:id="rId3"/>
-    <p:sldLayoutId id="2147483715" r:id="rId4"/>
-    <p:sldLayoutId id="2147483716" r:id="rId5"/>
-    <p:sldLayoutId id="2147483717" r:id="rId6"/>
-    <p:sldLayoutId id="2147483718" r:id="rId7"/>
-    <p:sldLayoutId id="2147483719" r:id="rId8"/>
-    <p:sldLayoutId id="2147483720" r:id="rId9"/>
-    <p:sldLayoutId id="2147483721" r:id="rId10"/>
-    <p:sldLayoutId id="2147483722" r:id="rId11"/>
-    <p:sldLayoutId id="2147483723" r:id="rId12"/>
-    <p:sldLayoutId id="2147483724" r:id="rId13"/>
-    <p:sldLayoutId id="2147483725" r:id="rId14"/>
+    <p:sldLayoutId id="2147483701" r:id="rId3"/>
+    <p:sldLayoutId id="2147483702" r:id="rId4"/>
+    <p:sldLayoutId id="2147483703" r:id="rId5"/>
+    <p:sldLayoutId id="2147483704" r:id="rId6"/>
+    <p:sldLayoutId id="2147483705" r:id="rId7"/>
+    <p:sldLayoutId id="2147483706" r:id="rId8"/>
+    <p:sldLayoutId id="2147483707" r:id="rId9"/>
+    <p:sldLayoutId id="2147483708" r:id="rId10"/>
+    <p:sldLayoutId id="2147483709" r:id="rId11"/>
+    <p:sldLayoutId id="2147483710" r:id="rId12"/>
+    <p:sldLayoutId id="2147483711" r:id="rId13"/>
+    <p:sldLayoutId id="2147483712" r:id="rId14"/>
   </p:sldLayoutIdLst>
 </p:sldMaster>
 </file>
@@ -10678,14 +8786,14 @@
       </p:grpSpPr>
       <p:sp>
         <p:nvSpPr>
-          <p:cNvPr id="245" name="CustomShape 1"/>
+          <p:cNvPr id="205" name="CustomShape 1"/>
           <p:cNvSpPr/>
           <p:nvPr/>
         </p:nvSpPr>
         <p:spPr>
           <a:xfrm>
             <a:off x="565560" y="6150240"/>
-            <a:ext cx="4182120" cy="293040"/>
+            <a:ext cx="4181400" cy="292320"/>
           </a:xfrm>
           <a:prstGeom prst="rect">
             <a:avLst/>
@@ -10735,14 +8843,14 @@
       </p:sp>
       <p:sp>
         <p:nvSpPr>
-          <p:cNvPr id="246" name="CustomShape 2"/>
+          <p:cNvPr id="206" name="CustomShape 2"/>
           <p:cNvSpPr/>
           <p:nvPr/>
         </p:nvSpPr>
         <p:spPr>
           <a:xfrm>
             <a:off x="2043360" y="1116360"/>
-            <a:ext cx="5784120" cy="2959200"/>
+            <a:ext cx="5783400" cy="2958480"/>
           </a:xfrm>
           <a:prstGeom prst="rect">
             <a:avLst/>
@@ -10810,14 +8918,14 @@
       </p:sp>
       <p:sp>
         <p:nvSpPr>
-          <p:cNvPr id="247" name="CustomShape 3"/>
+          <p:cNvPr id="207" name="CustomShape 3"/>
           <p:cNvSpPr/>
           <p:nvPr/>
         </p:nvSpPr>
         <p:spPr>
           <a:xfrm>
             <a:off x="566280" y="5740560"/>
-            <a:ext cx="5650920" cy="363240"/>
+            <a:ext cx="5650200" cy="362520"/>
           </a:xfrm>
           <a:prstGeom prst="rect">
             <a:avLst/>
@@ -10897,14 +9005,14 @@
       </p:grpSpPr>
       <p:sp>
         <p:nvSpPr>
-          <p:cNvPr id="275" name="CustomShape 1"/>
+          <p:cNvPr id="235" name="CustomShape 1"/>
           <p:cNvSpPr/>
           <p:nvPr/>
         </p:nvSpPr>
         <p:spPr>
           <a:xfrm>
             <a:off x="685800" y="0"/>
-            <a:ext cx="10960920" cy="1133280"/>
+            <a:ext cx="10960200" cy="1132560"/>
           </a:xfrm>
           <a:prstGeom prst="rect">
             <a:avLst/>
@@ -10963,14 +9071,14 @@
       </p:sp>
       <p:sp>
         <p:nvSpPr>
-          <p:cNvPr id="276" name="CustomShape 2"/>
+          <p:cNvPr id="236" name="CustomShape 2"/>
           <p:cNvSpPr/>
           <p:nvPr/>
         </p:nvSpPr>
         <p:spPr>
           <a:xfrm>
             <a:off x="274320" y="1554480"/>
-            <a:ext cx="11064240" cy="4480560"/>
+            <a:ext cx="11063520" cy="4479840"/>
           </a:xfrm>
           <a:prstGeom prst="rect">
             <a:avLst/>
@@ -10994,7 +9102,7 @@
             <a:noAutofit/>
           </a:bodyPr>
           <a:p>
-            <a:pPr marL="216000" indent="-216000">
+            <a:pPr marL="216000" indent="-215280">
               <a:lnSpc>
                 <a:spcPct val="100000"/>
               </a:lnSpc>
@@ -11004,6 +9112,7 @@
               <a:buClr>
                 <a:srgbClr val="3c3e41"/>
               </a:buClr>
+              <a:buFont typeface="StarSymbol"/>
               <a:buAutoNum type="arabicParenR"/>
             </a:pPr>
             <a:r>
@@ -11078,10 +9187,11 @@
               <a:t> from </a:t>
             </a:r>
             <a:r>
-              <a:rPr b="0" lang="en-US" sz="1800" spc="-1" strike="noStrike">
-                <a:solidFill>
-                  <a:srgbClr val="00a933"/>
-                </a:solidFill>
+              <a:rPr b="0" lang="en-US" sz="1800" spc="-1" strike="noStrike" u="sng">
+                <a:solidFill>
+                  <a:srgbClr val="0000ff"/>
+                </a:solidFill>
+                <a:uFillTx/>
                 <a:latin typeface="Arial"/>
                 <a:ea typeface="DejaVu Sans"/>
                 <a:hlinkClick r:id="rId1"/>
@@ -11093,7 +9203,7 @@
             </a:endParaRPr>
           </a:p>
           <a:p>
-            <a:pPr marL="216000" indent="-216000">
+            <a:pPr marL="216000" indent="-215280">
               <a:lnSpc>
                 <a:spcPct val="100000"/>
               </a:lnSpc>
@@ -11103,7 +9213,7 @@
               <a:buClr>
                 <a:srgbClr val="3c3e41"/>
               </a:buClr>
-              <a:buFont typeface="OpenSymbol" charset="2"/>
+              <a:buFont typeface="OpenSymbol"/>
               <a:buAutoNum type="arabicParenR"/>
             </a:pPr>
             <a:r>
@@ -11158,23 +9268,24 @@
               <a:t> file to a directory of your choice, e.g., </a:t>
             </a:r>
             <a:r>
+              <a:rPr b="0" lang="en-US" sz="1800" spc="-1" strike="noStrike" u="sng">
+                <a:solidFill>
+                  <a:srgbClr val="0000ff"/>
+                </a:solidFill>
+                <a:uFillTx/>
+                <a:latin typeface="Arial"/>
+                <a:ea typeface="DejaVu Sans"/>
+                <a:hlinkClick r:id="rId2"/>
+              </a:rPr>
+              <a:t>C:\helm</a:t>
+            </a:r>
+            <a:r>
               <a:rPr b="0" lang="en-US" sz="1800" spc="-1" strike="noStrike">
                 <a:solidFill>
                   <a:srgbClr val="3c3e41"/>
                 </a:solidFill>
                 <a:latin typeface="Arial"/>
                 <a:ea typeface="DejaVu Sans"/>
-                <a:hlinkClick r:id="rId2"/>
-              </a:rPr>
-              <a:t>C:\helm</a:t>
-            </a:r>
-            <a:r>
-              <a:rPr b="0" lang="en-US" sz="1800" spc="-1" strike="noStrike">
-                <a:solidFill>
-                  <a:srgbClr val="3c3e41"/>
-                </a:solidFill>
-                <a:latin typeface="Arial"/>
-                <a:ea typeface="DejaVu Sans"/>
               </a:rPr>
               <a:t>.</a:t>
             </a:r>
@@ -11183,7 +9294,7 @@
             </a:endParaRPr>
           </a:p>
           <a:p>
-            <a:pPr marL="216000" indent="-216000">
+            <a:pPr marL="216000" indent="-215280">
               <a:lnSpc>
                 <a:spcPct val="100000"/>
               </a:lnSpc>
@@ -11193,7 +9304,7 @@
               <a:buClr>
                 <a:srgbClr val="3c3e41"/>
               </a:buClr>
-              <a:buFont typeface="OpenSymbol" charset="2"/>
+              <a:buFont typeface="OpenSymbol"/>
               <a:buAutoNum type="arabicParenR"/>
             </a:pPr>
             <a:r>
@@ -11222,7 +9333,7 @@
             </a:endParaRPr>
           </a:p>
           <a:p>
-            <a:pPr marL="216000" indent="-216000">
+            <a:pPr marL="216000" indent="-215280">
               <a:lnSpc>
                 <a:spcPct val="100000"/>
               </a:lnSpc>
@@ -11232,7 +9343,7 @@
               <a:buClr>
                 <a:srgbClr val="3c3e41"/>
               </a:buClr>
-              <a:buFont typeface="OpenSymbol" charset="2"/>
+              <a:buFont typeface="OpenSymbol"/>
               <a:buAutoNum type="arabicParenR"/>
             </a:pPr>
             <a:r>
@@ -11284,14 +9395,14 @@
       </p:sp>
       <p:sp>
         <p:nvSpPr>
-          <p:cNvPr id="277" name="CustomShape 3"/>
+          <p:cNvPr id="237" name="CustomShape 3"/>
           <p:cNvSpPr/>
           <p:nvPr/>
         </p:nvSpPr>
         <p:spPr>
           <a:xfrm>
             <a:off x="10515240" y="6202080"/>
-            <a:ext cx="1588320" cy="415440"/>
+            <a:ext cx="1587600" cy="414720"/>
           </a:xfrm>
           <a:prstGeom prst="rect">
             <a:avLst/>
@@ -11317,7 +9428,7 @@
                 <a:spcPct val="100000"/>
               </a:lnSpc>
             </a:pPr>
-            <a:fld id="{100ADE32-C46F-4679-A8C9-F228EAD920E9}" type="slidenum">
+            <a:fld id="{69C65F2C-B52C-478D-9403-56CFB9B24779}" type="slidenum">
               <a:rPr b="0" lang="en-US" sz="1600" spc="-1" strike="noStrike">
                 <a:solidFill>
                   <a:srgbClr val="000000"/>
@@ -11365,14 +9476,14 @@
       </p:grpSpPr>
       <p:sp>
         <p:nvSpPr>
-          <p:cNvPr id="278" name="CustomShape 1"/>
+          <p:cNvPr id="238" name="CustomShape 1"/>
           <p:cNvSpPr/>
           <p:nvPr/>
         </p:nvSpPr>
         <p:spPr>
           <a:xfrm>
             <a:off x="685800" y="0"/>
-            <a:ext cx="10960920" cy="1133280"/>
+            <a:ext cx="10960200" cy="1132560"/>
           </a:xfrm>
           <a:prstGeom prst="rect">
             <a:avLst/>
@@ -11431,14 +9542,14 @@
       </p:sp>
       <p:sp>
         <p:nvSpPr>
-          <p:cNvPr id="279" name="CustomShape 2"/>
+          <p:cNvPr id="239" name="CustomShape 2"/>
           <p:cNvSpPr/>
           <p:nvPr/>
         </p:nvSpPr>
         <p:spPr>
           <a:xfrm>
             <a:off x="274320" y="1554480"/>
-            <a:ext cx="11064240" cy="4480560"/>
+            <a:ext cx="11063520" cy="4479840"/>
           </a:xfrm>
           <a:prstGeom prst="rect">
             <a:avLst/>
@@ -11462,7 +9573,7 @@
             <a:noAutofit/>
           </a:bodyPr>
           <a:p>
-            <a:pPr marL="216000" indent="-216000">
+            <a:pPr marL="216000" indent="-215280">
               <a:lnSpc>
                 <a:spcPct val="100000"/>
               </a:lnSpc>
@@ -11472,6 +9583,7 @@
               <a:buClr>
                 <a:srgbClr val="3c3e41"/>
               </a:buClr>
+              <a:buFont typeface="StarSymbol"/>
               <a:buAutoNum type="arabicParenR"/>
             </a:pPr>
             <a:r>
@@ -11555,6 +9667,7 @@
                   <a:srgbClr val="3c3e41"/>
                 </a:solidFill>
                 <a:latin typeface="Arial"/>
+                <a:ea typeface="DejaVu Sans"/>
               </a:rPr>
               <a:t> </a:t>
             </a:r>
@@ -11563,7 +9676,7 @@
             </a:endParaRPr>
           </a:p>
           <a:p>
-            <a:pPr marL="216000" indent="-216000">
+            <a:pPr marL="216000" indent="-215280">
               <a:lnSpc>
                 <a:spcPct val="100000"/>
               </a:lnSpc>
@@ -11573,7 +9686,7 @@
               <a:buClr>
                 <a:srgbClr val="3c3e41"/>
               </a:buClr>
-              <a:buFont typeface="OpenSymbol" charset="2"/>
+              <a:buFont typeface="OpenSymbol"/>
               <a:buAutoNum type="arabicParenR"/>
             </a:pPr>
             <a:r>
@@ -11625,14 +9738,14 @@
       </p:sp>
       <p:sp>
         <p:nvSpPr>
-          <p:cNvPr id="280" name="CustomShape 3"/>
+          <p:cNvPr id="240" name="CustomShape 3"/>
           <p:cNvSpPr/>
           <p:nvPr/>
         </p:nvSpPr>
         <p:spPr>
           <a:xfrm>
             <a:off x="10515240" y="6202080"/>
-            <a:ext cx="1588320" cy="415440"/>
+            <a:ext cx="1587600" cy="414720"/>
           </a:xfrm>
           <a:prstGeom prst="rect">
             <a:avLst/>
@@ -11658,7 +9771,7 @@
                 <a:spcPct val="100000"/>
               </a:lnSpc>
             </a:pPr>
-            <a:fld id="{6F21395D-7066-4130-9028-6D100816722E}" type="slidenum">
+            <a:fld id="{6F4EA949-AEE8-4601-926C-A05ED789CB0E}" type="slidenum">
               <a:rPr b="0" lang="en-US" sz="1600" spc="-1" strike="noStrike">
                 <a:solidFill>
                   <a:srgbClr val="000000"/>
@@ -11676,7 +9789,7 @@
       </p:sp>
       <p:pic>
         <p:nvPicPr>
-          <p:cNvPr id="281" name="" descr=""/>
+          <p:cNvPr id="241" name="" descr=""/>
           <p:cNvPicPr/>
           <p:nvPr/>
         </p:nvPicPr>
@@ -11687,7 +9800,7 @@
         <p:spPr>
           <a:xfrm>
             <a:off x="694440" y="4099320"/>
-            <a:ext cx="8811360" cy="218880"/>
+            <a:ext cx="8810640" cy="218160"/>
           </a:xfrm>
           <a:prstGeom prst="rect">
             <a:avLst/>
@@ -11732,14 +9845,14 @@
       </p:grpSpPr>
       <p:sp>
         <p:nvSpPr>
-          <p:cNvPr id="282" name="CustomShape 1"/>
+          <p:cNvPr id="242" name="CustomShape 1"/>
           <p:cNvSpPr/>
           <p:nvPr/>
         </p:nvSpPr>
         <p:spPr>
           <a:xfrm>
-            <a:off x="3428640" y="376920"/>
-            <a:ext cx="5698080" cy="525600"/>
+            <a:off x="685800" y="0"/>
+            <a:ext cx="10960200" cy="1132560"/>
           </a:xfrm>
           <a:prstGeom prst="rect">
             <a:avLst/>
@@ -11774,33 +9887,48 @@
                   <a:srgbClr val="3465a4"/>
                 </a:solidFill>
                 <a:latin typeface="Arial"/>
-                <a:ea typeface="DejaVu Sans"/>
-              </a:rPr>
-              <a:t>Questions and Answers</a:t>
-            </a:r>
-            <a:endParaRPr b="0" lang="en-US" sz="3200" spc="-1" strike="noStrike">
-              <a:latin typeface="Arial"/>
-            </a:endParaRPr>
-          </a:p>
-        </p:txBody>
-      </p:sp>
-      <p:sp>
-        <p:nvSpPr>
-          <p:cNvPr id="283" name="CustomShape 2"/>
+                <a:ea typeface="Noto Sans CJK SC"/>
+              </a:rPr>
+              <a:t>3- Helm Chart</a:t>
+            </a:r>
+            <a:br/>
+            <a:br/>
+            <a:r>
+              <a:rPr b="1" lang="en-US" sz="2200" spc="-1" strike="noStrike">
+                <a:solidFill>
+                  <a:srgbClr val="000000"/>
+                </a:solidFill>
+                <a:latin typeface="Arial"/>
+                <a:ea typeface="Noto Sans CJK SC"/>
+              </a:rPr>
+              <a:t>Helm CLI commands - 1</a:t>
+            </a:r>
+            <a:endParaRPr b="0" lang="en-US" sz="2200" spc="-1" strike="noStrike">
+              <a:latin typeface="Arial"/>
+            </a:endParaRPr>
+          </a:p>
+        </p:txBody>
+      </p:sp>
+      <p:sp>
+        <p:nvSpPr>
+          <p:cNvPr id="243" name="CustomShape 2"/>
           <p:cNvSpPr/>
           <p:nvPr/>
         </p:nvSpPr>
         <p:spPr>
           <a:xfrm>
-            <a:off x="10515240" y="6202080"/>
-            <a:ext cx="1588320" cy="415440"/>
+            <a:off x="274320" y="1554480"/>
+            <a:ext cx="11063520" cy="4479840"/>
           </a:xfrm>
           <a:prstGeom prst="rect">
             <a:avLst/>
           </a:prstGeom>
           <a:noFill/>
-          <a:ln>
-            <a:noFill/>
+          <a:ln cap="rnd" w="6480">
+            <a:solidFill>
+              <a:srgbClr val="5eb91e"/>
+            </a:solidFill>
+            <a:round/>
           </a:ln>
         </p:spPr>
         <p:style>
@@ -11810,6 +9938,297 @@
           <a:fontRef idx="minor"/>
         </p:style>
         <p:txBody>
+          <a:bodyPr lIns="93240" rIns="93240" tIns="48240" bIns="48240">
+            <a:noAutofit/>
+          </a:bodyPr>
+          <a:p>
+            <a:pPr marL="216000" indent="-216000">
+              <a:lnSpc>
+                <a:spcPct val="100000"/>
+              </a:lnSpc>
+              <a:spcBef>
+                <a:spcPts val="1417"/>
+              </a:spcBef>
+              <a:buClr>
+                <a:srgbClr val="000000"/>
+              </a:buClr>
+              <a:buSzPct val="45000"/>
+              <a:buFont typeface="Wingdings" charset="2"/>
+              <a:buChar char=""/>
+            </a:pPr>
+            <a:r>
+              <a:rPr b="0" lang="en-US" sz="1800" spc="-1" strike="noStrike">
+                <a:solidFill>
+                  <a:srgbClr val="3c3e41"/>
+                </a:solidFill>
+                <a:latin typeface="Arial"/>
+                <a:ea typeface="DejaVu Sans"/>
+              </a:rPr>
+              <a:t>helm </a:t>
+            </a:r>
+            <a:r>
+              <a:rPr b="0" lang="en-US" sz="1800" spc="-1" strike="noStrike">
+                <a:solidFill>
+                  <a:srgbClr val="00a933"/>
+                </a:solidFill>
+                <a:latin typeface="Arial"/>
+                <a:ea typeface="DejaVu Sans"/>
+              </a:rPr>
+              <a:t>search</a:t>
+            </a:r>
+            <a:r>
+              <a:rPr b="0" lang="en-US" sz="1800" spc="-1" strike="noStrike">
+                <a:solidFill>
+                  <a:srgbClr val="3c3e41"/>
+                </a:solidFill>
+                <a:latin typeface="Arial"/>
+                <a:ea typeface="DejaVu Sans"/>
+              </a:rPr>
+              <a:t>: search for Helm charts in repositories</a:t>
+            </a:r>
+            <a:endParaRPr b="0" lang="en-US" sz="1800" spc="-1" strike="noStrike">
+              <a:latin typeface="Arial"/>
+            </a:endParaRPr>
+          </a:p>
+          <a:p>
+            <a:pPr marL="216000" indent="-216000">
+              <a:lnSpc>
+                <a:spcPct val="100000"/>
+              </a:lnSpc>
+              <a:spcBef>
+                <a:spcPts val="1417"/>
+              </a:spcBef>
+              <a:buClr>
+                <a:srgbClr val="000000"/>
+              </a:buClr>
+              <a:buSzPct val="45000"/>
+              <a:buFont typeface="Wingdings" charset="2"/>
+              <a:buChar char=""/>
+            </a:pPr>
+            <a:r>
+              <a:rPr b="0" lang="en-US" sz="1800" spc="-1" strike="noStrike">
+                <a:solidFill>
+                  <a:srgbClr val="3c3e41"/>
+                </a:solidFill>
+                <a:latin typeface="Arial"/>
+                <a:ea typeface="DejaVu Sans"/>
+              </a:rPr>
+              <a:t>Examples:</a:t>
+            </a:r>
+            <a:br/>
+            <a:r>
+              <a:rPr b="0" i="1" lang="en-US" sz="1800" spc="-1" strike="noStrike">
+                <a:solidFill>
+                  <a:srgbClr val="3c3e41"/>
+                </a:solidFill>
+                <a:latin typeface="Arial"/>
+                <a:ea typeface="DejaVu Sans"/>
+              </a:rPr>
+              <a:t>helm </a:t>
+            </a:r>
+            <a:r>
+              <a:rPr b="0" i="1" lang="en-US" sz="1800" spc="-1" strike="noStrike">
+                <a:solidFill>
+                  <a:srgbClr val="00a933"/>
+                </a:solidFill>
+                <a:latin typeface="Arial"/>
+                <a:ea typeface="DejaVu Sans"/>
+              </a:rPr>
+              <a:t>search</a:t>
+            </a:r>
+            <a:r>
+              <a:rPr b="0" i="1" lang="en-US" sz="1800" spc="-1" strike="noStrike">
+                <a:solidFill>
+                  <a:srgbClr val="3c3e41"/>
+                </a:solidFill>
+                <a:latin typeface="Arial"/>
+                <a:ea typeface="DejaVu Sans"/>
+              </a:rPr>
+              <a:t> repo </a:t>
+            </a:r>
+            <a:r>
+              <a:rPr b="0" i="1" lang="en-US" sz="1800" spc="-1" strike="noStrike">
+                <a:solidFill>
+                  <a:srgbClr val="ff0000"/>
+                </a:solidFill>
+                <a:latin typeface="Arial"/>
+                <a:ea typeface="DejaVu Sans"/>
+              </a:rPr>
+              <a:t>nginx</a:t>
+            </a:r>
+            <a:endParaRPr b="0" lang="en-US" sz="1800" spc="-1" strike="noStrike">
+              <a:latin typeface="Arial"/>
+            </a:endParaRPr>
+          </a:p>
+          <a:p>
+            <a:pPr marL="216000" indent="-216000">
+              <a:lnSpc>
+                <a:spcPct val="100000"/>
+              </a:lnSpc>
+              <a:spcBef>
+                <a:spcPts val="1417"/>
+              </a:spcBef>
+              <a:buClr>
+                <a:srgbClr val="000000"/>
+              </a:buClr>
+              <a:buSzPct val="45000"/>
+              <a:buFont typeface="Wingdings" charset="2"/>
+              <a:buChar char=""/>
+            </a:pPr>
+            <a:endParaRPr b="0" lang="en-US" sz="1800" spc="-1" strike="noStrike">
+              <a:latin typeface="Arial"/>
+            </a:endParaRPr>
+          </a:p>
+          <a:p>
+            <a:pPr marL="216000" indent="-216000">
+              <a:lnSpc>
+                <a:spcPct val="100000"/>
+              </a:lnSpc>
+              <a:spcBef>
+                <a:spcPts val="1417"/>
+              </a:spcBef>
+              <a:buClr>
+                <a:srgbClr val="000000"/>
+              </a:buClr>
+              <a:buSzPct val="45000"/>
+              <a:buFont typeface="Wingdings" charset="2"/>
+              <a:buChar char=""/>
+            </a:pPr>
+            <a:endParaRPr b="0" lang="en-US" sz="1800" spc="-1" strike="noStrike">
+              <a:latin typeface="Arial"/>
+            </a:endParaRPr>
+          </a:p>
+          <a:p>
+            <a:pPr marL="216000" indent="-216000">
+              <a:lnSpc>
+                <a:spcPct val="100000"/>
+              </a:lnSpc>
+              <a:spcBef>
+                <a:spcPts val="1417"/>
+              </a:spcBef>
+              <a:buClr>
+                <a:srgbClr val="000000"/>
+              </a:buClr>
+              <a:buSzPct val="45000"/>
+              <a:buFont typeface="Wingdings" charset="2"/>
+              <a:buChar char=""/>
+            </a:pPr>
+            <a:endParaRPr b="0" lang="en-US" sz="1800" spc="-1" strike="noStrike">
+              <a:latin typeface="Arial"/>
+            </a:endParaRPr>
+          </a:p>
+          <a:p>
+            <a:pPr marL="216000" indent="-216000">
+              <a:lnSpc>
+                <a:spcPct val="100000"/>
+              </a:lnSpc>
+              <a:spcBef>
+                <a:spcPts val="1417"/>
+              </a:spcBef>
+              <a:buClr>
+                <a:srgbClr val="000000"/>
+              </a:buClr>
+              <a:buSzPct val="45000"/>
+              <a:buFont typeface="Wingdings" charset="2"/>
+              <a:buChar char=""/>
+            </a:pPr>
+            <a:endParaRPr b="0" lang="en-US" sz="1800" spc="-1" strike="noStrike">
+              <a:latin typeface="Arial"/>
+            </a:endParaRPr>
+          </a:p>
+          <a:p>
+            <a:pPr marL="216000" indent="-216000">
+              <a:lnSpc>
+                <a:spcPct val="100000"/>
+              </a:lnSpc>
+              <a:spcBef>
+                <a:spcPts val="1417"/>
+              </a:spcBef>
+              <a:buClr>
+                <a:srgbClr val="000000"/>
+              </a:buClr>
+              <a:buSzPct val="45000"/>
+              <a:buFont typeface="Wingdings" charset="2"/>
+              <a:buChar char=""/>
+            </a:pPr>
+            <a:r>
+              <a:rPr b="0" lang="en-US" sz="1800" spc="-1" strike="noStrike">
+                <a:solidFill>
+                  <a:srgbClr val="3c3e41"/>
+                </a:solidFill>
+                <a:latin typeface="Arial"/>
+                <a:ea typeface="DejaVu Sans"/>
+              </a:rPr>
+              <a:t>helm </a:t>
+            </a:r>
+            <a:r>
+              <a:rPr b="0" lang="en-US" sz="1800" spc="-1" strike="noStrike">
+                <a:solidFill>
+                  <a:srgbClr val="00a933"/>
+                </a:solidFill>
+                <a:latin typeface="Arial"/>
+                <a:ea typeface="DejaVu Sans"/>
+              </a:rPr>
+              <a:t>search</a:t>
+            </a:r>
+            <a:r>
+              <a:rPr b="0" lang="en-US" sz="1800" spc="-1" strike="noStrike">
+                <a:solidFill>
+                  <a:srgbClr val="3c3e41"/>
+                </a:solidFill>
+                <a:latin typeface="Arial"/>
+                <a:ea typeface="DejaVu Sans"/>
+              </a:rPr>
+              <a:t> repo </a:t>
+            </a:r>
+            <a:r>
+              <a:rPr b="0" lang="en-US" sz="1800" spc="-1" strike="noStrike">
+                <a:solidFill>
+                  <a:srgbClr val="ff0000"/>
+                </a:solidFill>
+                <a:latin typeface="Arial"/>
+                <a:ea typeface="DejaVu Sans"/>
+              </a:rPr>
+              <a:t>stable/nginx-ingress</a:t>
+            </a:r>
+            <a:br/>
+            <a:br/>
+            <a:br/>
+            <a:br/>
+            <a:br/>
+            <a:br/>
+            <a:endParaRPr b="0" lang="en-US" sz="1800" spc="-1" strike="noStrike">
+              <a:latin typeface="Arial"/>
+            </a:endParaRPr>
+          </a:p>
+        </p:txBody>
+      </p:sp>
+      <p:sp>
+        <p:nvSpPr>
+          <p:cNvPr id="244" name="CustomShape 3"/>
+          <p:cNvSpPr/>
+          <p:nvPr/>
+        </p:nvSpPr>
+        <p:spPr>
+          <a:xfrm>
+            <a:off x="10515240" y="6202080"/>
+            <a:ext cx="1587600" cy="414720"/>
+          </a:xfrm>
+          <a:prstGeom prst="rect">
+            <a:avLst/>
+          </a:prstGeom>
+          <a:noFill/>
+          <a:ln>
+            <a:noFill/>
+          </a:ln>
+        </p:spPr>
+        <p:style>
+          <a:lnRef idx="0"/>
+          <a:fillRef idx="0"/>
+          <a:effectRef idx="0"/>
+          <a:fontRef idx="minor"/>
+        </p:style>
+        <p:txBody>
           <a:bodyPr lIns="90000" rIns="90000" tIns="45000" bIns="45000">
             <a:noAutofit/>
           </a:bodyPr>
@@ -11819,7 +10238,7 @@
                 <a:spcPct val="100000"/>
               </a:lnSpc>
             </a:pPr>
-            <a:fld id="{A6C98938-7F46-41DC-B05B-F4DC8C4F26EC}" type="slidenum">
+            <a:fld id="{170F148B-25A3-47AD-9B85-7E8A8AB8E4F5}" type="slidenum">
               <a:rPr b="0" lang="en-US" sz="1600" spc="-1" strike="noStrike">
                 <a:solidFill>
                   <a:srgbClr val="000000"/>
@@ -11837,7 +10256,7 @@
       </p:sp>
       <p:pic>
         <p:nvPicPr>
-          <p:cNvPr id="284" name="Picture 412" descr=""/>
+          <p:cNvPr id="245" name="" descr=""/>
           <p:cNvPicPr/>
           <p:nvPr/>
         </p:nvPicPr>
@@ -11847,14 +10266,43 @@
         </p:blipFill>
         <p:spPr>
           <a:xfrm>
-            <a:off x="4114440" y="2105280"/>
-            <a:ext cx="4637880" cy="3142440"/>
+            <a:off x="609840" y="2651760"/>
+            <a:ext cx="9540000" cy="1828800"/>
           </a:xfrm>
           <a:prstGeom prst="rect">
             <a:avLst/>
           </a:prstGeom>
           <a:ln>
-            <a:noFill/>
+            <a:solidFill>
+              <a:srgbClr val="3465a4"/>
+            </a:solidFill>
+            <a:prstDash val="sysDot"/>
+          </a:ln>
+        </p:spPr>
+      </p:pic>
+      <p:pic>
+        <p:nvPicPr>
+          <p:cNvPr id="246" name="" descr=""/>
+          <p:cNvPicPr/>
+          <p:nvPr/>
+        </p:nvPicPr>
+        <p:blipFill>
+          <a:blip r:embed="rId2"/>
+          <a:stretch/>
+        </p:blipFill>
+        <p:spPr>
+          <a:xfrm>
+            <a:off x="594720" y="4846320"/>
+            <a:ext cx="9829440" cy="342720"/>
+          </a:xfrm>
+          <a:prstGeom prst="rect">
+            <a:avLst/>
+          </a:prstGeom>
+          <a:ln>
+            <a:solidFill>
+              <a:srgbClr val="3465a4"/>
+            </a:solidFill>
+            <a:prstDash val="sysDot"/>
           </a:ln>
         </p:spPr>
       </p:pic>
@@ -11888,6 +10336,2331 @@
           <a:chExt cx="0" cy="0"/>
         </a:xfrm>
       </p:grpSpPr>
+      <p:sp>
+        <p:nvSpPr>
+          <p:cNvPr id="247" name="CustomShape 1"/>
+          <p:cNvSpPr/>
+          <p:nvPr/>
+        </p:nvSpPr>
+        <p:spPr>
+          <a:xfrm>
+            <a:off x="685800" y="0"/>
+            <a:ext cx="10960200" cy="1132560"/>
+          </a:xfrm>
+          <a:prstGeom prst="rect">
+            <a:avLst/>
+          </a:prstGeom>
+          <a:noFill/>
+          <a:ln>
+            <a:noFill/>
+          </a:ln>
+        </p:spPr>
+        <p:style>
+          <a:lnRef idx="0"/>
+          <a:fillRef idx="0"/>
+          <a:effectRef idx="0"/>
+          <a:fontRef idx="minor"/>
+        </p:style>
+        <p:txBody>
+          <a:bodyPr lIns="90000" rIns="90000" tIns="45000" bIns="45000">
+            <a:noAutofit/>
+          </a:bodyPr>
+          <a:p>
+            <a:pPr algn="ctr">
+              <a:lnSpc>
+                <a:spcPct val="90000"/>
+              </a:lnSpc>
+              <a:spcBef>
+                <a:spcPts val="1001"/>
+              </a:spcBef>
+            </a:pPr>
+            <a:r>
+              <a:rPr b="1" lang="en-US" sz="3200" spc="-1" strike="noStrike">
+                <a:solidFill>
+                  <a:srgbClr val="3465a4"/>
+                </a:solidFill>
+                <a:latin typeface="Arial"/>
+                <a:ea typeface="Noto Sans CJK SC"/>
+              </a:rPr>
+              <a:t>3- Helm Chart</a:t>
+            </a:r>
+            <a:br/>
+            <a:br/>
+            <a:r>
+              <a:rPr b="1" lang="en-US" sz="2200" spc="-1" strike="noStrike">
+                <a:solidFill>
+                  <a:srgbClr val="000000"/>
+                </a:solidFill>
+                <a:latin typeface="Arial"/>
+                <a:ea typeface="Noto Sans CJK SC"/>
+              </a:rPr>
+              <a:t>Helm CLI commands - 2</a:t>
+            </a:r>
+            <a:endParaRPr b="0" lang="en-US" sz="2200" spc="-1" strike="noStrike">
+              <a:latin typeface="Arial"/>
+            </a:endParaRPr>
+          </a:p>
+        </p:txBody>
+      </p:sp>
+      <p:sp>
+        <p:nvSpPr>
+          <p:cNvPr id="248" name="CustomShape 2"/>
+          <p:cNvSpPr/>
+          <p:nvPr/>
+        </p:nvSpPr>
+        <p:spPr>
+          <a:xfrm>
+            <a:off x="274320" y="1554480"/>
+            <a:ext cx="11063520" cy="4479840"/>
+          </a:xfrm>
+          <a:prstGeom prst="rect">
+            <a:avLst/>
+          </a:prstGeom>
+          <a:noFill/>
+          <a:ln cap="rnd" w="6480">
+            <a:solidFill>
+              <a:srgbClr val="5eb91e"/>
+            </a:solidFill>
+            <a:round/>
+          </a:ln>
+        </p:spPr>
+        <p:style>
+          <a:lnRef idx="0"/>
+          <a:fillRef idx="0"/>
+          <a:effectRef idx="0"/>
+          <a:fontRef idx="minor"/>
+        </p:style>
+        <p:txBody>
+          <a:bodyPr lIns="93240" rIns="93240" tIns="48240" bIns="48240">
+            <a:noAutofit/>
+          </a:bodyPr>
+          <a:p>
+            <a:pPr marL="216000" indent="-216000">
+              <a:lnSpc>
+                <a:spcPct val="100000"/>
+              </a:lnSpc>
+              <a:spcBef>
+                <a:spcPts val="1417"/>
+              </a:spcBef>
+              <a:buClr>
+                <a:srgbClr val="000000"/>
+              </a:buClr>
+              <a:buSzPct val="45000"/>
+              <a:buFont typeface="Wingdings" charset="2"/>
+              <a:buChar char=""/>
+            </a:pPr>
+            <a:r>
+              <a:rPr b="0" lang="en-US" sz="1800" spc="-1" strike="noStrike">
+                <a:solidFill>
+                  <a:srgbClr val="3c3e41"/>
+                </a:solidFill>
+                <a:latin typeface="Arial"/>
+                <a:ea typeface="DejaVu Sans"/>
+              </a:rPr>
+              <a:t>helm </a:t>
+            </a:r>
+            <a:r>
+              <a:rPr b="0" lang="en-US" sz="1800" spc="-1" strike="noStrike">
+                <a:solidFill>
+                  <a:srgbClr val="00a933"/>
+                </a:solidFill>
+                <a:latin typeface="Arial"/>
+                <a:ea typeface="DejaVu Sans"/>
+              </a:rPr>
+              <a:t>template</a:t>
+            </a:r>
+            <a:r>
+              <a:rPr b="0" lang="en-US" sz="1800" spc="-1" strike="noStrike">
+                <a:solidFill>
+                  <a:srgbClr val="3c3e41"/>
+                </a:solidFill>
+                <a:latin typeface="Arial"/>
+                <a:ea typeface="DejaVu Sans"/>
+              </a:rPr>
+              <a:t>: render the Kubernetes manifest files for a Helm char</a:t>
+            </a:r>
+            <a:endParaRPr b="0" lang="en-US" sz="1800" spc="-1" strike="noStrike">
+              <a:latin typeface="Arial"/>
+            </a:endParaRPr>
+          </a:p>
+          <a:p>
+            <a:pPr marL="216000" indent="-216000">
+              <a:lnSpc>
+                <a:spcPct val="100000"/>
+              </a:lnSpc>
+              <a:spcBef>
+                <a:spcPts val="1417"/>
+              </a:spcBef>
+              <a:buClr>
+                <a:srgbClr val="000000"/>
+              </a:buClr>
+              <a:buSzPct val="45000"/>
+              <a:buFont typeface="Wingdings" charset="2"/>
+              <a:buChar char=""/>
+            </a:pPr>
+            <a:r>
+              <a:rPr b="0" lang="en-US" sz="1800" spc="-1" strike="noStrike">
+                <a:solidFill>
+                  <a:srgbClr val="3c3e41"/>
+                </a:solidFill>
+                <a:latin typeface="Arial"/>
+                <a:ea typeface="DejaVu Sans"/>
+              </a:rPr>
+              <a:t>Example:</a:t>
+            </a:r>
+            <a:br/>
+            <a:r>
+              <a:rPr b="0" i="1" lang="en-US" sz="1800" spc="-1" strike="noStrike">
+                <a:solidFill>
+                  <a:srgbClr val="3c3e41"/>
+                </a:solidFill>
+                <a:latin typeface="Arial"/>
+                <a:ea typeface="DejaVu Sans"/>
+              </a:rPr>
+              <a:t>helm </a:t>
+            </a:r>
+            <a:r>
+              <a:rPr b="0" i="1" lang="en-US" sz="1800" spc="-1" strike="noStrike">
+                <a:solidFill>
+                  <a:srgbClr val="00a933"/>
+                </a:solidFill>
+                <a:latin typeface="Arial"/>
+                <a:ea typeface="DejaVu Sans"/>
+              </a:rPr>
+              <a:t>template</a:t>
+            </a:r>
+            <a:r>
+              <a:rPr b="0" i="1" lang="en-US" sz="1800" spc="-1" strike="noStrike">
+                <a:solidFill>
+                  <a:srgbClr val="3c3e41"/>
+                </a:solidFill>
+                <a:latin typeface="Arial"/>
+                <a:ea typeface="DejaVu Sans"/>
+              </a:rPr>
+              <a:t> .</a:t>
+            </a:r>
+            <a:endParaRPr b="0" lang="en-US" sz="1800" spc="-1" strike="noStrike">
+              <a:latin typeface="Arial"/>
+            </a:endParaRPr>
+          </a:p>
+          <a:p>
+            <a:pPr marL="216000" indent="-216000">
+              <a:lnSpc>
+                <a:spcPct val="100000"/>
+              </a:lnSpc>
+              <a:spcBef>
+                <a:spcPts val="1417"/>
+              </a:spcBef>
+              <a:buClr>
+                <a:srgbClr val="000000"/>
+              </a:buClr>
+              <a:buSzPct val="45000"/>
+              <a:buFont typeface="Wingdings" charset="2"/>
+              <a:buChar char=""/>
+            </a:pPr>
+            <a:br/>
+            <a:endParaRPr b="0" lang="en-US" sz="1800" spc="-1" strike="noStrike">
+              <a:latin typeface="Arial"/>
+            </a:endParaRPr>
+          </a:p>
+        </p:txBody>
+      </p:sp>
+      <p:sp>
+        <p:nvSpPr>
+          <p:cNvPr id="249" name="CustomShape 3"/>
+          <p:cNvSpPr/>
+          <p:nvPr/>
+        </p:nvSpPr>
+        <p:spPr>
+          <a:xfrm>
+            <a:off x="10515240" y="6202080"/>
+            <a:ext cx="1587600" cy="414720"/>
+          </a:xfrm>
+          <a:prstGeom prst="rect">
+            <a:avLst/>
+          </a:prstGeom>
+          <a:noFill/>
+          <a:ln>
+            <a:noFill/>
+          </a:ln>
+        </p:spPr>
+        <p:style>
+          <a:lnRef idx="0"/>
+          <a:fillRef idx="0"/>
+          <a:effectRef idx="0"/>
+          <a:fontRef idx="minor"/>
+        </p:style>
+        <p:txBody>
+          <a:bodyPr lIns="90000" rIns="90000" tIns="45000" bIns="45000">
+            <a:noAutofit/>
+          </a:bodyPr>
+          <a:p>
+            <a:pPr algn="ctr">
+              <a:lnSpc>
+                <a:spcPct val="100000"/>
+              </a:lnSpc>
+            </a:pPr>
+            <a:fld id="{7F2D4CCF-F3D4-4D55-97FC-847F22788FC3}" type="slidenum">
+              <a:rPr b="0" lang="en-US" sz="1600" spc="-1" strike="noStrike">
+                <a:solidFill>
+                  <a:srgbClr val="000000"/>
+                </a:solidFill>
+                <a:latin typeface="Times New Roman"/>
+                <a:ea typeface="DejaVu Sans"/>
+              </a:rPr>
+              <a:t>1</a:t>
+            </a:fld>
+            <a:endParaRPr b="0" lang="en-US" sz="1600" spc="-1" strike="noStrike">
+              <a:latin typeface="Arial"/>
+            </a:endParaRPr>
+          </a:p>
+        </p:txBody>
+      </p:sp>
+      <p:pic>
+        <p:nvPicPr>
+          <p:cNvPr id="250" name="" descr=""/>
+          <p:cNvPicPr/>
+          <p:nvPr/>
+        </p:nvPicPr>
+        <p:blipFill>
+          <a:blip r:embed="rId1"/>
+          <a:stretch/>
+        </p:blipFill>
+        <p:spPr>
+          <a:xfrm>
+            <a:off x="640080" y="2699640"/>
+            <a:ext cx="7791120" cy="2695320"/>
+          </a:xfrm>
+          <a:prstGeom prst="rect">
+            <a:avLst/>
+          </a:prstGeom>
+          <a:ln>
+            <a:solidFill>
+              <a:srgbClr val="3465a4"/>
+            </a:solidFill>
+            <a:prstDash val="sysDot"/>
+          </a:ln>
+        </p:spPr>
+      </p:pic>
+    </p:spTree>
+  </p:cSld>
+  <mc:AlternateContent>
+    <mc:Choice Requires="p14">
+      <p:transition spd="slow" p14:dur="2000"/>
+    </mc:Choice>
+    <mc:Fallback>
+      <p:transition spd="slow"/>
+    </mc:Fallback>
+  </mc:AlternateContent>
+</p:sld>
+</file>
+
+<file path=ppt/slides/slide14.xml><?xml version="1.0" encoding="utf-8"?>
+<p:sld xmlns:a="http://schemas.openxmlformats.org/drawingml/2006/main" xmlns:p="http://schemas.openxmlformats.org/presentationml/2006/main" xmlns:r="http://schemas.openxmlformats.org/officeDocument/2006/relationships" xmlns:p14="http://schemas.microsoft.com/office/powerpoint/2010/main" xmlns:p15="http://schemas.microsoft.com/office/powerpoint/2012/main" xmlns:mc="http://schemas.openxmlformats.org/markup-compatibility/2006">
+  <p:cSld>
+    <p:spTree>
+      <p:nvGrpSpPr>
+        <p:cNvPr id="1" name=""/>
+        <p:cNvGrpSpPr/>
+        <p:nvPr/>
+      </p:nvGrpSpPr>
+      <p:grpSpPr>
+        <a:xfrm>
+          <a:off x="0" y="0"/>
+          <a:ext cx="0" cy="0"/>
+          <a:chOff x="0" y="0"/>
+          <a:chExt cx="0" cy="0"/>
+        </a:xfrm>
+      </p:grpSpPr>
+      <p:sp>
+        <p:nvSpPr>
+          <p:cNvPr id="251" name="CustomShape 1"/>
+          <p:cNvSpPr/>
+          <p:nvPr/>
+        </p:nvSpPr>
+        <p:spPr>
+          <a:xfrm>
+            <a:off x="685800" y="0"/>
+            <a:ext cx="10960200" cy="1132560"/>
+          </a:xfrm>
+          <a:prstGeom prst="rect">
+            <a:avLst/>
+          </a:prstGeom>
+          <a:noFill/>
+          <a:ln>
+            <a:noFill/>
+          </a:ln>
+        </p:spPr>
+        <p:style>
+          <a:lnRef idx="0"/>
+          <a:fillRef idx="0"/>
+          <a:effectRef idx="0"/>
+          <a:fontRef idx="minor"/>
+        </p:style>
+        <p:txBody>
+          <a:bodyPr lIns="90000" rIns="90000" tIns="45000" bIns="45000">
+            <a:noAutofit/>
+          </a:bodyPr>
+          <a:p>
+            <a:pPr algn="ctr">
+              <a:lnSpc>
+                <a:spcPct val="90000"/>
+              </a:lnSpc>
+              <a:spcBef>
+                <a:spcPts val="1001"/>
+              </a:spcBef>
+            </a:pPr>
+            <a:r>
+              <a:rPr b="1" lang="en-US" sz="3200" spc="-1" strike="noStrike">
+                <a:solidFill>
+                  <a:srgbClr val="3465a4"/>
+                </a:solidFill>
+                <a:latin typeface="Arial"/>
+                <a:ea typeface="Noto Sans CJK SC"/>
+              </a:rPr>
+              <a:t>3- Helm Chart</a:t>
+            </a:r>
+            <a:br/>
+            <a:br/>
+            <a:r>
+              <a:rPr b="1" lang="en-US" sz="2200" spc="-1" strike="noStrike">
+                <a:solidFill>
+                  <a:srgbClr val="000000"/>
+                </a:solidFill>
+                <a:latin typeface="Arial"/>
+                <a:ea typeface="Noto Sans CJK SC"/>
+              </a:rPr>
+              <a:t>Helm CLI commands - 3</a:t>
+            </a:r>
+            <a:endParaRPr b="0" lang="en-US" sz="2200" spc="-1" strike="noStrike">
+              <a:latin typeface="Arial"/>
+            </a:endParaRPr>
+          </a:p>
+        </p:txBody>
+      </p:sp>
+      <p:sp>
+        <p:nvSpPr>
+          <p:cNvPr id="252" name="CustomShape 2"/>
+          <p:cNvSpPr/>
+          <p:nvPr/>
+        </p:nvSpPr>
+        <p:spPr>
+          <a:xfrm>
+            <a:off x="274320" y="1554480"/>
+            <a:ext cx="11063520" cy="4479840"/>
+          </a:xfrm>
+          <a:prstGeom prst="rect">
+            <a:avLst/>
+          </a:prstGeom>
+          <a:noFill/>
+          <a:ln cap="rnd" w="6480">
+            <a:solidFill>
+              <a:srgbClr val="5eb91e"/>
+            </a:solidFill>
+            <a:round/>
+          </a:ln>
+        </p:spPr>
+        <p:style>
+          <a:lnRef idx="0"/>
+          <a:fillRef idx="0"/>
+          <a:effectRef idx="0"/>
+          <a:fontRef idx="minor"/>
+        </p:style>
+        <p:txBody>
+          <a:bodyPr lIns="93240" rIns="93240" tIns="48240" bIns="48240">
+            <a:noAutofit/>
+          </a:bodyPr>
+          <a:p>
+            <a:pPr marL="216000" indent="-216000">
+              <a:lnSpc>
+                <a:spcPct val="100000"/>
+              </a:lnSpc>
+              <a:spcBef>
+                <a:spcPts val="1417"/>
+              </a:spcBef>
+              <a:buClr>
+                <a:srgbClr val="000000"/>
+              </a:buClr>
+              <a:buSzPct val="45000"/>
+              <a:buFont typeface="Wingdings" charset="2"/>
+              <a:buChar char=""/>
+            </a:pPr>
+            <a:r>
+              <a:rPr b="0" lang="en-US" sz="1800" spc="-1" strike="noStrike">
+                <a:solidFill>
+                  <a:srgbClr val="3c3e41"/>
+                </a:solidFill>
+                <a:latin typeface="Arial"/>
+                <a:ea typeface="DejaVu Sans"/>
+              </a:rPr>
+              <a:t>helm </a:t>
+            </a:r>
+            <a:r>
+              <a:rPr b="0" lang="en-US" sz="1800" spc="-1" strike="noStrike">
+                <a:solidFill>
+                  <a:srgbClr val="00a933"/>
+                </a:solidFill>
+                <a:latin typeface="Arial"/>
+                <a:ea typeface="DejaVu Sans"/>
+              </a:rPr>
+              <a:t>install</a:t>
+            </a:r>
+            <a:r>
+              <a:rPr b="0" lang="en-US" sz="1800" spc="-1" strike="noStrike">
+                <a:solidFill>
+                  <a:srgbClr val="3c3e41"/>
+                </a:solidFill>
+                <a:latin typeface="Arial"/>
+                <a:ea typeface="DejaVu Sans"/>
+              </a:rPr>
+              <a:t>: deploy a Helm chart as a new release.</a:t>
+            </a:r>
+            <a:endParaRPr b="0" lang="en-US" sz="1800" spc="-1" strike="noStrike">
+              <a:latin typeface="Arial"/>
+            </a:endParaRPr>
+          </a:p>
+          <a:p>
+            <a:pPr marL="216000" indent="-216000">
+              <a:lnSpc>
+                <a:spcPct val="100000"/>
+              </a:lnSpc>
+              <a:spcBef>
+                <a:spcPts val="1417"/>
+              </a:spcBef>
+              <a:buClr>
+                <a:srgbClr val="000000"/>
+              </a:buClr>
+              <a:buSzPct val="45000"/>
+              <a:buFont typeface="Wingdings" charset="2"/>
+              <a:buChar char=""/>
+            </a:pPr>
+            <a:r>
+              <a:rPr b="0" lang="en-US" sz="1800" spc="-1" strike="noStrike">
+                <a:solidFill>
+                  <a:srgbClr val="3c3e41"/>
+                </a:solidFill>
+                <a:latin typeface="Arial"/>
+                <a:ea typeface="DejaVu Sans"/>
+              </a:rPr>
+              <a:t>Examples:</a:t>
+            </a:r>
+            <a:br/>
+            <a:r>
+              <a:rPr b="0" i="1" lang="en-US" sz="1800" spc="-1" strike="noStrike">
+                <a:solidFill>
+                  <a:srgbClr val="3c3e41"/>
+                </a:solidFill>
+                <a:latin typeface="Arial"/>
+                <a:ea typeface="DejaVu Sans"/>
+              </a:rPr>
+              <a:t>helm </a:t>
+            </a:r>
+            <a:r>
+              <a:rPr b="0" i="1" lang="en-US" sz="1800" spc="-1" strike="noStrike">
+                <a:solidFill>
+                  <a:srgbClr val="00a933"/>
+                </a:solidFill>
+                <a:latin typeface="Arial"/>
+                <a:ea typeface="DejaVu Sans"/>
+              </a:rPr>
+              <a:t>install</a:t>
+            </a:r>
+            <a:r>
+              <a:rPr b="0" i="1" lang="en-US" sz="1800" spc="-1" strike="noStrike">
+                <a:solidFill>
+                  <a:srgbClr val="3c3e41"/>
+                </a:solidFill>
+                <a:latin typeface="Arial"/>
+                <a:ea typeface="DejaVu Sans"/>
+              </a:rPr>
+              <a:t> my-release stable/mysql</a:t>
+            </a:r>
+            <a:br/>
+            <a:r>
+              <a:rPr b="0" i="1" lang="en-US" sz="1800" spc="-1" strike="noStrike">
+                <a:solidFill>
+                  <a:srgbClr val="3c3e41"/>
+                </a:solidFill>
+                <a:latin typeface="Arial"/>
+                <a:ea typeface="DejaVu Sans"/>
+              </a:rPr>
+              <a:t>helm </a:t>
+            </a:r>
+            <a:r>
+              <a:rPr b="0" i="1" lang="en-US" sz="1800" spc="-1" strike="noStrike">
+                <a:solidFill>
+                  <a:srgbClr val="00a933"/>
+                </a:solidFill>
+                <a:latin typeface="Arial"/>
+                <a:ea typeface="DejaVu Sans"/>
+              </a:rPr>
+              <a:t>install</a:t>
+            </a:r>
+            <a:r>
+              <a:rPr b="0" i="1" lang="en-US" sz="1800" spc="-1" strike="noStrike">
+                <a:solidFill>
+                  <a:srgbClr val="3c3e41"/>
+                </a:solidFill>
+                <a:latin typeface="Arial"/>
+                <a:ea typeface="DejaVu Sans"/>
+              </a:rPr>
+              <a:t> my-release </a:t>
+            </a:r>
+            <a:r>
+              <a:rPr b="0" i="1" lang="en-US" sz="1800" spc="-1" strike="noStrike">
+                <a:solidFill>
+                  <a:srgbClr val="c9211e"/>
+                </a:solidFill>
+                <a:latin typeface="Arial"/>
+                <a:ea typeface="DejaVu Sans"/>
+              </a:rPr>
+              <a:t>-f values.yaml</a:t>
+            </a:r>
+            <a:r>
+              <a:rPr b="0" i="1" lang="en-US" sz="1800" spc="-1" strike="noStrike">
+                <a:solidFill>
+                  <a:srgbClr val="3c3e41"/>
+                </a:solidFill>
+                <a:latin typeface="Arial"/>
+                <a:ea typeface="DejaVu Sans"/>
+              </a:rPr>
+              <a:t> stable/mysql</a:t>
+            </a:r>
+            <a:endParaRPr b="0" lang="en-US" sz="1800" spc="-1" strike="noStrike">
+              <a:latin typeface="Arial"/>
+            </a:endParaRPr>
+          </a:p>
+          <a:p>
+            <a:pPr marL="216000" indent="-216000">
+              <a:lnSpc>
+                <a:spcPct val="100000"/>
+              </a:lnSpc>
+              <a:spcBef>
+                <a:spcPts val="1417"/>
+              </a:spcBef>
+              <a:buClr>
+                <a:srgbClr val="000000"/>
+              </a:buClr>
+              <a:buSzPct val="45000"/>
+              <a:buFont typeface="Wingdings" charset="2"/>
+              <a:buChar char=""/>
+            </a:pPr>
+            <a:br/>
+            <a:endParaRPr b="0" lang="en-US" sz="1800" spc="-1" strike="noStrike">
+              <a:latin typeface="Arial"/>
+            </a:endParaRPr>
+          </a:p>
+        </p:txBody>
+      </p:sp>
+      <p:sp>
+        <p:nvSpPr>
+          <p:cNvPr id="253" name="CustomShape 3"/>
+          <p:cNvSpPr/>
+          <p:nvPr/>
+        </p:nvSpPr>
+        <p:spPr>
+          <a:xfrm>
+            <a:off x="10515240" y="6202080"/>
+            <a:ext cx="1587600" cy="414720"/>
+          </a:xfrm>
+          <a:prstGeom prst="rect">
+            <a:avLst/>
+          </a:prstGeom>
+          <a:noFill/>
+          <a:ln>
+            <a:noFill/>
+          </a:ln>
+        </p:spPr>
+        <p:style>
+          <a:lnRef idx="0"/>
+          <a:fillRef idx="0"/>
+          <a:effectRef idx="0"/>
+          <a:fontRef idx="minor"/>
+        </p:style>
+        <p:txBody>
+          <a:bodyPr lIns="90000" rIns="90000" tIns="45000" bIns="45000">
+            <a:noAutofit/>
+          </a:bodyPr>
+          <a:p>
+            <a:pPr algn="ctr">
+              <a:lnSpc>
+                <a:spcPct val="100000"/>
+              </a:lnSpc>
+            </a:pPr>
+            <a:fld id="{05C14DD2-B71D-4442-84B4-7304FCD1DAF7}" type="slidenum">
+              <a:rPr b="0" lang="en-US" sz="1600" spc="-1" strike="noStrike">
+                <a:solidFill>
+                  <a:srgbClr val="000000"/>
+                </a:solidFill>
+                <a:latin typeface="Times New Roman"/>
+                <a:ea typeface="DejaVu Sans"/>
+              </a:rPr>
+              <a:t>1</a:t>
+            </a:fld>
+            <a:endParaRPr b="0" lang="en-US" sz="1600" spc="-1" strike="noStrike">
+              <a:latin typeface="Arial"/>
+            </a:endParaRPr>
+          </a:p>
+        </p:txBody>
+      </p:sp>
+    </p:spTree>
+  </p:cSld>
+  <mc:AlternateContent>
+    <mc:Choice Requires="p14">
+      <p:transition spd="slow" p14:dur="2000"/>
+    </mc:Choice>
+    <mc:Fallback>
+      <p:transition spd="slow"/>
+    </mc:Fallback>
+  </mc:AlternateContent>
+</p:sld>
+</file>
+
+<file path=ppt/slides/slide15.xml><?xml version="1.0" encoding="utf-8"?>
+<p:sld xmlns:a="http://schemas.openxmlformats.org/drawingml/2006/main" xmlns:p="http://schemas.openxmlformats.org/presentationml/2006/main" xmlns:r="http://schemas.openxmlformats.org/officeDocument/2006/relationships" xmlns:p14="http://schemas.microsoft.com/office/powerpoint/2010/main" xmlns:p15="http://schemas.microsoft.com/office/powerpoint/2012/main" xmlns:mc="http://schemas.openxmlformats.org/markup-compatibility/2006">
+  <p:cSld>
+    <p:spTree>
+      <p:nvGrpSpPr>
+        <p:cNvPr id="1" name=""/>
+        <p:cNvGrpSpPr/>
+        <p:nvPr/>
+      </p:nvGrpSpPr>
+      <p:grpSpPr>
+        <a:xfrm>
+          <a:off x="0" y="0"/>
+          <a:ext cx="0" cy="0"/>
+          <a:chOff x="0" y="0"/>
+          <a:chExt cx="0" cy="0"/>
+        </a:xfrm>
+      </p:grpSpPr>
+      <p:sp>
+        <p:nvSpPr>
+          <p:cNvPr id="254" name="CustomShape 1"/>
+          <p:cNvSpPr/>
+          <p:nvPr/>
+        </p:nvSpPr>
+        <p:spPr>
+          <a:xfrm>
+            <a:off x="685800" y="0"/>
+            <a:ext cx="10960200" cy="1132560"/>
+          </a:xfrm>
+          <a:prstGeom prst="rect">
+            <a:avLst/>
+          </a:prstGeom>
+          <a:noFill/>
+          <a:ln>
+            <a:noFill/>
+          </a:ln>
+        </p:spPr>
+        <p:style>
+          <a:lnRef idx="0"/>
+          <a:fillRef idx="0"/>
+          <a:effectRef idx="0"/>
+          <a:fontRef idx="minor"/>
+        </p:style>
+        <p:txBody>
+          <a:bodyPr lIns="90000" rIns="90000" tIns="45000" bIns="45000">
+            <a:noAutofit/>
+          </a:bodyPr>
+          <a:p>
+            <a:pPr algn="ctr">
+              <a:lnSpc>
+                <a:spcPct val="90000"/>
+              </a:lnSpc>
+              <a:spcBef>
+                <a:spcPts val="1001"/>
+              </a:spcBef>
+            </a:pPr>
+            <a:r>
+              <a:rPr b="1" lang="en-US" sz="3200" spc="-1" strike="noStrike">
+                <a:solidFill>
+                  <a:srgbClr val="3465a4"/>
+                </a:solidFill>
+                <a:latin typeface="Arial"/>
+                <a:ea typeface="Noto Sans CJK SC"/>
+              </a:rPr>
+              <a:t>3- Helm Chart</a:t>
+            </a:r>
+            <a:br/>
+            <a:br/>
+            <a:r>
+              <a:rPr b="1" lang="en-US" sz="2200" spc="-1" strike="noStrike">
+                <a:solidFill>
+                  <a:srgbClr val="000000"/>
+                </a:solidFill>
+                <a:latin typeface="Arial"/>
+                <a:ea typeface="Noto Sans CJK SC"/>
+              </a:rPr>
+              <a:t>Helm CLI commands - 4</a:t>
+            </a:r>
+            <a:endParaRPr b="0" lang="en-US" sz="2200" spc="-1" strike="noStrike">
+              <a:latin typeface="Arial"/>
+            </a:endParaRPr>
+          </a:p>
+        </p:txBody>
+      </p:sp>
+      <p:sp>
+        <p:nvSpPr>
+          <p:cNvPr id="255" name="CustomShape 2"/>
+          <p:cNvSpPr/>
+          <p:nvPr/>
+        </p:nvSpPr>
+        <p:spPr>
+          <a:xfrm>
+            <a:off x="274320" y="1554480"/>
+            <a:ext cx="11063520" cy="4479840"/>
+          </a:xfrm>
+          <a:prstGeom prst="rect">
+            <a:avLst/>
+          </a:prstGeom>
+          <a:noFill/>
+          <a:ln cap="rnd" w="6480">
+            <a:solidFill>
+              <a:srgbClr val="5eb91e"/>
+            </a:solidFill>
+            <a:round/>
+          </a:ln>
+        </p:spPr>
+        <p:style>
+          <a:lnRef idx="0"/>
+          <a:fillRef idx="0"/>
+          <a:effectRef idx="0"/>
+          <a:fontRef idx="minor"/>
+        </p:style>
+        <p:txBody>
+          <a:bodyPr lIns="93240" rIns="93240" tIns="48240" bIns="48240">
+            <a:noAutofit/>
+          </a:bodyPr>
+          <a:p>
+            <a:pPr marL="216000" indent="-216000">
+              <a:lnSpc>
+                <a:spcPct val="100000"/>
+              </a:lnSpc>
+              <a:spcBef>
+                <a:spcPts val="1417"/>
+              </a:spcBef>
+              <a:buClr>
+                <a:srgbClr val="000000"/>
+              </a:buClr>
+              <a:buSzPct val="45000"/>
+              <a:buFont typeface="Wingdings" charset="2"/>
+              <a:buChar char=""/>
+            </a:pPr>
+            <a:r>
+              <a:rPr b="0" lang="en-US" sz="1800" spc="-1" strike="noStrike">
+                <a:solidFill>
+                  <a:srgbClr val="3c3e41"/>
+                </a:solidFill>
+                <a:latin typeface="Arial"/>
+                <a:ea typeface="DejaVu Sans"/>
+              </a:rPr>
+              <a:t>helm </a:t>
+            </a:r>
+            <a:r>
+              <a:rPr b="0" lang="en-US" sz="1800" spc="-1" strike="noStrike">
+                <a:solidFill>
+                  <a:srgbClr val="00a933"/>
+                </a:solidFill>
+                <a:latin typeface="Arial"/>
+                <a:ea typeface="DejaVu Sans"/>
+              </a:rPr>
+              <a:t>upgrade</a:t>
+            </a:r>
+            <a:r>
+              <a:rPr b="0" lang="en-US" sz="1800" spc="-1" strike="noStrike">
+                <a:solidFill>
+                  <a:srgbClr val="3c3e41"/>
+                </a:solidFill>
+                <a:latin typeface="Arial"/>
+                <a:ea typeface="DejaVu Sans"/>
+              </a:rPr>
+              <a:t>: upgrade a release to a new version of a chart</a:t>
+            </a:r>
+            <a:endParaRPr b="0" lang="en-US" sz="1800" spc="-1" strike="noStrike">
+              <a:latin typeface="Arial"/>
+            </a:endParaRPr>
+          </a:p>
+          <a:p>
+            <a:pPr marL="216000" indent="-216000">
+              <a:lnSpc>
+                <a:spcPct val="100000"/>
+              </a:lnSpc>
+              <a:spcBef>
+                <a:spcPts val="1417"/>
+              </a:spcBef>
+              <a:buClr>
+                <a:srgbClr val="000000"/>
+              </a:buClr>
+              <a:buSzPct val="45000"/>
+              <a:buFont typeface="Wingdings" charset="2"/>
+              <a:buChar char=""/>
+            </a:pPr>
+            <a:r>
+              <a:rPr b="0" lang="en-US" sz="1800" spc="-1" strike="noStrike">
+                <a:solidFill>
+                  <a:srgbClr val="3c3e41"/>
+                </a:solidFill>
+                <a:latin typeface="Arial"/>
+                <a:ea typeface="DejaVu Sans"/>
+              </a:rPr>
+              <a:t>Examples:</a:t>
+            </a:r>
+            <a:br/>
+            <a:r>
+              <a:rPr b="0" i="1" lang="en-US" sz="1800" spc="-1" strike="noStrike">
+                <a:solidFill>
+                  <a:srgbClr val="3c3e41"/>
+                </a:solidFill>
+                <a:latin typeface="Arial"/>
+                <a:ea typeface="DejaVu Sans"/>
+              </a:rPr>
+              <a:t>helm </a:t>
+            </a:r>
+            <a:r>
+              <a:rPr b="0" i="1" lang="en-US" sz="1800" spc="-1" strike="noStrike">
+                <a:solidFill>
+                  <a:srgbClr val="00a933"/>
+                </a:solidFill>
+                <a:latin typeface="Arial"/>
+                <a:ea typeface="DejaVu Sans"/>
+              </a:rPr>
+              <a:t>upgrade</a:t>
+            </a:r>
+            <a:r>
+              <a:rPr b="0" i="1" lang="en-US" sz="1800" spc="-1" strike="noStrike">
+                <a:solidFill>
+                  <a:srgbClr val="3c3e41"/>
+                </a:solidFill>
+                <a:latin typeface="Arial"/>
+                <a:ea typeface="DejaVu Sans"/>
+              </a:rPr>
+              <a:t> my-release stable/mysql</a:t>
+            </a:r>
+            <a:br/>
+            <a:r>
+              <a:rPr b="0" i="1" lang="en-US" sz="1800" spc="-1" strike="noStrike">
+                <a:solidFill>
+                  <a:srgbClr val="3c3e41"/>
+                </a:solidFill>
+                <a:latin typeface="Arial"/>
+                <a:ea typeface="DejaVu Sans"/>
+              </a:rPr>
+              <a:t>helm </a:t>
+            </a:r>
+            <a:r>
+              <a:rPr b="0" i="1" lang="en-US" sz="1800" spc="-1" strike="noStrike">
+                <a:solidFill>
+                  <a:srgbClr val="00a933"/>
+                </a:solidFill>
+                <a:latin typeface="Arial"/>
+                <a:ea typeface="DejaVu Sans"/>
+              </a:rPr>
+              <a:t>upgrade</a:t>
+            </a:r>
+            <a:r>
+              <a:rPr b="0" i="1" lang="en-US" sz="1800" spc="-1" strike="noStrike">
+                <a:solidFill>
+                  <a:srgbClr val="3c3e41"/>
+                </a:solidFill>
+                <a:latin typeface="Arial"/>
+                <a:ea typeface="DejaVu Sans"/>
+              </a:rPr>
+              <a:t> my-release </a:t>
+            </a:r>
+            <a:r>
+              <a:rPr b="0" i="1" lang="en-US" sz="1800" spc="-1" strike="noStrike">
+                <a:solidFill>
+                  <a:srgbClr val="c9211e"/>
+                </a:solidFill>
+                <a:latin typeface="Arial"/>
+                <a:ea typeface="DejaVu Sans"/>
+              </a:rPr>
+              <a:t>-f </a:t>
+            </a:r>
+            <a:r>
+              <a:rPr b="0" i="1" lang="en-US" sz="1800" spc="-1" strike="noStrike">
+                <a:solidFill>
+                  <a:srgbClr val="2a6099"/>
+                </a:solidFill>
+                <a:latin typeface="Arial"/>
+                <a:ea typeface="DejaVu Sans"/>
+              </a:rPr>
+              <a:t>new</a:t>
+            </a:r>
+            <a:r>
+              <a:rPr b="0" i="1" lang="en-US" sz="1800" spc="-1" strike="noStrike">
+                <a:solidFill>
+                  <a:srgbClr val="c9211e"/>
+                </a:solidFill>
+                <a:latin typeface="Arial"/>
+                <a:ea typeface="DejaVu Sans"/>
+              </a:rPr>
+              <a:t>_values.yaml</a:t>
+            </a:r>
+            <a:r>
+              <a:rPr b="0" i="1" lang="en-US" sz="1800" spc="-1" strike="noStrike">
+                <a:solidFill>
+                  <a:srgbClr val="3c3e41"/>
+                </a:solidFill>
+                <a:latin typeface="Arial"/>
+                <a:ea typeface="DejaVu Sans"/>
+              </a:rPr>
+              <a:t> stable/mysql</a:t>
+            </a:r>
+            <a:endParaRPr b="0" lang="en-US" sz="1800" spc="-1" strike="noStrike">
+              <a:latin typeface="Arial"/>
+            </a:endParaRPr>
+          </a:p>
+          <a:p>
+            <a:pPr marL="216000" indent="-216000">
+              <a:lnSpc>
+                <a:spcPct val="100000"/>
+              </a:lnSpc>
+              <a:spcBef>
+                <a:spcPts val="1417"/>
+              </a:spcBef>
+              <a:buClr>
+                <a:srgbClr val="000000"/>
+              </a:buClr>
+              <a:buSzPct val="45000"/>
+              <a:buFont typeface="Wingdings" charset="2"/>
+              <a:buChar char=""/>
+            </a:pPr>
+            <a:br/>
+            <a:endParaRPr b="0" lang="en-US" sz="1800" spc="-1" strike="noStrike">
+              <a:latin typeface="Arial"/>
+            </a:endParaRPr>
+          </a:p>
+        </p:txBody>
+      </p:sp>
+      <p:sp>
+        <p:nvSpPr>
+          <p:cNvPr id="256" name="CustomShape 3"/>
+          <p:cNvSpPr/>
+          <p:nvPr/>
+        </p:nvSpPr>
+        <p:spPr>
+          <a:xfrm>
+            <a:off x="10515240" y="6202080"/>
+            <a:ext cx="1587600" cy="414720"/>
+          </a:xfrm>
+          <a:prstGeom prst="rect">
+            <a:avLst/>
+          </a:prstGeom>
+          <a:noFill/>
+          <a:ln>
+            <a:noFill/>
+          </a:ln>
+        </p:spPr>
+        <p:style>
+          <a:lnRef idx="0"/>
+          <a:fillRef idx="0"/>
+          <a:effectRef idx="0"/>
+          <a:fontRef idx="minor"/>
+        </p:style>
+        <p:txBody>
+          <a:bodyPr lIns="90000" rIns="90000" tIns="45000" bIns="45000">
+            <a:noAutofit/>
+          </a:bodyPr>
+          <a:p>
+            <a:pPr algn="ctr">
+              <a:lnSpc>
+                <a:spcPct val="100000"/>
+              </a:lnSpc>
+            </a:pPr>
+            <a:fld id="{5CD5FA28-8794-4AA8-A4B5-1018CE3671E7}" type="slidenum">
+              <a:rPr b="0" lang="en-US" sz="1600" spc="-1" strike="noStrike">
+                <a:solidFill>
+                  <a:srgbClr val="000000"/>
+                </a:solidFill>
+                <a:latin typeface="Times New Roman"/>
+                <a:ea typeface="DejaVu Sans"/>
+              </a:rPr>
+              <a:t>1</a:t>
+            </a:fld>
+            <a:endParaRPr b="0" lang="en-US" sz="1600" spc="-1" strike="noStrike">
+              <a:latin typeface="Arial"/>
+            </a:endParaRPr>
+          </a:p>
+        </p:txBody>
+      </p:sp>
+    </p:spTree>
+  </p:cSld>
+  <mc:AlternateContent>
+    <mc:Choice Requires="p14">
+      <p:transition spd="slow" p14:dur="2000"/>
+    </mc:Choice>
+    <mc:Fallback>
+      <p:transition spd="slow"/>
+    </mc:Fallback>
+  </mc:AlternateContent>
+</p:sld>
+</file>
+
+<file path=ppt/slides/slide16.xml><?xml version="1.0" encoding="utf-8"?>
+<p:sld xmlns:a="http://schemas.openxmlformats.org/drawingml/2006/main" xmlns:p="http://schemas.openxmlformats.org/presentationml/2006/main" xmlns:r="http://schemas.openxmlformats.org/officeDocument/2006/relationships" xmlns:p14="http://schemas.microsoft.com/office/powerpoint/2010/main" xmlns:p15="http://schemas.microsoft.com/office/powerpoint/2012/main" xmlns:mc="http://schemas.openxmlformats.org/markup-compatibility/2006">
+  <p:cSld>
+    <p:spTree>
+      <p:nvGrpSpPr>
+        <p:cNvPr id="1" name=""/>
+        <p:cNvGrpSpPr/>
+        <p:nvPr/>
+      </p:nvGrpSpPr>
+      <p:grpSpPr>
+        <a:xfrm>
+          <a:off x="0" y="0"/>
+          <a:ext cx="0" cy="0"/>
+          <a:chOff x="0" y="0"/>
+          <a:chExt cx="0" cy="0"/>
+        </a:xfrm>
+      </p:grpSpPr>
+      <p:sp>
+        <p:nvSpPr>
+          <p:cNvPr id="257" name="CustomShape 1"/>
+          <p:cNvSpPr/>
+          <p:nvPr/>
+        </p:nvSpPr>
+        <p:spPr>
+          <a:xfrm>
+            <a:off x="685800" y="0"/>
+            <a:ext cx="10960200" cy="1132560"/>
+          </a:xfrm>
+          <a:prstGeom prst="rect">
+            <a:avLst/>
+          </a:prstGeom>
+          <a:noFill/>
+          <a:ln>
+            <a:noFill/>
+          </a:ln>
+        </p:spPr>
+        <p:style>
+          <a:lnRef idx="0"/>
+          <a:fillRef idx="0"/>
+          <a:effectRef idx="0"/>
+          <a:fontRef idx="minor"/>
+        </p:style>
+        <p:txBody>
+          <a:bodyPr lIns="90000" rIns="90000" tIns="45000" bIns="45000">
+            <a:noAutofit/>
+          </a:bodyPr>
+          <a:p>
+            <a:pPr algn="ctr">
+              <a:lnSpc>
+                <a:spcPct val="90000"/>
+              </a:lnSpc>
+              <a:spcBef>
+                <a:spcPts val="1001"/>
+              </a:spcBef>
+            </a:pPr>
+            <a:r>
+              <a:rPr b="1" lang="en-US" sz="3200" spc="-1" strike="noStrike">
+                <a:solidFill>
+                  <a:srgbClr val="3465a4"/>
+                </a:solidFill>
+                <a:latin typeface="Arial"/>
+                <a:ea typeface="Noto Sans CJK SC"/>
+              </a:rPr>
+              <a:t>3- Helm Chart</a:t>
+            </a:r>
+            <a:br/>
+            <a:br/>
+            <a:r>
+              <a:rPr b="1" lang="en-US" sz="2200" spc="-1" strike="noStrike">
+                <a:solidFill>
+                  <a:srgbClr val="000000"/>
+                </a:solidFill>
+                <a:latin typeface="Arial"/>
+                <a:ea typeface="Noto Sans CJK SC"/>
+              </a:rPr>
+              <a:t>Helm CLI commands - 5</a:t>
+            </a:r>
+            <a:endParaRPr b="0" lang="en-US" sz="2200" spc="-1" strike="noStrike">
+              <a:latin typeface="Arial"/>
+            </a:endParaRPr>
+          </a:p>
+        </p:txBody>
+      </p:sp>
+      <p:sp>
+        <p:nvSpPr>
+          <p:cNvPr id="258" name="CustomShape 2"/>
+          <p:cNvSpPr/>
+          <p:nvPr/>
+        </p:nvSpPr>
+        <p:spPr>
+          <a:xfrm>
+            <a:off x="274320" y="1554480"/>
+            <a:ext cx="11063520" cy="4479840"/>
+          </a:xfrm>
+          <a:prstGeom prst="rect">
+            <a:avLst/>
+          </a:prstGeom>
+          <a:noFill/>
+          <a:ln cap="rnd" w="6480">
+            <a:solidFill>
+              <a:srgbClr val="5eb91e"/>
+            </a:solidFill>
+            <a:round/>
+          </a:ln>
+        </p:spPr>
+        <p:style>
+          <a:lnRef idx="0"/>
+          <a:fillRef idx="0"/>
+          <a:effectRef idx="0"/>
+          <a:fontRef idx="minor"/>
+        </p:style>
+        <p:txBody>
+          <a:bodyPr lIns="93240" rIns="93240" tIns="48240" bIns="48240">
+            <a:noAutofit/>
+          </a:bodyPr>
+          <a:p>
+            <a:pPr marL="216000" indent="-216000">
+              <a:lnSpc>
+                <a:spcPct val="100000"/>
+              </a:lnSpc>
+              <a:spcBef>
+                <a:spcPts val="1417"/>
+              </a:spcBef>
+              <a:buClr>
+                <a:srgbClr val="000000"/>
+              </a:buClr>
+              <a:buSzPct val="45000"/>
+              <a:buFont typeface="Wingdings" charset="2"/>
+              <a:buChar char=""/>
+            </a:pPr>
+            <a:r>
+              <a:rPr b="0" lang="en-US" sz="1800" spc="-1" strike="noStrike">
+                <a:solidFill>
+                  <a:srgbClr val="3c3e41"/>
+                </a:solidFill>
+                <a:latin typeface="Arial"/>
+                <a:ea typeface="DejaVu Sans"/>
+              </a:rPr>
+              <a:t>helm </a:t>
+            </a:r>
+            <a:r>
+              <a:rPr b="0" lang="en-US" sz="1800" spc="-1" strike="noStrike">
+                <a:solidFill>
+                  <a:srgbClr val="00a933"/>
+                </a:solidFill>
+                <a:latin typeface="Arial"/>
+                <a:ea typeface="DejaVu Sans"/>
+              </a:rPr>
+              <a:t>list</a:t>
+            </a:r>
+            <a:r>
+              <a:rPr b="0" lang="en-US" sz="1800" spc="-1" strike="noStrike">
+                <a:solidFill>
+                  <a:srgbClr val="3c3e41"/>
+                </a:solidFill>
+                <a:latin typeface="Arial"/>
+                <a:ea typeface="DejaVu Sans"/>
+              </a:rPr>
+              <a:t>: list all releases.</a:t>
+            </a:r>
+            <a:endParaRPr b="0" lang="en-US" sz="1800" spc="-1" strike="noStrike">
+              <a:latin typeface="Arial"/>
+            </a:endParaRPr>
+          </a:p>
+          <a:p>
+            <a:pPr marL="216000" indent="-216000">
+              <a:lnSpc>
+                <a:spcPct val="100000"/>
+              </a:lnSpc>
+              <a:spcBef>
+                <a:spcPts val="1417"/>
+              </a:spcBef>
+              <a:buClr>
+                <a:srgbClr val="000000"/>
+              </a:buClr>
+              <a:buSzPct val="45000"/>
+              <a:buFont typeface="Wingdings" charset="2"/>
+              <a:buChar char=""/>
+            </a:pPr>
+            <a:r>
+              <a:rPr b="0" lang="en-US" sz="1800" spc="-1" strike="noStrike">
+                <a:solidFill>
+                  <a:srgbClr val="3c3e41"/>
+                </a:solidFill>
+                <a:latin typeface="Arial"/>
+                <a:ea typeface="DejaVu Sans"/>
+              </a:rPr>
+              <a:t>Example:</a:t>
+            </a:r>
+            <a:br/>
+            <a:r>
+              <a:rPr b="0" i="1" lang="en-US" sz="1800" spc="-1" strike="noStrike">
+                <a:solidFill>
+                  <a:srgbClr val="3c3e41"/>
+                </a:solidFill>
+                <a:latin typeface="Arial"/>
+                <a:ea typeface="DejaVu Sans"/>
+              </a:rPr>
+              <a:t>helm </a:t>
+            </a:r>
+            <a:r>
+              <a:rPr b="0" i="1" lang="en-US" sz="1800" spc="-1" strike="noStrike">
+                <a:solidFill>
+                  <a:srgbClr val="00a933"/>
+                </a:solidFill>
+                <a:latin typeface="Arial"/>
+                <a:ea typeface="DejaVu Sans"/>
+              </a:rPr>
+              <a:t>list</a:t>
+            </a:r>
+            <a:endParaRPr b="0" lang="en-US" sz="1800" spc="-1" strike="noStrike">
+              <a:latin typeface="Arial"/>
+            </a:endParaRPr>
+          </a:p>
+          <a:p>
+            <a:pPr marL="216000" indent="-216000">
+              <a:lnSpc>
+                <a:spcPct val="100000"/>
+              </a:lnSpc>
+              <a:spcBef>
+                <a:spcPts val="1417"/>
+              </a:spcBef>
+              <a:buClr>
+                <a:srgbClr val="000000"/>
+              </a:buClr>
+              <a:buSzPct val="45000"/>
+              <a:buFont typeface="Wingdings" charset="2"/>
+              <a:buChar char=""/>
+            </a:pPr>
+            <a:br/>
+            <a:endParaRPr b="0" lang="en-US" sz="1800" spc="-1" strike="noStrike">
+              <a:latin typeface="Arial"/>
+            </a:endParaRPr>
+          </a:p>
+        </p:txBody>
+      </p:sp>
+      <p:sp>
+        <p:nvSpPr>
+          <p:cNvPr id="259" name="CustomShape 3"/>
+          <p:cNvSpPr/>
+          <p:nvPr/>
+        </p:nvSpPr>
+        <p:spPr>
+          <a:xfrm>
+            <a:off x="10515240" y="6202080"/>
+            <a:ext cx="1587600" cy="414720"/>
+          </a:xfrm>
+          <a:prstGeom prst="rect">
+            <a:avLst/>
+          </a:prstGeom>
+          <a:noFill/>
+          <a:ln>
+            <a:noFill/>
+          </a:ln>
+        </p:spPr>
+        <p:style>
+          <a:lnRef idx="0"/>
+          <a:fillRef idx="0"/>
+          <a:effectRef idx="0"/>
+          <a:fontRef idx="minor"/>
+        </p:style>
+        <p:txBody>
+          <a:bodyPr lIns="90000" rIns="90000" tIns="45000" bIns="45000">
+            <a:noAutofit/>
+          </a:bodyPr>
+          <a:p>
+            <a:pPr algn="ctr">
+              <a:lnSpc>
+                <a:spcPct val="100000"/>
+              </a:lnSpc>
+            </a:pPr>
+            <a:fld id="{37827F6A-5D90-4118-A23D-5CE0FB30B705}" type="slidenum">
+              <a:rPr b="0" lang="en-US" sz="1600" spc="-1" strike="noStrike">
+                <a:solidFill>
+                  <a:srgbClr val="000000"/>
+                </a:solidFill>
+                <a:latin typeface="Times New Roman"/>
+                <a:ea typeface="DejaVu Sans"/>
+              </a:rPr>
+              <a:t>1</a:t>
+            </a:fld>
+            <a:endParaRPr b="0" lang="en-US" sz="1600" spc="-1" strike="noStrike">
+              <a:latin typeface="Arial"/>
+            </a:endParaRPr>
+          </a:p>
+        </p:txBody>
+      </p:sp>
+    </p:spTree>
+  </p:cSld>
+  <mc:AlternateContent>
+    <mc:Choice Requires="p14">
+      <p:transition spd="slow" p14:dur="2000"/>
+    </mc:Choice>
+    <mc:Fallback>
+      <p:transition spd="slow"/>
+    </mc:Fallback>
+  </mc:AlternateContent>
+</p:sld>
+</file>
+
+<file path=ppt/slides/slide17.xml><?xml version="1.0" encoding="utf-8"?>
+<p:sld xmlns:a="http://schemas.openxmlformats.org/drawingml/2006/main" xmlns:p="http://schemas.openxmlformats.org/presentationml/2006/main" xmlns:r="http://schemas.openxmlformats.org/officeDocument/2006/relationships" xmlns:p14="http://schemas.microsoft.com/office/powerpoint/2010/main" xmlns:p15="http://schemas.microsoft.com/office/powerpoint/2012/main" xmlns:mc="http://schemas.openxmlformats.org/markup-compatibility/2006">
+  <p:cSld>
+    <p:spTree>
+      <p:nvGrpSpPr>
+        <p:cNvPr id="1" name=""/>
+        <p:cNvGrpSpPr/>
+        <p:nvPr/>
+      </p:nvGrpSpPr>
+      <p:grpSpPr>
+        <a:xfrm>
+          <a:off x="0" y="0"/>
+          <a:ext cx="0" cy="0"/>
+          <a:chOff x="0" y="0"/>
+          <a:chExt cx="0" cy="0"/>
+        </a:xfrm>
+      </p:grpSpPr>
+      <p:sp>
+        <p:nvSpPr>
+          <p:cNvPr id="260" name="CustomShape 1"/>
+          <p:cNvSpPr/>
+          <p:nvPr/>
+        </p:nvSpPr>
+        <p:spPr>
+          <a:xfrm>
+            <a:off x="685800" y="0"/>
+            <a:ext cx="10960200" cy="1132560"/>
+          </a:xfrm>
+          <a:prstGeom prst="rect">
+            <a:avLst/>
+          </a:prstGeom>
+          <a:noFill/>
+          <a:ln>
+            <a:noFill/>
+          </a:ln>
+        </p:spPr>
+        <p:style>
+          <a:lnRef idx="0"/>
+          <a:fillRef idx="0"/>
+          <a:effectRef idx="0"/>
+          <a:fontRef idx="minor"/>
+        </p:style>
+        <p:txBody>
+          <a:bodyPr lIns="90000" rIns="90000" tIns="45000" bIns="45000">
+            <a:noAutofit/>
+          </a:bodyPr>
+          <a:p>
+            <a:pPr algn="ctr">
+              <a:lnSpc>
+                <a:spcPct val="90000"/>
+              </a:lnSpc>
+              <a:spcBef>
+                <a:spcPts val="1001"/>
+              </a:spcBef>
+            </a:pPr>
+            <a:r>
+              <a:rPr b="1" lang="en-US" sz="3200" spc="-1" strike="noStrike">
+                <a:solidFill>
+                  <a:srgbClr val="3465a4"/>
+                </a:solidFill>
+                <a:latin typeface="Arial"/>
+                <a:ea typeface="Noto Sans CJK SC"/>
+              </a:rPr>
+              <a:t>3- Helm Chart</a:t>
+            </a:r>
+            <a:br/>
+            <a:br/>
+            <a:r>
+              <a:rPr b="1" lang="en-US" sz="2200" spc="-1" strike="noStrike">
+                <a:solidFill>
+                  <a:srgbClr val="000000"/>
+                </a:solidFill>
+                <a:latin typeface="Arial"/>
+                <a:ea typeface="Noto Sans CJK SC"/>
+              </a:rPr>
+              <a:t>Helm CLI commands - 6</a:t>
+            </a:r>
+            <a:endParaRPr b="0" lang="en-US" sz="2200" spc="-1" strike="noStrike">
+              <a:latin typeface="Arial"/>
+            </a:endParaRPr>
+          </a:p>
+        </p:txBody>
+      </p:sp>
+      <p:sp>
+        <p:nvSpPr>
+          <p:cNvPr id="261" name="CustomShape 2"/>
+          <p:cNvSpPr/>
+          <p:nvPr/>
+        </p:nvSpPr>
+        <p:spPr>
+          <a:xfrm>
+            <a:off x="274320" y="1554480"/>
+            <a:ext cx="11063520" cy="4479840"/>
+          </a:xfrm>
+          <a:prstGeom prst="rect">
+            <a:avLst/>
+          </a:prstGeom>
+          <a:noFill/>
+          <a:ln cap="rnd" w="6480">
+            <a:solidFill>
+              <a:srgbClr val="5eb91e"/>
+            </a:solidFill>
+            <a:round/>
+          </a:ln>
+        </p:spPr>
+        <p:style>
+          <a:lnRef idx="0"/>
+          <a:fillRef idx="0"/>
+          <a:effectRef idx="0"/>
+          <a:fontRef idx="minor"/>
+        </p:style>
+        <p:txBody>
+          <a:bodyPr lIns="93240" rIns="93240" tIns="48240" bIns="48240">
+            <a:noAutofit/>
+          </a:bodyPr>
+          <a:p>
+            <a:pPr marL="216000" indent="-216000">
+              <a:lnSpc>
+                <a:spcPct val="100000"/>
+              </a:lnSpc>
+              <a:spcBef>
+                <a:spcPts val="1417"/>
+              </a:spcBef>
+              <a:buClr>
+                <a:srgbClr val="000000"/>
+              </a:buClr>
+              <a:buSzPct val="45000"/>
+              <a:buFont typeface="Wingdings" charset="2"/>
+              <a:buChar char=""/>
+            </a:pPr>
+            <a:r>
+              <a:rPr b="0" lang="en-US" sz="1800" spc="-1" strike="noStrike">
+                <a:solidFill>
+                  <a:srgbClr val="3c3e41"/>
+                </a:solidFill>
+                <a:latin typeface="Arial"/>
+                <a:ea typeface="DejaVu Sans"/>
+              </a:rPr>
+              <a:t>helm </a:t>
+            </a:r>
+            <a:r>
+              <a:rPr b="0" lang="en-US" sz="1800" spc="-1" strike="noStrike">
+                <a:solidFill>
+                  <a:srgbClr val="00a933"/>
+                </a:solidFill>
+                <a:latin typeface="Arial"/>
+                <a:ea typeface="DejaVu Sans"/>
+              </a:rPr>
+              <a:t>uninstall</a:t>
+            </a:r>
+            <a:r>
+              <a:rPr b="0" lang="en-US" sz="1800" spc="-1" strike="noStrike">
+                <a:solidFill>
+                  <a:srgbClr val="3c3e41"/>
+                </a:solidFill>
+                <a:latin typeface="Arial"/>
+                <a:ea typeface="DejaVu Sans"/>
+              </a:rPr>
+              <a:t>: uninstall a release and clean up associated resources</a:t>
+            </a:r>
+            <a:endParaRPr b="0" lang="en-US" sz="1800" spc="-1" strike="noStrike">
+              <a:latin typeface="Arial"/>
+            </a:endParaRPr>
+          </a:p>
+          <a:p>
+            <a:pPr marL="216000" indent="-216000">
+              <a:lnSpc>
+                <a:spcPct val="100000"/>
+              </a:lnSpc>
+              <a:spcBef>
+                <a:spcPts val="1417"/>
+              </a:spcBef>
+              <a:buClr>
+                <a:srgbClr val="000000"/>
+              </a:buClr>
+              <a:buSzPct val="45000"/>
+              <a:buFont typeface="Wingdings" charset="2"/>
+              <a:buChar char=""/>
+            </a:pPr>
+            <a:r>
+              <a:rPr b="0" lang="en-US" sz="1800" spc="-1" strike="noStrike">
+                <a:solidFill>
+                  <a:srgbClr val="3c3e41"/>
+                </a:solidFill>
+                <a:latin typeface="Arial"/>
+                <a:ea typeface="DejaVu Sans"/>
+              </a:rPr>
+              <a:t>Example:</a:t>
+            </a:r>
+            <a:br/>
+            <a:r>
+              <a:rPr b="0" i="1" lang="en-US" sz="1800" spc="-1" strike="noStrike">
+                <a:solidFill>
+                  <a:srgbClr val="3c3e41"/>
+                </a:solidFill>
+                <a:latin typeface="Arial"/>
+                <a:ea typeface="DejaVu Sans"/>
+              </a:rPr>
+              <a:t>helm </a:t>
+            </a:r>
+            <a:r>
+              <a:rPr b="0" i="1" lang="en-US" sz="1800" spc="-1" strike="noStrike">
+                <a:solidFill>
+                  <a:srgbClr val="00a933"/>
+                </a:solidFill>
+                <a:latin typeface="Arial"/>
+                <a:ea typeface="DejaVu Sans"/>
+              </a:rPr>
+              <a:t>uninstall</a:t>
+            </a:r>
+            <a:r>
+              <a:rPr b="0" i="1" lang="en-US" sz="1800" spc="-1" strike="noStrike">
+                <a:solidFill>
+                  <a:srgbClr val="3c3e41"/>
+                </a:solidFill>
+                <a:latin typeface="Arial"/>
+                <a:ea typeface="DejaVu Sans"/>
+              </a:rPr>
+              <a:t> my-release</a:t>
+            </a:r>
+            <a:br/>
+            <a:r>
+              <a:rPr b="0" i="1" lang="en-US" sz="1800" spc="-1" strike="noStrike">
+                <a:solidFill>
+                  <a:srgbClr val="3c3e41"/>
+                </a:solidFill>
+                <a:latin typeface="Arial"/>
+                <a:ea typeface="DejaVu Sans"/>
+              </a:rPr>
+              <a:t>helm </a:t>
+            </a:r>
+            <a:r>
+              <a:rPr b="0" i="1" lang="en-US" sz="1800" spc="-1" strike="noStrike">
+                <a:solidFill>
+                  <a:srgbClr val="00a933"/>
+                </a:solidFill>
+                <a:latin typeface="Arial"/>
+                <a:ea typeface="DejaVu Sans"/>
+              </a:rPr>
+              <a:t>uninstall</a:t>
+            </a:r>
+            <a:r>
+              <a:rPr b="0" i="1" lang="en-US" sz="1800" spc="-1" strike="noStrike">
+                <a:solidFill>
+                  <a:srgbClr val="3c3e41"/>
+                </a:solidFill>
+                <a:latin typeface="Arial"/>
+                <a:ea typeface="DejaVu Sans"/>
+              </a:rPr>
+              <a:t> --purge my-release</a:t>
+            </a:r>
+            <a:br/>
+            <a:endParaRPr b="0" lang="en-US" sz="1800" spc="-1" strike="noStrike">
+              <a:latin typeface="Arial"/>
+            </a:endParaRPr>
+          </a:p>
+        </p:txBody>
+      </p:sp>
+      <p:sp>
+        <p:nvSpPr>
+          <p:cNvPr id="262" name="CustomShape 3"/>
+          <p:cNvSpPr/>
+          <p:nvPr/>
+        </p:nvSpPr>
+        <p:spPr>
+          <a:xfrm>
+            <a:off x="10515240" y="6202080"/>
+            <a:ext cx="1587600" cy="414720"/>
+          </a:xfrm>
+          <a:prstGeom prst="rect">
+            <a:avLst/>
+          </a:prstGeom>
+          <a:noFill/>
+          <a:ln>
+            <a:noFill/>
+          </a:ln>
+        </p:spPr>
+        <p:style>
+          <a:lnRef idx="0"/>
+          <a:fillRef idx="0"/>
+          <a:effectRef idx="0"/>
+          <a:fontRef idx="minor"/>
+        </p:style>
+        <p:txBody>
+          <a:bodyPr lIns="90000" rIns="90000" tIns="45000" bIns="45000">
+            <a:noAutofit/>
+          </a:bodyPr>
+          <a:p>
+            <a:pPr algn="ctr">
+              <a:lnSpc>
+                <a:spcPct val="100000"/>
+              </a:lnSpc>
+            </a:pPr>
+            <a:fld id="{D8A9E8D1-2890-469F-BE9B-B9AB008BD693}" type="slidenum">
+              <a:rPr b="0" lang="en-US" sz="1600" spc="-1" strike="noStrike">
+                <a:solidFill>
+                  <a:srgbClr val="000000"/>
+                </a:solidFill>
+                <a:latin typeface="Times New Roman"/>
+                <a:ea typeface="DejaVu Sans"/>
+              </a:rPr>
+              <a:t>1</a:t>
+            </a:fld>
+            <a:endParaRPr b="0" lang="en-US" sz="1600" spc="-1" strike="noStrike">
+              <a:latin typeface="Arial"/>
+            </a:endParaRPr>
+          </a:p>
+        </p:txBody>
+      </p:sp>
+    </p:spTree>
+  </p:cSld>
+  <mc:AlternateContent>
+    <mc:Choice Requires="p14">
+      <p:transition spd="slow" p14:dur="2000"/>
+    </mc:Choice>
+    <mc:Fallback>
+      <p:transition spd="slow"/>
+    </mc:Fallback>
+  </mc:AlternateContent>
+</p:sld>
+</file>
+
+<file path=ppt/slides/slide18.xml><?xml version="1.0" encoding="utf-8"?>
+<p:sld xmlns:a="http://schemas.openxmlformats.org/drawingml/2006/main" xmlns:p="http://schemas.openxmlformats.org/presentationml/2006/main" xmlns:r="http://schemas.openxmlformats.org/officeDocument/2006/relationships" xmlns:p14="http://schemas.microsoft.com/office/powerpoint/2010/main" xmlns:p15="http://schemas.microsoft.com/office/powerpoint/2012/main" xmlns:mc="http://schemas.openxmlformats.org/markup-compatibility/2006">
+  <p:cSld>
+    <p:spTree>
+      <p:nvGrpSpPr>
+        <p:cNvPr id="1" name=""/>
+        <p:cNvGrpSpPr/>
+        <p:nvPr/>
+      </p:nvGrpSpPr>
+      <p:grpSpPr>
+        <a:xfrm>
+          <a:off x="0" y="0"/>
+          <a:ext cx="0" cy="0"/>
+          <a:chOff x="0" y="0"/>
+          <a:chExt cx="0" cy="0"/>
+        </a:xfrm>
+      </p:grpSpPr>
+      <p:sp>
+        <p:nvSpPr>
+          <p:cNvPr id="263" name="CustomShape 1"/>
+          <p:cNvSpPr/>
+          <p:nvPr/>
+        </p:nvSpPr>
+        <p:spPr>
+          <a:xfrm>
+            <a:off x="685800" y="0"/>
+            <a:ext cx="10960200" cy="1132560"/>
+          </a:xfrm>
+          <a:prstGeom prst="rect">
+            <a:avLst/>
+          </a:prstGeom>
+          <a:noFill/>
+          <a:ln>
+            <a:noFill/>
+          </a:ln>
+        </p:spPr>
+        <p:style>
+          <a:lnRef idx="0"/>
+          <a:fillRef idx="0"/>
+          <a:effectRef idx="0"/>
+          <a:fontRef idx="minor"/>
+        </p:style>
+        <p:txBody>
+          <a:bodyPr lIns="90000" rIns="90000" tIns="45000" bIns="45000">
+            <a:noAutofit/>
+          </a:bodyPr>
+          <a:p>
+            <a:pPr algn="ctr">
+              <a:lnSpc>
+                <a:spcPct val="90000"/>
+              </a:lnSpc>
+              <a:spcBef>
+                <a:spcPts val="1001"/>
+              </a:spcBef>
+            </a:pPr>
+            <a:r>
+              <a:rPr b="1" lang="en-US" sz="3200" spc="-1" strike="noStrike">
+                <a:solidFill>
+                  <a:srgbClr val="3465a4"/>
+                </a:solidFill>
+                <a:latin typeface="Arial"/>
+                <a:ea typeface="Noto Sans CJK SC"/>
+              </a:rPr>
+              <a:t>3- Helm Chart</a:t>
+            </a:r>
+            <a:br/>
+            <a:br/>
+            <a:r>
+              <a:rPr b="1" lang="en-US" sz="2200" spc="-1" strike="noStrike">
+                <a:solidFill>
+                  <a:srgbClr val="000000"/>
+                </a:solidFill>
+                <a:latin typeface="Arial"/>
+                <a:ea typeface="Noto Sans CJK SC"/>
+              </a:rPr>
+              <a:t>Helm chart structure - 1</a:t>
+            </a:r>
+            <a:endParaRPr b="0" lang="en-US" sz="2200" spc="-1" strike="noStrike">
+              <a:latin typeface="Arial"/>
+            </a:endParaRPr>
+          </a:p>
+        </p:txBody>
+      </p:sp>
+      <p:sp>
+        <p:nvSpPr>
+          <p:cNvPr id="264" name="CustomShape 2"/>
+          <p:cNvSpPr/>
+          <p:nvPr/>
+        </p:nvSpPr>
+        <p:spPr>
+          <a:xfrm>
+            <a:off x="274320" y="1554480"/>
+            <a:ext cx="11063520" cy="4479840"/>
+          </a:xfrm>
+          <a:prstGeom prst="rect">
+            <a:avLst/>
+          </a:prstGeom>
+          <a:noFill/>
+          <a:ln cap="rnd" w="6480">
+            <a:solidFill>
+              <a:srgbClr val="5eb91e"/>
+            </a:solidFill>
+            <a:round/>
+          </a:ln>
+        </p:spPr>
+        <p:style>
+          <a:lnRef idx="0"/>
+          <a:fillRef idx="0"/>
+          <a:effectRef idx="0"/>
+          <a:fontRef idx="minor"/>
+        </p:style>
+        <p:txBody>
+          <a:bodyPr lIns="93240" rIns="93240" tIns="48240" bIns="48240">
+            <a:noAutofit/>
+          </a:bodyPr>
+          <a:p>
+            <a:pPr marL="216000" indent="-216000">
+              <a:lnSpc>
+                <a:spcPct val="100000"/>
+              </a:lnSpc>
+              <a:spcBef>
+                <a:spcPts val="1417"/>
+              </a:spcBef>
+              <a:buClr>
+                <a:srgbClr val="000000"/>
+              </a:buClr>
+              <a:buSzPct val="45000"/>
+              <a:buFont typeface="Wingdings" charset="2"/>
+              <a:buChar char=""/>
+            </a:pPr>
+            <a:r>
+              <a:rPr b="0" lang="en-US" sz="1800" spc="-1" strike="noStrike">
+                <a:latin typeface="Arial"/>
+                <a:ea typeface="DejaVu Sans"/>
+              </a:rPr>
+              <a:t>Definition: a format that consists of necessary </a:t>
+            </a:r>
+            <a:r>
+              <a:rPr b="0" lang="en-US" sz="1800" spc="-1" strike="noStrike">
+                <a:solidFill>
+                  <a:srgbClr val="e6e905"/>
+                </a:solidFill>
+                <a:latin typeface="Arial"/>
+                <a:ea typeface="DejaVu Sans"/>
+              </a:rPr>
+              <a:t>files</a:t>
+            </a:r>
+            <a:r>
+              <a:rPr b="0" lang="en-US" sz="1800" spc="-1" strike="noStrike">
+                <a:latin typeface="Arial"/>
+                <a:ea typeface="DejaVu Sans"/>
+              </a:rPr>
+              <a:t>, </a:t>
+            </a:r>
+            <a:r>
+              <a:rPr b="0" lang="en-US" sz="1800" spc="-1" strike="noStrike">
+                <a:latin typeface="Arial"/>
+                <a:ea typeface="DejaVu Sans"/>
+              </a:rPr>
+              <a:t>folders such as</a:t>
+            </a:r>
+            <a:r>
+              <a:rPr b="0" lang="en-US" sz="1800" spc="-1" strike="noStrike">
+                <a:solidFill>
+                  <a:srgbClr val="ff0000"/>
+                </a:solidFill>
+                <a:latin typeface="Arial"/>
+                <a:ea typeface="DejaVu Sans"/>
+              </a:rPr>
+              <a:t> chart</a:t>
+            </a:r>
+            <a:r>
+              <a:rPr b="0" lang="en-US" sz="1800" spc="-1" strike="noStrike">
+                <a:latin typeface="Arial"/>
+                <a:ea typeface="DejaVu Sans"/>
+              </a:rPr>
+              <a:t>,</a:t>
+            </a:r>
+            <a:r>
+              <a:rPr b="0" lang="en-US" sz="1800" spc="-1" strike="noStrike">
+                <a:latin typeface="Arial"/>
+                <a:ea typeface="DejaVu Sans"/>
+              </a:rPr>
+              <a:t> </a:t>
+            </a:r>
+            <a:r>
+              <a:rPr b="0" lang="en-US" sz="1800" spc="-1" strike="noStrike">
+                <a:solidFill>
+                  <a:srgbClr val="158466"/>
+                </a:solidFill>
+                <a:latin typeface="Arial"/>
+                <a:ea typeface="DejaVu Sans"/>
+              </a:rPr>
+              <a:t>templates</a:t>
+            </a:r>
+            <a:r>
+              <a:rPr b="0" lang="en-US" sz="1800" spc="-1" strike="noStrike">
+                <a:latin typeface="Arial"/>
+                <a:ea typeface="DejaVu Sans"/>
+              </a:rPr>
+              <a:t> </a:t>
+            </a:r>
+            <a:r>
+              <a:rPr b="0" lang="en-US" sz="1800" spc="-1" strike="noStrike">
+                <a:latin typeface="Arial"/>
+                <a:ea typeface="DejaVu Sans"/>
+              </a:rPr>
+              <a:t>for deploying and managing a Kubernetes application</a:t>
+            </a:r>
+            <a:endParaRPr b="0" lang="en-US" sz="1800" spc="-1" strike="noStrike">
+              <a:latin typeface="Arial"/>
+            </a:endParaRPr>
+          </a:p>
+          <a:p>
+            <a:pPr marL="216000" indent="-216000">
+              <a:lnSpc>
+                <a:spcPct val="100000"/>
+              </a:lnSpc>
+              <a:spcBef>
+                <a:spcPts val="1417"/>
+              </a:spcBef>
+              <a:buClr>
+                <a:srgbClr val="000000"/>
+              </a:buClr>
+              <a:buSzPct val="45000"/>
+              <a:buFont typeface="Wingdings" charset="2"/>
+              <a:buChar char=""/>
+            </a:pPr>
+            <a:br/>
+            <a:endParaRPr b="0" lang="en-US" sz="1800" spc="-1" strike="noStrike">
+              <a:latin typeface="Arial"/>
+            </a:endParaRPr>
+          </a:p>
+        </p:txBody>
+      </p:sp>
+      <p:sp>
+        <p:nvSpPr>
+          <p:cNvPr id="265" name="CustomShape 3"/>
+          <p:cNvSpPr/>
+          <p:nvPr/>
+        </p:nvSpPr>
+        <p:spPr>
+          <a:xfrm>
+            <a:off x="10515240" y="6202080"/>
+            <a:ext cx="1587600" cy="414720"/>
+          </a:xfrm>
+          <a:prstGeom prst="rect">
+            <a:avLst/>
+          </a:prstGeom>
+          <a:noFill/>
+          <a:ln>
+            <a:noFill/>
+          </a:ln>
+        </p:spPr>
+        <p:style>
+          <a:lnRef idx="0"/>
+          <a:fillRef idx="0"/>
+          <a:effectRef idx="0"/>
+          <a:fontRef idx="minor"/>
+        </p:style>
+        <p:txBody>
+          <a:bodyPr lIns="90000" rIns="90000" tIns="45000" bIns="45000">
+            <a:noAutofit/>
+          </a:bodyPr>
+          <a:p>
+            <a:pPr algn="ctr">
+              <a:lnSpc>
+                <a:spcPct val="100000"/>
+              </a:lnSpc>
+            </a:pPr>
+            <a:fld id="{2A6B9389-9B3C-4B14-89EE-0C7BCA934742}" type="slidenum">
+              <a:rPr b="0" lang="en-US" sz="1600" spc="-1" strike="noStrike">
+                <a:solidFill>
+                  <a:srgbClr val="000000"/>
+                </a:solidFill>
+                <a:latin typeface="Times New Roman"/>
+                <a:ea typeface="DejaVu Sans"/>
+              </a:rPr>
+              <a:t>1</a:t>
+            </a:fld>
+            <a:endParaRPr b="0" lang="en-US" sz="1600" spc="-1" strike="noStrike">
+              <a:latin typeface="Arial"/>
+            </a:endParaRPr>
+          </a:p>
+        </p:txBody>
+      </p:sp>
+      <p:pic>
+        <p:nvPicPr>
+          <p:cNvPr id="266" name="" descr=""/>
+          <p:cNvPicPr/>
+          <p:nvPr/>
+        </p:nvPicPr>
+        <p:blipFill>
+          <a:blip r:embed="rId1"/>
+          <a:stretch/>
+        </p:blipFill>
+        <p:spPr>
+          <a:xfrm>
+            <a:off x="640080" y="2377440"/>
+            <a:ext cx="6990840" cy="2704680"/>
+          </a:xfrm>
+          <a:prstGeom prst="rect">
+            <a:avLst/>
+          </a:prstGeom>
+          <a:ln>
+            <a:solidFill>
+              <a:srgbClr val="3465a4"/>
+            </a:solidFill>
+            <a:prstDash val="sysDot"/>
+          </a:ln>
+        </p:spPr>
+      </p:pic>
+    </p:spTree>
+  </p:cSld>
+  <mc:AlternateContent>
+    <mc:Choice Requires="p14">
+      <p:transition spd="slow" p14:dur="2000"/>
+    </mc:Choice>
+    <mc:Fallback>
+      <p:transition spd="slow"/>
+    </mc:Fallback>
+  </mc:AlternateContent>
+</p:sld>
+</file>
+
+<file path=ppt/slides/slide19.xml><?xml version="1.0" encoding="utf-8"?>
+<p:sld xmlns:a="http://schemas.openxmlformats.org/drawingml/2006/main" xmlns:p="http://schemas.openxmlformats.org/presentationml/2006/main" xmlns:r="http://schemas.openxmlformats.org/officeDocument/2006/relationships" xmlns:p14="http://schemas.microsoft.com/office/powerpoint/2010/main" xmlns:p15="http://schemas.microsoft.com/office/powerpoint/2012/main" xmlns:mc="http://schemas.openxmlformats.org/markup-compatibility/2006">
+  <p:cSld>
+    <p:spTree>
+      <p:nvGrpSpPr>
+        <p:cNvPr id="1" name=""/>
+        <p:cNvGrpSpPr/>
+        <p:nvPr/>
+      </p:nvGrpSpPr>
+      <p:grpSpPr>
+        <a:xfrm>
+          <a:off x="0" y="0"/>
+          <a:ext cx="0" cy="0"/>
+          <a:chOff x="0" y="0"/>
+          <a:chExt cx="0" cy="0"/>
+        </a:xfrm>
+      </p:grpSpPr>
+      <p:sp>
+        <p:nvSpPr>
+          <p:cNvPr id="267" name="CustomShape 1"/>
+          <p:cNvSpPr/>
+          <p:nvPr/>
+        </p:nvSpPr>
+        <p:spPr>
+          <a:xfrm>
+            <a:off x="685800" y="0"/>
+            <a:ext cx="10960200" cy="1132560"/>
+          </a:xfrm>
+          <a:prstGeom prst="rect">
+            <a:avLst/>
+          </a:prstGeom>
+          <a:noFill/>
+          <a:ln>
+            <a:noFill/>
+          </a:ln>
+        </p:spPr>
+        <p:style>
+          <a:lnRef idx="0"/>
+          <a:fillRef idx="0"/>
+          <a:effectRef idx="0"/>
+          <a:fontRef idx="minor"/>
+        </p:style>
+        <p:txBody>
+          <a:bodyPr lIns="90000" rIns="90000" tIns="45000" bIns="45000">
+            <a:noAutofit/>
+          </a:bodyPr>
+          <a:p>
+            <a:pPr algn="ctr">
+              <a:lnSpc>
+                <a:spcPct val="90000"/>
+              </a:lnSpc>
+              <a:spcBef>
+                <a:spcPts val="1001"/>
+              </a:spcBef>
+            </a:pPr>
+            <a:r>
+              <a:rPr b="1" lang="en-US" sz="3200" spc="-1" strike="noStrike">
+                <a:solidFill>
+                  <a:srgbClr val="3465a4"/>
+                </a:solidFill>
+                <a:latin typeface="Arial"/>
+                <a:ea typeface="Noto Sans CJK SC"/>
+              </a:rPr>
+              <a:t>3- Helm Chart</a:t>
+            </a:r>
+            <a:br/>
+            <a:br/>
+            <a:r>
+              <a:rPr b="1" lang="en-US" sz="2200" spc="-1" strike="noStrike">
+                <a:solidFill>
+                  <a:srgbClr val="000000"/>
+                </a:solidFill>
+                <a:latin typeface="Arial"/>
+                <a:ea typeface="Noto Sans CJK SC"/>
+              </a:rPr>
+              <a:t>Helm chart structure - 2</a:t>
+            </a:r>
+            <a:endParaRPr b="0" lang="en-US" sz="2200" spc="-1" strike="noStrike">
+              <a:latin typeface="Arial"/>
+            </a:endParaRPr>
+          </a:p>
+        </p:txBody>
+      </p:sp>
+      <p:sp>
+        <p:nvSpPr>
+          <p:cNvPr id="268" name="CustomShape 2"/>
+          <p:cNvSpPr/>
+          <p:nvPr/>
+        </p:nvSpPr>
+        <p:spPr>
+          <a:xfrm>
+            <a:off x="274320" y="1554480"/>
+            <a:ext cx="11063520" cy="4479840"/>
+          </a:xfrm>
+          <a:prstGeom prst="rect">
+            <a:avLst/>
+          </a:prstGeom>
+          <a:noFill/>
+          <a:ln cap="rnd" w="6480">
+            <a:solidFill>
+              <a:srgbClr val="5eb91e"/>
+            </a:solidFill>
+            <a:round/>
+          </a:ln>
+        </p:spPr>
+        <p:style>
+          <a:lnRef idx="0"/>
+          <a:fillRef idx="0"/>
+          <a:effectRef idx="0"/>
+          <a:fontRef idx="minor"/>
+        </p:style>
+        <p:txBody>
+          <a:bodyPr lIns="93240" rIns="93240" tIns="48240" bIns="48240">
+            <a:noAutofit/>
+          </a:bodyPr>
+          <a:p>
+            <a:pPr marL="216000" indent="-216000">
+              <a:lnSpc>
+                <a:spcPct val="100000"/>
+              </a:lnSpc>
+              <a:spcBef>
+                <a:spcPts val="1417"/>
+              </a:spcBef>
+              <a:buClr>
+                <a:srgbClr val="000000"/>
+              </a:buClr>
+              <a:buSzPct val="45000"/>
+              <a:buFont typeface="Wingdings" charset="2"/>
+              <a:buChar char=""/>
+            </a:pPr>
+            <a:r>
+              <a:rPr b="0" lang="en-US" sz="1800" spc="-1" strike="noStrike">
+                <a:latin typeface="Arial"/>
+                <a:ea typeface="DejaVu Sans"/>
+              </a:rPr>
+              <a:t>File “</a:t>
+            </a:r>
+            <a:r>
+              <a:rPr b="0" lang="en-US" sz="1800" spc="-1" strike="noStrike">
+                <a:solidFill>
+                  <a:srgbClr val="acb20c"/>
+                </a:solidFill>
+                <a:latin typeface="Arial"/>
+                <a:ea typeface="DejaVu Sans"/>
+              </a:rPr>
+              <a:t>values.yaml</a:t>
+            </a:r>
+            <a:r>
+              <a:rPr b="0" lang="en-US" sz="1800" spc="-1" strike="noStrike">
+                <a:latin typeface="Arial"/>
+                <a:ea typeface="DejaVu Sans"/>
+              </a:rPr>
+              <a:t>”: contains </a:t>
+            </a:r>
+            <a:r>
+              <a:rPr b="0" lang="en-US" sz="1800" spc="-1" strike="noStrike">
+                <a:solidFill>
+                  <a:srgbClr val="c9211e"/>
+                </a:solidFill>
+                <a:latin typeface="Arial"/>
+                <a:ea typeface="DejaVu Sans"/>
+              </a:rPr>
+              <a:t>default</a:t>
+            </a:r>
+            <a:r>
+              <a:rPr b="0" lang="en-US" sz="1800" spc="-1" strike="noStrike">
+                <a:latin typeface="Arial"/>
+                <a:ea typeface="DejaVu Sans"/>
+              </a:rPr>
+              <a:t> values and configuration settings for a Helm chart. These values are </a:t>
+            </a:r>
+            <a:r>
+              <a:rPr b="0" lang="en-US" sz="1800" spc="-1" strike="noStrike">
+                <a:solidFill>
+                  <a:srgbClr val="00a933"/>
+                </a:solidFill>
+                <a:latin typeface="Arial"/>
+                <a:ea typeface="DejaVu Sans"/>
+              </a:rPr>
+              <a:t>overridable</a:t>
+            </a:r>
+            <a:r>
+              <a:rPr b="0" lang="en-US" sz="1800" spc="-1" strike="noStrike">
+                <a:latin typeface="Arial"/>
+                <a:ea typeface="DejaVu Sans"/>
+              </a:rPr>
+              <a:t> when installing the chart.</a:t>
+            </a:r>
+            <a:endParaRPr b="0" lang="en-US" sz="1800" spc="-1" strike="noStrike">
+              <a:latin typeface="Arial"/>
+            </a:endParaRPr>
+          </a:p>
+          <a:p>
+            <a:pPr marL="216000" indent="-216000">
+              <a:lnSpc>
+                <a:spcPct val="100000"/>
+              </a:lnSpc>
+              <a:spcBef>
+                <a:spcPts val="1417"/>
+              </a:spcBef>
+              <a:buClr>
+                <a:srgbClr val="000000"/>
+              </a:buClr>
+              <a:buSzPct val="45000"/>
+              <a:buFont typeface="Wingdings" charset="2"/>
+              <a:buChar char=""/>
+            </a:pPr>
+            <a:br/>
+            <a:endParaRPr b="0" lang="en-US" sz="1800" spc="-1" strike="noStrike">
+              <a:latin typeface="Arial"/>
+            </a:endParaRPr>
+          </a:p>
+        </p:txBody>
+      </p:sp>
+      <p:sp>
+        <p:nvSpPr>
+          <p:cNvPr id="269" name="CustomShape 3"/>
+          <p:cNvSpPr/>
+          <p:nvPr/>
+        </p:nvSpPr>
+        <p:spPr>
+          <a:xfrm>
+            <a:off x="10515240" y="6202080"/>
+            <a:ext cx="1587600" cy="414720"/>
+          </a:xfrm>
+          <a:prstGeom prst="rect">
+            <a:avLst/>
+          </a:prstGeom>
+          <a:noFill/>
+          <a:ln>
+            <a:noFill/>
+          </a:ln>
+        </p:spPr>
+        <p:style>
+          <a:lnRef idx="0"/>
+          <a:fillRef idx="0"/>
+          <a:effectRef idx="0"/>
+          <a:fontRef idx="minor"/>
+        </p:style>
+        <p:txBody>
+          <a:bodyPr lIns="90000" rIns="90000" tIns="45000" bIns="45000">
+            <a:noAutofit/>
+          </a:bodyPr>
+          <a:p>
+            <a:pPr algn="ctr">
+              <a:lnSpc>
+                <a:spcPct val="100000"/>
+              </a:lnSpc>
+            </a:pPr>
+            <a:fld id="{E4132F68-6E6D-4734-B50F-E19EBF726005}" type="slidenum">
+              <a:rPr b="0" lang="en-US" sz="1600" spc="-1" strike="noStrike">
+                <a:solidFill>
+                  <a:srgbClr val="000000"/>
+                </a:solidFill>
+                <a:latin typeface="Times New Roman"/>
+                <a:ea typeface="DejaVu Sans"/>
+              </a:rPr>
+              <a:t>1</a:t>
+            </a:fld>
+            <a:endParaRPr b="0" lang="en-US" sz="1600" spc="-1" strike="noStrike">
+              <a:latin typeface="Arial"/>
+            </a:endParaRPr>
+          </a:p>
+        </p:txBody>
+      </p:sp>
+      <p:pic>
+        <p:nvPicPr>
+          <p:cNvPr id="270" name="" descr=""/>
+          <p:cNvPicPr/>
+          <p:nvPr/>
+        </p:nvPicPr>
+        <p:blipFill>
+          <a:blip r:embed="rId1"/>
+          <a:stretch/>
+        </p:blipFill>
+        <p:spPr>
+          <a:xfrm>
+            <a:off x="606240" y="2377440"/>
+            <a:ext cx="4971600" cy="2371320"/>
+          </a:xfrm>
+          <a:prstGeom prst="rect">
+            <a:avLst/>
+          </a:prstGeom>
+          <a:ln>
+            <a:solidFill>
+              <a:srgbClr val="3465a4"/>
+            </a:solidFill>
+            <a:prstDash val="sysDot"/>
+          </a:ln>
+        </p:spPr>
+      </p:pic>
+      <p:pic>
+        <p:nvPicPr>
+          <p:cNvPr id="271" name="" descr=""/>
+          <p:cNvPicPr/>
+          <p:nvPr/>
+        </p:nvPicPr>
+        <p:blipFill>
+          <a:blip r:embed="rId2"/>
+          <a:stretch/>
+        </p:blipFill>
+        <p:spPr>
+          <a:xfrm>
+            <a:off x="6258240" y="2377440"/>
+            <a:ext cx="4714560" cy="2834640"/>
+          </a:xfrm>
+          <a:prstGeom prst="rect">
+            <a:avLst/>
+          </a:prstGeom>
+          <a:ln>
+            <a:solidFill>
+              <a:srgbClr val="3465a4"/>
+            </a:solidFill>
+            <a:prstDash val="sysDot"/>
+          </a:ln>
+        </p:spPr>
+      </p:pic>
     </p:spTree>
   </p:cSld>
   <mc:AlternateContent>
@@ -11920,14 +12693,14 @@
       </p:grpSpPr>
       <p:sp>
         <p:nvSpPr>
-          <p:cNvPr id="248" name="CustomShape 1"/>
+          <p:cNvPr id="208" name="CustomShape 1"/>
           <p:cNvSpPr/>
           <p:nvPr/>
         </p:nvSpPr>
         <p:spPr>
           <a:xfrm>
             <a:off x="5852160" y="365760"/>
-            <a:ext cx="5214960" cy="5851440"/>
+            <a:ext cx="5214240" cy="5850720"/>
           </a:xfrm>
           <a:prstGeom prst="rect">
             <a:avLst/>
@@ -11948,7 +12721,7 @@
             <a:noAutofit/>
           </a:bodyPr>
           <a:p>
-            <a:pPr marL="343080" indent="-342000">
+            <a:pPr marL="343080" indent="-341280">
               <a:lnSpc>
                 <a:spcPct val="90000"/>
               </a:lnSpc>
@@ -11976,7 +12749,7 @@
             </a:endParaRPr>
           </a:p>
           <a:p>
-            <a:pPr lvl="1" marL="432000" indent="-215280">
+            <a:pPr lvl="1" marL="432000" indent="-214560">
               <a:lnSpc>
                 <a:spcPct val="100000"/>
               </a:lnSpc>
@@ -12005,7 +12778,7 @@
             </a:endParaRPr>
           </a:p>
           <a:p>
-            <a:pPr lvl="1" marL="432000" indent="-215280">
+            <a:pPr lvl="1" marL="432000" indent="-214560">
               <a:lnSpc>
                 <a:spcPct val="100000"/>
               </a:lnSpc>
@@ -12034,7 +12807,7 @@
             </a:endParaRPr>
           </a:p>
           <a:p>
-            <a:pPr lvl="1" marL="432000" indent="-215280">
+            <a:pPr lvl="1" marL="432000" indent="-214560">
               <a:lnSpc>
                 <a:spcPct val="100000"/>
               </a:lnSpc>
@@ -12063,7 +12836,7 @@
             </a:endParaRPr>
           </a:p>
           <a:p>
-            <a:pPr lvl="1" marL="432000" indent="-215280">
+            <a:pPr lvl="1" marL="432000" indent="-214560">
               <a:lnSpc>
                 <a:spcPct val="100000"/>
               </a:lnSpc>
@@ -12092,7 +12865,7 @@
             </a:endParaRPr>
           </a:p>
           <a:p>
-            <a:pPr marL="343080" indent="-342000">
+            <a:pPr marL="343080" indent="-341280">
               <a:lnSpc>
                 <a:spcPct val="90000"/>
               </a:lnSpc>
@@ -12120,7 +12893,7 @@
             </a:endParaRPr>
           </a:p>
           <a:p>
-            <a:pPr marL="343080" indent="-342000">
+            <a:pPr marL="343080" indent="-341280">
               <a:lnSpc>
                 <a:spcPct val="90000"/>
               </a:lnSpc>
@@ -12148,7 +12921,7 @@
             </a:endParaRPr>
           </a:p>
           <a:p>
-            <a:pPr lvl="1" marL="432000" indent="-215280">
+            <a:pPr lvl="1" marL="432000" indent="-214560">
               <a:lnSpc>
                 <a:spcPct val="100000"/>
               </a:lnSpc>
@@ -12177,7 +12950,7 @@
             </a:endParaRPr>
           </a:p>
           <a:p>
-            <a:pPr lvl="1" marL="432000" indent="-215280">
+            <a:pPr lvl="1" marL="432000" indent="-214560">
               <a:lnSpc>
                 <a:spcPct val="100000"/>
               </a:lnSpc>
@@ -12206,7 +12979,7 @@
             </a:endParaRPr>
           </a:p>
           <a:p>
-            <a:pPr lvl="1" marL="432000" indent="-215280">
+            <a:pPr lvl="1" marL="432000" indent="-214560">
               <a:lnSpc>
                 <a:spcPct val="100000"/>
               </a:lnSpc>
@@ -12228,14 +13001,14 @@
                 <a:latin typeface="Arial"/>
                 <a:ea typeface="DejaVu Sans"/>
               </a:rPr>
-              <a:t>Metadata, dependencies and resources</a:t>
+              <a:t>Dependencies and resources</a:t>
             </a:r>
             <a:endParaRPr b="0" lang="en-US" sz="1600" spc="-1" strike="noStrike">
               <a:latin typeface="Arial"/>
             </a:endParaRPr>
           </a:p>
           <a:p>
-            <a:pPr lvl="1" marL="432000" indent="-215280">
+            <a:pPr lvl="1" marL="432000" indent="-214560">
               <a:lnSpc>
                 <a:spcPct val="100000"/>
               </a:lnSpc>
@@ -12264,7 +13037,7 @@
             </a:endParaRPr>
           </a:p>
           <a:p>
-            <a:pPr marL="343080" indent="-342000">
+            <a:pPr marL="343080" indent="-341280">
               <a:lnSpc>
                 <a:spcPct val="90000"/>
               </a:lnSpc>
@@ -12292,7 +13065,7 @@
             </a:endParaRPr>
           </a:p>
           <a:p>
-            <a:pPr lvl="1" marL="432000" indent="-215280">
+            <a:pPr lvl="1" marL="432000" indent="-214560">
               <a:lnSpc>
                 <a:spcPct val="100000"/>
               </a:lnSpc>
@@ -12321,7 +13094,7 @@
             </a:endParaRPr>
           </a:p>
           <a:p>
-            <a:pPr lvl="1" marL="432000" indent="-215280">
+            <a:pPr lvl="1" marL="432000" indent="-214560">
               <a:lnSpc>
                 <a:spcPct val="100000"/>
               </a:lnSpc>
@@ -12350,7 +13123,7 @@
             </a:endParaRPr>
           </a:p>
           <a:p>
-            <a:pPr lvl="1" marL="432000" indent="-215280">
+            <a:pPr lvl="1" marL="432000" indent="-214560">
               <a:lnSpc>
                 <a:spcPct val="100000"/>
               </a:lnSpc>
@@ -12379,7 +13152,7 @@
             </a:endParaRPr>
           </a:p>
           <a:p>
-            <a:pPr marL="343080" indent="-342000">
+            <a:pPr marL="343080" indent="-341280">
               <a:lnSpc>
                 <a:spcPct val="90000"/>
               </a:lnSpc>
@@ -12421,6 +13194,1368 @@
           </a:p>
         </p:txBody>
       </p:sp>
+    </p:spTree>
+  </p:cSld>
+  <mc:AlternateContent>
+    <mc:Choice Requires="p14">
+      <p:transition spd="slow" p14:dur="2000"/>
+    </mc:Choice>
+    <mc:Fallback>
+      <p:transition spd="slow"/>
+    </mc:Fallback>
+  </mc:AlternateContent>
+</p:sld>
+</file>
+
+<file path=ppt/slides/slide20.xml><?xml version="1.0" encoding="utf-8"?>
+<p:sld xmlns:a="http://schemas.openxmlformats.org/drawingml/2006/main" xmlns:p="http://schemas.openxmlformats.org/presentationml/2006/main" xmlns:r="http://schemas.openxmlformats.org/officeDocument/2006/relationships" xmlns:p14="http://schemas.microsoft.com/office/powerpoint/2010/main" xmlns:p15="http://schemas.microsoft.com/office/powerpoint/2012/main" xmlns:mc="http://schemas.openxmlformats.org/markup-compatibility/2006">
+  <p:cSld>
+    <p:spTree>
+      <p:nvGrpSpPr>
+        <p:cNvPr id="1" name=""/>
+        <p:cNvGrpSpPr/>
+        <p:nvPr/>
+      </p:nvGrpSpPr>
+      <p:grpSpPr>
+        <a:xfrm>
+          <a:off x="0" y="0"/>
+          <a:ext cx="0" cy="0"/>
+          <a:chOff x="0" y="0"/>
+          <a:chExt cx="0" cy="0"/>
+        </a:xfrm>
+      </p:grpSpPr>
+      <p:sp>
+        <p:nvSpPr>
+          <p:cNvPr id="272" name="CustomShape 1"/>
+          <p:cNvSpPr/>
+          <p:nvPr/>
+        </p:nvSpPr>
+        <p:spPr>
+          <a:xfrm>
+            <a:off x="685800" y="0"/>
+            <a:ext cx="10960200" cy="1132560"/>
+          </a:xfrm>
+          <a:prstGeom prst="rect">
+            <a:avLst/>
+          </a:prstGeom>
+          <a:noFill/>
+          <a:ln>
+            <a:noFill/>
+          </a:ln>
+        </p:spPr>
+        <p:style>
+          <a:lnRef idx="0"/>
+          <a:fillRef idx="0"/>
+          <a:effectRef idx="0"/>
+          <a:fontRef idx="minor"/>
+        </p:style>
+        <p:txBody>
+          <a:bodyPr lIns="90000" rIns="90000" tIns="45000" bIns="45000">
+            <a:noAutofit/>
+          </a:bodyPr>
+          <a:p>
+            <a:pPr algn="ctr">
+              <a:lnSpc>
+                <a:spcPct val="90000"/>
+              </a:lnSpc>
+              <a:spcBef>
+                <a:spcPts val="1001"/>
+              </a:spcBef>
+            </a:pPr>
+            <a:r>
+              <a:rPr b="1" lang="en-US" sz="3200" spc="-1" strike="noStrike">
+                <a:solidFill>
+                  <a:srgbClr val="3465a4"/>
+                </a:solidFill>
+                <a:latin typeface="Arial"/>
+                <a:ea typeface="Noto Sans CJK SC"/>
+              </a:rPr>
+              <a:t>3- Helm Chart</a:t>
+            </a:r>
+            <a:br/>
+            <a:br/>
+            <a:r>
+              <a:rPr b="1" lang="en-US" sz="2200" spc="-1" strike="noStrike">
+                <a:solidFill>
+                  <a:srgbClr val="000000"/>
+                </a:solidFill>
+                <a:latin typeface="Arial"/>
+                <a:ea typeface="Noto Sans CJK SC"/>
+              </a:rPr>
+              <a:t>Helm chart structure - 3</a:t>
+            </a:r>
+            <a:endParaRPr b="0" lang="en-US" sz="2200" spc="-1" strike="noStrike">
+              <a:latin typeface="Arial"/>
+            </a:endParaRPr>
+          </a:p>
+        </p:txBody>
+      </p:sp>
+      <p:sp>
+        <p:nvSpPr>
+          <p:cNvPr id="273" name="CustomShape 2"/>
+          <p:cNvSpPr/>
+          <p:nvPr/>
+        </p:nvSpPr>
+        <p:spPr>
+          <a:xfrm>
+            <a:off x="274320" y="1554480"/>
+            <a:ext cx="11063520" cy="4479840"/>
+          </a:xfrm>
+          <a:prstGeom prst="rect">
+            <a:avLst/>
+          </a:prstGeom>
+          <a:noFill/>
+          <a:ln cap="rnd" w="6480">
+            <a:solidFill>
+              <a:srgbClr val="5eb91e"/>
+            </a:solidFill>
+            <a:round/>
+          </a:ln>
+        </p:spPr>
+        <p:style>
+          <a:lnRef idx="0"/>
+          <a:fillRef idx="0"/>
+          <a:effectRef idx="0"/>
+          <a:fontRef idx="minor"/>
+        </p:style>
+        <p:txBody>
+          <a:bodyPr lIns="93240" rIns="93240" tIns="48240" bIns="48240">
+            <a:noAutofit/>
+          </a:bodyPr>
+          <a:p>
+            <a:pPr marL="216000" indent="-216000">
+              <a:lnSpc>
+                <a:spcPct val="100000"/>
+              </a:lnSpc>
+              <a:spcBef>
+                <a:spcPts val="1417"/>
+              </a:spcBef>
+              <a:buClr>
+                <a:srgbClr val="000000"/>
+              </a:buClr>
+              <a:buSzPct val="45000"/>
+              <a:buFont typeface="Wingdings" charset="2"/>
+              <a:buChar char=""/>
+            </a:pPr>
+            <a:r>
+              <a:rPr b="0" lang="en-US" sz="1800" spc="-1" strike="noStrike">
+                <a:latin typeface="Arial"/>
+                <a:ea typeface="DejaVu Sans"/>
+              </a:rPr>
+              <a:t>File “</a:t>
+            </a:r>
+            <a:r>
+              <a:rPr b="0" lang="en-US" sz="1800" spc="-1" strike="noStrike">
+                <a:solidFill>
+                  <a:srgbClr val="acb20c"/>
+                </a:solidFill>
+                <a:latin typeface="Arial"/>
+                <a:ea typeface="DejaVu Sans"/>
+              </a:rPr>
+              <a:t>Chart.yaml</a:t>
+            </a:r>
+            <a:r>
+              <a:rPr b="0" lang="en-US" sz="1800" spc="-1" strike="noStrike">
+                <a:latin typeface="Arial"/>
+                <a:ea typeface="DejaVu Sans"/>
+              </a:rPr>
+              <a:t>”: provide </a:t>
+            </a:r>
+            <a:r>
+              <a:rPr b="0" lang="en-US" sz="1800" spc="-1" strike="noStrike">
+                <a:solidFill>
+                  <a:srgbClr val="c9211e"/>
+                </a:solidFill>
+                <a:latin typeface="Arial"/>
+                <a:ea typeface="DejaVu Sans"/>
+              </a:rPr>
+              <a:t>information</a:t>
+            </a:r>
+            <a:r>
+              <a:rPr b="0" lang="en-US" sz="1800" spc="-1" strike="noStrike">
+                <a:latin typeface="Arial"/>
+                <a:ea typeface="DejaVu Sans"/>
+              </a:rPr>
+              <a:t> about the Helm </a:t>
+            </a:r>
+            <a:r>
+              <a:rPr b="0" lang="en-US" sz="1800" spc="-1" strike="noStrike">
+                <a:solidFill>
+                  <a:srgbClr val="c9211e"/>
+                </a:solidFill>
+                <a:latin typeface="Arial"/>
+                <a:ea typeface="DejaVu Sans"/>
+              </a:rPr>
+              <a:t>chart</a:t>
+            </a:r>
+            <a:r>
+              <a:rPr b="0" lang="en-US" sz="1800" spc="-1" strike="noStrike">
+                <a:latin typeface="Arial"/>
+                <a:ea typeface="DejaVu Sans"/>
+              </a:rPr>
+              <a:t> itself.</a:t>
+            </a:r>
+            <a:endParaRPr b="0" lang="en-US" sz="1800" spc="-1" strike="noStrike">
+              <a:latin typeface="Arial"/>
+            </a:endParaRPr>
+          </a:p>
+          <a:p>
+            <a:pPr marL="216000" indent="-216000">
+              <a:lnSpc>
+                <a:spcPct val="100000"/>
+              </a:lnSpc>
+              <a:spcBef>
+                <a:spcPts val="1417"/>
+              </a:spcBef>
+              <a:buClr>
+                <a:srgbClr val="000000"/>
+              </a:buClr>
+              <a:buSzPct val="45000"/>
+              <a:buFont typeface="Wingdings" charset="2"/>
+              <a:buChar char=""/>
+            </a:pPr>
+            <a:br/>
+            <a:endParaRPr b="0" lang="en-US" sz="1800" spc="-1" strike="noStrike">
+              <a:latin typeface="Arial"/>
+            </a:endParaRPr>
+          </a:p>
+        </p:txBody>
+      </p:sp>
+      <p:sp>
+        <p:nvSpPr>
+          <p:cNvPr id="274" name="CustomShape 3"/>
+          <p:cNvSpPr/>
+          <p:nvPr/>
+        </p:nvSpPr>
+        <p:spPr>
+          <a:xfrm>
+            <a:off x="10515240" y="6202080"/>
+            <a:ext cx="1587600" cy="414720"/>
+          </a:xfrm>
+          <a:prstGeom prst="rect">
+            <a:avLst/>
+          </a:prstGeom>
+          <a:noFill/>
+          <a:ln>
+            <a:noFill/>
+          </a:ln>
+        </p:spPr>
+        <p:style>
+          <a:lnRef idx="0"/>
+          <a:fillRef idx="0"/>
+          <a:effectRef idx="0"/>
+          <a:fontRef idx="minor"/>
+        </p:style>
+        <p:txBody>
+          <a:bodyPr lIns="90000" rIns="90000" tIns="45000" bIns="45000">
+            <a:noAutofit/>
+          </a:bodyPr>
+          <a:p>
+            <a:pPr algn="ctr">
+              <a:lnSpc>
+                <a:spcPct val="100000"/>
+              </a:lnSpc>
+            </a:pPr>
+            <a:fld id="{D3BEEB87-EEBB-433B-8A51-DD062268E348}" type="slidenum">
+              <a:rPr b="0" lang="en-US" sz="1600" spc="-1" strike="noStrike">
+                <a:solidFill>
+                  <a:srgbClr val="000000"/>
+                </a:solidFill>
+                <a:latin typeface="Times New Roman"/>
+                <a:ea typeface="DejaVu Sans"/>
+              </a:rPr>
+              <a:t>&lt;number&gt;</a:t>
+            </a:fld>
+            <a:endParaRPr b="0" lang="en-US" sz="1600" spc="-1" strike="noStrike">
+              <a:latin typeface="Arial"/>
+            </a:endParaRPr>
+          </a:p>
+        </p:txBody>
+      </p:sp>
+      <p:pic>
+        <p:nvPicPr>
+          <p:cNvPr id="275" name="" descr=""/>
+          <p:cNvPicPr/>
+          <p:nvPr/>
+        </p:nvPicPr>
+        <p:blipFill>
+          <a:blip r:embed="rId1"/>
+          <a:stretch/>
+        </p:blipFill>
+        <p:spPr>
+          <a:xfrm>
+            <a:off x="598680" y="1924560"/>
+            <a:ext cx="3333240" cy="1275840"/>
+          </a:xfrm>
+          <a:prstGeom prst="rect">
+            <a:avLst/>
+          </a:prstGeom>
+          <a:ln>
+            <a:solidFill>
+              <a:srgbClr val="3465a4"/>
+            </a:solidFill>
+            <a:prstDash val="sysDot"/>
+          </a:ln>
+        </p:spPr>
+      </p:pic>
+    </p:spTree>
+  </p:cSld>
+  <mc:AlternateContent>
+    <mc:Choice Requires="p14">
+      <p:transition spd="slow" p14:dur="2000"/>
+    </mc:Choice>
+    <mc:Fallback>
+      <p:transition spd="slow"/>
+    </mc:Fallback>
+  </mc:AlternateContent>
+</p:sld>
+</file>
+
+<file path=ppt/slides/slide21.xml><?xml version="1.0" encoding="utf-8"?>
+<p:sld xmlns:a="http://schemas.openxmlformats.org/drawingml/2006/main" xmlns:p="http://schemas.openxmlformats.org/presentationml/2006/main" xmlns:r="http://schemas.openxmlformats.org/officeDocument/2006/relationships" xmlns:p14="http://schemas.microsoft.com/office/powerpoint/2010/main" xmlns:p15="http://schemas.microsoft.com/office/powerpoint/2012/main" xmlns:mc="http://schemas.openxmlformats.org/markup-compatibility/2006">
+  <p:cSld>
+    <p:spTree>
+      <p:nvGrpSpPr>
+        <p:cNvPr id="1" name=""/>
+        <p:cNvGrpSpPr/>
+        <p:nvPr/>
+      </p:nvGrpSpPr>
+      <p:grpSpPr>
+        <a:xfrm>
+          <a:off x="0" y="0"/>
+          <a:ext cx="0" cy="0"/>
+          <a:chOff x="0" y="0"/>
+          <a:chExt cx="0" cy="0"/>
+        </a:xfrm>
+      </p:grpSpPr>
+      <p:sp>
+        <p:nvSpPr>
+          <p:cNvPr id="276" name="CustomShape 1"/>
+          <p:cNvSpPr/>
+          <p:nvPr/>
+        </p:nvSpPr>
+        <p:spPr>
+          <a:xfrm>
+            <a:off x="685800" y="0"/>
+            <a:ext cx="10960200" cy="1132560"/>
+          </a:xfrm>
+          <a:prstGeom prst="rect">
+            <a:avLst/>
+          </a:prstGeom>
+          <a:noFill/>
+          <a:ln>
+            <a:noFill/>
+          </a:ln>
+        </p:spPr>
+        <p:style>
+          <a:lnRef idx="0"/>
+          <a:fillRef idx="0"/>
+          <a:effectRef idx="0"/>
+          <a:fontRef idx="minor"/>
+        </p:style>
+        <p:txBody>
+          <a:bodyPr lIns="90000" rIns="90000" tIns="45000" bIns="45000">
+            <a:noAutofit/>
+          </a:bodyPr>
+          <a:p>
+            <a:pPr algn="ctr">
+              <a:lnSpc>
+                <a:spcPct val="90000"/>
+              </a:lnSpc>
+              <a:spcBef>
+                <a:spcPts val="1001"/>
+              </a:spcBef>
+            </a:pPr>
+            <a:r>
+              <a:rPr b="1" lang="en-US" sz="3200" spc="-1" strike="noStrike">
+                <a:solidFill>
+                  <a:srgbClr val="3465a4"/>
+                </a:solidFill>
+                <a:latin typeface="Arial"/>
+                <a:ea typeface="Noto Sans CJK SC"/>
+              </a:rPr>
+              <a:t>3- Helm Chart</a:t>
+            </a:r>
+            <a:br/>
+            <a:br/>
+            <a:r>
+              <a:rPr b="1" lang="en-US" sz="2200" spc="-1" strike="noStrike">
+                <a:solidFill>
+                  <a:srgbClr val="000000"/>
+                </a:solidFill>
+                <a:latin typeface="Arial"/>
+                <a:ea typeface="Noto Sans CJK SC"/>
+              </a:rPr>
+              <a:t>Helm chart structure - 4</a:t>
+            </a:r>
+            <a:endParaRPr b="0" lang="en-US" sz="2200" spc="-1" strike="noStrike">
+              <a:latin typeface="Arial"/>
+            </a:endParaRPr>
+          </a:p>
+        </p:txBody>
+      </p:sp>
+      <p:sp>
+        <p:nvSpPr>
+          <p:cNvPr id="277" name="CustomShape 2"/>
+          <p:cNvSpPr/>
+          <p:nvPr/>
+        </p:nvSpPr>
+        <p:spPr>
+          <a:xfrm>
+            <a:off x="274320" y="1554480"/>
+            <a:ext cx="11063520" cy="4479840"/>
+          </a:xfrm>
+          <a:prstGeom prst="rect">
+            <a:avLst/>
+          </a:prstGeom>
+          <a:noFill/>
+          <a:ln cap="rnd" w="6480">
+            <a:solidFill>
+              <a:srgbClr val="5eb91e"/>
+            </a:solidFill>
+            <a:round/>
+          </a:ln>
+        </p:spPr>
+        <p:style>
+          <a:lnRef idx="0"/>
+          <a:fillRef idx="0"/>
+          <a:effectRef idx="0"/>
+          <a:fontRef idx="minor"/>
+        </p:style>
+        <p:txBody>
+          <a:bodyPr lIns="93240" rIns="93240" tIns="48240" bIns="48240">
+            <a:noAutofit/>
+          </a:bodyPr>
+          <a:p>
+            <a:pPr marL="216000" indent="-216000">
+              <a:lnSpc>
+                <a:spcPct val="100000"/>
+              </a:lnSpc>
+              <a:spcBef>
+                <a:spcPts val="1417"/>
+              </a:spcBef>
+              <a:buClr>
+                <a:srgbClr val="000000"/>
+              </a:buClr>
+              <a:buSzPct val="45000"/>
+              <a:buFont typeface="Wingdings" charset="2"/>
+              <a:buChar char=""/>
+            </a:pPr>
+            <a:r>
+              <a:rPr b="0" lang="en-US" sz="1800" spc="-1" strike="noStrike">
+                <a:latin typeface="Arial"/>
+                <a:ea typeface="DejaVu Sans"/>
+              </a:rPr>
+              <a:t>File “</a:t>
+            </a:r>
+            <a:r>
+              <a:rPr b="0" lang="en-US" sz="1800" spc="-1" strike="noStrike">
+                <a:solidFill>
+                  <a:srgbClr val="acb20c"/>
+                </a:solidFill>
+                <a:latin typeface="Arial"/>
+                <a:ea typeface="DejaVu Sans"/>
+              </a:rPr>
+              <a:t>_helper.tpl</a:t>
+            </a:r>
+            <a:r>
+              <a:rPr b="0" lang="en-US" sz="1800" spc="-1" strike="noStrike">
+                <a:latin typeface="Arial"/>
+                <a:ea typeface="DejaVu Sans"/>
+              </a:rPr>
+              <a:t>”: an </a:t>
+            </a:r>
+            <a:r>
+              <a:rPr b="0" lang="en-US" sz="1800" spc="-1" strike="noStrike">
+                <a:solidFill>
+                  <a:srgbClr val="c9211e"/>
+                </a:solidFill>
+                <a:latin typeface="Arial"/>
+                <a:ea typeface="DejaVu Sans"/>
+              </a:rPr>
+              <a:t>optional</a:t>
+            </a:r>
+            <a:r>
+              <a:rPr b="0" lang="en-US" sz="1800" spc="-1" strike="noStrike">
+                <a:latin typeface="Arial"/>
+                <a:ea typeface="DejaVu Sans"/>
+              </a:rPr>
+              <a:t> file used to store </a:t>
+            </a:r>
+            <a:r>
+              <a:rPr b="0" lang="en-US" sz="1800" spc="-1" strike="noStrike">
+                <a:solidFill>
+                  <a:srgbClr val="00a933"/>
+                </a:solidFill>
+                <a:latin typeface="Arial"/>
+                <a:ea typeface="DejaVu Sans"/>
+              </a:rPr>
+              <a:t>reusable</a:t>
+            </a:r>
+            <a:r>
+              <a:rPr b="0" lang="en-US" sz="1800" spc="-1" strike="noStrike">
+                <a:latin typeface="Arial"/>
+                <a:ea typeface="DejaVu Sans"/>
+              </a:rPr>
+              <a:t> template functions.</a:t>
+            </a:r>
+            <a:endParaRPr b="0" lang="en-US" sz="1800" spc="-1" strike="noStrike">
+              <a:latin typeface="Arial"/>
+            </a:endParaRPr>
+          </a:p>
+          <a:p>
+            <a:pPr marL="216000" indent="-216000">
+              <a:lnSpc>
+                <a:spcPct val="100000"/>
+              </a:lnSpc>
+              <a:spcBef>
+                <a:spcPts val="1417"/>
+              </a:spcBef>
+              <a:buClr>
+                <a:srgbClr val="000000"/>
+              </a:buClr>
+              <a:buSzPct val="45000"/>
+              <a:buFont typeface="Wingdings" charset="2"/>
+              <a:buChar char=""/>
+            </a:pPr>
+            <a:br/>
+            <a:endParaRPr b="0" lang="en-US" sz="1800" spc="-1" strike="noStrike">
+              <a:latin typeface="Arial"/>
+            </a:endParaRPr>
+          </a:p>
+        </p:txBody>
+      </p:sp>
+      <p:sp>
+        <p:nvSpPr>
+          <p:cNvPr id="278" name="CustomShape 3"/>
+          <p:cNvSpPr/>
+          <p:nvPr/>
+        </p:nvSpPr>
+        <p:spPr>
+          <a:xfrm>
+            <a:off x="10515240" y="6202080"/>
+            <a:ext cx="1587600" cy="414720"/>
+          </a:xfrm>
+          <a:prstGeom prst="rect">
+            <a:avLst/>
+          </a:prstGeom>
+          <a:noFill/>
+          <a:ln>
+            <a:noFill/>
+          </a:ln>
+        </p:spPr>
+        <p:style>
+          <a:lnRef idx="0"/>
+          <a:fillRef idx="0"/>
+          <a:effectRef idx="0"/>
+          <a:fontRef idx="minor"/>
+        </p:style>
+        <p:txBody>
+          <a:bodyPr lIns="90000" rIns="90000" tIns="45000" bIns="45000">
+            <a:noAutofit/>
+          </a:bodyPr>
+          <a:p>
+            <a:pPr algn="ctr">
+              <a:lnSpc>
+                <a:spcPct val="100000"/>
+              </a:lnSpc>
+            </a:pPr>
+            <a:fld id="{A55F9852-2274-4D26-A160-FE85115C3632}" type="slidenum">
+              <a:rPr b="0" lang="en-US" sz="1600" spc="-1" strike="noStrike">
+                <a:solidFill>
+                  <a:srgbClr val="000000"/>
+                </a:solidFill>
+                <a:latin typeface="Times New Roman"/>
+                <a:ea typeface="DejaVu Sans"/>
+              </a:rPr>
+              <a:t>&lt;number&gt;</a:t>
+            </a:fld>
+            <a:endParaRPr b="0" lang="en-US" sz="1600" spc="-1" strike="noStrike">
+              <a:latin typeface="Arial"/>
+            </a:endParaRPr>
+          </a:p>
+        </p:txBody>
+      </p:sp>
+      <p:pic>
+        <p:nvPicPr>
+          <p:cNvPr id="279" name="" descr=""/>
+          <p:cNvPicPr/>
+          <p:nvPr/>
+        </p:nvPicPr>
+        <p:blipFill>
+          <a:blip r:embed="rId1"/>
+          <a:stretch/>
+        </p:blipFill>
+        <p:spPr>
+          <a:xfrm>
+            <a:off x="499320" y="2103120"/>
+            <a:ext cx="5352840" cy="1285560"/>
+          </a:xfrm>
+          <a:prstGeom prst="rect">
+            <a:avLst/>
+          </a:prstGeom>
+          <a:ln>
+            <a:solidFill>
+              <a:srgbClr val="3465a4"/>
+            </a:solidFill>
+            <a:prstDash val="sysDot"/>
+          </a:ln>
+        </p:spPr>
+      </p:pic>
+      <p:pic>
+        <p:nvPicPr>
+          <p:cNvPr id="280" name="" descr=""/>
+          <p:cNvPicPr/>
+          <p:nvPr/>
+        </p:nvPicPr>
+        <p:blipFill>
+          <a:blip r:embed="rId2"/>
+          <a:stretch/>
+        </p:blipFill>
+        <p:spPr>
+          <a:xfrm>
+            <a:off x="5943600" y="2103120"/>
+            <a:ext cx="4686120" cy="3866760"/>
+          </a:xfrm>
+          <a:prstGeom prst="rect">
+            <a:avLst/>
+          </a:prstGeom>
+          <a:ln>
+            <a:solidFill>
+              <a:srgbClr val="3465a4"/>
+            </a:solidFill>
+            <a:prstDash val="sysDot"/>
+          </a:ln>
+        </p:spPr>
+      </p:pic>
+    </p:spTree>
+  </p:cSld>
+  <mc:AlternateContent>
+    <mc:Choice Requires="p14">
+      <p:transition spd="slow" p14:dur="2000"/>
+    </mc:Choice>
+    <mc:Fallback>
+      <p:transition spd="slow"/>
+    </mc:Fallback>
+  </mc:AlternateContent>
+</p:sld>
+</file>
+
+<file path=ppt/slides/slide22.xml><?xml version="1.0" encoding="utf-8"?>
+<p:sld xmlns:a="http://schemas.openxmlformats.org/drawingml/2006/main" xmlns:p="http://schemas.openxmlformats.org/presentationml/2006/main" xmlns:r="http://schemas.openxmlformats.org/officeDocument/2006/relationships" xmlns:p14="http://schemas.microsoft.com/office/powerpoint/2010/main" xmlns:p15="http://schemas.microsoft.com/office/powerpoint/2012/main" xmlns:mc="http://schemas.openxmlformats.org/markup-compatibility/2006">
+  <p:cSld>
+    <p:spTree>
+      <p:nvGrpSpPr>
+        <p:cNvPr id="1" name=""/>
+        <p:cNvGrpSpPr/>
+        <p:nvPr/>
+      </p:nvGrpSpPr>
+      <p:grpSpPr>
+        <a:xfrm>
+          <a:off x="0" y="0"/>
+          <a:ext cx="0" cy="0"/>
+          <a:chOff x="0" y="0"/>
+          <a:chExt cx="0" cy="0"/>
+        </a:xfrm>
+      </p:grpSpPr>
+      <p:sp>
+        <p:nvSpPr>
+          <p:cNvPr id="281" name="CustomShape 1"/>
+          <p:cNvSpPr/>
+          <p:nvPr/>
+        </p:nvSpPr>
+        <p:spPr>
+          <a:xfrm>
+            <a:off x="685800" y="0"/>
+            <a:ext cx="10960200" cy="1132560"/>
+          </a:xfrm>
+          <a:prstGeom prst="rect">
+            <a:avLst/>
+          </a:prstGeom>
+          <a:noFill/>
+          <a:ln>
+            <a:noFill/>
+          </a:ln>
+        </p:spPr>
+        <p:style>
+          <a:lnRef idx="0"/>
+          <a:fillRef idx="0"/>
+          <a:effectRef idx="0"/>
+          <a:fontRef idx="minor"/>
+        </p:style>
+        <p:txBody>
+          <a:bodyPr lIns="90000" rIns="90000" tIns="45000" bIns="45000">
+            <a:noAutofit/>
+          </a:bodyPr>
+          <a:p>
+            <a:pPr algn="ctr">
+              <a:lnSpc>
+                <a:spcPct val="90000"/>
+              </a:lnSpc>
+              <a:spcBef>
+                <a:spcPts val="1001"/>
+              </a:spcBef>
+            </a:pPr>
+            <a:r>
+              <a:rPr b="1" lang="en-US" sz="3200" spc="-1" strike="noStrike">
+                <a:solidFill>
+                  <a:srgbClr val="3465a4"/>
+                </a:solidFill>
+                <a:latin typeface="Arial"/>
+                <a:ea typeface="Noto Sans CJK SC"/>
+              </a:rPr>
+              <a:t>3- Helm Chart</a:t>
+            </a:r>
+            <a:br/>
+            <a:br/>
+            <a:r>
+              <a:rPr b="1" lang="en-US" sz="2200" spc="-1" strike="noStrike">
+                <a:solidFill>
+                  <a:srgbClr val="000000"/>
+                </a:solidFill>
+                <a:latin typeface="Arial"/>
+                <a:ea typeface="Noto Sans CJK SC"/>
+              </a:rPr>
+              <a:t>Helm chart structure - 5</a:t>
+            </a:r>
+            <a:endParaRPr b="0" lang="en-US" sz="2200" spc="-1" strike="noStrike">
+              <a:latin typeface="Arial"/>
+            </a:endParaRPr>
+          </a:p>
+        </p:txBody>
+      </p:sp>
+      <p:sp>
+        <p:nvSpPr>
+          <p:cNvPr id="282" name="CustomShape 2"/>
+          <p:cNvSpPr/>
+          <p:nvPr/>
+        </p:nvSpPr>
+        <p:spPr>
+          <a:xfrm>
+            <a:off x="274320" y="1554480"/>
+            <a:ext cx="11063520" cy="4479840"/>
+          </a:xfrm>
+          <a:prstGeom prst="rect">
+            <a:avLst/>
+          </a:prstGeom>
+          <a:noFill/>
+          <a:ln cap="rnd" w="6480">
+            <a:solidFill>
+              <a:srgbClr val="5eb91e"/>
+            </a:solidFill>
+            <a:round/>
+          </a:ln>
+        </p:spPr>
+        <p:style>
+          <a:lnRef idx="0"/>
+          <a:fillRef idx="0"/>
+          <a:effectRef idx="0"/>
+          <a:fontRef idx="minor"/>
+        </p:style>
+        <p:txBody>
+          <a:bodyPr lIns="93240" rIns="93240" tIns="48240" bIns="48240">
+            <a:noAutofit/>
+          </a:bodyPr>
+          <a:p>
+            <a:pPr marL="216000" indent="-216000">
+              <a:lnSpc>
+                <a:spcPct val="100000"/>
+              </a:lnSpc>
+              <a:spcBef>
+                <a:spcPts val="1417"/>
+              </a:spcBef>
+              <a:buClr>
+                <a:srgbClr val="000000"/>
+              </a:buClr>
+              <a:buSzPct val="45000"/>
+              <a:buFont typeface="Wingdings" charset="2"/>
+              <a:buChar char=""/>
+            </a:pPr>
+            <a:r>
+              <a:rPr b="0" lang="en-US" sz="1800" spc="-1" strike="noStrike">
+                <a:latin typeface="Arial"/>
+                <a:ea typeface="DejaVu Sans"/>
+              </a:rPr>
+              <a:t>Folder “</a:t>
+            </a:r>
+            <a:r>
+              <a:rPr b="0" lang="en-US" sz="1800" spc="-1" strike="noStrike">
+                <a:solidFill>
+                  <a:srgbClr val="00a933"/>
+                </a:solidFill>
+                <a:latin typeface="Arial"/>
+                <a:ea typeface="DejaVu Sans"/>
+              </a:rPr>
+              <a:t>templates</a:t>
+            </a:r>
+            <a:r>
+              <a:rPr b="0" lang="en-US" sz="1800" spc="-1" strike="noStrike">
+                <a:latin typeface="Arial"/>
+                <a:ea typeface="DejaVu Sans"/>
+              </a:rPr>
+              <a:t>”: contain the Kubernetes manifest templates (.yaml files) for an application</a:t>
+            </a:r>
+            <a:endParaRPr b="0" lang="en-US" sz="1800" spc="-1" strike="noStrike">
+              <a:latin typeface="Arial"/>
+            </a:endParaRPr>
+          </a:p>
+          <a:p>
+            <a:pPr marL="216000" indent="-216000">
+              <a:lnSpc>
+                <a:spcPct val="100000"/>
+              </a:lnSpc>
+              <a:spcBef>
+                <a:spcPts val="1417"/>
+              </a:spcBef>
+              <a:buClr>
+                <a:srgbClr val="000000"/>
+              </a:buClr>
+              <a:buSzPct val="45000"/>
+              <a:buFont typeface="Wingdings" charset="2"/>
+              <a:buChar char=""/>
+            </a:pPr>
+            <a:br/>
+            <a:endParaRPr b="0" lang="en-US" sz="1800" spc="-1" strike="noStrike">
+              <a:latin typeface="Arial"/>
+            </a:endParaRPr>
+          </a:p>
+        </p:txBody>
+      </p:sp>
+      <p:sp>
+        <p:nvSpPr>
+          <p:cNvPr id="283" name="CustomShape 3"/>
+          <p:cNvSpPr/>
+          <p:nvPr/>
+        </p:nvSpPr>
+        <p:spPr>
+          <a:xfrm>
+            <a:off x="10515240" y="6202080"/>
+            <a:ext cx="1587600" cy="414720"/>
+          </a:xfrm>
+          <a:prstGeom prst="rect">
+            <a:avLst/>
+          </a:prstGeom>
+          <a:noFill/>
+          <a:ln>
+            <a:noFill/>
+          </a:ln>
+        </p:spPr>
+        <p:style>
+          <a:lnRef idx="0"/>
+          <a:fillRef idx="0"/>
+          <a:effectRef idx="0"/>
+          <a:fontRef idx="minor"/>
+        </p:style>
+        <p:txBody>
+          <a:bodyPr lIns="90000" rIns="90000" tIns="45000" bIns="45000">
+            <a:noAutofit/>
+          </a:bodyPr>
+          <a:p>
+            <a:pPr algn="ctr">
+              <a:lnSpc>
+                <a:spcPct val="100000"/>
+              </a:lnSpc>
+            </a:pPr>
+            <a:fld id="{2E4F47CA-6A3F-4636-AA55-777FCFF5DBDA}" type="slidenum">
+              <a:rPr b="0" lang="en-US" sz="1600" spc="-1" strike="noStrike">
+                <a:solidFill>
+                  <a:srgbClr val="000000"/>
+                </a:solidFill>
+                <a:latin typeface="Times New Roman"/>
+                <a:ea typeface="DejaVu Sans"/>
+              </a:rPr>
+              <a:t>&lt;number&gt;</a:t>
+            </a:fld>
+            <a:endParaRPr b="0" lang="en-US" sz="1600" spc="-1" strike="noStrike">
+              <a:latin typeface="Arial"/>
+            </a:endParaRPr>
+          </a:p>
+        </p:txBody>
+      </p:sp>
+      <p:pic>
+        <p:nvPicPr>
+          <p:cNvPr id="284" name="" descr=""/>
+          <p:cNvPicPr/>
+          <p:nvPr/>
+        </p:nvPicPr>
+        <p:blipFill>
+          <a:blip r:embed="rId1"/>
+          <a:stretch/>
+        </p:blipFill>
+        <p:spPr>
+          <a:xfrm>
+            <a:off x="640080" y="2011680"/>
+            <a:ext cx="3003840" cy="2461680"/>
+          </a:xfrm>
+          <a:prstGeom prst="rect">
+            <a:avLst/>
+          </a:prstGeom>
+          <a:ln>
+            <a:solidFill>
+              <a:srgbClr val="3465a4"/>
+            </a:solidFill>
+            <a:prstDash val="sysDot"/>
+          </a:ln>
+        </p:spPr>
+      </p:pic>
+    </p:spTree>
+  </p:cSld>
+  <mc:AlternateContent>
+    <mc:Choice Requires="p14">
+      <p:transition spd="slow" p14:dur="2000"/>
+    </mc:Choice>
+    <mc:Fallback>
+      <p:transition spd="slow"/>
+    </mc:Fallback>
+  </mc:AlternateContent>
+</p:sld>
+</file>
+
+<file path=ppt/slides/slide23.xml><?xml version="1.0" encoding="utf-8"?>
+<p:sld xmlns:a="http://schemas.openxmlformats.org/drawingml/2006/main" xmlns:p="http://schemas.openxmlformats.org/presentationml/2006/main" xmlns:r="http://schemas.openxmlformats.org/officeDocument/2006/relationships" xmlns:p14="http://schemas.microsoft.com/office/powerpoint/2010/main" xmlns:p15="http://schemas.microsoft.com/office/powerpoint/2012/main" xmlns:mc="http://schemas.openxmlformats.org/markup-compatibility/2006">
+  <p:cSld>
+    <p:spTree>
+      <p:nvGrpSpPr>
+        <p:cNvPr id="1" name=""/>
+        <p:cNvGrpSpPr/>
+        <p:nvPr/>
+      </p:nvGrpSpPr>
+      <p:grpSpPr>
+        <a:xfrm>
+          <a:off x="0" y="0"/>
+          <a:ext cx="0" cy="0"/>
+          <a:chOff x="0" y="0"/>
+          <a:chExt cx="0" cy="0"/>
+        </a:xfrm>
+      </p:grpSpPr>
+      <p:sp>
+        <p:nvSpPr>
+          <p:cNvPr id="285" name="CustomShape 1"/>
+          <p:cNvSpPr/>
+          <p:nvPr/>
+        </p:nvSpPr>
+        <p:spPr>
+          <a:xfrm>
+            <a:off x="685800" y="0"/>
+            <a:ext cx="10960200" cy="1132560"/>
+          </a:xfrm>
+          <a:prstGeom prst="rect">
+            <a:avLst/>
+          </a:prstGeom>
+          <a:noFill/>
+          <a:ln>
+            <a:noFill/>
+          </a:ln>
+        </p:spPr>
+        <p:style>
+          <a:lnRef idx="0"/>
+          <a:fillRef idx="0"/>
+          <a:effectRef idx="0"/>
+          <a:fontRef idx="minor"/>
+        </p:style>
+        <p:txBody>
+          <a:bodyPr lIns="90000" rIns="90000" tIns="45000" bIns="45000">
+            <a:noAutofit/>
+          </a:bodyPr>
+          <a:p>
+            <a:pPr algn="ctr">
+              <a:lnSpc>
+                <a:spcPct val="90000"/>
+              </a:lnSpc>
+              <a:spcBef>
+                <a:spcPts val="1001"/>
+              </a:spcBef>
+            </a:pPr>
+            <a:r>
+              <a:rPr b="1" lang="en-US" sz="3200" spc="-1" strike="noStrike">
+                <a:solidFill>
+                  <a:srgbClr val="3465a4"/>
+                </a:solidFill>
+                <a:latin typeface="Arial"/>
+                <a:ea typeface="Noto Sans CJK SC"/>
+              </a:rPr>
+              <a:t>3- Helm Chart</a:t>
+            </a:r>
+            <a:br/>
+            <a:br/>
+            <a:r>
+              <a:rPr b="1" lang="en-US" sz="2200" spc="-1" strike="noStrike">
+                <a:solidFill>
+                  <a:srgbClr val="000000"/>
+                </a:solidFill>
+                <a:latin typeface="Arial"/>
+                <a:ea typeface="Noto Sans CJK SC"/>
+              </a:rPr>
+              <a:t>Helm chart structure - 6</a:t>
+            </a:r>
+            <a:endParaRPr b="0" lang="en-US" sz="2200" spc="-1" strike="noStrike">
+              <a:latin typeface="Arial"/>
+            </a:endParaRPr>
+          </a:p>
+        </p:txBody>
+      </p:sp>
+      <p:sp>
+        <p:nvSpPr>
+          <p:cNvPr id="286" name="CustomShape 2"/>
+          <p:cNvSpPr/>
+          <p:nvPr/>
+        </p:nvSpPr>
+        <p:spPr>
+          <a:xfrm>
+            <a:off x="274320" y="1554480"/>
+            <a:ext cx="11063520" cy="4479840"/>
+          </a:xfrm>
+          <a:prstGeom prst="rect">
+            <a:avLst/>
+          </a:prstGeom>
+          <a:noFill/>
+          <a:ln cap="rnd" w="6480">
+            <a:solidFill>
+              <a:srgbClr val="5eb91e"/>
+            </a:solidFill>
+            <a:round/>
+          </a:ln>
+        </p:spPr>
+        <p:style>
+          <a:lnRef idx="0"/>
+          <a:fillRef idx="0"/>
+          <a:effectRef idx="0"/>
+          <a:fontRef idx="minor"/>
+        </p:style>
+        <p:txBody>
+          <a:bodyPr lIns="93240" rIns="93240" tIns="48240" bIns="48240">
+            <a:noAutofit/>
+          </a:bodyPr>
+          <a:p>
+            <a:pPr marL="216000" indent="-216000">
+              <a:lnSpc>
+                <a:spcPct val="100000"/>
+              </a:lnSpc>
+              <a:spcBef>
+                <a:spcPts val="1417"/>
+              </a:spcBef>
+              <a:buClr>
+                <a:srgbClr val="000000"/>
+              </a:buClr>
+              <a:buSzPct val="45000"/>
+              <a:buFont typeface="Wingdings" charset="2"/>
+              <a:buChar char=""/>
+            </a:pPr>
+            <a:r>
+              <a:rPr b="0" lang="en-US" sz="1800" spc="-1" strike="noStrike">
+                <a:latin typeface="Arial"/>
+                <a:ea typeface="DejaVu Sans"/>
+              </a:rPr>
+              <a:t>Folder “</a:t>
+            </a:r>
+            <a:r>
+              <a:rPr b="0" lang="en-US" sz="1800" spc="-1" strike="noStrike">
+                <a:solidFill>
+                  <a:srgbClr val="c9211e"/>
+                </a:solidFill>
+                <a:latin typeface="Arial"/>
+                <a:ea typeface="DejaVu Sans"/>
+              </a:rPr>
+              <a:t>charts</a:t>
+            </a:r>
+            <a:r>
+              <a:rPr b="0" lang="en-US" sz="1800" spc="-1" strike="noStrike">
+                <a:latin typeface="Arial"/>
+                <a:ea typeface="DejaVu Sans"/>
+              </a:rPr>
+              <a:t>”: Store subcharts that a Helm chart may depend on. These subcharts permit us to modularize the Helm chart.</a:t>
+            </a:r>
+            <a:endParaRPr b="0" lang="en-US" sz="1800" spc="-1" strike="noStrike">
+              <a:latin typeface="Arial"/>
+            </a:endParaRPr>
+          </a:p>
+          <a:p>
+            <a:pPr marL="216000" indent="-216000">
+              <a:lnSpc>
+                <a:spcPct val="100000"/>
+              </a:lnSpc>
+              <a:spcBef>
+                <a:spcPts val="1417"/>
+              </a:spcBef>
+              <a:buClr>
+                <a:srgbClr val="000000"/>
+              </a:buClr>
+              <a:buSzPct val="45000"/>
+              <a:buFont typeface="Wingdings" charset="2"/>
+              <a:buChar char=""/>
+            </a:pPr>
+            <a:br/>
+            <a:endParaRPr b="0" lang="en-US" sz="1800" spc="-1" strike="noStrike">
+              <a:latin typeface="Arial"/>
+            </a:endParaRPr>
+          </a:p>
+        </p:txBody>
+      </p:sp>
+      <p:sp>
+        <p:nvSpPr>
+          <p:cNvPr id="287" name="CustomShape 3"/>
+          <p:cNvSpPr/>
+          <p:nvPr/>
+        </p:nvSpPr>
+        <p:spPr>
+          <a:xfrm>
+            <a:off x="10515240" y="6202080"/>
+            <a:ext cx="1587600" cy="414720"/>
+          </a:xfrm>
+          <a:prstGeom prst="rect">
+            <a:avLst/>
+          </a:prstGeom>
+          <a:noFill/>
+          <a:ln>
+            <a:noFill/>
+          </a:ln>
+        </p:spPr>
+        <p:style>
+          <a:lnRef idx="0"/>
+          <a:fillRef idx="0"/>
+          <a:effectRef idx="0"/>
+          <a:fontRef idx="minor"/>
+        </p:style>
+        <p:txBody>
+          <a:bodyPr lIns="90000" rIns="90000" tIns="45000" bIns="45000">
+            <a:noAutofit/>
+          </a:bodyPr>
+          <a:p>
+            <a:pPr algn="ctr">
+              <a:lnSpc>
+                <a:spcPct val="100000"/>
+              </a:lnSpc>
+            </a:pPr>
+            <a:fld id="{444F7B43-367B-4D48-98A2-24E00ED005B0}" type="slidenum">
+              <a:rPr b="0" lang="en-US" sz="1600" spc="-1" strike="noStrike">
+                <a:solidFill>
+                  <a:srgbClr val="000000"/>
+                </a:solidFill>
+                <a:latin typeface="Times New Roman"/>
+                <a:ea typeface="DejaVu Sans"/>
+              </a:rPr>
+              <a:t>&lt;number&gt;</a:t>
+            </a:fld>
+            <a:endParaRPr b="0" lang="en-US" sz="1600" spc="-1" strike="noStrike">
+              <a:latin typeface="Arial"/>
+            </a:endParaRPr>
+          </a:p>
+        </p:txBody>
+      </p:sp>
+      <p:pic>
+        <p:nvPicPr>
+          <p:cNvPr id="288" name="" descr=""/>
+          <p:cNvPicPr/>
+          <p:nvPr/>
+        </p:nvPicPr>
+        <p:blipFill>
+          <a:blip r:embed="rId1"/>
+          <a:stretch/>
+        </p:blipFill>
+        <p:spPr>
+          <a:xfrm>
+            <a:off x="556560" y="2194560"/>
+            <a:ext cx="2278080" cy="3749040"/>
+          </a:xfrm>
+          <a:prstGeom prst="rect">
+            <a:avLst/>
+          </a:prstGeom>
+          <a:ln>
+            <a:solidFill>
+              <a:srgbClr val="3465a4"/>
+            </a:solidFill>
+            <a:prstDash val="sysDot"/>
+          </a:ln>
+        </p:spPr>
+      </p:pic>
+    </p:spTree>
+  </p:cSld>
+  <mc:AlternateContent>
+    <mc:Choice Requires="p14">
+      <p:transition spd="slow" p14:dur="2000"/>
+    </mc:Choice>
+    <mc:Fallback>
+      <p:transition spd="slow"/>
+    </mc:Fallback>
+  </mc:AlternateContent>
+</p:sld>
+</file>
+
+<file path=ppt/slides/slide24.xml><?xml version="1.0" encoding="utf-8"?>
+<p:sld xmlns:a="http://schemas.openxmlformats.org/drawingml/2006/main" xmlns:p="http://schemas.openxmlformats.org/presentationml/2006/main" xmlns:r="http://schemas.openxmlformats.org/officeDocument/2006/relationships" xmlns:p14="http://schemas.microsoft.com/office/powerpoint/2010/main" xmlns:p15="http://schemas.microsoft.com/office/powerpoint/2012/main" xmlns:mc="http://schemas.openxmlformats.org/markup-compatibility/2006">
+  <p:cSld>
+    <p:spTree>
+      <p:nvGrpSpPr>
+        <p:cNvPr id="1" name=""/>
+        <p:cNvGrpSpPr/>
+        <p:nvPr/>
+      </p:nvGrpSpPr>
+      <p:grpSpPr>
+        <a:xfrm>
+          <a:off x="0" y="0"/>
+          <a:ext cx="0" cy="0"/>
+          <a:chOff x="0" y="0"/>
+          <a:chExt cx="0" cy="0"/>
+        </a:xfrm>
+      </p:grpSpPr>
+      <p:sp>
+        <p:nvSpPr>
+          <p:cNvPr id="289" name="CustomShape 1"/>
+          <p:cNvSpPr/>
+          <p:nvPr/>
+        </p:nvSpPr>
+        <p:spPr>
+          <a:xfrm>
+            <a:off x="3428640" y="376920"/>
+            <a:ext cx="5697360" cy="524880"/>
+          </a:xfrm>
+          <a:prstGeom prst="rect">
+            <a:avLst/>
+          </a:prstGeom>
+          <a:noFill/>
+          <a:ln>
+            <a:noFill/>
+          </a:ln>
+        </p:spPr>
+        <p:style>
+          <a:lnRef idx="0"/>
+          <a:fillRef idx="0"/>
+          <a:effectRef idx="0"/>
+          <a:fontRef idx="minor"/>
+        </p:style>
+        <p:txBody>
+          <a:bodyPr lIns="90000" rIns="90000" tIns="45000" bIns="45000">
+            <a:noAutofit/>
+          </a:bodyPr>
+          <a:p>
+            <a:pPr algn="ctr">
+              <a:lnSpc>
+                <a:spcPct val="90000"/>
+              </a:lnSpc>
+              <a:spcBef>
+                <a:spcPts val="1001"/>
+              </a:spcBef>
+            </a:pPr>
+            <a:r>
+              <a:rPr b="1" lang="en-US" sz="3200" spc="-1" strike="noStrike">
+                <a:solidFill>
+                  <a:srgbClr val="3465a4"/>
+                </a:solidFill>
+                <a:latin typeface="Arial"/>
+                <a:ea typeface="DejaVu Sans"/>
+              </a:rPr>
+              <a:t>Questions and Answers</a:t>
+            </a:r>
+            <a:endParaRPr b="0" lang="en-US" sz="3200" spc="-1" strike="noStrike">
+              <a:latin typeface="Arial"/>
+            </a:endParaRPr>
+          </a:p>
+        </p:txBody>
+      </p:sp>
+      <p:sp>
+        <p:nvSpPr>
+          <p:cNvPr id="290" name="CustomShape 2"/>
+          <p:cNvSpPr/>
+          <p:nvPr/>
+        </p:nvSpPr>
+        <p:spPr>
+          <a:xfrm>
+            <a:off x="10515240" y="6202080"/>
+            <a:ext cx="1587600" cy="414720"/>
+          </a:xfrm>
+          <a:prstGeom prst="rect">
+            <a:avLst/>
+          </a:prstGeom>
+          <a:noFill/>
+          <a:ln>
+            <a:noFill/>
+          </a:ln>
+        </p:spPr>
+        <p:style>
+          <a:lnRef idx="0"/>
+          <a:fillRef idx="0"/>
+          <a:effectRef idx="0"/>
+          <a:fontRef idx="minor"/>
+        </p:style>
+        <p:txBody>
+          <a:bodyPr lIns="90000" rIns="90000" tIns="45000" bIns="45000">
+            <a:noAutofit/>
+          </a:bodyPr>
+          <a:p>
+            <a:pPr algn="ctr">
+              <a:lnSpc>
+                <a:spcPct val="100000"/>
+              </a:lnSpc>
+            </a:pPr>
+            <a:fld id="{2BDDBFA5-EC7C-421C-B451-E2CCE8EC182A}" type="slidenum">
+              <a:rPr b="0" lang="en-US" sz="1600" spc="-1" strike="noStrike">
+                <a:solidFill>
+                  <a:srgbClr val="000000"/>
+                </a:solidFill>
+                <a:latin typeface="Times New Roman"/>
+                <a:ea typeface="DejaVu Sans"/>
+              </a:rPr>
+              <a:t>&lt;number&gt;</a:t>
+            </a:fld>
+            <a:endParaRPr b="0" lang="en-US" sz="1600" spc="-1" strike="noStrike">
+              <a:latin typeface="Arial"/>
+            </a:endParaRPr>
+          </a:p>
+        </p:txBody>
+      </p:sp>
+      <p:pic>
+        <p:nvPicPr>
+          <p:cNvPr id="291" name="Picture 412" descr=""/>
+          <p:cNvPicPr/>
+          <p:nvPr/>
+        </p:nvPicPr>
+        <p:blipFill>
+          <a:blip r:embed="rId1"/>
+          <a:stretch/>
+        </p:blipFill>
+        <p:spPr>
+          <a:xfrm>
+            <a:off x="4114440" y="2105280"/>
+            <a:ext cx="4637160" cy="3141720"/>
+          </a:xfrm>
+          <a:prstGeom prst="rect">
+            <a:avLst/>
+          </a:prstGeom>
+          <a:ln>
+            <a:noFill/>
+          </a:ln>
+        </p:spPr>
+      </p:pic>
+    </p:spTree>
+  </p:cSld>
+  <mc:AlternateContent>
+    <mc:Choice Requires="p14">
+      <p:transition spd="slow" p14:dur="2000"/>
+    </mc:Choice>
+    <mc:Fallback>
+      <p:transition spd="slow"/>
+    </mc:Fallback>
+  </mc:AlternateContent>
+</p:sld>
+</file>
+
+<file path=ppt/slides/slide25.xml><?xml version="1.0" encoding="utf-8"?>
+<p:sld xmlns:a="http://schemas.openxmlformats.org/drawingml/2006/main" xmlns:p="http://schemas.openxmlformats.org/presentationml/2006/main" xmlns:r="http://schemas.openxmlformats.org/officeDocument/2006/relationships" xmlns:p14="http://schemas.microsoft.com/office/powerpoint/2010/main" xmlns:p15="http://schemas.microsoft.com/office/powerpoint/2012/main" xmlns:mc="http://schemas.openxmlformats.org/markup-compatibility/2006">
+  <p:cSld>
+    <p:spTree>
+      <p:nvGrpSpPr>
+        <p:cNvPr id="1" name=""/>
+        <p:cNvGrpSpPr/>
+        <p:nvPr/>
+      </p:nvGrpSpPr>
+      <p:grpSpPr>
+        <a:xfrm>
+          <a:off x="0" y="0"/>
+          <a:ext cx="0" cy="0"/>
+          <a:chOff x="0" y="0"/>
+          <a:chExt cx="0" cy="0"/>
+        </a:xfrm>
+      </p:grpSpPr>
     </p:spTree>
   </p:cSld>
   <mc:AlternateContent>
@@ -12453,14 +14588,14 @@
       </p:grpSpPr>
       <p:sp>
         <p:nvSpPr>
-          <p:cNvPr id="249" name="CustomShape 1"/>
+          <p:cNvPr id="209" name="CustomShape 1"/>
           <p:cNvSpPr/>
           <p:nvPr/>
         </p:nvSpPr>
         <p:spPr>
           <a:xfrm>
             <a:off x="685800" y="0"/>
-            <a:ext cx="10960920" cy="1133280"/>
+            <a:ext cx="10960200" cy="1132560"/>
           </a:xfrm>
           <a:prstGeom prst="rect">
             <a:avLst/>
@@ -12519,14 +14654,14 @@
       </p:sp>
       <p:sp>
         <p:nvSpPr>
-          <p:cNvPr id="250" name="CustomShape 2"/>
+          <p:cNvPr id="210" name="CustomShape 2"/>
           <p:cNvSpPr/>
           <p:nvPr/>
         </p:nvSpPr>
         <p:spPr>
           <a:xfrm>
             <a:off x="274320" y="1554480"/>
-            <a:ext cx="11064240" cy="4480560"/>
+            <a:ext cx="11063520" cy="4479840"/>
           </a:xfrm>
           <a:prstGeom prst="rect">
             <a:avLst/>
@@ -12576,14 +14711,14 @@
       </p:sp>
       <p:sp>
         <p:nvSpPr>
-          <p:cNvPr id="251" name="CustomShape 3"/>
+          <p:cNvPr id="211" name="CustomShape 3"/>
           <p:cNvSpPr/>
           <p:nvPr/>
         </p:nvSpPr>
         <p:spPr>
           <a:xfrm>
             <a:off x="10515240" y="6202080"/>
-            <a:ext cx="1588320" cy="415440"/>
+            <a:ext cx="1587600" cy="414720"/>
           </a:xfrm>
           <a:prstGeom prst="rect">
             <a:avLst/>
@@ -12609,7 +14744,7 @@
                 <a:spcPct val="100000"/>
               </a:lnSpc>
             </a:pPr>
-            <a:fld id="{2C4CED78-8203-41D7-AFA9-B248410311BD}" type="slidenum">
+            <a:fld id="{8187EC1C-43A3-4044-BAA2-6F3760D7ED2E}" type="slidenum">
               <a:rPr b="0" lang="en-US" sz="1600" spc="-1" strike="noStrike">
                 <a:solidFill>
                   <a:srgbClr val="000000"/>
@@ -12627,7 +14762,7 @@
       </p:sp>
       <p:pic>
         <p:nvPicPr>
-          <p:cNvPr id="252" name="" descr=""/>
+          <p:cNvPr id="212" name="" descr=""/>
           <p:cNvPicPr/>
           <p:nvPr/>
         </p:nvPicPr>
@@ -12638,7 +14773,7 @@
         <p:spPr>
           <a:xfrm>
             <a:off x="2745360" y="2250000"/>
-            <a:ext cx="5209920" cy="3419280"/>
+            <a:ext cx="5209200" cy="3418560"/>
           </a:xfrm>
           <a:prstGeom prst="rect">
             <a:avLst/>
@@ -12680,14 +14815,14 @@
       </p:grpSpPr>
       <p:sp>
         <p:nvSpPr>
-          <p:cNvPr id="253" name="CustomShape 1"/>
+          <p:cNvPr id="213" name="CustomShape 1"/>
           <p:cNvSpPr/>
           <p:nvPr/>
         </p:nvSpPr>
         <p:spPr>
           <a:xfrm>
             <a:off x="685800" y="0"/>
-            <a:ext cx="10960920" cy="1133280"/>
+            <a:ext cx="10960200" cy="1132560"/>
           </a:xfrm>
           <a:prstGeom prst="rect">
             <a:avLst/>
@@ -12746,14 +14881,14 @@
       </p:sp>
       <p:sp>
         <p:nvSpPr>
-          <p:cNvPr id="254" name="CustomShape 2"/>
+          <p:cNvPr id="214" name="CustomShape 2"/>
           <p:cNvSpPr/>
           <p:nvPr/>
         </p:nvSpPr>
         <p:spPr>
           <a:xfrm>
             <a:off x="274320" y="1554480"/>
-            <a:ext cx="11064240" cy="4480560"/>
+            <a:ext cx="11063520" cy="4479840"/>
           </a:xfrm>
           <a:prstGeom prst="rect">
             <a:avLst/>
@@ -12826,14 +14961,14 @@
       </p:sp>
       <p:sp>
         <p:nvSpPr>
-          <p:cNvPr id="255" name="CustomShape 3"/>
+          <p:cNvPr id="215" name="CustomShape 3"/>
           <p:cNvSpPr/>
           <p:nvPr/>
         </p:nvSpPr>
         <p:spPr>
           <a:xfrm>
             <a:off x="10515240" y="6202080"/>
-            <a:ext cx="1588320" cy="415440"/>
+            <a:ext cx="1587600" cy="414720"/>
           </a:xfrm>
           <a:prstGeom prst="rect">
             <a:avLst/>
@@ -12859,7 +14994,7 @@
                 <a:spcPct val="100000"/>
               </a:lnSpc>
             </a:pPr>
-            <a:fld id="{408F8306-8463-48FD-B8E3-5E4B69444832}" type="slidenum">
+            <a:fld id="{804CCA3D-859B-49BA-A218-69FBD83A272B}" type="slidenum">
               <a:rPr b="0" lang="en-US" sz="1600" spc="-1" strike="noStrike">
                 <a:solidFill>
                   <a:srgbClr val="000000"/>
@@ -12877,7 +15012,7 @@
       </p:sp>
       <p:pic>
         <p:nvPicPr>
-          <p:cNvPr id="256" name="" descr=""/>
+          <p:cNvPr id="216" name="" descr=""/>
           <p:cNvPicPr/>
           <p:nvPr/>
         </p:nvPicPr>
@@ -12888,7 +15023,7 @@
         <p:spPr>
           <a:xfrm>
             <a:off x="1960920" y="2336040"/>
-            <a:ext cx="6543000" cy="3516120"/>
+            <a:ext cx="6542280" cy="3515400"/>
           </a:xfrm>
           <a:prstGeom prst="rect">
             <a:avLst/>
@@ -12930,14 +15065,14 @@
       </p:grpSpPr>
       <p:sp>
         <p:nvSpPr>
-          <p:cNvPr id="257" name="CustomShape 1"/>
+          <p:cNvPr id="217" name="CustomShape 1"/>
           <p:cNvSpPr/>
           <p:nvPr/>
         </p:nvSpPr>
         <p:spPr>
           <a:xfrm>
             <a:off x="685800" y="0"/>
-            <a:ext cx="10960920" cy="1133280"/>
+            <a:ext cx="10960200" cy="1132560"/>
           </a:xfrm>
           <a:prstGeom prst="rect">
             <a:avLst/>
@@ -12996,14 +15131,14 @@
       </p:sp>
       <p:sp>
         <p:nvSpPr>
-          <p:cNvPr id="258" name="CustomShape 2"/>
+          <p:cNvPr id="218" name="CustomShape 2"/>
           <p:cNvSpPr/>
           <p:nvPr/>
         </p:nvSpPr>
         <p:spPr>
           <a:xfrm>
             <a:off x="274320" y="1554480"/>
-            <a:ext cx="11064240" cy="4480560"/>
+            <a:ext cx="11063520" cy="4479840"/>
           </a:xfrm>
           <a:prstGeom prst="rect">
             <a:avLst/>
@@ -13076,14 +15211,14 @@
       </p:sp>
       <p:sp>
         <p:nvSpPr>
-          <p:cNvPr id="259" name="CustomShape 3"/>
+          <p:cNvPr id="219" name="CustomShape 3"/>
           <p:cNvSpPr/>
           <p:nvPr/>
         </p:nvSpPr>
         <p:spPr>
           <a:xfrm>
             <a:off x="10515240" y="6202080"/>
-            <a:ext cx="1588320" cy="415440"/>
+            <a:ext cx="1587600" cy="414720"/>
           </a:xfrm>
           <a:prstGeom prst="rect">
             <a:avLst/>
@@ -13109,7 +15244,7 @@
                 <a:spcPct val="100000"/>
               </a:lnSpc>
             </a:pPr>
-            <a:fld id="{94417478-1703-448F-A804-B73AF0A735B3}" type="slidenum">
+            <a:fld id="{FDF4A6B3-9CA8-4DFA-9788-5B19437F8B05}" type="slidenum">
               <a:rPr b="0" lang="en-US" sz="1600" spc="-1" strike="noStrike">
                 <a:solidFill>
                   <a:srgbClr val="000000"/>
@@ -13127,7 +15262,7 @@
       </p:sp>
       <p:pic>
         <p:nvPicPr>
-          <p:cNvPr id="260" name="" descr=""/>
+          <p:cNvPr id="220" name="" descr=""/>
           <p:cNvPicPr/>
           <p:nvPr/>
         </p:nvPicPr>
@@ -13138,7 +15273,7 @@
         <p:spPr>
           <a:xfrm>
             <a:off x="1814040" y="2743200"/>
-            <a:ext cx="8975880" cy="2047680"/>
+            <a:ext cx="8975160" cy="2046960"/>
           </a:xfrm>
           <a:prstGeom prst="rect">
             <a:avLst/>
@@ -13180,14 +15315,14 @@
       </p:grpSpPr>
       <p:sp>
         <p:nvSpPr>
-          <p:cNvPr id="261" name="CustomShape 1"/>
+          <p:cNvPr id="221" name="CustomShape 1"/>
           <p:cNvSpPr/>
           <p:nvPr/>
         </p:nvSpPr>
         <p:spPr>
           <a:xfrm>
             <a:off x="685800" y="0"/>
-            <a:ext cx="10960920" cy="1133280"/>
+            <a:ext cx="10960200" cy="1132560"/>
           </a:xfrm>
           <a:prstGeom prst="rect">
             <a:avLst/>
@@ -13246,14 +15381,14 @@
       </p:sp>
       <p:sp>
         <p:nvSpPr>
-          <p:cNvPr id="262" name="CustomShape 2"/>
+          <p:cNvPr id="222" name="CustomShape 2"/>
           <p:cNvSpPr/>
           <p:nvPr/>
         </p:nvSpPr>
         <p:spPr>
           <a:xfrm>
             <a:off x="274320" y="1554480"/>
-            <a:ext cx="11064240" cy="4480560"/>
+            <a:ext cx="11063520" cy="4479840"/>
           </a:xfrm>
           <a:prstGeom prst="rect">
             <a:avLst/>
@@ -13303,14 +15438,14 @@
       </p:sp>
       <p:sp>
         <p:nvSpPr>
-          <p:cNvPr id="263" name="CustomShape 3"/>
+          <p:cNvPr id="223" name="CustomShape 3"/>
           <p:cNvSpPr/>
           <p:nvPr/>
         </p:nvSpPr>
         <p:spPr>
           <a:xfrm>
             <a:off x="10515240" y="6202080"/>
-            <a:ext cx="1588320" cy="415440"/>
+            <a:ext cx="1587600" cy="414720"/>
           </a:xfrm>
           <a:prstGeom prst="rect">
             <a:avLst/>
@@ -13336,7 +15471,7 @@
                 <a:spcPct val="100000"/>
               </a:lnSpc>
             </a:pPr>
-            <a:fld id="{6976F81E-D14A-4B9C-A7F8-9EC9B9DA75B4}" type="slidenum">
+            <a:fld id="{A809864A-CEC2-4E21-A77A-187F38C9FFE9}" type="slidenum">
               <a:rPr b="0" lang="en-US" sz="1600" spc="-1" strike="noStrike">
                 <a:solidFill>
                   <a:srgbClr val="000000"/>
@@ -13354,7 +15489,7 @@
       </p:sp>
       <p:pic>
         <p:nvPicPr>
-          <p:cNvPr id="264" name="" descr=""/>
+          <p:cNvPr id="224" name="" descr=""/>
           <p:cNvPicPr/>
           <p:nvPr/>
         </p:nvPicPr>
@@ -13365,7 +15500,7 @@
         <p:spPr>
           <a:xfrm>
             <a:off x="1948680" y="2011680"/>
-            <a:ext cx="8324640" cy="3903480"/>
+            <a:ext cx="8323920" cy="3902760"/>
           </a:xfrm>
           <a:prstGeom prst="rect">
             <a:avLst/>
@@ -13407,14 +15542,14 @@
       </p:grpSpPr>
       <p:sp>
         <p:nvSpPr>
-          <p:cNvPr id="265" name="CustomShape 1"/>
+          <p:cNvPr id="225" name="CustomShape 1"/>
           <p:cNvSpPr/>
           <p:nvPr/>
         </p:nvSpPr>
         <p:spPr>
           <a:xfrm>
             <a:off x="685800" y="0"/>
-            <a:ext cx="10960920" cy="1133280"/>
+            <a:ext cx="10960200" cy="1132560"/>
           </a:xfrm>
           <a:prstGeom prst="rect">
             <a:avLst/>
@@ -13473,14 +15608,14 @@
       </p:sp>
       <p:sp>
         <p:nvSpPr>
-          <p:cNvPr id="266" name="CustomShape 2"/>
+          <p:cNvPr id="226" name="CustomShape 2"/>
           <p:cNvSpPr/>
           <p:nvPr/>
         </p:nvSpPr>
         <p:spPr>
           <a:xfrm>
             <a:off x="274320" y="1554480"/>
-            <a:ext cx="11064240" cy="4480560"/>
+            <a:ext cx="11063520" cy="4479840"/>
           </a:xfrm>
           <a:prstGeom prst="rect">
             <a:avLst/>
@@ -13530,14 +15665,14 @@
       </p:sp>
       <p:sp>
         <p:nvSpPr>
-          <p:cNvPr id="267" name="CustomShape 3"/>
+          <p:cNvPr id="227" name="CustomShape 3"/>
           <p:cNvSpPr/>
           <p:nvPr/>
         </p:nvSpPr>
         <p:spPr>
           <a:xfrm>
             <a:off x="10515240" y="6202080"/>
-            <a:ext cx="1588320" cy="415440"/>
+            <a:ext cx="1587600" cy="414720"/>
           </a:xfrm>
           <a:prstGeom prst="rect">
             <a:avLst/>
@@ -13563,7 +15698,7 @@
                 <a:spcPct val="100000"/>
               </a:lnSpc>
             </a:pPr>
-            <a:fld id="{B2133811-27AC-421A-896E-F0DE93709B19}" type="slidenum">
+            <a:fld id="{A495795C-AC32-4333-B186-F74571EED16F}" type="slidenum">
               <a:rPr b="0" lang="en-US" sz="1600" spc="-1" strike="noStrike">
                 <a:solidFill>
                   <a:srgbClr val="000000"/>
@@ -13581,7 +15716,7 @@
       </p:sp>
       <p:pic>
         <p:nvPicPr>
-          <p:cNvPr id="268" name="" descr=""/>
+          <p:cNvPr id="228" name="" descr=""/>
           <p:cNvPicPr/>
           <p:nvPr/>
         </p:nvPicPr>
@@ -13592,7 +15727,7 @@
         <p:spPr>
           <a:xfrm>
             <a:off x="2115000" y="2154960"/>
-            <a:ext cx="7029000" cy="3788640"/>
+            <a:ext cx="7028280" cy="3787920"/>
           </a:xfrm>
           <a:prstGeom prst="rect">
             <a:avLst/>
@@ -13634,14 +15769,14 @@
       </p:grpSpPr>
       <p:sp>
         <p:nvSpPr>
-          <p:cNvPr id="269" name="CustomShape 1"/>
+          <p:cNvPr id="229" name="CustomShape 1"/>
           <p:cNvSpPr/>
           <p:nvPr/>
         </p:nvSpPr>
         <p:spPr>
           <a:xfrm>
             <a:off x="685800" y="0"/>
-            <a:ext cx="10960920" cy="1133280"/>
+            <a:ext cx="10960200" cy="1132560"/>
           </a:xfrm>
           <a:prstGeom prst="rect">
             <a:avLst/>
@@ -13700,14 +15835,14 @@
       </p:sp>
       <p:sp>
         <p:nvSpPr>
-          <p:cNvPr id="270" name="CustomShape 2"/>
+          <p:cNvPr id="230" name="CustomShape 2"/>
           <p:cNvSpPr/>
           <p:nvPr/>
         </p:nvSpPr>
         <p:spPr>
           <a:xfrm>
             <a:off x="274320" y="1554480"/>
-            <a:ext cx="11064240" cy="4480560"/>
+            <a:ext cx="11063520" cy="4479840"/>
           </a:xfrm>
           <a:prstGeom prst="rect">
             <a:avLst/>
@@ -13731,7 +15866,7 @@
             <a:noAutofit/>
           </a:bodyPr>
           <a:p>
-            <a:pPr marL="216000" indent="-216000">
+            <a:pPr marL="216000" indent="-215280">
               <a:lnSpc>
                 <a:spcPct val="100000"/>
               </a:lnSpc>
@@ -13741,7 +15876,7 @@
               <a:buClr>
                 <a:srgbClr val="3c3e41"/>
               </a:buClr>
-              <a:buFont typeface="Symbol" charset="2"/>
+              <a:buFont typeface="Symbol"/>
               <a:buChar char=""/>
             </a:pPr>
             <a:r>
@@ -13765,12 +15900,12 @@
               </a:rPr>
               <a:t>: a command-line tool used for managing K8s applications and resources as Helm charts.</a:t>
             </a:r>
-            <a:endParaRPr b="0" i="1" lang="en-US" sz="1800" spc="-1" strike="noStrike">
-              <a:latin typeface="Arial"/>
-            </a:endParaRPr>
-          </a:p>
-          <a:p>
-            <a:pPr marL="216000" indent="-216000">
+            <a:endParaRPr b="0" lang="en-US" sz="1800" spc="-1" strike="noStrike">
+              <a:latin typeface="Arial"/>
+            </a:endParaRPr>
+          </a:p>
+          <a:p>
+            <a:pPr marL="216000" indent="-215280">
               <a:lnSpc>
                 <a:spcPct val="100000"/>
               </a:lnSpc>
@@ -13780,7 +15915,7 @@
               <a:buClr>
                 <a:srgbClr val="3c3e41"/>
               </a:buClr>
-              <a:buFont typeface="Symbol" charset="2"/>
+              <a:buFont typeface="Symbol"/>
               <a:buChar char=""/>
             </a:pPr>
             <a:r>
@@ -13856,6 +15991,9 @@
             </a:r>
             <a:r>
               <a:rPr b="0" lang="en-US" sz="1800" spc="-1" strike="noStrike">
+                <a:solidFill>
+                  <a:srgbClr val="000000"/>
+                </a:solidFill>
                 <a:latin typeface="Arial"/>
                 <a:ea typeface="DejaVu Sans"/>
               </a:rPr>
@@ -13871,12 +16009,12 @@
               </a:rPr>
               <a:t>]</a:t>
             </a:r>
-            <a:endParaRPr b="0" i="1" lang="en-US" sz="1800" spc="-1" strike="noStrike">
-              <a:latin typeface="Arial"/>
-            </a:endParaRPr>
-          </a:p>
-          <a:p>
-            <a:pPr marL="216000" indent="-216000">
+            <a:endParaRPr b="0" lang="en-US" sz="1800" spc="-1" strike="noStrike">
+              <a:latin typeface="Arial"/>
+            </a:endParaRPr>
+          </a:p>
+          <a:p>
+            <a:pPr marL="216000" indent="-215280">
               <a:lnSpc>
                 <a:spcPct val="100000"/>
               </a:lnSpc>
@@ -13886,7 +16024,7 @@
               <a:buClr>
                 <a:srgbClr val="3c3e41"/>
               </a:buClr>
-              <a:buFont typeface="Symbol" charset="2"/>
+              <a:buFont typeface="Symbol"/>
               <a:buChar char=""/>
             </a:pPr>
             <a:r>
@@ -13910,12 +16048,12 @@
               </a:rPr>
               <a:t>:</a:t>
             </a:r>
-            <a:endParaRPr b="0" i="1" lang="en-US" sz="1800" spc="-1" strike="noStrike">
-              <a:latin typeface="Arial"/>
-            </a:endParaRPr>
-          </a:p>
-          <a:p>
-            <a:pPr lvl="1" marL="432000" indent="-216000">
+            <a:endParaRPr b="0" lang="en-US" sz="1800" spc="-1" strike="noStrike">
+              <a:latin typeface="Arial"/>
+            </a:endParaRPr>
+          </a:p>
+          <a:p>
+            <a:pPr lvl="1" marL="432000" indent="-215280">
               <a:lnSpc>
                 <a:spcPct val="100000"/>
               </a:lnSpc>
@@ -13926,7 +16064,7 @@
                 <a:srgbClr val="000000"/>
               </a:buClr>
               <a:buSzPct val="45000"/>
-              <a:buFont typeface="Symbol" charset="2"/>
+              <a:buFont typeface="Symbol"/>
               <a:buChar char=""/>
             </a:pPr>
             <a:r>
@@ -13970,43 +16108,44 @@
               <a:t> add stable </a:t>
             </a:r>
             <a:r>
-              <a:rPr b="0" lang="en-US" sz="1800" spc="-1" strike="noStrike">
+              <a:rPr b="0" lang="en-US" sz="1800" spc="-1" strike="noStrike" u="sng">
+                <a:solidFill>
+                  <a:srgbClr val="0000ff"/>
+                </a:solidFill>
+                <a:uFillTx/>
+                <a:latin typeface="Arial"/>
+                <a:ea typeface="DejaVu Sans"/>
+                <a:hlinkClick r:id="rId1"/>
+              </a:rPr>
+              <a:t>https://charts.helm.sh/stable</a:t>
+            </a:r>
+            <a:br/>
+            <a:r>
+              <a:rPr b="0" i="1" lang="en-US" sz="1800" spc="-1" strike="noStrike">
                 <a:solidFill>
                   <a:srgbClr val="3c3e41"/>
                 </a:solidFill>
-                <a:latin typeface="Arial"/>
-                <a:ea typeface="DejaVu Sans"/>
-                <a:hlinkClick r:id="rId1"/>
-              </a:rPr>
-              <a:t>https://charts.helm.sh/stable</a:t>
-            </a:r>
-            <a:br/>
-            <a:r>
-              <a:rPr b="0" i="1" lang="en-US" sz="1800" spc="-1" strike="noStrike">
+                <a:latin typeface="aakar"/>
+                <a:ea typeface="DejaVu Sans"/>
+              </a:rPr>
+              <a:t>"</a:t>
+            </a:r>
+            <a:r>
+              <a:rPr b="0" i="1" lang="en-US" sz="1600" spc="-1" strike="noStrike">
                 <a:solidFill>
                   <a:srgbClr val="3c3e41"/>
                 </a:solidFill>
                 <a:latin typeface="aakar"/>
                 <a:ea typeface="DejaVu Sans"/>
               </a:rPr>
-              <a:t>"</a:t>
-            </a:r>
-            <a:r>
-              <a:rPr b="0" i="1" lang="en-US" sz="1600" spc="-1" strike="noStrike">
-                <a:solidFill>
-                  <a:srgbClr val="3c3e41"/>
-                </a:solidFill>
-                <a:latin typeface="aakar"/>
-                <a:ea typeface="DejaVu Sans"/>
-              </a:rPr>
               <a:t>stable" has been added to your repositories</a:t>
             </a:r>
-            <a:endParaRPr b="0" i="1" lang="en-US" sz="1600" spc="-1" strike="noStrike">
-              <a:latin typeface="Arial"/>
-            </a:endParaRPr>
-          </a:p>
-          <a:p>
-            <a:pPr lvl="1" marL="432000" indent="-216000">
+            <a:endParaRPr b="0" lang="en-US" sz="1600" spc="-1" strike="noStrike">
+              <a:latin typeface="Arial"/>
+            </a:endParaRPr>
+          </a:p>
+          <a:p>
+            <a:pPr lvl="1" marL="432000" indent="-215280">
               <a:lnSpc>
                 <a:spcPct val="100000"/>
               </a:lnSpc>
@@ -14017,7 +16156,7 @@
                 <a:srgbClr val="000000"/>
               </a:buClr>
               <a:buSzPct val="45000"/>
-              <a:buFont typeface="Symbol" charset="2"/>
+              <a:buFont typeface="Symbol"/>
               <a:buChar char=""/>
             </a:pPr>
             <a:r>
@@ -14083,15 +16222,27 @@
               <a:t>ingress-nginx    </a:t>
             </a:r>
             <a:r>
+              <a:rPr b="0" i="1" lang="en-US" sz="1600" spc="-1" strike="noStrike" u="sng">
+                <a:solidFill>
+                  <a:srgbClr val="0000ff"/>
+                </a:solidFill>
+                <a:uFillTx/>
+                <a:latin typeface="aakar"/>
+                <a:ea typeface="DejaVu Sans"/>
+                <a:hlinkClick r:id="rId2"/>
+              </a:rPr>
+              <a:t>https://kubernetes.github.io/ingress-nginx</a:t>
+            </a:r>
+            <a:br/>
+            <a:r>
               <a:rPr b="0" i="1" lang="en-US" sz="1600" spc="-1" strike="noStrike">
                 <a:solidFill>
                   <a:srgbClr val="3c3e41"/>
                 </a:solidFill>
                 <a:latin typeface="aakar"/>
                 <a:ea typeface="DejaVu Sans"/>
-                <a:hlinkClick r:id="rId2"/>
-              </a:rPr>
-              <a:t>https://kubernetes.github.io/ingress-nginx</a:t>
+              </a:rPr>
+              <a:t>nginx-stable     https://helm.nginx.com/stable             </a:t>
             </a:r>
             <a:br/>
             <a:r>
@@ -14102,35 +16253,24 @@
                 <a:latin typeface="aakar"/>
                 <a:ea typeface="DejaVu Sans"/>
               </a:rPr>
-              <a:t>nginx-stable     https://helm.nginx.com/stable             </a:t>
-            </a:r>
-            <a:br/>
-            <a:r>
-              <a:rPr b="0" i="1" lang="en-US" sz="1600" spc="-1" strike="noStrike">
-                <a:solidFill>
-                  <a:srgbClr val="3c3e41"/>
-                </a:solidFill>
-                <a:latin typeface="aakar"/>
-                <a:ea typeface="DejaVu Sans"/>
-              </a:rPr>
               <a:t>stable          https://charts.helm.sh/stable </a:t>
             </a:r>
-            <a:endParaRPr b="0" i="1" lang="en-US" sz="1600" spc="-1" strike="noStrike">
-              <a:latin typeface="Arial"/>
-            </a:endParaRPr>
-          </a:p>
-        </p:txBody>
-      </p:sp>
-      <p:sp>
-        <p:nvSpPr>
-          <p:cNvPr id="271" name="CustomShape 3"/>
+            <a:endParaRPr b="0" lang="en-US" sz="1600" spc="-1" strike="noStrike">
+              <a:latin typeface="Arial"/>
+            </a:endParaRPr>
+          </a:p>
+        </p:txBody>
+      </p:sp>
+      <p:sp>
+        <p:nvSpPr>
+          <p:cNvPr id="231" name="CustomShape 3"/>
           <p:cNvSpPr/>
           <p:nvPr/>
         </p:nvSpPr>
         <p:spPr>
           <a:xfrm>
             <a:off x="10515240" y="6202080"/>
-            <a:ext cx="1588320" cy="415440"/>
+            <a:ext cx="1587600" cy="414720"/>
           </a:xfrm>
           <a:prstGeom prst="rect">
             <a:avLst/>
@@ -14156,7 +16296,7 @@
                 <a:spcPct val="100000"/>
               </a:lnSpc>
             </a:pPr>
-            <a:fld id="{D6EF633A-B1EF-4349-B794-98ADE3ACFEB1}" type="slidenum">
+            <a:fld id="{D729BD1F-8F10-4CF1-A572-8B2E2E1DE3C0}" type="slidenum">
               <a:rPr b="0" lang="en-US" sz="1600" spc="-1" strike="noStrike">
                 <a:solidFill>
                   <a:srgbClr val="000000"/>
@@ -14204,14 +16344,14 @@
       </p:grpSpPr>
       <p:sp>
         <p:nvSpPr>
-          <p:cNvPr id="272" name="CustomShape 1"/>
+          <p:cNvPr id="232" name="CustomShape 1"/>
           <p:cNvSpPr/>
           <p:nvPr/>
         </p:nvSpPr>
         <p:spPr>
           <a:xfrm>
             <a:off x="685800" y="0"/>
-            <a:ext cx="10960920" cy="1133280"/>
+            <a:ext cx="10960200" cy="1132560"/>
           </a:xfrm>
           <a:prstGeom prst="rect">
             <a:avLst/>
@@ -14270,14 +16410,14 @@
       </p:sp>
       <p:sp>
         <p:nvSpPr>
-          <p:cNvPr id="273" name="CustomShape 2"/>
+          <p:cNvPr id="233" name="CustomShape 2"/>
           <p:cNvSpPr/>
           <p:nvPr/>
         </p:nvSpPr>
         <p:spPr>
           <a:xfrm>
             <a:off x="274320" y="1554480"/>
-            <a:ext cx="11064240" cy="4480560"/>
+            <a:ext cx="11063520" cy="4479840"/>
           </a:xfrm>
           <a:prstGeom prst="rect">
             <a:avLst/>
@@ -14301,18 +16441,13 @@
             <a:noAutofit/>
           </a:bodyPr>
           <a:p>
-            <a:pPr marL="216000" indent="-216000">
+            <a:pPr>
               <a:lnSpc>
                 <a:spcPct val="100000"/>
               </a:lnSpc>
               <a:spcBef>
                 <a:spcPts val="1417"/>
               </a:spcBef>
-              <a:buClr>
-                <a:srgbClr val="3c3e41"/>
-              </a:buClr>
-              <a:buFont typeface="Symbol" charset="2"/>
-              <a:buChar char=""/>
             </a:pPr>
             <a:r>
               <a:rPr b="0" lang="en-US" sz="1800" spc="-1" strike="noStrike" u="sng">
@@ -14366,7 +16501,27 @@
                 <a:latin typeface="Arial"/>
                 <a:ea typeface="DejaVu Sans"/>
               </a:rPr>
-              <a:t> ├── charts/                       # Subcharts (optional)</a:t>
+              <a:t> ├── </a:t>
+            </a:r>
+            <a:r>
+              <a:rPr b="0" i="1" lang="en-US" sz="1800" spc="-1" strike="noStrike">
+                <a:solidFill>
+                  <a:srgbClr val="ff0000"/>
+                </a:solidFill>
+                <a:latin typeface="Arial"/>
+                <a:ea typeface="DejaVu Sans"/>
+              </a:rPr>
+              <a:t>charts</a:t>
+            </a:r>
+            <a:r>
+              <a:rPr b="0" i="1" lang="en-US" sz="1800" spc="-1" strike="noStrike">
+                <a:solidFill>
+                  <a:srgbClr val="3c3e41"/>
+                </a:solidFill>
+                <a:latin typeface="Arial"/>
+                <a:ea typeface="DejaVu Sans"/>
+              </a:rPr>
+              <a:t>/                       # Subcharts (optional)</a:t>
             </a:r>
             <a:br/>
             <a:r>
@@ -14377,7 +16532,27 @@
                 <a:latin typeface="Arial"/>
                 <a:ea typeface="DejaVu Sans"/>
               </a:rPr>
-              <a:t> ├── templates/                 # Kubernetes manifest templates</a:t>
+              <a:t> ├── </a:t>
+            </a:r>
+            <a:r>
+              <a:rPr b="0" i="1" lang="en-US" sz="1800" spc="-1" strike="noStrike">
+                <a:solidFill>
+                  <a:srgbClr val="158466"/>
+                </a:solidFill>
+                <a:latin typeface="Arial"/>
+                <a:ea typeface="DejaVu Sans"/>
+              </a:rPr>
+              <a:t>templates</a:t>
+            </a:r>
+            <a:r>
+              <a:rPr b="0" i="1" lang="en-US" sz="1800" spc="-1" strike="noStrike">
+                <a:solidFill>
+                  <a:srgbClr val="3c3e41"/>
+                </a:solidFill>
+                <a:latin typeface="Arial"/>
+                <a:ea typeface="DejaVu Sans"/>
+              </a:rPr>
+              <a:t>/                 # Kubernetes manifest templates</a:t>
             </a:r>
             <a:br/>
             <a:r>
@@ -14388,7 +16563,17 @@
                 <a:latin typeface="Arial"/>
                 <a:ea typeface="DejaVu Sans"/>
               </a:rPr>
-              <a:t>    ├── deployment.yaml</a:t>
+              <a:t>    ├── </a:t>
+            </a:r>
+            <a:r>
+              <a:rPr b="0" i="1" lang="en-US" sz="1800" spc="-1" strike="noStrike">
+                <a:solidFill>
+                  <a:srgbClr val="e6e905"/>
+                </a:solidFill>
+                <a:latin typeface="Arial"/>
+                <a:ea typeface="DejaVu Sans"/>
+              </a:rPr>
+              <a:t>deployment.yaml</a:t>
             </a:r>
             <a:br/>
             <a:r>
@@ -14399,7 +16584,17 @@
                 <a:latin typeface="Arial"/>
                 <a:ea typeface="DejaVu Sans"/>
               </a:rPr>
-              <a:t>    ├── service.yaml</a:t>
+              <a:t>    ├── </a:t>
+            </a:r>
+            <a:r>
+              <a:rPr b="0" i="1" lang="en-US" sz="1800" spc="-1" strike="noStrike">
+                <a:solidFill>
+                  <a:srgbClr val="e6e905"/>
+                </a:solidFill>
+                <a:latin typeface="Arial"/>
+                <a:ea typeface="DejaVu Sans"/>
+              </a:rPr>
+              <a:t>service.yaml</a:t>
             </a:r>
             <a:br/>
             <a:r>
@@ -14410,7 +16605,27 @@
                 <a:latin typeface="Arial"/>
                 <a:ea typeface="DejaVu Sans"/>
               </a:rPr>
-              <a:t>    ├── …</a:t>
+              <a:t>    ├── </a:t>
+            </a:r>
+            <a:r>
+              <a:rPr b="0" i="1" lang="en-US" sz="1800" spc="-1" strike="noStrike">
+                <a:solidFill>
+                  <a:srgbClr val="e6e905"/>
+                </a:solidFill>
+                <a:latin typeface="Arial"/>
+                <a:ea typeface="DejaVu Sans"/>
+              </a:rPr>
+              <a:t>_helper.tpl</a:t>
+            </a:r>
+            <a:r>
+              <a:rPr b="0" i="1" lang="en-US" sz="1800" spc="-1" strike="noStrike">
+                <a:solidFill>
+                  <a:srgbClr val="3c3e41"/>
+                </a:solidFill>
+                <a:latin typeface="Arial"/>
+                <a:ea typeface="DejaVu Sans"/>
+              </a:rPr>
+              <a:t>            # Common templates, functions, or values</a:t>
             </a:r>
             <a:br/>
             <a:r>
@@ -14421,7 +16636,17 @@
                 <a:latin typeface="Arial"/>
                 <a:ea typeface="DejaVu Sans"/>
               </a:rPr>
-              <a:t>├── values.yaml               # Default configuration values</a:t>
+              <a:t>    ├── </a:t>
+            </a:r>
+            <a:r>
+              <a:rPr b="0" i="1" lang="en-US" sz="1800" spc="-1" strike="noStrike">
+                <a:solidFill>
+                  <a:srgbClr val="e6e905"/>
+                </a:solidFill>
+                <a:latin typeface="Arial"/>
+                <a:ea typeface="DejaVu Sans"/>
+              </a:rPr>
+              <a:t>…</a:t>
             </a:r>
             <a:br/>
             <a:r>
@@ -14432,7 +16657,27 @@
                 <a:latin typeface="Arial"/>
                 <a:ea typeface="DejaVu Sans"/>
               </a:rPr>
-              <a:t>├── Chart.yaml                # Chart metadata</a:t>
+              <a:t>├── </a:t>
+            </a:r>
+            <a:r>
+              <a:rPr b="0" i="1" lang="en-US" sz="1800" spc="-1" strike="noStrike">
+                <a:solidFill>
+                  <a:srgbClr val="e6e905"/>
+                </a:solidFill>
+                <a:latin typeface="Arial"/>
+                <a:ea typeface="DejaVu Sans"/>
+              </a:rPr>
+              <a:t>values.yaml</a:t>
+            </a:r>
+            <a:r>
+              <a:rPr b="0" i="1" lang="en-US" sz="1800" spc="-1" strike="noStrike">
+                <a:solidFill>
+                  <a:srgbClr val="3c3e41"/>
+                </a:solidFill>
+                <a:latin typeface="Arial"/>
+                <a:ea typeface="DejaVu Sans"/>
+              </a:rPr>
+              <a:t>               # Default configuration values</a:t>
             </a:r>
             <a:br/>
             <a:r>
@@ -14443,7 +16688,27 @@
                 <a:latin typeface="Arial"/>
                 <a:ea typeface="DejaVu Sans"/>
               </a:rPr>
-              <a:t>├── _helpers.tpl               # Common templates, functions, or values</a:t>
+              <a:t>├── </a:t>
+            </a:r>
+            <a:r>
+              <a:rPr b="0" i="1" lang="en-US" sz="1800" spc="-1" strike="noStrike">
+                <a:solidFill>
+                  <a:srgbClr val="e6e905"/>
+                </a:solidFill>
+                <a:latin typeface="Arial"/>
+                <a:ea typeface="DejaVu Sans"/>
+              </a:rPr>
+              <a:t>Chart.yaml</a:t>
+            </a:r>
+            <a:r>
+              <a:rPr b="0" i="1" lang="en-US" sz="1800" spc="-1" strike="noStrike">
+                <a:solidFill>
+                  <a:srgbClr val="3c3e41"/>
+                </a:solidFill>
+                <a:latin typeface="Arial"/>
+                <a:ea typeface="DejaVu Sans"/>
+              </a:rPr>
+              <a:t>                # Chart metadata</a:t>
             </a:r>
             <a:br/>
             <a:r>
@@ -14454,24 +16719,34 @@
                 <a:latin typeface="Arial"/>
                 <a:ea typeface="DejaVu Sans"/>
               </a:rPr>
-              <a:t>└── README.md</a:t>
-            </a:r>
-            <a:endParaRPr b="0" i="1" lang="en-US" sz="1800" spc="-1" strike="noStrike">
-              <a:latin typeface="Arial"/>
-            </a:endParaRPr>
-          </a:p>
-        </p:txBody>
-      </p:sp>
-      <p:sp>
-        <p:nvSpPr>
-          <p:cNvPr id="274" name="CustomShape 3"/>
+              <a:t>└── </a:t>
+            </a:r>
+            <a:r>
+              <a:rPr b="0" i="1" lang="en-US" sz="1800" spc="-1" strike="noStrike">
+                <a:solidFill>
+                  <a:srgbClr val="e6e905"/>
+                </a:solidFill>
+                <a:latin typeface="Arial"/>
+                <a:ea typeface="DejaVu Sans"/>
+              </a:rPr>
+              <a:t>README.md</a:t>
+            </a:r>
+            <a:endParaRPr b="0" lang="en-US" sz="1800" spc="-1" strike="noStrike">
+              <a:latin typeface="Arial"/>
+            </a:endParaRPr>
+          </a:p>
+        </p:txBody>
+      </p:sp>
+      <p:sp>
+        <p:nvSpPr>
+          <p:cNvPr id="234" name="CustomShape 3"/>
           <p:cNvSpPr/>
           <p:nvPr/>
         </p:nvSpPr>
         <p:spPr>
           <a:xfrm>
             <a:off x="10515240" y="6202080"/>
-            <a:ext cx="1588320" cy="415440"/>
+            <a:ext cx="1587600" cy="414720"/>
           </a:xfrm>
           <a:prstGeom prst="rect">
             <a:avLst/>
@@ -14497,7 +16772,7 @@
                 <a:spcPct val="100000"/>
               </a:lnSpc>
             </a:pPr>
-            <a:fld id="{96131EC3-8837-432F-A768-CACBA237D0A8}" type="slidenum">
+            <a:fld id="{8AB347D5-FCD7-4B8A-846D-0F8A7D148EE7}" type="slidenum">
               <a:rPr b="0" lang="en-US" sz="1600" spc="-1" strike="noStrike">
                 <a:solidFill>
                   <a:srgbClr val="000000"/>
@@ -15654,230 +17929,4 @@
     </a:fmtScheme>
   </a:themeElements>
 </a:theme>
-</file>
-
-<file path=ppt/theme/theme6.xml><?xml version="1.0" encoding="utf-8"?>
-<a:theme xmlns:a="http://schemas.openxmlformats.org/drawingml/2006/main" name="Office Theme">
-  <a:themeElements>
-    <a:clrScheme name="Office">
-      <a:dk1>
-        <a:sysClr val="windowText" lastClr="000000"/>
-      </a:dk1>
-      <a:lt1>
-        <a:sysClr val="window" lastClr="FFFFFF"/>
-      </a:lt1>
-      <a:dk2>
-        <a:srgbClr val="1f497d"/>
-      </a:dk2>
-      <a:lt2>
-        <a:srgbClr val="eeece1"/>
-      </a:lt2>
-      <a:accent1>
-        <a:srgbClr val="4f81bd"/>
-      </a:accent1>
-      <a:accent2>
-        <a:srgbClr val="c0504d"/>
-      </a:accent2>
-      <a:accent3>
-        <a:srgbClr val="9bbb59"/>
-      </a:accent3>
-      <a:accent4>
-        <a:srgbClr val="8064a2"/>
-      </a:accent4>
-      <a:accent5>
-        <a:srgbClr val="4bacc6"/>
-      </a:accent5>
-      <a:accent6>
-        <a:srgbClr val="f79646"/>
-      </a:accent6>
-      <a:hlink>
-        <a:srgbClr val="0000ff"/>
-      </a:hlink>
-      <a:folHlink>
-        <a:srgbClr val="800080"/>
-      </a:folHlink>
-    </a:clrScheme>
-    <a:fontScheme name="Office">
-      <a:majorFont>
-        <a:latin typeface="Arial"/>
-        <a:ea typeface="DejaVu Sans"/>
-        <a:cs typeface="DejaVu Sans"/>
-      </a:majorFont>
-      <a:minorFont>
-        <a:latin typeface="Arial"/>
-        <a:ea typeface="DejaVu Sans"/>
-        <a:cs typeface="DejaVu Sans"/>
-      </a:minorFont>
-    </a:fontScheme>
-    <a:fmtScheme name="Office">
-      <a:fillStyleLst>
-        <a:solidFill>
-          <a:schemeClr val="phClr"/>
-        </a:solidFill>
-        <a:gradFill rotWithShape="1">
-          <a:gsLst>
-            <a:gs pos="0">
-              <a:schemeClr val="phClr">
-                <a:tint val="50000"/>
-                <a:satMod val="300000"/>
-              </a:schemeClr>
-            </a:gs>
-            <a:gs pos="35000">
-              <a:schemeClr val="phClr">
-                <a:tint val="37000"/>
-                <a:satMod val="300000"/>
-              </a:schemeClr>
-            </a:gs>
-            <a:gs pos="100000">
-              <a:schemeClr val="phClr">
-                <a:tint val="15000"/>
-                <a:satMod val="350000"/>
-              </a:schemeClr>
-            </a:gs>
-          </a:gsLst>
-          <a:lin ang="16200000" scaled="1"/>
-        </a:gradFill>
-        <a:gradFill rotWithShape="1">
-          <a:gsLst>
-            <a:gs pos="0">
-              <a:schemeClr val="phClr">
-                <a:shade val="51000"/>
-                <a:satMod val="130000"/>
-              </a:schemeClr>
-            </a:gs>
-            <a:gs pos="80000">
-              <a:schemeClr val="phClr">
-                <a:shade val="93000"/>
-                <a:satMod val="130000"/>
-              </a:schemeClr>
-            </a:gs>
-            <a:gs pos="100000">
-              <a:schemeClr val="phClr">
-                <a:shade val="94000"/>
-                <a:satMod val="135000"/>
-              </a:schemeClr>
-            </a:gs>
-          </a:gsLst>
-          <a:lin ang="16200000" scaled="0"/>
-        </a:gradFill>
-      </a:fillStyleLst>
-      <a:lnStyleLst>
-        <a:ln w="9525" cap="flat" cmpd="sng" algn="ctr">
-          <a:solidFill>
-            <a:schemeClr val="phClr">
-              <a:shade val="95000"/>
-              <a:satMod val="105000"/>
-            </a:schemeClr>
-          </a:solidFill>
-          <a:prstDash val="solid"/>
-          <a:miter/>
-        </a:ln>
-        <a:ln w="25400" cap="flat" cmpd="sng" algn="ctr">
-          <a:solidFill>
-            <a:schemeClr val="phClr"/>
-          </a:solidFill>
-          <a:prstDash val="solid"/>
-          <a:miter/>
-        </a:ln>
-        <a:ln w="38100" cap="flat" cmpd="sng" algn="ctr">
-          <a:solidFill>
-            <a:schemeClr val="phClr"/>
-          </a:solidFill>
-          <a:prstDash val="solid"/>
-          <a:miter/>
-        </a:ln>
-      </a:lnStyleLst>
-      <a:effectStyleLst>
-        <a:effectStyle>
-          <a:effectLst>
-            <a:outerShdw blurRad="40000" dist="20000" dir="5400000" rotWithShape="0">
-              <a:srgbClr val="000000">
-                <a:alpha val="38000"/>
-              </a:srgbClr>
-            </a:outerShdw>
-          </a:effectLst>
-        </a:effectStyle>
-        <a:effectStyle>
-          <a:effectLst>
-            <a:outerShdw blurRad="40000" dist="23000" dir="5400000" rotWithShape="0">
-              <a:srgbClr val="000000">
-                <a:alpha val="35000"/>
-              </a:srgbClr>
-            </a:outerShdw>
-          </a:effectLst>
-        </a:effectStyle>
-        <a:effectStyle>
-          <a:effectLst>
-            <a:outerShdw blurRad="40000" dist="23000" dir="5400000" rotWithShape="0">
-              <a:srgbClr val="000000">
-                <a:alpha val="35000"/>
-              </a:srgbClr>
-            </a:outerShdw>
-          </a:effectLst>
-          <a:scene3d>
-            <a:camera prst="orthographicFront">
-              <a:rot lat="0" lon="0" rev="0"/>
-            </a:camera>
-            <a:lightRig rig="threePt" dir="t">
-              <a:rot lat="0" lon="0" rev="1200000"/>
-            </a:lightRig>
-          </a:scene3d>
-          <a:sp3d>
-            <a:bevelT w="63500" h="25400"/>
-          </a:sp3d>
-        </a:effectStyle>
-      </a:effectStyleLst>
-      <a:bgFillStyleLst>
-        <a:solidFill>
-          <a:schemeClr val="phClr"/>
-        </a:solidFill>
-        <a:gradFill rotWithShape="1">
-          <a:gsLst>
-            <a:gs pos="0">
-              <a:schemeClr val="phClr">
-                <a:tint val="40000"/>
-                <a:satMod val="350000"/>
-              </a:schemeClr>
-            </a:gs>
-            <a:gs pos="40000">
-              <a:schemeClr val="phClr">
-                <a:tint val="45000"/>
-                <a:shade val="99000"/>
-                <a:satMod val="350000"/>
-              </a:schemeClr>
-            </a:gs>
-            <a:gs pos="100000">
-              <a:schemeClr val="phClr">
-                <a:shade val="20000"/>
-                <a:satMod val="255000"/>
-              </a:schemeClr>
-            </a:gs>
-          </a:gsLst>
-          <a:path path="circle">
-            <a:fillToRect l="50000" t="-80000" r="50000" b="180000"/>
-          </a:path>
-        </a:gradFill>
-        <a:gradFill rotWithShape="1">
-          <a:gsLst>
-            <a:gs pos="0">
-              <a:schemeClr val="phClr">
-                <a:tint val="80000"/>
-                <a:satMod val="300000"/>
-              </a:schemeClr>
-            </a:gs>
-            <a:gs pos="100000">
-              <a:schemeClr val="phClr">
-                <a:shade val="30000"/>
-                <a:satMod val="200000"/>
-              </a:schemeClr>
-            </a:gs>
-          </a:gsLst>
-          <a:path path="circle">
-            <a:fillToRect l="50000" t="50000" r="50000" b="50000"/>
-          </a:path>
-        </a:gradFill>
-      </a:bgFillStyleLst>
-    </a:fmtScheme>
-  </a:themeElements>
-</a:theme>
 </file>
--- a/helm/documents/Helm_Knowledge_Sharing.pptx
+++ b/helm/documents/Helm_Knowledge_Sharing.pptx
@@ -34,6 +34,11 @@
     <p:sldId id="278" r:id="rId29"/>
     <p:sldId id="279" r:id="rId30"/>
     <p:sldId id="280" r:id="rId31"/>
+    <p:sldId id="281" r:id="rId32"/>
+    <p:sldId id="282" r:id="rId33"/>
+    <p:sldId id="283" r:id="rId34"/>
+    <p:sldId id="284" r:id="rId35"/>
+    <p:sldId id="285" r:id="rId36"/>
   </p:sldIdLst>
   <p:sldSz cx="12192000" cy="6858000"/>
   <p:notesSz cx="7559675" cy="10691812"/>
@@ -6853,7 +6858,7 @@
         <p:spPr>
           <a:xfrm>
             <a:off x="0" y="0"/>
-            <a:ext cx="12190320" cy="5150520"/>
+            <a:ext cx="12189960" cy="5150160"/>
           </a:xfrm>
           <a:prstGeom prst="rect">
             <a:avLst/>
@@ -6885,7 +6890,7 @@
         <p:spPr>
           <a:xfrm>
             <a:off x="10582200" y="5243760"/>
-            <a:ext cx="1356120" cy="1356120"/>
+            <a:ext cx="1355760" cy="1355760"/>
           </a:xfrm>
           <a:prstGeom prst="rect">
             <a:avLst/>
@@ -6904,7 +6909,7 @@
         <p:spPr>
           <a:xfrm>
             <a:off x="1637280" y="753120"/>
-            <a:ext cx="7856640" cy="3937680"/>
+            <a:ext cx="7856280" cy="3937320"/>
           </a:xfrm>
           <a:prstGeom prst="rect">
             <a:avLst/>
@@ -6937,7 +6942,7 @@
         <p:spPr>
           <a:xfrm>
             <a:off x="7681680" y="1234080"/>
-            <a:ext cx="3846240" cy="3686760"/>
+            <a:ext cx="3845880" cy="3686400"/>
           </a:xfrm>
           <a:prstGeom prst="rect">
             <a:avLst/>
@@ -6960,7 +6965,7 @@
         <p:spPr>
           <a:xfrm>
             <a:off x="609480" y="273600"/>
-            <a:ext cx="10972080" cy="1144440"/>
+            <a:ext cx="10972440" cy="1144800"/>
           </a:xfrm>
           <a:prstGeom prst="rect">
             <a:avLst/>
@@ -6971,13 +6976,20 @@
             <a:noAutofit/>
           </a:bodyPr>
           <a:p>
-            <a:r>
-              <a:rPr b="0" lang="en-US" sz="1800" spc="-1" strike="noStrike">
-                <a:latin typeface="Arial"/>
-              </a:rPr>
-              <a:t>Click to edit the title text format</a:t>
-            </a:r>
-            <a:endParaRPr b="0" lang="en-US" sz="1800" spc="-1" strike="noStrike">
+            <a:pPr algn="ctr"/>
+            <a:r>
+              <a:rPr b="0" lang="en-US" sz="4400" spc="-1" strike="noStrike">
+                <a:latin typeface="Arial"/>
+              </a:rPr>
+              <a:t>Click to edit the </a:t>
+            </a:r>
+            <a:r>
+              <a:rPr b="0" lang="en-US" sz="4400" spc="-1" strike="noStrike">
+                <a:latin typeface="Arial"/>
+              </a:rPr>
+              <a:t>title text format</a:t>
+            </a:r>
+            <a:endParaRPr b="0" lang="en-US" sz="4400" spc="-1" strike="noStrike">
               <a:latin typeface="Arial"/>
             </a:endParaRPr>
           </a:p>
@@ -6996,7 +7008,7 @@
         <p:spPr>
           <a:xfrm>
             <a:off x="609480" y="1604520"/>
-            <a:ext cx="10972080" cy="3976920"/>
+            <a:ext cx="10972440" cy="3977280"/>
           </a:xfrm>
           <a:prstGeom prst="rect">
             <a:avLst/>
@@ -7019,12 +7031,12 @@
               <a:buChar char=""/>
             </a:pPr>
             <a:r>
-              <a:rPr b="0" lang="en-US" sz="1800" spc="-1" strike="noStrike">
+              <a:rPr b="0" lang="en-US" sz="3200" spc="-1" strike="noStrike">
                 <a:latin typeface="Arial"/>
               </a:rPr>
               <a:t>Click to edit the outline text format</a:t>
             </a:r>
-            <a:endParaRPr b="0" lang="en-US" sz="1800" spc="-1" strike="noStrike">
+            <a:endParaRPr b="0" lang="en-US" sz="3200" spc="-1" strike="noStrike">
               <a:latin typeface="Arial"/>
             </a:endParaRPr>
           </a:p>
@@ -7041,12 +7053,12 @@
               <a:buChar char=""/>
             </a:pPr>
             <a:r>
-              <a:rPr b="0" lang="en-US" sz="1800" spc="-1" strike="noStrike">
+              <a:rPr b="0" lang="en-US" sz="2800" spc="-1" strike="noStrike">
                 <a:latin typeface="Arial"/>
               </a:rPr>
               <a:t>Second Outline Level</a:t>
             </a:r>
-            <a:endParaRPr b="0" lang="en-US" sz="1800" spc="-1" strike="noStrike">
+            <a:endParaRPr b="0" lang="en-US" sz="2800" spc="-1" strike="noStrike">
               <a:latin typeface="Arial"/>
             </a:endParaRPr>
           </a:p>
@@ -7063,12 +7075,12 @@
               <a:buChar char=""/>
             </a:pPr>
             <a:r>
-              <a:rPr b="0" lang="en-US" sz="1800" spc="-1" strike="noStrike">
+              <a:rPr b="0" lang="en-US" sz="2400" spc="-1" strike="noStrike">
                 <a:latin typeface="Arial"/>
               </a:rPr>
               <a:t>Third Outline Level</a:t>
             </a:r>
-            <a:endParaRPr b="0" lang="en-US" sz="1800" spc="-1" strike="noStrike">
+            <a:endParaRPr b="0" lang="en-US" sz="2400" spc="-1" strike="noStrike">
               <a:latin typeface="Arial"/>
             </a:endParaRPr>
           </a:p>
@@ -7085,12 +7097,12 @@
               <a:buChar char=""/>
             </a:pPr>
             <a:r>
-              <a:rPr b="0" lang="en-US" sz="1800" spc="-1" strike="noStrike">
+              <a:rPr b="0" lang="en-US" sz="2000" spc="-1" strike="noStrike">
                 <a:latin typeface="Arial"/>
               </a:rPr>
               <a:t>Fourth Outline Level</a:t>
             </a:r>
-            <a:endParaRPr b="0" lang="en-US" sz="1800" spc="-1" strike="noStrike">
+            <a:endParaRPr b="0" lang="en-US" sz="2000" spc="-1" strike="noStrike">
               <a:latin typeface="Arial"/>
             </a:endParaRPr>
           </a:p>
@@ -7107,12 +7119,12 @@
               <a:buChar char=""/>
             </a:pPr>
             <a:r>
-              <a:rPr b="0" lang="en-US" sz="1800" spc="-1" strike="noStrike">
+              <a:rPr b="0" lang="en-US" sz="2000" spc="-1" strike="noStrike">
                 <a:latin typeface="Arial"/>
               </a:rPr>
               <a:t>Fifth Outline Level</a:t>
             </a:r>
-            <a:endParaRPr b="0" lang="en-US" sz="1800" spc="-1" strike="noStrike">
+            <a:endParaRPr b="0" lang="en-US" sz="2000" spc="-1" strike="noStrike">
               <a:latin typeface="Arial"/>
             </a:endParaRPr>
           </a:p>
@@ -7129,12 +7141,12 @@
               <a:buChar char=""/>
             </a:pPr>
             <a:r>
-              <a:rPr b="0" lang="en-US" sz="1800" spc="-1" strike="noStrike">
+              <a:rPr b="0" lang="en-US" sz="2000" spc="-1" strike="noStrike">
                 <a:latin typeface="Arial"/>
               </a:rPr>
               <a:t>Sixth Outline Level</a:t>
             </a:r>
-            <a:endParaRPr b="0" lang="en-US" sz="1800" spc="-1" strike="noStrike">
+            <a:endParaRPr b="0" lang="en-US" sz="2000" spc="-1" strike="noStrike">
               <a:latin typeface="Arial"/>
             </a:endParaRPr>
           </a:p>
@@ -7151,12 +7163,12 @@
               <a:buChar char=""/>
             </a:pPr>
             <a:r>
-              <a:rPr b="0" lang="en-US" sz="1800" spc="-1" strike="noStrike">
+              <a:rPr b="0" lang="en-US" sz="2000" spc="-1" strike="noStrike">
                 <a:latin typeface="Arial"/>
               </a:rPr>
               <a:t>Seventh Outline Level</a:t>
             </a:r>
-            <a:endParaRPr b="0" lang="en-US" sz="1800" spc="-1" strike="noStrike">
+            <a:endParaRPr b="0" lang="en-US" sz="2000" spc="-1" strike="noStrike">
               <a:latin typeface="Arial"/>
             </a:endParaRPr>
           </a:p>
@@ -7215,7 +7227,7 @@
         <p:spPr>
           <a:xfrm>
             <a:off x="360" y="0"/>
-            <a:ext cx="4775400" cy="6856200"/>
+            <a:ext cx="4775040" cy="6855840"/>
           </a:xfrm>
           <a:prstGeom prst="rect">
             <a:avLst/>
@@ -7243,7 +7255,7 @@
         <p:spPr>
           <a:xfrm>
             <a:off x="1166400" y="2958480"/>
-            <a:ext cx="2394000" cy="759960"/>
+            <a:ext cx="2393640" cy="759960"/>
           </a:xfrm>
           <a:prstGeom prst="rect">
             <a:avLst/>
@@ -7294,7 +7306,7 @@
         <p:spPr>
           <a:xfrm>
             <a:off x="828000" y="1931400"/>
-            <a:ext cx="3070440" cy="2993400"/>
+            <a:ext cx="3070080" cy="2993040"/>
           </a:xfrm>
           <a:prstGeom prst="rect">
             <a:avLst/>
@@ -7323,7 +7335,7 @@
         <p:spPr>
           <a:xfrm>
             <a:off x="0" y="6719040"/>
-            <a:ext cx="12190320" cy="151200"/>
+            <a:ext cx="12189960" cy="150840"/>
           </a:xfrm>
           <a:prstGeom prst="rect">
             <a:avLst/>
@@ -7619,7 +7631,7 @@
         <p:spPr>
           <a:xfrm>
             <a:off x="360" y="6719040"/>
-            <a:ext cx="12178440" cy="139320"/>
+            <a:ext cx="12178080" cy="138960"/>
           </a:xfrm>
           <a:prstGeom prst="rect">
             <a:avLst/>
@@ -8093,7 +8105,7 @@
         <p:spPr>
           <a:xfrm>
             <a:off x="360" y="6719040"/>
-            <a:ext cx="12178440" cy="139320"/>
+            <a:ext cx="12178080" cy="138960"/>
           </a:xfrm>
           <a:prstGeom prst="rect">
             <a:avLst/>
@@ -8389,7 +8401,7 @@
         <p:spPr>
           <a:xfrm>
             <a:off x="0" y="0"/>
-            <a:ext cx="12190320" cy="5150520"/>
+            <a:ext cx="12189960" cy="5150160"/>
           </a:xfrm>
           <a:prstGeom prst="rect">
             <a:avLst/>
@@ -8417,7 +8429,7 @@
         <p:spPr>
           <a:xfrm>
             <a:off x="2915640" y="1431720"/>
-            <a:ext cx="6359040" cy="2729520"/>
+            <a:ext cx="6358680" cy="2729160"/>
           </a:xfrm>
           <a:prstGeom prst="rect">
             <a:avLst/>
@@ -8450,7 +8462,7 @@
         <p:spPr>
           <a:xfrm>
             <a:off x="10991880" y="5744160"/>
-            <a:ext cx="956520" cy="956520"/>
+            <a:ext cx="956160" cy="956160"/>
           </a:xfrm>
           <a:prstGeom prst="rect">
             <a:avLst/>
@@ -8469,7 +8481,7 @@
         <p:spPr>
           <a:xfrm>
             <a:off x="3764880" y="2243520"/>
-            <a:ext cx="4644360" cy="1095120"/>
+            <a:ext cx="4644000" cy="1095120"/>
           </a:xfrm>
           <a:prstGeom prst="rect">
             <a:avLst/>
@@ -8793,7 +8805,7 @@
         <p:spPr>
           <a:xfrm>
             <a:off x="565560" y="6150240"/>
-            <a:ext cx="4181400" cy="292320"/>
+            <a:ext cx="4181040" cy="291960"/>
           </a:xfrm>
           <a:prstGeom prst="rect">
             <a:avLst/>
@@ -8850,7 +8862,7 @@
         <p:spPr>
           <a:xfrm>
             <a:off x="2043360" y="1116360"/>
-            <a:ext cx="5783400" cy="2958480"/>
+            <a:ext cx="5783040" cy="2958120"/>
           </a:xfrm>
           <a:prstGeom prst="rect">
             <a:avLst/>
@@ -8925,7 +8937,7 @@
         <p:spPr>
           <a:xfrm>
             <a:off x="566280" y="5740560"/>
-            <a:ext cx="5650200" cy="362520"/>
+            <a:ext cx="5649840" cy="362160"/>
           </a:xfrm>
           <a:prstGeom prst="rect">
             <a:avLst/>
@@ -9012,7 +9024,7 @@
         <p:spPr>
           <a:xfrm>
             <a:off x="685800" y="0"/>
-            <a:ext cx="10960200" cy="1132560"/>
+            <a:ext cx="10959840" cy="1132200"/>
           </a:xfrm>
           <a:prstGeom prst="rect">
             <a:avLst/>
@@ -9078,7 +9090,7 @@
         <p:spPr>
           <a:xfrm>
             <a:off x="274320" y="1554480"/>
-            <a:ext cx="11063520" cy="4479840"/>
+            <a:ext cx="11063160" cy="4479480"/>
           </a:xfrm>
           <a:prstGeom prst="rect">
             <a:avLst/>
@@ -9102,7 +9114,7 @@
             <a:noAutofit/>
           </a:bodyPr>
           <a:p>
-            <a:pPr marL="216000" indent="-215280">
+            <a:pPr marL="216000" indent="-214920">
               <a:lnSpc>
                 <a:spcPct val="100000"/>
               </a:lnSpc>
@@ -9203,7 +9215,7 @@
             </a:endParaRPr>
           </a:p>
           <a:p>
-            <a:pPr marL="216000" indent="-215280">
+            <a:pPr marL="216000" indent="-214920">
               <a:lnSpc>
                 <a:spcPct val="100000"/>
               </a:lnSpc>
@@ -9294,7 +9306,7 @@
             </a:endParaRPr>
           </a:p>
           <a:p>
-            <a:pPr marL="216000" indent="-215280">
+            <a:pPr marL="216000" indent="-214920">
               <a:lnSpc>
                 <a:spcPct val="100000"/>
               </a:lnSpc>
@@ -9333,7 +9345,7 @@
             </a:endParaRPr>
           </a:p>
           <a:p>
-            <a:pPr marL="216000" indent="-215280">
+            <a:pPr marL="216000" indent="-214920">
               <a:lnSpc>
                 <a:spcPct val="100000"/>
               </a:lnSpc>
@@ -9402,7 +9414,7 @@
         <p:spPr>
           <a:xfrm>
             <a:off x="10515240" y="6202080"/>
-            <a:ext cx="1587600" cy="414720"/>
+            <a:ext cx="1587240" cy="414360"/>
           </a:xfrm>
           <a:prstGeom prst="rect">
             <a:avLst/>
@@ -9428,7 +9440,7 @@
                 <a:spcPct val="100000"/>
               </a:lnSpc>
             </a:pPr>
-            <a:fld id="{69C65F2C-B52C-478D-9403-56CFB9B24779}" type="slidenum">
+            <a:fld id="{C8B5439C-BE26-4535-BBEF-59F2AA30D605}" type="slidenum">
               <a:rPr b="0" lang="en-US" sz="1600" spc="-1" strike="noStrike">
                 <a:solidFill>
                   <a:srgbClr val="000000"/>
@@ -9483,7 +9495,7 @@
         <p:spPr>
           <a:xfrm>
             <a:off x="685800" y="0"/>
-            <a:ext cx="10960200" cy="1132560"/>
+            <a:ext cx="10959840" cy="1132200"/>
           </a:xfrm>
           <a:prstGeom prst="rect">
             <a:avLst/>
@@ -9549,7 +9561,7 @@
         <p:spPr>
           <a:xfrm>
             <a:off x="274320" y="1554480"/>
-            <a:ext cx="11063520" cy="4479840"/>
+            <a:ext cx="11063160" cy="4479480"/>
           </a:xfrm>
           <a:prstGeom prst="rect">
             <a:avLst/>
@@ -9573,7 +9585,7 @@
             <a:noAutofit/>
           </a:bodyPr>
           <a:p>
-            <a:pPr marL="216000" indent="-215280">
+            <a:pPr marL="216000" indent="-214920">
               <a:lnSpc>
                 <a:spcPct val="100000"/>
               </a:lnSpc>
@@ -9676,7 +9688,7 @@
             </a:endParaRPr>
           </a:p>
           <a:p>
-            <a:pPr marL="216000" indent="-215280">
+            <a:pPr marL="216000" indent="-214920">
               <a:lnSpc>
                 <a:spcPct val="100000"/>
               </a:lnSpc>
@@ -9745,7 +9757,7 @@
         <p:spPr>
           <a:xfrm>
             <a:off x="10515240" y="6202080"/>
-            <a:ext cx="1587600" cy="414720"/>
+            <a:ext cx="1587240" cy="414360"/>
           </a:xfrm>
           <a:prstGeom prst="rect">
             <a:avLst/>
@@ -9771,7 +9783,7 @@
                 <a:spcPct val="100000"/>
               </a:lnSpc>
             </a:pPr>
-            <a:fld id="{6F4EA949-AEE8-4601-926C-A05ED789CB0E}" type="slidenum">
+            <a:fld id="{CE01488D-47CC-44E4-BE3B-7C42A28CCC33}" type="slidenum">
               <a:rPr b="0" lang="en-US" sz="1600" spc="-1" strike="noStrike">
                 <a:solidFill>
                   <a:srgbClr val="000000"/>
@@ -9800,7 +9812,7 @@
         <p:spPr>
           <a:xfrm>
             <a:off x="694440" y="4099320"/>
-            <a:ext cx="8810640" cy="218160"/>
+            <a:ext cx="8810280" cy="217800"/>
           </a:xfrm>
           <a:prstGeom prst="rect">
             <a:avLst/>
@@ -9852,7 +9864,7 @@
         <p:spPr>
           <a:xfrm>
             <a:off x="685800" y="0"/>
-            <a:ext cx="10960200" cy="1132560"/>
+            <a:ext cx="10959840" cy="1132200"/>
           </a:xfrm>
           <a:prstGeom prst="rect">
             <a:avLst/>
@@ -9901,7 +9913,17 @@
                 <a:latin typeface="Arial"/>
                 <a:ea typeface="Noto Sans CJK SC"/>
               </a:rPr>
-              <a:t>Helm CLI commands - 1</a:t>
+              <a:t>Helm CLI commands </a:t>
+            </a:r>
+            <a:r>
+              <a:rPr b="0" lang="en-US" sz="2200" spc="-1" strike="noStrike">
+                <a:solidFill>
+                  <a:srgbClr val="000000"/>
+                </a:solidFill>
+                <a:latin typeface="Arial"/>
+                <a:ea typeface="Noto Sans CJK SC"/>
+              </a:rPr>
+              <a:t>- 1</a:t>
             </a:r>
             <a:endParaRPr b="0" lang="en-US" sz="2200" spc="-1" strike="noStrike">
               <a:latin typeface="Arial"/>
@@ -9918,7 +9940,7 @@
         <p:spPr>
           <a:xfrm>
             <a:off x="274320" y="1554480"/>
-            <a:ext cx="11063520" cy="4479840"/>
+            <a:ext cx="11063160" cy="4479480"/>
           </a:xfrm>
           <a:prstGeom prst="rect">
             <a:avLst/>
@@ -9942,7 +9964,7 @@
             <a:noAutofit/>
           </a:bodyPr>
           <a:p>
-            <a:pPr marL="216000" indent="-216000">
+            <a:pPr marL="216000" indent="-215640">
               <a:lnSpc>
                 <a:spcPct val="100000"/>
               </a:lnSpc>
@@ -9991,7 +10013,7 @@
             </a:endParaRPr>
           </a:p>
           <a:p>
-            <a:pPr marL="216000" indent="-216000">
+            <a:pPr marL="216000" indent="-215640">
               <a:lnSpc>
                 <a:spcPct val="100000"/>
               </a:lnSpc>
@@ -10061,7 +10083,59 @@
             </a:endParaRPr>
           </a:p>
           <a:p>
-            <a:pPr marL="216000" indent="-216000">
+            <a:pPr>
+              <a:lnSpc>
+                <a:spcPct val="100000"/>
+              </a:lnSpc>
+              <a:spcBef>
+                <a:spcPts val="1417"/>
+              </a:spcBef>
+            </a:pPr>
+            <a:endParaRPr b="0" lang="en-US" sz="1800" spc="-1" strike="noStrike">
+              <a:latin typeface="Arial"/>
+            </a:endParaRPr>
+          </a:p>
+          <a:p>
+            <a:pPr>
+              <a:lnSpc>
+                <a:spcPct val="100000"/>
+              </a:lnSpc>
+              <a:spcBef>
+                <a:spcPts val="1417"/>
+              </a:spcBef>
+            </a:pPr>
+            <a:endParaRPr b="0" lang="en-US" sz="1800" spc="-1" strike="noStrike">
+              <a:latin typeface="Arial"/>
+            </a:endParaRPr>
+          </a:p>
+          <a:p>
+            <a:pPr>
+              <a:lnSpc>
+                <a:spcPct val="100000"/>
+              </a:lnSpc>
+              <a:spcBef>
+                <a:spcPts val="1417"/>
+              </a:spcBef>
+            </a:pPr>
+            <a:endParaRPr b="0" lang="en-US" sz="1800" spc="-1" strike="noStrike">
+              <a:latin typeface="Arial"/>
+            </a:endParaRPr>
+          </a:p>
+          <a:p>
+            <a:pPr>
+              <a:lnSpc>
+                <a:spcPct val="100000"/>
+              </a:lnSpc>
+              <a:spcBef>
+                <a:spcPts val="1417"/>
+              </a:spcBef>
+            </a:pPr>
+            <a:endParaRPr b="0" lang="en-US" sz="1800" spc="-1" strike="noStrike">
+              <a:latin typeface="Arial"/>
+            </a:endParaRPr>
+          </a:p>
+          <a:p>
+            <a:pPr marL="216000" indent="-215640">
               <a:lnSpc>
                 <a:spcPct val="100000"/>
               </a:lnSpc>
@@ -10075,82 +10149,6 @@
               <a:buFont typeface="Wingdings" charset="2"/>
               <a:buChar char=""/>
             </a:pPr>
-            <a:endParaRPr b="0" lang="en-US" sz="1800" spc="-1" strike="noStrike">
-              <a:latin typeface="Arial"/>
-            </a:endParaRPr>
-          </a:p>
-          <a:p>
-            <a:pPr marL="216000" indent="-216000">
-              <a:lnSpc>
-                <a:spcPct val="100000"/>
-              </a:lnSpc>
-              <a:spcBef>
-                <a:spcPts val="1417"/>
-              </a:spcBef>
-              <a:buClr>
-                <a:srgbClr val="000000"/>
-              </a:buClr>
-              <a:buSzPct val="45000"/>
-              <a:buFont typeface="Wingdings" charset="2"/>
-              <a:buChar char=""/>
-            </a:pPr>
-            <a:endParaRPr b="0" lang="en-US" sz="1800" spc="-1" strike="noStrike">
-              <a:latin typeface="Arial"/>
-            </a:endParaRPr>
-          </a:p>
-          <a:p>
-            <a:pPr marL="216000" indent="-216000">
-              <a:lnSpc>
-                <a:spcPct val="100000"/>
-              </a:lnSpc>
-              <a:spcBef>
-                <a:spcPts val="1417"/>
-              </a:spcBef>
-              <a:buClr>
-                <a:srgbClr val="000000"/>
-              </a:buClr>
-              <a:buSzPct val="45000"/>
-              <a:buFont typeface="Wingdings" charset="2"/>
-              <a:buChar char=""/>
-            </a:pPr>
-            <a:endParaRPr b="0" lang="en-US" sz="1800" spc="-1" strike="noStrike">
-              <a:latin typeface="Arial"/>
-            </a:endParaRPr>
-          </a:p>
-          <a:p>
-            <a:pPr marL="216000" indent="-216000">
-              <a:lnSpc>
-                <a:spcPct val="100000"/>
-              </a:lnSpc>
-              <a:spcBef>
-                <a:spcPts val="1417"/>
-              </a:spcBef>
-              <a:buClr>
-                <a:srgbClr val="000000"/>
-              </a:buClr>
-              <a:buSzPct val="45000"/>
-              <a:buFont typeface="Wingdings" charset="2"/>
-              <a:buChar char=""/>
-            </a:pPr>
-            <a:endParaRPr b="0" lang="en-US" sz="1800" spc="-1" strike="noStrike">
-              <a:latin typeface="Arial"/>
-            </a:endParaRPr>
-          </a:p>
-          <a:p>
-            <a:pPr marL="216000" indent="-216000">
-              <a:lnSpc>
-                <a:spcPct val="100000"/>
-              </a:lnSpc>
-              <a:spcBef>
-                <a:spcPts val="1417"/>
-              </a:spcBef>
-              <a:buClr>
-                <a:srgbClr val="000000"/>
-              </a:buClr>
-              <a:buSzPct val="45000"/>
-              <a:buFont typeface="Wingdings" charset="2"/>
-              <a:buChar char=""/>
-            </a:pPr>
             <a:r>
               <a:rPr b="0" lang="en-US" sz="1800" spc="-1" strike="noStrike">
                 <a:solidFill>
@@ -10197,6 +10195,15 @@
             <a:br/>
             <a:br/>
             <a:br/>
+            <a:r>
+              <a:rPr b="0" lang="en-US" sz="1800" spc="-1" strike="noStrike">
+                <a:solidFill>
+                  <a:srgbClr val="000000"/>
+                </a:solidFill>
+                <a:latin typeface="Arial"/>
+              </a:rPr>
+              <a:t> </a:t>
+            </a:r>
             <a:endParaRPr b="0" lang="en-US" sz="1800" spc="-1" strike="noStrike">
               <a:latin typeface="Arial"/>
             </a:endParaRPr>
@@ -10212,7 +10219,7 @@
         <p:spPr>
           <a:xfrm>
             <a:off x="10515240" y="6202080"/>
-            <a:ext cx="1587600" cy="414720"/>
+            <a:ext cx="1587240" cy="414360"/>
           </a:xfrm>
           <a:prstGeom prst="rect">
             <a:avLst/>
@@ -10238,7 +10245,7 @@
                 <a:spcPct val="100000"/>
               </a:lnSpc>
             </a:pPr>
-            <a:fld id="{170F148B-25A3-47AD-9B85-7E8A8AB8E4F5}" type="slidenum">
+            <a:fld id="{B8E664E5-0F23-4712-8CFF-B92538940E2E}" type="slidenum">
               <a:rPr b="0" lang="en-US" sz="1600" spc="-1" strike="noStrike">
                 <a:solidFill>
                   <a:srgbClr val="000000"/>
@@ -10267,7 +10274,7 @@
         <p:spPr>
           <a:xfrm>
             <a:off x="609840" y="2651760"/>
-            <a:ext cx="9540000" cy="1828800"/>
+            <a:ext cx="9539640" cy="1828440"/>
           </a:xfrm>
           <a:prstGeom prst="rect">
             <a:avLst/>
@@ -10293,7 +10300,7 @@
         <p:spPr>
           <a:xfrm>
             <a:off x="594720" y="4846320"/>
-            <a:ext cx="9829440" cy="342720"/>
+            <a:ext cx="9829080" cy="342360"/>
           </a:xfrm>
           <a:prstGeom prst="rect">
             <a:avLst/>
@@ -10345,7 +10352,7 @@
         <p:spPr>
           <a:xfrm>
             <a:off x="685800" y="0"/>
-            <a:ext cx="10960200" cy="1132560"/>
+            <a:ext cx="10959840" cy="1132200"/>
           </a:xfrm>
           <a:prstGeom prst="rect">
             <a:avLst/>
@@ -10394,7 +10401,17 @@
                 <a:latin typeface="Arial"/>
                 <a:ea typeface="Noto Sans CJK SC"/>
               </a:rPr>
-              <a:t>Helm CLI commands - 2</a:t>
+              <a:t>Helm CLI commands </a:t>
+            </a:r>
+            <a:r>
+              <a:rPr b="0" lang="en-US" sz="2200" spc="-1" strike="noStrike">
+                <a:solidFill>
+                  <a:srgbClr val="000000"/>
+                </a:solidFill>
+                <a:latin typeface="Arial"/>
+                <a:ea typeface="Noto Sans CJK SC"/>
+              </a:rPr>
+              <a:t>- 2</a:t>
             </a:r>
             <a:endParaRPr b="0" lang="en-US" sz="2200" spc="-1" strike="noStrike">
               <a:latin typeface="Arial"/>
@@ -10411,7 +10428,7 @@
         <p:spPr>
           <a:xfrm>
             <a:off x="274320" y="1554480"/>
-            <a:ext cx="11063520" cy="4479840"/>
+            <a:ext cx="11063160" cy="4479480"/>
           </a:xfrm>
           <a:prstGeom prst="rect">
             <a:avLst/>
@@ -10435,7 +10452,7 @@
             <a:noAutofit/>
           </a:bodyPr>
           <a:p>
-            <a:pPr marL="216000" indent="-216000">
+            <a:pPr marL="216000" indent="-215640">
               <a:lnSpc>
                 <a:spcPct val="100000"/>
               </a:lnSpc>
@@ -10484,7 +10501,7 @@
             </a:endParaRPr>
           </a:p>
           <a:p>
-            <a:pPr marL="216000" indent="-216000">
+            <a:pPr marL="216000" indent="-215640">
               <a:lnSpc>
                 <a:spcPct val="100000"/>
               </a:lnSpc>
@@ -10544,19 +10561,13 @@
             </a:endParaRPr>
           </a:p>
           <a:p>
-            <a:pPr marL="216000" indent="-216000">
+            <a:pPr>
               <a:lnSpc>
                 <a:spcPct val="100000"/>
               </a:lnSpc>
               <a:spcBef>
                 <a:spcPts val="1417"/>
               </a:spcBef>
-              <a:buClr>
-                <a:srgbClr val="000000"/>
-              </a:buClr>
-              <a:buSzPct val="45000"/>
-              <a:buFont typeface="Wingdings" charset="2"/>
-              <a:buChar char=""/>
             </a:pPr>
             <a:br/>
             <a:endParaRPr b="0" lang="en-US" sz="1800" spc="-1" strike="noStrike">
@@ -10574,7 +10585,7 @@
         <p:spPr>
           <a:xfrm>
             <a:off x="10515240" y="6202080"/>
-            <a:ext cx="1587600" cy="414720"/>
+            <a:ext cx="1587240" cy="414360"/>
           </a:xfrm>
           <a:prstGeom prst="rect">
             <a:avLst/>
@@ -10600,7 +10611,7 @@
                 <a:spcPct val="100000"/>
               </a:lnSpc>
             </a:pPr>
-            <a:fld id="{7F2D4CCF-F3D4-4D55-97FC-847F22788FC3}" type="slidenum">
+            <a:fld id="{5722FBBA-586B-4F8C-875E-801680DF0396}" type="slidenum">
               <a:rPr b="0" lang="en-US" sz="1600" spc="-1" strike="noStrike">
                 <a:solidFill>
                   <a:srgbClr val="000000"/>
@@ -10629,7 +10640,7 @@
         <p:spPr>
           <a:xfrm>
             <a:off x="640080" y="2699640"/>
-            <a:ext cx="7791120" cy="2695320"/>
+            <a:ext cx="7790760" cy="2694960"/>
           </a:xfrm>
           <a:prstGeom prst="rect">
             <a:avLst/>
@@ -10681,7 +10692,7 @@
         <p:spPr>
           <a:xfrm>
             <a:off x="685800" y="0"/>
-            <a:ext cx="10960200" cy="1132560"/>
+            <a:ext cx="10959840" cy="1132200"/>
           </a:xfrm>
           <a:prstGeom prst="rect">
             <a:avLst/>
@@ -10730,7 +10741,17 @@
                 <a:latin typeface="Arial"/>
                 <a:ea typeface="Noto Sans CJK SC"/>
               </a:rPr>
-              <a:t>Helm CLI commands - 3</a:t>
+              <a:t>Helm CLI commands </a:t>
+            </a:r>
+            <a:r>
+              <a:rPr b="0" lang="en-US" sz="2200" spc="-1" strike="noStrike">
+                <a:solidFill>
+                  <a:srgbClr val="000000"/>
+                </a:solidFill>
+                <a:latin typeface="Arial"/>
+                <a:ea typeface="Noto Sans CJK SC"/>
+              </a:rPr>
+              <a:t>- 3</a:t>
             </a:r>
             <a:endParaRPr b="0" lang="en-US" sz="2200" spc="-1" strike="noStrike">
               <a:latin typeface="Arial"/>
@@ -10747,7 +10768,7 @@
         <p:spPr>
           <a:xfrm>
             <a:off x="274320" y="1554480"/>
-            <a:ext cx="11063520" cy="4479840"/>
+            <a:ext cx="11063160" cy="4479480"/>
           </a:xfrm>
           <a:prstGeom prst="rect">
             <a:avLst/>
@@ -10771,7 +10792,7 @@
             <a:noAutofit/>
           </a:bodyPr>
           <a:p>
-            <a:pPr marL="216000" indent="-216000">
+            <a:pPr marL="216000" indent="-215640">
               <a:lnSpc>
                 <a:spcPct val="100000"/>
               </a:lnSpc>
@@ -10820,7 +10841,7 @@
             </a:endParaRPr>
           </a:p>
           <a:p>
-            <a:pPr marL="216000" indent="-216000">
+            <a:pPr marL="216000" indent="-215640">
               <a:lnSpc>
                 <a:spcPct val="100000"/>
               </a:lnSpc>
@@ -10931,19 +10952,13 @@
             </a:endParaRPr>
           </a:p>
           <a:p>
-            <a:pPr marL="216000" indent="-216000">
+            <a:pPr>
               <a:lnSpc>
                 <a:spcPct val="100000"/>
               </a:lnSpc>
               <a:spcBef>
                 <a:spcPts val="1417"/>
               </a:spcBef>
-              <a:buClr>
-                <a:srgbClr val="000000"/>
-              </a:buClr>
-              <a:buSzPct val="45000"/>
-              <a:buFont typeface="Wingdings" charset="2"/>
-              <a:buChar char=""/>
             </a:pPr>
             <a:br/>
             <a:endParaRPr b="0" lang="en-US" sz="1800" spc="-1" strike="noStrike">
@@ -10961,7 +10976,7 @@
         <p:spPr>
           <a:xfrm>
             <a:off x="10515240" y="6202080"/>
-            <a:ext cx="1587600" cy="414720"/>
+            <a:ext cx="1587240" cy="414360"/>
           </a:xfrm>
           <a:prstGeom prst="rect">
             <a:avLst/>
@@ -10987,7 +11002,7 @@
                 <a:spcPct val="100000"/>
               </a:lnSpc>
             </a:pPr>
-            <a:fld id="{05C14DD2-B71D-4442-84B4-7304FCD1DAF7}" type="slidenum">
+            <a:fld id="{6F50C719-E8AC-4D04-A48F-B24091A87C43}" type="slidenum">
               <a:rPr b="0" lang="en-US" sz="1600" spc="-1" strike="noStrike">
                 <a:solidFill>
                   <a:srgbClr val="000000"/>
@@ -11042,7 +11057,7 @@
         <p:spPr>
           <a:xfrm>
             <a:off x="685800" y="0"/>
-            <a:ext cx="10960200" cy="1132560"/>
+            <a:ext cx="10959840" cy="1132200"/>
           </a:xfrm>
           <a:prstGeom prst="rect">
             <a:avLst/>
@@ -11091,7 +11106,17 @@
                 <a:latin typeface="Arial"/>
                 <a:ea typeface="Noto Sans CJK SC"/>
               </a:rPr>
-              <a:t>Helm CLI commands - 4</a:t>
+              <a:t>Helm CLI commands </a:t>
+            </a:r>
+            <a:r>
+              <a:rPr b="0" lang="en-US" sz="2200" spc="-1" strike="noStrike">
+                <a:solidFill>
+                  <a:srgbClr val="000000"/>
+                </a:solidFill>
+                <a:latin typeface="Arial"/>
+                <a:ea typeface="Noto Sans CJK SC"/>
+              </a:rPr>
+              <a:t>- 4</a:t>
             </a:r>
             <a:endParaRPr b="0" lang="en-US" sz="2200" spc="-1" strike="noStrike">
               <a:latin typeface="Arial"/>
@@ -11108,7 +11133,7 @@
         <p:spPr>
           <a:xfrm>
             <a:off x="274320" y="1554480"/>
-            <a:ext cx="11063520" cy="4479840"/>
+            <a:ext cx="11063160" cy="4479480"/>
           </a:xfrm>
           <a:prstGeom prst="rect">
             <a:avLst/>
@@ -11132,7 +11157,7 @@
             <a:noAutofit/>
           </a:bodyPr>
           <a:p>
-            <a:pPr marL="216000" indent="-216000">
+            <a:pPr marL="216000" indent="-215640">
               <a:lnSpc>
                 <a:spcPct val="100000"/>
               </a:lnSpc>
@@ -11181,7 +11206,7 @@
             </a:endParaRPr>
           </a:p>
           <a:p>
-            <a:pPr marL="216000" indent="-216000">
+            <a:pPr marL="216000" indent="-215640">
               <a:lnSpc>
                 <a:spcPct val="100000"/>
               </a:lnSpc>
@@ -11312,19 +11337,13 @@
             </a:endParaRPr>
           </a:p>
           <a:p>
-            <a:pPr marL="216000" indent="-216000">
+            <a:pPr>
               <a:lnSpc>
                 <a:spcPct val="100000"/>
               </a:lnSpc>
               <a:spcBef>
                 <a:spcPts val="1417"/>
               </a:spcBef>
-              <a:buClr>
-                <a:srgbClr val="000000"/>
-              </a:buClr>
-              <a:buSzPct val="45000"/>
-              <a:buFont typeface="Wingdings" charset="2"/>
-              <a:buChar char=""/>
             </a:pPr>
             <a:br/>
             <a:endParaRPr b="0" lang="en-US" sz="1800" spc="-1" strike="noStrike">
@@ -11342,7 +11361,7 @@
         <p:spPr>
           <a:xfrm>
             <a:off x="10515240" y="6202080"/>
-            <a:ext cx="1587600" cy="414720"/>
+            <a:ext cx="1587240" cy="414360"/>
           </a:xfrm>
           <a:prstGeom prst="rect">
             <a:avLst/>
@@ -11368,7 +11387,7 @@
                 <a:spcPct val="100000"/>
               </a:lnSpc>
             </a:pPr>
-            <a:fld id="{5CD5FA28-8794-4AA8-A4B5-1018CE3671E7}" type="slidenum">
+            <a:fld id="{07EDA5F8-52D9-4DF7-AB40-D61C6E0F2A60}" type="slidenum">
               <a:rPr b="0" lang="en-US" sz="1600" spc="-1" strike="noStrike">
                 <a:solidFill>
                   <a:srgbClr val="000000"/>
@@ -11423,7 +11442,7 @@
         <p:spPr>
           <a:xfrm>
             <a:off x="685800" y="0"/>
-            <a:ext cx="10960200" cy="1132560"/>
+            <a:ext cx="10959840" cy="1132200"/>
           </a:xfrm>
           <a:prstGeom prst="rect">
             <a:avLst/>
@@ -11472,7 +11491,17 @@
                 <a:latin typeface="Arial"/>
                 <a:ea typeface="Noto Sans CJK SC"/>
               </a:rPr>
-              <a:t>Helm CLI commands - 5</a:t>
+              <a:t>Helm CLI commands </a:t>
+            </a:r>
+            <a:r>
+              <a:rPr b="0" lang="en-US" sz="2200" spc="-1" strike="noStrike">
+                <a:solidFill>
+                  <a:srgbClr val="000000"/>
+                </a:solidFill>
+                <a:latin typeface="Arial"/>
+                <a:ea typeface="Noto Sans CJK SC"/>
+              </a:rPr>
+              <a:t>- 5</a:t>
             </a:r>
             <a:endParaRPr b="0" lang="en-US" sz="2200" spc="-1" strike="noStrike">
               <a:latin typeface="Arial"/>
@@ -11489,7 +11518,7 @@
         <p:spPr>
           <a:xfrm>
             <a:off x="274320" y="1554480"/>
-            <a:ext cx="11063520" cy="4479840"/>
+            <a:ext cx="11063160" cy="4479480"/>
           </a:xfrm>
           <a:prstGeom prst="rect">
             <a:avLst/>
@@ -11513,7 +11542,7 @@
             <a:noAutofit/>
           </a:bodyPr>
           <a:p>
-            <a:pPr marL="216000" indent="-216000">
+            <a:pPr marL="216000" indent="-215640">
               <a:lnSpc>
                 <a:spcPct val="100000"/>
               </a:lnSpc>
@@ -11562,7 +11591,7 @@
             </a:endParaRPr>
           </a:p>
           <a:p>
-            <a:pPr marL="216000" indent="-216000">
+            <a:pPr marL="216000" indent="-215640">
               <a:lnSpc>
                 <a:spcPct val="100000"/>
               </a:lnSpc>
@@ -11612,19 +11641,13 @@
             </a:endParaRPr>
           </a:p>
           <a:p>
-            <a:pPr marL="216000" indent="-216000">
+            <a:pPr>
               <a:lnSpc>
                 <a:spcPct val="100000"/>
               </a:lnSpc>
               <a:spcBef>
                 <a:spcPts val="1417"/>
               </a:spcBef>
-              <a:buClr>
-                <a:srgbClr val="000000"/>
-              </a:buClr>
-              <a:buSzPct val="45000"/>
-              <a:buFont typeface="Wingdings" charset="2"/>
-              <a:buChar char=""/>
             </a:pPr>
             <a:br/>
             <a:endParaRPr b="0" lang="en-US" sz="1800" spc="-1" strike="noStrike">
@@ -11642,7 +11665,7 @@
         <p:spPr>
           <a:xfrm>
             <a:off x="10515240" y="6202080"/>
-            <a:ext cx="1587600" cy="414720"/>
+            <a:ext cx="1587240" cy="414360"/>
           </a:xfrm>
           <a:prstGeom prst="rect">
             <a:avLst/>
@@ -11668,7 +11691,7 @@
                 <a:spcPct val="100000"/>
               </a:lnSpc>
             </a:pPr>
-            <a:fld id="{37827F6A-5D90-4118-A23D-5CE0FB30B705}" type="slidenum">
+            <a:fld id="{6FC62BA1-E44B-4B76-97CE-DF763B1CD9DD}" type="slidenum">
               <a:rPr b="0" lang="en-US" sz="1600" spc="-1" strike="noStrike">
                 <a:solidFill>
                   <a:srgbClr val="000000"/>
@@ -11723,7 +11746,7 @@
         <p:spPr>
           <a:xfrm>
             <a:off x="685800" y="0"/>
-            <a:ext cx="10960200" cy="1132560"/>
+            <a:ext cx="10959840" cy="1132200"/>
           </a:xfrm>
           <a:prstGeom prst="rect">
             <a:avLst/>
@@ -11772,7 +11795,17 @@
                 <a:latin typeface="Arial"/>
                 <a:ea typeface="Noto Sans CJK SC"/>
               </a:rPr>
-              <a:t>Helm CLI commands - 6</a:t>
+              <a:t>Helm CLI commands </a:t>
+            </a:r>
+            <a:r>
+              <a:rPr b="0" lang="en-US" sz="2200" spc="-1" strike="noStrike">
+                <a:solidFill>
+                  <a:srgbClr val="000000"/>
+                </a:solidFill>
+                <a:latin typeface="Arial"/>
+                <a:ea typeface="Noto Sans CJK SC"/>
+              </a:rPr>
+              <a:t>- 6</a:t>
             </a:r>
             <a:endParaRPr b="0" lang="en-US" sz="2200" spc="-1" strike="noStrike">
               <a:latin typeface="Arial"/>
@@ -11789,7 +11822,7 @@
         <p:spPr>
           <a:xfrm>
             <a:off x="274320" y="1554480"/>
-            <a:ext cx="11063520" cy="4479840"/>
+            <a:ext cx="11063160" cy="4479480"/>
           </a:xfrm>
           <a:prstGeom prst="rect">
             <a:avLst/>
@@ -11813,7 +11846,7 @@
             <a:noAutofit/>
           </a:bodyPr>
           <a:p>
-            <a:pPr marL="216000" indent="-216000">
+            <a:pPr marL="216000" indent="-215640">
               <a:lnSpc>
                 <a:spcPct val="100000"/>
               </a:lnSpc>
@@ -11862,7 +11895,7 @@
             </a:endParaRPr>
           </a:p>
           <a:p>
-            <a:pPr marL="216000" indent="-216000">
+            <a:pPr marL="216000" indent="-215640">
               <a:lnSpc>
                 <a:spcPct val="100000"/>
               </a:lnSpc>
@@ -11949,6 +11982,15 @@
               <a:t> --purge my-release</a:t>
             </a:r>
             <a:br/>
+            <a:r>
+              <a:rPr b="0" lang="en-US" sz="1800" spc="-1" strike="noStrike">
+                <a:solidFill>
+                  <a:srgbClr val="000000"/>
+                </a:solidFill>
+                <a:latin typeface="Arial"/>
+              </a:rPr>
+              <a:t> </a:t>
+            </a:r>
             <a:endParaRPr b="0" lang="en-US" sz="1800" spc="-1" strike="noStrike">
               <a:latin typeface="Arial"/>
             </a:endParaRPr>
@@ -11964,7 +12006,7 @@
         <p:spPr>
           <a:xfrm>
             <a:off x="10515240" y="6202080"/>
-            <a:ext cx="1587600" cy="414720"/>
+            <a:ext cx="1587240" cy="414360"/>
           </a:xfrm>
           <a:prstGeom prst="rect">
             <a:avLst/>
@@ -11990,7 +12032,7 @@
                 <a:spcPct val="100000"/>
               </a:lnSpc>
             </a:pPr>
-            <a:fld id="{D8A9E8D1-2890-469F-BE9B-B9AB008BD693}" type="slidenum">
+            <a:fld id="{D8F431F4-971F-43C2-BDAB-A691F6153745}" type="slidenum">
               <a:rPr b="0" lang="en-US" sz="1600" spc="-1" strike="noStrike">
                 <a:solidFill>
                   <a:srgbClr val="000000"/>
@@ -12045,7 +12087,7 @@
         <p:spPr>
           <a:xfrm>
             <a:off x="685800" y="0"/>
-            <a:ext cx="10960200" cy="1132560"/>
+            <a:ext cx="10959840" cy="1132200"/>
           </a:xfrm>
           <a:prstGeom prst="rect">
             <a:avLst/>
@@ -12094,7 +12136,17 @@
                 <a:latin typeface="Arial"/>
                 <a:ea typeface="Noto Sans CJK SC"/>
               </a:rPr>
-              <a:t>Helm chart structure - 1</a:t>
+              <a:t>Helm chart structure </a:t>
+            </a:r>
+            <a:r>
+              <a:rPr b="0" lang="en-US" sz="2200" spc="-1" strike="noStrike">
+                <a:solidFill>
+                  <a:srgbClr val="000000"/>
+                </a:solidFill>
+                <a:latin typeface="Arial"/>
+                <a:ea typeface="Noto Sans CJK SC"/>
+              </a:rPr>
+              <a:t>- 1</a:t>
             </a:r>
             <a:endParaRPr b="0" lang="en-US" sz="2200" spc="-1" strike="noStrike">
               <a:latin typeface="Arial"/>
@@ -12111,7 +12163,7 @@
         <p:spPr>
           <a:xfrm>
             <a:off x="274320" y="1554480"/>
-            <a:ext cx="11063520" cy="4479840"/>
+            <a:ext cx="11063160" cy="4479480"/>
           </a:xfrm>
           <a:prstGeom prst="rect">
             <a:avLst/>
@@ -12135,7 +12187,7 @@
             <a:noAutofit/>
           </a:bodyPr>
           <a:p>
-            <a:pPr marL="216000" indent="-216000">
+            <a:pPr marL="216000" indent="-215640">
               <a:lnSpc>
                 <a:spcPct val="100000"/>
               </a:lnSpc>
@@ -12151,6 +12203,9 @@
             </a:pPr>
             <a:r>
               <a:rPr b="0" lang="en-US" sz="1800" spc="-1" strike="noStrike">
+                <a:solidFill>
+                  <a:srgbClr val="000000"/>
+                </a:solidFill>
                 <a:latin typeface="Arial"/>
                 <a:ea typeface="DejaVu Sans"/>
               </a:rPr>
@@ -12168,6 +12223,29 @@
             </a:r>
             <a:r>
               <a:rPr b="0" lang="en-US" sz="1800" spc="-1" strike="noStrike">
+                <a:solidFill>
+                  <a:srgbClr val="000000"/>
+                </a:solidFill>
+                <a:latin typeface="Arial"/>
+                <a:ea typeface="DejaVu Sans"/>
+              </a:rPr>
+              <a:t>, folders such as</a:t>
+            </a:r>
+            <a:r>
+              <a:rPr b="0" lang="en-US" sz="1800" spc="-1" strike="noStrike">
+                <a:solidFill>
+                  <a:srgbClr val="ff0000"/>
+                </a:solidFill>
+                <a:latin typeface="Arial"/>
+                <a:ea typeface="DejaVu Sans"/>
+              </a:rPr>
+              <a:t> chart</a:t>
+            </a:r>
+            <a:r>
+              <a:rPr b="0" lang="en-US" sz="1800" spc="-1" strike="noStrike">
+                <a:solidFill>
+                  <a:srgbClr val="000000"/>
+                </a:solidFill>
                 <a:latin typeface="Arial"/>
                 <a:ea typeface="DejaVu Sans"/>
               </a:rPr>
@@ -12175,37 +12253,6 @@
             </a:r>
             <a:r>
               <a:rPr b="0" lang="en-US" sz="1800" spc="-1" strike="noStrike">
-                <a:latin typeface="Arial"/>
-                <a:ea typeface="DejaVu Sans"/>
-              </a:rPr>
-              <a:t>folders such as</a:t>
-            </a:r>
-            <a:r>
-              <a:rPr b="0" lang="en-US" sz="1800" spc="-1" strike="noStrike">
-                <a:solidFill>
-                  <a:srgbClr val="ff0000"/>
-                </a:solidFill>
-                <a:latin typeface="Arial"/>
-                <a:ea typeface="DejaVu Sans"/>
-              </a:rPr>
-              <a:t> chart</a:t>
-            </a:r>
-            <a:r>
-              <a:rPr b="0" lang="en-US" sz="1800" spc="-1" strike="noStrike">
-                <a:latin typeface="Arial"/>
-                <a:ea typeface="DejaVu Sans"/>
-              </a:rPr>
-              <a:t>,</a:t>
-            </a:r>
-            <a:r>
-              <a:rPr b="0" lang="en-US" sz="1800" spc="-1" strike="noStrike">
-                <a:latin typeface="Arial"/>
-                <a:ea typeface="DejaVu Sans"/>
-              </a:rPr>
-              <a:t> </a:t>
-            </a:r>
-            <a:r>
-              <a:rPr b="0" lang="en-US" sz="1800" spc="-1" strike="noStrike">
                 <a:solidFill>
                   <a:srgbClr val="158466"/>
                 </a:solidFill>
@@ -12216,36 +12263,26 @@
             </a:r>
             <a:r>
               <a:rPr b="0" lang="en-US" sz="1800" spc="-1" strike="noStrike">
-                <a:latin typeface="Arial"/>
-                <a:ea typeface="DejaVu Sans"/>
-              </a:rPr>
-              <a:t> </a:t>
-            </a:r>
-            <a:r>
-              <a:rPr b="0" lang="en-US" sz="1800" spc="-1" strike="noStrike">
-                <a:latin typeface="Arial"/>
-                <a:ea typeface="DejaVu Sans"/>
-              </a:rPr>
-              <a:t>for deploying and managing a Kubernetes application</a:t>
+                <a:solidFill>
+                  <a:srgbClr val="000000"/>
+                </a:solidFill>
+                <a:latin typeface="Arial"/>
+                <a:ea typeface="DejaVu Sans"/>
+              </a:rPr>
+              <a:t> for deploying and managing a Kubernetes application</a:t>
             </a:r>
             <a:endParaRPr b="0" lang="en-US" sz="1800" spc="-1" strike="noStrike">
               <a:latin typeface="Arial"/>
             </a:endParaRPr>
           </a:p>
           <a:p>
-            <a:pPr marL="216000" indent="-216000">
+            <a:pPr>
               <a:lnSpc>
                 <a:spcPct val="100000"/>
               </a:lnSpc>
               <a:spcBef>
                 <a:spcPts val="1417"/>
               </a:spcBef>
-              <a:buClr>
-                <a:srgbClr val="000000"/>
-              </a:buClr>
-              <a:buSzPct val="45000"/>
-              <a:buFont typeface="Wingdings" charset="2"/>
-              <a:buChar char=""/>
             </a:pPr>
             <a:br/>
             <a:endParaRPr b="0" lang="en-US" sz="1800" spc="-1" strike="noStrike">
@@ -12263,7 +12300,7 @@
         <p:spPr>
           <a:xfrm>
             <a:off x="10515240" y="6202080"/>
-            <a:ext cx="1587600" cy="414720"/>
+            <a:ext cx="1587240" cy="414360"/>
           </a:xfrm>
           <a:prstGeom prst="rect">
             <a:avLst/>
@@ -12289,7 +12326,7 @@
                 <a:spcPct val="100000"/>
               </a:lnSpc>
             </a:pPr>
-            <a:fld id="{2A6B9389-9B3C-4B14-89EE-0C7BCA934742}" type="slidenum">
+            <a:fld id="{D6A31A22-052B-408F-87FA-5FEA0A4F3AD5}" type="slidenum">
               <a:rPr b="0" lang="en-US" sz="1600" spc="-1" strike="noStrike">
                 <a:solidFill>
                   <a:srgbClr val="000000"/>
@@ -12318,7 +12355,7 @@
         <p:spPr>
           <a:xfrm>
             <a:off x="640080" y="2377440"/>
-            <a:ext cx="6990840" cy="2704680"/>
+            <a:ext cx="6990480" cy="2704320"/>
           </a:xfrm>
           <a:prstGeom prst="rect">
             <a:avLst/>
@@ -12370,7 +12407,7 @@
         <p:spPr>
           <a:xfrm>
             <a:off x="685800" y="0"/>
-            <a:ext cx="10960200" cy="1132560"/>
+            <a:ext cx="10959840" cy="1132200"/>
           </a:xfrm>
           <a:prstGeom prst="rect">
             <a:avLst/>
@@ -12419,7 +12456,17 @@
                 <a:latin typeface="Arial"/>
                 <a:ea typeface="Noto Sans CJK SC"/>
               </a:rPr>
-              <a:t>Helm chart structure - 2</a:t>
+              <a:t>Helm chart structure </a:t>
+            </a:r>
+            <a:r>
+              <a:rPr b="0" lang="en-US" sz="2200" spc="-1" strike="noStrike">
+                <a:solidFill>
+                  <a:srgbClr val="000000"/>
+                </a:solidFill>
+                <a:latin typeface="Arial"/>
+                <a:ea typeface="Noto Sans CJK SC"/>
+              </a:rPr>
+              <a:t>- 2</a:t>
             </a:r>
             <a:endParaRPr b="0" lang="en-US" sz="2200" spc="-1" strike="noStrike">
               <a:latin typeface="Arial"/>
@@ -12436,7 +12483,7 @@
         <p:spPr>
           <a:xfrm>
             <a:off x="274320" y="1554480"/>
-            <a:ext cx="11063520" cy="4479840"/>
+            <a:ext cx="11063160" cy="4479480"/>
           </a:xfrm>
           <a:prstGeom prst="rect">
             <a:avLst/>
@@ -12460,7 +12507,7 @@
             <a:noAutofit/>
           </a:bodyPr>
           <a:p>
-            <a:pPr marL="216000" indent="-216000">
+            <a:pPr marL="216000" indent="-215640">
               <a:lnSpc>
                 <a:spcPct val="100000"/>
               </a:lnSpc>
@@ -12476,6 +12523,9 @@
             </a:pPr>
             <a:r>
               <a:rPr b="0" lang="en-US" sz="1800" spc="-1" strike="noStrike">
+                <a:solidFill>
+                  <a:srgbClr val="000000"/>
+                </a:solidFill>
                 <a:latin typeface="Arial"/>
                 <a:ea typeface="DejaVu Sans"/>
               </a:rPr>
@@ -12493,6 +12543,9 @@
             </a:r>
             <a:r>
               <a:rPr b="0" lang="en-US" sz="1800" spc="-1" strike="noStrike">
+                <a:solidFill>
+                  <a:srgbClr val="000000"/>
+                </a:solidFill>
                 <a:latin typeface="Arial"/>
                 <a:ea typeface="DejaVu Sans"/>
               </a:rPr>
@@ -12510,6 +12563,9 @@
             </a:r>
             <a:r>
               <a:rPr b="0" lang="en-US" sz="1800" spc="-1" strike="noStrike">
+                <a:solidFill>
+                  <a:srgbClr val="000000"/>
+                </a:solidFill>
                 <a:latin typeface="Arial"/>
                 <a:ea typeface="DejaVu Sans"/>
               </a:rPr>
@@ -12527,6 +12583,9 @@
             </a:r>
             <a:r>
               <a:rPr b="0" lang="en-US" sz="1800" spc="-1" strike="noStrike">
+                <a:solidFill>
+                  <a:srgbClr val="000000"/>
+                </a:solidFill>
                 <a:latin typeface="Arial"/>
                 <a:ea typeface="DejaVu Sans"/>
               </a:rPr>
@@ -12537,19 +12596,13 @@
             </a:endParaRPr>
           </a:p>
           <a:p>
-            <a:pPr marL="216000" indent="-216000">
+            <a:pPr>
               <a:lnSpc>
                 <a:spcPct val="100000"/>
               </a:lnSpc>
               <a:spcBef>
                 <a:spcPts val="1417"/>
               </a:spcBef>
-              <a:buClr>
-                <a:srgbClr val="000000"/>
-              </a:buClr>
-              <a:buSzPct val="45000"/>
-              <a:buFont typeface="Wingdings" charset="2"/>
-              <a:buChar char=""/>
             </a:pPr>
             <a:br/>
             <a:endParaRPr b="0" lang="en-US" sz="1800" spc="-1" strike="noStrike">
@@ -12567,7 +12620,7 @@
         <p:spPr>
           <a:xfrm>
             <a:off x="10515240" y="6202080"/>
-            <a:ext cx="1587600" cy="414720"/>
+            <a:ext cx="1587240" cy="414360"/>
           </a:xfrm>
           <a:prstGeom prst="rect">
             <a:avLst/>
@@ -12593,7 +12646,7 @@
                 <a:spcPct val="100000"/>
               </a:lnSpc>
             </a:pPr>
-            <a:fld id="{E4132F68-6E6D-4734-B50F-E19EBF726005}" type="slidenum">
+            <a:fld id="{C5458CCF-E338-4E2C-89AD-3BB9D03BF8EF}" type="slidenum">
               <a:rPr b="0" lang="en-US" sz="1600" spc="-1" strike="noStrike">
                 <a:solidFill>
                   <a:srgbClr val="000000"/>
@@ -12622,7 +12675,7 @@
         <p:spPr>
           <a:xfrm>
             <a:off x="606240" y="2377440"/>
-            <a:ext cx="4971600" cy="2371320"/>
+            <a:ext cx="4971240" cy="2370960"/>
           </a:xfrm>
           <a:prstGeom prst="rect">
             <a:avLst/>
@@ -12648,7 +12701,7 @@
         <p:spPr>
           <a:xfrm>
             <a:off x="6258240" y="2377440"/>
-            <a:ext cx="4714560" cy="2834640"/>
+            <a:ext cx="4714200" cy="2834280"/>
           </a:xfrm>
           <a:prstGeom prst="rect">
             <a:avLst/>
@@ -12700,7 +12753,7 @@
         <p:spPr>
           <a:xfrm>
             <a:off x="5852160" y="365760"/>
-            <a:ext cx="5214240" cy="5850720"/>
+            <a:ext cx="5213880" cy="5850360"/>
           </a:xfrm>
           <a:prstGeom prst="rect">
             <a:avLst/>
@@ -12721,7 +12774,7 @@
             <a:noAutofit/>
           </a:bodyPr>
           <a:p>
-            <a:pPr marL="343080" indent="-341280">
+            <a:pPr marL="343080" indent="-340920">
               <a:lnSpc>
                 <a:spcPct val="90000"/>
               </a:lnSpc>
@@ -12749,7 +12802,7 @@
             </a:endParaRPr>
           </a:p>
           <a:p>
-            <a:pPr lvl="1" marL="432000" indent="-214560">
+            <a:pPr lvl="1" marL="432000" indent="-214200">
               <a:lnSpc>
                 <a:spcPct val="100000"/>
               </a:lnSpc>
@@ -12778,7 +12831,7 @@
             </a:endParaRPr>
           </a:p>
           <a:p>
-            <a:pPr lvl="1" marL="432000" indent="-214560">
+            <a:pPr lvl="1" marL="432000" indent="-214200">
               <a:lnSpc>
                 <a:spcPct val="100000"/>
               </a:lnSpc>
@@ -12807,7 +12860,7 @@
             </a:endParaRPr>
           </a:p>
           <a:p>
-            <a:pPr lvl="1" marL="432000" indent="-214560">
+            <a:pPr lvl="1" marL="432000" indent="-214200">
               <a:lnSpc>
                 <a:spcPct val="100000"/>
               </a:lnSpc>
@@ -12836,7 +12889,7 @@
             </a:endParaRPr>
           </a:p>
           <a:p>
-            <a:pPr lvl="1" marL="432000" indent="-214560">
+            <a:pPr lvl="1" marL="432000" indent="-214200">
               <a:lnSpc>
                 <a:spcPct val="100000"/>
               </a:lnSpc>
@@ -12865,7 +12918,7 @@
             </a:endParaRPr>
           </a:p>
           <a:p>
-            <a:pPr marL="343080" indent="-341280">
+            <a:pPr marL="343080" indent="-340920">
               <a:lnSpc>
                 <a:spcPct val="90000"/>
               </a:lnSpc>
@@ -12893,7 +12946,7 @@
             </a:endParaRPr>
           </a:p>
           <a:p>
-            <a:pPr marL="343080" indent="-341280">
+            <a:pPr marL="343080" indent="-340920">
               <a:lnSpc>
                 <a:spcPct val="90000"/>
               </a:lnSpc>
@@ -12921,7 +12974,7 @@
             </a:endParaRPr>
           </a:p>
           <a:p>
-            <a:pPr lvl="1" marL="432000" indent="-214560">
+            <a:pPr lvl="1" marL="432000" indent="-214200">
               <a:lnSpc>
                 <a:spcPct val="100000"/>
               </a:lnSpc>
@@ -12950,7 +13003,7 @@
             </a:endParaRPr>
           </a:p>
           <a:p>
-            <a:pPr lvl="1" marL="432000" indent="-214560">
+            <a:pPr lvl="1" marL="432000" indent="-214200">
               <a:lnSpc>
                 <a:spcPct val="100000"/>
               </a:lnSpc>
@@ -12979,7 +13032,7 @@
             </a:endParaRPr>
           </a:p>
           <a:p>
-            <a:pPr lvl="1" marL="432000" indent="-214560">
+            <a:pPr lvl="1" marL="432000" indent="-214200">
               <a:lnSpc>
                 <a:spcPct val="100000"/>
               </a:lnSpc>
@@ -13008,7 +13061,7 @@
             </a:endParaRPr>
           </a:p>
           <a:p>
-            <a:pPr lvl="1" marL="432000" indent="-214560">
+            <a:pPr lvl="1" marL="432000" indent="-214200">
               <a:lnSpc>
                 <a:spcPct val="100000"/>
               </a:lnSpc>
@@ -13037,7 +13090,7 @@
             </a:endParaRPr>
           </a:p>
           <a:p>
-            <a:pPr marL="343080" indent="-341280">
+            <a:pPr marL="343080" indent="-340920">
               <a:lnSpc>
                 <a:spcPct val="90000"/>
               </a:lnSpc>
@@ -13058,101 +13111,14 @@
                 <a:latin typeface="Arial"/>
                 <a:ea typeface="DejaVu Sans"/>
               </a:rPr>
-              <a:t>Chart Repository</a:t>
+              <a:t>Helm Chart Repository</a:t>
             </a:r>
             <a:endParaRPr b="0" lang="en-US" sz="1600" spc="-1" strike="noStrike">
               <a:latin typeface="Arial"/>
             </a:endParaRPr>
           </a:p>
           <a:p>
-            <a:pPr lvl="1" marL="432000" indent="-214560">
-              <a:lnSpc>
-                <a:spcPct val="100000"/>
-              </a:lnSpc>
-              <a:spcBef>
-                <a:spcPts val="1134"/>
-              </a:spcBef>
-              <a:buClr>
-                <a:srgbClr val="000000"/>
-              </a:buClr>
-              <a:buSzPct val="45000"/>
-              <a:buFont typeface="Wingdings" charset="2"/>
-              <a:buChar char=""/>
-            </a:pPr>
-            <a:r>
-              <a:rPr b="0" lang="en-US" sz="1600" spc="-1" strike="noStrike">
-                <a:solidFill>
-                  <a:srgbClr val="3c3e41"/>
-                </a:solidFill>
-                <a:latin typeface="Arial"/>
-                <a:ea typeface="DejaVu Sans"/>
-              </a:rPr>
-              <a:t>What is a chart repository</a:t>
-            </a:r>
-            <a:endParaRPr b="0" lang="en-US" sz="1600" spc="-1" strike="noStrike">
-              <a:latin typeface="Arial"/>
-            </a:endParaRPr>
-          </a:p>
-          <a:p>
-            <a:pPr lvl="1" marL="432000" indent="-214560">
-              <a:lnSpc>
-                <a:spcPct val="100000"/>
-              </a:lnSpc>
-              <a:spcBef>
-                <a:spcPts val="1134"/>
-              </a:spcBef>
-              <a:buClr>
-                <a:srgbClr val="000000"/>
-              </a:buClr>
-              <a:buSzPct val="45000"/>
-              <a:buFont typeface="Wingdings" charset="2"/>
-              <a:buChar char=""/>
-            </a:pPr>
-            <a:r>
-              <a:rPr b="0" lang="en-US" sz="1600" spc="-1" strike="noStrike">
-                <a:solidFill>
-                  <a:srgbClr val="3c3e41"/>
-                </a:solidFill>
-                <a:latin typeface="Arial"/>
-                <a:ea typeface="DejaVu Sans"/>
-              </a:rPr>
-              <a:t>Publish helm charts to a repository</a:t>
-            </a:r>
-            <a:endParaRPr b="0" lang="en-US" sz="1600" spc="-1" strike="noStrike">
-              <a:latin typeface="Arial"/>
-            </a:endParaRPr>
-          </a:p>
-          <a:p>
-            <a:pPr lvl="1" marL="432000" indent="-214560">
-              <a:lnSpc>
-                <a:spcPct val="100000"/>
-              </a:lnSpc>
-              <a:spcBef>
-                <a:spcPts val="1134"/>
-              </a:spcBef>
-              <a:buClr>
-                <a:srgbClr val="000000"/>
-              </a:buClr>
-              <a:buSzPct val="45000"/>
-              <a:buFont typeface="Wingdings" charset="2"/>
-              <a:buChar char=""/>
-            </a:pPr>
-            <a:r>
-              <a:rPr b="0" lang="en-US" sz="1600" spc="-1" strike="noStrike">
-                <a:solidFill>
-                  <a:srgbClr val="3c3e41"/>
-                </a:solidFill>
-                <a:latin typeface="Arial"/>
-                <a:ea typeface="DejaVu Sans"/>
-              </a:rPr>
-              <a:t>Search and install charts from repositories</a:t>
-            </a:r>
-            <a:endParaRPr b="0" lang="en-US" sz="1600" spc="-1" strike="noStrike">
-              <a:latin typeface="Arial"/>
-            </a:endParaRPr>
-          </a:p>
-          <a:p>
-            <a:pPr marL="343080" indent="-341280">
+            <a:pPr marL="343080" indent="-340920">
               <a:lnSpc>
                 <a:spcPct val="90000"/>
               </a:lnSpc>
@@ -13233,7 +13199,7 @@
         <p:spPr>
           <a:xfrm>
             <a:off x="685800" y="0"/>
-            <a:ext cx="10960200" cy="1132560"/>
+            <a:ext cx="10959840" cy="1132200"/>
           </a:xfrm>
           <a:prstGeom prst="rect">
             <a:avLst/>
@@ -13282,7 +13248,17 @@
                 <a:latin typeface="Arial"/>
                 <a:ea typeface="Noto Sans CJK SC"/>
               </a:rPr>
-              <a:t>Helm chart structure - 3</a:t>
+              <a:t>Helm chart structure </a:t>
+            </a:r>
+            <a:r>
+              <a:rPr b="0" lang="en-US" sz="2200" spc="-1" strike="noStrike">
+                <a:solidFill>
+                  <a:srgbClr val="000000"/>
+                </a:solidFill>
+                <a:latin typeface="Arial"/>
+                <a:ea typeface="Noto Sans CJK SC"/>
+              </a:rPr>
+              <a:t>- 3</a:t>
             </a:r>
             <a:endParaRPr b="0" lang="en-US" sz="2200" spc="-1" strike="noStrike">
               <a:latin typeface="Arial"/>
@@ -13299,7 +13275,7 @@
         <p:spPr>
           <a:xfrm>
             <a:off x="274320" y="1554480"/>
-            <a:ext cx="11063520" cy="4479840"/>
+            <a:ext cx="11063160" cy="4479480"/>
           </a:xfrm>
           <a:prstGeom prst="rect">
             <a:avLst/>
@@ -13323,7 +13299,7 @@
             <a:noAutofit/>
           </a:bodyPr>
           <a:p>
-            <a:pPr marL="216000" indent="-216000">
+            <a:pPr marL="216000" indent="-215640">
               <a:lnSpc>
                 <a:spcPct val="100000"/>
               </a:lnSpc>
@@ -13339,6 +13315,9 @@
             </a:pPr>
             <a:r>
               <a:rPr b="0" lang="en-US" sz="1800" spc="-1" strike="noStrike">
+                <a:solidFill>
+                  <a:srgbClr val="000000"/>
+                </a:solidFill>
                 <a:latin typeface="Arial"/>
                 <a:ea typeface="DejaVu Sans"/>
               </a:rPr>
@@ -13356,6 +13335,9 @@
             </a:r>
             <a:r>
               <a:rPr b="0" lang="en-US" sz="1800" spc="-1" strike="noStrike">
+                <a:solidFill>
+                  <a:srgbClr val="000000"/>
+                </a:solidFill>
                 <a:latin typeface="Arial"/>
                 <a:ea typeface="DejaVu Sans"/>
               </a:rPr>
@@ -13373,6 +13355,9 @@
             </a:r>
             <a:r>
               <a:rPr b="0" lang="en-US" sz="1800" spc="-1" strike="noStrike">
+                <a:solidFill>
+                  <a:srgbClr val="000000"/>
+                </a:solidFill>
                 <a:latin typeface="Arial"/>
                 <a:ea typeface="DejaVu Sans"/>
               </a:rPr>
@@ -13390,6 +13375,9 @@
             </a:r>
             <a:r>
               <a:rPr b="0" lang="en-US" sz="1800" spc="-1" strike="noStrike">
+                <a:solidFill>
+                  <a:srgbClr val="000000"/>
+                </a:solidFill>
                 <a:latin typeface="Arial"/>
                 <a:ea typeface="DejaVu Sans"/>
               </a:rPr>
@@ -13400,19 +13388,13 @@
             </a:endParaRPr>
           </a:p>
           <a:p>
-            <a:pPr marL="216000" indent="-216000">
+            <a:pPr>
               <a:lnSpc>
                 <a:spcPct val="100000"/>
               </a:lnSpc>
               <a:spcBef>
                 <a:spcPts val="1417"/>
               </a:spcBef>
-              <a:buClr>
-                <a:srgbClr val="000000"/>
-              </a:buClr>
-              <a:buSzPct val="45000"/>
-              <a:buFont typeface="Wingdings" charset="2"/>
-              <a:buChar char=""/>
             </a:pPr>
             <a:br/>
             <a:endParaRPr b="0" lang="en-US" sz="1800" spc="-1" strike="noStrike">
@@ -13430,7 +13412,7 @@
         <p:spPr>
           <a:xfrm>
             <a:off x="10515240" y="6202080"/>
-            <a:ext cx="1587600" cy="414720"/>
+            <a:ext cx="1587240" cy="414360"/>
           </a:xfrm>
           <a:prstGeom prst="rect">
             <a:avLst/>
@@ -13456,7 +13438,7 @@
                 <a:spcPct val="100000"/>
               </a:lnSpc>
             </a:pPr>
-            <a:fld id="{D3BEEB87-EEBB-433B-8A51-DD062268E348}" type="slidenum">
+            <a:fld id="{161D6349-4EAD-4F12-B949-16FA665E45B8}" type="slidenum">
               <a:rPr b="0" lang="en-US" sz="1600" spc="-1" strike="noStrike">
                 <a:solidFill>
                   <a:srgbClr val="000000"/>
@@ -13464,7 +13446,7 @@
                 <a:latin typeface="Times New Roman"/>
                 <a:ea typeface="DejaVu Sans"/>
               </a:rPr>
-              <a:t>&lt;number&gt;</a:t>
+              <a:t>1</a:t>
             </a:fld>
             <a:endParaRPr b="0" lang="en-US" sz="1600" spc="-1" strike="noStrike">
               <a:latin typeface="Arial"/>
@@ -13485,7 +13467,7 @@
         <p:spPr>
           <a:xfrm>
             <a:off x="598680" y="1924560"/>
-            <a:ext cx="3333240" cy="1275840"/>
+            <a:ext cx="3332880" cy="1275480"/>
           </a:xfrm>
           <a:prstGeom prst="rect">
             <a:avLst/>
@@ -13537,7 +13519,7 @@
         <p:spPr>
           <a:xfrm>
             <a:off x="685800" y="0"/>
-            <a:ext cx="10960200" cy="1132560"/>
+            <a:ext cx="10959840" cy="1132200"/>
           </a:xfrm>
           <a:prstGeom prst="rect">
             <a:avLst/>
@@ -13586,7 +13568,17 @@
                 <a:latin typeface="Arial"/>
                 <a:ea typeface="Noto Sans CJK SC"/>
               </a:rPr>
-              <a:t>Helm chart structure - 4</a:t>
+              <a:t>Helm chart structure </a:t>
+            </a:r>
+            <a:r>
+              <a:rPr b="0" lang="en-US" sz="2200" spc="-1" strike="noStrike">
+                <a:solidFill>
+                  <a:srgbClr val="000000"/>
+                </a:solidFill>
+                <a:latin typeface="Arial"/>
+                <a:ea typeface="Noto Sans CJK SC"/>
+              </a:rPr>
+              <a:t>- 4</a:t>
             </a:r>
             <a:endParaRPr b="0" lang="en-US" sz="2200" spc="-1" strike="noStrike">
               <a:latin typeface="Arial"/>
@@ -13603,7 +13595,7 @@
         <p:spPr>
           <a:xfrm>
             <a:off x="274320" y="1554480"/>
-            <a:ext cx="11063520" cy="4479840"/>
+            <a:ext cx="11063160" cy="4479480"/>
           </a:xfrm>
           <a:prstGeom prst="rect">
             <a:avLst/>
@@ -13627,7 +13619,7 @@
             <a:noAutofit/>
           </a:bodyPr>
           <a:p>
-            <a:pPr marL="216000" indent="-216000">
+            <a:pPr marL="216000" indent="-215640">
               <a:lnSpc>
                 <a:spcPct val="100000"/>
               </a:lnSpc>
@@ -13643,6 +13635,9 @@
             </a:pPr>
             <a:r>
               <a:rPr b="0" lang="en-US" sz="1800" spc="-1" strike="noStrike">
+                <a:solidFill>
+                  <a:srgbClr val="000000"/>
+                </a:solidFill>
                 <a:latin typeface="Arial"/>
                 <a:ea typeface="DejaVu Sans"/>
               </a:rPr>
@@ -13660,6 +13655,9 @@
             </a:r>
             <a:r>
               <a:rPr b="0" lang="en-US" sz="1800" spc="-1" strike="noStrike">
+                <a:solidFill>
+                  <a:srgbClr val="000000"/>
+                </a:solidFill>
                 <a:latin typeface="Arial"/>
                 <a:ea typeface="DejaVu Sans"/>
               </a:rPr>
@@ -13677,6 +13675,9 @@
             </a:r>
             <a:r>
               <a:rPr b="0" lang="en-US" sz="1800" spc="-1" strike="noStrike">
+                <a:solidFill>
+                  <a:srgbClr val="000000"/>
+                </a:solidFill>
                 <a:latin typeface="Arial"/>
                 <a:ea typeface="DejaVu Sans"/>
               </a:rPr>
@@ -13694,6 +13695,9 @@
             </a:r>
             <a:r>
               <a:rPr b="0" lang="en-US" sz="1800" spc="-1" strike="noStrike">
+                <a:solidFill>
+                  <a:srgbClr val="000000"/>
+                </a:solidFill>
                 <a:latin typeface="Arial"/>
                 <a:ea typeface="DejaVu Sans"/>
               </a:rPr>
@@ -13704,19 +13708,13 @@
             </a:endParaRPr>
           </a:p>
           <a:p>
-            <a:pPr marL="216000" indent="-216000">
+            <a:pPr>
               <a:lnSpc>
                 <a:spcPct val="100000"/>
               </a:lnSpc>
               <a:spcBef>
                 <a:spcPts val="1417"/>
               </a:spcBef>
-              <a:buClr>
-                <a:srgbClr val="000000"/>
-              </a:buClr>
-              <a:buSzPct val="45000"/>
-              <a:buFont typeface="Wingdings" charset="2"/>
-              <a:buChar char=""/>
             </a:pPr>
             <a:br/>
             <a:endParaRPr b="0" lang="en-US" sz="1800" spc="-1" strike="noStrike">
@@ -13734,7 +13732,7 @@
         <p:spPr>
           <a:xfrm>
             <a:off x="10515240" y="6202080"/>
-            <a:ext cx="1587600" cy="414720"/>
+            <a:ext cx="1587240" cy="414360"/>
           </a:xfrm>
           <a:prstGeom prst="rect">
             <a:avLst/>
@@ -13760,7 +13758,7 @@
                 <a:spcPct val="100000"/>
               </a:lnSpc>
             </a:pPr>
-            <a:fld id="{A55F9852-2274-4D26-A160-FE85115C3632}" type="slidenum">
+            <a:fld id="{52078B4A-2063-4C55-80CC-CDFE4C8A4F7A}" type="slidenum">
               <a:rPr b="0" lang="en-US" sz="1600" spc="-1" strike="noStrike">
                 <a:solidFill>
                   <a:srgbClr val="000000"/>
@@ -13768,7 +13766,7 @@
                 <a:latin typeface="Times New Roman"/>
                 <a:ea typeface="DejaVu Sans"/>
               </a:rPr>
-              <a:t>&lt;number&gt;</a:t>
+              <a:t>1</a:t>
             </a:fld>
             <a:endParaRPr b="0" lang="en-US" sz="1600" spc="-1" strike="noStrike">
               <a:latin typeface="Arial"/>
@@ -13789,7 +13787,7 @@
         <p:spPr>
           <a:xfrm>
             <a:off x="499320" y="2103120"/>
-            <a:ext cx="5352840" cy="1285560"/>
+            <a:ext cx="5352480" cy="1285200"/>
           </a:xfrm>
           <a:prstGeom prst="rect">
             <a:avLst/>
@@ -13815,7 +13813,7 @@
         <p:spPr>
           <a:xfrm>
             <a:off x="5943600" y="2103120"/>
-            <a:ext cx="4686120" cy="3866760"/>
+            <a:ext cx="4685760" cy="3866400"/>
           </a:xfrm>
           <a:prstGeom prst="rect">
             <a:avLst/>
@@ -13867,7 +13865,7 @@
         <p:spPr>
           <a:xfrm>
             <a:off x="685800" y="0"/>
-            <a:ext cx="10960200" cy="1132560"/>
+            <a:ext cx="10959840" cy="1132200"/>
           </a:xfrm>
           <a:prstGeom prst="rect">
             <a:avLst/>
@@ -13916,7 +13914,17 @@
                 <a:latin typeface="Arial"/>
                 <a:ea typeface="Noto Sans CJK SC"/>
               </a:rPr>
-              <a:t>Helm chart structure - 5</a:t>
+              <a:t>Helm chart structure </a:t>
+            </a:r>
+            <a:r>
+              <a:rPr b="0" lang="en-US" sz="2200" spc="-1" strike="noStrike">
+                <a:solidFill>
+                  <a:srgbClr val="000000"/>
+                </a:solidFill>
+                <a:latin typeface="Arial"/>
+                <a:ea typeface="Noto Sans CJK SC"/>
+              </a:rPr>
+              <a:t>- 5</a:t>
             </a:r>
             <a:endParaRPr b="0" lang="en-US" sz="2200" spc="-1" strike="noStrike">
               <a:latin typeface="Arial"/>
@@ -13933,7 +13941,7 @@
         <p:spPr>
           <a:xfrm>
             <a:off x="274320" y="1554480"/>
-            <a:ext cx="11063520" cy="4479840"/>
+            <a:ext cx="11063160" cy="4479480"/>
           </a:xfrm>
           <a:prstGeom prst="rect">
             <a:avLst/>
@@ -13957,7 +13965,7 @@
             <a:noAutofit/>
           </a:bodyPr>
           <a:p>
-            <a:pPr marL="216000" indent="-216000">
+            <a:pPr marL="216000" indent="-215640">
               <a:lnSpc>
                 <a:spcPct val="100000"/>
               </a:lnSpc>
@@ -13973,6 +13981,9 @@
             </a:pPr>
             <a:r>
               <a:rPr b="0" lang="en-US" sz="1800" spc="-1" strike="noStrike">
+                <a:solidFill>
+                  <a:srgbClr val="000000"/>
+                </a:solidFill>
                 <a:latin typeface="Arial"/>
                 <a:ea typeface="DejaVu Sans"/>
               </a:rPr>
@@ -13990,6 +14001,9 @@
             </a:r>
             <a:r>
               <a:rPr b="0" lang="en-US" sz="1800" spc="-1" strike="noStrike">
+                <a:solidFill>
+                  <a:srgbClr val="000000"/>
+                </a:solidFill>
                 <a:latin typeface="Arial"/>
                 <a:ea typeface="DejaVu Sans"/>
               </a:rPr>
@@ -14000,19 +14014,13 @@
             </a:endParaRPr>
           </a:p>
           <a:p>
-            <a:pPr marL="216000" indent="-216000">
+            <a:pPr>
               <a:lnSpc>
                 <a:spcPct val="100000"/>
               </a:lnSpc>
               <a:spcBef>
                 <a:spcPts val="1417"/>
               </a:spcBef>
-              <a:buClr>
-                <a:srgbClr val="000000"/>
-              </a:buClr>
-              <a:buSzPct val="45000"/>
-              <a:buFont typeface="Wingdings" charset="2"/>
-              <a:buChar char=""/>
             </a:pPr>
             <a:br/>
             <a:endParaRPr b="0" lang="en-US" sz="1800" spc="-1" strike="noStrike">
@@ -14030,7 +14038,7 @@
         <p:spPr>
           <a:xfrm>
             <a:off x="10515240" y="6202080"/>
-            <a:ext cx="1587600" cy="414720"/>
+            <a:ext cx="1587240" cy="414360"/>
           </a:xfrm>
           <a:prstGeom prst="rect">
             <a:avLst/>
@@ -14056,7 +14064,7 @@
                 <a:spcPct val="100000"/>
               </a:lnSpc>
             </a:pPr>
-            <a:fld id="{2E4F47CA-6A3F-4636-AA55-777FCFF5DBDA}" type="slidenum">
+            <a:fld id="{AD103651-4E3F-4F15-BF0B-7FC7E5C41A7F}" type="slidenum">
               <a:rPr b="0" lang="en-US" sz="1600" spc="-1" strike="noStrike">
                 <a:solidFill>
                   <a:srgbClr val="000000"/>
@@ -14064,7 +14072,7 @@
                 <a:latin typeface="Times New Roman"/>
                 <a:ea typeface="DejaVu Sans"/>
               </a:rPr>
-              <a:t>&lt;number&gt;</a:t>
+              <a:t>1</a:t>
             </a:fld>
             <a:endParaRPr b="0" lang="en-US" sz="1600" spc="-1" strike="noStrike">
               <a:latin typeface="Arial"/>
@@ -14085,7 +14093,7 @@
         <p:spPr>
           <a:xfrm>
             <a:off x="640080" y="2011680"/>
-            <a:ext cx="3003840" cy="2461680"/>
+            <a:ext cx="3003480" cy="2461320"/>
           </a:xfrm>
           <a:prstGeom prst="rect">
             <a:avLst/>
@@ -14137,7 +14145,7 @@
         <p:spPr>
           <a:xfrm>
             <a:off x="685800" y="0"/>
-            <a:ext cx="10960200" cy="1132560"/>
+            <a:ext cx="10959840" cy="1132200"/>
           </a:xfrm>
           <a:prstGeom prst="rect">
             <a:avLst/>
@@ -14186,7 +14194,17 @@
                 <a:latin typeface="Arial"/>
                 <a:ea typeface="Noto Sans CJK SC"/>
               </a:rPr>
-              <a:t>Helm chart structure - 6</a:t>
+              <a:t>Helm chart structure </a:t>
+            </a:r>
+            <a:r>
+              <a:rPr b="0" lang="en-US" sz="2200" spc="-1" strike="noStrike">
+                <a:solidFill>
+                  <a:srgbClr val="000000"/>
+                </a:solidFill>
+                <a:latin typeface="Arial"/>
+                <a:ea typeface="Noto Sans CJK SC"/>
+              </a:rPr>
+              <a:t>- 6</a:t>
             </a:r>
             <a:endParaRPr b="0" lang="en-US" sz="2200" spc="-1" strike="noStrike">
               <a:latin typeface="Arial"/>
@@ -14203,7 +14221,7 @@
         <p:spPr>
           <a:xfrm>
             <a:off x="274320" y="1554480"/>
-            <a:ext cx="11063520" cy="4479840"/>
+            <a:ext cx="11063160" cy="4479480"/>
           </a:xfrm>
           <a:prstGeom prst="rect">
             <a:avLst/>
@@ -14227,7 +14245,7 @@
             <a:noAutofit/>
           </a:bodyPr>
           <a:p>
-            <a:pPr marL="216000" indent="-216000">
+            <a:pPr marL="216000" indent="-215640">
               <a:lnSpc>
                 <a:spcPct val="100000"/>
               </a:lnSpc>
@@ -14243,6 +14261,9 @@
             </a:pPr>
             <a:r>
               <a:rPr b="0" lang="en-US" sz="1800" spc="-1" strike="noStrike">
+                <a:solidFill>
+                  <a:srgbClr val="000000"/>
+                </a:solidFill>
                 <a:latin typeface="Arial"/>
                 <a:ea typeface="DejaVu Sans"/>
               </a:rPr>
@@ -14260,6 +14281,9 @@
             </a:r>
             <a:r>
               <a:rPr b="0" lang="en-US" sz="1800" spc="-1" strike="noStrike">
+                <a:solidFill>
+                  <a:srgbClr val="000000"/>
+                </a:solidFill>
                 <a:latin typeface="Arial"/>
                 <a:ea typeface="DejaVu Sans"/>
               </a:rPr>
@@ -14270,19 +14294,13 @@
             </a:endParaRPr>
           </a:p>
           <a:p>
-            <a:pPr marL="216000" indent="-216000">
+            <a:pPr>
               <a:lnSpc>
                 <a:spcPct val="100000"/>
               </a:lnSpc>
               <a:spcBef>
                 <a:spcPts val="1417"/>
               </a:spcBef>
-              <a:buClr>
-                <a:srgbClr val="000000"/>
-              </a:buClr>
-              <a:buSzPct val="45000"/>
-              <a:buFont typeface="Wingdings" charset="2"/>
-              <a:buChar char=""/>
             </a:pPr>
             <a:br/>
             <a:endParaRPr b="0" lang="en-US" sz="1800" spc="-1" strike="noStrike">
@@ -14300,7 +14318,7 @@
         <p:spPr>
           <a:xfrm>
             <a:off x="10515240" y="6202080"/>
-            <a:ext cx="1587600" cy="414720"/>
+            <a:ext cx="1587240" cy="414360"/>
           </a:xfrm>
           <a:prstGeom prst="rect">
             <a:avLst/>
@@ -14326,7 +14344,7 @@
                 <a:spcPct val="100000"/>
               </a:lnSpc>
             </a:pPr>
-            <a:fld id="{444F7B43-367B-4D48-98A2-24E00ED005B0}" type="slidenum">
+            <a:fld id="{7C8296B3-A87C-4C7D-AB9C-0D8CF15035A1}" type="slidenum">
               <a:rPr b="0" lang="en-US" sz="1600" spc="-1" strike="noStrike">
                 <a:solidFill>
                   <a:srgbClr val="000000"/>
@@ -14334,7 +14352,7 @@
                 <a:latin typeface="Times New Roman"/>
                 <a:ea typeface="DejaVu Sans"/>
               </a:rPr>
-              <a:t>&lt;number&gt;</a:t>
+              <a:t>1</a:t>
             </a:fld>
             <a:endParaRPr b="0" lang="en-US" sz="1600" spc="-1" strike="noStrike">
               <a:latin typeface="Arial"/>
@@ -14355,7 +14373,7 @@
         <p:spPr>
           <a:xfrm>
             <a:off x="556560" y="2194560"/>
-            <a:ext cx="2278080" cy="3749040"/>
+            <a:ext cx="2277720" cy="3748680"/>
           </a:xfrm>
           <a:prstGeom prst="rect">
             <a:avLst/>
@@ -14406,8 +14424,8 @@
         </p:nvSpPr>
         <p:spPr>
           <a:xfrm>
-            <a:off x="3428640" y="376920"/>
-            <a:ext cx="5697360" cy="524880"/>
+            <a:off x="685800" y="0"/>
+            <a:ext cx="10959840" cy="1132200"/>
           </a:xfrm>
           <a:prstGeom prst="rect">
             <a:avLst/>
@@ -14442,11 +14460,43 @@
                   <a:srgbClr val="3465a4"/>
                 </a:solidFill>
                 <a:latin typeface="Arial"/>
-                <a:ea typeface="DejaVu Sans"/>
-              </a:rPr>
-              <a:t>Questions and Answers</a:t>
-            </a:r>
-            <a:endParaRPr b="0" lang="en-US" sz="3200" spc="-1" strike="noStrike">
+                <a:ea typeface="Noto Sans CJK SC"/>
+              </a:rPr>
+              <a:t>3- Helm Chart</a:t>
+            </a:r>
+            <a:br/>
+            <a:br/>
+            <a:r>
+              <a:rPr b="1" lang="en-US" sz="1800" spc="-1" strike="noStrike">
+                <a:solidFill>
+                  <a:srgbClr val="000000"/>
+                </a:solidFill>
+                <a:latin typeface="Arial"/>
+                <a:ea typeface="DejaVu Sans"/>
+              </a:rPr>
+              <a:t>Dependencies</a:t>
+            </a:r>
+            <a:r>
+              <a:rPr b="0" lang="en-US" sz="1800" spc="-1" strike="noStrike">
+                <a:solidFill>
+                  <a:srgbClr val="000000"/>
+                </a:solidFill>
+                <a:latin typeface="Arial"/>
+                <a:ea typeface="DejaVu Sans"/>
+              </a:rPr>
+              <a:t> and resources</a:t>
+            </a:r>
+            <a:r>
+              <a:rPr b="0" lang="en-US" sz="2200" spc="-1" strike="noStrike">
+                <a:solidFill>
+                  <a:srgbClr val="000000"/>
+                </a:solidFill>
+                <a:latin typeface="Arial"/>
+                <a:ea typeface="Noto Sans CJK SC"/>
+              </a:rPr>
+              <a:t> - 1</a:t>
+            </a:r>
+            <a:endParaRPr b="0" lang="en-US" sz="2200" spc="-1" strike="noStrike">
               <a:latin typeface="Arial"/>
             </a:endParaRPr>
           </a:p>
@@ -14460,15 +14510,18 @@
         </p:nvSpPr>
         <p:spPr>
           <a:xfrm>
-            <a:off x="10515240" y="6202080"/>
-            <a:ext cx="1587600" cy="414720"/>
+            <a:off x="274320" y="1554480"/>
+            <a:ext cx="11063160" cy="4479480"/>
           </a:xfrm>
           <a:prstGeom prst="rect">
             <a:avLst/>
           </a:prstGeom>
           <a:noFill/>
-          <a:ln>
-            <a:noFill/>
+          <a:ln cap="rnd" w="6480">
+            <a:solidFill>
+              <a:srgbClr val="5eb91e"/>
+            </a:solidFill>
+            <a:round/>
           </a:ln>
         </p:spPr>
         <p:style>
@@ -14478,6 +14531,337 @@
           <a:fontRef idx="minor"/>
         </p:style>
         <p:txBody>
+          <a:bodyPr lIns="93240" rIns="93240" tIns="48240" bIns="48240">
+            <a:noAutofit/>
+          </a:bodyPr>
+          <a:p>
+            <a:pPr>
+              <a:lnSpc>
+                <a:spcPct val="100000"/>
+              </a:lnSpc>
+              <a:spcBef>
+                <a:spcPts val="1417"/>
+              </a:spcBef>
+            </a:pPr>
+            <a:r>
+              <a:rPr b="0" lang="en-US" sz="1800" spc="-1" strike="noStrike" u="sng">
+                <a:uFillTx/>
+                <a:latin typeface="Arial"/>
+                <a:ea typeface="DejaVu Sans"/>
+              </a:rPr>
+              <a:t>Definition</a:t>
+            </a:r>
+            <a:r>
+              <a:rPr b="0" lang="en-US" sz="1800" spc="-1" strike="noStrike">
+                <a:latin typeface="Arial"/>
+                <a:ea typeface="DejaVu Sans"/>
+              </a:rPr>
+              <a:t>: a feature of Helm that allows us to declare and manage external dependencies for a Helm chart.</a:t>
+            </a:r>
+            <a:endParaRPr b="0" lang="en-US" sz="1800" spc="-1" strike="noStrike">
+              <a:latin typeface="Arial"/>
+            </a:endParaRPr>
+          </a:p>
+          <a:p>
+            <a:pPr>
+              <a:lnSpc>
+                <a:spcPct val="100000"/>
+              </a:lnSpc>
+              <a:spcBef>
+                <a:spcPts val="1417"/>
+              </a:spcBef>
+            </a:pPr>
+            <a:r>
+              <a:rPr b="0" lang="en-US" sz="1800" spc="-1" strike="noStrike" u="sng">
+                <a:uFillTx/>
+                <a:latin typeface="Arial"/>
+                <a:ea typeface="DejaVu Sans"/>
+              </a:rPr>
+              <a:t>Main benefits</a:t>
+            </a:r>
+            <a:r>
+              <a:rPr b="0" lang="en-US" sz="1800" spc="-1" strike="noStrike">
+                <a:latin typeface="Arial"/>
+                <a:ea typeface="DejaVu Sans"/>
+              </a:rPr>
+              <a:t>: </a:t>
+            </a:r>
+            <a:br/>
+            <a:r>
+              <a:rPr b="0" lang="en-US" sz="1800" spc="-1" strike="noStrike">
+                <a:latin typeface="Arial"/>
+                <a:ea typeface="DejaVu Sans"/>
+              </a:rPr>
+              <a:t>- Simplified installation</a:t>
+            </a:r>
+            <a:br/>
+            <a:r>
+              <a:rPr b="0" lang="en-US" sz="1800" spc="-1" strike="noStrike">
+                <a:latin typeface="Arial"/>
+                <a:ea typeface="DejaVu Sans"/>
+              </a:rPr>
+              <a:t>- Easy version management</a:t>
+            </a:r>
+            <a:endParaRPr b="0" lang="en-US" sz="1800" spc="-1" strike="noStrike">
+              <a:latin typeface="Arial"/>
+            </a:endParaRPr>
+          </a:p>
+          <a:p>
+            <a:pPr>
+              <a:lnSpc>
+                <a:spcPct val="100000"/>
+              </a:lnSpc>
+              <a:spcBef>
+                <a:spcPts val="1417"/>
+              </a:spcBef>
+            </a:pPr>
+            <a:r>
+              <a:rPr b="0" lang="en-US" sz="1800" spc="-1" strike="noStrike" u="sng">
+                <a:uFillTx/>
+                <a:latin typeface="Arial"/>
+                <a:ea typeface="DejaVu Sans"/>
+              </a:rPr>
+              <a:t>Configuration</a:t>
+            </a:r>
+            <a:r>
+              <a:rPr b="0" lang="en-US" sz="1800" spc="-1" strike="noStrike">
+                <a:latin typeface="Arial"/>
+                <a:ea typeface="DejaVu Sans"/>
+              </a:rPr>
+              <a:t>: In “Chart.yaml”, we define name, version and repository for a chart as in</a:t>
+            </a:r>
+            <a:br/>
+            <a:r>
+              <a:rPr b="0" lang="en-US" sz="1800" spc="-1" strike="noStrike">
+                <a:solidFill>
+                  <a:srgbClr val="c9211e"/>
+                </a:solidFill>
+                <a:latin typeface="Arial"/>
+                <a:ea typeface="DejaVu Sans"/>
+              </a:rPr>
+              <a:t>Dependencies</a:t>
+            </a:r>
+            <a:r>
+              <a:rPr b="0" lang="en-US" sz="1800" spc="-1" strike="noStrike">
+                <a:latin typeface="Arial"/>
+                <a:ea typeface="DejaVu Sans"/>
+              </a:rPr>
+              <a:t>:</a:t>
+            </a:r>
+            <a:br/>
+            <a:r>
+              <a:rPr b="0" lang="en-US" sz="1800" spc="-1" strike="noStrike">
+                <a:latin typeface="Arial"/>
+                <a:ea typeface="DejaVu Sans"/>
+              </a:rPr>
+              <a:t> - </a:t>
+            </a:r>
+            <a:r>
+              <a:rPr b="0" lang="en-US" sz="1800" spc="-1" strike="noStrike">
+                <a:solidFill>
+                  <a:srgbClr val="c9211e"/>
+                </a:solidFill>
+                <a:latin typeface="Arial"/>
+                <a:ea typeface="DejaVu Sans"/>
+              </a:rPr>
+              <a:t>name</a:t>
+            </a:r>
+            <a:r>
+              <a:rPr b="0" lang="en-US" sz="1800" spc="-1" strike="noStrike">
+                <a:latin typeface="Arial"/>
+                <a:ea typeface="DejaVu Sans"/>
+              </a:rPr>
+              <a:t>: </a:t>
+            </a:r>
+            <a:r>
+              <a:rPr b="0" lang="en-US" sz="1800" spc="-1" strike="noStrike">
+                <a:solidFill>
+                  <a:srgbClr val="00a933"/>
+                </a:solidFill>
+                <a:latin typeface="Arial"/>
+                <a:ea typeface="DejaVu Sans"/>
+              </a:rPr>
+              <a:t>ingress-nginx</a:t>
+            </a:r>
+            <a:br/>
+            <a:r>
+              <a:rPr b="0" lang="en-US" sz="1800" spc="-1" strike="noStrike">
+                <a:latin typeface="Arial"/>
+                <a:ea typeface="DejaVu Sans"/>
+              </a:rPr>
+              <a:t>   </a:t>
+            </a:r>
+            <a:r>
+              <a:rPr b="0" lang="en-US" sz="1800" spc="-1" strike="noStrike">
+                <a:solidFill>
+                  <a:srgbClr val="c9211e"/>
+                </a:solidFill>
+                <a:latin typeface="Arial"/>
+                <a:ea typeface="DejaVu Sans"/>
+              </a:rPr>
+              <a:t>version</a:t>
+            </a:r>
+            <a:r>
+              <a:rPr b="0" lang="en-US" sz="1800" spc="-1" strike="noStrike">
+                <a:latin typeface="Arial"/>
+                <a:ea typeface="DejaVu Sans"/>
+              </a:rPr>
+              <a:t>: </a:t>
+            </a:r>
+            <a:r>
+              <a:rPr b="0" lang="en-US" sz="1800" spc="-1" strike="noStrike">
+                <a:solidFill>
+                  <a:srgbClr val="00a933"/>
+                </a:solidFill>
+                <a:latin typeface="Arial"/>
+                <a:ea typeface="DejaVu Sans"/>
+              </a:rPr>
+              <a:t>4.6.1</a:t>
+            </a:r>
+            <a:br/>
+            <a:r>
+              <a:rPr b="0" lang="en-US" sz="1800" spc="-1" strike="noStrike">
+                <a:latin typeface="Arial"/>
+                <a:ea typeface="DejaVu Sans"/>
+              </a:rPr>
+              <a:t>   </a:t>
+            </a:r>
+            <a:r>
+              <a:rPr b="0" lang="en-US" sz="1800" spc="-1" strike="noStrike">
+                <a:solidFill>
+                  <a:srgbClr val="c9211e"/>
+                </a:solidFill>
+                <a:latin typeface="Arial"/>
+                <a:ea typeface="DejaVu Sans"/>
+              </a:rPr>
+              <a:t>repository</a:t>
+            </a:r>
+            <a:r>
+              <a:rPr b="0" lang="en-US" sz="1800" spc="-1" strike="noStrike">
+                <a:latin typeface="Arial"/>
+                <a:ea typeface="DejaVu Sans"/>
+              </a:rPr>
+              <a:t>: </a:t>
+            </a:r>
+            <a:r>
+              <a:rPr b="0" lang="en-US" sz="1800" spc="-1" strike="noStrike">
+                <a:solidFill>
+                  <a:srgbClr val="00a933"/>
+                </a:solidFill>
+                <a:latin typeface="Arial"/>
+                <a:ea typeface="DejaVu Sans"/>
+              </a:rPr>
+              <a:t>https://kubernetes.github.io/ingress-nginx</a:t>
+            </a:r>
+            <a:endParaRPr b="0" lang="en-US" sz="1800" spc="-1" strike="noStrike">
+              <a:latin typeface="Arial"/>
+            </a:endParaRPr>
+          </a:p>
+          <a:p>
+            <a:pPr>
+              <a:lnSpc>
+                <a:spcPct val="100000"/>
+              </a:lnSpc>
+              <a:spcBef>
+                <a:spcPts val="1417"/>
+              </a:spcBef>
+            </a:pPr>
+            <a:r>
+              <a:rPr b="0" lang="en-US" sz="1800" spc="-1" strike="noStrike" u="sng">
+                <a:uFillTx/>
+                <a:latin typeface="Arial"/>
+                <a:ea typeface="DejaVu Sans"/>
+              </a:rPr>
+              <a:t>Commands</a:t>
+            </a:r>
+            <a:r>
+              <a:rPr b="0" lang="en-US" sz="1800" spc="-1" strike="noStrike">
+                <a:latin typeface="Arial"/>
+                <a:ea typeface="DejaVu Sans"/>
+              </a:rPr>
+              <a:t>: </a:t>
+            </a:r>
+            <a:r>
+              <a:rPr b="0" i="1" lang="en-US" sz="1800" spc="-1" strike="noStrike">
+                <a:solidFill>
+                  <a:srgbClr val="c9211e"/>
+                </a:solidFill>
+                <a:latin typeface="Arial"/>
+                <a:ea typeface="DejaVu Sans"/>
+              </a:rPr>
+              <a:t>helm</a:t>
+            </a:r>
+            <a:r>
+              <a:rPr b="0" i="1" lang="en-US" sz="1800" spc="-1" strike="noStrike">
+                <a:latin typeface="Arial"/>
+                <a:ea typeface="DejaVu Sans"/>
+              </a:rPr>
+              <a:t> </a:t>
+            </a:r>
+            <a:r>
+              <a:rPr b="0" i="1" lang="en-US" sz="1800" spc="-1" strike="noStrike">
+                <a:solidFill>
+                  <a:srgbClr val="00a933"/>
+                </a:solidFill>
+                <a:latin typeface="Arial"/>
+                <a:ea typeface="DejaVu Sans"/>
+              </a:rPr>
+              <a:t>dependency</a:t>
+            </a:r>
+            <a:r>
+              <a:rPr b="0" i="1" lang="en-US" sz="1800" spc="-1" strike="noStrike">
+                <a:latin typeface="Arial"/>
+                <a:ea typeface="DejaVu Sans"/>
+              </a:rPr>
+              <a:t> update</a:t>
+            </a:r>
+            <a:br/>
+            <a:endParaRPr b="0" lang="en-US" sz="1800" spc="-1" strike="noStrike">
+              <a:latin typeface="Arial"/>
+            </a:endParaRPr>
+          </a:p>
+          <a:p>
+            <a:pPr>
+              <a:lnSpc>
+                <a:spcPct val="100000"/>
+              </a:lnSpc>
+              <a:spcBef>
+                <a:spcPts val="1417"/>
+              </a:spcBef>
+            </a:pPr>
+            <a:br/>
+            <a:endParaRPr b="0" lang="en-US" sz="1800" spc="-1" strike="noStrike">
+              <a:latin typeface="Arial"/>
+            </a:endParaRPr>
+          </a:p>
+        </p:txBody>
+      </p:sp>
+      <p:sp>
+        <p:nvSpPr>
+          <p:cNvPr id="291" name="CustomShape 3"/>
+          <p:cNvSpPr/>
+          <p:nvPr/>
+        </p:nvSpPr>
+        <p:spPr>
+          <a:xfrm>
+            <a:off x="10515240" y="6202080"/>
+            <a:ext cx="1587240" cy="414360"/>
+          </a:xfrm>
+          <a:prstGeom prst="rect">
+            <a:avLst/>
+          </a:prstGeom>
+          <a:noFill/>
+          <a:ln>
+            <a:noFill/>
+          </a:ln>
+        </p:spPr>
+        <p:style>
+          <a:lnRef idx="0"/>
+          <a:fillRef idx="0"/>
+          <a:effectRef idx="0"/>
+          <a:fontRef idx="minor"/>
+        </p:style>
+        <p:txBody>
           <a:bodyPr lIns="90000" rIns="90000" tIns="45000" bIns="45000">
             <a:noAutofit/>
           </a:bodyPr>
@@ -14487,7 +14871,7 @@
                 <a:spcPct val="100000"/>
               </a:lnSpc>
             </a:pPr>
-            <a:fld id="{2BDDBFA5-EC7C-421C-B451-E2CCE8EC182A}" type="slidenum">
+            <a:fld id="{A6FE48D2-81FF-4258-9FDF-8AADEA67D018}" type="slidenum">
               <a:rPr b="0" lang="en-US" sz="1600" spc="-1" strike="noStrike">
                 <a:solidFill>
                   <a:srgbClr val="000000"/>
@@ -14505,7 +14889,7 @@
       </p:sp>
       <p:pic>
         <p:nvPicPr>
-          <p:cNvPr id="291" name="Picture 412" descr=""/>
+          <p:cNvPr id="292" name="" descr=""/>
           <p:cNvPicPr/>
           <p:nvPr/>
         </p:nvPicPr>
@@ -14515,8 +14899,8 @@
         </p:blipFill>
         <p:spPr>
           <a:xfrm>
-            <a:off x="4114440" y="2105280"/>
-            <a:ext cx="4637160" cy="3141720"/>
+            <a:off x="404640" y="4872600"/>
+            <a:ext cx="6752880" cy="1113480"/>
           </a:xfrm>
           <a:prstGeom prst="rect">
             <a:avLst/>
@@ -14556,6 +14940,1789 @@
           <a:chExt cx="0" cy="0"/>
         </a:xfrm>
       </p:grpSpPr>
+      <p:sp>
+        <p:nvSpPr>
+          <p:cNvPr id="293" name="CustomShape 1"/>
+          <p:cNvSpPr/>
+          <p:nvPr/>
+        </p:nvSpPr>
+        <p:spPr>
+          <a:xfrm>
+            <a:off x="685800" y="0"/>
+            <a:ext cx="10959840" cy="1132200"/>
+          </a:xfrm>
+          <a:prstGeom prst="rect">
+            <a:avLst/>
+          </a:prstGeom>
+          <a:noFill/>
+          <a:ln>
+            <a:noFill/>
+          </a:ln>
+        </p:spPr>
+        <p:style>
+          <a:lnRef idx="0"/>
+          <a:fillRef idx="0"/>
+          <a:effectRef idx="0"/>
+          <a:fontRef idx="minor"/>
+        </p:style>
+        <p:txBody>
+          <a:bodyPr lIns="90000" rIns="90000" tIns="45000" bIns="45000">
+            <a:noAutofit/>
+          </a:bodyPr>
+          <a:p>
+            <a:pPr algn="ctr">
+              <a:lnSpc>
+                <a:spcPct val="90000"/>
+              </a:lnSpc>
+              <a:spcBef>
+                <a:spcPts val="1001"/>
+              </a:spcBef>
+            </a:pPr>
+            <a:r>
+              <a:rPr b="1" lang="en-US" sz="3200" spc="-1" strike="noStrike">
+                <a:solidFill>
+                  <a:srgbClr val="3465a4"/>
+                </a:solidFill>
+                <a:latin typeface="Arial"/>
+                <a:ea typeface="Noto Sans CJK SC"/>
+              </a:rPr>
+              <a:t>3- Helm Chart</a:t>
+            </a:r>
+            <a:br/>
+            <a:br/>
+            <a:r>
+              <a:rPr b="0" lang="en-US" sz="1800" spc="-1" strike="noStrike">
+                <a:solidFill>
+                  <a:srgbClr val="000000"/>
+                </a:solidFill>
+                <a:latin typeface="Arial"/>
+                <a:ea typeface="DejaVu Sans"/>
+              </a:rPr>
+              <a:t>Dependencies and </a:t>
+            </a:r>
+            <a:r>
+              <a:rPr b="1" lang="en-US" sz="1800" spc="-1" strike="noStrike">
+                <a:solidFill>
+                  <a:srgbClr val="000000"/>
+                </a:solidFill>
+                <a:latin typeface="Arial"/>
+                <a:ea typeface="DejaVu Sans"/>
+              </a:rPr>
+              <a:t>resources</a:t>
+            </a:r>
+            <a:r>
+              <a:rPr b="0" lang="en-US" sz="2200" spc="-1" strike="noStrike">
+                <a:solidFill>
+                  <a:srgbClr val="000000"/>
+                </a:solidFill>
+                <a:latin typeface="Arial"/>
+                <a:ea typeface="Noto Sans CJK SC"/>
+              </a:rPr>
+              <a:t> - 2</a:t>
+            </a:r>
+            <a:endParaRPr b="0" lang="en-US" sz="2200" spc="-1" strike="noStrike">
+              <a:latin typeface="Arial"/>
+            </a:endParaRPr>
+          </a:p>
+        </p:txBody>
+      </p:sp>
+      <p:sp>
+        <p:nvSpPr>
+          <p:cNvPr id="294" name="CustomShape 2"/>
+          <p:cNvSpPr/>
+          <p:nvPr/>
+        </p:nvSpPr>
+        <p:spPr>
+          <a:xfrm>
+            <a:off x="274320" y="1554480"/>
+            <a:ext cx="11063160" cy="4479480"/>
+          </a:xfrm>
+          <a:prstGeom prst="rect">
+            <a:avLst/>
+          </a:prstGeom>
+          <a:noFill/>
+          <a:ln cap="rnd" w="6480">
+            <a:solidFill>
+              <a:srgbClr val="5eb91e"/>
+            </a:solidFill>
+            <a:round/>
+          </a:ln>
+        </p:spPr>
+        <p:style>
+          <a:lnRef idx="0"/>
+          <a:fillRef idx="0"/>
+          <a:effectRef idx="0"/>
+          <a:fontRef idx="minor"/>
+        </p:style>
+        <p:txBody>
+          <a:bodyPr lIns="93240" rIns="93240" tIns="48240" bIns="48240">
+            <a:noAutofit/>
+          </a:bodyPr>
+          <a:p>
+            <a:pPr>
+              <a:lnSpc>
+                <a:spcPct val="100000"/>
+              </a:lnSpc>
+              <a:spcBef>
+                <a:spcPts val="1417"/>
+              </a:spcBef>
+            </a:pPr>
+            <a:r>
+              <a:rPr b="0" lang="en-US" sz="1800" spc="-1" strike="noStrike" u="sng">
+                <a:uFillTx/>
+                <a:latin typeface="Arial"/>
+                <a:ea typeface="DejaVu Sans"/>
+              </a:rPr>
+              <a:t>Definition</a:t>
+            </a:r>
+            <a:r>
+              <a:rPr b="0" lang="en-US" sz="1800" spc="-1" strike="noStrike">
+                <a:latin typeface="Arial"/>
+                <a:ea typeface="DejaVu Sans"/>
+              </a:rPr>
+              <a:t>: specify Kubernetes resources that should be created, managed, or updated.</a:t>
+            </a:r>
+            <a:endParaRPr b="0" lang="en-US" sz="1800" spc="-1" strike="noStrike">
+              <a:latin typeface="Arial"/>
+            </a:endParaRPr>
+          </a:p>
+          <a:p>
+            <a:pPr>
+              <a:lnSpc>
+                <a:spcPct val="100000"/>
+              </a:lnSpc>
+              <a:spcBef>
+                <a:spcPts val="1417"/>
+              </a:spcBef>
+            </a:pPr>
+            <a:r>
+              <a:rPr b="0" lang="en-US" sz="1800" spc="-1" strike="noStrike" u="sng">
+                <a:uFillTx/>
+                <a:latin typeface="Arial"/>
+                <a:ea typeface="DejaVu Sans"/>
+              </a:rPr>
+              <a:t>Configuration</a:t>
+            </a:r>
+            <a:r>
+              <a:rPr b="0" lang="en-US" sz="1800" spc="-1" strike="noStrike">
+                <a:latin typeface="Arial"/>
+                <a:ea typeface="DejaVu Sans"/>
+              </a:rPr>
+              <a:t>: In “</a:t>
+            </a:r>
+            <a:r>
+              <a:rPr b="0" lang="en-US" sz="1800" spc="-1" strike="noStrike">
+                <a:solidFill>
+                  <a:srgbClr val="00a933"/>
+                </a:solidFill>
+                <a:latin typeface="Arial"/>
+                <a:ea typeface="DejaVu Sans"/>
+              </a:rPr>
+              <a:t>Chart.yaml</a:t>
+            </a:r>
+            <a:r>
+              <a:rPr b="0" lang="en-US" sz="1800" spc="-1" strike="noStrike">
+                <a:latin typeface="Arial"/>
+                <a:ea typeface="DejaVu Sans"/>
+              </a:rPr>
+              <a:t>”, we typically define </a:t>
+            </a:r>
+            <a:r>
+              <a:rPr b="0" lang="en-US" sz="1800" spc="-1" strike="noStrike">
+                <a:solidFill>
+                  <a:srgbClr val="c9211e"/>
+                </a:solidFill>
+                <a:latin typeface="Arial"/>
+                <a:ea typeface="DejaVu Sans"/>
+              </a:rPr>
+              <a:t>kind</a:t>
+            </a:r>
+            <a:r>
+              <a:rPr b="0" lang="en-US" sz="1800" spc="-1" strike="noStrike">
+                <a:latin typeface="Arial"/>
+                <a:ea typeface="DejaVu Sans"/>
+              </a:rPr>
+              <a:t>, </a:t>
+            </a:r>
+            <a:r>
+              <a:rPr b="0" lang="en-US" sz="1800" spc="-1" strike="noStrike">
+                <a:solidFill>
+                  <a:srgbClr val="c9211e"/>
+                </a:solidFill>
+                <a:latin typeface="Arial"/>
+                <a:ea typeface="DejaVu Sans"/>
+              </a:rPr>
+              <a:t>name</a:t>
+            </a:r>
+            <a:r>
+              <a:rPr b="0" lang="en-US" sz="1800" spc="-1" strike="noStrike">
+                <a:latin typeface="Arial"/>
+                <a:ea typeface="DejaVu Sans"/>
+              </a:rPr>
+              <a:t> for selections as in</a:t>
+            </a:r>
+            <a:br/>
+            <a:r>
+              <a:rPr b="0" lang="en-US" sz="1800" spc="-1" strike="noStrike">
+                <a:solidFill>
+                  <a:srgbClr val="c9211e"/>
+                </a:solidFill>
+                <a:latin typeface="Arial"/>
+                <a:ea typeface="DejaVu Sans"/>
+              </a:rPr>
+              <a:t>resources</a:t>
+            </a:r>
+            <a:r>
+              <a:rPr b="0" lang="en-US" sz="1800" spc="-1" strike="noStrike">
+                <a:latin typeface="Arial"/>
+                <a:ea typeface="DejaVu Sans"/>
+              </a:rPr>
+              <a:t>:</a:t>
+            </a:r>
+            <a:br/>
+            <a:r>
+              <a:rPr b="0" lang="en-US" sz="1800" spc="-1" strike="noStrike">
+                <a:latin typeface="Arial"/>
+                <a:ea typeface="DejaVu Sans"/>
+              </a:rPr>
+              <a:t>  - </a:t>
+            </a:r>
+            <a:r>
+              <a:rPr b="0" lang="en-US" sz="1800" spc="-1" strike="noStrike">
+                <a:solidFill>
+                  <a:srgbClr val="c9211e"/>
+                </a:solidFill>
+                <a:latin typeface="Arial"/>
+                <a:ea typeface="DejaVu Sans"/>
+              </a:rPr>
+              <a:t>kind</a:t>
+            </a:r>
+            <a:r>
+              <a:rPr b="0" lang="en-US" sz="1800" spc="-1" strike="noStrike">
+                <a:latin typeface="Arial"/>
+                <a:ea typeface="DejaVu Sans"/>
+              </a:rPr>
+              <a:t>: </a:t>
+            </a:r>
+            <a:r>
+              <a:rPr b="0" lang="en-US" sz="1800" spc="-1" strike="noStrike">
+                <a:solidFill>
+                  <a:srgbClr val="00a933"/>
+                </a:solidFill>
+                <a:latin typeface="Arial"/>
+                <a:ea typeface="DejaVu Sans"/>
+              </a:rPr>
+              <a:t>Deployment</a:t>
+            </a:r>
+            <a:br/>
+            <a:r>
+              <a:rPr b="0" lang="en-US" sz="1800" spc="-1" strike="noStrike">
+                <a:latin typeface="Arial"/>
+                <a:ea typeface="DejaVu Sans"/>
+              </a:rPr>
+              <a:t>    </a:t>
+            </a:r>
+            <a:r>
+              <a:rPr b="0" lang="en-US" sz="1800" spc="-1" strike="noStrike">
+                <a:solidFill>
+                  <a:srgbClr val="c9211e"/>
+                </a:solidFill>
+                <a:latin typeface="Arial"/>
+                <a:ea typeface="DejaVu Sans"/>
+              </a:rPr>
+              <a:t>name</a:t>
+            </a:r>
+            <a:r>
+              <a:rPr b="0" lang="en-US" sz="1800" spc="-1" strike="noStrike">
+                <a:latin typeface="Arial"/>
+                <a:ea typeface="DejaVu Sans"/>
+              </a:rPr>
+              <a:t>: </a:t>
+            </a:r>
+            <a:r>
+              <a:rPr b="0" lang="en-US" sz="1800" spc="-1" strike="noStrike">
+                <a:solidFill>
+                  <a:srgbClr val="00a933"/>
+                </a:solidFill>
+                <a:latin typeface="Arial"/>
+                <a:ea typeface="DejaVu Sans"/>
+              </a:rPr>
+              <a:t>frontend</a:t>
+            </a:r>
+            <a:endParaRPr b="0" lang="en-US" sz="1800" spc="-1" strike="noStrike">
+              <a:latin typeface="Arial"/>
+            </a:endParaRPr>
+          </a:p>
+          <a:p>
+            <a:pPr>
+              <a:lnSpc>
+                <a:spcPct val="100000"/>
+              </a:lnSpc>
+              <a:spcBef>
+                <a:spcPts val="1417"/>
+              </a:spcBef>
+            </a:pPr>
+            <a:endParaRPr b="0" lang="en-US" sz="1800" spc="-1" strike="noStrike">
+              <a:latin typeface="Arial"/>
+            </a:endParaRPr>
+          </a:p>
+        </p:txBody>
+      </p:sp>
+      <p:sp>
+        <p:nvSpPr>
+          <p:cNvPr id="295" name="CustomShape 3"/>
+          <p:cNvSpPr/>
+          <p:nvPr/>
+        </p:nvSpPr>
+        <p:spPr>
+          <a:xfrm>
+            <a:off x="10515240" y="6202080"/>
+            <a:ext cx="1587240" cy="414360"/>
+          </a:xfrm>
+          <a:prstGeom prst="rect">
+            <a:avLst/>
+          </a:prstGeom>
+          <a:noFill/>
+          <a:ln>
+            <a:noFill/>
+          </a:ln>
+        </p:spPr>
+        <p:style>
+          <a:lnRef idx="0"/>
+          <a:fillRef idx="0"/>
+          <a:effectRef idx="0"/>
+          <a:fontRef idx="minor"/>
+        </p:style>
+        <p:txBody>
+          <a:bodyPr lIns="90000" rIns="90000" tIns="45000" bIns="45000">
+            <a:noAutofit/>
+          </a:bodyPr>
+          <a:p>
+            <a:pPr algn="ctr">
+              <a:lnSpc>
+                <a:spcPct val="100000"/>
+              </a:lnSpc>
+            </a:pPr>
+            <a:fld id="{5BB74FE7-14B8-4DF2-9F77-C87A8493DA01}" type="slidenum">
+              <a:rPr b="0" lang="en-US" sz="1600" spc="-1" strike="noStrike">
+                <a:solidFill>
+                  <a:srgbClr val="000000"/>
+                </a:solidFill>
+                <a:latin typeface="Times New Roman"/>
+                <a:ea typeface="DejaVu Sans"/>
+              </a:rPr>
+              <a:t>&lt;number&gt;</a:t>
+            </a:fld>
+            <a:endParaRPr b="0" lang="en-US" sz="1600" spc="-1" strike="noStrike">
+              <a:latin typeface="Arial"/>
+            </a:endParaRPr>
+          </a:p>
+        </p:txBody>
+      </p:sp>
+    </p:spTree>
+  </p:cSld>
+  <mc:AlternateContent>
+    <mc:Choice Requires="p14">
+      <p:transition spd="slow" p14:dur="2000"/>
+    </mc:Choice>
+    <mc:Fallback>
+      <p:transition spd="slow"/>
+    </mc:Fallback>
+  </mc:AlternateContent>
+</p:sld>
+</file>
+
+<file path=ppt/slides/slide26.xml><?xml version="1.0" encoding="utf-8"?>
+<p:sld xmlns:a="http://schemas.openxmlformats.org/drawingml/2006/main" xmlns:p="http://schemas.openxmlformats.org/presentationml/2006/main" xmlns:r="http://schemas.openxmlformats.org/officeDocument/2006/relationships" xmlns:p14="http://schemas.microsoft.com/office/powerpoint/2010/main" xmlns:p15="http://schemas.microsoft.com/office/powerpoint/2012/main" xmlns:mc="http://schemas.openxmlformats.org/markup-compatibility/2006">
+  <p:cSld>
+    <p:spTree>
+      <p:nvGrpSpPr>
+        <p:cNvPr id="1" name=""/>
+        <p:cNvGrpSpPr/>
+        <p:nvPr/>
+      </p:nvGrpSpPr>
+      <p:grpSpPr>
+        <a:xfrm>
+          <a:off x="0" y="0"/>
+          <a:ext cx="0" cy="0"/>
+          <a:chOff x="0" y="0"/>
+          <a:chExt cx="0" cy="0"/>
+        </a:xfrm>
+      </p:grpSpPr>
+      <p:sp>
+        <p:nvSpPr>
+          <p:cNvPr id="296" name="CustomShape 1"/>
+          <p:cNvSpPr/>
+          <p:nvPr/>
+        </p:nvSpPr>
+        <p:spPr>
+          <a:xfrm>
+            <a:off x="685800" y="0"/>
+            <a:ext cx="10959840" cy="1132200"/>
+          </a:xfrm>
+          <a:prstGeom prst="rect">
+            <a:avLst/>
+          </a:prstGeom>
+          <a:noFill/>
+          <a:ln>
+            <a:noFill/>
+          </a:ln>
+        </p:spPr>
+        <p:style>
+          <a:lnRef idx="0"/>
+          <a:fillRef idx="0"/>
+          <a:effectRef idx="0"/>
+          <a:fontRef idx="minor"/>
+        </p:style>
+        <p:txBody>
+          <a:bodyPr lIns="90000" rIns="90000" tIns="45000" bIns="45000">
+            <a:noAutofit/>
+          </a:bodyPr>
+          <a:p>
+            <a:pPr algn="ctr">
+              <a:lnSpc>
+                <a:spcPct val="90000"/>
+              </a:lnSpc>
+              <a:spcBef>
+                <a:spcPts val="1001"/>
+              </a:spcBef>
+            </a:pPr>
+            <a:r>
+              <a:rPr b="1" lang="en-US" sz="3200" spc="-1" strike="noStrike">
+                <a:solidFill>
+                  <a:srgbClr val="3465a4"/>
+                </a:solidFill>
+                <a:latin typeface="Arial"/>
+                <a:ea typeface="Noto Sans CJK SC"/>
+              </a:rPr>
+              <a:t>3- Helm Chart</a:t>
+            </a:r>
+            <a:br/>
+            <a:br/>
+            <a:r>
+              <a:rPr b="1" lang="en-US" sz="1800" spc="-1" strike="noStrike">
+                <a:solidFill>
+                  <a:srgbClr val="000000"/>
+                </a:solidFill>
+                <a:latin typeface="Arial"/>
+                <a:ea typeface="DejaVu Sans"/>
+              </a:rPr>
+              <a:t>Conditional statements</a:t>
+            </a:r>
+            <a:r>
+              <a:rPr b="0" lang="en-US" sz="1800" spc="-1" strike="noStrike">
+                <a:solidFill>
+                  <a:srgbClr val="000000"/>
+                </a:solidFill>
+                <a:latin typeface="Arial"/>
+                <a:ea typeface="DejaVu Sans"/>
+              </a:rPr>
+              <a:t> and loops</a:t>
+            </a:r>
+            <a:r>
+              <a:rPr b="0" lang="en-US" sz="2200" spc="-1" strike="noStrike">
+                <a:solidFill>
+                  <a:srgbClr val="000000"/>
+                </a:solidFill>
+                <a:latin typeface="Arial"/>
+                <a:ea typeface="Noto Sans CJK SC"/>
+              </a:rPr>
+              <a:t> - 1</a:t>
+            </a:r>
+            <a:endParaRPr b="0" lang="en-US" sz="2200" spc="-1" strike="noStrike">
+              <a:latin typeface="Arial"/>
+            </a:endParaRPr>
+          </a:p>
+        </p:txBody>
+      </p:sp>
+      <p:sp>
+        <p:nvSpPr>
+          <p:cNvPr id="297" name="CustomShape 2"/>
+          <p:cNvSpPr/>
+          <p:nvPr/>
+        </p:nvSpPr>
+        <p:spPr>
+          <a:xfrm>
+            <a:off x="274320" y="1554480"/>
+            <a:ext cx="11063160" cy="4479480"/>
+          </a:xfrm>
+          <a:prstGeom prst="rect">
+            <a:avLst/>
+          </a:prstGeom>
+          <a:noFill/>
+          <a:ln cap="rnd" w="6480">
+            <a:solidFill>
+              <a:srgbClr val="5eb91e"/>
+            </a:solidFill>
+            <a:round/>
+          </a:ln>
+        </p:spPr>
+        <p:style>
+          <a:lnRef idx="0"/>
+          <a:fillRef idx="0"/>
+          <a:effectRef idx="0"/>
+          <a:fontRef idx="minor"/>
+        </p:style>
+        <p:txBody>
+          <a:bodyPr lIns="93240" rIns="93240" tIns="48240" bIns="48240">
+            <a:noAutofit/>
+          </a:bodyPr>
+          <a:p>
+            <a:pPr>
+              <a:lnSpc>
+                <a:spcPct val="100000"/>
+              </a:lnSpc>
+              <a:spcBef>
+                <a:spcPts val="1417"/>
+              </a:spcBef>
+            </a:pPr>
+            <a:r>
+              <a:rPr b="0" lang="en-US" sz="1800" spc="-1" strike="noStrike" u="sng">
+                <a:uFillTx/>
+                <a:latin typeface="Arial"/>
+                <a:ea typeface="DejaVu Sans"/>
+              </a:rPr>
+              <a:t>Definition</a:t>
+            </a:r>
+            <a:r>
+              <a:rPr b="0" lang="en-US" sz="1800" spc="-1" strike="noStrike">
+                <a:latin typeface="Arial"/>
+                <a:ea typeface="DejaVu Sans"/>
+              </a:rPr>
+              <a:t>: control the flow and behavior of Helm templates based on specific conditions or values. They include </a:t>
+            </a:r>
+            <a:r>
+              <a:rPr b="0" lang="en-US" sz="1800" spc="-1" strike="noStrike">
+                <a:solidFill>
+                  <a:srgbClr val="c9211e"/>
+                </a:solidFill>
+                <a:latin typeface="Arial"/>
+                <a:ea typeface="DejaVu Sans"/>
+              </a:rPr>
+              <a:t>if</a:t>
+            </a:r>
+            <a:r>
+              <a:rPr b="0" lang="en-US" sz="1800" spc="-1" strike="noStrike">
+                <a:latin typeface="Arial"/>
+                <a:ea typeface="DejaVu Sans"/>
+              </a:rPr>
+              <a:t>, </a:t>
+            </a:r>
+            <a:r>
+              <a:rPr b="0" lang="en-US" sz="1800" spc="-1" strike="noStrike">
+                <a:solidFill>
+                  <a:srgbClr val="c9211e"/>
+                </a:solidFill>
+                <a:latin typeface="Arial"/>
+                <a:ea typeface="DejaVu Sans"/>
+              </a:rPr>
+              <a:t>else</a:t>
+            </a:r>
+            <a:r>
+              <a:rPr b="0" lang="en-US" sz="1800" spc="-1" strike="noStrike">
+                <a:latin typeface="Arial"/>
+                <a:ea typeface="DejaVu Sans"/>
+              </a:rPr>
+              <a:t>, and </a:t>
+            </a:r>
+            <a:r>
+              <a:rPr b="0" lang="en-US" sz="1800" spc="-1" strike="noStrike">
+                <a:solidFill>
+                  <a:srgbClr val="c9211e"/>
+                </a:solidFill>
+                <a:latin typeface="Arial"/>
+                <a:ea typeface="DejaVu Sans"/>
+              </a:rPr>
+              <a:t>with</a:t>
+            </a:r>
+            <a:r>
+              <a:rPr b="0" lang="en-US" sz="1800" spc="-1" strike="noStrike">
+                <a:latin typeface="Arial"/>
+                <a:ea typeface="DejaVu Sans"/>
+              </a:rPr>
+              <a:t> statements.</a:t>
+            </a:r>
+            <a:endParaRPr b="0" lang="en-US" sz="1800" spc="-1" strike="noStrike">
+              <a:latin typeface="Arial"/>
+            </a:endParaRPr>
+          </a:p>
+          <a:p>
+            <a:pPr>
+              <a:lnSpc>
+                <a:spcPct val="100000"/>
+              </a:lnSpc>
+              <a:spcBef>
+                <a:spcPts val="1417"/>
+              </a:spcBef>
+            </a:pPr>
+            <a:r>
+              <a:rPr b="0" lang="en-US" sz="1800" spc="-1" strike="noStrike" u="sng">
+                <a:uFillTx/>
+                <a:latin typeface="Arial"/>
+                <a:ea typeface="DejaVu Sans"/>
+              </a:rPr>
+              <a:t>Exampe</a:t>
+            </a:r>
+            <a:r>
+              <a:rPr b="0" lang="en-US" sz="1800" spc="-1" strike="noStrike">
+                <a:latin typeface="Arial"/>
+                <a:ea typeface="DejaVu Sans"/>
+              </a:rPr>
+              <a:t>: </a:t>
+            </a:r>
+            <a:br/>
+            <a:r>
+              <a:rPr b="0" lang="en-US" sz="1800" spc="-1" strike="noStrike">
+                <a:latin typeface="Arial"/>
+                <a:ea typeface="DejaVu Sans"/>
+              </a:rPr>
+              <a:t>In “</a:t>
+            </a:r>
+            <a:r>
+              <a:rPr b="0" lang="en-US" sz="1800" spc="-1" strike="noStrike">
+                <a:solidFill>
+                  <a:srgbClr val="c9211e"/>
+                </a:solidFill>
+                <a:latin typeface="Arial"/>
+                <a:ea typeface="DejaVu Sans"/>
+              </a:rPr>
+              <a:t>values.yaml</a:t>
+            </a:r>
+            <a:r>
+              <a:rPr b="0" lang="en-US" sz="1800" spc="-1" strike="noStrike">
+                <a:latin typeface="Arial"/>
+                <a:ea typeface="DejaVu Sans"/>
+              </a:rPr>
+              <a:t>”</a:t>
+            </a:r>
+            <a:br/>
+            <a:r>
+              <a:rPr b="0" lang="en-US" sz="1800" spc="-1" strike="noStrike">
+                <a:solidFill>
+                  <a:srgbClr val="00a933"/>
+                </a:solidFill>
+                <a:latin typeface="Arial"/>
+                <a:ea typeface="DejaVu Sans"/>
+              </a:rPr>
+              <a:t>createService: true</a:t>
+            </a:r>
+            <a:endParaRPr b="0" lang="en-US" sz="1800" spc="-1" strike="noStrike">
+              <a:latin typeface="Arial"/>
+            </a:endParaRPr>
+          </a:p>
+          <a:p>
+            <a:pPr>
+              <a:lnSpc>
+                <a:spcPct val="100000"/>
+              </a:lnSpc>
+              <a:spcBef>
+                <a:spcPts val="1417"/>
+              </a:spcBef>
+            </a:pPr>
+            <a:r>
+              <a:rPr b="0" lang="en-US" sz="1800" spc="-1" strike="noStrike">
+                <a:solidFill>
+                  <a:srgbClr val="000000"/>
+                </a:solidFill>
+                <a:latin typeface="Arial"/>
+                <a:ea typeface="DejaVu Sans"/>
+              </a:rPr>
+              <a:t>In “</a:t>
+            </a:r>
+            <a:r>
+              <a:rPr b="0" lang="en-US" sz="1800" spc="-1" strike="noStrike">
+                <a:solidFill>
+                  <a:srgbClr val="c9211e"/>
+                </a:solidFill>
+                <a:latin typeface="Arial"/>
+                <a:ea typeface="DejaVu Sans"/>
+              </a:rPr>
+              <a:t>service.yaml</a:t>
+            </a:r>
+            <a:r>
+              <a:rPr b="0" lang="en-US" sz="1800" spc="-1" strike="noStrike">
+                <a:solidFill>
+                  <a:srgbClr val="000000"/>
+                </a:solidFill>
+                <a:latin typeface="Arial"/>
+                <a:ea typeface="DejaVu Sans"/>
+              </a:rPr>
+              <a:t>”</a:t>
+            </a:r>
+            <a:br/>
+            <a:endParaRPr b="0" lang="en-US" sz="1800" spc="-1" strike="noStrike">
+              <a:latin typeface="Arial"/>
+            </a:endParaRPr>
+          </a:p>
+        </p:txBody>
+      </p:sp>
+      <p:sp>
+        <p:nvSpPr>
+          <p:cNvPr id="298" name="CustomShape 3"/>
+          <p:cNvSpPr/>
+          <p:nvPr/>
+        </p:nvSpPr>
+        <p:spPr>
+          <a:xfrm>
+            <a:off x="10515240" y="6202080"/>
+            <a:ext cx="1587240" cy="414360"/>
+          </a:xfrm>
+          <a:prstGeom prst="rect">
+            <a:avLst/>
+          </a:prstGeom>
+          <a:noFill/>
+          <a:ln>
+            <a:noFill/>
+          </a:ln>
+        </p:spPr>
+        <p:style>
+          <a:lnRef idx="0"/>
+          <a:fillRef idx="0"/>
+          <a:effectRef idx="0"/>
+          <a:fontRef idx="minor"/>
+        </p:style>
+        <p:txBody>
+          <a:bodyPr lIns="90000" rIns="90000" tIns="45000" bIns="45000">
+            <a:noAutofit/>
+          </a:bodyPr>
+          <a:p>
+            <a:pPr algn="ctr">
+              <a:lnSpc>
+                <a:spcPct val="100000"/>
+              </a:lnSpc>
+            </a:pPr>
+            <a:fld id="{94E3787B-4E9C-45A8-8920-B64BA1A02608}" type="slidenum">
+              <a:rPr b="0" lang="en-US" sz="1600" spc="-1" strike="noStrike">
+                <a:solidFill>
+                  <a:srgbClr val="000000"/>
+                </a:solidFill>
+                <a:latin typeface="Times New Roman"/>
+                <a:ea typeface="DejaVu Sans"/>
+              </a:rPr>
+              <a:t>&lt;number&gt;</a:t>
+            </a:fld>
+            <a:endParaRPr b="0" lang="en-US" sz="1600" spc="-1" strike="noStrike">
+              <a:latin typeface="Arial"/>
+            </a:endParaRPr>
+          </a:p>
+        </p:txBody>
+      </p:sp>
+      <p:pic>
+        <p:nvPicPr>
+          <p:cNvPr id="299" name="" descr=""/>
+          <p:cNvPicPr/>
+          <p:nvPr/>
+        </p:nvPicPr>
+        <p:blipFill>
+          <a:blip r:embed="rId1"/>
+          <a:stretch/>
+        </p:blipFill>
+        <p:spPr>
+          <a:xfrm>
+            <a:off x="398880" y="3634560"/>
+            <a:ext cx="2885760" cy="2134800"/>
+          </a:xfrm>
+          <a:prstGeom prst="rect">
+            <a:avLst/>
+          </a:prstGeom>
+          <a:ln>
+            <a:noFill/>
+          </a:ln>
+        </p:spPr>
+      </p:pic>
+      <p:pic>
+        <p:nvPicPr>
+          <p:cNvPr id="300" name="" descr=""/>
+          <p:cNvPicPr/>
+          <p:nvPr/>
+        </p:nvPicPr>
+        <p:blipFill>
+          <a:blip r:embed="rId2"/>
+          <a:stretch/>
+        </p:blipFill>
+        <p:spPr>
+          <a:xfrm>
+            <a:off x="3415680" y="3632760"/>
+            <a:ext cx="2895120" cy="2144160"/>
+          </a:xfrm>
+          <a:prstGeom prst="rect">
+            <a:avLst/>
+          </a:prstGeom>
+          <a:ln>
+            <a:noFill/>
+          </a:ln>
+        </p:spPr>
+      </p:pic>
+    </p:spTree>
+  </p:cSld>
+  <mc:AlternateContent>
+    <mc:Choice Requires="p14">
+      <p:transition spd="slow" p14:dur="2000"/>
+    </mc:Choice>
+    <mc:Fallback>
+      <p:transition spd="slow"/>
+    </mc:Fallback>
+  </mc:AlternateContent>
+</p:sld>
+</file>
+
+<file path=ppt/slides/slide27.xml><?xml version="1.0" encoding="utf-8"?>
+<p:sld xmlns:a="http://schemas.openxmlformats.org/drawingml/2006/main" xmlns:p="http://schemas.openxmlformats.org/presentationml/2006/main" xmlns:r="http://schemas.openxmlformats.org/officeDocument/2006/relationships" xmlns:p14="http://schemas.microsoft.com/office/powerpoint/2010/main" xmlns:p15="http://schemas.microsoft.com/office/powerpoint/2012/main" xmlns:mc="http://schemas.openxmlformats.org/markup-compatibility/2006">
+  <p:cSld>
+    <p:spTree>
+      <p:nvGrpSpPr>
+        <p:cNvPr id="1" name=""/>
+        <p:cNvGrpSpPr/>
+        <p:nvPr/>
+      </p:nvGrpSpPr>
+      <p:grpSpPr>
+        <a:xfrm>
+          <a:off x="0" y="0"/>
+          <a:ext cx="0" cy="0"/>
+          <a:chOff x="0" y="0"/>
+          <a:chExt cx="0" cy="0"/>
+        </a:xfrm>
+      </p:grpSpPr>
+      <p:sp>
+        <p:nvSpPr>
+          <p:cNvPr id="301" name="CustomShape 1"/>
+          <p:cNvSpPr/>
+          <p:nvPr/>
+        </p:nvSpPr>
+        <p:spPr>
+          <a:xfrm>
+            <a:off x="685800" y="0"/>
+            <a:ext cx="10959840" cy="1132200"/>
+          </a:xfrm>
+          <a:prstGeom prst="rect">
+            <a:avLst/>
+          </a:prstGeom>
+          <a:noFill/>
+          <a:ln>
+            <a:noFill/>
+          </a:ln>
+        </p:spPr>
+        <p:style>
+          <a:lnRef idx="0"/>
+          <a:fillRef idx="0"/>
+          <a:effectRef idx="0"/>
+          <a:fontRef idx="minor"/>
+        </p:style>
+        <p:txBody>
+          <a:bodyPr lIns="90000" rIns="90000" tIns="45000" bIns="45000">
+            <a:noAutofit/>
+          </a:bodyPr>
+          <a:p>
+            <a:pPr algn="ctr">
+              <a:lnSpc>
+                <a:spcPct val="90000"/>
+              </a:lnSpc>
+              <a:spcBef>
+                <a:spcPts val="1001"/>
+              </a:spcBef>
+            </a:pPr>
+            <a:r>
+              <a:rPr b="1" lang="en-US" sz="3200" spc="-1" strike="noStrike">
+                <a:solidFill>
+                  <a:srgbClr val="3465a4"/>
+                </a:solidFill>
+                <a:latin typeface="Arial"/>
+                <a:ea typeface="Noto Sans CJK SC"/>
+              </a:rPr>
+              <a:t>3- Helm Chart</a:t>
+            </a:r>
+            <a:br/>
+            <a:br/>
+            <a:r>
+              <a:rPr b="0" lang="en-US" sz="1800" spc="-1" strike="noStrike">
+                <a:solidFill>
+                  <a:srgbClr val="000000"/>
+                </a:solidFill>
+                <a:latin typeface="Arial"/>
+                <a:ea typeface="DejaVu Sans"/>
+              </a:rPr>
+              <a:t>Conditional statements and </a:t>
+            </a:r>
+            <a:r>
+              <a:rPr b="1" lang="en-US" sz="1800" spc="-1" strike="noStrike">
+                <a:solidFill>
+                  <a:srgbClr val="000000"/>
+                </a:solidFill>
+                <a:latin typeface="Arial"/>
+                <a:ea typeface="DejaVu Sans"/>
+              </a:rPr>
+              <a:t>loops</a:t>
+            </a:r>
+            <a:r>
+              <a:rPr b="0" lang="en-US" sz="2200" spc="-1" strike="noStrike">
+                <a:solidFill>
+                  <a:srgbClr val="000000"/>
+                </a:solidFill>
+                <a:latin typeface="Arial"/>
+                <a:ea typeface="Noto Sans CJK SC"/>
+              </a:rPr>
+              <a:t> - 2</a:t>
+            </a:r>
+            <a:endParaRPr b="0" lang="en-US" sz="2200" spc="-1" strike="noStrike">
+              <a:latin typeface="Arial"/>
+            </a:endParaRPr>
+          </a:p>
+        </p:txBody>
+      </p:sp>
+      <p:sp>
+        <p:nvSpPr>
+          <p:cNvPr id="302" name="CustomShape 2"/>
+          <p:cNvSpPr/>
+          <p:nvPr/>
+        </p:nvSpPr>
+        <p:spPr>
+          <a:xfrm>
+            <a:off x="274320" y="1554480"/>
+            <a:ext cx="11063160" cy="4479480"/>
+          </a:xfrm>
+          <a:prstGeom prst="rect">
+            <a:avLst/>
+          </a:prstGeom>
+          <a:noFill/>
+          <a:ln cap="rnd" w="6480">
+            <a:solidFill>
+              <a:srgbClr val="5eb91e"/>
+            </a:solidFill>
+            <a:round/>
+          </a:ln>
+        </p:spPr>
+        <p:style>
+          <a:lnRef idx="0"/>
+          <a:fillRef idx="0"/>
+          <a:effectRef idx="0"/>
+          <a:fontRef idx="minor"/>
+        </p:style>
+        <p:txBody>
+          <a:bodyPr lIns="93240" rIns="93240" tIns="48240" bIns="48240">
+            <a:noAutofit/>
+          </a:bodyPr>
+          <a:p>
+            <a:pPr>
+              <a:lnSpc>
+                <a:spcPct val="100000"/>
+              </a:lnSpc>
+              <a:spcBef>
+                <a:spcPts val="1417"/>
+              </a:spcBef>
+            </a:pPr>
+            <a:r>
+              <a:rPr b="0" lang="en-US" sz="1800" spc="-1" strike="noStrike" u="sng">
+                <a:uFillTx/>
+                <a:latin typeface="Arial"/>
+                <a:ea typeface="DejaVu Sans"/>
+              </a:rPr>
+              <a:t>Definition</a:t>
+            </a:r>
+            <a:r>
+              <a:rPr b="0" lang="en-US" sz="1800" spc="-1" strike="noStrike">
+                <a:latin typeface="Arial"/>
+                <a:ea typeface="DejaVu Sans"/>
+              </a:rPr>
+              <a:t>: loop through items in a collection and execute a block of code for each item. It onlny includes </a:t>
+            </a:r>
+            <a:r>
+              <a:rPr b="0" lang="en-US" sz="1800" spc="-1" strike="noStrike">
+                <a:solidFill>
+                  <a:srgbClr val="c9211e"/>
+                </a:solidFill>
+                <a:latin typeface="Arial"/>
+                <a:ea typeface="DejaVu Sans"/>
+              </a:rPr>
+              <a:t>range</a:t>
+            </a:r>
+            <a:r>
+              <a:rPr b="0" lang="en-US" sz="1800" spc="-1" strike="noStrike">
+                <a:latin typeface="Arial"/>
+                <a:ea typeface="DejaVu Sans"/>
+              </a:rPr>
+              <a:t> </a:t>
+            </a:r>
+            <a:r>
+              <a:rPr b="0" lang="en-US" sz="1800" spc="-1" strike="noStrike">
+                <a:latin typeface="Arial"/>
+                <a:ea typeface="DejaVu Sans"/>
+              </a:rPr>
+              <a:t>statements.</a:t>
+            </a:r>
+            <a:endParaRPr b="0" lang="en-US" sz="1800" spc="-1" strike="noStrike">
+              <a:latin typeface="Arial"/>
+            </a:endParaRPr>
+          </a:p>
+          <a:p>
+            <a:pPr>
+              <a:lnSpc>
+                <a:spcPct val="100000"/>
+              </a:lnSpc>
+              <a:spcBef>
+                <a:spcPts val="1417"/>
+              </a:spcBef>
+            </a:pPr>
+            <a:r>
+              <a:rPr b="0" lang="en-US" sz="1800" spc="-1" strike="noStrike">
+                <a:latin typeface="Arial"/>
+                <a:ea typeface="DejaVu Sans"/>
+              </a:rPr>
+              <a:t>Exampe:</a:t>
+            </a:r>
+            <a:br/>
+            <a:r>
+              <a:rPr b="0" lang="en-US" sz="1800" spc="-1" strike="noStrike">
+                <a:latin typeface="Arial"/>
+                <a:ea typeface="DejaVu Sans"/>
+              </a:rPr>
+              <a:t>- input: </a:t>
+            </a:r>
+            <a:br/>
+            <a:br/>
+            <a:endParaRPr b="0" lang="en-US" sz="1800" spc="-1" strike="noStrike">
+              <a:latin typeface="Arial"/>
+            </a:endParaRPr>
+          </a:p>
+          <a:p>
+            <a:pPr>
+              <a:lnSpc>
+                <a:spcPct val="100000"/>
+              </a:lnSpc>
+              <a:spcBef>
+                <a:spcPts val="1417"/>
+              </a:spcBef>
+            </a:pPr>
+            <a:br/>
+            <a:endParaRPr b="0" lang="en-US" sz="1800" spc="-1" strike="noStrike">
+              <a:latin typeface="Arial"/>
+            </a:endParaRPr>
+          </a:p>
+          <a:p>
+            <a:pPr>
+              <a:lnSpc>
+                <a:spcPct val="100000"/>
+              </a:lnSpc>
+              <a:spcBef>
+                <a:spcPts val="1417"/>
+              </a:spcBef>
+            </a:pPr>
+            <a:br/>
+            <a:r>
+              <a:rPr b="0" lang="en-US" sz="1800" spc="-1" strike="noStrike">
+                <a:solidFill>
+                  <a:srgbClr val="000000"/>
+                </a:solidFill>
+                <a:latin typeface="Arial"/>
+                <a:ea typeface="DejaVu Sans"/>
+              </a:rPr>
+              <a:t>- output:</a:t>
+            </a:r>
+            <a:endParaRPr b="0" lang="en-US" sz="1800" spc="-1" strike="noStrike">
+              <a:latin typeface="Arial"/>
+            </a:endParaRPr>
+          </a:p>
+          <a:p>
+            <a:pPr>
+              <a:lnSpc>
+                <a:spcPct val="100000"/>
+              </a:lnSpc>
+              <a:spcBef>
+                <a:spcPts val="1417"/>
+              </a:spcBef>
+            </a:pPr>
+            <a:endParaRPr b="0" lang="en-US" sz="1800" spc="-1" strike="noStrike">
+              <a:latin typeface="Arial"/>
+            </a:endParaRPr>
+          </a:p>
+        </p:txBody>
+      </p:sp>
+      <p:sp>
+        <p:nvSpPr>
+          <p:cNvPr id="303" name="CustomShape 3"/>
+          <p:cNvSpPr/>
+          <p:nvPr/>
+        </p:nvSpPr>
+        <p:spPr>
+          <a:xfrm>
+            <a:off x="10515240" y="6202080"/>
+            <a:ext cx="1587240" cy="414360"/>
+          </a:xfrm>
+          <a:prstGeom prst="rect">
+            <a:avLst/>
+          </a:prstGeom>
+          <a:noFill/>
+          <a:ln>
+            <a:noFill/>
+          </a:ln>
+        </p:spPr>
+        <p:style>
+          <a:lnRef idx="0"/>
+          <a:fillRef idx="0"/>
+          <a:effectRef idx="0"/>
+          <a:fontRef idx="minor"/>
+        </p:style>
+        <p:txBody>
+          <a:bodyPr lIns="90000" rIns="90000" tIns="45000" bIns="45000">
+            <a:noAutofit/>
+          </a:bodyPr>
+          <a:p>
+            <a:pPr algn="ctr">
+              <a:lnSpc>
+                <a:spcPct val="100000"/>
+              </a:lnSpc>
+            </a:pPr>
+            <a:fld id="{F40A53AE-194E-4DFA-B19D-F6FA157CE69B}" type="slidenum">
+              <a:rPr b="0" lang="en-US" sz="1600" spc="-1" strike="noStrike">
+                <a:solidFill>
+                  <a:srgbClr val="000000"/>
+                </a:solidFill>
+                <a:latin typeface="Times New Roman"/>
+                <a:ea typeface="DejaVu Sans"/>
+              </a:rPr>
+              <a:t>&lt;number&gt;</a:t>
+            </a:fld>
+            <a:endParaRPr b="0" lang="en-US" sz="1600" spc="-1" strike="noStrike">
+              <a:latin typeface="Arial"/>
+            </a:endParaRPr>
+          </a:p>
+        </p:txBody>
+      </p:sp>
+      <p:pic>
+        <p:nvPicPr>
+          <p:cNvPr id="304" name="" descr=""/>
+          <p:cNvPicPr/>
+          <p:nvPr/>
+        </p:nvPicPr>
+        <p:blipFill>
+          <a:blip r:embed="rId1"/>
+          <a:stretch/>
+        </p:blipFill>
+        <p:spPr>
+          <a:xfrm>
+            <a:off x="1122480" y="2677680"/>
+            <a:ext cx="1913400" cy="1589400"/>
+          </a:xfrm>
+          <a:prstGeom prst="rect">
+            <a:avLst/>
+          </a:prstGeom>
+          <a:ln>
+            <a:noFill/>
+          </a:ln>
+        </p:spPr>
+      </p:pic>
+      <p:pic>
+        <p:nvPicPr>
+          <p:cNvPr id="305" name="" descr=""/>
+          <p:cNvPicPr/>
+          <p:nvPr/>
+        </p:nvPicPr>
+        <p:blipFill>
+          <a:blip r:embed="rId2"/>
+          <a:stretch/>
+        </p:blipFill>
+        <p:spPr>
+          <a:xfrm>
+            <a:off x="3075480" y="2681280"/>
+            <a:ext cx="2971440" cy="1577880"/>
+          </a:xfrm>
+          <a:prstGeom prst="rect">
+            <a:avLst/>
+          </a:prstGeom>
+          <a:ln>
+            <a:noFill/>
+          </a:ln>
+        </p:spPr>
+      </p:pic>
+      <p:pic>
+        <p:nvPicPr>
+          <p:cNvPr id="306" name="" descr=""/>
+          <p:cNvPicPr/>
+          <p:nvPr/>
+        </p:nvPicPr>
+        <p:blipFill>
+          <a:blip r:embed="rId3"/>
+          <a:stretch/>
+        </p:blipFill>
+        <p:spPr>
+          <a:xfrm>
+            <a:off x="1209240" y="4628880"/>
+            <a:ext cx="2304720" cy="1399680"/>
+          </a:xfrm>
+          <a:prstGeom prst="rect">
+            <a:avLst/>
+          </a:prstGeom>
+          <a:ln>
+            <a:noFill/>
+          </a:ln>
+        </p:spPr>
+      </p:pic>
+    </p:spTree>
+  </p:cSld>
+  <mc:AlternateContent>
+    <mc:Choice Requires="p14">
+      <p:transition spd="slow" p14:dur="2000"/>
+    </mc:Choice>
+    <mc:Fallback>
+      <p:transition spd="slow"/>
+    </mc:Fallback>
+  </mc:AlternateContent>
+</p:sld>
+</file>
+
+<file path=ppt/slides/slide28.xml><?xml version="1.0" encoding="utf-8"?>
+<p:sld xmlns:a="http://schemas.openxmlformats.org/drawingml/2006/main" xmlns:p="http://schemas.openxmlformats.org/presentationml/2006/main" xmlns:r="http://schemas.openxmlformats.org/officeDocument/2006/relationships" xmlns:p14="http://schemas.microsoft.com/office/powerpoint/2010/main" xmlns:p15="http://schemas.microsoft.com/office/powerpoint/2012/main" xmlns:mc="http://schemas.openxmlformats.org/markup-compatibility/2006">
+  <p:cSld>
+    <p:spTree>
+      <p:nvGrpSpPr>
+        <p:cNvPr id="1" name=""/>
+        <p:cNvGrpSpPr/>
+        <p:nvPr/>
+      </p:nvGrpSpPr>
+      <p:grpSpPr>
+        <a:xfrm>
+          <a:off x="0" y="0"/>
+          <a:ext cx="0" cy="0"/>
+          <a:chOff x="0" y="0"/>
+          <a:chExt cx="0" cy="0"/>
+        </a:xfrm>
+      </p:grpSpPr>
+      <p:sp>
+        <p:nvSpPr>
+          <p:cNvPr id="307" name="CustomShape 1"/>
+          <p:cNvSpPr/>
+          <p:nvPr/>
+        </p:nvSpPr>
+        <p:spPr>
+          <a:xfrm>
+            <a:off x="685800" y="0"/>
+            <a:ext cx="10959840" cy="1132200"/>
+          </a:xfrm>
+          <a:prstGeom prst="rect">
+            <a:avLst/>
+          </a:prstGeom>
+          <a:noFill/>
+          <a:ln>
+            <a:noFill/>
+          </a:ln>
+        </p:spPr>
+        <p:style>
+          <a:lnRef idx="0"/>
+          <a:fillRef idx="0"/>
+          <a:effectRef idx="0"/>
+          <a:fontRef idx="minor"/>
+        </p:style>
+        <p:txBody>
+          <a:bodyPr lIns="90000" rIns="90000" tIns="45000" bIns="45000">
+            <a:noAutofit/>
+          </a:bodyPr>
+          <a:p>
+            <a:pPr algn="ctr">
+              <a:lnSpc>
+                <a:spcPct val="90000"/>
+              </a:lnSpc>
+              <a:spcBef>
+                <a:spcPts val="1001"/>
+              </a:spcBef>
+            </a:pPr>
+            <a:r>
+              <a:rPr b="1" lang="en-US" sz="3200" spc="-1" strike="noStrike">
+                <a:solidFill>
+                  <a:srgbClr val="3465a4"/>
+                </a:solidFill>
+                <a:latin typeface="Arial"/>
+                <a:ea typeface="Noto Sans CJK SC"/>
+              </a:rPr>
+              <a:t>4- Helm Chart Repository</a:t>
+            </a:r>
+            <a:endParaRPr b="0" lang="en-US" sz="3200" spc="-1" strike="noStrike">
+              <a:latin typeface="Arial"/>
+            </a:endParaRPr>
+          </a:p>
+        </p:txBody>
+      </p:sp>
+      <p:sp>
+        <p:nvSpPr>
+          <p:cNvPr id="308" name="CustomShape 2"/>
+          <p:cNvSpPr/>
+          <p:nvPr/>
+        </p:nvSpPr>
+        <p:spPr>
+          <a:xfrm>
+            <a:off x="274320" y="1554480"/>
+            <a:ext cx="11063160" cy="4479480"/>
+          </a:xfrm>
+          <a:prstGeom prst="rect">
+            <a:avLst/>
+          </a:prstGeom>
+          <a:noFill/>
+          <a:ln cap="rnd" w="6480">
+            <a:solidFill>
+              <a:srgbClr val="5eb91e"/>
+            </a:solidFill>
+            <a:round/>
+          </a:ln>
+        </p:spPr>
+        <p:style>
+          <a:lnRef idx="0"/>
+          <a:fillRef idx="0"/>
+          <a:effectRef idx="0"/>
+          <a:fontRef idx="minor"/>
+        </p:style>
+        <p:txBody>
+          <a:bodyPr lIns="93240" rIns="93240" tIns="48240" bIns="48240">
+            <a:noAutofit/>
+          </a:bodyPr>
+          <a:p>
+            <a:pPr>
+              <a:lnSpc>
+                <a:spcPct val="100000"/>
+              </a:lnSpc>
+              <a:spcBef>
+                <a:spcPts val="1417"/>
+              </a:spcBef>
+            </a:pPr>
+            <a:r>
+              <a:rPr b="0" lang="en-US" sz="1800" spc="-1" strike="noStrike" u="sng">
+                <a:uFillTx/>
+                <a:latin typeface="Arial"/>
+                <a:ea typeface="DejaVu Sans"/>
+              </a:rPr>
+              <a:t>Definition</a:t>
+            </a:r>
+            <a:r>
+              <a:rPr b="0" lang="en-US" sz="1800" spc="-1" strike="noStrike">
+                <a:latin typeface="Arial"/>
+                <a:ea typeface="DejaVu Sans"/>
+              </a:rPr>
+              <a:t>: a server that stores Helm charts.</a:t>
+            </a:r>
+            <a:endParaRPr b="0" lang="en-US" sz="1800" spc="-1" strike="noStrike">
+              <a:latin typeface="Arial"/>
+            </a:endParaRPr>
+          </a:p>
+          <a:p>
+            <a:pPr>
+              <a:lnSpc>
+                <a:spcPct val="100000"/>
+              </a:lnSpc>
+              <a:spcBef>
+                <a:spcPts val="1417"/>
+              </a:spcBef>
+            </a:pPr>
+            <a:r>
+              <a:rPr b="0" lang="en-US" sz="1800" spc="-1" strike="noStrike" u="sng">
+                <a:uFillTx/>
+                <a:latin typeface="Arial"/>
+                <a:ea typeface="DejaVu Sans"/>
+              </a:rPr>
+              <a:t>Kinds</a:t>
+            </a:r>
+            <a:r>
+              <a:rPr b="0" lang="en-US" sz="1800" spc="-1" strike="noStrike">
+                <a:latin typeface="Arial"/>
+                <a:ea typeface="DejaVu Sans"/>
+              </a:rPr>
+              <a:t>: </a:t>
+            </a:r>
+            <a:br/>
+            <a:r>
+              <a:rPr b="0" lang="en-US" sz="1800" spc="-1" strike="noStrike">
+                <a:latin typeface="Arial"/>
+                <a:ea typeface="DejaVu Sans"/>
+              </a:rPr>
+              <a:t>- </a:t>
+            </a:r>
+            <a:r>
+              <a:rPr b="0" lang="en-US" sz="1800" spc="-1" strike="noStrike">
+                <a:solidFill>
+                  <a:srgbClr val="c9211e"/>
+                </a:solidFill>
+                <a:latin typeface="Arial"/>
+                <a:ea typeface="DejaVu Sans"/>
+              </a:rPr>
+              <a:t>Public</a:t>
+            </a:r>
+            <a:r>
+              <a:rPr b="0" lang="en-US" sz="1800" spc="-1" strike="noStrike">
+                <a:latin typeface="Arial"/>
+                <a:ea typeface="DejaVu Sans"/>
+              </a:rPr>
+              <a:t> chart repositories: Helm hub / Artifact hub (</a:t>
+            </a:r>
+            <a:r>
+              <a:rPr b="0" lang="en-US" sz="1800" spc="-1" strike="noStrike">
+                <a:latin typeface="Arial"/>
+                <a:ea typeface="DejaVu Sans"/>
+                <a:hlinkClick r:id="rId1"/>
+              </a:rPr>
+              <a:t>https://artifacthub.io/</a:t>
+            </a:r>
+            <a:r>
+              <a:rPr b="0" lang="en-US" sz="1800" spc="-1" strike="noStrike">
+                <a:latin typeface="Arial"/>
+                <a:ea typeface="DejaVu Sans"/>
+              </a:rPr>
+              <a:t>), Bitnami charts (</a:t>
+            </a:r>
+            <a:r>
+              <a:rPr b="0" lang="en-US" sz="1800" spc="-1" strike="noStrike">
+                <a:latin typeface="Arial"/>
+                <a:ea typeface="DejaVu Sans"/>
+                <a:hlinkClick r:id="rId2"/>
+              </a:rPr>
+              <a:t>https://bitnami.com/stacks/helm</a:t>
+            </a:r>
+            <a:r>
+              <a:rPr b="0" lang="en-US" sz="1800" spc="-1" strike="noStrike">
+                <a:latin typeface="Arial"/>
+                <a:ea typeface="DejaVu Sans"/>
+              </a:rPr>
+              <a:t>), Github, ...</a:t>
+            </a:r>
+            <a:br/>
+            <a:r>
+              <a:rPr b="0" lang="en-US" sz="1800" spc="-1" strike="noStrike">
+                <a:latin typeface="Arial"/>
+                <a:ea typeface="DejaVu Sans"/>
+              </a:rPr>
+              <a:t>- </a:t>
+            </a:r>
+            <a:r>
+              <a:rPr b="0" lang="en-US" sz="1800" spc="-1" strike="noStrike">
+                <a:solidFill>
+                  <a:srgbClr val="c9211e"/>
+                </a:solidFill>
+                <a:latin typeface="Arial"/>
+                <a:ea typeface="DejaVu Sans"/>
+              </a:rPr>
+              <a:t>Private</a:t>
+            </a:r>
+            <a:r>
+              <a:rPr b="0" lang="en-US" sz="1800" spc="-1" strike="noStrike">
+                <a:latin typeface="Arial"/>
+                <a:ea typeface="DejaVu Sans"/>
+              </a:rPr>
+              <a:t> chart repositories: Artifactory, Gitlab, ...</a:t>
+            </a:r>
+            <a:endParaRPr b="0" lang="en-US" sz="1800" spc="-1" strike="noStrike">
+              <a:latin typeface="Arial"/>
+            </a:endParaRPr>
+          </a:p>
+          <a:p>
+            <a:pPr>
+              <a:lnSpc>
+                <a:spcPct val="100000"/>
+              </a:lnSpc>
+              <a:spcBef>
+                <a:spcPts val="1417"/>
+              </a:spcBef>
+            </a:pPr>
+            <a:r>
+              <a:rPr b="0" lang="en-US" sz="1800" spc="-1" strike="noStrike">
+                <a:latin typeface="Arial"/>
+                <a:ea typeface="DejaVu Sans"/>
+              </a:rPr>
+              <a:t> </a:t>
+            </a:r>
+            <a:r>
+              <a:rPr b="0" lang="en-US" sz="1800" spc="-1" strike="noStrike" u="sng">
+                <a:uFillTx/>
+                <a:latin typeface="Arial"/>
+                <a:ea typeface="DejaVu Sans"/>
+              </a:rPr>
+              <a:t>Example using Github</a:t>
+            </a:r>
+            <a:r>
+              <a:rPr b="0" lang="en-US" sz="1800" spc="-1" strike="noStrike">
+                <a:latin typeface="Arial"/>
+                <a:ea typeface="DejaVu Sans"/>
+              </a:rPr>
+              <a:t>: </a:t>
+            </a:r>
+            <a:br/>
+            <a:r>
+              <a:rPr b="0" lang="en-US" sz="1800" spc="-1" strike="noStrike">
+                <a:latin typeface="Arial"/>
+                <a:ea typeface="DejaVu Sans"/>
+              </a:rPr>
+              <a:t>- Create a helm chart: upload the whole </a:t>
+            </a:r>
+            <a:r>
+              <a:rPr b="0" lang="en-US" sz="1800" spc="-1" strike="noStrike">
+                <a:solidFill>
+                  <a:srgbClr val="c9211e"/>
+                </a:solidFill>
+                <a:latin typeface="Arial"/>
+                <a:ea typeface="DejaVu Sans"/>
+              </a:rPr>
+              <a:t>local folder structure</a:t>
+            </a:r>
+            <a:r>
+              <a:rPr b="0" lang="en-US" sz="1800" spc="-1" strike="noStrike">
+                <a:latin typeface="Arial"/>
+                <a:ea typeface="DejaVu Sans"/>
+              </a:rPr>
+              <a:t> to a Github repo</a:t>
+            </a:r>
+            <a:br/>
+            <a:r>
+              <a:rPr b="0" lang="en-US" sz="1800" spc="-1" strike="noStrike">
+                <a:latin typeface="Arial"/>
+                <a:ea typeface="DejaVu Sans"/>
+              </a:rPr>
+              <a:t>- Reference:</a:t>
+            </a:r>
+            <a:endParaRPr b="0" lang="en-US" sz="1800" spc="-1" strike="noStrike">
+              <a:latin typeface="Arial"/>
+            </a:endParaRPr>
+          </a:p>
+          <a:p>
+            <a:pPr>
+              <a:lnSpc>
+                <a:spcPct val="100000"/>
+              </a:lnSpc>
+              <a:spcBef>
+                <a:spcPts val="1417"/>
+              </a:spcBef>
+            </a:pPr>
+            <a:endParaRPr b="0" lang="en-US" sz="1800" spc="-1" strike="noStrike">
+              <a:latin typeface="Arial"/>
+            </a:endParaRPr>
+          </a:p>
+        </p:txBody>
+      </p:sp>
+      <p:sp>
+        <p:nvSpPr>
+          <p:cNvPr id="309" name="CustomShape 3"/>
+          <p:cNvSpPr/>
+          <p:nvPr/>
+        </p:nvSpPr>
+        <p:spPr>
+          <a:xfrm>
+            <a:off x="10515240" y="6202080"/>
+            <a:ext cx="1587240" cy="414360"/>
+          </a:xfrm>
+          <a:prstGeom prst="rect">
+            <a:avLst/>
+          </a:prstGeom>
+          <a:noFill/>
+          <a:ln>
+            <a:noFill/>
+          </a:ln>
+        </p:spPr>
+        <p:style>
+          <a:lnRef idx="0"/>
+          <a:fillRef idx="0"/>
+          <a:effectRef idx="0"/>
+          <a:fontRef idx="minor"/>
+        </p:style>
+        <p:txBody>
+          <a:bodyPr lIns="90000" rIns="90000" tIns="45000" bIns="45000">
+            <a:noAutofit/>
+          </a:bodyPr>
+          <a:p>
+            <a:pPr algn="ctr">
+              <a:lnSpc>
+                <a:spcPct val="100000"/>
+              </a:lnSpc>
+            </a:pPr>
+            <a:fld id="{42793FA1-173F-41F8-9029-805D182A194F}" type="slidenum">
+              <a:rPr b="0" lang="en-US" sz="1600" spc="-1" strike="noStrike">
+                <a:solidFill>
+                  <a:srgbClr val="000000"/>
+                </a:solidFill>
+                <a:latin typeface="Times New Roman"/>
+                <a:ea typeface="DejaVu Sans"/>
+              </a:rPr>
+              <a:t>&lt;number&gt;</a:t>
+            </a:fld>
+            <a:endParaRPr b="0" lang="en-US" sz="1600" spc="-1" strike="noStrike">
+              <a:latin typeface="Arial"/>
+            </a:endParaRPr>
+          </a:p>
+        </p:txBody>
+      </p:sp>
+      <p:pic>
+        <p:nvPicPr>
+          <p:cNvPr id="310" name="" descr=""/>
+          <p:cNvPicPr/>
+          <p:nvPr/>
+        </p:nvPicPr>
+        <p:blipFill>
+          <a:blip r:embed="rId3"/>
+          <a:stretch/>
+        </p:blipFill>
+        <p:spPr>
+          <a:xfrm>
+            <a:off x="496440" y="4229640"/>
+            <a:ext cx="9019800" cy="971280"/>
+          </a:xfrm>
+          <a:prstGeom prst="rect">
+            <a:avLst/>
+          </a:prstGeom>
+          <a:ln>
+            <a:noFill/>
+          </a:ln>
+        </p:spPr>
+      </p:pic>
+    </p:spTree>
+  </p:cSld>
+  <mc:AlternateContent>
+    <mc:Choice Requires="p14">
+      <p:transition spd="slow" p14:dur="2000"/>
+    </mc:Choice>
+    <mc:Fallback>
+      <p:transition spd="slow"/>
+    </mc:Fallback>
+  </mc:AlternateContent>
+</p:sld>
+</file>
+
+<file path=ppt/slides/slide29.xml><?xml version="1.0" encoding="utf-8"?>
+<p:sld xmlns:a="http://schemas.openxmlformats.org/drawingml/2006/main" xmlns:p="http://schemas.openxmlformats.org/presentationml/2006/main" xmlns:r="http://schemas.openxmlformats.org/officeDocument/2006/relationships" xmlns:p14="http://schemas.microsoft.com/office/powerpoint/2010/main" xmlns:p15="http://schemas.microsoft.com/office/powerpoint/2012/main" xmlns:mc="http://schemas.openxmlformats.org/markup-compatibility/2006">
+  <p:cSld>
+    <p:spTree>
+      <p:nvGrpSpPr>
+        <p:cNvPr id="1" name=""/>
+        <p:cNvGrpSpPr/>
+        <p:nvPr/>
+      </p:nvGrpSpPr>
+      <p:grpSpPr>
+        <a:xfrm>
+          <a:off x="0" y="0"/>
+          <a:ext cx="0" cy="0"/>
+          <a:chOff x="0" y="0"/>
+          <a:chExt cx="0" cy="0"/>
+        </a:xfrm>
+      </p:grpSpPr>
+      <p:sp>
+        <p:nvSpPr>
+          <p:cNvPr id="311" name="CustomShape 1"/>
+          <p:cNvSpPr/>
+          <p:nvPr/>
+        </p:nvSpPr>
+        <p:spPr>
+          <a:xfrm>
+            <a:off x="3428640" y="376920"/>
+            <a:ext cx="5697000" cy="524520"/>
+          </a:xfrm>
+          <a:prstGeom prst="rect">
+            <a:avLst/>
+          </a:prstGeom>
+          <a:noFill/>
+          <a:ln>
+            <a:noFill/>
+          </a:ln>
+        </p:spPr>
+        <p:style>
+          <a:lnRef idx="0"/>
+          <a:fillRef idx="0"/>
+          <a:effectRef idx="0"/>
+          <a:fontRef idx="minor"/>
+        </p:style>
+        <p:txBody>
+          <a:bodyPr lIns="90000" rIns="90000" tIns="45000" bIns="45000">
+            <a:noAutofit/>
+          </a:bodyPr>
+          <a:p>
+            <a:pPr algn="ctr">
+              <a:lnSpc>
+                <a:spcPct val="90000"/>
+              </a:lnSpc>
+              <a:spcBef>
+                <a:spcPts val="1001"/>
+              </a:spcBef>
+            </a:pPr>
+            <a:r>
+              <a:rPr b="1" lang="en-US" sz="3200" spc="-1" strike="noStrike">
+                <a:solidFill>
+                  <a:srgbClr val="3465a4"/>
+                </a:solidFill>
+                <a:latin typeface="Arial"/>
+                <a:ea typeface="DejaVu Sans"/>
+              </a:rPr>
+              <a:t>Questions and Answers</a:t>
+            </a:r>
+            <a:endParaRPr b="0" lang="en-US" sz="3200" spc="-1" strike="noStrike">
+              <a:latin typeface="Arial"/>
+            </a:endParaRPr>
+          </a:p>
+        </p:txBody>
+      </p:sp>
+      <p:sp>
+        <p:nvSpPr>
+          <p:cNvPr id="312" name="CustomShape 2"/>
+          <p:cNvSpPr/>
+          <p:nvPr/>
+        </p:nvSpPr>
+        <p:spPr>
+          <a:xfrm>
+            <a:off x="10515240" y="6202080"/>
+            <a:ext cx="1587240" cy="414360"/>
+          </a:xfrm>
+          <a:prstGeom prst="rect">
+            <a:avLst/>
+          </a:prstGeom>
+          <a:noFill/>
+          <a:ln>
+            <a:noFill/>
+          </a:ln>
+        </p:spPr>
+        <p:style>
+          <a:lnRef idx="0"/>
+          <a:fillRef idx="0"/>
+          <a:effectRef idx="0"/>
+          <a:fontRef idx="minor"/>
+        </p:style>
+        <p:txBody>
+          <a:bodyPr lIns="90000" rIns="90000" tIns="45000" bIns="45000">
+            <a:noAutofit/>
+          </a:bodyPr>
+          <a:p>
+            <a:pPr algn="ctr">
+              <a:lnSpc>
+                <a:spcPct val="100000"/>
+              </a:lnSpc>
+            </a:pPr>
+            <a:fld id="{8B47FDCE-2887-4FFD-B6A6-FABCE6186595}" type="slidenum">
+              <a:rPr b="0" lang="en-US" sz="1600" spc="-1" strike="noStrike">
+                <a:solidFill>
+                  <a:srgbClr val="000000"/>
+                </a:solidFill>
+                <a:latin typeface="Times New Roman"/>
+                <a:ea typeface="DejaVu Sans"/>
+              </a:rPr>
+              <a:t>&lt;number&gt;</a:t>
+            </a:fld>
+            <a:endParaRPr b="0" lang="en-US" sz="1600" spc="-1" strike="noStrike">
+              <a:latin typeface="Arial"/>
+            </a:endParaRPr>
+          </a:p>
+        </p:txBody>
+      </p:sp>
+      <p:pic>
+        <p:nvPicPr>
+          <p:cNvPr id="313" name="Picture 412" descr=""/>
+          <p:cNvPicPr/>
+          <p:nvPr/>
+        </p:nvPicPr>
+        <p:blipFill>
+          <a:blip r:embed="rId1"/>
+          <a:stretch/>
+        </p:blipFill>
+        <p:spPr>
+          <a:xfrm>
+            <a:off x="4114440" y="2105280"/>
+            <a:ext cx="4636800" cy="3141360"/>
+          </a:xfrm>
+          <a:prstGeom prst="rect">
+            <a:avLst/>
+          </a:prstGeom>
+          <a:ln>
+            <a:noFill/>
+          </a:ln>
+        </p:spPr>
+      </p:pic>
     </p:spTree>
   </p:cSld>
   <mc:AlternateContent>
@@ -14595,7 +16762,7 @@
         <p:spPr>
           <a:xfrm>
             <a:off x="685800" y="0"/>
-            <a:ext cx="10960200" cy="1132560"/>
+            <a:ext cx="10959840" cy="1132200"/>
           </a:xfrm>
           <a:prstGeom prst="rect">
             <a:avLst/>
@@ -14661,7 +16828,7 @@
         <p:spPr>
           <a:xfrm>
             <a:off x="274320" y="1554480"/>
-            <a:ext cx="11063520" cy="4479840"/>
+            <a:ext cx="11063160" cy="4479480"/>
           </a:xfrm>
           <a:prstGeom prst="rect">
             <a:avLst/>
@@ -14718,7 +16885,7 @@
         <p:spPr>
           <a:xfrm>
             <a:off x="10515240" y="6202080"/>
-            <a:ext cx="1587600" cy="414720"/>
+            <a:ext cx="1587240" cy="414360"/>
           </a:xfrm>
           <a:prstGeom prst="rect">
             <a:avLst/>
@@ -14744,7 +16911,7 @@
                 <a:spcPct val="100000"/>
               </a:lnSpc>
             </a:pPr>
-            <a:fld id="{8187EC1C-43A3-4044-BAA2-6F3760D7ED2E}" type="slidenum">
+            <a:fld id="{0D19179C-2F47-4444-A128-5CC0136085F2}" type="slidenum">
               <a:rPr b="0" lang="en-US" sz="1600" spc="-1" strike="noStrike">
                 <a:solidFill>
                   <a:srgbClr val="000000"/>
@@ -14773,7 +16940,7 @@
         <p:spPr>
           <a:xfrm>
             <a:off x="2745360" y="2250000"/>
-            <a:ext cx="5209200" cy="3418560"/>
+            <a:ext cx="5208840" cy="3418200"/>
           </a:xfrm>
           <a:prstGeom prst="rect">
             <a:avLst/>
@@ -14783,6 +16950,36 @@
           </a:ln>
         </p:spPr>
       </p:pic>
+    </p:spTree>
+  </p:cSld>
+  <mc:AlternateContent>
+    <mc:Choice Requires="p14">
+      <p:transition spd="slow" p14:dur="2000"/>
+    </mc:Choice>
+    <mc:Fallback>
+      <p:transition spd="slow"/>
+    </mc:Fallback>
+  </mc:AlternateContent>
+</p:sld>
+</file>
+
+<file path=ppt/slides/slide30.xml><?xml version="1.0" encoding="utf-8"?>
+<p:sld xmlns:a="http://schemas.openxmlformats.org/drawingml/2006/main" xmlns:p="http://schemas.openxmlformats.org/presentationml/2006/main" xmlns:r="http://schemas.openxmlformats.org/officeDocument/2006/relationships" xmlns:p14="http://schemas.microsoft.com/office/powerpoint/2010/main" xmlns:p15="http://schemas.microsoft.com/office/powerpoint/2012/main" xmlns:mc="http://schemas.openxmlformats.org/markup-compatibility/2006">
+  <p:cSld>
+    <p:spTree>
+      <p:nvGrpSpPr>
+        <p:cNvPr id="1" name=""/>
+        <p:cNvGrpSpPr/>
+        <p:nvPr/>
+      </p:nvGrpSpPr>
+      <p:grpSpPr>
+        <a:xfrm>
+          <a:off x="0" y="0"/>
+          <a:ext cx="0" cy="0"/>
+          <a:chOff x="0" y="0"/>
+          <a:chExt cx="0" cy="0"/>
+        </a:xfrm>
+      </p:grpSpPr>
     </p:spTree>
   </p:cSld>
   <mc:AlternateContent>
@@ -14822,7 +17019,7 @@
         <p:spPr>
           <a:xfrm>
             <a:off x="685800" y="0"/>
-            <a:ext cx="10960200" cy="1132560"/>
+            <a:ext cx="10959840" cy="1132200"/>
           </a:xfrm>
           <a:prstGeom prst="rect">
             <a:avLst/>
@@ -14871,7 +17068,17 @@
                 <a:latin typeface="Arial"/>
                 <a:ea typeface="Noto Sans CJK SC"/>
               </a:rPr>
-              <a:t>Why use it (1)</a:t>
+              <a:t>Why use it </a:t>
+            </a:r>
+            <a:r>
+              <a:rPr b="0" lang="en-US" sz="2200" spc="-1" strike="noStrike">
+                <a:solidFill>
+                  <a:srgbClr val="000000"/>
+                </a:solidFill>
+                <a:latin typeface="Arial"/>
+                <a:ea typeface="Noto Sans CJK SC"/>
+              </a:rPr>
+              <a:t>(1)</a:t>
             </a:r>
             <a:endParaRPr b="0" lang="en-US" sz="2200" spc="-1" strike="noStrike">
               <a:latin typeface="Arial"/>
@@ -14888,7 +17095,7 @@
         <p:spPr>
           <a:xfrm>
             <a:off x="274320" y="1554480"/>
-            <a:ext cx="11063520" cy="4479840"/>
+            <a:ext cx="11063160" cy="4479480"/>
           </a:xfrm>
           <a:prstGeom prst="rect">
             <a:avLst/>
@@ -14968,7 +17175,7 @@
         <p:spPr>
           <a:xfrm>
             <a:off x="10515240" y="6202080"/>
-            <a:ext cx="1587600" cy="414720"/>
+            <a:ext cx="1587240" cy="414360"/>
           </a:xfrm>
           <a:prstGeom prst="rect">
             <a:avLst/>
@@ -14994,7 +17201,7 @@
                 <a:spcPct val="100000"/>
               </a:lnSpc>
             </a:pPr>
-            <a:fld id="{804CCA3D-859B-49BA-A218-69FBD83A272B}" type="slidenum">
+            <a:fld id="{C8E43FAE-581E-440A-A987-AF7A5DBA97F6}" type="slidenum">
               <a:rPr b="0" lang="en-US" sz="1600" spc="-1" strike="noStrike">
                 <a:solidFill>
                   <a:srgbClr val="000000"/>
@@ -15023,7 +17230,7 @@
         <p:spPr>
           <a:xfrm>
             <a:off x="1960920" y="2336040"/>
-            <a:ext cx="6542280" cy="3515400"/>
+            <a:ext cx="6541920" cy="3515040"/>
           </a:xfrm>
           <a:prstGeom prst="rect">
             <a:avLst/>
@@ -15072,7 +17279,7 @@
         <p:spPr>
           <a:xfrm>
             <a:off x="685800" y="0"/>
-            <a:ext cx="10960200" cy="1132560"/>
+            <a:ext cx="10959840" cy="1132200"/>
           </a:xfrm>
           <a:prstGeom prst="rect">
             <a:avLst/>
@@ -15121,7 +17328,17 @@
                 <a:latin typeface="Arial"/>
                 <a:ea typeface="Noto Sans CJK SC"/>
               </a:rPr>
-              <a:t>Why use it (2)</a:t>
+              <a:t>Why use it </a:t>
+            </a:r>
+            <a:r>
+              <a:rPr b="0" lang="en-US" sz="2200" spc="-1" strike="noStrike">
+                <a:solidFill>
+                  <a:srgbClr val="000000"/>
+                </a:solidFill>
+                <a:latin typeface="Arial"/>
+                <a:ea typeface="Noto Sans CJK SC"/>
+              </a:rPr>
+              <a:t>(2)</a:t>
             </a:r>
             <a:endParaRPr b="0" lang="en-US" sz="2200" spc="-1" strike="noStrike">
               <a:latin typeface="Arial"/>
@@ -15138,7 +17355,7 @@
         <p:spPr>
           <a:xfrm>
             <a:off x="274320" y="1554480"/>
-            <a:ext cx="11063520" cy="4479840"/>
+            <a:ext cx="11063160" cy="4479480"/>
           </a:xfrm>
           <a:prstGeom prst="rect">
             <a:avLst/>
@@ -15218,7 +17435,7 @@
         <p:spPr>
           <a:xfrm>
             <a:off x="10515240" y="6202080"/>
-            <a:ext cx="1587600" cy="414720"/>
+            <a:ext cx="1587240" cy="414360"/>
           </a:xfrm>
           <a:prstGeom prst="rect">
             <a:avLst/>
@@ -15244,7 +17461,7 @@
                 <a:spcPct val="100000"/>
               </a:lnSpc>
             </a:pPr>
-            <a:fld id="{FDF4A6B3-9CA8-4DFA-9788-5B19437F8B05}" type="slidenum">
+            <a:fld id="{E97B1E8D-1AB2-4832-A12E-20E1F0ACB845}" type="slidenum">
               <a:rPr b="0" lang="en-US" sz="1600" spc="-1" strike="noStrike">
                 <a:solidFill>
                   <a:srgbClr val="000000"/>
@@ -15273,7 +17490,7 @@
         <p:spPr>
           <a:xfrm>
             <a:off x="1814040" y="2743200"/>
-            <a:ext cx="8975160" cy="2046960"/>
+            <a:ext cx="8974800" cy="2046600"/>
           </a:xfrm>
           <a:prstGeom prst="rect">
             <a:avLst/>
@@ -15322,7 +17539,7 @@
         <p:spPr>
           <a:xfrm>
             <a:off x="685800" y="0"/>
-            <a:ext cx="10960200" cy="1132560"/>
+            <a:ext cx="10959840" cy="1132200"/>
           </a:xfrm>
           <a:prstGeom prst="rect">
             <a:avLst/>
@@ -15371,7 +17588,17 @@
                 <a:latin typeface="Arial"/>
                 <a:ea typeface="Noto Sans CJK SC"/>
               </a:rPr>
-              <a:t>Why use it (3)</a:t>
+              <a:t>Why use it </a:t>
+            </a:r>
+            <a:r>
+              <a:rPr b="0" lang="en-US" sz="2200" spc="-1" strike="noStrike">
+                <a:solidFill>
+                  <a:srgbClr val="000000"/>
+                </a:solidFill>
+                <a:latin typeface="Arial"/>
+                <a:ea typeface="Noto Sans CJK SC"/>
+              </a:rPr>
+              <a:t>(3)</a:t>
             </a:r>
             <a:endParaRPr b="0" lang="en-US" sz="2200" spc="-1" strike="noStrike">
               <a:latin typeface="Arial"/>
@@ -15388,7 +17615,7 @@
         <p:spPr>
           <a:xfrm>
             <a:off x="274320" y="1554480"/>
-            <a:ext cx="11063520" cy="4479840"/>
+            <a:ext cx="11063160" cy="4479480"/>
           </a:xfrm>
           <a:prstGeom prst="rect">
             <a:avLst/>
@@ -15445,7 +17672,7 @@
         <p:spPr>
           <a:xfrm>
             <a:off x="10515240" y="6202080"/>
-            <a:ext cx="1587600" cy="414720"/>
+            <a:ext cx="1587240" cy="414360"/>
           </a:xfrm>
           <a:prstGeom prst="rect">
             <a:avLst/>
@@ -15471,7 +17698,7 @@
                 <a:spcPct val="100000"/>
               </a:lnSpc>
             </a:pPr>
-            <a:fld id="{A809864A-CEC2-4E21-A77A-187F38C9FFE9}" type="slidenum">
+            <a:fld id="{2F5431F0-871E-44B7-9738-EEA90F40FA18}" type="slidenum">
               <a:rPr b="0" lang="en-US" sz="1600" spc="-1" strike="noStrike">
                 <a:solidFill>
                   <a:srgbClr val="000000"/>
@@ -15500,7 +17727,7 @@
         <p:spPr>
           <a:xfrm>
             <a:off x="1948680" y="2011680"/>
-            <a:ext cx="8323920" cy="3902760"/>
+            <a:ext cx="8323560" cy="3902400"/>
           </a:xfrm>
           <a:prstGeom prst="rect">
             <a:avLst/>
@@ -15549,7 +17776,7 @@
         <p:spPr>
           <a:xfrm>
             <a:off x="685800" y="0"/>
-            <a:ext cx="10960200" cy="1132560"/>
+            <a:ext cx="10959840" cy="1132200"/>
           </a:xfrm>
           <a:prstGeom prst="rect">
             <a:avLst/>
@@ -15615,7 +17842,7 @@
         <p:spPr>
           <a:xfrm>
             <a:off x="274320" y="1554480"/>
-            <a:ext cx="11063520" cy="4479840"/>
+            <a:ext cx="11063160" cy="4479480"/>
           </a:xfrm>
           <a:prstGeom prst="rect">
             <a:avLst/>
@@ -15672,7 +17899,7 @@
         <p:spPr>
           <a:xfrm>
             <a:off x="10515240" y="6202080"/>
-            <a:ext cx="1587600" cy="414720"/>
+            <a:ext cx="1587240" cy="414360"/>
           </a:xfrm>
           <a:prstGeom prst="rect">
             <a:avLst/>
@@ -15698,7 +17925,7 @@
                 <a:spcPct val="100000"/>
               </a:lnSpc>
             </a:pPr>
-            <a:fld id="{A495795C-AC32-4333-B186-F74571EED16F}" type="slidenum">
+            <a:fld id="{B4CEC3CB-537A-4F63-873F-A2BED1F04841}" type="slidenum">
               <a:rPr b="0" lang="en-US" sz="1600" spc="-1" strike="noStrike">
                 <a:solidFill>
                   <a:srgbClr val="000000"/>
@@ -15727,7 +17954,7 @@
         <p:spPr>
           <a:xfrm>
             <a:off x="2115000" y="2154960"/>
-            <a:ext cx="7028280" cy="3787920"/>
+            <a:ext cx="7027920" cy="3787560"/>
           </a:xfrm>
           <a:prstGeom prst="rect">
             <a:avLst/>
@@ -15776,7 +18003,7 @@
         <p:spPr>
           <a:xfrm>
             <a:off x="685800" y="0"/>
-            <a:ext cx="10960200" cy="1132560"/>
+            <a:ext cx="10959840" cy="1132200"/>
           </a:xfrm>
           <a:prstGeom prst="rect">
             <a:avLst/>
@@ -15842,7 +18069,7 @@
         <p:spPr>
           <a:xfrm>
             <a:off x="274320" y="1554480"/>
-            <a:ext cx="11063520" cy="4479840"/>
+            <a:ext cx="11063160" cy="4479480"/>
           </a:xfrm>
           <a:prstGeom prst="rect">
             <a:avLst/>
@@ -15866,7 +18093,7 @@
             <a:noAutofit/>
           </a:bodyPr>
           <a:p>
-            <a:pPr marL="216000" indent="-215280">
+            <a:pPr marL="216000" indent="-214920">
               <a:lnSpc>
                 <a:spcPct val="100000"/>
               </a:lnSpc>
@@ -15905,7 +18132,7 @@
             </a:endParaRPr>
           </a:p>
           <a:p>
-            <a:pPr marL="216000" indent="-215280">
+            <a:pPr marL="216000" indent="-214920">
               <a:lnSpc>
                 <a:spcPct val="100000"/>
               </a:lnSpc>
@@ -16014,7 +18241,7 @@
             </a:endParaRPr>
           </a:p>
           <a:p>
-            <a:pPr marL="216000" indent="-215280">
+            <a:pPr marL="216000" indent="-214920">
               <a:lnSpc>
                 <a:spcPct val="100000"/>
               </a:lnSpc>
@@ -16053,7 +18280,7 @@
             </a:endParaRPr>
           </a:p>
           <a:p>
-            <a:pPr lvl="1" marL="432000" indent="-215280">
+            <a:pPr lvl="1" marL="432000" indent="-214920">
               <a:lnSpc>
                 <a:spcPct val="100000"/>
               </a:lnSpc>
@@ -16145,7 +18372,7 @@
             </a:endParaRPr>
           </a:p>
           <a:p>
-            <a:pPr lvl="1" marL="432000" indent="-215280">
+            <a:pPr lvl="1" marL="432000" indent="-214920">
               <a:lnSpc>
                 <a:spcPct val="100000"/>
               </a:lnSpc>
@@ -16270,7 +18497,7 @@
         <p:spPr>
           <a:xfrm>
             <a:off x="10515240" y="6202080"/>
-            <a:ext cx="1587600" cy="414720"/>
+            <a:ext cx="1587240" cy="414360"/>
           </a:xfrm>
           <a:prstGeom prst="rect">
             <a:avLst/>
@@ -16296,7 +18523,7 @@
                 <a:spcPct val="100000"/>
               </a:lnSpc>
             </a:pPr>
-            <a:fld id="{D729BD1F-8F10-4CF1-A572-8B2E2E1DE3C0}" type="slidenum">
+            <a:fld id="{64FF0806-B2B9-4EFF-A79D-86468EBF6E89}" type="slidenum">
               <a:rPr b="0" lang="en-US" sz="1600" spc="-1" strike="noStrike">
                 <a:solidFill>
                   <a:srgbClr val="000000"/>
@@ -16351,7 +18578,7 @@
         <p:spPr>
           <a:xfrm>
             <a:off x="685800" y="0"/>
-            <a:ext cx="10960200" cy="1132560"/>
+            <a:ext cx="10959840" cy="1132200"/>
           </a:xfrm>
           <a:prstGeom prst="rect">
             <a:avLst/>
@@ -16417,7 +18644,7 @@
         <p:spPr>
           <a:xfrm>
             <a:off x="274320" y="1554480"/>
-            <a:ext cx="11063520" cy="4479840"/>
+            <a:ext cx="11063160" cy="4479480"/>
           </a:xfrm>
           <a:prstGeom prst="rect">
             <a:avLst/>
@@ -16746,7 +18973,7 @@
         <p:spPr>
           <a:xfrm>
             <a:off x="10515240" y="6202080"/>
-            <a:ext cx="1587600" cy="414720"/>
+            <a:ext cx="1587240" cy="414360"/>
           </a:xfrm>
           <a:prstGeom prst="rect">
             <a:avLst/>
@@ -16772,7 +18999,7 @@
                 <a:spcPct val="100000"/>
               </a:lnSpc>
             </a:pPr>
-            <a:fld id="{8AB347D5-FCD7-4B8A-846D-0F8A7D148EE7}" type="slidenum">
+            <a:fld id="{724470F8-58FD-4554-91DB-631C06D471F2}" type="slidenum">
               <a:rPr b="0" lang="en-US" sz="1600" spc="-1" strike="noStrike">
                 <a:solidFill>
                   <a:srgbClr val="000000"/>

--- a/helm/documents/Helm_Knowledge_Sharing.pptx
+++ b/helm/documents/Helm_Knowledge_Sharing.pptx
@@ -6858,7 +6858,7 @@
         <p:spPr>
           <a:xfrm>
             <a:off x="0" y="0"/>
-            <a:ext cx="12189960" cy="5150160"/>
+            <a:ext cx="12189600" cy="5149800"/>
           </a:xfrm>
           <a:prstGeom prst="rect">
             <a:avLst/>
@@ -6890,7 +6890,7 @@
         <p:spPr>
           <a:xfrm>
             <a:off x="10582200" y="5243760"/>
-            <a:ext cx="1355760" cy="1355760"/>
+            <a:ext cx="1355400" cy="1355400"/>
           </a:xfrm>
           <a:prstGeom prst="rect">
             <a:avLst/>
@@ -6909,7 +6909,7 @@
         <p:spPr>
           <a:xfrm>
             <a:off x="1637280" y="753120"/>
-            <a:ext cx="7856280" cy="3937320"/>
+            <a:ext cx="7855920" cy="3936960"/>
           </a:xfrm>
           <a:prstGeom prst="rect">
             <a:avLst/>
@@ -6942,7 +6942,7 @@
         <p:spPr>
           <a:xfrm>
             <a:off x="7681680" y="1234080"/>
-            <a:ext cx="3845880" cy="3686400"/>
+            <a:ext cx="3845520" cy="3686040"/>
           </a:xfrm>
           <a:prstGeom prst="rect">
             <a:avLst/>
@@ -6981,13 +6981,7 @@
               <a:rPr b="0" lang="en-US" sz="4400" spc="-1" strike="noStrike">
                 <a:latin typeface="Arial"/>
               </a:rPr>
-              <a:t>Click to edit the </a:t>
-            </a:r>
-            <a:r>
-              <a:rPr b="0" lang="en-US" sz="4400" spc="-1" strike="noStrike">
-                <a:latin typeface="Arial"/>
-              </a:rPr>
-              <a:t>title text format</a:t>
+              <a:t>Click to edit the title text format</a:t>
             </a:r>
             <a:endParaRPr b="0" lang="en-US" sz="4400" spc="-1" strike="noStrike">
               <a:latin typeface="Arial"/>
@@ -7227,7 +7221,7 @@
         <p:spPr>
           <a:xfrm>
             <a:off x="360" y="0"/>
-            <a:ext cx="4775040" cy="6855840"/>
+            <a:ext cx="4774680" cy="6855480"/>
           </a:xfrm>
           <a:prstGeom prst="rect">
             <a:avLst/>
@@ -7255,7 +7249,7 @@
         <p:spPr>
           <a:xfrm>
             <a:off x="1166400" y="2958480"/>
-            <a:ext cx="2393640" cy="759960"/>
+            <a:ext cx="2393280" cy="759960"/>
           </a:xfrm>
           <a:prstGeom prst="rect">
             <a:avLst/>
@@ -7306,7 +7300,7 @@
         <p:spPr>
           <a:xfrm>
             <a:off x="828000" y="1931400"/>
-            <a:ext cx="3070080" cy="2993040"/>
+            <a:ext cx="3069720" cy="2992680"/>
           </a:xfrm>
           <a:prstGeom prst="rect">
             <a:avLst/>
@@ -7335,7 +7329,7 @@
         <p:spPr>
           <a:xfrm>
             <a:off x="0" y="6719040"/>
-            <a:ext cx="12189960" cy="150840"/>
+            <a:ext cx="12189600" cy="150480"/>
           </a:xfrm>
           <a:prstGeom prst="rect">
             <a:avLst/>
@@ -7631,7 +7625,7 @@
         <p:spPr>
           <a:xfrm>
             <a:off x="360" y="6719040"/>
-            <a:ext cx="12178080" cy="138960"/>
+            <a:ext cx="12177720" cy="138600"/>
           </a:xfrm>
           <a:prstGeom prst="rect">
             <a:avLst/>
@@ -8105,7 +8099,7 @@
         <p:spPr>
           <a:xfrm>
             <a:off x="360" y="6719040"/>
-            <a:ext cx="12178080" cy="138960"/>
+            <a:ext cx="12177720" cy="138600"/>
           </a:xfrm>
           <a:prstGeom prst="rect">
             <a:avLst/>
@@ -8401,7 +8395,7 @@
         <p:spPr>
           <a:xfrm>
             <a:off x="0" y="0"/>
-            <a:ext cx="12189960" cy="5150160"/>
+            <a:ext cx="12189600" cy="5149800"/>
           </a:xfrm>
           <a:prstGeom prst="rect">
             <a:avLst/>
@@ -8429,7 +8423,7 @@
         <p:spPr>
           <a:xfrm>
             <a:off x="2915640" y="1431720"/>
-            <a:ext cx="6358680" cy="2729160"/>
+            <a:ext cx="6358320" cy="2728800"/>
           </a:xfrm>
           <a:prstGeom prst="rect">
             <a:avLst/>
@@ -8462,7 +8456,7 @@
         <p:spPr>
           <a:xfrm>
             <a:off x="10991880" y="5744160"/>
-            <a:ext cx="956160" cy="956160"/>
+            <a:ext cx="955800" cy="955800"/>
           </a:xfrm>
           <a:prstGeom prst="rect">
             <a:avLst/>
@@ -8481,7 +8475,7 @@
         <p:spPr>
           <a:xfrm>
             <a:off x="3764880" y="2243520"/>
-            <a:ext cx="4644000" cy="1095120"/>
+            <a:ext cx="4643640" cy="1095120"/>
           </a:xfrm>
           <a:prstGeom prst="rect">
             <a:avLst/>
@@ -8805,7 +8799,7 @@
         <p:spPr>
           <a:xfrm>
             <a:off x="565560" y="6150240"/>
-            <a:ext cx="4181040" cy="291960"/>
+            <a:ext cx="4180680" cy="291600"/>
           </a:xfrm>
           <a:prstGeom prst="rect">
             <a:avLst/>
@@ -8862,7 +8856,7 @@
         <p:spPr>
           <a:xfrm>
             <a:off x="2043360" y="1116360"/>
-            <a:ext cx="5783040" cy="2958120"/>
+            <a:ext cx="5782680" cy="2957760"/>
           </a:xfrm>
           <a:prstGeom prst="rect">
             <a:avLst/>
@@ -8937,7 +8931,7 @@
         <p:spPr>
           <a:xfrm>
             <a:off x="566280" y="5740560"/>
-            <a:ext cx="5649840" cy="362160"/>
+            <a:ext cx="5649480" cy="361800"/>
           </a:xfrm>
           <a:prstGeom prst="rect">
             <a:avLst/>
@@ -9024,7 +9018,7 @@
         <p:spPr>
           <a:xfrm>
             <a:off x="685800" y="0"/>
-            <a:ext cx="10959840" cy="1132200"/>
+            <a:ext cx="10959480" cy="1131840"/>
           </a:xfrm>
           <a:prstGeom prst="rect">
             <a:avLst/>
@@ -9090,7 +9084,7 @@
         <p:spPr>
           <a:xfrm>
             <a:off x="274320" y="1554480"/>
-            <a:ext cx="11063160" cy="4479480"/>
+            <a:ext cx="11062800" cy="4479120"/>
           </a:xfrm>
           <a:prstGeom prst="rect">
             <a:avLst/>
@@ -9114,7 +9108,7 @@
             <a:noAutofit/>
           </a:bodyPr>
           <a:p>
-            <a:pPr marL="216000" indent="-214920">
+            <a:pPr marL="216000" indent="-214560">
               <a:lnSpc>
                 <a:spcPct val="100000"/>
               </a:lnSpc>
@@ -9215,7 +9209,7 @@
             </a:endParaRPr>
           </a:p>
           <a:p>
-            <a:pPr marL="216000" indent="-214920">
+            <a:pPr marL="216000" indent="-214560">
               <a:lnSpc>
                 <a:spcPct val="100000"/>
               </a:lnSpc>
@@ -9306,7 +9300,7 @@
             </a:endParaRPr>
           </a:p>
           <a:p>
-            <a:pPr marL="216000" indent="-214920">
+            <a:pPr marL="216000" indent="-214560">
               <a:lnSpc>
                 <a:spcPct val="100000"/>
               </a:lnSpc>
@@ -9345,7 +9339,7 @@
             </a:endParaRPr>
           </a:p>
           <a:p>
-            <a:pPr marL="216000" indent="-214920">
+            <a:pPr marL="216000" indent="-214560">
               <a:lnSpc>
                 <a:spcPct val="100000"/>
               </a:lnSpc>
@@ -9414,7 +9408,7 @@
         <p:spPr>
           <a:xfrm>
             <a:off x="10515240" y="6202080"/>
-            <a:ext cx="1587240" cy="414360"/>
+            <a:ext cx="1586880" cy="414000"/>
           </a:xfrm>
           <a:prstGeom prst="rect">
             <a:avLst/>
@@ -9440,7 +9434,7 @@
                 <a:spcPct val="100000"/>
               </a:lnSpc>
             </a:pPr>
-            <a:fld id="{C8B5439C-BE26-4535-BBEF-59F2AA30D605}" type="slidenum">
+            <a:fld id="{CECC10B0-5379-41EE-8EB1-362130B4F97F}" type="slidenum">
               <a:rPr b="0" lang="en-US" sz="1600" spc="-1" strike="noStrike">
                 <a:solidFill>
                   <a:srgbClr val="000000"/>
@@ -9495,7 +9489,7 @@
         <p:spPr>
           <a:xfrm>
             <a:off x="685800" y="0"/>
-            <a:ext cx="10959840" cy="1132200"/>
+            <a:ext cx="10959480" cy="1131840"/>
           </a:xfrm>
           <a:prstGeom prst="rect">
             <a:avLst/>
@@ -9561,7 +9555,7 @@
         <p:spPr>
           <a:xfrm>
             <a:off x="274320" y="1554480"/>
-            <a:ext cx="11063160" cy="4479480"/>
+            <a:ext cx="11062800" cy="4479120"/>
           </a:xfrm>
           <a:prstGeom prst="rect">
             <a:avLst/>
@@ -9585,7 +9579,7 @@
             <a:noAutofit/>
           </a:bodyPr>
           <a:p>
-            <a:pPr marL="216000" indent="-214920">
+            <a:pPr marL="216000" indent="-214560">
               <a:lnSpc>
                 <a:spcPct val="100000"/>
               </a:lnSpc>
@@ -9688,7 +9682,7 @@
             </a:endParaRPr>
           </a:p>
           <a:p>
-            <a:pPr marL="216000" indent="-214920">
+            <a:pPr marL="216000" indent="-214560">
               <a:lnSpc>
                 <a:spcPct val="100000"/>
               </a:lnSpc>
@@ -9757,7 +9751,7 @@
         <p:spPr>
           <a:xfrm>
             <a:off x="10515240" y="6202080"/>
-            <a:ext cx="1587240" cy="414360"/>
+            <a:ext cx="1586880" cy="414000"/>
           </a:xfrm>
           <a:prstGeom prst="rect">
             <a:avLst/>
@@ -9783,7 +9777,7 @@
                 <a:spcPct val="100000"/>
               </a:lnSpc>
             </a:pPr>
-            <a:fld id="{CE01488D-47CC-44E4-BE3B-7C42A28CCC33}" type="slidenum">
+            <a:fld id="{53E4E617-355E-4E82-ADDD-964D8923A358}" type="slidenum">
               <a:rPr b="0" lang="en-US" sz="1600" spc="-1" strike="noStrike">
                 <a:solidFill>
                   <a:srgbClr val="000000"/>
@@ -9812,7 +9806,7 @@
         <p:spPr>
           <a:xfrm>
             <a:off x="694440" y="4099320"/>
-            <a:ext cx="8810280" cy="217800"/>
+            <a:ext cx="8809920" cy="217440"/>
           </a:xfrm>
           <a:prstGeom prst="rect">
             <a:avLst/>
@@ -9864,7 +9858,7 @@
         <p:spPr>
           <a:xfrm>
             <a:off x="685800" y="0"/>
-            <a:ext cx="10959840" cy="1132200"/>
+            <a:ext cx="10959480" cy="1131840"/>
           </a:xfrm>
           <a:prstGeom prst="rect">
             <a:avLst/>
@@ -9940,7 +9934,7 @@
         <p:spPr>
           <a:xfrm>
             <a:off x="274320" y="1554480"/>
-            <a:ext cx="11063160" cy="4479480"/>
+            <a:ext cx="11062800" cy="4479120"/>
           </a:xfrm>
           <a:prstGeom prst="rect">
             <a:avLst/>
@@ -9964,7 +9958,7 @@
             <a:noAutofit/>
           </a:bodyPr>
           <a:p>
-            <a:pPr marL="216000" indent="-215640">
+            <a:pPr marL="216000" indent="-215280">
               <a:lnSpc>
                 <a:spcPct val="100000"/>
               </a:lnSpc>
@@ -10013,7 +10007,7 @@
             </a:endParaRPr>
           </a:p>
           <a:p>
-            <a:pPr marL="216000" indent="-215640">
+            <a:pPr marL="216000" indent="-215280">
               <a:lnSpc>
                 <a:spcPct val="100000"/>
               </a:lnSpc>
@@ -10135,7 +10129,7 @@
             </a:endParaRPr>
           </a:p>
           <a:p>
-            <a:pPr marL="216000" indent="-215640">
+            <a:pPr marL="216000" indent="-215280">
               <a:lnSpc>
                 <a:spcPct val="100000"/>
               </a:lnSpc>
@@ -10201,6 +10195,7 @@
                   <a:srgbClr val="000000"/>
                 </a:solidFill>
                 <a:latin typeface="Arial"/>
+                <a:ea typeface="DejaVu Sans"/>
               </a:rPr>
               <a:t> </a:t>
             </a:r>
@@ -10219,7 +10214,7 @@
         <p:spPr>
           <a:xfrm>
             <a:off x="10515240" y="6202080"/>
-            <a:ext cx="1587240" cy="414360"/>
+            <a:ext cx="1586880" cy="414000"/>
           </a:xfrm>
           <a:prstGeom prst="rect">
             <a:avLst/>
@@ -10245,7 +10240,7 @@
                 <a:spcPct val="100000"/>
               </a:lnSpc>
             </a:pPr>
-            <a:fld id="{B8E664E5-0F23-4712-8CFF-B92538940E2E}" type="slidenum">
+            <a:fld id="{9D11E30D-1E5C-442A-884F-1B93D396E7E4}" type="slidenum">
               <a:rPr b="0" lang="en-US" sz="1600" spc="-1" strike="noStrike">
                 <a:solidFill>
                   <a:srgbClr val="000000"/>
@@ -10274,7 +10269,7 @@
         <p:spPr>
           <a:xfrm>
             <a:off x="609840" y="2651760"/>
-            <a:ext cx="9539640" cy="1828440"/>
+            <a:ext cx="9539280" cy="1828080"/>
           </a:xfrm>
           <a:prstGeom prst="rect">
             <a:avLst/>
@@ -10300,7 +10295,7 @@
         <p:spPr>
           <a:xfrm>
             <a:off x="594720" y="4846320"/>
-            <a:ext cx="9829080" cy="342360"/>
+            <a:ext cx="9828720" cy="342000"/>
           </a:xfrm>
           <a:prstGeom prst="rect">
             <a:avLst/>
@@ -10352,7 +10347,7 @@
         <p:spPr>
           <a:xfrm>
             <a:off x="685800" y="0"/>
-            <a:ext cx="10959840" cy="1132200"/>
+            <a:ext cx="10959480" cy="1131840"/>
           </a:xfrm>
           <a:prstGeom prst="rect">
             <a:avLst/>
@@ -10428,7 +10423,7 @@
         <p:spPr>
           <a:xfrm>
             <a:off x="274320" y="1554480"/>
-            <a:ext cx="11063160" cy="4479480"/>
+            <a:ext cx="11062800" cy="4479120"/>
           </a:xfrm>
           <a:prstGeom prst="rect">
             <a:avLst/>
@@ -10452,7 +10447,7 @@
             <a:noAutofit/>
           </a:bodyPr>
           <a:p>
-            <a:pPr marL="216000" indent="-215640">
+            <a:pPr marL="216000" indent="-215280">
               <a:lnSpc>
                 <a:spcPct val="100000"/>
               </a:lnSpc>
@@ -10501,7 +10496,7 @@
             </a:endParaRPr>
           </a:p>
           <a:p>
-            <a:pPr marL="216000" indent="-215640">
+            <a:pPr marL="216000" indent="-215280">
               <a:lnSpc>
                 <a:spcPct val="100000"/>
               </a:lnSpc>
@@ -10585,7 +10580,7 @@
         <p:spPr>
           <a:xfrm>
             <a:off x="10515240" y="6202080"/>
-            <a:ext cx="1587240" cy="414360"/>
+            <a:ext cx="1586880" cy="414000"/>
           </a:xfrm>
           <a:prstGeom prst="rect">
             <a:avLst/>
@@ -10611,7 +10606,7 @@
                 <a:spcPct val="100000"/>
               </a:lnSpc>
             </a:pPr>
-            <a:fld id="{5722FBBA-586B-4F8C-875E-801680DF0396}" type="slidenum">
+            <a:fld id="{451D15C3-E60F-4551-8C71-DAFF3407B829}" type="slidenum">
               <a:rPr b="0" lang="en-US" sz="1600" spc="-1" strike="noStrike">
                 <a:solidFill>
                   <a:srgbClr val="000000"/>
@@ -10640,7 +10635,7 @@
         <p:spPr>
           <a:xfrm>
             <a:off x="640080" y="2699640"/>
-            <a:ext cx="7790760" cy="2694960"/>
+            <a:ext cx="7790400" cy="2694600"/>
           </a:xfrm>
           <a:prstGeom prst="rect">
             <a:avLst/>
@@ -10692,7 +10687,7 @@
         <p:spPr>
           <a:xfrm>
             <a:off x="685800" y="0"/>
-            <a:ext cx="10959840" cy="1132200"/>
+            <a:ext cx="10959480" cy="1131840"/>
           </a:xfrm>
           <a:prstGeom prst="rect">
             <a:avLst/>
@@ -10768,7 +10763,7 @@
         <p:spPr>
           <a:xfrm>
             <a:off x="274320" y="1554480"/>
-            <a:ext cx="11063160" cy="4479480"/>
+            <a:ext cx="11062800" cy="4479120"/>
           </a:xfrm>
           <a:prstGeom prst="rect">
             <a:avLst/>
@@ -10792,7 +10787,7 @@
             <a:noAutofit/>
           </a:bodyPr>
           <a:p>
-            <a:pPr marL="216000" indent="-215640">
+            <a:pPr marL="216000" indent="-215280">
               <a:lnSpc>
                 <a:spcPct val="100000"/>
               </a:lnSpc>
@@ -10841,7 +10836,7 @@
             </a:endParaRPr>
           </a:p>
           <a:p>
-            <a:pPr marL="216000" indent="-215640">
+            <a:pPr marL="216000" indent="-215280">
               <a:lnSpc>
                 <a:spcPct val="100000"/>
               </a:lnSpc>
@@ -10894,8 +10889,39 @@
                 <a:latin typeface="Arial"/>
                 <a:ea typeface="DejaVu Sans"/>
               </a:rPr>
-              <a:t> my-release stable/mysql</a:t>
-            </a:r>
+              <a:t> my-release .</a:t>
+            </a:r>
+            <a:br/>
+            <a:br/>
+            <a:r>
+              <a:rPr b="0" lang="en-US" sz="1800" spc="-1" strike="noStrike">
+                <a:solidFill>
+                  <a:srgbClr val="000000"/>
+                </a:solidFill>
+                <a:latin typeface="Arial"/>
+              </a:rPr>
+              <a:t> </a:t>
+            </a:r>
+            <a:endParaRPr b="0" lang="en-US" sz="1800" spc="-1" strike="noStrike">
+              <a:latin typeface="Arial"/>
+            </a:endParaRPr>
+          </a:p>
+          <a:p>
+            <a:pPr marL="216000" indent="-215280">
+              <a:lnSpc>
+                <a:spcPct val="100000"/>
+              </a:lnSpc>
+              <a:spcBef>
+                <a:spcPts val="1417"/>
+              </a:spcBef>
+              <a:buClr>
+                <a:srgbClr val="000000"/>
+              </a:buClr>
+              <a:buSzPct val="45000"/>
+              <a:buFont typeface="Wingdings" charset="2"/>
+              <a:buChar char=""/>
+            </a:pPr>
+            <a:br/>
             <a:br/>
             <a:r>
               <a:rPr b="0" i="1" lang="en-US" sz="1800" spc="-1" strike="noStrike">
@@ -10976,7 +11002,7 @@
         <p:spPr>
           <a:xfrm>
             <a:off x="10515240" y="6202080"/>
-            <a:ext cx="1587240" cy="414360"/>
+            <a:ext cx="1586880" cy="414000"/>
           </a:xfrm>
           <a:prstGeom prst="rect">
             <a:avLst/>
@@ -11002,7 +11028,7 @@
                 <a:spcPct val="100000"/>
               </a:lnSpc>
             </a:pPr>
-            <a:fld id="{6F50C719-E8AC-4D04-A48F-B24091A87C43}" type="slidenum">
+            <a:fld id="{C4B8B57B-DE38-40C2-8298-EF92F34381AA}" type="slidenum">
               <a:rPr b="0" lang="en-US" sz="1600" spc="-1" strike="noStrike">
                 <a:solidFill>
                   <a:srgbClr val="000000"/>
@@ -11018,6 +11044,29 @@
           </a:p>
         </p:txBody>
       </p:sp>
+      <p:pic>
+        <p:nvPicPr>
+          <p:cNvPr id="254" name="" descr=""/>
+          <p:cNvPicPr/>
+          <p:nvPr/>
+        </p:nvPicPr>
+        <p:blipFill>
+          <a:blip r:embed="rId1"/>
+          <a:stretch/>
+        </p:blipFill>
+        <p:spPr>
+          <a:xfrm>
+            <a:off x="579600" y="2652120"/>
+            <a:ext cx="3476160" cy="1037880"/>
+          </a:xfrm>
+          <a:prstGeom prst="rect">
+            <a:avLst/>
+          </a:prstGeom>
+          <a:ln>
+            <a:noFill/>
+          </a:ln>
+        </p:spPr>
+      </p:pic>
     </p:spTree>
   </p:cSld>
   <mc:AlternateContent>
@@ -11050,14 +11099,14 @@
       </p:grpSpPr>
       <p:sp>
         <p:nvSpPr>
-          <p:cNvPr id="254" name="CustomShape 1"/>
+          <p:cNvPr id="255" name="CustomShape 1"/>
           <p:cNvSpPr/>
           <p:nvPr/>
         </p:nvSpPr>
         <p:spPr>
           <a:xfrm>
             <a:off x="685800" y="0"/>
-            <a:ext cx="10959840" cy="1132200"/>
+            <a:ext cx="10959480" cy="1131840"/>
           </a:xfrm>
           <a:prstGeom prst="rect">
             <a:avLst/>
@@ -11126,14 +11175,14 @@
       </p:sp>
       <p:sp>
         <p:nvSpPr>
-          <p:cNvPr id="255" name="CustomShape 2"/>
+          <p:cNvPr id="256" name="CustomShape 2"/>
           <p:cNvSpPr/>
           <p:nvPr/>
         </p:nvSpPr>
         <p:spPr>
           <a:xfrm>
             <a:off x="274320" y="1554480"/>
-            <a:ext cx="11063160" cy="4479480"/>
+            <a:ext cx="11062800" cy="4479120"/>
           </a:xfrm>
           <a:prstGeom prst="rect">
             <a:avLst/>
@@ -11157,7 +11206,7 @@
             <a:noAutofit/>
           </a:bodyPr>
           <a:p>
-            <a:pPr marL="216000" indent="-215640">
+            <a:pPr marL="216000" indent="-215280">
               <a:lnSpc>
                 <a:spcPct val="100000"/>
               </a:lnSpc>
@@ -11206,7 +11255,7 @@
             </a:endParaRPr>
           </a:p>
           <a:p>
-            <a:pPr marL="216000" indent="-215640">
+            <a:pPr marL="216000" indent="-215280">
               <a:lnSpc>
                 <a:spcPct val="100000"/>
               </a:lnSpc>
@@ -11354,14 +11403,14 @@
       </p:sp>
       <p:sp>
         <p:nvSpPr>
-          <p:cNvPr id="256" name="CustomShape 3"/>
+          <p:cNvPr id="257" name="CustomShape 3"/>
           <p:cNvSpPr/>
           <p:nvPr/>
         </p:nvSpPr>
         <p:spPr>
           <a:xfrm>
             <a:off x="10515240" y="6202080"/>
-            <a:ext cx="1587240" cy="414360"/>
+            <a:ext cx="1586880" cy="414000"/>
           </a:xfrm>
           <a:prstGeom prst="rect">
             <a:avLst/>
@@ -11387,7 +11436,7 @@
                 <a:spcPct val="100000"/>
               </a:lnSpc>
             </a:pPr>
-            <a:fld id="{07EDA5F8-52D9-4DF7-AB40-D61C6E0F2A60}" type="slidenum">
+            <a:fld id="{68AE3422-89C5-42BA-BB57-864C1F92D001}" type="slidenum">
               <a:rPr b="0" lang="en-US" sz="1600" spc="-1" strike="noStrike">
                 <a:solidFill>
                   <a:srgbClr val="000000"/>
@@ -11435,14 +11484,14 @@
       </p:grpSpPr>
       <p:sp>
         <p:nvSpPr>
-          <p:cNvPr id="257" name="CustomShape 1"/>
+          <p:cNvPr id="258" name="CustomShape 1"/>
           <p:cNvSpPr/>
           <p:nvPr/>
         </p:nvSpPr>
         <p:spPr>
           <a:xfrm>
             <a:off x="685800" y="0"/>
-            <a:ext cx="10959840" cy="1132200"/>
+            <a:ext cx="10959480" cy="1131840"/>
           </a:xfrm>
           <a:prstGeom prst="rect">
             <a:avLst/>
@@ -11511,14 +11560,14 @@
       </p:sp>
       <p:sp>
         <p:nvSpPr>
-          <p:cNvPr id="258" name="CustomShape 2"/>
+          <p:cNvPr id="259" name="CustomShape 2"/>
           <p:cNvSpPr/>
           <p:nvPr/>
         </p:nvSpPr>
         <p:spPr>
           <a:xfrm>
             <a:off x="274320" y="1554480"/>
-            <a:ext cx="11063160" cy="4479480"/>
+            <a:ext cx="11062800" cy="4479120"/>
           </a:xfrm>
           <a:prstGeom prst="rect">
             <a:avLst/>
@@ -11542,7 +11591,159 @@
             <a:noAutofit/>
           </a:bodyPr>
           <a:p>
-            <a:pPr marL="216000" indent="-215640">
+            <a:pPr>
+              <a:lnSpc>
+                <a:spcPct val="100000"/>
+              </a:lnSpc>
+              <a:spcBef>
+                <a:spcPts val="1417"/>
+              </a:spcBef>
+            </a:pPr>
+            <a:r>
+              <a:rPr b="0" lang="en-US" sz="1800" spc="-1" strike="noStrike">
+                <a:solidFill>
+                  <a:srgbClr val="3c3e41"/>
+                </a:solidFill>
+                <a:latin typeface="Arial"/>
+                <a:ea typeface="DejaVu Sans"/>
+              </a:rPr>
+              <a:t>helm </a:t>
+            </a:r>
+            <a:r>
+              <a:rPr b="0" lang="en-US" sz="1800" spc="-1" strike="noStrike">
+                <a:solidFill>
+                  <a:srgbClr val="00a933"/>
+                </a:solidFill>
+                <a:latin typeface="Arial"/>
+                <a:ea typeface="DejaVu Sans"/>
+              </a:rPr>
+              <a:t>list</a:t>
+            </a:r>
+            <a:r>
+              <a:rPr b="0" lang="en-US" sz="1800" spc="-1" strike="noStrike">
+                <a:solidFill>
+                  <a:srgbClr val="3c3e41"/>
+                </a:solidFill>
+                <a:latin typeface="Arial"/>
+                <a:ea typeface="DejaVu Sans"/>
+              </a:rPr>
+              <a:t>: list current installed release</a:t>
+            </a:r>
+            <a:br/>
+            <a:r>
+              <a:rPr b="0" lang="en-US" sz="1800" spc="-1" strike="noStrike">
+                <a:solidFill>
+                  <a:srgbClr val="3c3e41"/>
+                </a:solidFill>
+                <a:latin typeface="Arial"/>
+                <a:ea typeface="DejaVu Sans"/>
+              </a:rPr>
+              <a:t>helm </a:t>
+            </a:r>
+            <a:r>
+              <a:rPr b="0" lang="en-US" sz="1800" spc="-1" strike="noStrike">
+                <a:solidFill>
+                  <a:srgbClr val="00a933"/>
+                </a:solidFill>
+                <a:latin typeface="Arial"/>
+                <a:ea typeface="DejaVu Sans"/>
+              </a:rPr>
+              <a:t>history </a:t>
+            </a:r>
+            <a:r>
+              <a:rPr b="0" lang="en-US" sz="1800" spc="-1" strike="noStrike">
+                <a:solidFill>
+                  <a:srgbClr val="c9211e"/>
+                </a:solidFill>
+                <a:latin typeface="Arial"/>
+                <a:ea typeface="DejaVu Sans"/>
+              </a:rPr>
+              <a:t>[release-name]</a:t>
+            </a:r>
+            <a:r>
+              <a:rPr b="0" lang="en-US" sz="1800" spc="-1" strike="noStrike">
+                <a:solidFill>
+                  <a:srgbClr val="3c3e41"/>
+                </a:solidFill>
+                <a:latin typeface="Arial"/>
+                <a:ea typeface="DejaVu Sans"/>
+              </a:rPr>
+              <a:t>: list all releases</a:t>
+            </a:r>
+            <a:br/>
+            <a:r>
+              <a:rPr b="0" lang="en-US" sz="1800" spc="-1" strike="noStrike">
+                <a:solidFill>
+                  <a:srgbClr val="3c3e41"/>
+                </a:solidFill>
+                <a:latin typeface="Arial"/>
+                <a:ea typeface="DejaVu Sans"/>
+              </a:rPr>
+              <a:t>helm </a:t>
+            </a:r>
+            <a:r>
+              <a:rPr b="0" lang="en-US" sz="1800" spc="-1" strike="noStrike">
+                <a:solidFill>
+                  <a:srgbClr val="00a933"/>
+                </a:solidFill>
+                <a:latin typeface="Arial"/>
+                <a:ea typeface="DejaVu Sans"/>
+              </a:rPr>
+              <a:t>rollback</a:t>
+            </a:r>
+            <a:r>
+              <a:rPr b="0" lang="en-US" sz="1800" spc="-1" strike="noStrike">
+                <a:solidFill>
+                  <a:srgbClr val="3c3e41"/>
+                </a:solidFill>
+                <a:latin typeface="Arial"/>
+                <a:ea typeface="DejaVu Sans"/>
+              </a:rPr>
+              <a:t> </a:t>
+            </a:r>
+            <a:r>
+              <a:rPr b="0" lang="en-US" sz="1800" spc="-1" strike="noStrike">
+                <a:solidFill>
+                  <a:srgbClr val="bf0041"/>
+                </a:solidFill>
+                <a:latin typeface="Arial"/>
+                <a:ea typeface="DejaVu Sans"/>
+              </a:rPr>
+              <a:t>[release-name]</a:t>
+            </a:r>
+            <a:r>
+              <a:rPr b="0" lang="en-US" sz="1800" spc="-1" strike="noStrike">
+                <a:solidFill>
+                  <a:srgbClr val="3c3e41"/>
+                </a:solidFill>
+                <a:latin typeface="Arial"/>
+                <a:ea typeface="DejaVu Sans"/>
+              </a:rPr>
+              <a:t> </a:t>
+            </a:r>
+            <a:r>
+              <a:rPr b="0" lang="en-US" sz="1800" spc="-1" strike="noStrike">
+                <a:solidFill>
+                  <a:srgbClr val="acb20c"/>
+                </a:solidFill>
+                <a:latin typeface="Arial"/>
+                <a:ea typeface="DejaVu Sans"/>
+              </a:rPr>
+              <a:t>[specific-version]</a:t>
+            </a:r>
+            <a:r>
+              <a:rPr b="0" lang="en-US" sz="1800" spc="-1" strike="noStrike">
+                <a:latin typeface="Arial"/>
+                <a:ea typeface="DejaVu Sans"/>
+              </a:rPr>
+              <a:t>: rollback to a specific version (but create a new version)</a:t>
+            </a:r>
+            <a:endParaRPr b="0" lang="en-US" sz="1800" spc="-1" strike="noStrike">
+              <a:latin typeface="Arial"/>
+            </a:endParaRPr>
+          </a:p>
+          <a:p>
+            <a:pPr marL="216000" indent="-215280">
               <a:lnSpc>
                 <a:spcPct val="100000"/>
               </a:lnSpc>
@@ -11564,56 +11765,7 @@
                 <a:latin typeface="Arial"/>
                 <a:ea typeface="DejaVu Sans"/>
               </a:rPr>
-              <a:t>helm </a:t>
-            </a:r>
-            <a:r>
-              <a:rPr b="0" lang="en-US" sz="1800" spc="-1" strike="noStrike">
-                <a:solidFill>
-                  <a:srgbClr val="00a933"/>
-                </a:solidFill>
-                <a:latin typeface="Arial"/>
-                <a:ea typeface="DejaVu Sans"/>
-              </a:rPr>
-              <a:t>list</a:t>
-            </a:r>
-            <a:r>
-              <a:rPr b="0" lang="en-US" sz="1800" spc="-1" strike="noStrike">
-                <a:solidFill>
-                  <a:srgbClr val="3c3e41"/>
-                </a:solidFill>
-                <a:latin typeface="Arial"/>
-                <a:ea typeface="DejaVu Sans"/>
-              </a:rPr>
-              <a:t>: list all releases.</a:t>
-            </a:r>
-            <a:endParaRPr b="0" lang="en-US" sz="1800" spc="-1" strike="noStrike">
-              <a:latin typeface="Arial"/>
-            </a:endParaRPr>
-          </a:p>
-          <a:p>
-            <a:pPr marL="216000" indent="-215640">
-              <a:lnSpc>
-                <a:spcPct val="100000"/>
-              </a:lnSpc>
-              <a:spcBef>
-                <a:spcPts val="1417"/>
-              </a:spcBef>
-              <a:buClr>
-                <a:srgbClr val="000000"/>
-              </a:buClr>
-              <a:buSzPct val="45000"/>
-              <a:buFont typeface="Wingdings" charset="2"/>
-              <a:buChar char=""/>
-            </a:pPr>
-            <a:r>
-              <a:rPr b="0" lang="en-US" sz="1800" spc="-1" strike="noStrike">
-                <a:solidFill>
-                  <a:srgbClr val="3c3e41"/>
-                </a:solidFill>
-                <a:latin typeface="Arial"/>
-                <a:ea typeface="DejaVu Sans"/>
-              </a:rPr>
-              <a:t>Example:</a:t>
+              <a:t>Examples:</a:t>
             </a:r>
             <a:br/>
             <a:r>
@@ -11649,23 +11801,194 @@
                 <a:spcPts val="1417"/>
               </a:spcBef>
             </a:pPr>
+            <a:endParaRPr b="0" lang="en-US" sz="1800" spc="-1" strike="noStrike">
+              <a:latin typeface="Arial"/>
+            </a:endParaRPr>
+          </a:p>
+          <a:p>
+            <a:pPr>
+              <a:lnSpc>
+                <a:spcPct val="100000"/>
+              </a:lnSpc>
+              <a:spcBef>
+                <a:spcPts val="1417"/>
+              </a:spcBef>
+            </a:pPr>
+            <a:r>
+              <a:rPr b="0" lang="en-US" sz="1800" spc="-1" strike="noStrike">
+                <a:solidFill>
+                  <a:srgbClr val="000000"/>
+                </a:solidFill>
+                <a:latin typeface="Arial"/>
+                <a:ea typeface="DejaVu Sans"/>
+              </a:rPr>
+              <a:t>   </a:t>
+            </a:r>
+            <a:r>
+              <a:rPr b="0" lang="en-US" sz="1800" spc="-1" strike="noStrike">
+                <a:solidFill>
+                  <a:srgbClr val="000000"/>
+                </a:solidFill>
+                <a:latin typeface="Arial"/>
+                <a:ea typeface="DejaVu Sans"/>
+              </a:rPr>
+              <a:t>helm </a:t>
+            </a:r>
+            <a:r>
+              <a:rPr b="0" lang="en-US" sz="1800" spc="-1" strike="noStrike">
+                <a:solidFill>
+                  <a:srgbClr val="00a933"/>
+                </a:solidFill>
+                <a:latin typeface="Arial"/>
+                <a:ea typeface="DejaVu Sans"/>
+              </a:rPr>
+              <a:t>history</a:t>
+            </a:r>
+            <a:r>
+              <a:rPr b="0" lang="en-US" sz="1800" spc="-1" strike="noStrike">
+                <a:solidFill>
+                  <a:srgbClr val="000000"/>
+                </a:solidFill>
+                <a:latin typeface="Arial"/>
+                <a:ea typeface="DejaVu Sans"/>
+              </a:rPr>
+              <a:t> </a:t>
+            </a:r>
+            <a:r>
+              <a:rPr b="0" lang="en-US" sz="1800" spc="-1" strike="noStrike">
+                <a:solidFill>
+                  <a:srgbClr val="c9211e"/>
+                </a:solidFill>
+                <a:latin typeface="Arial"/>
+                <a:ea typeface="DejaVu Sans"/>
+              </a:rPr>
+              <a:t>my-release</a:t>
+            </a:r>
+            <a:br/>
             <a:br/>
             <a:endParaRPr b="0" lang="en-US" sz="1800" spc="-1" strike="noStrike">
               <a:latin typeface="Arial"/>
             </a:endParaRPr>
           </a:p>
-        </p:txBody>
-      </p:sp>
-      <p:sp>
-        <p:nvSpPr>
-          <p:cNvPr id="259" name="CustomShape 3"/>
+          <a:p>
+            <a:pPr>
+              <a:lnSpc>
+                <a:spcPct val="100000"/>
+              </a:lnSpc>
+              <a:spcBef>
+                <a:spcPts val="1417"/>
+              </a:spcBef>
+            </a:pPr>
+            <a:r>
+              <a:rPr b="0" lang="en-US" sz="1800" spc="-1" strike="noStrike">
+                <a:solidFill>
+                  <a:srgbClr val="000000"/>
+                </a:solidFill>
+                <a:latin typeface="Arial"/>
+                <a:ea typeface="DejaVu Sans"/>
+              </a:rPr>
+              <a:t>   </a:t>
+            </a:r>
+            <a:r>
+              <a:rPr b="0" lang="en-US" sz="1800" spc="-1" strike="noStrike">
+                <a:solidFill>
+                  <a:srgbClr val="000000"/>
+                </a:solidFill>
+                <a:latin typeface="Arial"/>
+                <a:ea typeface="DejaVu Sans"/>
+              </a:rPr>
+              <a:t>helm </a:t>
+            </a:r>
+            <a:r>
+              <a:rPr b="0" lang="en-US" sz="1800" spc="-1" strike="noStrike">
+                <a:solidFill>
+                  <a:srgbClr val="00a933"/>
+                </a:solidFill>
+                <a:latin typeface="Arial"/>
+                <a:ea typeface="DejaVu Sans"/>
+              </a:rPr>
+              <a:t>rollback</a:t>
+            </a:r>
+            <a:r>
+              <a:rPr b="0" lang="en-US" sz="1800" spc="-1" strike="noStrike">
+                <a:solidFill>
+                  <a:srgbClr val="000000"/>
+                </a:solidFill>
+                <a:latin typeface="Arial"/>
+                <a:ea typeface="DejaVu Sans"/>
+              </a:rPr>
+              <a:t> </a:t>
+            </a:r>
+            <a:r>
+              <a:rPr b="0" lang="en-US" sz="1800" spc="-1" strike="noStrike">
+                <a:solidFill>
+                  <a:srgbClr val="bf0041"/>
+                </a:solidFill>
+                <a:latin typeface="Arial"/>
+                <a:ea typeface="DejaVu Sans"/>
+              </a:rPr>
+              <a:t>my-release</a:t>
+            </a:r>
+            <a:r>
+              <a:rPr b="0" lang="en-US" sz="1800" spc="-1" strike="noStrike">
+                <a:solidFill>
+                  <a:srgbClr val="000000"/>
+                </a:solidFill>
+                <a:latin typeface="Arial"/>
+                <a:ea typeface="DejaVu Sans"/>
+              </a:rPr>
+              <a:t> </a:t>
+            </a:r>
+            <a:r>
+              <a:rPr b="0" lang="en-US" sz="1800" spc="-1" strike="noStrike">
+                <a:solidFill>
+                  <a:srgbClr val="acb20c"/>
+                </a:solidFill>
+                <a:latin typeface="Arial"/>
+                <a:ea typeface="DejaVu Sans"/>
+              </a:rPr>
+              <a:t>1</a:t>
+            </a:r>
+            <a:br/>
+            <a:r>
+              <a:rPr b="0" lang="en-US" sz="1800" spc="-1" strike="noStrike">
+                <a:solidFill>
+                  <a:srgbClr val="000000"/>
+                </a:solidFill>
+                <a:latin typeface="Arial"/>
+                <a:ea typeface="DejaVu Sans"/>
+              </a:rPr>
+              <a:t>     </a:t>
+            </a:r>
+            <a:endParaRPr b="0" lang="en-US" sz="1800" spc="-1" strike="noStrike">
+              <a:latin typeface="Arial"/>
+            </a:endParaRPr>
+          </a:p>
+          <a:p>
+            <a:pPr>
+              <a:lnSpc>
+                <a:spcPct val="100000"/>
+              </a:lnSpc>
+              <a:spcBef>
+                <a:spcPts val="1417"/>
+              </a:spcBef>
+            </a:pPr>
+            <a:endParaRPr b="0" lang="en-US" sz="1800" spc="-1" strike="noStrike">
+              <a:latin typeface="Arial"/>
+            </a:endParaRPr>
+          </a:p>
+        </p:txBody>
+      </p:sp>
+      <p:sp>
+        <p:nvSpPr>
+          <p:cNvPr id="260" name="CustomShape 3"/>
           <p:cNvSpPr/>
           <p:nvPr/>
         </p:nvSpPr>
         <p:spPr>
           <a:xfrm>
             <a:off x="10515240" y="6202080"/>
-            <a:ext cx="1587240" cy="414360"/>
+            <a:ext cx="1586880" cy="414000"/>
           </a:xfrm>
           <a:prstGeom prst="rect">
             <a:avLst/>
@@ -11691,7 +12014,7 @@
                 <a:spcPct val="100000"/>
               </a:lnSpc>
             </a:pPr>
-            <a:fld id="{6FC62BA1-E44B-4B76-97CE-DF763B1CD9DD}" type="slidenum">
+            <a:fld id="{0D7D87DF-2872-46F6-B309-ADFF87FCDE89}" type="slidenum">
               <a:rPr b="0" lang="en-US" sz="1600" spc="-1" strike="noStrike">
                 <a:solidFill>
                   <a:srgbClr val="000000"/>
@@ -11707,6 +12030,75 @@
           </a:p>
         </p:txBody>
       </p:sp>
+      <p:pic>
+        <p:nvPicPr>
+          <p:cNvPr id="261" name="" descr=""/>
+          <p:cNvPicPr/>
+          <p:nvPr/>
+        </p:nvPicPr>
+        <p:blipFill>
+          <a:blip r:embed="rId1"/>
+          <a:stretch/>
+        </p:blipFill>
+        <p:spPr>
+          <a:xfrm>
+            <a:off x="556200" y="3138480"/>
+            <a:ext cx="9755280" cy="399600"/>
+          </a:xfrm>
+          <a:prstGeom prst="rect">
+            <a:avLst/>
+          </a:prstGeom>
+          <a:ln>
+            <a:noFill/>
+          </a:ln>
+        </p:spPr>
+      </p:pic>
+      <p:pic>
+        <p:nvPicPr>
+          <p:cNvPr id="262" name="" descr=""/>
+          <p:cNvPicPr/>
+          <p:nvPr/>
+        </p:nvPicPr>
+        <p:blipFill>
+          <a:blip r:embed="rId2"/>
+          <a:stretch/>
+        </p:blipFill>
+        <p:spPr>
+          <a:xfrm>
+            <a:off x="550800" y="4114800"/>
+            <a:ext cx="9781920" cy="542520"/>
+          </a:xfrm>
+          <a:prstGeom prst="rect">
+            <a:avLst/>
+          </a:prstGeom>
+          <a:ln>
+            <a:noFill/>
+          </a:ln>
+        </p:spPr>
+      </p:pic>
+      <p:pic>
+        <p:nvPicPr>
+          <p:cNvPr id="263" name="" descr=""/>
+          <p:cNvPicPr/>
+          <p:nvPr/>
+        </p:nvPicPr>
+        <p:blipFill>
+          <a:blip r:embed="rId3"/>
+          <a:stretch/>
+        </p:blipFill>
+        <p:spPr>
+          <a:xfrm>
+            <a:off x="548640" y="5079240"/>
+            <a:ext cx="3666600" cy="132840"/>
+          </a:xfrm>
+          <a:prstGeom prst="rect">
+            <a:avLst/>
+          </a:prstGeom>
+          <a:ln>
+            <a:noFill/>
+          </a:ln>
+        </p:spPr>
+      </p:pic>
     </p:spTree>
   </p:cSld>
   <mc:AlternateContent>
@@ -11739,14 +12131,14 @@
       </p:grpSpPr>
       <p:sp>
         <p:nvSpPr>
-          <p:cNvPr id="260" name="CustomShape 1"/>
+          <p:cNvPr id="264" name="CustomShape 1"/>
           <p:cNvSpPr/>
           <p:nvPr/>
         </p:nvSpPr>
         <p:spPr>
           <a:xfrm>
             <a:off x="685800" y="0"/>
-            <a:ext cx="10959840" cy="1132200"/>
+            <a:ext cx="10959480" cy="1131840"/>
           </a:xfrm>
           <a:prstGeom prst="rect">
             <a:avLst/>
@@ -11815,14 +12207,14 @@
       </p:sp>
       <p:sp>
         <p:nvSpPr>
-          <p:cNvPr id="261" name="CustomShape 2"/>
+          <p:cNvPr id="265" name="CustomShape 2"/>
           <p:cNvSpPr/>
           <p:nvPr/>
         </p:nvSpPr>
         <p:spPr>
           <a:xfrm>
             <a:off x="274320" y="1554480"/>
-            <a:ext cx="11063160" cy="4479480"/>
+            <a:ext cx="11062800" cy="4479120"/>
           </a:xfrm>
           <a:prstGeom prst="rect">
             <a:avLst/>
@@ -11846,7 +12238,7 @@
             <a:noAutofit/>
           </a:bodyPr>
           <a:p>
-            <a:pPr marL="216000" indent="-215640">
+            <a:pPr marL="216000" indent="-215280">
               <a:lnSpc>
                 <a:spcPct val="100000"/>
               </a:lnSpc>
@@ -11888,14 +12280,14 @@
                 <a:latin typeface="Arial"/>
                 <a:ea typeface="DejaVu Sans"/>
               </a:rPr>
-              <a:t>: uninstall a release and clean up associated resources</a:t>
+              <a:t>: uninstall a release and clean up associated resources (not include pvc)</a:t>
             </a:r>
             <a:endParaRPr b="0" lang="en-US" sz="1800" spc="-1" strike="noStrike">
               <a:latin typeface="Arial"/>
             </a:endParaRPr>
           </a:p>
           <a:p>
-            <a:pPr marL="216000" indent="-215640">
+            <a:pPr marL="216000" indent="-215280">
               <a:lnSpc>
                 <a:spcPct val="100000"/>
               </a:lnSpc>
@@ -11952,42 +12344,12 @@
             </a:r>
             <a:br/>
             <a:r>
-              <a:rPr b="0" i="1" lang="en-US" sz="1800" spc="-1" strike="noStrike">
-                <a:solidFill>
-                  <a:srgbClr val="3c3e41"/>
-                </a:solidFill>
-                <a:latin typeface="Arial"/>
-                <a:ea typeface="DejaVu Sans"/>
-              </a:rPr>
-              <a:t>helm </a:t>
-            </a:r>
-            <a:r>
-              <a:rPr b="0" i="1" lang="en-US" sz="1800" spc="-1" strike="noStrike">
-                <a:solidFill>
-                  <a:srgbClr val="00a933"/>
-                </a:solidFill>
-                <a:latin typeface="Arial"/>
-                <a:ea typeface="DejaVu Sans"/>
-              </a:rPr>
-              <a:t>uninstall</a:t>
-            </a:r>
-            <a:r>
-              <a:rPr b="0" i="1" lang="en-US" sz="1800" spc="-1" strike="noStrike">
-                <a:solidFill>
-                  <a:srgbClr val="3c3e41"/>
-                </a:solidFill>
-                <a:latin typeface="Arial"/>
-                <a:ea typeface="DejaVu Sans"/>
-              </a:rPr>
-              <a:t> --purge my-release</a:t>
-            </a:r>
-            <a:br/>
-            <a:r>
               <a:rPr b="0" lang="en-US" sz="1800" spc="-1" strike="noStrike">
                 <a:solidFill>
                   <a:srgbClr val="000000"/>
                 </a:solidFill>
                 <a:latin typeface="Arial"/>
+                <a:ea typeface="DejaVu Sans"/>
               </a:rPr>
               <a:t> </a:t>
             </a:r>
@@ -11999,14 +12361,14 @@
       </p:sp>
       <p:sp>
         <p:nvSpPr>
-          <p:cNvPr id="262" name="CustomShape 3"/>
+          <p:cNvPr id="266" name="CustomShape 3"/>
           <p:cNvSpPr/>
           <p:nvPr/>
         </p:nvSpPr>
         <p:spPr>
           <a:xfrm>
             <a:off x="10515240" y="6202080"/>
-            <a:ext cx="1587240" cy="414360"/>
+            <a:ext cx="1586880" cy="414000"/>
           </a:xfrm>
           <a:prstGeom prst="rect">
             <a:avLst/>
@@ -12032,7 +12394,7 @@
                 <a:spcPct val="100000"/>
               </a:lnSpc>
             </a:pPr>
-            <a:fld id="{D8F431F4-971F-43C2-BDAB-A691F6153745}" type="slidenum">
+            <a:fld id="{65EF058A-B3BF-4232-A4D2-7A11FDF528CF}" type="slidenum">
               <a:rPr b="0" lang="en-US" sz="1600" spc="-1" strike="noStrike">
                 <a:solidFill>
                   <a:srgbClr val="000000"/>
@@ -12048,6 +12410,29 @@
           </a:p>
         </p:txBody>
       </p:sp>
+      <p:pic>
+        <p:nvPicPr>
+          <p:cNvPr id="267" name="" descr=""/>
+          <p:cNvPicPr/>
+          <p:nvPr/>
+        </p:nvPicPr>
+        <p:blipFill>
+          <a:blip r:embed="rId1"/>
+          <a:stretch/>
+        </p:blipFill>
+        <p:spPr>
+          <a:xfrm>
+            <a:off x="573840" y="2625480"/>
+            <a:ext cx="2809440" cy="209160"/>
+          </a:xfrm>
+          <a:prstGeom prst="rect">
+            <a:avLst/>
+          </a:prstGeom>
+          <a:ln>
+            <a:noFill/>
+          </a:ln>
+        </p:spPr>
+      </p:pic>
     </p:spTree>
   </p:cSld>
   <mc:AlternateContent>
@@ -12080,14 +12465,14 @@
       </p:grpSpPr>
       <p:sp>
         <p:nvSpPr>
-          <p:cNvPr id="263" name="CustomShape 1"/>
+          <p:cNvPr id="268" name="CustomShape 1"/>
           <p:cNvSpPr/>
           <p:nvPr/>
         </p:nvSpPr>
         <p:spPr>
           <a:xfrm>
             <a:off x="685800" y="0"/>
-            <a:ext cx="10959840" cy="1132200"/>
+            <a:ext cx="10959480" cy="1131840"/>
           </a:xfrm>
           <a:prstGeom prst="rect">
             <a:avLst/>
@@ -12156,14 +12541,14 @@
       </p:sp>
       <p:sp>
         <p:nvSpPr>
-          <p:cNvPr id="264" name="CustomShape 2"/>
+          <p:cNvPr id="269" name="CustomShape 2"/>
           <p:cNvSpPr/>
           <p:nvPr/>
         </p:nvSpPr>
         <p:spPr>
           <a:xfrm>
             <a:off x="274320" y="1554480"/>
-            <a:ext cx="11063160" cy="4479480"/>
+            <a:ext cx="11062800" cy="4479120"/>
           </a:xfrm>
           <a:prstGeom prst="rect">
             <a:avLst/>
@@ -12187,7 +12572,7 @@
             <a:noAutofit/>
           </a:bodyPr>
           <a:p>
-            <a:pPr marL="216000" indent="-215640">
+            <a:pPr marL="216000" indent="-215280">
               <a:lnSpc>
                 <a:spcPct val="100000"/>
               </a:lnSpc>
@@ -12293,14 +12678,14 @@
       </p:sp>
       <p:sp>
         <p:nvSpPr>
-          <p:cNvPr id="265" name="CustomShape 3"/>
+          <p:cNvPr id="270" name="CustomShape 3"/>
           <p:cNvSpPr/>
           <p:nvPr/>
         </p:nvSpPr>
         <p:spPr>
           <a:xfrm>
             <a:off x="10515240" y="6202080"/>
-            <a:ext cx="1587240" cy="414360"/>
+            <a:ext cx="1586880" cy="414000"/>
           </a:xfrm>
           <a:prstGeom prst="rect">
             <a:avLst/>
@@ -12326,7 +12711,7 @@
                 <a:spcPct val="100000"/>
               </a:lnSpc>
             </a:pPr>
-            <a:fld id="{D6A31A22-052B-408F-87FA-5FEA0A4F3AD5}" type="slidenum">
+            <a:fld id="{80DD53F3-982A-4201-ACC4-8B13BC9763F0}" type="slidenum">
               <a:rPr b="0" lang="en-US" sz="1600" spc="-1" strike="noStrike">
                 <a:solidFill>
                   <a:srgbClr val="000000"/>
@@ -12344,7 +12729,7 @@
       </p:sp>
       <p:pic>
         <p:nvPicPr>
-          <p:cNvPr id="266" name="" descr=""/>
+          <p:cNvPr id="271" name="" descr=""/>
           <p:cNvPicPr/>
           <p:nvPr/>
         </p:nvPicPr>
@@ -12355,7 +12740,7 @@
         <p:spPr>
           <a:xfrm>
             <a:off x="640080" y="2377440"/>
-            <a:ext cx="6990480" cy="2704320"/>
+            <a:ext cx="6990120" cy="2703960"/>
           </a:xfrm>
           <a:prstGeom prst="rect">
             <a:avLst/>
@@ -12400,14 +12785,14 @@
       </p:grpSpPr>
       <p:sp>
         <p:nvSpPr>
-          <p:cNvPr id="267" name="CustomShape 1"/>
+          <p:cNvPr id="272" name="CustomShape 1"/>
           <p:cNvSpPr/>
           <p:nvPr/>
         </p:nvSpPr>
         <p:spPr>
           <a:xfrm>
             <a:off x="685800" y="0"/>
-            <a:ext cx="10959840" cy="1132200"/>
+            <a:ext cx="10959480" cy="1131840"/>
           </a:xfrm>
           <a:prstGeom prst="rect">
             <a:avLst/>
@@ -12476,14 +12861,14 @@
       </p:sp>
       <p:sp>
         <p:nvSpPr>
-          <p:cNvPr id="268" name="CustomShape 2"/>
+          <p:cNvPr id="273" name="CustomShape 2"/>
           <p:cNvSpPr/>
           <p:nvPr/>
         </p:nvSpPr>
         <p:spPr>
           <a:xfrm>
             <a:off x="274320" y="1554480"/>
-            <a:ext cx="11063160" cy="4479480"/>
+            <a:ext cx="11062800" cy="4479120"/>
           </a:xfrm>
           <a:prstGeom prst="rect">
             <a:avLst/>
@@ -12507,7 +12892,7 @@
             <a:noAutofit/>
           </a:bodyPr>
           <a:p>
-            <a:pPr marL="216000" indent="-215640">
+            <a:pPr marL="216000" indent="-215280">
               <a:lnSpc>
                 <a:spcPct val="100000"/>
               </a:lnSpc>
@@ -12613,14 +12998,14 @@
       </p:sp>
       <p:sp>
         <p:nvSpPr>
-          <p:cNvPr id="269" name="CustomShape 3"/>
+          <p:cNvPr id="274" name="CustomShape 3"/>
           <p:cNvSpPr/>
           <p:nvPr/>
         </p:nvSpPr>
         <p:spPr>
           <a:xfrm>
             <a:off x="10515240" y="6202080"/>
-            <a:ext cx="1587240" cy="414360"/>
+            <a:ext cx="1586880" cy="414000"/>
           </a:xfrm>
           <a:prstGeom prst="rect">
             <a:avLst/>
@@ -12646,7 +13031,7 @@
                 <a:spcPct val="100000"/>
               </a:lnSpc>
             </a:pPr>
-            <a:fld id="{C5458CCF-E338-4E2C-89AD-3BB9D03BF8EF}" type="slidenum">
+            <a:fld id="{3924FF05-03F5-473A-808D-99C494F31E35}" type="slidenum">
               <a:rPr b="0" lang="en-US" sz="1600" spc="-1" strike="noStrike">
                 <a:solidFill>
                   <a:srgbClr val="000000"/>
@@ -12664,7 +13049,7 @@
       </p:sp>
       <p:pic>
         <p:nvPicPr>
-          <p:cNvPr id="270" name="" descr=""/>
+          <p:cNvPr id="275" name="" descr=""/>
           <p:cNvPicPr/>
           <p:nvPr/>
         </p:nvPicPr>
@@ -12675,7 +13060,7 @@
         <p:spPr>
           <a:xfrm>
             <a:off x="606240" y="2377440"/>
-            <a:ext cx="4971240" cy="2370960"/>
+            <a:ext cx="4970880" cy="2370600"/>
           </a:xfrm>
           <a:prstGeom prst="rect">
             <a:avLst/>
@@ -12690,7 +13075,7 @@
       </p:pic>
       <p:pic>
         <p:nvPicPr>
-          <p:cNvPr id="271" name="" descr=""/>
+          <p:cNvPr id="276" name="" descr=""/>
           <p:cNvPicPr/>
           <p:nvPr/>
         </p:nvPicPr>
@@ -12701,7 +13086,7 @@
         <p:spPr>
           <a:xfrm>
             <a:off x="6258240" y="2377440"/>
-            <a:ext cx="4714200" cy="2834280"/>
+            <a:ext cx="4713840" cy="2833920"/>
           </a:xfrm>
           <a:prstGeom prst="rect">
             <a:avLst/>
@@ -12753,7 +13138,7 @@
         <p:spPr>
           <a:xfrm>
             <a:off x="5852160" y="365760"/>
-            <a:ext cx="5213880" cy="5850360"/>
+            <a:ext cx="5213520" cy="5850000"/>
           </a:xfrm>
           <a:prstGeom prst="rect">
             <a:avLst/>
@@ -12774,7 +13159,7 @@
             <a:noAutofit/>
           </a:bodyPr>
           <a:p>
-            <a:pPr marL="343080" indent="-340920">
+            <a:pPr marL="343080" indent="-340560">
               <a:lnSpc>
                 <a:spcPct val="90000"/>
               </a:lnSpc>
@@ -12802,7 +13187,7 @@
             </a:endParaRPr>
           </a:p>
           <a:p>
-            <a:pPr lvl="1" marL="432000" indent="-214200">
+            <a:pPr lvl="1" marL="432000" indent="-213840">
               <a:lnSpc>
                 <a:spcPct val="100000"/>
               </a:lnSpc>
@@ -12831,7 +13216,7 @@
             </a:endParaRPr>
           </a:p>
           <a:p>
-            <a:pPr lvl="1" marL="432000" indent="-214200">
+            <a:pPr lvl="1" marL="432000" indent="-213840">
               <a:lnSpc>
                 <a:spcPct val="100000"/>
               </a:lnSpc>
@@ -12860,7 +13245,7 @@
             </a:endParaRPr>
           </a:p>
           <a:p>
-            <a:pPr lvl="1" marL="432000" indent="-214200">
+            <a:pPr lvl="1" marL="432000" indent="-213840">
               <a:lnSpc>
                 <a:spcPct val="100000"/>
               </a:lnSpc>
@@ -12889,7 +13274,7 @@
             </a:endParaRPr>
           </a:p>
           <a:p>
-            <a:pPr lvl="1" marL="432000" indent="-214200">
+            <a:pPr lvl="1" marL="432000" indent="-213840">
               <a:lnSpc>
                 <a:spcPct val="100000"/>
               </a:lnSpc>
@@ -12918,7 +13303,7 @@
             </a:endParaRPr>
           </a:p>
           <a:p>
-            <a:pPr marL="343080" indent="-340920">
+            <a:pPr marL="343080" indent="-340560">
               <a:lnSpc>
                 <a:spcPct val="90000"/>
               </a:lnSpc>
@@ -12946,7 +13331,7 @@
             </a:endParaRPr>
           </a:p>
           <a:p>
-            <a:pPr marL="343080" indent="-340920">
+            <a:pPr marL="343080" indent="-340560">
               <a:lnSpc>
                 <a:spcPct val="90000"/>
               </a:lnSpc>
@@ -12974,7 +13359,7 @@
             </a:endParaRPr>
           </a:p>
           <a:p>
-            <a:pPr lvl="1" marL="432000" indent="-214200">
+            <a:pPr lvl="1" marL="432000" indent="-213840">
               <a:lnSpc>
                 <a:spcPct val="100000"/>
               </a:lnSpc>
@@ -13003,7 +13388,7 @@
             </a:endParaRPr>
           </a:p>
           <a:p>
-            <a:pPr lvl="1" marL="432000" indent="-214200">
+            <a:pPr lvl="1" marL="432000" indent="-213840">
               <a:lnSpc>
                 <a:spcPct val="100000"/>
               </a:lnSpc>
@@ -13032,7 +13417,7 @@
             </a:endParaRPr>
           </a:p>
           <a:p>
-            <a:pPr lvl="1" marL="432000" indent="-214200">
+            <a:pPr lvl="1" marL="432000" indent="-213840">
               <a:lnSpc>
                 <a:spcPct val="100000"/>
               </a:lnSpc>
@@ -13061,7 +13446,7 @@
             </a:endParaRPr>
           </a:p>
           <a:p>
-            <a:pPr lvl="1" marL="432000" indent="-214200">
+            <a:pPr lvl="1" marL="432000" indent="-213840">
               <a:lnSpc>
                 <a:spcPct val="100000"/>
               </a:lnSpc>
@@ -13090,7 +13475,7 @@
             </a:endParaRPr>
           </a:p>
           <a:p>
-            <a:pPr marL="343080" indent="-340920">
+            <a:pPr marL="343080" indent="-340560">
               <a:lnSpc>
                 <a:spcPct val="90000"/>
               </a:lnSpc>
@@ -13118,7 +13503,7 @@
             </a:endParaRPr>
           </a:p>
           <a:p>
-            <a:pPr marL="343080" indent="-340920">
+            <a:pPr marL="343080" indent="-340560">
               <a:lnSpc>
                 <a:spcPct val="90000"/>
               </a:lnSpc>
@@ -13192,14 +13577,14 @@
       </p:grpSpPr>
       <p:sp>
         <p:nvSpPr>
-          <p:cNvPr id="272" name="CustomShape 1"/>
+          <p:cNvPr id="277" name="CustomShape 1"/>
           <p:cNvSpPr/>
           <p:nvPr/>
         </p:nvSpPr>
         <p:spPr>
           <a:xfrm>
             <a:off x="685800" y="0"/>
-            <a:ext cx="10959840" cy="1132200"/>
+            <a:ext cx="10959480" cy="1131840"/>
           </a:xfrm>
           <a:prstGeom prst="rect">
             <a:avLst/>
@@ -13268,14 +13653,14 @@
       </p:sp>
       <p:sp>
         <p:nvSpPr>
-          <p:cNvPr id="273" name="CustomShape 2"/>
+          <p:cNvPr id="278" name="CustomShape 2"/>
           <p:cNvSpPr/>
           <p:nvPr/>
         </p:nvSpPr>
         <p:spPr>
           <a:xfrm>
             <a:off x="274320" y="1554480"/>
-            <a:ext cx="11063160" cy="4479480"/>
+            <a:ext cx="11062800" cy="4479120"/>
           </a:xfrm>
           <a:prstGeom prst="rect">
             <a:avLst/>
@@ -13299,7 +13684,7 @@
             <a:noAutofit/>
           </a:bodyPr>
           <a:p>
-            <a:pPr marL="216000" indent="-215640">
+            <a:pPr marL="216000" indent="-215280">
               <a:lnSpc>
                 <a:spcPct val="100000"/>
               </a:lnSpc>
@@ -13405,14 +13790,14 @@
       </p:sp>
       <p:sp>
         <p:nvSpPr>
-          <p:cNvPr id="274" name="CustomShape 3"/>
+          <p:cNvPr id="279" name="CustomShape 3"/>
           <p:cNvSpPr/>
           <p:nvPr/>
         </p:nvSpPr>
         <p:spPr>
           <a:xfrm>
             <a:off x="10515240" y="6202080"/>
-            <a:ext cx="1587240" cy="414360"/>
+            <a:ext cx="1586880" cy="414000"/>
           </a:xfrm>
           <a:prstGeom prst="rect">
             <a:avLst/>
@@ -13438,7 +13823,7 @@
                 <a:spcPct val="100000"/>
               </a:lnSpc>
             </a:pPr>
-            <a:fld id="{161D6349-4EAD-4F12-B949-16FA665E45B8}" type="slidenum">
+            <a:fld id="{3E517C8D-904D-46A3-BC3D-C0A79273191D}" type="slidenum">
               <a:rPr b="0" lang="en-US" sz="1600" spc="-1" strike="noStrike">
                 <a:solidFill>
                   <a:srgbClr val="000000"/>
@@ -13456,7 +13841,7 @@
       </p:sp>
       <p:pic>
         <p:nvPicPr>
-          <p:cNvPr id="275" name="" descr=""/>
+          <p:cNvPr id="280" name="" descr=""/>
           <p:cNvPicPr/>
           <p:nvPr/>
         </p:nvPicPr>
@@ -13467,7 +13852,7 @@
         <p:spPr>
           <a:xfrm>
             <a:off x="598680" y="1924560"/>
-            <a:ext cx="3332880" cy="1275480"/>
+            <a:ext cx="3332520" cy="1275120"/>
           </a:xfrm>
           <a:prstGeom prst="rect">
             <a:avLst/>
@@ -13512,14 +13897,14 @@
       </p:grpSpPr>
       <p:sp>
         <p:nvSpPr>
-          <p:cNvPr id="276" name="CustomShape 1"/>
+          <p:cNvPr id="281" name="CustomShape 1"/>
           <p:cNvSpPr/>
           <p:nvPr/>
         </p:nvSpPr>
         <p:spPr>
           <a:xfrm>
             <a:off x="685800" y="0"/>
-            <a:ext cx="10959840" cy="1132200"/>
+            <a:ext cx="10959480" cy="1131840"/>
           </a:xfrm>
           <a:prstGeom prst="rect">
             <a:avLst/>
@@ -13588,14 +13973,14 @@
       </p:sp>
       <p:sp>
         <p:nvSpPr>
-          <p:cNvPr id="277" name="CustomShape 2"/>
+          <p:cNvPr id="282" name="CustomShape 2"/>
           <p:cNvSpPr/>
           <p:nvPr/>
         </p:nvSpPr>
         <p:spPr>
           <a:xfrm>
             <a:off x="274320" y="1554480"/>
-            <a:ext cx="11063160" cy="4479480"/>
+            <a:ext cx="11062800" cy="4479120"/>
           </a:xfrm>
           <a:prstGeom prst="rect">
             <a:avLst/>
@@ -13619,7 +14004,7 @@
             <a:noAutofit/>
           </a:bodyPr>
           <a:p>
-            <a:pPr marL="216000" indent="-215640">
+            <a:pPr marL="216000" indent="-215280">
               <a:lnSpc>
                 <a:spcPct val="100000"/>
               </a:lnSpc>
@@ -13725,14 +14110,14 @@
       </p:sp>
       <p:sp>
         <p:nvSpPr>
-          <p:cNvPr id="278" name="CustomShape 3"/>
+          <p:cNvPr id="283" name="CustomShape 3"/>
           <p:cNvSpPr/>
           <p:nvPr/>
         </p:nvSpPr>
         <p:spPr>
           <a:xfrm>
             <a:off x="10515240" y="6202080"/>
-            <a:ext cx="1587240" cy="414360"/>
+            <a:ext cx="1586880" cy="414000"/>
           </a:xfrm>
           <a:prstGeom prst="rect">
             <a:avLst/>
@@ -13758,7 +14143,7 @@
                 <a:spcPct val="100000"/>
               </a:lnSpc>
             </a:pPr>
-            <a:fld id="{52078B4A-2063-4C55-80CC-CDFE4C8A4F7A}" type="slidenum">
+            <a:fld id="{A1DEAF3D-9D6D-41F1-93B8-679988CE1158}" type="slidenum">
               <a:rPr b="0" lang="en-US" sz="1600" spc="-1" strike="noStrike">
                 <a:solidFill>
                   <a:srgbClr val="000000"/>
@@ -13776,7 +14161,7 @@
       </p:sp>
       <p:pic>
         <p:nvPicPr>
-          <p:cNvPr id="279" name="" descr=""/>
+          <p:cNvPr id="284" name="" descr=""/>
           <p:cNvPicPr/>
           <p:nvPr/>
         </p:nvPicPr>
@@ -13787,7 +14172,7 @@
         <p:spPr>
           <a:xfrm>
             <a:off x="499320" y="2103120"/>
-            <a:ext cx="5352480" cy="1285200"/>
+            <a:ext cx="5352120" cy="1284840"/>
           </a:xfrm>
           <a:prstGeom prst="rect">
             <a:avLst/>
@@ -13802,7 +14187,7 @@
       </p:pic>
       <p:pic>
         <p:nvPicPr>
-          <p:cNvPr id="280" name="" descr=""/>
+          <p:cNvPr id="285" name="" descr=""/>
           <p:cNvPicPr/>
           <p:nvPr/>
         </p:nvPicPr>
@@ -13813,7 +14198,7 @@
         <p:spPr>
           <a:xfrm>
             <a:off x="5943600" y="2103120"/>
-            <a:ext cx="4685760" cy="3866400"/>
+            <a:ext cx="4685400" cy="3866040"/>
           </a:xfrm>
           <a:prstGeom prst="rect">
             <a:avLst/>
@@ -13858,14 +14243,14 @@
       </p:grpSpPr>
       <p:sp>
         <p:nvSpPr>
-          <p:cNvPr id="281" name="CustomShape 1"/>
+          <p:cNvPr id="286" name="CustomShape 1"/>
           <p:cNvSpPr/>
           <p:nvPr/>
         </p:nvSpPr>
         <p:spPr>
           <a:xfrm>
             <a:off x="685800" y="0"/>
-            <a:ext cx="10959840" cy="1132200"/>
+            <a:ext cx="10959480" cy="1131840"/>
           </a:xfrm>
           <a:prstGeom prst="rect">
             <a:avLst/>
@@ -13934,14 +14319,14 @@
       </p:sp>
       <p:sp>
         <p:nvSpPr>
-          <p:cNvPr id="282" name="CustomShape 2"/>
+          <p:cNvPr id="287" name="CustomShape 2"/>
           <p:cNvSpPr/>
           <p:nvPr/>
         </p:nvSpPr>
         <p:spPr>
           <a:xfrm>
             <a:off x="274320" y="1554480"/>
-            <a:ext cx="11063160" cy="4479480"/>
+            <a:ext cx="11062800" cy="4479120"/>
           </a:xfrm>
           <a:prstGeom prst="rect">
             <a:avLst/>
@@ -13965,7 +14350,7 @@
             <a:noAutofit/>
           </a:bodyPr>
           <a:p>
-            <a:pPr marL="216000" indent="-215640">
+            <a:pPr marL="216000" indent="-215280">
               <a:lnSpc>
                 <a:spcPct val="100000"/>
               </a:lnSpc>
@@ -14031,14 +14416,14 @@
       </p:sp>
       <p:sp>
         <p:nvSpPr>
-          <p:cNvPr id="283" name="CustomShape 3"/>
+          <p:cNvPr id="288" name="CustomShape 3"/>
           <p:cNvSpPr/>
           <p:nvPr/>
         </p:nvSpPr>
         <p:spPr>
           <a:xfrm>
             <a:off x="10515240" y="6202080"/>
-            <a:ext cx="1587240" cy="414360"/>
+            <a:ext cx="1586880" cy="414000"/>
           </a:xfrm>
           <a:prstGeom prst="rect">
             <a:avLst/>
@@ -14064,7 +14449,7 @@
                 <a:spcPct val="100000"/>
               </a:lnSpc>
             </a:pPr>
-            <a:fld id="{AD103651-4E3F-4F15-BF0B-7FC7E5C41A7F}" type="slidenum">
+            <a:fld id="{D07A369A-26E3-4344-AA4C-59006D1C4BD3}" type="slidenum">
               <a:rPr b="0" lang="en-US" sz="1600" spc="-1" strike="noStrike">
                 <a:solidFill>
                   <a:srgbClr val="000000"/>
@@ -14082,7 +14467,7 @@
       </p:sp>
       <p:pic>
         <p:nvPicPr>
-          <p:cNvPr id="284" name="" descr=""/>
+          <p:cNvPr id="289" name="" descr=""/>
           <p:cNvPicPr/>
           <p:nvPr/>
         </p:nvPicPr>
@@ -14093,7 +14478,7 @@
         <p:spPr>
           <a:xfrm>
             <a:off x="640080" y="2011680"/>
-            <a:ext cx="3003480" cy="2461320"/>
+            <a:ext cx="3003120" cy="2460960"/>
           </a:xfrm>
           <a:prstGeom prst="rect">
             <a:avLst/>
@@ -14138,14 +14523,14 @@
       </p:grpSpPr>
       <p:sp>
         <p:nvSpPr>
-          <p:cNvPr id="285" name="CustomShape 1"/>
+          <p:cNvPr id="290" name="CustomShape 1"/>
           <p:cNvSpPr/>
           <p:nvPr/>
         </p:nvSpPr>
         <p:spPr>
           <a:xfrm>
             <a:off x="685800" y="0"/>
-            <a:ext cx="10959840" cy="1132200"/>
+            <a:ext cx="10959480" cy="1131840"/>
           </a:xfrm>
           <a:prstGeom prst="rect">
             <a:avLst/>
@@ -14214,14 +14599,14 @@
       </p:sp>
       <p:sp>
         <p:nvSpPr>
-          <p:cNvPr id="286" name="CustomShape 2"/>
+          <p:cNvPr id="291" name="CustomShape 2"/>
           <p:cNvSpPr/>
           <p:nvPr/>
         </p:nvSpPr>
         <p:spPr>
           <a:xfrm>
             <a:off x="274320" y="1554480"/>
-            <a:ext cx="11063160" cy="4479480"/>
+            <a:ext cx="11062800" cy="4479120"/>
           </a:xfrm>
           <a:prstGeom prst="rect">
             <a:avLst/>
@@ -14245,7 +14630,7 @@
             <a:noAutofit/>
           </a:bodyPr>
           <a:p>
-            <a:pPr marL="216000" indent="-215640">
+            <a:pPr marL="216000" indent="-215280">
               <a:lnSpc>
                 <a:spcPct val="100000"/>
               </a:lnSpc>
@@ -14311,14 +14696,14 @@
       </p:sp>
       <p:sp>
         <p:nvSpPr>
-          <p:cNvPr id="287" name="CustomShape 3"/>
+          <p:cNvPr id="292" name="CustomShape 3"/>
           <p:cNvSpPr/>
           <p:nvPr/>
         </p:nvSpPr>
         <p:spPr>
           <a:xfrm>
             <a:off x="10515240" y="6202080"/>
-            <a:ext cx="1587240" cy="414360"/>
+            <a:ext cx="1586880" cy="414000"/>
           </a:xfrm>
           <a:prstGeom prst="rect">
             <a:avLst/>
@@ -14344,7 +14729,7 @@
                 <a:spcPct val="100000"/>
               </a:lnSpc>
             </a:pPr>
-            <a:fld id="{7C8296B3-A87C-4C7D-AB9C-0D8CF15035A1}" type="slidenum">
+            <a:fld id="{636E170D-C712-4924-A74E-66674459CA3F}" type="slidenum">
               <a:rPr b="0" lang="en-US" sz="1600" spc="-1" strike="noStrike">
                 <a:solidFill>
                   <a:srgbClr val="000000"/>
@@ -14362,7 +14747,7 @@
       </p:sp>
       <p:pic>
         <p:nvPicPr>
-          <p:cNvPr id="288" name="" descr=""/>
+          <p:cNvPr id="293" name="" descr=""/>
           <p:cNvPicPr/>
           <p:nvPr/>
         </p:nvPicPr>
@@ -14373,7 +14758,7 @@
         <p:spPr>
           <a:xfrm>
             <a:off x="556560" y="2194560"/>
-            <a:ext cx="2277720" cy="3748680"/>
+            <a:ext cx="2277360" cy="3748320"/>
           </a:xfrm>
           <a:prstGeom prst="rect">
             <a:avLst/>
@@ -14418,14 +14803,14 @@
       </p:grpSpPr>
       <p:sp>
         <p:nvSpPr>
-          <p:cNvPr id="289" name="CustomShape 1"/>
+          <p:cNvPr id="294" name="CustomShape 1"/>
           <p:cNvSpPr/>
           <p:nvPr/>
         </p:nvSpPr>
         <p:spPr>
           <a:xfrm>
             <a:off x="685800" y="0"/>
-            <a:ext cx="10959840" cy="1132200"/>
+            <a:ext cx="10959480" cy="1131840"/>
           </a:xfrm>
           <a:prstGeom prst="rect">
             <a:avLst/>
@@ -14504,14 +14889,14 @@
       </p:sp>
       <p:sp>
         <p:nvSpPr>
-          <p:cNvPr id="290" name="CustomShape 2"/>
+          <p:cNvPr id="295" name="CustomShape 2"/>
           <p:cNvSpPr/>
           <p:nvPr/>
         </p:nvSpPr>
         <p:spPr>
           <a:xfrm>
             <a:off x="274320" y="1554480"/>
-            <a:ext cx="11063160" cy="4479480"/>
+            <a:ext cx="11062800" cy="4479120"/>
           </a:xfrm>
           <a:prstGeom prst="rect">
             <a:avLst/>
@@ -14545,6 +14930,9 @@
             </a:pPr>
             <a:r>
               <a:rPr b="0" lang="en-US" sz="1800" spc="-1" strike="noStrike" u="sng">
+                <a:solidFill>
+                  <a:srgbClr val="000000"/>
+                </a:solidFill>
                 <a:uFillTx/>
                 <a:latin typeface="Arial"/>
                 <a:ea typeface="DejaVu Sans"/>
@@ -14553,6 +14941,9 @@
             </a:r>
             <a:r>
               <a:rPr b="0" lang="en-US" sz="1800" spc="-1" strike="noStrike">
+                <a:solidFill>
+                  <a:srgbClr val="000000"/>
+                </a:solidFill>
                 <a:latin typeface="Arial"/>
                 <a:ea typeface="DejaVu Sans"/>
               </a:rPr>
@@ -14573,6 +14964,9 @@
             </a:pPr>
             <a:r>
               <a:rPr b="0" lang="en-US" sz="1800" spc="-1" strike="noStrike" u="sng">
+                <a:solidFill>
+                  <a:srgbClr val="000000"/>
+                </a:solidFill>
                 <a:uFillTx/>
                 <a:latin typeface="Arial"/>
                 <a:ea typeface="DejaVu Sans"/>
@@ -14581,6 +14975,9 @@
             </a:r>
             <a:r>
               <a:rPr b="0" lang="en-US" sz="1800" spc="-1" strike="noStrike">
+                <a:solidFill>
+                  <a:srgbClr val="000000"/>
+                </a:solidFill>
                 <a:latin typeface="Arial"/>
                 <a:ea typeface="DejaVu Sans"/>
               </a:rPr>
@@ -14589,6 +14986,9 @@
             <a:br/>
             <a:r>
               <a:rPr b="0" lang="en-US" sz="1800" spc="-1" strike="noStrike">
+                <a:solidFill>
+                  <a:srgbClr val="000000"/>
+                </a:solidFill>
                 <a:latin typeface="Arial"/>
                 <a:ea typeface="DejaVu Sans"/>
               </a:rPr>
@@ -14597,6 +14997,9 @@
             <a:br/>
             <a:r>
               <a:rPr b="0" lang="en-US" sz="1800" spc="-1" strike="noStrike">
+                <a:solidFill>
+                  <a:srgbClr val="000000"/>
+                </a:solidFill>
                 <a:latin typeface="Arial"/>
                 <a:ea typeface="DejaVu Sans"/>
               </a:rPr>
@@ -14617,6 +15020,9 @@
             </a:pPr>
             <a:r>
               <a:rPr b="0" lang="en-US" sz="1800" spc="-1" strike="noStrike" u="sng">
+                <a:solidFill>
+                  <a:srgbClr val="000000"/>
+                </a:solidFill>
                 <a:uFillTx/>
                 <a:latin typeface="Arial"/>
                 <a:ea typeface="DejaVu Sans"/>
@@ -14625,6 +15031,9 @@
             </a:r>
             <a:r>
               <a:rPr b="0" lang="en-US" sz="1800" spc="-1" strike="noStrike">
+                <a:solidFill>
+                  <a:srgbClr val="000000"/>
+                </a:solidFill>
                 <a:latin typeface="Arial"/>
                 <a:ea typeface="DejaVu Sans"/>
               </a:rPr>
@@ -14643,6 +15052,9 @@
             </a:r>
             <a:r>
               <a:rPr b="0" lang="en-US" sz="1800" spc="-1" strike="noStrike">
+                <a:solidFill>
+                  <a:srgbClr val="000000"/>
+                </a:solidFill>
                 <a:latin typeface="Arial"/>
                 <a:ea typeface="DejaVu Sans"/>
               </a:rPr>
@@ -14651,6 +15063,9 @@
             <a:br/>
             <a:r>
               <a:rPr b="0" lang="en-US" sz="1800" spc="-1" strike="noStrike">
+                <a:solidFill>
+                  <a:srgbClr val="000000"/>
+                </a:solidFill>
                 <a:latin typeface="Arial"/>
                 <a:ea typeface="DejaVu Sans"/>
               </a:rPr>
@@ -14668,6 +15083,9 @@
             </a:r>
             <a:r>
               <a:rPr b="0" lang="en-US" sz="1800" spc="-1" strike="noStrike">
+                <a:solidFill>
+                  <a:srgbClr val="000000"/>
+                </a:solidFill>
                 <a:latin typeface="Arial"/>
                 <a:ea typeface="DejaVu Sans"/>
               </a:rPr>
@@ -14686,6 +15104,9 @@
             <a:br/>
             <a:r>
               <a:rPr b="0" lang="en-US" sz="1800" spc="-1" strike="noStrike">
+                <a:solidFill>
+                  <a:srgbClr val="000000"/>
+                </a:solidFill>
                 <a:latin typeface="Arial"/>
                 <a:ea typeface="DejaVu Sans"/>
               </a:rPr>
@@ -14703,6 +15124,9 @@
             </a:r>
             <a:r>
               <a:rPr b="0" lang="en-US" sz="1800" spc="-1" strike="noStrike">
+                <a:solidFill>
+                  <a:srgbClr val="000000"/>
+                </a:solidFill>
                 <a:latin typeface="Arial"/>
                 <a:ea typeface="DejaVu Sans"/>
               </a:rPr>
@@ -14721,6 +15145,9 @@
             <a:br/>
             <a:r>
               <a:rPr b="0" lang="en-US" sz="1800" spc="-1" strike="noStrike">
+                <a:solidFill>
+                  <a:srgbClr val="000000"/>
+                </a:solidFill>
                 <a:latin typeface="Arial"/>
                 <a:ea typeface="DejaVu Sans"/>
               </a:rPr>
@@ -14738,6 +15165,9 @@
             </a:r>
             <a:r>
               <a:rPr b="0" lang="en-US" sz="1800" spc="-1" strike="noStrike">
+                <a:solidFill>
+                  <a:srgbClr val="000000"/>
+                </a:solidFill>
                 <a:latin typeface="Arial"/>
                 <a:ea typeface="DejaVu Sans"/>
               </a:rPr>
@@ -14768,6 +15198,9 @@
             </a:pPr>
             <a:r>
               <a:rPr b="0" lang="en-US" sz="1800" spc="-1" strike="noStrike" u="sng">
+                <a:solidFill>
+                  <a:srgbClr val="000000"/>
+                </a:solidFill>
                 <a:uFillTx/>
                 <a:latin typeface="Arial"/>
                 <a:ea typeface="DejaVu Sans"/>
@@ -14776,6 +15209,9 @@
             </a:r>
             <a:r>
               <a:rPr b="0" lang="en-US" sz="1800" spc="-1" strike="noStrike">
+                <a:solidFill>
+                  <a:srgbClr val="000000"/>
+                </a:solidFill>
                 <a:latin typeface="Arial"/>
                 <a:ea typeface="DejaVu Sans"/>
               </a:rPr>
@@ -14793,6 +15229,9 @@
             </a:r>
             <a:r>
               <a:rPr b="0" i="1" lang="en-US" sz="1800" spc="-1" strike="noStrike">
+                <a:solidFill>
+                  <a:srgbClr val="000000"/>
+                </a:solidFill>
                 <a:latin typeface="Arial"/>
                 <a:ea typeface="DejaVu Sans"/>
               </a:rPr>
@@ -14810,6 +15249,9 @@
             </a:r>
             <a:r>
               <a:rPr b="0" i="1" lang="en-US" sz="1800" spc="-1" strike="noStrike">
+                <a:solidFill>
+                  <a:srgbClr val="000000"/>
+                </a:solidFill>
                 <a:latin typeface="Arial"/>
                 <a:ea typeface="DejaVu Sans"/>
               </a:rPr>
@@ -14838,14 +15280,14 @@
       </p:sp>
       <p:sp>
         <p:nvSpPr>
-          <p:cNvPr id="291" name="CustomShape 3"/>
+          <p:cNvPr id="296" name="CustomShape 3"/>
           <p:cNvSpPr/>
           <p:nvPr/>
         </p:nvSpPr>
         <p:spPr>
           <a:xfrm>
             <a:off x="10515240" y="6202080"/>
-            <a:ext cx="1587240" cy="414360"/>
+            <a:ext cx="1586880" cy="414000"/>
           </a:xfrm>
           <a:prstGeom prst="rect">
             <a:avLst/>
@@ -14871,7 +15313,7 @@
                 <a:spcPct val="100000"/>
               </a:lnSpc>
             </a:pPr>
-            <a:fld id="{A6FE48D2-81FF-4258-9FDF-8AADEA67D018}" type="slidenum">
+            <a:fld id="{DD7430D2-A38C-49D1-A4D7-6B49462553EF}" type="slidenum">
               <a:rPr b="0" lang="en-US" sz="1600" spc="-1" strike="noStrike">
                 <a:solidFill>
                   <a:srgbClr val="000000"/>
@@ -14879,7 +15321,7 @@
                 <a:latin typeface="Times New Roman"/>
                 <a:ea typeface="DejaVu Sans"/>
               </a:rPr>
-              <a:t>&lt;number&gt;</a:t>
+              <a:t>1</a:t>
             </a:fld>
             <a:endParaRPr b="0" lang="en-US" sz="1600" spc="-1" strike="noStrike">
               <a:latin typeface="Arial"/>
@@ -14889,7 +15331,7 @@
       </p:sp>
       <p:pic>
         <p:nvPicPr>
-          <p:cNvPr id="292" name="" descr=""/>
+          <p:cNvPr id="297" name="" descr=""/>
           <p:cNvPicPr/>
           <p:nvPr/>
         </p:nvPicPr>
@@ -14900,7 +15342,7 @@
         <p:spPr>
           <a:xfrm>
             <a:off x="404640" y="4872600"/>
-            <a:ext cx="6752880" cy="1113480"/>
+            <a:ext cx="6752520" cy="1113120"/>
           </a:xfrm>
           <a:prstGeom prst="rect">
             <a:avLst/>
@@ -14942,14 +15384,14 @@
       </p:grpSpPr>
       <p:sp>
         <p:nvSpPr>
-          <p:cNvPr id="293" name="CustomShape 1"/>
+          <p:cNvPr id="298" name="CustomShape 1"/>
           <p:cNvSpPr/>
           <p:nvPr/>
         </p:nvSpPr>
         <p:spPr>
           <a:xfrm>
             <a:off x="685800" y="0"/>
-            <a:ext cx="10959840" cy="1132200"/>
+            <a:ext cx="10959480" cy="1131840"/>
           </a:xfrm>
           <a:prstGeom prst="rect">
             <a:avLst/>
@@ -15028,14 +15470,14 @@
       </p:sp>
       <p:sp>
         <p:nvSpPr>
-          <p:cNvPr id="294" name="CustomShape 2"/>
+          <p:cNvPr id="299" name="CustomShape 2"/>
           <p:cNvSpPr/>
           <p:nvPr/>
         </p:nvSpPr>
         <p:spPr>
           <a:xfrm>
             <a:off x="274320" y="1554480"/>
-            <a:ext cx="11063160" cy="4479480"/>
+            <a:ext cx="11062800" cy="4479120"/>
           </a:xfrm>
           <a:prstGeom prst="rect">
             <a:avLst/>
@@ -15069,6 +15511,9 @@
             </a:pPr>
             <a:r>
               <a:rPr b="0" lang="en-US" sz="1800" spc="-1" strike="noStrike" u="sng">
+                <a:solidFill>
+                  <a:srgbClr val="000000"/>
+                </a:solidFill>
                 <a:uFillTx/>
                 <a:latin typeface="Arial"/>
                 <a:ea typeface="DejaVu Sans"/>
@@ -15077,6 +15522,9 @@
             </a:r>
             <a:r>
               <a:rPr b="0" lang="en-US" sz="1800" spc="-1" strike="noStrike">
+                <a:solidFill>
+                  <a:srgbClr val="000000"/>
+                </a:solidFill>
                 <a:latin typeface="Arial"/>
                 <a:ea typeface="DejaVu Sans"/>
               </a:rPr>
@@ -15097,6 +15545,9 @@
             </a:pPr>
             <a:r>
               <a:rPr b="0" lang="en-US" sz="1800" spc="-1" strike="noStrike" u="sng">
+                <a:solidFill>
+                  <a:srgbClr val="000000"/>
+                </a:solidFill>
                 <a:uFillTx/>
                 <a:latin typeface="Arial"/>
                 <a:ea typeface="DejaVu Sans"/>
@@ -15105,6 +15556,9 @@
             </a:r>
             <a:r>
               <a:rPr b="0" lang="en-US" sz="1800" spc="-1" strike="noStrike">
+                <a:solidFill>
+                  <a:srgbClr val="000000"/>
+                </a:solidFill>
                 <a:latin typeface="Arial"/>
                 <a:ea typeface="DejaVu Sans"/>
               </a:rPr>
@@ -15122,6 +15576,9 @@
             </a:r>
             <a:r>
               <a:rPr b="0" lang="en-US" sz="1800" spc="-1" strike="noStrike">
+                <a:solidFill>
+                  <a:srgbClr val="000000"/>
+                </a:solidFill>
                 <a:latin typeface="Arial"/>
                 <a:ea typeface="DejaVu Sans"/>
               </a:rPr>
@@ -15139,6 +15596,9 @@
             </a:r>
             <a:r>
               <a:rPr b="0" lang="en-US" sz="1800" spc="-1" strike="noStrike">
+                <a:solidFill>
+                  <a:srgbClr val="000000"/>
+                </a:solidFill>
                 <a:latin typeface="Arial"/>
                 <a:ea typeface="DejaVu Sans"/>
               </a:rPr>
@@ -15156,6 +15616,9 @@
             </a:r>
             <a:r>
               <a:rPr b="0" lang="en-US" sz="1800" spc="-1" strike="noStrike">
+                <a:solidFill>
+                  <a:srgbClr val="000000"/>
+                </a:solidFill>
                 <a:latin typeface="Arial"/>
                 <a:ea typeface="DejaVu Sans"/>
               </a:rPr>
@@ -15174,6 +15637,9 @@
             </a:r>
             <a:r>
               <a:rPr b="0" lang="en-US" sz="1800" spc="-1" strike="noStrike">
+                <a:solidFill>
+                  <a:srgbClr val="000000"/>
+                </a:solidFill>
                 <a:latin typeface="Arial"/>
                 <a:ea typeface="DejaVu Sans"/>
               </a:rPr>
@@ -15182,6 +15648,9 @@
             <a:br/>
             <a:r>
               <a:rPr b="0" lang="en-US" sz="1800" spc="-1" strike="noStrike">
+                <a:solidFill>
+                  <a:srgbClr val="000000"/>
+                </a:solidFill>
                 <a:latin typeface="Arial"/>
                 <a:ea typeface="DejaVu Sans"/>
               </a:rPr>
@@ -15199,6 +15668,9 @@
             </a:r>
             <a:r>
               <a:rPr b="0" lang="en-US" sz="1800" spc="-1" strike="noStrike">
+                <a:solidFill>
+                  <a:srgbClr val="000000"/>
+                </a:solidFill>
                 <a:latin typeface="Arial"/>
                 <a:ea typeface="DejaVu Sans"/>
               </a:rPr>
@@ -15217,6 +15689,9 @@
             <a:br/>
             <a:r>
               <a:rPr b="0" lang="en-US" sz="1800" spc="-1" strike="noStrike">
+                <a:solidFill>
+                  <a:srgbClr val="000000"/>
+                </a:solidFill>
                 <a:latin typeface="Arial"/>
                 <a:ea typeface="DejaVu Sans"/>
               </a:rPr>
@@ -15234,6 +15709,9 @@
             </a:r>
             <a:r>
               <a:rPr b="0" lang="en-US" sz="1800" spc="-1" strike="noStrike">
+                <a:solidFill>
+                  <a:srgbClr val="000000"/>
+                </a:solidFill>
                 <a:latin typeface="Arial"/>
                 <a:ea typeface="DejaVu Sans"/>
               </a:rPr>
@@ -15270,14 +15748,14 @@
       </p:sp>
       <p:sp>
         <p:nvSpPr>
-          <p:cNvPr id="295" name="CustomShape 3"/>
+          <p:cNvPr id="300" name="CustomShape 3"/>
           <p:cNvSpPr/>
           <p:nvPr/>
         </p:nvSpPr>
         <p:spPr>
           <a:xfrm>
             <a:off x="10515240" y="6202080"/>
-            <a:ext cx="1587240" cy="414360"/>
+            <a:ext cx="1586880" cy="414000"/>
           </a:xfrm>
           <a:prstGeom prst="rect">
             <a:avLst/>
@@ -15303,7 +15781,7 @@
                 <a:spcPct val="100000"/>
               </a:lnSpc>
             </a:pPr>
-            <a:fld id="{5BB74FE7-14B8-4DF2-9F77-C87A8493DA01}" type="slidenum">
+            <a:fld id="{11A56402-F95B-499A-8B1A-BE30CB7FE4D4}" type="slidenum">
               <a:rPr b="0" lang="en-US" sz="1600" spc="-1" strike="noStrike">
                 <a:solidFill>
                   <a:srgbClr val="000000"/>
@@ -15311,7 +15789,7 @@
                 <a:latin typeface="Times New Roman"/>
                 <a:ea typeface="DejaVu Sans"/>
               </a:rPr>
-              <a:t>&lt;number&gt;</a:t>
+              <a:t>1</a:t>
             </a:fld>
             <a:endParaRPr b="0" lang="en-US" sz="1600" spc="-1" strike="noStrike">
               <a:latin typeface="Arial"/>
@@ -15351,14 +15829,14 @@
       </p:grpSpPr>
       <p:sp>
         <p:nvSpPr>
-          <p:cNvPr id="296" name="CustomShape 1"/>
+          <p:cNvPr id="301" name="CustomShape 1"/>
           <p:cNvSpPr/>
           <p:nvPr/>
         </p:nvSpPr>
         <p:spPr>
           <a:xfrm>
             <a:off x="685800" y="0"/>
-            <a:ext cx="10959840" cy="1132200"/>
+            <a:ext cx="10959480" cy="1131840"/>
           </a:xfrm>
           <a:prstGeom prst="rect">
             <a:avLst/>
@@ -15437,14 +15915,14 @@
       </p:sp>
       <p:sp>
         <p:nvSpPr>
-          <p:cNvPr id="297" name="CustomShape 2"/>
+          <p:cNvPr id="302" name="CustomShape 2"/>
           <p:cNvSpPr/>
           <p:nvPr/>
         </p:nvSpPr>
         <p:spPr>
           <a:xfrm>
             <a:off x="274320" y="1554480"/>
-            <a:ext cx="11063160" cy="4479480"/>
+            <a:ext cx="11062800" cy="4479120"/>
           </a:xfrm>
           <a:prstGeom prst="rect">
             <a:avLst/>
@@ -15478,6 +15956,9 @@
             </a:pPr>
             <a:r>
               <a:rPr b="0" lang="en-US" sz="1800" spc="-1" strike="noStrike" u="sng">
+                <a:solidFill>
+                  <a:srgbClr val="000000"/>
+                </a:solidFill>
                 <a:uFillTx/>
                 <a:latin typeface="Arial"/>
                 <a:ea typeface="DejaVu Sans"/>
@@ -15486,6 +15967,9 @@
             </a:r>
             <a:r>
               <a:rPr b="0" lang="en-US" sz="1800" spc="-1" strike="noStrike">
+                <a:solidFill>
+                  <a:srgbClr val="000000"/>
+                </a:solidFill>
                 <a:latin typeface="Arial"/>
                 <a:ea typeface="DejaVu Sans"/>
               </a:rPr>
@@ -15503,6 +15987,9 @@
             </a:r>
             <a:r>
               <a:rPr b="0" lang="en-US" sz="1800" spc="-1" strike="noStrike">
+                <a:solidFill>
+                  <a:srgbClr val="000000"/>
+                </a:solidFill>
                 <a:latin typeface="Arial"/>
                 <a:ea typeface="DejaVu Sans"/>
               </a:rPr>
@@ -15520,6 +16007,9 @@
             </a:r>
             <a:r>
               <a:rPr b="0" lang="en-US" sz="1800" spc="-1" strike="noStrike">
+                <a:solidFill>
+                  <a:srgbClr val="000000"/>
+                </a:solidFill>
                 <a:latin typeface="Arial"/>
                 <a:ea typeface="DejaVu Sans"/>
               </a:rPr>
@@ -15537,6 +16027,9 @@
             </a:r>
             <a:r>
               <a:rPr b="0" lang="en-US" sz="1800" spc="-1" strike="noStrike">
+                <a:solidFill>
+                  <a:srgbClr val="000000"/>
+                </a:solidFill>
                 <a:latin typeface="Arial"/>
                 <a:ea typeface="DejaVu Sans"/>
               </a:rPr>
@@ -15557,6 +16050,9 @@
             </a:pPr>
             <a:r>
               <a:rPr b="0" lang="en-US" sz="1800" spc="-1" strike="noStrike" u="sng">
+                <a:solidFill>
+                  <a:srgbClr val="000000"/>
+                </a:solidFill>
                 <a:uFillTx/>
                 <a:latin typeface="Arial"/>
                 <a:ea typeface="DejaVu Sans"/>
@@ -15565,6 +16061,9 @@
             </a:r>
             <a:r>
               <a:rPr b="0" lang="en-US" sz="1800" spc="-1" strike="noStrike">
+                <a:solidFill>
+                  <a:srgbClr val="000000"/>
+                </a:solidFill>
                 <a:latin typeface="Arial"/>
                 <a:ea typeface="DejaVu Sans"/>
               </a:rPr>
@@ -15573,6 +16072,9 @@
             <a:br/>
             <a:r>
               <a:rPr b="0" lang="en-US" sz="1800" spc="-1" strike="noStrike">
+                <a:solidFill>
+                  <a:srgbClr val="000000"/>
+                </a:solidFill>
                 <a:latin typeface="Arial"/>
                 <a:ea typeface="DejaVu Sans"/>
               </a:rPr>
@@ -15590,6 +16092,9 @@
             </a:r>
             <a:r>
               <a:rPr b="0" lang="en-US" sz="1800" spc="-1" strike="noStrike">
+                <a:solidFill>
+                  <a:srgbClr val="000000"/>
+                </a:solidFill>
                 <a:latin typeface="Arial"/>
                 <a:ea typeface="DejaVu Sans"/>
               </a:rPr>
@@ -15658,14 +16163,14 @@
       </p:sp>
       <p:sp>
         <p:nvSpPr>
-          <p:cNvPr id="298" name="CustomShape 3"/>
+          <p:cNvPr id="303" name="CustomShape 3"/>
           <p:cNvSpPr/>
           <p:nvPr/>
         </p:nvSpPr>
         <p:spPr>
           <a:xfrm>
             <a:off x="10515240" y="6202080"/>
-            <a:ext cx="1587240" cy="414360"/>
+            <a:ext cx="1586880" cy="414000"/>
           </a:xfrm>
           <a:prstGeom prst="rect">
             <a:avLst/>
@@ -15691,7 +16196,7 @@
                 <a:spcPct val="100000"/>
               </a:lnSpc>
             </a:pPr>
-            <a:fld id="{94E3787B-4E9C-45A8-8920-B64BA1A02608}" type="slidenum">
+            <a:fld id="{95810D2A-C5AE-4D37-BD5A-D7C0D816CD83}" type="slidenum">
               <a:rPr b="0" lang="en-US" sz="1600" spc="-1" strike="noStrike">
                 <a:solidFill>
                   <a:srgbClr val="000000"/>
@@ -15699,7 +16204,7 @@
                 <a:latin typeface="Times New Roman"/>
                 <a:ea typeface="DejaVu Sans"/>
               </a:rPr>
-              <a:t>&lt;number&gt;</a:t>
+              <a:t>1</a:t>
             </a:fld>
             <a:endParaRPr b="0" lang="en-US" sz="1600" spc="-1" strike="noStrike">
               <a:latin typeface="Arial"/>
@@ -15709,7 +16214,7 @@
       </p:sp>
       <p:pic>
         <p:nvPicPr>
-          <p:cNvPr id="299" name="" descr=""/>
+          <p:cNvPr id="304" name="" descr=""/>
           <p:cNvPicPr/>
           <p:nvPr/>
         </p:nvPicPr>
@@ -15720,7 +16225,7 @@
         <p:spPr>
           <a:xfrm>
             <a:off x="398880" y="3634560"/>
-            <a:ext cx="2885760" cy="2134800"/>
+            <a:ext cx="2885400" cy="2134440"/>
           </a:xfrm>
           <a:prstGeom prst="rect">
             <a:avLst/>
@@ -15732,7 +16237,7 @@
       </p:pic>
       <p:pic>
         <p:nvPicPr>
-          <p:cNvPr id="300" name="" descr=""/>
+          <p:cNvPr id="305" name="" descr=""/>
           <p:cNvPicPr/>
           <p:nvPr/>
         </p:nvPicPr>
@@ -15743,7 +16248,7 @@
         <p:spPr>
           <a:xfrm>
             <a:off x="3415680" y="3632760"/>
-            <a:ext cx="2895120" cy="2144160"/>
+            <a:ext cx="2894760" cy="2143800"/>
           </a:xfrm>
           <a:prstGeom prst="rect">
             <a:avLst/>
@@ -15785,14 +16290,14 @@
       </p:grpSpPr>
       <p:sp>
         <p:nvSpPr>
-          <p:cNvPr id="301" name="CustomShape 1"/>
+          <p:cNvPr id="306" name="CustomShape 1"/>
           <p:cNvSpPr/>
           <p:nvPr/>
         </p:nvSpPr>
         <p:spPr>
           <a:xfrm>
             <a:off x="685800" y="0"/>
-            <a:ext cx="10959840" cy="1132200"/>
+            <a:ext cx="10959480" cy="1131840"/>
           </a:xfrm>
           <a:prstGeom prst="rect">
             <a:avLst/>
@@ -15871,14 +16376,14 @@
       </p:sp>
       <p:sp>
         <p:nvSpPr>
-          <p:cNvPr id="302" name="CustomShape 2"/>
+          <p:cNvPr id="307" name="CustomShape 2"/>
           <p:cNvSpPr/>
           <p:nvPr/>
         </p:nvSpPr>
         <p:spPr>
           <a:xfrm>
             <a:off x="274320" y="1554480"/>
-            <a:ext cx="11063160" cy="4479480"/>
+            <a:ext cx="11062800" cy="4479120"/>
           </a:xfrm>
           <a:prstGeom prst="rect">
             <a:avLst/>
@@ -15912,6 +16417,9 @@
             </a:pPr>
             <a:r>
               <a:rPr b="0" lang="en-US" sz="1800" spc="-1" strike="noStrike" u="sng">
+                <a:solidFill>
+                  <a:srgbClr val="000000"/>
+                </a:solidFill>
                 <a:uFillTx/>
                 <a:latin typeface="Arial"/>
                 <a:ea typeface="DejaVu Sans"/>
@@ -15920,6 +16428,9 @@
             </a:r>
             <a:r>
               <a:rPr b="0" lang="en-US" sz="1800" spc="-1" strike="noStrike">
+                <a:solidFill>
+                  <a:srgbClr val="000000"/>
+                </a:solidFill>
                 <a:latin typeface="Arial"/>
                 <a:ea typeface="DejaVu Sans"/>
               </a:rPr>
@@ -15937,17 +16448,13 @@
             </a:r>
             <a:r>
               <a:rPr b="0" lang="en-US" sz="1800" spc="-1" strike="noStrike">
-                <a:latin typeface="Arial"/>
-                <a:ea typeface="DejaVu Sans"/>
-              </a:rPr>
-              <a:t> </a:t>
-            </a:r>
-            <a:r>
-              <a:rPr b="0" lang="en-US" sz="1800" spc="-1" strike="noStrike">
-                <a:latin typeface="Arial"/>
-                <a:ea typeface="DejaVu Sans"/>
-              </a:rPr>
-              <a:t>statements.</a:t>
+                <a:solidFill>
+                  <a:srgbClr val="000000"/>
+                </a:solidFill>
+                <a:latin typeface="Arial"/>
+                <a:ea typeface="DejaVu Sans"/>
+              </a:rPr>
+              <a:t> statements.</a:t>
             </a:r>
             <a:endParaRPr b="0" lang="en-US" sz="1800" spc="-1" strike="noStrike">
               <a:latin typeface="Arial"/>
@@ -15964,6 +16471,9 @@
             </a:pPr>
             <a:r>
               <a:rPr b="0" lang="en-US" sz="1800" spc="-1" strike="noStrike">
+                <a:solidFill>
+                  <a:srgbClr val="000000"/>
+                </a:solidFill>
                 <a:latin typeface="Arial"/>
                 <a:ea typeface="DejaVu Sans"/>
               </a:rPr>
@@ -15972,6 +16482,9 @@
             <a:br/>
             <a:r>
               <a:rPr b="0" lang="en-US" sz="1800" spc="-1" strike="noStrike">
+                <a:solidFill>
+                  <a:srgbClr val="000000"/>
+                </a:solidFill>
                 <a:latin typeface="Arial"/>
                 <a:ea typeface="DejaVu Sans"/>
               </a:rPr>
@@ -16038,14 +16551,14 @@
       </p:sp>
       <p:sp>
         <p:nvSpPr>
-          <p:cNvPr id="303" name="CustomShape 3"/>
+          <p:cNvPr id="308" name="CustomShape 3"/>
           <p:cNvSpPr/>
           <p:nvPr/>
         </p:nvSpPr>
         <p:spPr>
           <a:xfrm>
             <a:off x="10515240" y="6202080"/>
-            <a:ext cx="1587240" cy="414360"/>
+            <a:ext cx="1586880" cy="414000"/>
           </a:xfrm>
           <a:prstGeom prst="rect">
             <a:avLst/>
@@ -16071,7 +16584,7 @@
                 <a:spcPct val="100000"/>
               </a:lnSpc>
             </a:pPr>
-            <a:fld id="{F40A53AE-194E-4DFA-B19D-F6FA157CE69B}" type="slidenum">
+            <a:fld id="{B2651D4D-752B-4C28-959B-B41EA7B589B4}" type="slidenum">
               <a:rPr b="0" lang="en-US" sz="1600" spc="-1" strike="noStrike">
                 <a:solidFill>
                   <a:srgbClr val="000000"/>
@@ -16079,7 +16592,7 @@
                 <a:latin typeface="Times New Roman"/>
                 <a:ea typeface="DejaVu Sans"/>
               </a:rPr>
-              <a:t>&lt;number&gt;</a:t>
+              <a:t>1</a:t>
             </a:fld>
             <a:endParaRPr b="0" lang="en-US" sz="1600" spc="-1" strike="noStrike">
               <a:latin typeface="Arial"/>
@@ -16089,7 +16602,7 @@
       </p:sp>
       <p:pic>
         <p:nvPicPr>
-          <p:cNvPr id="304" name="" descr=""/>
+          <p:cNvPr id="309" name="" descr=""/>
           <p:cNvPicPr/>
           <p:nvPr/>
         </p:nvPicPr>
@@ -16100,7 +16613,7 @@
         <p:spPr>
           <a:xfrm>
             <a:off x="1122480" y="2677680"/>
-            <a:ext cx="1913400" cy="1589400"/>
+            <a:ext cx="1913040" cy="1589040"/>
           </a:xfrm>
           <a:prstGeom prst="rect">
             <a:avLst/>
@@ -16112,7 +16625,7 @@
       </p:pic>
       <p:pic>
         <p:nvPicPr>
-          <p:cNvPr id="305" name="" descr=""/>
+          <p:cNvPr id="310" name="" descr=""/>
           <p:cNvPicPr/>
           <p:nvPr/>
         </p:nvPicPr>
@@ -16123,7 +16636,7 @@
         <p:spPr>
           <a:xfrm>
             <a:off x="3075480" y="2681280"/>
-            <a:ext cx="2971440" cy="1577880"/>
+            <a:ext cx="2971080" cy="1577520"/>
           </a:xfrm>
           <a:prstGeom prst="rect">
             <a:avLst/>
@@ -16135,7 +16648,7 @@
       </p:pic>
       <p:pic>
         <p:nvPicPr>
-          <p:cNvPr id="306" name="" descr=""/>
+          <p:cNvPr id="311" name="" descr=""/>
           <p:cNvPicPr/>
           <p:nvPr/>
         </p:nvPicPr>
@@ -16146,7 +16659,7 @@
         <p:spPr>
           <a:xfrm>
             <a:off x="1209240" y="4628880"/>
-            <a:ext cx="2304720" cy="1399680"/>
+            <a:ext cx="2304360" cy="1399320"/>
           </a:xfrm>
           <a:prstGeom prst="rect">
             <a:avLst/>
@@ -16188,14 +16701,14 @@
       </p:grpSpPr>
       <p:sp>
         <p:nvSpPr>
-          <p:cNvPr id="307" name="CustomShape 1"/>
+          <p:cNvPr id="312" name="CustomShape 1"/>
           <p:cNvSpPr/>
           <p:nvPr/>
         </p:nvSpPr>
         <p:spPr>
           <a:xfrm>
             <a:off x="685800" y="0"/>
-            <a:ext cx="10959840" cy="1132200"/>
+            <a:ext cx="10959480" cy="1131840"/>
           </a:xfrm>
           <a:prstGeom prst="rect">
             <a:avLst/>
@@ -16242,14 +16755,14 @@
       </p:sp>
       <p:sp>
         <p:nvSpPr>
-          <p:cNvPr id="308" name="CustomShape 2"/>
+          <p:cNvPr id="313" name="CustomShape 2"/>
           <p:cNvSpPr/>
           <p:nvPr/>
         </p:nvSpPr>
         <p:spPr>
           <a:xfrm>
             <a:off x="274320" y="1554480"/>
-            <a:ext cx="11063160" cy="4479480"/>
+            <a:ext cx="11062800" cy="4479120"/>
           </a:xfrm>
           <a:prstGeom prst="rect">
             <a:avLst/>
@@ -16283,6 +16796,9 @@
             </a:pPr>
             <a:r>
               <a:rPr b="0" lang="en-US" sz="1800" spc="-1" strike="noStrike" u="sng">
+                <a:solidFill>
+                  <a:srgbClr val="000000"/>
+                </a:solidFill>
                 <a:uFillTx/>
                 <a:latin typeface="Arial"/>
                 <a:ea typeface="DejaVu Sans"/>
@@ -16291,6 +16807,9 @@
             </a:r>
             <a:r>
               <a:rPr b="0" lang="en-US" sz="1800" spc="-1" strike="noStrike">
+                <a:solidFill>
+                  <a:srgbClr val="000000"/>
+                </a:solidFill>
                 <a:latin typeface="Arial"/>
                 <a:ea typeface="DejaVu Sans"/>
               </a:rPr>
@@ -16311,6 +16830,9 @@
             </a:pPr>
             <a:r>
               <a:rPr b="0" lang="en-US" sz="1800" spc="-1" strike="noStrike" u="sng">
+                <a:solidFill>
+                  <a:srgbClr val="000000"/>
+                </a:solidFill>
                 <a:uFillTx/>
                 <a:latin typeface="Arial"/>
                 <a:ea typeface="DejaVu Sans"/>
@@ -16319,6 +16841,9 @@
             </a:r>
             <a:r>
               <a:rPr b="0" lang="en-US" sz="1800" spc="-1" strike="noStrike">
+                <a:solidFill>
+                  <a:srgbClr val="000000"/>
+                </a:solidFill>
                 <a:latin typeface="Arial"/>
                 <a:ea typeface="DejaVu Sans"/>
               </a:rPr>
@@ -16327,6 +16852,9 @@
             <a:br/>
             <a:r>
               <a:rPr b="0" lang="en-US" sz="1800" spc="-1" strike="noStrike">
+                <a:solidFill>
+                  <a:srgbClr val="000000"/>
+                </a:solidFill>
                 <a:latin typeface="Arial"/>
                 <a:ea typeface="DejaVu Sans"/>
               </a:rPr>
@@ -16344,13 +16872,20 @@
             </a:r>
             <a:r>
               <a:rPr b="0" lang="en-US" sz="1800" spc="-1" strike="noStrike">
+                <a:solidFill>
+                  <a:srgbClr val="000000"/>
+                </a:solidFill>
                 <a:latin typeface="Arial"/>
                 <a:ea typeface="DejaVu Sans"/>
               </a:rPr>
               <a:t> chart repositories: Helm hub / Artifact hub (</a:t>
             </a:r>
             <a:r>
-              <a:rPr b="0" lang="en-US" sz="1800" spc="-1" strike="noStrike">
+              <a:rPr b="0" lang="en-US" sz="1800" spc="-1" strike="noStrike" u="sng">
+                <a:solidFill>
+                  <a:srgbClr val="0000ff"/>
+                </a:solidFill>
+                <a:uFillTx/>
                 <a:latin typeface="Arial"/>
                 <a:ea typeface="DejaVu Sans"/>
                 <a:hlinkClick r:id="rId1"/>
@@ -16359,13 +16894,20 @@
             </a:r>
             <a:r>
               <a:rPr b="0" lang="en-US" sz="1800" spc="-1" strike="noStrike">
+                <a:solidFill>
+                  <a:srgbClr val="000000"/>
+                </a:solidFill>
                 <a:latin typeface="Arial"/>
                 <a:ea typeface="DejaVu Sans"/>
               </a:rPr>
               <a:t>), Bitnami charts (</a:t>
             </a:r>
             <a:r>
-              <a:rPr b="0" lang="en-US" sz="1800" spc="-1" strike="noStrike">
+              <a:rPr b="0" lang="en-US" sz="1800" spc="-1" strike="noStrike" u="sng">
+                <a:solidFill>
+                  <a:srgbClr val="0000ff"/>
+                </a:solidFill>
+                <a:uFillTx/>
                 <a:latin typeface="Arial"/>
                 <a:ea typeface="DejaVu Sans"/>
                 <a:hlinkClick r:id="rId2"/>
@@ -16374,6 +16916,9 @@
             </a:r>
             <a:r>
               <a:rPr b="0" lang="en-US" sz="1800" spc="-1" strike="noStrike">
+                <a:solidFill>
+                  <a:srgbClr val="000000"/>
+                </a:solidFill>
                 <a:latin typeface="Arial"/>
                 <a:ea typeface="DejaVu Sans"/>
               </a:rPr>
@@ -16382,6 +16927,9 @@
             <a:br/>
             <a:r>
               <a:rPr b="0" lang="en-US" sz="1800" spc="-1" strike="noStrike">
+                <a:solidFill>
+                  <a:srgbClr val="000000"/>
+                </a:solidFill>
                 <a:latin typeface="Arial"/>
                 <a:ea typeface="DejaVu Sans"/>
               </a:rPr>
@@ -16399,6 +16947,9 @@
             </a:r>
             <a:r>
               <a:rPr b="0" lang="en-US" sz="1800" spc="-1" strike="noStrike">
+                <a:solidFill>
+                  <a:srgbClr val="000000"/>
+                </a:solidFill>
                 <a:latin typeface="Arial"/>
                 <a:ea typeface="DejaVu Sans"/>
               </a:rPr>
@@ -16419,6 +16970,9 @@
             </a:pPr>
             <a:r>
               <a:rPr b="0" lang="en-US" sz="1800" spc="-1" strike="noStrike">
+                <a:solidFill>
+                  <a:srgbClr val="000000"/>
+                </a:solidFill>
                 <a:latin typeface="Arial"/>
                 <a:ea typeface="DejaVu Sans"/>
               </a:rPr>
@@ -16426,6 +16980,9 @@
             </a:r>
             <a:r>
               <a:rPr b="0" lang="en-US" sz="1800" spc="-1" strike="noStrike" u="sng">
+                <a:solidFill>
+                  <a:srgbClr val="000000"/>
+                </a:solidFill>
                 <a:uFillTx/>
                 <a:latin typeface="Arial"/>
                 <a:ea typeface="DejaVu Sans"/>
@@ -16434,6 +16991,9 @@
             </a:r>
             <a:r>
               <a:rPr b="0" lang="en-US" sz="1800" spc="-1" strike="noStrike">
+                <a:solidFill>
+                  <a:srgbClr val="000000"/>
+                </a:solidFill>
                 <a:latin typeface="Arial"/>
                 <a:ea typeface="DejaVu Sans"/>
               </a:rPr>
@@ -16442,6 +17002,9 @@
             <a:br/>
             <a:r>
               <a:rPr b="0" lang="en-US" sz="1800" spc="-1" strike="noStrike">
+                <a:solidFill>
+                  <a:srgbClr val="000000"/>
+                </a:solidFill>
                 <a:latin typeface="Arial"/>
                 <a:ea typeface="DejaVu Sans"/>
               </a:rPr>
@@ -16459,6 +17022,9 @@
             </a:r>
             <a:r>
               <a:rPr b="0" lang="en-US" sz="1800" spc="-1" strike="noStrike">
+                <a:solidFill>
+                  <a:srgbClr val="000000"/>
+                </a:solidFill>
                 <a:latin typeface="Arial"/>
                 <a:ea typeface="DejaVu Sans"/>
               </a:rPr>
@@ -16467,6 +17033,9 @@
             <a:br/>
             <a:r>
               <a:rPr b="0" lang="en-US" sz="1800" spc="-1" strike="noStrike">
+                <a:solidFill>
+                  <a:srgbClr val="000000"/>
+                </a:solidFill>
                 <a:latin typeface="Arial"/>
                 <a:ea typeface="DejaVu Sans"/>
               </a:rPr>
@@ -16493,14 +17062,14 @@
       </p:sp>
       <p:sp>
         <p:nvSpPr>
-          <p:cNvPr id="309" name="CustomShape 3"/>
+          <p:cNvPr id="314" name="CustomShape 3"/>
           <p:cNvSpPr/>
           <p:nvPr/>
         </p:nvSpPr>
         <p:spPr>
           <a:xfrm>
             <a:off x="10515240" y="6202080"/>
-            <a:ext cx="1587240" cy="414360"/>
+            <a:ext cx="1586880" cy="414000"/>
           </a:xfrm>
           <a:prstGeom prst="rect">
             <a:avLst/>
@@ -16526,7 +17095,7 @@
                 <a:spcPct val="100000"/>
               </a:lnSpc>
             </a:pPr>
-            <a:fld id="{42793FA1-173F-41F8-9029-805D182A194F}" type="slidenum">
+            <a:fld id="{337AB351-BC5F-4F67-84E4-244634313DD4}" type="slidenum">
               <a:rPr b="0" lang="en-US" sz="1600" spc="-1" strike="noStrike">
                 <a:solidFill>
                   <a:srgbClr val="000000"/>
@@ -16544,7 +17113,7 @@
       </p:sp>
       <p:pic>
         <p:nvPicPr>
-          <p:cNvPr id="310" name="" descr=""/>
+          <p:cNvPr id="315" name="" descr=""/>
           <p:cNvPicPr/>
           <p:nvPr/>
         </p:nvPicPr>
@@ -16555,7 +17124,7 @@
         <p:spPr>
           <a:xfrm>
             <a:off x="496440" y="4229640"/>
-            <a:ext cx="9019800" cy="971280"/>
+            <a:ext cx="9019440" cy="970920"/>
           </a:xfrm>
           <a:prstGeom prst="rect">
             <a:avLst/>
@@ -16597,14 +17166,14 @@
       </p:grpSpPr>
       <p:sp>
         <p:nvSpPr>
-          <p:cNvPr id="311" name="CustomShape 1"/>
+          <p:cNvPr id="316" name="CustomShape 1"/>
           <p:cNvSpPr/>
           <p:nvPr/>
         </p:nvSpPr>
         <p:spPr>
           <a:xfrm>
             <a:off x="3428640" y="376920"/>
-            <a:ext cx="5697000" cy="524520"/>
+            <a:ext cx="5696640" cy="524160"/>
           </a:xfrm>
           <a:prstGeom prst="rect">
             <a:avLst/>
@@ -16651,14 +17220,14 @@
       </p:sp>
       <p:sp>
         <p:nvSpPr>
-          <p:cNvPr id="312" name="CustomShape 2"/>
+          <p:cNvPr id="317" name="CustomShape 2"/>
           <p:cNvSpPr/>
           <p:nvPr/>
         </p:nvSpPr>
         <p:spPr>
           <a:xfrm>
             <a:off x="10515240" y="6202080"/>
-            <a:ext cx="1587240" cy="414360"/>
+            <a:ext cx="1586880" cy="414000"/>
           </a:xfrm>
           <a:prstGeom prst="rect">
             <a:avLst/>
@@ -16684,7 +17253,7 @@
                 <a:spcPct val="100000"/>
               </a:lnSpc>
             </a:pPr>
-            <a:fld id="{8B47FDCE-2887-4FFD-B6A6-FABCE6186595}" type="slidenum">
+            <a:fld id="{5605CFF7-2411-40B7-8E97-FEDF505FA01E}" type="slidenum">
               <a:rPr b="0" lang="en-US" sz="1600" spc="-1" strike="noStrike">
                 <a:solidFill>
                   <a:srgbClr val="000000"/>
@@ -16702,7 +17271,7 @@
       </p:sp>
       <p:pic>
         <p:nvPicPr>
-          <p:cNvPr id="313" name="Picture 412" descr=""/>
+          <p:cNvPr id="318" name="Picture 412" descr=""/>
           <p:cNvPicPr/>
           <p:nvPr/>
         </p:nvPicPr>
@@ -16713,7 +17282,7 @@
         <p:spPr>
           <a:xfrm>
             <a:off x="4114440" y="2105280"/>
-            <a:ext cx="4636800" cy="3141360"/>
+            <a:ext cx="4636440" cy="3141000"/>
           </a:xfrm>
           <a:prstGeom prst="rect">
             <a:avLst/>
@@ -16762,7 +17331,7 @@
         <p:spPr>
           <a:xfrm>
             <a:off x="685800" y="0"/>
-            <a:ext cx="10959840" cy="1132200"/>
+            <a:ext cx="10959480" cy="1131840"/>
           </a:xfrm>
           <a:prstGeom prst="rect">
             <a:avLst/>
@@ -16828,7 +17397,7 @@
         <p:spPr>
           <a:xfrm>
             <a:off x="274320" y="1554480"/>
-            <a:ext cx="11063160" cy="4479480"/>
+            <a:ext cx="11062800" cy="4479120"/>
           </a:xfrm>
           <a:prstGeom prst="rect">
             <a:avLst/>
@@ -16885,7 +17454,7 @@
         <p:spPr>
           <a:xfrm>
             <a:off x="10515240" y="6202080"/>
-            <a:ext cx="1587240" cy="414360"/>
+            <a:ext cx="1586880" cy="414000"/>
           </a:xfrm>
           <a:prstGeom prst="rect">
             <a:avLst/>
@@ -16911,7 +17480,7 @@
                 <a:spcPct val="100000"/>
               </a:lnSpc>
             </a:pPr>
-            <a:fld id="{0D19179C-2F47-4444-A128-5CC0136085F2}" type="slidenum">
+            <a:fld id="{7F22FA13-3A58-488C-A175-36E2753CDF9E}" type="slidenum">
               <a:rPr b="0" lang="en-US" sz="1600" spc="-1" strike="noStrike">
                 <a:solidFill>
                   <a:srgbClr val="000000"/>
@@ -16940,7 +17509,7 @@
         <p:spPr>
           <a:xfrm>
             <a:off x="2745360" y="2250000"/>
-            <a:ext cx="5208840" cy="3418200"/>
+            <a:ext cx="5208480" cy="3417840"/>
           </a:xfrm>
           <a:prstGeom prst="rect">
             <a:avLst/>
@@ -17019,7 +17588,7 @@
         <p:spPr>
           <a:xfrm>
             <a:off x="685800" y="0"/>
-            <a:ext cx="10959840" cy="1132200"/>
+            <a:ext cx="10959480" cy="1131840"/>
           </a:xfrm>
           <a:prstGeom prst="rect">
             <a:avLst/>
@@ -17095,7 +17664,7 @@
         <p:spPr>
           <a:xfrm>
             <a:off x="274320" y="1554480"/>
-            <a:ext cx="11063160" cy="4479480"/>
+            <a:ext cx="11062800" cy="4479120"/>
           </a:xfrm>
           <a:prstGeom prst="rect">
             <a:avLst/>
@@ -17175,7 +17744,7 @@
         <p:spPr>
           <a:xfrm>
             <a:off x="10515240" y="6202080"/>
-            <a:ext cx="1587240" cy="414360"/>
+            <a:ext cx="1586880" cy="414000"/>
           </a:xfrm>
           <a:prstGeom prst="rect">
             <a:avLst/>
@@ -17201,7 +17770,7 @@
                 <a:spcPct val="100000"/>
               </a:lnSpc>
             </a:pPr>
-            <a:fld id="{C8E43FAE-581E-440A-A987-AF7A5DBA97F6}" type="slidenum">
+            <a:fld id="{566FBFEA-8C59-4EC5-8B22-98B31F177338}" type="slidenum">
               <a:rPr b="0" lang="en-US" sz="1600" spc="-1" strike="noStrike">
                 <a:solidFill>
                   <a:srgbClr val="000000"/>
@@ -17230,7 +17799,7 @@
         <p:spPr>
           <a:xfrm>
             <a:off x="1960920" y="2336040"/>
-            <a:ext cx="6541920" cy="3515040"/>
+            <a:ext cx="6541560" cy="3514680"/>
           </a:xfrm>
           <a:prstGeom prst="rect">
             <a:avLst/>
@@ -17279,7 +17848,7 @@
         <p:spPr>
           <a:xfrm>
             <a:off x="685800" y="0"/>
-            <a:ext cx="10959840" cy="1132200"/>
+            <a:ext cx="10959480" cy="1131840"/>
           </a:xfrm>
           <a:prstGeom prst="rect">
             <a:avLst/>
@@ -17355,7 +17924,7 @@
         <p:spPr>
           <a:xfrm>
             <a:off x="274320" y="1554480"/>
-            <a:ext cx="11063160" cy="4479480"/>
+            <a:ext cx="11062800" cy="4479120"/>
           </a:xfrm>
           <a:prstGeom prst="rect">
             <a:avLst/>
@@ -17435,7 +18004,7 @@
         <p:spPr>
           <a:xfrm>
             <a:off x="10515240" y="6202080"/>
-            <a:ext cx="1587240" cy="414360"/>
+            <a:ext cx="1586880" cy="414000"/>
           </a:xfrm>
           <a:prstGeom prst="rect">
             <a:avLst/>
@@ -17461,7 +18030,7 @@
                 <a:spcPct val="100000"/>
               </a:lnSpc>
             </a:pPr>
-            <a:fld id="{E97B1E8D-1AB2-4832-A12E-20E1F0ACB845}" type="slidenum">
+            <a:fld id="{6CF3F597-574D-43EA-AF98-EC3F1C102D82}" type="slidenum">
               <a:rPr b="0" lang="en-US" sz="1600" spc="-1" strike="noStrike">
                 <a:solidFill>
                   <a:srgbClr val="000000"/>
@@ -17490,7 +18059,7 @@
         <p:spPr>
           <a:xfrm>
             <a:off x="1814040" y="2743200"/>
-            <a:ext cx="8974800" cy="2046600"/>
+            <a:ext cx="8974440" cy="2046240"/>
           </a:xfrm>
           <a:prstGeom prst="rect">
             <a:avLst/>
@@ -17539,7 +18108,7 @@
         <p:spPr>
           <a:xfrm>
             <a:off x="685800" y="0"/>
-            <a:ext cx="10959840" cy="1132200"/>
+            <a:ext cx="10959480" cy="1131840"/>
           </a:xfrm>
           <a:prstGeom prst="rect">
             <a:avLst/>
@@ -17615,7 +18184,7 @@
         <p:spPr>
           <a:xfrm>
             <a:off x="274320" y="1554480"/>
-            <a:ext cx="11063160" cy="4479480"/>
+            <a:ext cx="11062800" cy="4479120"/>
           </a:xfrm>
           <a:prstGeom prst="rect">
             <a:avLst/>
@@ -17672,7 +18241,7 @@
         <p:spPr>
           <a:xfrm>
             <a:off x="10515240" y="6202080"/>
-            <a:ext cx="1587240" cy="414360"/>
+            <a:ext cx="1586880" cy="414000"/>
           </a:xfrm>
           <a:prstGeom prst="rect">
             <a:avLst/>
@@ -17698,7 +18267,7 @@
                 <a:spcPct val="100000"/>
               </a:lnSpc>
             </a:pPr>
-            <a:fld id="{2F5431F0-871E-44B7-9738-EEA90F40FA18}" type="slidenum">
+            <a:fld id="{378ABC33-6EB9-4496-B092-202E1FD0840D}" type="slidenum">
               <a:rPr b="0" lang="en-US" sz="1600" spc="-1" strike="noStrike">
                 <a:solidFill>
                   <a:srgbClr val="000000"/>
@@ -17727,7 +18296,7 @@
         <p:spPr>
           <a:xfrm>
             <a:off x="1948680" y="2011680"/>
-            <a:ext cx="8323560" cy="3902400"/>
+            <a:ext cx="8323200" cy="3902040"/>
           </a:xfrm>
           <a:prstGeom prst="rect">
             <a:avLst/>
@@ -17776,7 +18345,7 @@
         <p:spPr>
           <a:xfrm>
             <a:off x="685800" y="0"/>
-            <a:ext cx="10959840" cy="1132200"/>
+            <a:ext cx="10959480" cy="1131840"/>
           </a:xfrm>
           <a:prstGeom prst="rect">
             <a:avLst/>
@@ -17842,7 +18411,7 @@
         <p:spPr>
           <a:xfrm>
             <a:off x="274320" y="1554480"/>
-            <a:ext cx="11063160" cy="4479480"/>
+            <a:ext cx="11062800" cy="4479120"/>
           </a:xfrm>
           <a:prstGeom prst="rect">
             <a:avLst/>
@@ -17899,7 +18468,7 @@
         <p:spPr>
           <a:xfrm>
             <a:off x="10515240" y="6202080"/>
-            <a:ext cx="1587240" cy="414360"/>
+            <a:ext cx="1586880" cy="414000"/>
           </a:xfrm>
           <a:prstGeom prst="rect">
             <a:avLst/>
@@ -17925,7 +18494,7 @@
                 <a:spcPct val="100000"/>
               </a:lnSpc>
             </a:pPr>
-            <a:fld id="{B4CEC3CB-537A-4F63-873F-A2BED1F04841}" type="slidenum">
+            <a:fld id="{42ECF4D7-000F-415A-B7FB-3A88815FA465}" type="slidenum">
               <a:rPr b="0" lang="en-US" sz="1600" spc="-1" strike="noStrike">
                 <a:solidFill>
                   <a:srgbClr val="000000"/>
@@ -17954,7 +18523,7 @@
         <p:spPr>
           <a:xfrm>
             <a:off x="2115000" y="2154960"/>
-            <a:ext cx="7027920" cy="3787560"/>
+            <a:ext cx="7027560" cy="3787200"/>
           </a:xfrm>
           <a:prstGeom prst="rect">
             <a:avLst/>
@@ -18003,7 +18572,7 @@
         <p:spPr>
           <a:xfrm>
             <a:off x="685800" y="0"/>
-            <a:ext cx="10959840" cy="1132200"/>
+            <a:ext cx="10959480" cy="1131840"/>
           </a:xfrm>
           <a:prstGeom prst="rect">
             <a:avLst/>
@@ -18069,7 +18638,7 @@
         <p:spPr>
           <a:xfrm>
             <a:off x="274320" y="1554480"/>
-            <a:ext cx="11063160" cy="4479480"/>
+            <a:ext cx="11062800" cy="4479120"/>
           </a:xfrm>
           <a:prstGeom prst="rect">
             <a:avLst/>
@@ -18093,7 +18662,7 @@
             <a:noAutofit/>
           </a:bodyPr>
           <a:p>
-            <a:pPr marL="216000" indent="-214920">
+            <a:pPr marL="216000" indent="-214560">
               <a:lnSpc>
                 <a:spcPct val="100000"/>
               </a:lnSpc>
@@ -18132,7 +18701,7 @@
             </a:endParaRPr>
           </a:p>
           <a:p>
-            <a:pPr marL="216000" indent="-214920">
+            <a:pPr marL="216000" indent="-214560">
               <a:lnSpc>
                 <a:spcPct val="100000"/>
               </a:lnSpc>
@@ -18241,7 +18810,7 @@
             </a:endParaRPr>
           </a:p>
           <a:p>
-            <a:pPr marL="216000" indent="-214920">
+            <a:pPr marL="216000" indent="-214560">
               <a:lnSpc>
                 <a:spcPct val="100000"/>
               </a:lnSpc>
@@ -18280,7 +18849,7 @@
             </a:endParaRPr>
           </a:p>
           <a:p>
-            <a:pPr lvl="1" marL="432000" indent="-214920">
+            <a:pPr lvl="1" marL="432000" indent="-214560">
               <a:lnSpc>
                 <a:spcPct val="100000"/>
               </a:lnSpc>
@@ -18372,7 +18941,7 @@
             </a:endParaRPr>
           </a:p>
           <a:p>
-            <a:pPr lvl="1" marL="432000" indent="-214920">
+            <a:pPr lvl="1" marL="432000" indent="-214560">
               <a:lnSpc>
                 <a:spcPct val="100000"/>
               </a:lnSpc>
@@ -18497,7 +19066,7 @@
         <p:spPr>
           <a:xfrm>
             <a:off x="10515240" y="6202080"/>
-            <a:ext cx="1587240" cy="414360"/>
+            <a:ext cx="1586880" cy="414000"/>
           </a:xfrm>
           <a:prstGeom prst="rect">
             <a:avLst/>
@@ -18523,7 +19092,7 @@
                 <a:spcPct val="100000"/>
               </a:lnSpc>
             </a:pPr>
-            <a:fld id="{64FF0806-B2B9-4EFF-A79D-86468EBF6E89}" type="slidenum">
+            <a:fld id="{CFF3696E-DA83-4BC7-80DB-6BA32A32FC06}" type="slidenum">
               <a:rPr b="0" lang="en-US" sz="1600" spc="-1" strike="noStrike">
                 <a:solidFill>
                   <a:srgbClr val="000000"/>
@@ -18578,7 +19147,7 @@
         <p:spPr>
           <a:xfrm>
             <a:off x="685800" y="0"/>
-            <a:ext cx="10959840" cy="1132200"/>
+            <a:ext cx="10959480" cy="1131840"/>
           </a:xfrm>
           <a:prstGeom prst="rect">
             <a:avLst/>
@@ -18644,7 +19213,7 @@
         <p:spPr>
           <a:xfrm>
             <a:off x="274320" y="1554480"/>
-            <a:ext cx="11063160" cy="4479480"/>
+            <a:ext cx="11062800" cy="4479120"/>
           </a:xfrm>
           <a:prstGeom prst="rect">
             <a:avLst/>
@@ -18973,7 +19542,7 @@
         <p:spPr>
           <a:xfrm>
             <a:off x="10515240" y="6202080"/>
-            <a:ext cx="1587240" cy="414360"/>
+            <a:ext cx="1586880" cy="414000"/>
           </a:xfrm>
           <a:prstGeom prst="rect">
             <a:avLst/>
@@ -18999,7 +19568,7 @@
                 <a:spcPct val="100000"/>
               </a:lnSpc>
             </a:pPr>
-            <a:fld id="{724470F8-58FD-4554-91DB-631C06D471F2}" type="slidenum">
+            <a:fld id="{078A1887-4A3A-4857-8C14-22C1FD670504}" type="slidenum">
               <a:rPr b="0" lang="en-US" sz="1600" spc="-1" strike="noStrike">
                 <a:solidFill>
                   <a:srgbClr val="000000"/>

--- a/helm/documents/Helm_Knowledge_Sharing.pptx
+++ b/helm/documents/Helm_Knowledge_Sharing.pptx
@@ -38,7 +38,6 @@
     <p:sldId id="282" r:id="rId33"/>
     <p:sldId id="283" r:id="rId34"/>
     <p:sldId id="284" r:id="rId35"/>
-    <p:sldId id="285" r:id="rId36"/>
   </p:sldIdLst>
   <p:sldSz cx="12192000" cy="6858000"/>
   <p:notesSz cx="7559675" cy="10691812"/>
@@ -6858,7 +6857,7 @@
         <p:spPr>
           <a:xfrm>
             <a:off x="0" y="0"/>
-            <a:ext cx="12189600" cy="5149800"/>
+            <a:ext cx="12189240" cy="5149440"/>
           </a:xfrm>
           <a:prstGeom prst="rect">
             <a:avLst/>
@@ -6890,7 +6889,7 @@
         <p:spPr>
           <a:xfrm>
             <a:off x="10582200" y="5243760"/>
-            <a:ext cx="1355400" cy="1355400"/>
+            <a:ext cx="1355040" cy="1355040"/>
           </a:xfrm>
           <a:prstGeom prst="rect">
             <a:avLst/>
@@ -6909,7 +6908,7 @@
         <p:spPr>
           <a:xfrm>
             <a:off x="1637280" y="753120"/>
-            <a:ext cx="7855920" cy="3936960"/>
+            <a:ext cx="7855560" cy="3936600"/>
           </a:xfrm>
           <a:prstGeom prst="rect">
             <a:avLst/>
@@ -6942,7 +6941,7 @@
         <p:spPr>
           <a:xfrm>
             <a:off x="7681680" y="1234080"/>
-            <a:ext cx="3845520" cy="3686040"/>
+            <a:ext cx="3845160" cy="3685680"/>
           </a:xfrm>
           <a:prstGeom prst="rect">
             <a:avLst/>
@@ -6981,7 +6980,13 @@
               <a:rPr b="0" lang="en-US" sz="4400" spc="-1" strike="noStrike">
                 <a:latin typeface="Arial"/>
               </a:rPr>
-              <a:t>Click to edit the title text format</a:t>
+              <a:t>Click to edit the title </a:t>
+            </a:r>
+            <a:r>
+              <a:rPr b="0" lang="en-US" sz="4400" spc="-1" strike="noStrike">
+                <a:latin typeface="Arial"/>
+              </a:rPr>
+              <a:t>text format</a:t>
             </a:r>
             <a:endParaRPr b="0" lang="en-US" sz="4400" spc="-1" strike="noStrike">
               <a:latin typeface="Arial"/>
@@ -7221,7 +7226,7 @@
         <p:spPr>
           <a:xfrm>
             <a:off x="360" y="0"/>
-            <a:ext cx="4774680" cy="6855480"/>
+            <a:ext cx="4774320" cy="6855120"/>
           </a:xfrm>
           <a:prstGeom prst="rect">
             <a:avLst/>
@@ -7249,7 +7254,7 @@
         <p:spPr>
           <a:xfrm>
             <a:off x="1166400" y="2958480"/>
-            <a:ext cx="2393280" cy="759960"/>
+            <a:ext cx="2392920" cy="759960"/>
           </a:xfrm>
           <a:prstGeom prst="rect">
             <a:avLst/>
@@ -7300,7 +7305,7 @@
         <p:spPr>
           <a:xfrm>
             <a:off x="828000" y="1931400"/>
-            <a:ext cx="3069720" cy="2992680"/>
+            <a:ext cx="3069360" cy="2992320"/>
           </a:xfrm>
           <a:prstGeom prst="rect">
             <a:avLst/>
@@ -7329,7 +7334,7 @@
         <p:spPr>
           <a:xfrm>
             <a:off x="0" y="6719040"/>
-            <a:ext cx="12189600" cy="150480"/>
+            <a:ext cx="12189240" cy="150120"/>
           </a:xfrm>
           <a:prstGeom prst="rect">
             <a:avLst/>
@@ -7625,7 +7630,7 @@
         <p:spPr>
           <a:xfrm>
             <a:off x="360" y="6719040"/>
-            <a:ext cx="12177720" cy="138600"/>
+            <a:ext cx="12177360" cy="138240"/>
           </a:xfrm>
           <a:prstGeom prst="rect">
             <a:avLst/>
@@ -8099,7 +8104,7 @@
         <p:spPr>
           <a:xfrm>
             <a:off x="360" y="6719040"/>
-            <a:ext cx="12177720" cy="138600"/>
+            <a:ext cx="12177360" cy="138240"/>
           </a:xfrm>
           <a:prstGeom prst="rect">
             <a:avLst/>
@@ -8395,7 +8400,7 @@
         <p:spPr>
           <a:xfrm>
             <a:off x="0" y="0"/>
-            <a:ext cx="12189600" cy="5149800"/>
+            <a:ext cx="12189240" cy="5149440"/>
           </a:xfrm>
           <a:prstGeom prst="rect">
             <a:avLst/>
@@ -8423,7 +8428,7 @@
         <p:spPr>
           <a:xfrm>
             <a:off x="2915640" y="1431720"/>
-            <a:ext cx="6358320" cy="2728800"/>
+            <a:ext cx="6357960" cy="2728440"/>
           </a:xfrm>
           <a:prstGeom prst="rect">
             <a:avLst/>
@@ -8456,7 +8461,7 @@
         <p:spPr>
           <a:xfrm>
             <a:off x="10991880" y="5744160"/>
-            <a:ext cx="955800" cy="955800"/>
+            <a:ext cx="955440" cy="955440"/>
           </a:xfrm>
           <a:prstGeom prst="rect">
             <a:avLst/>
@@ -8475,7 +8480,7 @@
         <p:spPr>
           <a:xfrm>
             <a:off x="3764880" y="2243520"/>
-            <a:ext cx="4643640" cy="1095120"/>
+            <a:ext cx="4643280" cy="1095120"/>
           </a:xfrm>
           <a:prstGeom prst="rect">
             <a:avLst/>
@@ -8799,7 +8804,7 @@
         <p:spPr>
           <a:xfrm>
             <a:off x="565560" y="6150240"/>
-            <a:ext cx="4180680" cy="291600"/>
+            <a:ext cx="4180320" cy="291240"/>
           </a:xfrm>
           <a:prstGeom prst="rect">
             <a:avLst/>
@@ -8856,7 +8861,7 @@
         <p:spPr>
           <a:xfrm>
             <a:off x="2043360" y="1116360"/>
-            <a:ext cx="5782680" cy="2957760"/>
+            <a:ext cx="5782320" cy="2957400"/>
           </a:xfrm>
           <a:prstGeom prst="rect">
             <a:avLst/>
@@ -8931,7 +8936,7 @@
         <p:spPr>
           <a:xfrm>
             <a:off x="566280" y="5740560"/>
-            <a:ext cx="5649480" cy="361800"/>
+            <a:ext cx="5649120" cy="361440"/>
           </a:xfrm>
           <a:prstGeom prst="rect">
             <a:avLst/>
@@ -9018,7 +9023,7 @@
         <p:spPr>
           <a:xfrm>
             <a:off x="685800" y="0"/>
-            <a:ext cx="10959480" cy="1131840"/>
+            <a:ext cx="10959120" cy="1131480"/>
           </a:xfrm>
           <a:prstGeom prst="rect">
             <a:avLst/>
@@ -9084,7 +9089,7 @@
         <p:spPr>
           <a:xfrm>
             <a:off x="274320" y="1554480"/>
-            <a:ext cx="11062800" cy="4479120"/>
+            <a:ext cx="11062440" cy="4478760"/>
           </a:xfrm>
           <a:prstGeom prst="rect">
             <a:avLst/>
@@ -9108,7 +9113,7 @@
             <a:noAutofit/>
           </a:bodyPr>
           <a:p>
-            <a:pPr marL="216000" indent="-214560">
+            <a:pPr marL="216000" indent="-214200">
               <a:lnSpc>
                 <a:spcPct val="100000"/>
               </a:lnSpc>
@@ -9209,7 +9214,7 @@
             </a:endParaRPr>
           </a:p>
           <a:p>
-            <a:pPr marL="216000" indent="-214560">
+            <a:pPr marL="216000" indent="-214200">
               <a:lnSpc>
                 <a:spcPct val="100000"/>
               </a:lnSpc>
@@ -9300,7 +9305,7 @@
             </a:endParaRPr>
           </a:p>
           <a:p>
-            <a:pPr marL="216000" indent="-214560">
+            <a:pPr marL="216000" indent="-214200">
               <a:lnSpc>
                 <a:spcPct val="100000"/>
               </a:lnSpc>
@@ -9339,7 +9344,7 @@
             </a:endParaRPr>
           </a:p>
           <a:p>
-            <a:pPr marL="216000" indent="-214560">
+            <a:pPr marL="216000" indent="-214200">
               <a:lnSpc>
                 <a:spcPct val="100000"/>
               </a:lnSpc>
@@ -9408,7 +9413,7 @@
         <p:spPr>
           <a:xfrm>
             <a:off x="10515240" y="6202080"/>
-            <a:ext cx="1586880" cy="414000"/>
+            <a:ext cx="1586520" cy="413640"/>
           </a:xfrm>
           <a:prstGeom prst="rect">
             <a:avLst/>
@@ -9434,7 +9439,7 @@
                 <a:spcPct val="100000"/>
               </a:lnSpc>
             </a:pPr>
-            <a:fld id="{CECC10B0-5379-41EE-8EB1-362130B4F97F}" type="slidenum">
+            <a:fld id="{5DF91D5B-B1BE-43FF-BF99-B717BA6EDD34}" type="slidenum">
               <a:rPr b="0" lang="en-US" sz="1600" spc="-1" strike="noStrike">
                 <a:solidFill>
                   <a:srgbClr val="000000"/>
@@ -9489,7 +9494,7 @@
         <p:spPr>
           <a:xfrm>
             <a:off x="685800" y="0"/>
-            <a:ext cx="10959480" cy="1131840"/>
+            <a:ext cx="10959120" cy="1131480"/>
           </a:xfrm>
           <a:prstGeom prst="rect">
             <a:avLst/>
@@ -9555,7 +9560,7 @@
         <p:spPr>
           <a:xfrm>
             <a:off x="274320" y="1554480"/>
-            <a:ext cx="11062800" cy="4479120"/>
+            <a:ext cx="11062440" cy="4478760"/>
           </a:xfrm>
           <a:prstGeom prst="rect">
             <a:avLst/>
@@ -9579,7 +9584,7 @@
             <a:noAutofit/>
           </a:bodyPr>
           <a:p>
-            <a:pPr marL="216000" indent="-214560">
+            <a:pPr marL="216000" indent="-214200">
               <a:lnSpc>
                 <a:spcPct val="100000"/>
               </a:lnSpc>
@@ -9682,7 +9687,7 @@
             </a:endParaRPr>
           </a:p>
           <a:p>
-            <a:pPr marL="216000" indent="-214560">
+            <a:pPr marL="216000" indent="-214200">
               <a:lnSpc>
                 <a:spcPct val="100000"/>
               </a:lnSpc>
@@ -9751,7 +9756,7 @@
         <p:spPr>
           <a:xfrm>
             <a:off x="10515240" y="6202080"/>
-            <a:ext cx="1586880" cy="414000"/>
+            <a:ext cx="1586520" cy="413640"/>
           </a:xfrm>
           <a:prstGeom prst="rect">
             <a:avLst/>
@@ -9777,7 +9782,7 @@
                 <a:spcPct val="100000"/>
               </a:lnSpc>
             </a:pPr>
-            <a:fld id="{53E4E617-355E-4E82-ADDD-964D8923A358}" type="slidenum">
+            <a:fld id="{1D8382AB-4CE8-47BD-AF5B-930331B9B9E7}" type="slidenum">
               <a:rPr b="0" lang="en-US" sz="1600" spc="-1" strike="noStrike">
                 <a:solidFill>
                   <a:srgbClr val="000000"/>
@@ -9806,7 +9811,7 @@
         <p:spPr>
           <a:xfrm>
             <a:off x="694440" y="4099320"/>
-            <a:ext cx="8809920" cy="217440"/>
+            <a:ext cx="8809560" cy="217080"/>
           </a:xfrm>
           <a:prstGeom prst="rect">
             <a:avLst/>
@@ -9858,7 +9863,7 @@
         <p:spPr>
           <a:xfrm>
             <a:off x="685800" y="0"/>
-            <a:ext cx="10959480" cy="1131840"/>
+            <a:ext cx="10959120" cy="1131480"/>
           </a:xfrm>
           <a:prstGeom prst="rect">
             <a:avLst/>
@@ -9934,7 +9939,7 @@
         <p:spPr>
           <a:xfrm>
             <a:off x="274320" y="1554480"/>
-            <a:ext cx="11062800" cy="4479120"/>
+            <a:ext cx="11062440" cy="4478760"/>
           </a:xfrm>
           <a:prstGeom prst="rect">
             <a:avLst/>
@@ -9958,7 +9963,7 @@
             <a:noAutofit/>
           </a:bodyPr>
           <a:p>
-            <a:pPr marL="216000" indent="-215280">
+            <a:pPr marL="216000" indent="-214920">
               <a:lnSpc>
                 <a:spcPct val="100000"/>
               </a:lnSpc>
@@ -10007,7 +10012,7 @@
             </a:endParaRPr>
           </a:p>
           <a:p>
-            <a:pPr marL="216000" indent="-215280">
+            <a:pPr marL="216000" indent="-214920">
               <a:lnSpc>
                 <a:spcPct val="100000"/>
               </a:lnSpc>
@@ -10129,7 +10134,7 @@
             </a:endParaRPr>
           </a:p>
           <a:p>
-            <a:pPr marL="216000" indent="-215280">
+            <a:pPr marL="216000" indent="-214920">
               <a:lnSpc>
                 <a:spcPct val="100000"/>
               </a:lnSpc>
@@ -10214,7 +10219,7 @@
         <p:spPr>
           <a:xfrm>
             <a:off x="10515240" y="6202080"/>
-            <a:ext cx="1586880" cy="414000"/>
+            <a:ext cx="1586520" cy="413640"/>
           </a:xfrm>
           <a:prstGeom prst="rect">
             <a:avLst/>
@@ -10240,7 +10245,7 @@
                 <a:spcPct val="100000"/>
               </a:lnSpc>
             </a:pPr>
-            <a:fld id="{9D11E30D-1E5C-442A-884F-1B93D396E7E4}" type="slidenum">
+            <a:fld id="{7347B688-8010-4FD0-B8D5-A0D63E3FF665}" type="slidenum">
               <a:rPr b="0" lang="en-US" sz="1600" spc="-1" strike="noStrike">
                 <a:solidFill>
                   <a:srgbClr val="000000"/>
@@ -10269,7 +10274,7 @@
         <p:spPr>
           <a:xfrm>
             <a:off x="609840" y="2651760"/>
-            <a:ext cx="9539280" cy="1828080"/>
+            <a:ext cx="9538920" cy="1827720"/>
           </a:xfrm>
           <a:prstGeom prst="rect">
             <a:avLst/>
@@ -10295,7 +10300,7 @@
         <p:spPr>
           <a:xfrm>
             <a:off x="594720" y="4846320"/>
-            <a:ext cx="9828720" cy="342000"/>
+            <a:ext cx="9828360" cy="341640"/>
           </a:xfrm>
           <a:prstGeom prst="rect">
             <a:avLst/>
@@ -10347,7 +10352,7 @@
         <p:spPr>
           <a:xfrm>
             <a:off x="685800" y="0"/>
-            <a:ext cx="10959480" cy="1131840"/>
+            <a:ext cx="10959120" cy="1131480"/>
           </a:xfrm>
           <a:prstGeom prst="rect">
             <a:avLst/>
@@ -10423,7 +10428,7 @@
         <p:spPr>
           <a:xfrm>
             <a:off x="274320" y="1554480"/>
-            <a:ext cx="11062800" cy="4479120"/>
+            <a:ext cx="11062440" cy="4478760"/>
           </a:xfrm>
           <a:prstGeom prst="rect">
             <a:avLst/>
@@ -10447,7 +10452,7 @@
             <a:noAutofit/>
           </a:bodyPr>
           <a:p>
-            <a:pPr marL="216000" indent="-215280">
+            <a:pPr marL="216000" indent="-214920">
               <a:lnSpc>
                 <a:spcPct val="100000"/>
               </a:lnSpc>
@@ -10496,7 +10501,7 @@
             </a:endParaRPr>
           </a:p>
           <a:p>
-            <a:pPr marL="216000" indent="-215280">
+            <a:pPr marL="216000" indent="-214920">
               <a:lnSpc>
                 <a:spcPct val="100000"/>
               </a:lnSpc>
@@ -10580,7 +10585,7 @@
         <p:spPr>
           <a:xfrm>
             <a:off x="10515240" y="6202080"/>
-            <a:ext cx="1586880" cy="414000"/>
+            <a:ext cx="1586520" cy="413640"/>
           </a:xfrm>
           <a:prstGeom prst="rect">
             <a:avLst/>
@@ -10606,7 +10611,7 @@
                 <a:spcPct val="100000"/>
               </a:lnSpc>
             </a:pPr>
-            <a:fld id="{451D15C3-E60F-4551-8C71-DAFF3407B829}" type="slidenum">
+            <a:fld id="{38D49D42-55DF-4025-8B82-7B25FFF3408B}" type="slidenum">
               <a:rPr b="0" lang="en-US" sz="1600" spc="-1" strike="noStrike">
                 <a:solidFill>
                   <a:srgbClr val="000000"/>
@@ -10635,7 +10640,7 @@
         <p:spPr>
           <a:xfrm>
             <a:off x="640080" y="2699640"/>
-            <a:ext cx="7790400" cy="2694600"/>
+            <a:ext cx="7790040" cy="2694240"/>
           </a:xfrm>
           <a:prstGeom prst="rect">
             <a:avLst/>
@@ -10687,7 +10692,7 @@
         <p:spPr>
           <a:xfrm>
             <a:off x="685800" y="0"/>
-            <a:ext cx="10959480" cy="1131840"/>
+            <a:ext cx="10959120" cy="1131480"/>
           </a:xfrm>
           <a:prstGeom prst="rect">
             <a:avLst/>
@@ -10763,7 +10768,7 @@
         <p:spPr>
           <a:xfrm>
             <a:off x="274320" y="1554480"/>
-            <a:ext cx="11062800" cy="4479120"/>
+            <a:ext cx="11062440" cy="4478760"/>
           </a:xfrm>
           <a:prstGeom prst="rect">
             <a:avLst/>
@@ -10787,7 +10792,7 @@
             <a:noAutofit/>
           </a:bodyPr>
           <a:p>
-            <a:pPr marL="216000" indent="-215280">
+            <a:pPr marL="216000" indent="-214920">
               <a:lnSpc>
                 <a:spcPct val="100000"/>
               </a:lnSpc>
@@ -10836,7 +10841,7 @@
             </a:endParaRPr>
           </a:p>
           <a:p>
-            <a:pPr marL="216000" indent="-215280">
+            <a:pPr marL="216000" indent="-214920">
               <a:lnSpc>
                 <a:spcPct val="100000"/>
               </a:lnSpc>
@@ -10899,6 +10904,7 @@
                   <a:srgbClr val="000000"/>
                 </a:solidFill>
                 <a:latin typeface="Arial"/>
+                <a:ea typeface="DejaVu Sans"/>
               </a:rPr>
               <a:t> </a:t>
             </a:r>
@@ -10907,7 +10913,7 @@
             </a:endParaRPr>
           </a:p>
           <a:p>
-            <a:pPr marL="216000" indent="-215280">
+            <a:pPr marL="216000" indent="-214920">
               <a:lnSpc>
                 <a:spcPct val="100000"/>
               </a:lnSpc>
@@ -11002,7 +11008,7 @@
         <p:spPr>
           <a:xfrm>
             <a:off x="10515240" y="6202080"/>
-            <a:ext cx="1586880" cy="414000"/>
+            <a:ext cx="1586520" cy="413640"/>
           </a:xfrm>
           <a:prstGeom prst="rect">
             <a:avLst/>
@@ -11028,7 +11034,7 @@
                 <a:spcPct val="100000"/>
               </a:lnSpc>
             </a:pPr>
-            <a:fld id="{C4B8B57B-DE38-40C2-8298-EF92F34381AA}" type="slidenum">
+            <a:fld id="{7D2B94C7-B792-4A97-81E2-F322130FEA46}" type="slidenum">
               <a:rPr b="0" lang="en-US" sz="1600" spc="-1" strike="noStrike">
                 <a:solidFill>
                   <a:srgbClr val="000000"/>
@@ -11057,7 +11063,7 @@
         <p:spPr>
           <a:xfrm>
             <a:off x="579600" y="2652120"/>
-            <a:ext cx="3476160" cy="1037880"/>
+            <a:ext cx="3475800" cy="1037520"/>
           </a:xfrm>
           <a:prstGeom prst="rect">
             <a:avLst/>
@@ -11106,7 +11112,7 @@
         <p:spPr>
           <a:xfrm>
             <a:off x="685800" y="0"/>
-            <a:ext cx="10959480" cy="1131840"/>
+            <a:ext cx="10959120" cy="1131480"/>
           </a:xfrm>
           <a:prstGeom prst="rect">
             <a:avLst/>
@@ -11182,7 +11188,7 @@
         <p:spPr>
           <a:xfrm>
             <a:off x="274320" y="1554480"/>
-            <a:ext cx="11062800" cy="4479120"/>
+            <a:ext cx="11062440" cy="4478760"/>
           </a:xfrm>
           <a:prstGeom prst="rect">
             <a:avLst/>
@@ -11206,7 +11212,7 @@
             <a:noAutofit/>
           </a:bodyPr>
           <a:p>
-            <a:pPr marL="216000" indent="-215280">
+            <a:pPr marL="216000" indent="-214920">
               <a:lnSpc>
                 <a:spcPct val="100000"/>
               </a:lnSpc>
@@ -11255,7 +11261,7 @@
             </a:endParaRPr>
           </a:p>
           <a:p>
-            <a:pPr marL="216000" indent="-215280">
+            <a:pPr marL="216000" indent="-214920">
               <a:lnSpc>
                 <a:spcPct val="100000"/>
               </a:lnSpc>
@@ -11410,7 +11416,7 @@
         <p:spPr>
           <a:xfrm>
             <a:off x="10515240" y="6202080"/>
-            <a:ext cx="1586880" cy="414000"/>
+            <a:ext cx="1586520" cy="413640"/>
           </a:xfrm>
           <a:prstGeom prst="rect">
             <a:avLst/>
@@ -11436,7 +11442,7 @@
                 <a:spcPct val="100000"/>
               </a:lnSpc>
             </a:pPr>
-            <a:fld id="{68AE3422-89C5-42BA-BB57-864C1F92D001}" type="slidenum">
+            <a:fld id="{F0C0EFF2-6870-4C46-81DC-7E2B351D5886}" type="slidenum">
               <a:rPr b="0" lang="en-US" sz="1600" spc="-1" strike="noStrike">
                 <a:solidFill>
                   <a:srgbClr val="000000"/>
@@ -11491,7 +11497,7 @@
         <p:spPr>
           <a:xfrm>
             <a:off x="685800" y="0"/>
-            <a:ext cx="10959480" cy="1131840"/>
+            <a:ext cx="10959120" cy="1131480"/>
           </a:xfrm>
           <a:prstGeom prst="rect">
             <a:avLst/>
@@ -11567,7 +11573,7 @@
         <p:spPr>
           <a:xfrm>
             <a:off x="274320" y="1554480"/>
-            <a:ext cx="11062800" cy="4479120"/>
+            <a:ext cx="11062440" cy="4478760"/>
           </a:xfrm>
           <a:prstGeom prst="rect">
             <a:avLst/>
@@ -11733,6 +11739,9 @@
             </a:r>
             <a:r>
               <a:rPr b="0" lang="en-US" sz="1800" spc="-1" strike="noStrike">
+                <a:solidFill>
+                  <a:srgbClr val="000000"/>
+                </a:solidFill>
                 <a:latin typeface="Arial"/>
                 <a:ea typeface="DejaVu Sans"/>
               </a:rPr>
@@ -11743,7 +11752,7 @@
             </a:endParaRPr>
           </a:p>
           <a:p>
-            <a:pPr marL="216000" indent="-215280">
+            <a:pPr marL="216000" indent="-214920">
               <a:lnSpc>
                 <a:spcPct val="100000"/>
               </a:lnSpc>
@@ -11988,7 +11997,7 @@
         <p:spPr>
           <a:xfrm>
             <a:off x="10515240" y="6202080"/>
-            <a:ext cx="1586880" cy="414000"/>
+            <a:ext cx="1586520" cy="413640"/>
           </a:xfrm>
           <a:prstGeom prst="rect">
             <a:avLst/>
@@ -12014,7 +12023,7 @@
                 <a:spcPct val="100000"/>
               </a:lnSpc>
             </a:pPr>
-            <a:fld id="{0D7D87DF-2872-46F6-B309-ADFF87FCDE89}" type="slidenum">
+            <a:fld id="{FC55E5F1-DC1E-49E7-ADC3-5F767D627C47}" type="slidenum">
               <a:rPr b="0" lang="en-US" sz="1600" spc="-1" strike="noStrike">
                 <a:solidFill>
                   <a:srgbClr val="000000"/>
@@ -12043,7 +12052,7 @@
         <p:spPr>
           <a:xfrm>
             <a:off x="556200" y="3138480"/>
-            <a:ext cx="9755280" cy="399600"/>
+            <a:ext cx="9754920" cy="399240"/>
           </a:xfrm>
           <a:prstGeom prst="rect">
             <a:avLst/>
@@ -12066,7 +12075,7 @@
         <p:spPr>
           <a:xfrm>
             <a:off x="550800" y="4114800"/>
-            <a:ext cx="9781920" cy="542520"/>
+            <a:ext cx="9781560" cy="542160"/>
           </a:xfrm>
           <a:prstGeom prst="rect">
             <a:avLst/>
@@ -12089,7 +12098,7 @@
         <p:spPr>
           <a:xfrm>
             <a:off x="548640" y="5079240"/>
-            <a:ext cx="3666600" cy="132840"/>
+            <a:ext cx="3666240" cy="132480"/>
           </a:xfrm>
           <a:prstGeom prst="rect">
             <a:avLst/>
@@ -12138,7 +12147,7 @@
         <p:spPr>
           <a:xfrm>
             <a:off x="685800" y="0"/>
-            <a:ext cx="10959480" cy="1131840"/>
+            <a:ext cx="10959120" cy="1131480"/>
           </a:xfrm>
           <a:prstGeom prst="rect">
             <a:avLst/>
@@ -12214,7 +12223,7 @@
         <p:spPr>
           <a:xfrm>
             <a:off x="274320" y="1554480"/>
-            <a:ext cx="11062800" cy="4479120"/>
+            <a:ext cx="11062440" cy="4478760"/>
           </a:xfrm>
           <a:prstGeom prst="rect">
             <a:avLst/>
@@ -12238,7 +12247,7 @@
             <a:noAutofit/>
           </a:bodyPr>
           <a:p>
-            <a:pPr marL="216000" indent="-215280">
+            <a:pPr marL="216000" indent="-214920">
               <a:lnSpc>
                 <a:spcPct val="100000"/>
               </a:lnSpc>
@@ -12287,7 +12296,7 @@
             </a:endParaRPr>
           </a:p>
           <a:p>
-            <a:pPr marL="216000" indent="-215280">
+            <a:pPr marL="216000" indent="-214920">
               <a:lnSpc>
                 <a:spcPct val="100000"/>
               </a:lnSpc>
@@ -12368,7 +12377,7 @@
         <p:spPr>
           <a:xfrm>
             <a:off x="10515240" y="6202080"/>
-            <a:ext cx="1586880" cy="414000"/>
+            <a:ext cx="1586520" cy="413640"/>
           </a:xfrm>
           <a:prstGeom prst="rect">
             <a:avLst/>
@@ -12394,7 +12403,7 @@
                 <a:spcPct val="100000"/>
               </a:lnSpc>
             </a:pPr>
-            <a:fld id="{65EF058A-B3BF-4232-A4D2-7A11FDF528CF}" type="slidenum">
+            <a:fld id="{73C94451-DA8C-405D-946E-62B1692CD092}" type="slidenum">
               <a:rPr b="0" lang="en-US" sz="1600" spc="-1" strike="noStrike">
                 <a:solidFill>
                   <a:srgbClr val="000000"/>
@@ -12423,7 +12432,7 @@
         <p:spPr>
           <a:xfrm>
             <a:off x="573840" y="2625480"/>
-            <a:ext cx="2809440" cy="209160"/>
+            <a:ext cx="2809080" cy="208800"/>
           </a:xfrm>
           <a:prstGeom prst="rect">
             <a:avLst/>
@@ -12472,7 +12481,7 @@
         <p:spPr>
           <a:xfrm>
             <a:off x="685800" y="0"/>
-            <a:ext cx="10959480" cy="1131840"/>
+            <a:ext cx="10959120" cy="1131480"/>
           </a:xfrm>
           <a:prstGeom prst="rect">
             <a:avLst/>
@@ -12548,7 +12557,7 @@
         <p:spPr>
           <a:xfrm>
             <a:off x="274320" y="1554480"/>
-            <a:ext cx="11062800" cy="4479120"/>
+            <a:ext cx="11062440" cy="4478760"/>
           </a:xfrm>
           <a:prstGeom prst="rect">
             <a:avLst/>
@@ -12572,7 +12581,7 @@
             <a:noAutofit/>
           </a:bodyPr>
           <a:p>
-            <a:pPr marL="216000" indent="-215280">
+            <a:pPr marL="216000" indent="-214920">
               <a:lnSpc>
                 <a:spcPct val="100000"/>
               </a:lnSpc>
@@ -12685,7 +12694,7 @@
         <p:spPr>
           <a:xfrm>
             <a:off x="10515240" y="6202080"/>
-            <a:ext cx="1586880" cy="414000"/>
+            <a:ext cx="1586520" cy="413640"/>
           </a:xfrm>
           <a:prstGeom prst="rect">
             <a:avLst/>
@@ -12711,7 +12720,7 @@
                 <a:spcPct val="100000"/>
               </a:lnSpc>
             </a:pPr>
-            <a:fld id="{80DD53F3-982A-4201-ACC4-8B13BC9763F0}" type="slidenum">
+            <a:fld id="{6C649224-8F40-4327-A2B5-C53C702C9C7C}" type="slidenum">
               <a:rPr b="0" lang="en-US" sz="1600" spc="-1" strike="noStrike">
                 <a:solidFill>
                   <a:srgbClr val="000000"/>
@@ -12740,7 +12749,7 @@
         <p:spPr>
           <a:xfrm>
             <a:off x="640080" y="2377440"/>
-            <a:ext cx="6990120" cy="2703960"/>
+            <a:ext cx="6989760" cy="2703600"/>
           </a:xfrm>
           <a:prstGeom prst="rect">
             <a:avLst/>
@@ -12792,7 +12801,7 @@
         <p:spPr>
           <a:xfrm>
             <a:off x="685800" y="0"/>
-            <a:ext cx="10959480" cy="1131840"/>
+            <a:ext cx="10959120" cy="1131480"/>
           </a:xfrm>
           <a:prstGeom prst="rect">
             <a:avLst/>
@@ -12868,7 +12877,7 @@
         <p:spPr>
           <a:xfrm>
             <a:off x="274320" y="1554480"/>
-            <a:ext cx="11062800" cy="4479120"/>
+            <a:ext cx="11062440" cy="4478760"/>
           </a:xfrm>
           <a:prstGeom prst="rect">
             <a:avLst/>
@@ -12892,7 +12901,7 @@
             <a:noAutofit/>
           </a:bodyPr>
           <a:p>
-            <a:pPr marL="216000" indent="-215280">
+            <a:pPr marL="216000" indent="-214920">
               <a:lnSpc>
                 <a:spcPct val="100000"/>
               </a:lnSpc>
@@ -13005,7 +13014,7 @@
         <p:spPr>
           <a:xfrm>
             <a:off x="10515240" y="6202080"/>
-            <a:ext cx="1586880" cy="414000"/>
+            <a:ext cx="1586520" cy="413640"/>
           </a:xfrm>
           <a:prstGeom prst="rect">
             <a:avLst/>
@@ -13031,7 +13040,7 @@
                 <a:spcPct val="100000"/>
               </a:lnSpc>
             </a:pPr>
-            <a:fld id="{3924FF05-03F5-473A-808D-99C494F31E35}" type="slidenum">
+            <a:fld id="{B38CAA66-4DB2-4B67-A29E-BE664D27B6A1}" type="slidenum">
               <a:rPr b="0" lang="en-US" sz="1600" spc="-1" strike="noStrike">
                 <a:solidFill>
                   <a:srgbClr val="000000"/>
@@ -13060,7 +13069,7 @@
         <p:spPr>
           <a:xfrm>
             <a:off x="606240" y="2377440"/>
-            <a:ext cx="4970880" cy="2370600"/>
+            <a:ext cx="4970520" cy="2370240"/>
           </a:xfrm>
           <a:prstGeom prst="rect">
             <a:avLst/>
@@ -13086,7 +13095,7 @@
         <p:spPr>
           <a:xfrm>
             <a:off x="6258240" y="2377440"/>
-            <a:ext cx="4713840" cy="2833920"/>
+            <a:ext cx="4713480" cy="2833560"/>
           </a:xfrm>
           <a:prstGeom prst="rect">
             <a:avLst/>
@@ -13138,7 +13147,7 @@
         <p:spPr>
           <a:xfrm>
             <a:off x="5852160" y="365760"/>
-            <a:ext cx="5213520" cy="5850000"/>
+            <a:ext cx="5213160" cy="5849640"/>
           </a:xfrm>
           <a:prstGeom prst="rect">
             <a:avLst/>
@@ -13159,7 +13168,7 @@
             <a:noAutofit/>
           </a:bodyPr>
           <a:p>
-            <a:pPr marL="343080" indent="-340560">
+            <a:pPr marL="343080" indent="-340200">
               <a:lnSpc>
                 <a:spcPct val="90000"/>
               </a:lnSpc>
@@ -13187,7 +13196,7 @@
             </a:endParaRPr>
           </a:p>
           <a:p>
-            <a:pPr lvl="1" marL="432000" indent="-213840">
+            <a:pPr lvl="1" marL="432000" indent="-213480">
               <a:lnSpc>
                 <a:spcPct val="100000"/>
               </a:lnSpc>
@@ -13216,7 +13225,7 @@
             </a:endParaRPr>
           </a:p>
           <a:p>
-            <a:pPr lvl="1" marL="432000" indent="-213840">
+            <a:pPr lvl="1" marL="432000" indent="-213480">
               <a:lnSpc>
                 <a:spcPct val="100000"/>
               </a:lnSpc>
@@ -13245,7 +13254,7 @@
             </a:endParaRPr>
           </a:p>
           <a:p>
-            <a:pPr lvl="1" marL="432000" indent="-213840">
+            <a:pPr lvl="1" marL="432000" indent="-213480">
               <a:lnSpc>
                 <a:spcPct val="100000"/>
               </a:lnSpc>
@@ -13274,7 +13283,7 @@
             </a:endParaRPr>
           </a:p>
           <a:p>
-            <a:pPr lvl="1" marL="432000" indent="-213840">
+            <a:pPr lvl="1" marL="432000" indent="-213480">
               <a:lnSpc>
                 <a:spcPct val="100000"/>
               </a:lnSpc>
@@ -13303,7 +13312,7 @@
             </a:endParaRPr>
           </a:p>
           <a:p>
-            <a:pPr marL="343080" indent="-340560">
+            <a:pPr marL="343080" indent="-340200">
               <a:lnSpc>
                 <a:spcPct val="90000"/>
               </a:lnSpc>
@@ -13331,7 +13340,7 @@
             </a:endParaRPr>
           </a:p>
           <a:p>
-            <a:pPr marL="343080" indent="-340560">
+            <a:pPr marL="343080" indent="-340200">
               <a:lnSpc>
                 <a:spcPct val="90000"/>
               </a:lnSpc>
@@ -13359,7 +13368,7 @@
             </a:endParaRPr>
           </a:p>
           <a:p>
-            <a:pPr lvl="1" marL="432000" indent="-213840">
+            <a:pPr lvl="1" marL="432000" indent="-213480">
               <a:lnSpc>
                 <a:spcPct val="100000"/>
               </a:lnSpc>
@@ -13388,7 +13397,7 @@
             </a:endParaRPr>
           </a:p>
           <a:p>
-            <a:pPr lvl="1" marL="432000" indent="-213840">
+            <a:pPr lvl="1" marL="432000" indent="-213480">
               <a:lnSpc>
                 <a:spcPct val="100000"/>
               </a:lnSpc>
@@ -13417,7 +13426,7 @@
             </a:endParaRPr>
           </a:p>
           <a:p>
-            <a:pPr lvl="1" marL="432000" indent="-213840">
+            <a:pPr lvl="1" marL="432000" indent="-213480">
               <a:lnSpc>
                 <a:spcPct val="100000"/>
               </a:lnSpc>
@@ -13439,14 +13448,14 @@
                 <a:latin typeface="Arial"/>
                 <a:ea typeface="DejaVu Sans"/>
               </a:rPr>
-              <a:t>Dependencies and resources</a:t>
+              <a:t>Dependencies</a:t>
             </a:r>
             <a:endParaRPr b="0" lang="en-US" sz="1600" spc="-1" strike="noStrike">
               <a:latin typeface="Arial"/>
             </a:endParaRPr>
           </a:p>
           <a:p>
-            <a:pPr lvl="1" marL="432000" indent="-213840">
+            <a:pPr lvl="1" marL="432000" indent="-213480">
               <a:lnSpc>
                 <a:spcPct val="100000"/>
               </a:lnSpc>
@@ -13475,7 +13484,7 @@
             </a:endParaRPr>
           </a:p>
           <a:p>
-            <a:pPr marL="343080" indent="-340560">
+            <a:pPr marL="343080" indent="-340200">
               <a:lnSpc>
                 <a:spcPct val="90000"/>
               </a:lnSpc>
@@ -13503,7 +13512,7 @@
             </a:endParaRPr>
           </a:p>
           <a:p>
-            <a:pPr marL="343080" indent="-340560">
+            <a:pPr marL="343080" indent="-340200">
               <a:lnSpc>
                 <a:spcPct val="90000"/>
               </a:lnSpc>
@@ -13584,7 +13593,7 @@
         <p:spPr>
           <a:xfrm>
             <a:off x="685800" y="0"/>
-            <a:ext cx="10959480" cy="1131840"/>
+            <a:ext cx="10959120" cy="1131480"/>
           </a:xfrm>
           <a:prstGeom prst="rect">
             <a:avLst/>
@@ -13660,7 +13669,7 @@
         <p:spPr>
           <a:xfrm>
             <a:off x="274320" y="1554480"/>
-            <a:ext cx="11062800" cy="4479120"/>
+            <a:ext cx="11062440" cy="4478760"/>
           </a:xfrm>
           <a:prstGeom prst="rect">
             <a:avLst/>
@@ -13684,7 +13693,7 @@
             <a:noAutofit/>
           </a:bodyPr>
           <a:p>
-            <a:pPr marL="216000" indent="-215280">
+            <a:pPr marL="216000" indent="-214920">
               <a:lnSpc>
                 <a:spcPct val="100000"/>
               </a:lnSpc>
@@ -13797,7 +13806,7 @@
         <p:spPr>
           <a:xfrm>
             <a:off x="10515240" y="6202080"/>
-            <a:ext cx="1586880" cy="414000"/>
+            <a:ext cx="1586520" cy="413640"/>
           </a:xfrm>
           <a:prstGeom prst="rect">
             <a:avLst/>
@@ -13823,7 +13832,7 @@
                 <a:spcPct val="100000"/>
               </a:lnSpc>
             </a:pPr>
-            <a:fld id="{3E517C8D-904D-46A3-BC3D-C0A79273191D}" type="slidenum">
+            <a:fld id="{38FB3785-C64D-4931-8226-39CF2DC04853}" type="slidenum">
               <a:rPr b="0" lang="en-US" sz="1600" spc="-1" strike="noStrike">
                 <a:solidFill>
                   <a:srgbClr val="000000"/>
@@ -13852,7 +13861,7 @@
         <p:spPr>
           <a:xfrm>
             <a:off x="598680" y="1924560"/>
-            <a:ext cx="3332520" cy="1275120"/>
+            <a:ext cx="3332160" cy="1274760"/>
           </a:xfrm>
           <a:prstGeom prst="rect">
             <a:avLst/>
@@ -13904,7 +13913,7 @@
         <p:spPr>
           <a:xfrm>
             <a:off x="685800" y="0"/>
-            <a:ext cx="10959480" cy="1131840"/>
+            <a:ext cx="10959120" cy="1131480"/>
           </a:xfrm>
           <a:prstGeom prst="rect">
             <a:avLst/>
@@ -13980,7 +13989,7 @@
         <p:spPr>
           <a:xfrm>
             <a:off x="274320" y="1554480"/>
-            <a:ext cx="11062800" cy="4479120"/>
+            <a:ext cx="11062440" cy="4478760"/>
           </a:xfrm>
           <a:prstGeom prst="rect">
             <a:avLst/>
@@ -14004,7 +14013,7 @@
             <a:noAutofit/>
           </a:bodyPr>
           <a:p>
-            <a:pPr marL="216000" indent="-215280">
+            <a:pPr marL="216000" indent="-214920">
               <a:lnSpc>
                 <a:spcPct val="100000"/>
               </a:lnSpc>
@@ -14117,7 +14126,7 @@
         <p:spPr>
           <a:xfrm>
             <a:off x="10515240" y="6202080"/>
-            <a:ext cx="1586880" cy="414000"/>
+            <a:ext cx="1586520" cy="413640"/>
           </a:xfrm>
           <a:prstGeom prst="rect">
             <a:avLst/>
@@ -14143,7 +14152,7 @@
                 <a:spcPct val="100000"/>
               </a:lnSpc>
             </a:pPr>
-            <a:fld id="{A1DEAF3D-9D6D-41F1-93B8-679988CE1158}" type="slidenum">
+            <a:fld id="{05DD7637-47D8-466E-9078-886CA4470D1A}" type="slidenum">
               <a:rPr b="0" lang="en-US" sz="1600" spc="-1" strike="noStrike">
                 <a:solidFill>
                   <a:srgbClr val="000000"/>
@@ -14172,7 +14181,7 @@
         <p:spPr>
           <a:xfrm>
             <a:off x="499320" y="2103120"/>
-            <a:ext cx="5352120" cy="1284840"/>
+            <a:ext cx="5351760" cy="1284480"/>
           </a:xfrm>
           <a:prstGeom prst="rect">
             <a:avLst/>
@@ -14198,7 +14207,7 @@
         <p:spPr>
           <a:xfrm>
             <a:off x="5943600" y="2103120"/>
-            <a:ext cx="4685400" cy="3866040"/>
+            <a:ext cx="4685040" cy="3865680"/>
           </a:xfrm>
           <a:prstGeom prst="rect">
             <a:avLst/>
@@ -14250,7 +14259,7 @@
         <p:spPr>
           <a:xfrm>
             <a:off x="685800" y="0"/>
-            <a:ext cx="10959480" cy="1131840"/>
+            <a:ext cx="10959120" cy="1131480"/>
           </a:xfrm>
           <a:prstGeom prst="rect">
             <a:avLst/>
@@ -14326,7 +14335,7 @@
         <p:spPr>
           <a:xfrm>
             <a:off x="274320" y="1554480"/>
-            <a:ext cx="11062800" cy="4479120"/>
+            <a:ext cx="11062440" cy="4478760"/>
           </a:xfrm>
           <a:prstGeom prst="rect">
             <a:avLst/>
@@ -14350,7 +14359,7 @@
             <a:noAutofit/>
           </a:bodyPr>
           <a:p>
-            <a:pPr marL="216000" indent="-215280">
+            <a:pPr marL="216000" indent="-214920">
               <a:lnSpc>
                 <a:spcPct val="100000"/>
               </a:lnSpc>
@@ -14423,7 +14432,7 @@
         <p:spPr>
           <a:xfrm>
             <a:off x="10515240" y="6202080"/>
-            <a:ext cx="1586880" cy="414000"/>
+            <a:ext cx="1586520" cy="413640"/>
           </a:xfrm>
           <a:prstGeom prst="rect">
             <a:avLst/>
@@ -14449,7 +14458,7 @@
                 <a:spcPct val="100000"/>
               </a:lnSpc>
             </a:pPr>
-            <a:fld id="{D07A369A-26E3-4344-AA4C-59006D1C4BD3}" type="slidenum">
+            <a:fld id="{9A86F322-C365-4522-8AA6-15BAC33D1E44}" type="slidenum">
               <a:rPr b="0" lang="en-US" sz="1600" spc="-1" strike="noStrike">
                 <a:solidFill>
                   <a:srgbClr val="000000"/>
@@ -14478,7 +14487,7 @@
         <p:spPr>
           <a:xfrm>
             <a:off x="640080" y="2011680"/>
-            <a:ext cx="3003120" cy="2460960"/>
+            <a:ext cx="3002760" cy="2460600"/>
           </a:xfrm>
           <a:prstGeom prst="rect">
             <a:avLst/>
@@ -14530,7 +14539,7 @@
         <p:spPr>
           <a:xfrm>
             <a:off x="685800" y="0"/>
-            <a:ext cx="10959480" cy="1131840"/>
+            <a:ext cx="10959120" cy="1131480"/>
           </a:xfrm>
           <a:prstGeom prst="rect">
             <a:avLst/>
@@ -14606,7 +14615,7 @@
         <p:spPr>
           <a:xfrm>
             <a:off x="274320" y="1554480"/>
-            <a:ext cx="11062800" cy="4479120"/>
+            <a:ext cx="11062440" cy="4478760"/>
           </a:xfrm>
           <a:prstGeom prst="rect">
             <a:avLst/>
@@ -14630,7 +14639,7 @@
             <a:noAutofit/>
           </a:bodyPr>
           <a:p>
-            <a:pPr marL="216000" indent="-215280">
+            <a:pPr marL="216000" indent="-214920">
               <a:lnSpc>
                 <a:spcPct val="100000"/>
               </a:lnSpc>
@@ -14703,7 +14712,7 @@
         <p:spPr>
           <a:xfrm>
             <a:off x="10515240" y="6202080"/>
-            <a:ext cx="1586880" cy="414000"/>
+            <a:ext cx="1586520" cy="413640"/>
           </a:xfrm>
           <a:prstGeom prst="rect">
             <a:avLst/>
@@ -14729,7 +14738,7 @@
                 <a:spcPct val="100000"/>
               </a:lnSpc>
             </a:pPr>
-            <a:fld id="{636E170D-C712-4924-A74E-66674459CA3F}" type="slidenum">
+            <a:fld id="{2F7BE4A6-F25B-4EA9-8637-1C41A579367C}" type="slidenum">
               <a:rPr b="0" lang="en-US" sz="1600" spc="-1" strike="noStrike">
                 <a:solidFill>
                   <a:srgbClr val="000000"/>
@@ -14758,7 +14767,7 @@
         <p:spPr>
           <a:xfrm>
             <a:off x="556560" y="2194560"/>
-            <a:ext cx="2277360" cy="3748320"/>
+            <a:ext cx="2277000" cy="3747960"/>
           </a:xfrm>
           <a:prstGeom prst="rect">
             <a:avLst/>
@@ -14810,7 +14819,7 @@
         <p:spPr>
           <a:xfrm>
             <a:off x="685800" y="0"/>
-            <a:ext cx="10959480" cy="1131840"/>
+            <a:ext cx="10959120" cy="1131480"/>
           </a:xfrm>
           <a:prstGeom prst="rect">
             <a:avLst/>
@@ -14861,27 +14870,7 @@
               </a:rPr>
               <a:t>Dependencies</a:t>
             </a:r>
-            <a:r>
-              <a:rPr b="0" lang="en-US" sz="1800" spc="-1" strike="noStrike">
-                <a:solidFill>
-                  <a:srgbClr val="000000"/>
-                </a:solidFill>
-                <a:latin typeface="Arial"/>
-                <a:ea typeface="DejaVu Sans"/>
-              </a:rPr>
-              <a:t> and resources</a:t>
-            </a:r>
-            <a:r>
-              <a:rPr b="0" lang="en-US" sz="2200" spc="-1" strike="noStrike">
-                <a:solidFill>
-                  <a:srgbClr val="000000"/>
-                </a:solidFill>
-                <a:latin typeface="Arial"/>
-                <a:ea typeface="Noto Sans CJK SC"/>
-              </a:rPr>
-              <a:t> - 1</a:t>
-            </a:r>
-            <a:endParaRPr b="0" lang="en-US" sz="2200" spc="-1" strike="noStrike">
+            <a:endParaRPr b="0" lang="en-US" sz="1800" spc="-1" strike="noStrike">
               <a:latin typeface="Arial"/>
             </a:endParaRPr>
           </a:p>
@@ -14896,7 +14885,7 @@
         <p:spPr>
           <a:xfrm>
             <a:off x="274320" y="1554480"/>
-            <a:ext cx="11062800" cy="4479120"/>
+            <a:ext cx="11062440" cy="4478760"/>
           </a:xfrm>
           <a:prstGeom prst="rect">
             <a:avLst/>
@@ -15287,7 +15276,7 @@
         <p:spPr>
           <a:xfrm>
             <a:off x="10515240" y="6202080"/>
-            <a:ext cx="1586880" cy="414000"/>
+            <a:ext cx="1586520" cy="413640"/>
           </a:xfrm>
           <a:prstGeom prst="rect">
             <a:avLst/>
@@ -15313,7 +15302,7 @@
                 <a:spcPct val="100000"/>
               </a:lnSpc>
             </a:pPr>
-            <a:fld id="{DD7430D2-A38C-49D1-A4D7-6B49462553EF}" type="slidenum">
+            <a:fld id="{7798C606-D80F-48D2-8D00-2E589DD28E30}" type="slidenum">
               <a:rPr b="0" lang="en-US" sz="1600" spc="-1" strike="noStrike">
                 <a:solidFill>
                   <a:srgbClr val="000000"/>
@@ -15342,7 +15331,7 @@
         <p:spPr>
           <a:xfrm>
             <a:off x="404640" y="4872600"/>
-            <a:ext cx="6752520" cy="1113120"/>
+            <a:ext cx="6752160" cy="1112760"/>
           </a:xfrm>
           <a:prstGeom prst="rect">
             <a:avLst/>
@@ -15391,7 +15380,7 @@
         <p:spPr>
           <a:xfrm>
             <a:off x="685800" y="0"/>
-            <a:ext cx="10959480" cy="1131840"/>
+            <a:ext cx="10959120" cy="1131480"/>
           </a:xfrm>
           <a:prstGeom prst="rect">
             <a:avLst/>
@@ -15433,24 +15422,24 @@
             <a:br/>
             <a:br/>
             <a:r>
-              <a:rPr b="0" lang="en-US" sz="1800" spc="-1" strike="noStrike">
+              <a:rPr b="1" lang="en-US" sz="1800" spc="-1" strike="noStrike">
                 <a:solidFill>
                   <a:srgbClr val="000000"/>
                 </a:solidFill>
                 <a:latin typeface="Arial"/>
                 <a:ea typeface="DejaVu Sans"/>
               </a:rPr>
-              <a:t>Dependencies and </a:t>
-            </a:r>
-            <a:r>
-              <a:rPr b="1" lang="en-US" sz="1800" spc="-1" strike="noStrike">
+              <a:t>Conditional statements</a:t>
+            </a:r>
+            <a:r>
+              <a:rPr b="0" lang="en-US" sz="1800" spc="-1" strike="noStrike">
                 <a:solidFill>
                   <a:srgbClr val="000000"/>
                 </a:solidFill>
                 <a:latin typeface="Arial"/>
                 <a:ea typeface="DejaVu Sans"/>
               </a:rPr>
-              <a:t>resources</a:t>
+              <a:t> and loops</a:t>
             </a:r>
             <a:r>
               <a:rPr b="0" lang="en-US" sz="2200" spc="-1" strike="noStrike">
@@ -15460,7 +15449,7 @@
                 <a:latin typeface="Arial"/>
                 <a:ea typeface="Noto Sans CJK SC"/>
               </a:rPr>
-              <a:t> - 2</a:t>
+              <a:t> - 1</a:t>
             </a:r>
             <a:endParaRPr b="0" lang="en-US" sz="2200" spc="-1" strike="noStrike">
               <a:latin typeface="Arial"/>
@@ -15477,7 +15466,7 @@
         <p:spPr>
           <a:xfrm>
             <a:off x="274320" y="1554480"/>
-            <a:ext cx="11062800" cy="4479120"/>
+            <a:ext cx="11062440" cy="4478760"/>
           </a:xfrm>
           <a:prstGeom prst="rect">
             <a:avLst/>
@@ -15528,7 +15517,67 @@
                 <a:latin typeface="Arial"/>
                 <a:ea typeface="DejaVu Sans"/>
               </a:rPr>
-              <a:t>: specify Kubernetes resources that should be created, managed, or updated.</a:t>
+              <a:t>: control the flow and behavior of Helm templates based on specific conditions or values. They include </a:t>
+            </a:r>
+            <a:r>
+              <a:rPr b="0" lang="en-US" sz="1800" spc="-1" strike="noStrike">
+                <a:solidFill>
+                  <a:srgbClr val="c9211e"/>
+                </a:solidFill>
+                <a:latin typeface="Arial"/>
+                <a:ea typeface="DejaVu Sans"/>
+              </a:rPr>
+              <a:t>if</a:t>
+            </a:r>
+            <a:r>
+              <a:rPr b="0" lang="en-US" sz="1800" spc="-1" strike="noStrike">
+                <a:solidFill>
+                  <a:srgbClr val="000000"/>
+                </a:solidFill>
+                <a:latin typeface="Arial"/>
+                <a:ea typeface="DejaVu Sans"/>
+              </a:rPr>
+              <a:t>, </a:t>
+            </a:r>
+            <a:r>
+              <a:rPr b="0" lang="en-US" sz="1800" spc="-1" strike="noStrike">
+                <a:solidFill>
+                  <a:srgbClr val="c9211e"/>
+                </a:solidFill>
+                <a:latin typeface="Arial"/>
+                <a:ea typeface="DejaVu Sans"/>
+              </a:rPr>
+              <a:t>else</a:t>
+            </a:r>
+            <a:r>
+              <a:rPr b="0" lang="en-US" sz="1800" spc="-1" strike="noStrike">
+                <a:solidFill>
+                  <a:srgbClr val="000000"/>
+                </a:solidFill>
+                <a:latin typeface="Arial"/>
+                <a:ea typeface="DejaVu Sans"/>
+              </a:rPr>
+              <a:t>, and </a:t>
+            </a:r>
+            <a:r>
+              <a:rPr b="0" lang="en-US" sz="1800" spc="-1" strike="noStrike">
+                <a:solidFill>
+                  <a:srgbClr val="c9211e"/>
+                </a:solidFill>
+                <a:latin typeface="Arial"/>
+                <a:ea typeface="DejaVu Sans"/>
+              </a:rPr>
+              <a:t>with</a:t>
+            </a:r>
+            <a:r>
+              <a:rPr b="0" lang="en-US" sz="1800" spc="-1" strike="noStrike">
+                <a:solidFill>
+                  <a:srgbClr val="000000"/>
+                </a:solidFill>
+                <a:latin typeface="Arial"/>
+                <a:ea typeface="DejaVu Sans"/>
+              </a:rPr>
+              <a:t> statements.</a:t>
             </a:r>
             <a:endParaRPr b="0" lang="en-US" sz="1800" spc="-1" strike="noStrike">
               <a:latin typeface="Arial"/>
@@ -15552,7 +15601,7 @@
                 <a:latin typeface="Arial"/>
                 <a:ea typeface="DejaVu Sans"/>
               </a:rPr>
-              <a:t>Configuration</a:t>
+              <a:t>Exampe</a:t>
             </a:r>
             <a:r>
               <a:rPr b="0" lang="en-US" sz="1800" spc="-1" strike="noStrike">
@@ -15562,8 +15611,40 @@
                 <a:latin typeface="Arial"/>
                 <a:ea typeface="DejaVu Sans"/>
               </a:rPr>
-              <a:t>: In “</a:t>
-            </a:r>
+              <a:t>: </a:t>
+            </a:r>
+            <a:br/>
+            <a:r>
+              <a:rPr b="0" lang="en-US" sz="1800" spc="-1" strike="noStrike">
+                <a:solidFill>
+                  <a:srgbClr val="000000"/>
+                </a:solidFill>
+                <a:latin typeface="Arial"/>
+                <a:ea typeface="DejaVu Sans"/>
+              </a:rPr>
+              <a:t>In “</a:t>
+            </a:r>
+            <a:r>
+              <a:rPr b="0" lang="en-US" sz="1800" spc="-1" strike="noStrike">
+                <a:solidFill>
+                  <a:srgbClr val="c9211e"/>
+                </a:solidFill>
+                <a:latin typeface="Arial"/>
+                <a:ea typeface="DejaVu Sans"/>
+              </a:rPr>
+              <a:t>values.yaml</a:t>
+            </a:r>
+            <a:r>
+              <a:rPr b="0" lang="en-US" sz="1800" spc="-1" strike="noStrike">
+                <a:solidFill>
+                  <a:srgbClr val="000000"/>
+                </a:solidFill>
+                <a:latin typeface="Arial"/>
+                <a:ea typeface="DejaVu Sans"/>
+              </a:rPr>
+              <a:t>”</a:t>
+            </a:r>
+            <a:br/>
             <a:r>
               <a:rPr b="0" lang="en-US" sz="1800" spc="-1" strike="noStrike">
                 <a:solidFill>
@@ -15572,160 +15653,7 @@
                 <a:latin typeface="Arial"/>
                 <a:ea typeface="DejaVu Sans"/>
               </a:rPr>
-              <a:t>Chart.yaml</a:t>
-            </a:r>
-            <a:r>
-              <a:rPr b="0" lang="en-US" sz="1800" spc="-1" strike="noStrike">
-                <a:solidFill>
-                  <a:srgbClr val="000000"/>
-                </a:solidFill>
-                <a:latin typeface="Arial"/>
-                <a:ea typeface="DejaVu Sans"/>
-              </a:rPr>
-              <a:t>”, we typically define </a:t>
-            </a:r>
-            <a:r>
-              <a:rPr b="0" lang="en-US" sz="1800" spc="-1" strike="noStrike">
-                <a:solidFill>
-                  <a:srgbClr val="c9211e"/>
-                </a:solidFill>
-                <a:latin typeface="Arial"/>
-                <a:ea typeface="DejaVu Sans"/>
-              </a:rPr>
-              <a:t>kind</a:t>
-            </a:r>
-            <a:r>
-              <a:rPr b="0" lang="en-US" sz="1800" spc="-1" strike="noStrike">
-                <a:solidFill>
-                  <a:srgbClr val="000000"/>
-                </a:solidFill>
-                <a:latin typeface="Arial"/>
-                <a:ea typeface="DejaVu Sans"/>
-              </a:rPr>
-              <a:t>, </a:t>
-            </a:r>
-            <a:r>
-              <a:rPr b="0" lang="en-US" sz="1800" spc="-1" strike="noStrike">
-                <a:solidFill>
-                  <a:srgbClr val="c9211e"/>
-                </a:solidFill>
-                <a:latin typeface="Arial"/>
-                <a:ea typeface="DejaVu Sans"/>
-              </a:rPr>
-              <a:t>name</a:t>
-            </a:r>
-            <a:r>
-              <a:rPr b="0" lang="en-US" sz="1800" spc="-1" strike="noStrike">
-                <a:solidFill>
-                  <a:srgbClr val="000000"/>
-                </a:solidFill>
-                <a:latin typeface="Arial"/>
-                <a:ea typeface="DejaVu Sans"/>
-              </a:rPr>
-              <a:t> for selections as in</a:t>
-            </a:r>
-            <a:br/>
-            <a:r>
-              <a:rPr b="0" lang="en-US" sz="1800" spc="-1" strike="noStrike">
-                <a:solidFill>
-                  <a:srgbClr val="c9211e"/>
-                </a:solidFill>
-                <a:latin typeface="Arial"/>
-                <a:ea typeface="DejaVu Sans"/>
-              </a:rPr>
-              <a:t>resources</a:t>
-            </a:r>
-            <a:r>
-              <a:rPr b="0" lang="en-US" sz="1800" spc="-1" strike="noStrike">
-                <a:solidFill>
-                  <a:srgbClr val="000000"/>
-                </a:solidFill>
-                <a:latin typeface="Arial"/>
-                <a:ea typeface="DejaVu Sans"/>
-              </a:rPr>
-              <a:t>:</a:t>
-            </a:r>
-            <a:br/>
-            <a:r>
-              <a:rPr b="0" lang="en-US" sz="1800" spc="-1" strike="noStrike">
-                <a:solidFill>
-                  <a:srgbClr val="000000"/>
-                </a:solidFill>
-                <a:latin typeface="Arial"/>
-                <a:ea typeface="DejaVu Sans"/>
-              </a:rPr>
-              <a:t>  - </a:t>
-            </a:r>
-            <a:r>
-              <a:rPr b="0" lang="en-US" sz="1800" spc="-1" strike="noStrike">
-                <a:solidFill>
-                  <a:srgbClr val="c9211e"/>
-                </a:solidFill>
-                <a:latin typeface="Arial"/>
-                <a:ea typeface="DejaVu Sans"/>
-              </a:rPr>
-              <a:t>kind</a:t>
-            </a:r>
-            <a:r>
-              <a:rPr b="0" lang="en-US" sz="1800" spc="-1" strike="noStrike">
-                <a:solidFill>
-                  <a:srgbClr val="000000"/>
-                </a:solidFill>
-                <a:latin typeface="Arial"/>
-                <a:ea typeface="DejaVu Sans"/>
-              </a:rPr>
-              <a:t>: </a:t>
-            </a:r>
-            <a:r>
-              <a:rPr b="0" lang="en-US" sz="1800" spc="-1" strike="noStrike">
-                <a:solidFill>
-                  <a:srgbClr val="00a933"/>
-                </a:solidFill>
-                <a:latin typeface="Arial"/>
-                <a:ea typeface="DejaVu Sans"/>
-              </a:rPr>
-              <a:t>Deployment</a:t>
-            </a:r>
-            <a:br/>
-            <a:r>
-              <a:rPr b="0" lang="en-US" sz="1800" spc="-1" strike="noStrike">
-                <a:solidFill>
-                  <a:srgbClr val="000000"/>
-                </a:solidFill>
-                <a:latin typeface="Arial"/>
-                <a:ea typeface="DejaVu Sans"/>
-              </a:rPr>
-              <a:t>    </a:t>
-            </a:r>
-            <a:r>
-              <a:rPr b="0" lang="en-US" sz="1800" spc="-1" strike="noStrike">
-                <a:solidFill>
-                  <a:srgbClr val="c9211e"/>
-                </a:solidFill>
-                <a:latin typeface="Arial"/>
-                <a:ea typeface="DejaVu Sans"/>
-              </a:rPr>
-              <a:t>name</a:t>
-            </a:r>
-            <a:r>
-              <a:rPr b="0" lang="en-US" sz="1800" spc="-1" strike="noStrike">
-                <a:solidFill>
-                  <a:srgbClr val="000000"/>
-                </a:solidFill>
-                <a:latin typeface="Arial"/>
-                <a:ea typeface="DejaVu Sans"/>
-              </a:rPr>
-              <a:t>: </a:t>
-            </a:r>
-            <a:r>
-              <a:rPr b="0" lang="en-US" sz="1800" spc="-1" strike="noStrike">
-                <a:solidFill>
-                  <a:srgbClr val="00a933"/>
-                </a:solidFill>
-                <a:latin typeface="Arial"/>
-                <a:ea typeface="DejaVu Sans"/>
-              </a:rPr>
-              <a:t>frontend</a:t>
+              <a:t>createService: true</a:t>
             </a:r>
             <a:endParaRPr b="0" lang="en-US" sz="1800" spc="-1" strike="noStrike">
               <a:latin typeface="Arial"/>
@@ -15740,6 +15668,37 @@
                 <a:spcPts val="1417"/>
               </a:spcBef>
             </a:pPr>
+            <a:r>
+              <a:rPr b="0" lang="en-US" sz="1800" spc="-1" strike="noStrike">
+                <a:solidFill>
+                  <a:srgbClr val="000000"/>
+                </a:solidFill>
+                <a:latin typeface="Arial"/>
+                <a:ea typeface="DejaVu Sans"/>
+              </a:rPr>
+              <a:t>In “</a:t>
+            </a:r>
+            <a:r>
+              <a:rPr b="0" lang="en-US" sz="1800" spc="-1" strike="noStrike">
+                <a:solidFill>
+                  <a:srgbClr val="c9211e"/>
+                </a:solidFill>
+                <a:latin typeface="Arial"/>
+                <a:ea typeface="DejaVu Sans"/>
+              </a:rPr>
+              <a:t>service.yaml</a:t>
+            </a:r>
+            <a:r>
+              <a:rPr b="0" lang="en-US" sz="1800" spc="-1" strike="noStrike">
+                <a:solidFill>
+                  <a:srgbClr val="000000"/>
+                </a:solidFill>
+                <a:latin typeface="Arial"/>
+                <a:ea typeface="DejaVu Sans"/>
+              </a:rPr>
+              <a:t>”</a:t>
+            </a:r>
+            <a:br/>
             <a:endParaRPr b="0" lang="en-US" sz="1800" spc="-1" strike="noStrike">
               <a:latin typeface="Arial"/>
             </a:endParaRPr>
@@ -15755,7 +15714,7 @@
         <p:spPr>
           <a:xfrm>
             <a:off x="10515240" y="6202080"/>
-            <a:ext cx="1586880" cy="414000"/>
+            <a:ext cx="1586520" cy="413640"/>
           </a:xfrm>
           <a:prstGeom prst="rect">
             <a:avLst/>
@@ -15781,7 +15740,7 @@
                 <a:spcPct val="100000"/>
               </a:lnSpc>
             </a:pPr>
-            <a:fld id="{11A56402-F95B-499A-8B1A-BE30CB7FE4D4}" type="slidenum">
+            <a:fld id="{7F126CE9-575E-4204-A4B2-3E67F96B716D}" type="slidenum">
               <a:rPr b="0" lang="en-US" sz="1600" spc="-1" strike="noStrike">
                 <a:solidFill>
                   <a:srgbClr val="000000"/>
@@ -15797,6 +15756,52 @@
           </a:p>
         </p:txBody>
       </p:sp>
+      <p:pic>
+        <p:nvPicPr>
+          <p:cNvPr id="301" name="" descr=""/>
+          <p:cNvPicPr/>
+          <p:nvPr/>
+        </p:nvPicPr>
+        <p:blipFill>
+          <a:blip r:embed="rId1"/>
+          <a:stretch/>
+        </p:blipFill>
+        <p:spPr>
+          <a:xfrm>
+            <a:off x="398880" y="3634560"/>
+            <a:ext cx="2885040" cy="2134080"/>
+          </a:xfrm>
+          <a:prstGeom prst="rect">
+            <a:avLst/>
+          </a:prstGeom>
+          <a:ln>
+            <a:noFill/>
+          </a:ln>
+        </p:spPr>
+      </p:pic>
+      <p:pic>
+        <p:nvPicPr>
+          <p:cNvPr id="302" name="" descr=""/>
+          <p:cNvPicPr/>
+          <p:nvPr/>
+        </p:nvPicPr>
+        <p:blipFill>
+          <a:blip r:embed="rId2"/>
+          <a:stretch/>
+        </p:blipFill>
+        <p:spPr>
+          <a:xfrm>
+            <a:off x="3415680" y="3632760"/>
+            <a:ext cx="2894400" cy="2143440"/>
+          </a:xfrm>
+          <a:prstGeom prst="rect">
+            <a:avLst/>
+          </a:prstGeom>
+          <a:ln>
+            <a:noFill/>
+          </a:ln>
+        </p:spPr>
+      </p:pic>
     </p:spTree>
   </p:cSld>
   <mc:AlternateContent>
@@ -15829,14 +15834,14 @@
       </p:grpSpPr>
       <p:sp>
         <p:nvSpPr>
-          <p:cNvPr id="301" name="CustomShape 1"/>
+          <p:cNvPr id="303" name="CustomShape 1"/>
           <p:cNvSpPr/>
           <p:nvPr/>
         </p:nvSpPr>
         <p:spPr>
           <a:xfrm>
             <a:off x="685800" y="0"/>
-            <a:ext cx="10959480" cy="1131840"/>
+            <a:ext cx="10959120" cy="1131480"/>
           </a:xfrm>
           <a:prstGeom prst="rect">
             <a:avLst/>
@@ -15878,6 +15883,16 @@
             <a:br/>
             <a:br/>
             <a:r>
+              <a:rPr b="0" lang="en-US" sz="1800" spc="-1" strike="noStrike">
+                <a:solidFill>
+                  <a:srgbClr val="000000"/>
+                </a:solidFill>
+                <a:latin typeface="Arial"/>
+                <a:ea typeface="DejaVu Sans"/>
+              </a:rPr>
+              <a:t>Conditional statements and </a:t>
+            </a:r>
+            <a:r>
               <a:rPr b="1" lang="en-US" sz="1800" spc="-1" strike="noStrike">
                 <a:solidFill>
                   <a:srgbClr val="000000"/>
@@ -15885,27 +15900,17 @@
                 <a:latin typeface="Arial"/>
                 <a:ea typeface="DejaVu Sans"/>
               </a:rPr>
-              <a:t>Conditional statements</a:t>
-            </a:r>
-            <a:r>
-              <a:rPr b="0" lang="en-US" sz="1800" spc="-1" strike="noStrike">
+              <a:t>loops</a:t>
+            </a:r>
+            <a:r>
+              <a:rPr b="0" lang="en-US" sz="2200" spc="-1" strike="noStrike">
                 <a:solidFill>
                   <a:srgbClr val="000000"/>
                 </a:solidFill>
                 <a:latin typeface="Arial"/>
-                <a:ea typeface="DejaVu Sans"/>
-              </a:rPr>
-              <a:t> and loops</a:t>
-            </a:r>
-            <a:r>
-              <a:rPr b="0" lang="en-US" sz="2200" spc="-1" strike="noStrike">
-                <a:solidFill>
-                  <a:srgbClr val="000000"/>
-                </a:solidFill>
-                <a:latin typeface="Arial"/>
                 <a:ea typeface="Noto Sans CJK SC"/>
               </a:rPr>
-              <a:t> - 1</a:t>
+              <a:t> - 2</a:t>
             </a:r>
             <a:endParaRPr b="0" lang="en-US" sz="2200" spc="-1" strike="noStrike">
               <a:latin typeface="Arial"/>
@@ -15915,14 +15920,14 @@
       </p:sp>
       <p:sp>
         <p:nvSpPr>
-          <p:cNvPr id="302" name="CustomShape 2"/>
+          <p:cNvPr id="304" name="CustomShape 2"/>
           <p:cNvSpPr/>
           <p:nvPr/>
         </p:nvSpPr>
         <p:spPr>
           <a:xfrm>
             <a:off x="274320" y="1554480"/>
-            <a:ext cx="11062800" cy="4479120"/>
+            <a:ext cx="11062440" cy="4478760"/>
           </a:xfrm>
           <a:prstGeom prst="rect">
             <a:avLst/>
@@ -15973,7 +15978,7 @@
                 <a:latin typeface="Arial"/>
                 <a:ea typeface="DejaVu Sans"/>
               </a:rPr>
-              <a:t>: control the flow and behavior of Helm templates based on specific conditions or values. They include </a:t>
+              <a:t>: loop through items in a collection and execute a block of code for each item. It onlny includes </a:t>
             </a:r>
             <a:r>
               <a:rPr b="0" lang="en-US" sz="1800" spc="-1" strike="noStrike">
@@ -15983,47 +15988,7 @@
                 <a:latin typeface="Arial"/>
                 <a:ea typeface="DejaVu Sans"/>
               </a:rPr>
-              <a:t>if</a:t>
-            </a:r>
-            <a:r>
-              <a:rPr b="0" lang="en-US" sz="1800" spc="-1" strike="noStrike">
-                <a:solidFill>
-                  <a:srgbClr val="000000"/>
-                </a:solidFill>
-                <a:latin typeface="Arial"/>
-                <a:ea typeface="DejaVu Sans"/>
-              </a:rPr>
-              <a:t>, </a:t>
-            </a:r>
-            <a:r>
-              <a:rPr b="0" lang="en-US" sz="1800" spc="-1" strike="noStrike">
-                <a:solidFill>
-                  <a:srgbClr val="c9211e"/>
-                </a:solidFill>
-                <a:latin typeface="Arial"/>
-                <a:ea typeface="DejaVu Sans"/>
-              </a:rPr>
-              <a:t>else</a:t>
-            </a:r>
-            <a:r>
-              <a:rPr b="0" lang="en-US" sz="1800" spc="-1" strike="noStrike">
-                <a:solidFill>
-                  <a:srgbClr val="000000"/>
-                </a:solidFill>
-                <a:latin typeface="Arial"/>
-                <a:ea typeface="DejaVu Sans"/>
-              </a:rPr>
-              <a:t>, and </a:t>
-            </a:r>
-            <a:r>
-              <a:rPr b="0" lang="en-US" sz="1800" spc="-1" strike="noStrike">
-                <a:solidFill>
-                  <a:srgbClr val="c9211e"/>
-                </a:solidFill>
-                <a:latin typeface="Arial"/>
-                <a:ea typeface="DejaVu Sans"/>
-              </a:rPr>
-              <a:t>with</a:t>
+              <a:t>range</a:t>
             </a:r>
             <a:r>
               <a:rPr b="0" lang="en-US" sz="1800" spc="-1" strike="noStrike">
@@ -16049,16 +16014,16 @@
               </a:spcBef>
             </a:pPr>
             <a:r>
-              <a:rPr b="0" lang="en-US" sz="1800" spc="-1" strike="noStrike" u="sng">
+              <a:rPr b="0" lang="en-US" sz="1800" spc="-1" strike="noStrike">
                 <a:solidFill>
                   <a:srgbClr val="000000"/>
                 </a:solidFill>
-                <a:uFillTx/>
-                <a:latin typeface="Arial"/>
-                <a:ea typeface="DejaVu Sans"/>
-              </a:rPr>
-              <a:t>Exampe</a:t>
-            </a:r>
+                <a:latin typeface="Arial"/>
+                <a:ea typeface="DejaVu Sans"/>
+              </a:rPr>
+              <a:t>Exampe:</a:t>
+            </a:r>
+            <a:br/>
             <a:r>
               <a:rPr b="0" lang="en-US" sz="1800" spc="-1" strike="noStrike">
                 <a:solidFill>
@@ -16067,50 +16032,10 @@
                 <a:latin typeface="Arial"/>
                 <a:ea typeface="DejaVu Sans"/>
               </a:rPr>
-              <a:t>: </a:t>
+              <a:t>- input: </a:t>
             </a:r>
             <a:br/>
-            <a:r>
-              <a:rPr b="0" lang="en-US" sz="1800" spc="-1" strike="noStrike">
-                <a:solidFill>
-                  <a:srgbClr val="000000"/>
-                </a:solidFill>
-                <a:latin typeface="Arial"/>
-                <a:ea typeface="DejaVu Sans"/>
-              </a:rPr>
-              <a:t>In “</a:t>
-            </a:r>
-            <a:r>
-              <a:rPr b="0" lang="en-US" sz="1800" spc="-1" strike="noStrike">
-                <a:solidFill>
-                  <a:srgbClr val="c9211e"/>
-                </a:solidFill>
-                <a:latin typeface="Arial"/>
-                <a:ea typeface="DejaVu Sans"/>
-              </a:rPr>
-              <a:t>values.yaml</a:t>
-            </a:r>
-            <a:r>
-              <a:rPr b="0" lang="en-US" sz="1800" spc="-1" strike="noStrike">
-                <a:solidFill>
-                  <a:srgbClr val="000000"/>
-                </a:solidFill>
-                <a:latin typeface="Arial"/>
-                <a:ea typeface="DejaVu Sans"/>
-              </a:rPr>
-              <a:t>”</a:t>
-            </a:r>
             <a:br/>
-            <a:r>
-              <a:rPr b="0" lang="en-US" sz="1800" spc="-1" strike="noStrike">
-                <a:solidFill>
-                  <a:srgbClr val="00a933"/>
-                </a:solidFill>
-                <a:latin typeface="Arial"/>
-                <a:ea typeface="DejaVu Sans"/>
-              </a:rPr>
-              <a:t>createService: true</a:t>
-            </a:r>
             <a:endParaRPr b="0" lang="en-US" sz="1800" spc="-1" strike="noStrike">
               <a:latin typeface="Arial"/>
             </a:endParaRPr>
@@ -16124,53 +16049,60 @@
                 <a:spcPts val="1417"/>
               </a:spcBef>
             </a:pPr>
-            <a:r>
-              <a:rPr b="0" lang="en-US" sz="1800" spc="-1" strike="noStrike">
-                <a:solidFill>
-                  <a:srgbClr val="000000"/>
-                </a:solidFill>
-                <a:latin typeface="Arial"/>
-                <a:ea typeface="DejaVu Sans"/>
-              </a:rPr>
-              <a:t>In “</a:t>
-            </a:r>
-            <a:r>
-              <a:rPr b="0" lang="en-US" sz="1800" spc="-1" strike="noStrike">
-                <a:solidFill>
-                  <a:srgbClr val="c9211e"/>
-                </a:solidFill>
-                <a:latin typeface="Arial"/>
-                <a:ea typeface="DejaVu Sans"/>
-              </a:rPr>
-              <a:t>service.yaml</a:t>
-            </a:r>
-            <a:r>
-              <a:rPr b="0" lang="en-US" sz="1800" spc="-1" strike="noStrike">
-                <a:solidFill>
-                  <a:srgbClr val="000000"/>
-                </a:solidFill>
-                <a:latin typeface="Arial"/>
-                <a:ea typeface="DejaVu Sans"/>
-              </a:rPr>
-              <a:t>”</a:t>
-            </a:r>
             <a:br/>
             <a:endParaRPr b="0" lang="en-US" sz="1800" spc="-1" strike="noStrike">
               <a:latin typeface="Arial"/>
             </a:endParaRPr>
           </a:p>
-        </p:txBody>
-      </p:sp>
-      <p:sp>
-        <p:nvSpPr>
-          <p:cNvPr id="303" name="CustomShape 3"/>
+          <a:p>
+            <a:pPr>
+              <a:lnSpc>
+                <a:spcPct val="100000"/>
+              </a:lnSpc>
+              <a:spcBef>
+                <a:spcPts val="1417"/>
+              </a:spcBef>
+            </a:pPr>
+            <a:br/>
+            <a:r>
+              <a:rPr b="0" lang="en-US" sz="1800" spc="-1" strike="noStrike">
+                <a:solidFill>
+                  <a:srgbClr val="000000"/>
+                </a:solidFill>
+                <a:latin typeface="Arial"/>
+                <a:ea typeface="DejaVu Sans"/>
+              </a:rPr>
+              <a:t>- output:</a:t>
+            </a:r>
+            <a:endParaRPr b="0" lang="en-US" sz="1800" spc="-1" strike="noStrike">
+              <a:latin typeface="Arial"/>
+            </a:endParaRPr>
+          </a:p>
+          <a:p>
+            <a:pPr>
+              <a:lnSpc>
+                <a:spcPct val="100000"/>
+              </a:lnSpc>
+              <a:spcBef>
+                <a:spcPts val="1417"/>
+              </a:spcBef>
+            </a:pPr>
+            <a:endParaRPr b="0" lang="en-US" sz="1800" spc="-1" strike="noStrike">
+              <a:latin typeface="Arial"/>
+            </a:endParaRPr>
+          </a:p>
+        </p:txBody>
+      </p:sp>
+      <p:sp>
+        <p:nvSpPr>
+          <p:cNvPr id="305" name="CustomShape 3"/>
           <p:cNvSpPr/>
           <p:nvPr/>
         </p:nvSpPr>
         <p:spPr>
           <a:xfrm>
             <a:off x="10515240" y="6202080"/>
-            <a:ext cx="1586880" cy="414000"/>
+            <a:ext cx="1586520" cy="413640"/>
           </a:xfrm>
           <a:prstGeom prst="rect">
             <a:avLst/>
@@ -16196,7 +16128,7 @@
                 <a:spcPct val="100000"/>
               </a:lnSpc>
             </a:pPr>
-            <a:fld id="{95810D2A-C5AE-4D37-BD5A-D7C0D816CD83}" type="slidenum">
+            <a:fld id="{09C89F8D-1B4F-4D05-BB6E-869A11E73132}" type="slidenum">
               <a:rPr b="0" lang="en-US" sz="1600" spc="-1" strike="noStrike">
                 <a:solidFill>
                   <a:srgbClr val="000000"/>
@@ -16204,7 +16136,7 @@
                 <a:latin typeface="Times New Roman"/>
                 <a:ea typeface="DejaVu Sans"/>
               </a:rPr>
-              <a:t>1</a:t>
+              <a:t>&lt;number&gt;</a:t>
             </a:fld>
             <a:endParaRPr b="0" lang="en-US" sz="1600" spc="-1" strike="noStrike">
               <a:latin typeface="Arial"/>
@@ -16214,7 +16146,7 @@
       </p:sp>
       <p:pic>
         <p:nvPicPr>
-          <p:cNvPr id="304" name="" descr=""/>
+          <p:cNvPr id="306" name="" descr=""/>
           <p:cNvPicPr/>
           <p:nvPr/>
         </p:nvPicPr>
@@ -16224,8 +16156,8 @@
         </p:blipFill>
         <p:spPr>
           <a:xfrm>
-            <a:off x="398880" y="3634560"/>
-            <a:ext cx="2885400" cy="2134440"/>
+            <a:off x="1122480" y="2677680"/>
+            <a:ext cx="1912680" cy="1588680"/>
           </a:xfrm>
           <a:prstGeom prst="rect">
             <a:avLst/>
@@ -16237,7 +16169,7 @@
       </p:pic>
       <p:pic>
         <p:nvPicPr>
-          <p:cNvPr id="305" name="" descr=""/>
+          <p:cNvPr id="307" name="" descr=""/>
           <p:cNvPicPr/>
           <p:nvPr/>
         </p:nvPicPr>
@@ -16247,8 +16179,31 @@
         </p:blipFill>
         <p:spPr>
           <a:xfrm>
-            <a:off x="3415680" y="3632760"/>
-            <a:ext cx="2894760" cy="2143800"/>
+            <a:off x="3075480" y="2681280"/>
+            <a:ext cx="2970720" cy="1577160"/>
+          </a:xfrm>
+          <a:prstGeom prst="rect">
+            <a:avLst/>
+          </a:prstGeom>
+          <a:ln>
+            <a:noFill/>
+          </a:ln>
+        </p:spPr>
+      </p:pic>
+      <p:pic>
+        <p:nvPicPr>
+          <p:cNvPr id="308" name="" descr=""/>
+          <p:cNvPicPr/>
+          <p:nvPr/>
+        </p:nvPicPr>
+        <p:blipFill>
+          <a:blip r:embed="rId3"/>
+          <a:stretch/>
+        </p:blipFill>
+        <p:spPr>
+          <a:xfrm>
+            <a:off x="1209240" y="4628880"/>
+            <a:ext cx="2304000" cy="1398960"/>
           </a:xfrm>
           <a:prstGeom prst="rect">
             <a:avLst/>
@@ -16290,14 +16245,14 @@
       </p:grpSpPr>
       <p:sp>
         <p:nvSpPr>
-          <p:cNvPr id="306" name="CustomShape 1"/>
+          <p:cNvPr id="309" name="CustomShape 1"/>
           <p:cNvSpPr/>
           <p:nvPr/>
         </p:nvSpPr>
         <p:spPr>
           <a:xfrm>
             <a:off x="685800" y="0"/>
-            <a:ext cx="10959480" cy="1131840"/>
+            <a:ext cx="10959120" cy="1131480"/>
           </a:xfrm>
           <a:prstGeom prst="rect">
             <a:avLst/>
@@ -16334,56 +16289,24 @@
                 <a:latin typeface="Arial"/>
                 <a:ea typeface="Noto Sans CJK SC"/>
               </a:rPr>
-              <a:t>3- Helm Chart</a:t>
-            </a:r>
-            <a:br/>
-            <a:br/>
-            <a:r>
-              <a:rPr b="0" lang="en-US" sz="1800" spc="-1" strike="noStrike">
-                <a:solidFill>
-                  <a:srgbClr val="000000"/>
-                </a:solidFill>
-                <a:latin typeface="Arial"/>
-                <a:ea typeface="DejaVu Sans"/>
-              </a:rPr>
-              <a:t>Conditional statements and </a:t>
-            </a:r>
-            <a:r>
-              <a:rPr b="1" lang="en-US" sz="1800" spc="-1" strike="noStrike">
-                <a:solidFill>
-                  <a:srgbClr val="000000"/>
-                </a:solidFill>
-                <a:latin typeface="Arial"/>
-                <a:ea typeface="DejaVu Sans"/>
-              </a:rPr>
-              <a:t>loops</a:t>
-            </a:r>
-            <a:r>
-              <a:rPr b="0" lang="en-US" sz="2200" spc="-1" strike="noStrike">
-                <a:solidFill>
-                  <a:srgbClr val="000000"/>
-                </a:solidFill>
-                <a:latin typeface="Arial"/>
-                <a:ea typeface="Noto Sans CJK SC"/>
-              </a:rPr>
-              <a:t> - 2</a:t>
-            </a:r>
-            <a:endParaRPr b="0" lang="en-US" sz="2200" spc="-1" strike="noStrike">
-              <a:latin typeface="Arial"/>
-            </a:endParaRPr>
-          </a:p>
-        </p:txBody>
-      </p:sp>
-      <p:sp>
-        <p:nvSpPr>
-          <p:cNvPr id="307" name="CustomShape 2"/>
+              <a:t>4- Helm Chart Repository</a:t>
+            </a:r>
+            <a:endParaRPr b="0" lang="en-US" sz="3200" spc="-1" strike="noStrike">
+              <a:latin typeface="Arial"/>
+            </a:endParaRPr>
+          </a:p>
+        </p:txBody>
+      </p:sp>
+      <p:sp>
+        <p:nvSpPr>
+          <p:cNvPr id="310" name="CustomShape 2"/>
           <p:cNvSpPr/>
           <p:nvPr/>
         </p:nvSpPr>
         <p:spPr>
           <a:xfrm>
             <a:off x="274320" y="1554480"/>
-            <a:ext cx="11062800" cy="4479120"/>
+            <a:ext cx="11062440" cy="4478760"/>
           </a:xfrm>
           <a:prstGeom prst="rect">
             <a:avLst/>
@@ -16434,27 +16357,7 @@
                 <a:latin typeface="Arial"/>
                 <a:ea typeface="DejaVu Sans"/>
               </a:rPr>
-              <a:t>: loop through items in a collection and execute a block of code for each item. It onlny includes </a:t>
-            </a:r>
-            <a:r>
-              <a:rPr b="0" lang="en-US" sz="1800" spc="-1" strike="noStrike">
-                <a:solidFill>
-                  <a:srgbClr val="c9211e"/>
-                </a:solidFill>
-                <a:latin typeface="Arial"/>
-                <a:ea typeface="DejaVu Sans"/>
-              </a:rPr>
-              <a:t>range</a:t>
-            </a:r>
-            <a:r>
-              <a:rPr b="0" lang="en-US" sz="1800" spc="-1" strike="noStrike">
-                <a:solidFill>
-                  <a:srgbClr val="000000"/>
-                </a:solidFill>
-                <a:latin typeface="Arial"/>
-                <a:ea typeface="DejaVu Sans"/>
-              </a:rPr>
-              <a:t> statements.</a:t>
+              <a:t>: a server that stores Helm charts.</a:t>
             </a:r>
             <a:endParaRPr b="0" lang="en-US" sz="1800" spc="-1" strike="noStrike">
               <a:latin typeface="Arial"/>
@@ -16470,14 +16373,25 @@
               </a:spcBef>
             </a:pPr>
             <a:r>
-              <a:rPr b="0" lang="en-US" sz="1800" spc="-1" strike="noStrike">
+              <a:rPr b="0" lang="en-US" sz="1800" spc="-1" strike="noStrike" u="sng">
                 <a:solidFill>
                   <a:srgbClr val="000000"/>
                 </a:solidFill>
-                <a:latin typeface="Arial"/>
-                <a:ea typeface="DejaVu Sans"/>
-              </a:rPr>
-              <a:t>Exampe:</a:t>
+                <a:uFillTx/>
+                <a:latin typeface="Arial"/>
+                <a:ea typeface="DejaVu Sans"/>
+              </a:rPr>
+              <a:t>Kinds</a:t>
+            </a:r>
+            <a:r>
+              <a:rPr b="0" lang="en-US" sz="1800" spc="-1" strike="noStrike">
+                <a:solidFill>
+                  <a:srgbClr val="000000"/>
+                </a:solidFill>
+                <a:latin typeface="Arial"/>
+                <a:ea typeface="DejaVu Sans"/>
+              </a:rPr>
+              <a:t>: </a:t>
             </a:r>
             <a:br/>
             <a:r>
@@ -16488,10 +16402,103 @@
                 <a:latin typeface="Arial"/>
                 <a:ea typeface="DejaVu Sans"/>
               </a:rPr>
-              <a:t>- input: </a:t>
+              <a:t>- </a:t>
+            </a:r>
+            <a:r>
+              <a:rPr b="0" lang="en-US" sz="1800" spc="-1" strike="noStrike">
+                <a:solidFill>
+                  <a:srgbClr val="c9211e"/>
+                </a:solidFill>
+                <a:latin typeface="Arial"/>
+                <a:ea typeface="DejaVu Sans"/>
+              </a:rPr>
+              <a:t>Public</a:t>
+            </a:r>
+            <a:r>
+              <a:rPr b="0" lang="en-US" sz="1800" spc="-1" strike="noStrike">
+                <a:solidFill>
+                  <a:srgbClr val="000000"/>
+                </a:solidFill>
+                <a:latin typeface="Arial"/>
+                <a:ea typeface="DejaVu Sans"/>
+              </a:rPr>
+              <a:t> chart repositories: Helm hub / Artifact hub (</a:t>
+            </a:r>
+            <a:r>
+              <a:rPr b="0" lang="en-US" sz="1800" spc="-1" strike="noStrike" u="sng">
+                <a:solidFill>
+                  <a:srgbClr val="0000ff"/>
+                </a:solidFill>
+                <a:uFillTx/>
+                <a:latin typeface="Arial"/>
+                <a:ea typeface="DejaVu Sans"/>
+                <a:hlinkClick r:id="rId1"/>
+              </a:rPr>
+              <a:t>https://artifacthub.io/</a:t>
+            </a:r>
+            <a:r>
+              <a:rPr b="0" lang="en-US" sz="1800" spc="-1" strike="noStrike">
+                <a:solidFill>
+                  <a:srgbClr val="000000"/>
+                </a:solidFill>
+                <a:latin typeface="Arial"/>
+                <a:ea typeface="DejaVu Sans"/>
+              </a:rPr>
+              <a:t>), Bitnami charts (</a:t>
+            </a:r>
+            <a:r>
+              <a:rPr b="0" lang="en-US" sz="1800" spc="-1" strike="noStrike" u="sng">
+                <a:solidFill>
+                  <a:srgbClr val="0000ff"/>
+                </a:solidFill>
+                <a:uFillTx/>
+                <a:latin typeface="Arial"/>
+                <a:ea typeface="DejaVu Sans"/>
+                <a:hlinkClick r:id="rId2"/>
+              </a:rPr>
+              <a:t>https://bitnami.com/stacks/helm</a:t>
+            </a:r>
+            <a:r>
+              <a:rPr b="0" lang="en-US" sz="1800" spc="-1" strike="noStrike">
+                <a:solidFill>
+                  <a:srgbClr val="000000"/>
+                </a:solidFill>
+                <a:latin typeface="Arial"/>
+                <a:ea typeface="DejaVu Sans"/>
+              </a:rPr>
+              <a:t>), Github, ...</a:t>
             </a:r>
             <a:br/>
-            <a:br/>
+            <a:r>
+              <a:rPr b="0" lang="en-US" sz="1800" spc="-1" strike="noStrike">
+                <a:solidFill>
+                  <a:srgbClr val="000000"/>
+                </a:solidFill>
+                <a:latin typeface="Arial"/>
+                <a:ea typeface="DejaVu Sans"/>
+              </a:rPr>
+              <a:t>- </a:t>
+            </a:r>
+            <a:r>
+              <a:rPr b="0" lang="en-US" sz="1800" spc="-1" strike="noStrike">
+                <a:solidFill>
+                  <a:srgbClr val="c9211e"/>
+                </a:solidFill>
+                <a:latin typeface="Arial"/>
+                <a:ea typeface="DejaVu Sans"/>
+              </a:rPr>
+              <a:t>Private</a:t>
+            </a:r>
+            <a:r>
+              <a:rPr b="0" lang="en-US" sz="1800" spc="-1" strike="noStrike">
+                <a:solidFill>
+                  <a:srgbClr val="000000"/>
+                </a:solidFill>
+                <a:latin typeface="Arial"/>
+                <a:ea typeface="DejaVu Sans"/>
+              </a:rPr>
+              <a:t> chart repositories: Artifactory, Gitlab, ...</a:t>
+            </a:r>
             <a:endParaRPr b="0" lang="en-US" sz="1800" spc="-1" strike="noStrike">
               <a:latin typeface="Arial"/>
             </a:endParaRPr>
@@ -16505,20 +16512,68 @@
                 <a:spcPts val="1417"/>
               </a:spcBef>
             </a:pPr>
+            <a:r>
+              <a:rPr b="0" lang="en-US" sz="1800" spc="-1" strike="noStrike">
+                <a:solidFill>
+                  <a:srgbClr val="000000"/>
+                </a:solidFill>
+                <a:latin typeface="Arial"/>
+                <a:ea typeface="DejaVu Sans"/>
+              </a:rPr>
+              <a:t> </a:t>
+            </a:r>
+            <a:r>
+              <a:rPr b="0" lang="en-US" sz="1800" spc="-1" strike="noStrike" u="sng">
+                <a:solidFill>
+                  <a:srgbClr val="000000"/>
+                </a:solidFill>
+                <a:uFillTx/>
+                <a:latin typeface="Arial"/>
+                <a:ea typeface="DejaVu Sans"/>
+              </a:rPr>
+              <a:t>Example using Github</a:t>
+            </a:r>
+            <a:r>
+              <a:rPr b="0" lang="en-US" sz="1800" spc="-1" strike="noStrike">
+                <a:solidFill>
+                  <a:srgbClr val="000000"/>
+                </a:solidFill>
+                <a:latin typeface="Arial"/>
+                <a:ea typeface="DejaVu Sans"/>
+              </a:rPr>
+              <a:t>: </a:t>
+            </a:r>
             <a:br/>
-            <a:endParaRPr b="0" lang="en-US" sz="1800" spc="-1" strike="noStrike">
-              <a:latin typeface="Arial"/>
-            </a:endParaRPr>
-          </a:p>
-          <a:p>
-            <a:pPr>
-              <a:lnSpc>
-                <a:spcPct val="100000"/>
-              </a:lnSpc>
-              <a:spcBef>
-                <a:spcPts val="1417"/>
-              </a:spcBef>
-            </a:pPr>
+            <a:r>
+              <a:rPr b="0" lang="en-US" sz="1800" spc="-1" strike="noStrike">
+                <a:solidFill>
+                  <a:srgbClr val="000000"/>
+                </a:solidFill>
+                <a:latin typeface="Arial"/>
+                <a:ea typeface="DejaVu Sans"/>
+              </a:rPr>
+              <a:t>- Create a helm chart: upload the whole </a:t>
+            </a:r>
+            <a:r>
+              <a:rPr b="0" lang="en-US" sz="1800" spc="-1" strike="noStrike">
+                <a:solidFill>
+                  <a:srgbClr val="c9211e"/>
+                </a:solidFill>
+                <a:latin typeface="Arial"/>
+                <a:ea typeface="DejaVu Sans"/>
+              </a:rPr>
+              <a:t>local folder structure</a:t>
+            </a:r>
+            <a:r>
+              <a:rPr b="0" lang="en-US" sz="1800" spc="-1" strike="noStrike">
+                <a:solidFill>
+                  <a:srgbClr val="000000"/>
+                </a:solidFill>
+                <a:latin typeface="Arial"/>
+                <a:ea typeface="DejaVu Sans"/>
+              </a:rPr>
+              <a:t> to a Github repo</a:t>
+            </a:r>
             <a:br/>
             <a:r>
               <a:rPr b="0" lang="en-US" sz="1800" spc="-1" strike="noStrike">
@@ -16528,7 +16583,7 @@
                 <a:latin typeface="Arial"/>
                 <a:ea typeface="DejaVu Sans"/>
               </a:rPr>
-              <a:t>- output:</a:t>
+              <a:t>- Reference:</a:t>
             </a:r>
             <a:endParaRPr b="0" lang="en-US" sz="1800" spc="-1" strike="noStrike">
               <a:latin typeface="Arial"/>
@@ -16551,14 +16606,14 @@
       </p:sp>
       <p:sp>
         <p:nvSpPr>
-          <p:cNvPr id="308" name="CustomShape 3"/>
+          <p:cNvPr id="311" name="CustomShape 3"/>
           <p:cNvSpPr/>
           <p:nvPr/>
         </p:nvSpPr>
         <p:spPr>
           <a:xfrm>
             <a:off x="10515240" y="6202080"/>
-            <a:ext cx="1586880" cy="414000"/>
+            <a:ext cx="1586520" cy="413640"/>
           </a:xfrm>
           <a:prstGeom prst="rect">
             <a:avLst/>
@@ -16584,7 +16639,7 @@
                 <a:spcPct val="100000"/>
               </a:lnSpc>
             </a:pPr>
-            <a:fld id="{B2651D4D-752B-4C28-959B-B41EA7B589B4}" type="slidenum">
+            <a:fld id="{73C08E97-0A6B-4C4A-87EF-19CA859F1DE1}" type="slidenum">
               <a:rPr b="0" lang="en-US" sz="1600" spc="-1" strike="noStrike">
                 <a:solidFill>
                   <a:srgbClr val="000000"/>
@@ -16592,7 +16647,7 @@
                 <a:latin typeface="Times New Roman"/>
                 <a:ea typeface="DejaVu Sans"/>
               </a:rPr>
-              <a:t>1</a:t>
+              <a:t>&lt;number&gt;</a:t>
             </a:fld>
             <a:endParaRPr b="0" lang="en-US" sz="1600" spc="-1" strike="noStrike">
               <a:latin typeface="Arial"/>
@@ -16602,53 +16657,7 @@
       </p:sp>
       <p:pic>
         <p:nvPicPr>
-          <p:cNvPr id="309" name="" descr=""/>
-          <p:cNvPicPr/>
-          <p:nvPr/>
-        </p:nvPicPr>
-        <p:blipFill>
-          <a:blip r:embed="rId1"/>
-          <a:stretch/>
-        </p:blipFill>
-        <p:spPr>
-          <a:xfrm>
-            <a:off x="1122480" y="2677680"/>
-            <a:ext cx="1913040" cy="1589040"/>
-          </a:xfrm>
-          <a:prstGeom prst="rect">
-            <a:avLst/>
-          </a:prstGeom>
-          <a:ln>
-            <a:noFill/>
-          </a:ln>
-        </p:spPr>
-      </p:pic>
-      <p:pic>
-        <p:nvPicPr>
-          <p:cNvPr id="310" name="" descr=""/>
-          <p:cNvPicPr/>
-          <p:nvPr/>
-        </p:nvPicPr>
-        <p:blipFill>
-          <a:blip r:embed="rId2"/>
-          <a:stretch/>
-        </p:blipFill>
-        <p:spPr>
-          <a:xfrm>
-            <a:off x="3075480" y="2681280"/>
-            <a:ext cx="2971080" cy="1577520"/>
-          </a:xfrm>
-          <a:prstGeom prst="rect">
-            <a:avLst/>
-          </a:prstGeom>
-          <a:ln>
-            <a:noFill/>
-          </a:ln>
-        </p:spPr>
-      </p:pic>
-      <p:pic>
-        <p:nvPicPr>
-          <p:cNvPr id="311" name="" descr=""/>
+          <p:cNvPr id="312" name="" descr=""/>
           <p:cNvPicPr/>
           <p:nvPr/>
         </p:nvPicPr>
@@ -16658,8 +16667,8 @@
         </p:blipFill>
         <p:spPr>
           <a:xfrm>
-            <a:off x="1209240" y="4628880"/>
-            <a:ext cx="2304360" cy="1399320"/>
+            <a:off x="496440" y="4229640"/>
+            <a:ext cx="9019080" cy="970560"/>
           </a:xfrm>
           <a:prstGeom prst="rect">
             <a:avLst/>
@@ -16701,14 +16710,14 @@
       </p:grpSpPr>
       <p:sp>
         <p:nvSpPr>
-          <p:cNvPr id="312" name="CustomShape 1"/>
+          <p:cNvPr id="313" name="CustomShape 1"/>
           <p:cNvSpPr/>
           <p:nvPr/>
         </p:nvSpPr>
         <p:spPr>
           <a:xfrm>
-            <a:off x="685800" y="0"/>
-            <a:ext cx="10959480" cy="1131840"/>
+            <a:off x="3428640" y="376920"/>
+            <a:ext cx="5696280" cy="523800"/>
           </a:xfrm>
           <a:prstGeom prst="rect">
             <a:avLst/>
@@ -16743,9 +16752,9 @@
                   <a:srgbClr val="3465a4"/>
                 </a:solidFill>
                 <a:latin typeface="Arial"/>
-                <a:ea typeface="Noto Sans CJK SC"/>
-              </a:rPr>
-              <a:t>4- Helm Chart Repository</a:t>
+                <a:ea typeface="DejaVu Sans"/>
+              </a:rPr>
+              <a:t>Questions and Answers</a:t>
             </a:r>
             <a:endParaRPr b="0" lang="en-US" sz="3200" spc="-1" strike="noStrike">
               <a:latin typeface="Arial"/>
@@ -16755,24 +16764,21 @@
       </p:sp>
       <p:sp>
         <p:nvSpPr>
-          <p:cNvPr id="313" name="CustomShape 2"/>
+          <p:cNvPr id="314" name="CustomShape 2"/>
           <p:cNvSpPr/>
           <p:nvPr/>
         </p:nvSpPr>
         <p:spPr>
           <a:xfrm>
-            <a:off x="274320" y="1554480"/>
-            <a:ext cx="11062800" cy="4479120"/>
+            <a:off x="10515240" y="6202080"/>
+            <a:ext cx="1586520" cy="413640"/>
           </a:xfrm>
           <a:prstGeom prst="rect">
             <a:avLst/>
           </a:prstGeom>
           <a:noFill/>
-          <a:ln cap="rnd" w="6480">
-            <a:solidFill>
-              <a:srgbClr val="5eb91e"/>
-            </a:solidFill>
-            <a:round/>
+          <a:ln>
+            <a:noFill/>
           </a:ln>
         </p:spPr>
         <p:style>
@@ -16782,310 +16788,6 @@
           <a:fontRef idx="minor"/>
         </p:style>
         <p:txBody>
-          <a:bodyPr lIns="93240" rIns="93240" tIns="48240" bIns="48240">
-            <a:noAutofit/>
-          </a:bodyPr>
-          <a:p>
-            <a:pPr>
-              <a:lnSpc>
-                <a:spcPct val="100000"/>
-              </a:lnSpc>
-              <a:spcBef>
-                <a:spcPts val="1417"/>
-              </a:spcBef>
-            </a:pPr>
-            <a:r>
-              <a:rPr b="0" lang="en-US" sz="1800" spc="-1" strike="noStrike" u="sng">
-                <a:solidFill>
-                  <a:srgbClr val="000000"/>
-                </a:solidFill>
-                <a:uFillTx/>
-                <a:latin typeface="Arial"/>
-                <a:ea typeface="DejaVu Sans"/>
-              </a:rPr>
-              <a:t>Definition</a:t>
-            </a:r>
-            <a:r>
-              <a:rPr b="0" lang="en-US" sz="1800" spc="-1" strike="noStrike">
-                <a:solidFill>
-                  <a:srgbClr val="000000"/>
-                </a:solidFill>
-                <a:latin typeface="Arial"/>
-                <a:ea typeface="DejaVu Sans"/>
-              </a:rPr>
-              <a:t>: a server that stores Helm charts.</a:t>
-            </a:r>
-            <a:endParaRPr b="0" lang="en-US" sz="1800" spc="-1" strike="noStrike">
-              <a:latin typeface="Arial"/>
-            </a:endParaRPr>
-          </a:p>
-          <a:p>
-            <a:pPr>
-              <a:lnSpc>
-                <a:spcPct val="100000"/>
-              </a:lnSpc>
-              <a:spcBef>
-                <a:spcPts val="1417"/>
-              </a:spcBef>
-            </a:pPr>
-            <a:r>
-              <a:rPr b="0" lang="en-US" sz="1800" spc="-1" strike="noStrike" u="sng">
-                <a:solidFill>
-                  <a:srgbClr val="000000"/>
-                </a:solidFill>
-                <a:uFillTx/>
-                <a:latin typeface="Arial"/>
-                <a:ea typeface="DejaVu Sans"/>
-              </a:rPr>
-              <a:t>Kinds</a:t>
-            </a:r>
-            <a:r>
-              <a:rPr b="0" lang="en-US" sz="1800" spc="-1" strike="noStrike">
-                <a:solidFill>
-                  <a:srgbClr val="000000"/>
-                </a:solidFill>
-                <a:latin typeface="Arial"/>
-                <a:ea typeface="DejaVu Sans"/>
-              </a:rPr>
-              <a:t>: </a:t>
-            </a:r>
-            <a:br/>
-            <a:r>
-              <a:rPr b="0" lang="en-US" sz="1800" spc="-1" strike="noStrike">
-                <a:solidFill>
-                  <a:srgbClr val="000000"/>
-                </a:solidFill>
-                <a:latin typeface="Arial"/>
-                <a:ea typeface="DejaVu Sans"/>
-              </a:rPr>
-              <a:t>- </a:t>
-            </a:r>
-            <a:r>
-              <a:rPr b="0" lang="en-US" sz="1800" spc="-1" strike="noStrike">
-                <a:solidFill>
-                  <a:srgbClr val="c9211e"/>
-                </a:solidFill>
-                <a:latin typeface="Arial"/>
-                <a:ea typeface="DejaVu Sans"/>
-              </a:rPr>
-              <a:t>Public</a:t>
-            </a:r>
-            <a:r>
-              <a:rPr b="0" lang="en-US" sz="1800" spc="-1" strike="noStrike">
-                <a:solidFill>
-                  <a:srgbClr val="000000"/>
-                </a:solidFill>
-                <a:latin typeface="Arial"/>
-                <a:ea typeface="DejaVu Sans"/>
-              </a:rPr>
-              <a:t> chart repositories: Helm hub / Artifact hub (</a:t>
-            </a:r>
-            <a:r>
-              <a:rPr b="0" lang="en-US" sz="1800" spc="-1" strike="noStrike" u="sng">
-                <a:solidFill>
-                  <a:srgbClr val="0000ff"/>
-                </a:solidFill>
-                <a:uFillTx/>
-                <a:latin typeface="Arial"/>
-                <a:ea typeface="DejaVu Sans"/>
-                <a:hlinkClick r:id="rId1"/>
-              </a:rPr>
-              <a:t>https://artifacthub.io/</a:t>
-            </a:r>
-            <a:r>
-              <a:rPr b="0" lang="en-US" sz="1800" spc="-1" strike="noStrike">
-                <a:solidFill>
-                  <a:srgbClr val="000000"/>
-                </a:solidFill>
-                <a:latin typeface="Arial"/>
-                <a:ea typeface="DejaVu Sans"/>
-              </a:rPr>
-              <a:t>), Bitnami charts (</a:t>
-            </a:r>
-            <a:r>
-              <a:rPr b="0" lang="en-US" sz="1800" spc="-1" strike="noStrike" u="sng">
-                <a:solidFill>
-                  <a:srgbClr val="0000ff"/>
-                </a:solidFill>
-                <a:uFillTx/>
-                <a:latin typeface="Arial"/>
-                <a:ea typeface="DejaVu Sans"/>
-                <a:hlinkClick r:id="rId2"/>
-              </a:rPr>
-              <a:t>https://bitnami.com/stacks/helm</a:t>
-            </a:r>
-            <a:r>
-              <a:rPr b="0" lang="en-US" sz="1800" spc="-1" strike="noStrike">
-                <a:solidFill>
-                  <a:srgbClr val="000000"/>
-                </a:solidFill>
-                <a:latin typeface="Arial"/>
-                <a:ea typeface="DejaVu Sans"/>
-              </a:rPr>
-              <a:t>), Github, ...</a:t>
-            </a:r>
-            <a:br/>
-            <a:r>
-              <a:rPr b="0" lang="en-US" sz="1800" spc="-1" strike="noStrike">
-                <a:solidFill>
-                  <a:srgbClr val="000000"/>
-                </a:solidFill>
-                <a:latin typeface="Arial"/>
-                <a:ea typeface="DejaVu Sans"/>
-              </a:rPr>
-              <a:t>- </a:t>
-            </a:r>
-            <a:r>
-              <a:rPr b="0" lang="en-US" sz="1800" spc="-1" strike="noStrike">
-                <a:solidFill>
-                  <a:srgbClr val="c9211e"/>
-                </a:solidFill>
-                <a:latin typeface="Arial"/>
-                <a:ea typeface="DejaVu Sans"/>
-              </a:rPr>
-              <a:t>Private</a:t>
-            </a:r>
-            <a:r>
-              <a:rPr b="0" lang="en-US" sz="1800" spc="-1" strike="noStrike">
-                <a:solidFill>
-                  <a:srgbClr val="000000"/>
-                </a:solidFill>
-                <a:latin typeface="Arial"/>
-                <a:ea typeface="DejaVu Sans"/>
-              </a:rPr>
-              <a:t> chart repositories: Artifactory, Gitlab, ...</a:t>
-            </a:r>
-            <a:endParaRPr b="0" lang="en-US" sz="1800" spc="-1" strike="noStrike">
-              <a:latin typeface="Arial"/>
-            </a:endParaRPr>
-          </a:p>
-          <a:p>
-            <a:pPr>
-              <a:lnSpc>
-                <a:spcPct val="100000"/>
-              </a:lnSpc>
-              <a:spcBef>
-                <a:spcPts val="1417"/>
-              </a:spcBef>
-            </a:pPr>
-            <a:r>
-              <a:rPr b="0" lang="en-US" sz="1800" spc="-1" strike="noStrike">
-                <a:solidFill>
-                  <a:srgbClr val="000000"/>
-                </a:solidFill>
-                <a:latin typeface="Arial"/>
-                <a:ea typeface="DejaVu Sans"/>
-              </a:rPr>
-              <a:t> </a:t>
-            </a:r>
-            <a:r>
-              <a:rPr b="0" lang="en-US" sz="1800" spc="-1" strike="noStrike" u="sng">
-                <a:solidFill>
-                  <a:srgbClr val="000000"/>
-                </a:solidFill>
-                <a:uFillTx/>
-                <a:latin typeface="Arial"/>
-                <a:ea typeface="DejaVu Sans"/>
-              </a:rPr>
-              <a:t>Example using Github</a:t>
-            </a:r>
-            <a:r>
-              <a:rPr b="0" lang="en-US" sz="1800" spc="-1" strike="noStrike">
-                <a:solidFill>
-                  <a:srgbClr val="000000"/>
-                </a:solidFill>
-                <a:latin typeface="Arial"/>
-                <a:ea typeface="DejaVu Sans"/>
-              </a:rPr>
-              <a:t>: </a:t>
-            </a:r>
-            <a:br/>
-            <a:r>
-              <a:rPr b="0" lang="en-US" sz="1800" spc="-1" strike="noStrike">
-                <a:solidFill>
-                  <a:srgbClr val="000000"/>
-                </a:solidFill>
-                <a:latin typeface="Arial"/>
-                <a:ea typeface="DejaVu Sans"/>
-              </a:rPr>
-              <a:t>- Create a helm chart: upload the whole </a:t>
-            </a:r>
-            <a:r>
-              <a:rPr b="0" lang="en-US" sz="1800" spc="-1" strike="noStrike">
-                <a:solidFill>
-                  <a:srgbClr val="c9211e"/>
-                </a:solidFill>
-                <a:latin typeface="Arial"/>
-                <a:ea typeface="DejaVu Sans"/>
-              </a:rPr>
-              <a:t>local folder structure</a:t>
-            </a:r>
-            <a:r>
-              <a:rPr b="0" lang="en-US" sz="1800" spc="-1" strike="noStrike">
-                <a:solidFill>
-                  <a:srgbClr val="000000"/>
-                </a:solidFill>
-                <a:latin typeface="Arial"/>
-                <a:ea typeface="DejaVu Sans"/>
-              </a:rPr>
-              <a:t> to a Github repo</a:t>
-            </a:r>
-            <a:br/>
-            <a:r>
-              <a:rPr b="0" lang="en-US" sz="1800" spc="-1" strike="noStrike">
-                <a:solidFill>
-                  <a:srgbClr val="000000"/>
-                </a:solidFill>
-                <a:latin typeface="Arial"/>
-                <a:ea typeface="DejaVu Sans"/>
-              </a:rPr>
-              <a:t>- Reference:</a:t>
-            </a:r>
-            <a:endParaRPr b="0" lang="en-US" sz="1800" spc="-1" strike="noStrike">
-              <a:latin typeface="Arial"/>
-            </a:endParaRPr>
-          </a:p>
-          <a:p>
-            <a:pPr>
-              <a:lnSpc>
-                <a:spcPct val="100000"/>
-              </a:lnSpc>
-              <a:spcBef>
-                <a:spcPts val="1417"/>
-              </a:spcBef>
-            </a:pPr>
-            <a:endParaRPr b="0" lang="en-US" sz="1800" spc="-1" strike="noStrike">
-              <a:latin typeface="Arial"/>
-            </a:endParaRPr>
-          </a:p>
-        </p:txBody>
-      </p:sp>
-      <p:sp>
-        <p:nvSpPr>
-          <p:cNvPr id="314" name="CustomShape 3"/>
-          <p:cNvSpPr/>
-          <p:nvPr/>
-        </p:nvSpPr>
-        <p:spPr>
-          <a:xfrm>
-            <a:off x="10515240" y="6202080"/>
-            <a:ext cx="1586880" cy="414000"/>
-          </a:xfrm>
-          <a:prstGeom prst="rect">
-            <a:avLst/>
-          </a:prstGeom>
-          <a:noFill/>
-          <a:ln>
-            <a:noFill/>
-          </a:ln>
-        </p:spPr>
-        <p:style>
-          <a:lnRef idx="0"/>
-          <a:fillRef idx="0"/>
-          <a:effectRef idx="0"/>
-          <a:fontRef idx="minor"/>
-        </p:style>
-        <p:txBody>
           <a:bodyPr lIns="90000" rIns="90000" tIns="45000" bIns="45000">
             <a:noAutofit/>
           </a:bodyPr>
@@ -17095,7 +16797,7 @@
                 <a:spcPct val="100000"/>
               </a:lnSpc>
             </a:pPr>
-            <a:fld id="{337AB351-BC5F-4F67-84E4-244634313DD4}" type="slidenum">
+            <a:fld id="{76B75AE5-7ED6-426C-9D92-FFD421286A20}" type="slidenum">
               <a:rPr b="0" lang="en-US" sz="1600" spc="-1" strike="noStrike">
                 <a:solidFill>
                   <a:srgbClr val="000000"/>
@@ -17113,18 +16815,18 @@
       </p:sp>
       <p:pic>
         <p:nvPicPr>
-          <p:cNvPr id="315" name="" descr=""/>
+          <p:cNvPr id="315" name="Picture 412" descr=""/>
           <p:cNvPicPr/>
           <p:nvPr/>
         </p:nvPicPr>
         <p:blipFill>
-          <a:blip r:embed="rId3"/>
+          <a:blip r:embed="rId1"/>
           <a:stretch/>
         </p:blipFill>
         <p:spPr>
           <a:xfrm>
-            <a:off x="496440" y="4229640"/>
-            <a:ext cx="9019440" cy="970920"/>
+            <a:off x="4114440" y="2105280"/>
+            <a:ext cx="4636080" cy="3140640"/>
           </a:xfrm>
           <a:prstGeom prst="rect">
             <a:avLst/>
@@ -17164,134 +16866,6 @@
           <a:chExt cx="0" cy="0"/>
         </a:xfrm>
       </p:grpSpPr>
-      <p:sp>
-        <p:nvSpPr>
-          <p:cNvPr id="316" name="CustomShape 1"/>
-          <p:cNvSpPr/>
-          <p:nvPr/>
-        </p:nvSpPr>
-        <p:spPr>
-          <a:xfrm>
-            <a:off x="3428640" y="376920"/>
-            <a:ext cx="5696640" cy="524160"/>
-          </a:xfrm>
-          <a:prstGeom prst="rect">
-            <a:avLst/>
-          </a:prstGeom>
-          <a:noFill/>
-          <a:ln>
-            <a:noFill/>
-          </a:ln>
-        </p:spPr>
-        <p:style>
-          <a:lnRef idx="0"/>
-          <a:fillRef idx="0"/>
-          <a:effectRef idx="0"/>
-          <a:fontRef idx="minor"/>
-        </p:style>
-        <p:txBody>
-          <a:bodyPr lIns="90000" rIns="90000" tIns="45000" bIns="45000">
-            <a:noAutofit/>
-          </a:bodyPr>
-          <a:p>
-            <a:pPr algn="ctr">
-              <a:lnSpc>
-                <a:spcPct val="90000"/>
-              </a:lnSpc>
-              <a:spcBef>
-                <a:spcPts val="1001"/>
-              </a:spcBef>
-            </a:pPr>
-            <a:r>
-              <a:rPr b="1" lang="en-US" sz="3200" spc="-1" strike="noStrike">
-                <a:solidFill>
-                  <a:srgbClr val="3465a4"/>
-                </a:solidFill>
-                <a:latin typeface="Arial"/>
-                <a:ea typeface="DejaVu Sans"/>
-              </a:rPr>
-              <a:t>Questions and Answers</a:t>
-            </a:r>
-            <a:endParaRPr b="0" lang="en-US" sz="3200" spc="-1" strike="noStrike">
-              <a:latin typeface="Arial"/>
-            </a:endParaRPr>
-          </a:p>
-        </p:txBody>
-      </p:sp>
-      <p:sp>
-        <p:nvSpPr>
-          <p:cNvPr id="317" name="CustomShape 2"/>
-          <p:cNvSpPr/>
-          <p:nvPr/>
-        </p:nvSpPr>
-        <p:spPr>
-          <a:xfrm>
-            <a:off x="10515240" y="6202080"/>
-            <a:ext cx="1586880" cy="414000"/>
-          </a:xfrm>
-          <a:prstGeom prst="rect">
-            <a:avLst/>
-          </a:prstGeom>
-          <a:noFill/>
-          <a:ln>
-            <a:noFill/>
-          </a:ln>
-        </p:spPr>
-        <p:style>
-          <a:lnRef idx="0"/>
-          <a:fillRef idx="0"/>
-          <a:effectRef idx="0"/>
-          <a:fontRef idx="minor"/>
-        </p:style>
-        <p:txBody>
-          <a:bodyPr lIns="90000" rIns="90000" tIns="45000" bIns="45000">
-            <a:noAutofit/>
-          </a:bodyPr>
-          <a:p>
-            <a:pPr algn="ctr">
-              <a:lnSpc>
-                <a:spcPct val="100000"/>
-              </a:lnSpc>
-            </a:pPr>
-            <a:fld id="{5605CFF7-2411-40B7-8E97-FEDF505FA01E}" type="slidenum">
-              <a:rPr b="0" lang="en-US" sz="1600" spc="-1" strike="noStrike">
-                <a:solidFill>
-                  <a:srgbClr val="000000"/>
-                </a:solidFill>
-                <a:latin typeface="Times New Roman"/>
-                <a:ea typeface="DejaVu Sans"/>
-              </a:rPr>
-              <a:t>&lt;number&gt;</a:t>
-            </a:fld>
-            <a:endParaRPr b="0" lang="en-US" sz="1600" spc="-1" strike="noStrike">
-              <a:latin typeface="Arial"/>
-            </a:endParaRPr>
-          </a:p>
-        </p:txBody>
-      </p:sp>
-      <p:pic>
-        <p:nvPicPr>
-          <p:cNvPr id="318" name="Picture 412" descr=""/>
-          <p:cNvPicPr/>
-          <p:nvPr/>
-        </p:nvPicPr>
-        <p:blipFill>
-          <a:blip r:embed="rId1"/>
-          <a:stretch/>
-        </p:blipFill>
-        <p:spPr>
-          <a:xfrm>
-            <a:off x="4114440" y="2105280"/>
-            <a:ext cx="4636440" cy="3141000"/>
-          </a:xfrm>
-          <a:prstGeom prst="rect">
-            <a:avLst/>
-          </a:prstGeom>
-          <a:ln>
-            <a:noFill/>
-          </a:ln>
-        </p:spPr>
-      </p:pic>
     </p:spTree>
   </p:cSld>
   <mc:AlternateContent>
@@ -17331,7 +16905,7 @@
         <p:spPr>
           <a:xfrm>
             <a:off x="685800" y="0"/>
-            <a:ext cx="10959480" cy="1131840"/>
+            <a:ext cx="10959120" cy="1131480"/>
           </a:xfrm>
           <a:prstGeom prst="rect">
             <a:avLst/>
@@ -17397,7 +16971,7 @@
         <p:spPr>
           <a:xfrm>
             <a:off x="274320" y="1554480"/>
-            <a:ext cx="11062800" cy="4479120"/>
+            <a:ext cx="11062440" cy="4478760"/>
           </a:xfrm>
           <a:prstGeom prst="rect">
             <a:avLst/>
@@ -17454,7 +17028,7 @@
         <p:spPr>
           <a:xfrm>
             <a:off x="10515240" y="6202080"/>
-            <a:ext cx="1586880" cy="414000"/>
+            <a:ext cx="1586520" cy="413640"/>
           </a:xfrm>
           <a:prstGeom prst="rect">
             <a:avLst/>
@@ -17480,7 +17054,7 @@
                 <a:spcPct val="100000"/>
               </a:lnSpc>
             </a:pPr>
-            <a:fld id="{7F22FA13-3A58-488C-A175-36E2753CDF9E}" type="slidenum">
+            <a:fld id="{23EE066C-BF84-4E4B-A8D7-9AD335FF0DC6}" type="slidenum">
               <a:rPr b="0" lang="en-US" sz="1600" spc="-1" strike="noStrike">
                 <a:solidFill>
                   <a:srgbClr val="000000"/>
@@ -17509,7 +17083,7 @@
         <p:spPr>
           <a:xfrm>
             <a:off x="2745360" y="2250000"/>
-            <a:ext cx="5208480" cy="3417840"/>
+            <a:ext cx="5208120" cy="3417480"/>
           </a:xfrm>
           <a:prstGeom prst="rect">
             <a:avLst/>
@@ -17519,36 +17093,6 @@
           </a:ln>
         </p:spPr>
       </p:pic>
-    </p:spTree>
-  </p:cSld>
-  <mc:AlternateContent>
-    <mc:Choice Requires="p14">
-      <p:transition spd="slow" p14:dur="2000"/>
-    </mc:Choice>
-    <mc:Fallback>
-      <p:transition spd="slow"/>
-    </mc:Fallback>
-  </mc:AlternateContent>
-</p:sld>
-</file>
-
-<file path=ppt/slides/slide30.xml><?xml version="1.0" encoding="utf-8"?>
-<p:sld xmlns:a="http://schemas.openxmlformats.org/drawingml/2006/main" xmlns:p="http://schemas.openxmlformats.org/presentationml/2006/main" xmlns:r="http://schemas.openxmlformats.org/officeDocument/2006/relationships" xmlns:p14="http://schemas.microsoft.com/office/powerpoint/2010/main" xmlns:p15="http://schemas.microsoft.com/office/powerpoint/2012/main" xmlns:mc="http://schemas.openxmlformats.org/markup-compatibility/2006">
-  <p:cSld>
-    <p:spTree>
-      <p:nvGrpSpPr>
-        <p:cNvPr id="1" name=""/>
-        <p:cNvGrpSpPr/>
-        <p:nvPr/>
-      </p:nvGrpSpPr>
-      <p:grpSpPr>
-        <a:xfrm>
-          <a:off x="0" y="0"/>
-          <a:ext cx="0" cy="0"/>
-          <a:chOff x="0" y="0"/>
-          <a:chExt cx="0" cy="0"/>
-        </a:xfrm>
-      </p:grpSpPr>
     </p:spTree>
   </p:cSld>
   <mc:AlternateContent>
@@ -17588,7 +17132,7 @@
         <p:spPr>
           <a:xfrm>
             <a:off x="685800" y="0"/>
-            <a:ext cx="10959480" cy="1131840"/>
+            <a:ext cx="10959120" cy="1131480"/>
           </a:xfrm>
           <a:prstGeom prst="rect">
             <a:avLst/>
@@ -17664,7 +17208,7 @@
         <p:spPr>
           <a:xfrm>
             <a:off x="274320" y="1554480"/>
-            <a:ext cx="11062800" cy="4479120"/>
+            <a:ext cx="11062440" cy="4478760"/>
           </a:xfrm>
           <a:prstGeom prst="rect">
             <a:avLst/>
@@ -17744,7 +17288,7 @@
         <p:spPr>
           <a:xfrm>
             <a:off x="10515240" y="6202080"/>
-            <a:ext cx="1586880" cy="414000"/>
+            <a:ext cx="1586520" cy="413640"/>
           </a:xfrm>
           <a:prstGeom prst="rect">
             <a:avLst/>
@@ -17770,7 +17314,7 @@
                 <a:spcPct val="100000"/>
               </a:lnSpc>
             </a:pPr>
-            <a:fld id="{566FBFEA-8C59-4EC5-8B22-98B31F177338}" type="slidenum">
+            <a:fld id="{E81A5430-5F8E-40CB-B569-86914B5AF9E3}" type="slidenum">
               <a:rPr b="0" lang="en-US" sz="1600" spc="-1" strike="noStrike">
                 <a:solidFill>
                   <a:srgbClr val="000000"/>
@@ -17799,7 +17343,7 @@
         <p:spPr>
           <a:xfrm>
             <a:off x="1960920" y="2336040"/>
-            <a:ext cx="6541560" cy="3514680"/>
+            <a:ext cx="6541200" cy="3514320"/>
           </a:xfrm>
           <a:prstGeom prst="rect">
             <a:avLst/>
@@ -17848,7 +17392,7 @@
         <p:spPr>
           <a:xfrm>
             <a:off x="685800" y="0"/>
-            <a:ext cx="10959480" cy="1131840"/>
+            <a:ext cx="10959120" cy="1131480"/>
           </a:xfrm>
           <a:prstGeom prst="rect">
             <a:avLst/>
@@ -17924,7 +17468,7 @@
         <p:spPr>
           <a:xfrm>
             <a:off x="274320" y="1554480"/>
-            <a:ext cx="11062800" cy="4479120"/>
+            <a:ext cx="11062440" cy="4478760"/>
           </a:xfrm>
           <a:prstGeom prst="rect">
             <a:avLst/>
@@ -18004,7 +17548,7 @@
         <p:spPr>
           <a:xfrm>
             <a:off x="10515240" y="6202080"/>
-            <a:ext cx="1586880" cy="414000"/>
+            <a:ext cx="1586520" cy="413640"/>
           </a:xfrm>
           <a:prstGeom prst="rect">
             <a:avLst/>
@@ -18030,7 +17574,7 @@
                 <a:spcPct val="100000"/>
               </a:lnSpc>
             </a:pPr>
-            <a:fld id="{6CF3F597-574D-43EA-AF98-EC3F1C102D82}" type="slidenum">
+            <a:fld id="{E1E760A1-E145-4723-8FCE-D717F6A882D4}" type="slidenum">
               <a:rPr b="0" lang="en-US" sz="1600" spc="-1" strike="noStrike">
                 <a:solidFill>
                   <a:srgbClr val="000000"/>
@@ -18059,7 +17603,7 @@
         <p:spPr>
           <a:xfrm>
             <a:off x="1814040" y="2743200"/>
-            <a:ext cx="8974440" cy="2046240"/>
+            <a:ext cx="8974080" cy="2045880"/>
           </a:xfrm>
           <a:prstGeom prst="rect">
             <a:avLst/>
@@ -18108,7 +17652,7 @@
         <p:spPr>
           <a:xfrm>
             <a:off x="685800" y="0"/>
-            <a:ext cx="10959480" cy="1131840"/>
+            <a:ext cx="10959120" cy="1131480"/>
           </a:xfrm>
           <a:prstGeom prst="rect">
             <a:avLst/>
@@ -18184,7 +17728,7 @@
         <p:spPr>
           <a:xfrm>
             <a:off x="274320" y="1554480"/>
-            <a:ext cx="11062800" cy="4479120"/>
+            <a:ext cx="11062440" cy="4478760"/>
           </a:xfrm>
           <a:prstGeom prst="rect">
             <a:avLst/>
@@ -18241,7 +17785,7 @@
         <p:spPr>
           <a:xfrm>
             <a:off x="10515240" y="6202080"/>
-            <a:ext cx="1586880" cy="414000"/>
+            <a:ext cx="1586520" cy="413640"/>
           </a:xfrm>
           <a:prstGeom prst="rect">
             <a:avLst/>
@@ -18267,7 +17811,7 @@
                 <a:spcPct val="100000"/>
               </a:lnSpc>
             </a:pPr>
-            <a:fld id="{378ABC33-6EB9-4496-B092-202E1FD0840D}" type="slidenum">
+            <a:fld id="{D107E316-BA1E-4749-8A23-307A35FF0E39}" type="slidenum">
               <a:rPr b="0" lang="en-US" sz="1600" spc="-1" strike="noStrike">
                 <a:solidFill>
                   <a:srgbClr val="000000"/>
@@ -18296,7 +17840,7 @@
         <p:spPr>
           <a:xfrm>
             <a:off x="1948680" y="2011680"/>
-            <a:ext cx="8323200" cy="3902040"/>
+            <a:ext cx="8322840" cy="3901680"/>
           </a:xfrm>
           <a:prstGeom prst="rect">
             <a:avLst/>
@@ -18345,7 +17889,7 @@
         <p:spPr>
           <a:xfrm>
             <a:off x="685800" y="0"/>
-            <a:ext cx="10959480" cy="1131840"/>
+            <a:ext cx="10959120" cy="1131480"/>
           </a:xfrm>
           <a:prstGeom prst="rect">
             <a:avLst/>
@@ -18411,7 +17955,7 @@
         <p:spPr>
           <a:xfrm>
             <a:off x="274320" y="1554480"/>
-            <a:ext cx="11062800" cy="4479120"/>
+            <a:ext cx="11062440" cy="4478760"/>
           </a:xfrm>
           <a:prstGeom prst="rect">
             <a:avLst/>
@@ -18468,7 +18012,7 @@
         <p:spPr>
           <a:xfrm>
             <a:off x="10515240" y="6202080"/>
-            <a:ext cx="1586880" cy="414000"/>
+            <a:ext cx="1586520" cy="413640"/>
           </a:xfrm>
           <a:prstGeom prst="rect">
             <a:avLst/>
@@ -18494,7 +18038,7 @@
                 <a:spcPct val="100000"/>
               </a:lnSpc>
             </a:pPr>
-            <a:fld id="{42ECF4D7-000F-415A-B7FB-3A88815FA465}" type="slidenum">
+            <a:fld id="{20E2A9B0-2096-4B3C-BF60-A20628F718E5}" type="slidenum">
               <a:rPr b="0" lang="en-US" sz="1600" spc="-1" strike="noStrike">
                 <a:solidFill>
                   <a:srgbClr val="000000"/>
@@ -18523,7 +18067,7 @@
         <p:spPr>
           <a:xfrm>
             <a:off x="2115000" y="2154960"/>
-            <a:ext cx="7027560" cy="3787200"/>
+            <a:ext cx="7027200" cy="3786840"/>
           </a:xfrm>
           <a:prstGeom prst="rect">
             <a:avLst/>
@@ -18572,7 +18116,7 @@
         <p:spPr>
           <a:xfrm>
             <a:off x="685800" y="0"/>
-            <a:ext cx="10959480" cy="1131840"/>
+            <a:ext cx="10959120" cy="1131480"/>
           </a:xfrm>
           <a:prstGeom prst="rect">
             <a:avLst/>
@@ -18638,7 +18182,7 @@
         <p:spPr>
           <a:xfrm>
             <a:off x="274320" y="1554480"/>
-            <a:ext cx="11062800" cy="4479120"/>
+            <a:ext cx="11062440" cy="4478760"/>
           </a:xfrm>
           <a:prstGeom prst="rect">
             <a:avLst/>
@@ -18662,7 +18206,7 @@
             <a:noAutofit/>
           </a:bodyPr>
           <a:p>
-            <a:pPr marL="216000" indent="-214560">
+            <a:pPr marL="216000" indent="-214200">
               <a:lnSpc>
                 <a:spcPct val="100000"/>
               </a:lnSpc>
@@ -18701,7 +18245,7 @@
             </a:endParaRPr>
           </a:p>
           <a:p>
-            <a:pPr marL="216000" indent="-214560">
+            <a:pPr marL="216000" indent="-214200">
               <a:lnSpc>
                 <a:spcPct val="100000"/>
               </a:lnSpc>
@@ -18810,7 +18354,7 @@
             </a:endParaRPr>
           </a:p>
           <a:p>
-            <a:pPr marL="216000" indent="-214560">
+            <a:pPr marL="216000" indent="-214200">
               <a:lnSpc>
                 <a:spcPct val="100000"/>
               </a:lnSpc>
@@ -18849,7 +18393,7 @@
             </a:endParaRPr>
           </a:p>
           <a:p>
-            <a:pPr lvl="1" marL="432000" indent="-214560">
+            <a:pPr lvl="1" marL="432000" indent="-214200">
               <a:lnSpc>
                 <a:spcPct val="100000"/>
               </a:lnSpc>
@@ -18941,7 +18485,7 @@
             </a:endParaRPr>
           </a:p>
           <a:p>
-            <a:pPr lvl="1" marL="432000" indent="-214560">
+            <a:pPr lvl="1" marL="432000" indent="-214200">
               <a:lnSpc>
                 <a:spcPct val="100000"/>
               </a:lnSpc>
@@ -19066,7 +18610,7 @@
         <p:spPr>
           <a:xfrm>
             <a:off x="10515240" y="6202080"/>
-            <a:ext cx="1586880" cy="414000"/>
+            <a:ext cx="1586520" cy="413640"/>
           </a:xfrm>
           <a:prstGeom prst="rect">
             <a:avLst/>
@@ -19092,7 +18636,7 @@
                 <a:spcPct val="100000"/>
               </a:lnSpc>
             </a:pPr>
-            <a:fld id="{CFF3696E-DA83-4BC7-80DB-6BA32A32FC06}" type="slidenum">
+            <a:fld id="{7782AA58-4994-4DE9-8447-DA6C26FB7231}" type="slidenum">
               <a:rPr b="0" lang="en-US" sz="1600" spc="-1" strike="noStrike">
                 <a:solidFill>
                   <a:srgbClr val="000000"/>
@@ -19147,7 +18691,7 @@
         <p:spPr>
           <a:xfrm>
             <a:off x="685800" y="0"/>
-            <a:ext cx="10959480" cy="1131840"/>
+            <a:ext cx="10959120" cy="1131480"/>
           </a:xfrm>
           <a:prstGeom prst="rect">
             <a:avLst/>
@@ -19213,7 +18757,7 @@
         <p:spPr>
           <a:xfrm>
             <a:off x="274320" y="1554480"/>
-            <a:ext cx="11062800" cy="4479120"/>
+            <a:ext cx="11062440" cy="4478760"/>
           </a:xfrm>
           <a:prstGeom prst="rect">
             <a:avLst/>
@@ -19542,7 +19086,7 @@
         <p:spPr>
           <a:xfrm>
             <a:off x="10515240" y="6202080"/>
-            <a:ext cx="1586880" cy="414000"/>
+            <a:ext cx="1586520" cy="413640"/>
           </a:xfrm>
           <a:prstGeom prst="rect">
             <a:avLst/>
@@ -19568,7 +19112,7 @@
                 <a:spcPct val="100000"/>
               </a:lnSpc>
             </a:pPr>
-            <a:fld id="{078A1887-4A3A-4857-8C14-22C1FD670504}" type="slidenum">
+            <a:fld id="{DE1DCFFD-5E07-458F-AFFF-637E187D1934}" type="slidenum">
               <a:rPr b="0" lang="en-US" sz="1600" spc="-1" strike="noStrike">
                 <a:solidFill>
                   <a:srgbClr val="000000"/>

--- a/helm/documents/Helm_Knowledge_Sharing.pptx
+++ b/helm/documents/Helm_Knowledge_Sharing.pptx
@@ -6980,13 +6980,7 @@
               <a:rPr b="0" lang="en-US" sz="4400" spc="-1" strike="noStrike">
                 <a:latin typeface="Arial"/>
               </a:rPr>
-              <a:t>Click to edit the title </a:t>
-            </a:r>
-            <a:r>
-              <a:rPr b="0" lang="en-US" sz="4400" spc="-1" strike="noStrike">
-                <a:latin typeface="Arial"/>
-              </a:rPr>
-              <a:t>text format</a:t>
+              <a:t>Click to edit the title text format</a:t>
             </a:r>
             <a:endParaRPr b="0" lang="en-US" sz="4400" spc="-1" strike="noStrike">
               <a:latin typeface="Arial"/>
@@ -9439,7 +9433,7 @@
                 <a:spcPct val="100000"/>
               </a:lnSpc>
             </a:pPr>
-            <a:fld id="{5DF91D5B-B1BE-43FF-BF99-B717BA6EDD34}" type="slidenum">
+            <a:fld id="{B42153E3-A224-434E-A57E-1808FD65F1B2}" type="slidenum">
               <a:rPr b="0" lang="en-US" sz="1600" spc="-1" strike="noStrike">
                 <a:solidFill>
                   <a:srgbClr val="000000"/>
@@ -9782,7 +9776,7 @@
                 <a:spcPct val="100000"/>
               </a:lnSpc>
             </a:pPr>
-            <a:fld id="{1D8382AB-4CE8-47BD-AF5B-930331B9B9E7}" type="slidenum">
+            <a:fld id="{7D2D255A-14B8-41AA-AF9B-77F61FB69DAE}" type="slidenum">
               <a:rPr b="0" lang="en-US" sz="1600" spc="-1" strike="noStrike">
                 <a:solidFill>
                   <a:srgbClr val="000000"/>
@@ -10245,7 +10239,7 @@
                 <a:spcPct val="100000"/>
               </a:lnSpc>
             </a:pPr>
-            <a:fld id="{7347B688-8010-4FD0-B8D5-A0D63E3FF665}" type="slidenum">
+            <a:fld id="{8864DC1B-0089-4084-A818-19560C7A6584}" type="slidenum">
               <a:rPr b="0" lang="en-US" sz="1600" spc="-1" strike="noStrike">
                 <a:solidFill>
                   <a:srgbClr val="000000"/>
@@ -10611,7 +10605,7 @@
                 <a:spcPct val="100000"/>
               </a:lnSpc>
             </a:pPr>
-            <a:fld id="{38D49D42-55DF-4025-8B82-7B25FFF3408B}" type="slidenum">
+            <a:fld id="{DB2CD52E-D33A-4387-8397-B6CCB0D54EF5}" type="slidenum">
               <a:rPr b="0" lang="en-US" sz="1600" spc="-1" strike="noStrike">
                 <a:solidFill>
                   <a:srgbClr val="000000"/>
@@ -11034,7 +11028,7 @@
                 <a:spcPct val="100000"/>
               </a:lnSpc>
             </a:pPr>
-            <a:fld id="{7D2B94C7-B792-4A97-81E2-F322130FEA46}" type="slidenum">
+            <a:fld id="{079A5F35-0F32-4DC8-9956-991445BFE706}" type="slidenum">
               <a:rPr b="0" lang="en-US" sz="1600" spc="-1" strike="noStrike">
                 <a:solidFill>
                   <a:srgbClr val="000000"/>
@@ -11442,7 +11436,7 @@
                 <a:spcPct val="100000"/>
               </a:lnSpc>
             </a:pPr>
-            <a:fld id="{F0C0EFF2-6870-4C46-81DC-7E2B351D5886}" type="slidenum">
+            <a:fld id="{30936959-1ABC-414E-9CB3-5D455E1BD7EF}" type="slidenum">
               <a:rPr b="0" lang="en-US" sz="1600" spc="-1" strike="noStrike">
                 <a:solidFill>
                   <a:srgbClr val="000000"/>
@@ -12023,7 +12017,7 @@
                 <a:spcPct val="100000"/>
               </a:lnSpc>
             </a:pPr>
-            <a:fld id="{FC55E5F1-DC1E-49E7-ADC3-5F767D627C47}" type="slidenum">
+            <a:fld id="{DA6D1393-96C7-450C-8E65-D9471ACA9D71}" type="slidenum">
               <a:rPr b="0" lang="en-US" sz="1600" spc="-1" strike="noStrike">
                 <a:solidFill>
                   <a:srgbClr val="000000"/>
@@ -12403,7 +12397,7 @@
                 <a:spcPct val="100000"/>
               </a:lnSpc>
             </a:pPr>
-            <a:fld id="{73C94451-DA8C-405D-946E-62B1692CD092}" type="slidenum">
+            <a:fld id="{144F038E-3275-465D-A290-2D0973E6096E}" type="slidenum">
               <a:rPr b="0" lang="en-US" sz="1600" spc="-1" strike="noStrike">
                 <a:solidFill>
                   <a:srgbClr val="000000"/>
@@ -12720,7 +12714,7 @@
                 <a:spcPct val="100000"/>
               </a:lnSpc>
             </a:pPr>
-            <a:fld id="{6C649224-8F40-4327-A2B5-C53C702C9C7C}" type="slidenum">
+            <a:fld id="{F4280EE9-6D52-4244-9B56-ECD9A24AACD6}" type="slidenum">
               <a:rPr b="0" lang="en-US" sz="1600" spc="-1" strike="noStrike">
                 <a:solidFill>
                   <a:srgbClr val="000000"/>
@@ -13040,7 +13034,7 @@
                 <a:spcPct val="100000"/>
               </a:lnSpc>
             </a:pPr>
-            <a:fld id="{B38CAA66-4DB2-4B67-A29E-BE664D27B6A1}" type="slidenum">
+            <a:fld id="{EA644D84-0393-4362-B136-BBE606379BCE}" type="slidenum">
               <a:rPr b="0" lang="en-US" sz="1600" spc="-1" strike="noStrike">
                 <a:solidFill>
                   <a:srgbClr val="000000"/>
@@ -13832,7 +13826,7 @@
                 <a:spcPct val="100000"/>
               </a:lnSpc>
             </a:pPr>
-            <a:fld id="{38FB3785-C64D-4931-8226-39CF2DC04853}" type="slidenum">
+            <a:fld id="{6C468D0F-35BA-42E6-88E2-7947E6836AF2}" type="slidenum">
               <a:rPr b="0" lang="en-US" sz="1600" spc="-1" strike="noStrike">
                 <a:solidFill>
                   <a:srgbClr val="000000"/>
@@ -14152,7 +14146,7 @@
                 <a:spcPct val="100000"/>
               </a:lnSpc>
             </a:pPr>
-            <a:fld id="{05DD7637-47D8-466E-9078-886CA4470D1A}" type="slidenum">
+            <a:fld id="{9F526AD6-4FEB-4472-AFAC-8D111DF2E7E8}" type="slidenum">
               <a:rPr b="0" lang="en-US" sz="1600" spc="-1" strike="noStrike">
                 <a:solidFill>
                   <a:srgbClr val="000000"/>
@@ -14458,7 +14452,7 @@
                 <a:spcPct val="100000"/>
               </a:lnSpc>
             </a:pPr>
-            <a:fld id="{9A86F322-C365-4522-8AA6-15BAC33D1E44}" type="slidenum">
+            <a:fld id="{40D0BAB9-B07A-4300-83B0-5BCF211B7115}" type="slidenum">
               <a:rPr b="0" lang="en-US" sz="1600" spc="-1" strike="noStrike">
                 <a:solidFill>
                   <a:srgbClr val="000000"/>
@@ -14738,7 +14732,7 @@
                 <a:spcPct val="100000"/>
               </a:lnSpc>
             </a:pPr>
-            <a:fld id="{2F7BE4A6-F25B-4EA9-8637-1C41A579367C}" type="slidenum">
+            <a:fld id="{A294DE95-C4F6-4D7E-B09C-08A8A0D359F7}" type="slidenum">
               <a:rPr b="0" lang="en-US" sz="1600" spc="-1" strike="noStrike">
                 <a:solidFill>
                   <a:srgbClr val="000000"/>
@@ -15302,7 +15296,7 @@
                 <a:spcPct val="100000"/>
               </a:lnSpc>
             </a:pPr>
-            <a:fld id="{7798C606-D80F-48D2-8D00-2E589DD28E30}" type="slidenum">
+            <a:fld id="{1B758E85-A26A-41DF-862F-CE62C608DF88}" type="slidenum">
               <a:rPr b="0" lang="en-US" sz="1600" spc="-1" strike="noStrike">
                 <a:solidFill>
                   <a:srgbClr val="000000"/>
@@ -15740,7 +15734,7 @@
                 <a:spcPct val="100000"/>
               </a:lnSpc>
             </a:pPr>
-            <a:fld id="{7F126CE9-575E-4204-A4B2-3E67F96B716D}" type="slidenum">
+            <a:fld id="{DC0A0273-1024-49D1-98B8-2BC8C23ABD5A}" type="slidenum">
               <a:rPr b="0" lang="en-US" sz="1600" spc="-1" strike="noStrike">
                 <a:solidFill>
                   <a:srgbClr val="000000"/>
@@ -16128,7 +16122,7 @@
                 <a:spcPct val="100000"/>
               </a:lnSpc>
             </a:pPr>
-            <a:fld id="{09C89F8D-1B4F-4D05-BB6E-869A11E73132}" type="slidenum">
+            <a:fld id="{F5E3B024-BF9B-4F63-BD92-4C449AFC2541}" type="slidenum">
               <a:rPr b="0" lang="en-US" sz="1600" spc="-1" strike="noStrike">
                 <a:solidFill>
                   <a:srgbClr val="000000"/>
@@ -16136,7 +16130,7 @@
                 <a:latin typeface="Times New Roman"/>
                 <a:ea typeface="DejaVu Sans"/>
               </a:rPr>
-              <a:t>&lt;number&gt;</a:t>
+              <a:t>1</a:t>
             </a:fld>
             <a:endParaRPr b="0" lang="en-US" sz="1600" spc="-1" strike="noStrike">
               <a:latin typeface="Arial"/>
@@ -16639,7 +16633,7 @@
                 <a:spcPct val="100000"/>
               </a:lnSpc>
             </a:pPr>
-            <a:fld id="{73C08E97-0A6B-4C4A-87EF-19CA859F1DE1}" type="slidenum">
+            <a:fld id="{ED124F98-B31B-471B-AB9F-6EAC1492A72B}" type="slidenum">
               <a:rPr b="0" lang="en-US" sz="1600" spc="-1" strike="noStrike">
                 <a:solidFill>
                   <a:srgbClr val="000000"/>
@@ -16647,7 +16641,7 @@
                 <a:latin typeface="Times New Roman"/>
                 <a:ea typeface="DejaVu Sans"/>
               </a:rPr>
-              <a:t>&lt;number&gt;</a:t>
+              <a:t>1</a:t>
             </a:fld>
             <a:endParaRPr b="0" lang="en-US" sz="1600" spc="-1" strike="noStrike">
               <a:latin typeface="Arial"/>
@@ -16797,7 +16791,7 @@
                 <a:spcPct val="100000"/>
               </a:lnSpc>
             </a:pPr>
-            <a:fld id="{76B75AE5-7ED6-426C-9D92-FFD421286A20}" type="slidenum">
+            <a:fld id="{40E35A0F-87B3-4A8B-A795-3CB994FF2465}" type="slidenum">
               <a:rPr b="0" lang="en-US" sz="1600" spc="-1" strike="noStrike">
                 <a:solidFill>
                   <a:srgbClr val="000000"/>
@@ -17054,7 +17048,7 @@
                 <a:spcPct val="100000"/>
               </a:lnSpc>
             </a:pPr>
-            <a:fld id="{23EE066C-BF84-4E4B-A8D7-9AD335FF0DC6}" type="slidenum">
+            <a:fld id="{79B87995-980A-4D96-883E-BDA42CA12E77}" type="slidenum">
               <a:rPr b="0" lang="en-US" sz="1600" spc="-1" strike="noStrike">
                 <a:solidFill>
                   <a:srgbClr val="000000"/>
@@ -17314,7 +17308,7 @@
                 <a:spcPct val="100000"/>
               </a:lnSpc>
             </a:pPr>
-            <a:fld id="{E81A5430-5F8E-40CB-B569-86914B5AF9E3}" type="slidenum">
+            <a:fld id="{84F7C189-A89D-4867-B6F7-3516D2E61B2E}" type="slidenum">
               <a:rPr b="0" lang="en-US" sz="1600" spc="-1" strike="noStrike">
                 <a:solidFill>
                   <a:srgbClr val="000000"/>
@@ -17574,7 +17568,7 @@
                 <a:spcPct val="100000"/>
               </a:lnSpc>
             </a:pPr>
-            <a:fld id="{E1E760A1-E145-4723-8FCE-D717F6A882D4}" type="slidenum">
+            <a:fld id="{B5A7EEA9-BF5B-49C3-93D3-0B47959294CD}" type="slidenum">
               <a:rPr b="0" lang="en-US" sz="1600" spc="-1" strike="noStrike">
                 <a:solidFill>
                   <a:srgbClr val="000000"/>
@@ -17811,7 +17805,7 @@
                 <a:spcPct val="100000"/>
               </a:lnSpc>
             </a:pPr>
-            <a:fld id="{D107E316-BA1E-4749-8A23-307A35FF0E39}" type="slidenum">
+            <a:fld id="{E6A3CB52-2260-40E4-860B-7F6A7B652C5B}" type="slidenum">
               <a:rPr b="0" lang="en-US" sz="1600" spc="-1" strike="noStrike">
                 <a:solidFill>
                   <a:srgbClr val="000000"/>
@@ -18038,7 +18032,7 @@
                 <a:spcPct val="100000"/>
               </a:lnSpc>
             </a:pPr>
-            <a:fld id="{20E2A9B0-2096-4B3C-BF60-A20628F718E5}" type="slidenum">
+            <a:fld id="{ED512E8F-D0F6-4778-9F9C-B2BEFF20E107}" type="slidenum">
               <a:rPr b="0" lang="en-US" sz="1600" spc="-1" strike="noStrike">
                 <a:solidFill>
                   <a:srgbClr val="000000"/>
@@ -18636,7 +18630,7 @@
                 <a:spcPct val="100000"/>
               </a:lnSpc>
             </a:pPr>
-            <a:fld id="{7782AA58-4994-4DE9-8447-DA6C26FB7231}" type="slidenum">
+            <a:fld id="{3F0DD7DA-20A5-4157-A96F-ADB0008978A0}" type="slidenum">
               <a:rPr b="0" lang="en-US" sz="1600" spc="-1" strike="noStrike">
                 <a:solidFill>
                   <a:srgbClr val="000000"/>
@@ -19112,7 +19106,7 @@
                 <a:spcPct val="100000"/>
               </a:lnSpc>
             </a:pPr>
-            <a:fld id="{DE1DCFFD-5E07-458F-AFFF-637E187D1934}" type="slidenum">
+            <a:fld id="{5D9D13FE-FB07-4214-911F-855F47FC751D}" type="slidenum">
               <a:rPr b="0" lang="en-US" sz="1600" spc="-1" strike="noStrike">
                 <a:solidFill>
                   <a:srgbClr val="000000"/>
